--- a/JAVA.pptx
+++ b/JAVA.pptx
@@ -5,7 +5,7 @@
     <p:sldMasterId id="2147483672" r:id="rId1"/>
   </p:sldMasterIdLst>
   <p:notesMasterIdLst>
-    <p:notesMasterId r:id="rId14"/>
+    <p:notesMasterId r:id="rId26"/>
   </p:notesMasterIdLst>
   <p:sldIdLst>
     <p:sldId id="257" r:id="rId2"/>
@@ -20,6 +20,18 @@
     <p:sldId id="265" r:id="rId11"/>
     <p:sldId id="266" r:id="rId12"/>
     <p:sldId id="267" r:id="rId13"/>
+    <p:sldId id="268" r:id="rId14"/>
+    <p:sldId id="269" r:id="rId15"/>
+    <p:sldId id="270" r:id="rId16"/>
+    <p:sldId id="272" r:id="rId17"/>
+    <p:sldId id="273" r:id="rId18"/>
+    <p:sldId id="271" r:id="rId19"/>
+    <p:sldId id="274" r:id="rId20"/>
+    <p:sldId id="275" r:id="rId21"/>
+    <p:sldId id="276" r:id="rId22"/>
+    <p:sldId id="277" r:id="rId23"/>
+    <p:sldId id="278" r:id="rId24"/>
+    <p:sldId id="279" r:id="rId25"/>
   </p:sldIdLst>
   <p:sldSz cx="12192000" cy="6858000"/>
   <p:notesSz cx="6858000" cy="9144000"/>
@@ -237,7 +249,7 @@
           <a:p>
             <a:fld id="{793E1085-CD5A-4344-9015-5F31F108D9F6}" type="datetimeFigureOut">
               <a:rPr lang="en-IN" smtClean="0"/>
-              <a:t>15-02-2025</a:t>
+              <a:t>26-02-2025</a:t>
             </a:fld>
             <a:endParaRPr lang="en-IN"/>
           </a:p>
@@ -720,7 +732,7 @@
           <a:p>
             <a:fld id="{5BA949CA-9D7A-4F72-9D19-23CC5A2468BD}" type="datetimeFigureOut">
               <a:rPr lang="en-IN" smtClean="0"/>
-              <a:t>15-02-2025</a:t>
+              <a:t>26-02-2025</a:t>
             </a:fld>
             <a:endParaRPr lang="en-IN"/>
           </a:p>
@@ -890,7 +902,7 @@
           <a:p>
             <a:fld id="{5BA949CA-9D7A-4F72-9D19-23CC5A2468BD}" type="datetimeFigureOut">
               <a:rPr lang="en-IN" smtClean="0"/>
-              <a:t>15-02-2025</a:t>
+              <a:t>26-02-2025</a:t>
             </a:fld>
             <a:endParaRPr lang="en-IN"/>
           </a:p>
@@ -1070,7 +1082,7 @@
           <a:p>
             <a:fld id="{5BA949CA-9D7A-4F72-9D19-23CC5A2468BD}" type="datetimeFigureOut">
               <a:rPr lang="en-IN" smtClean="0"/>
-              <a:t>15-02-2025</a:t>
+              <a:t>26-02-2025</a:t>
             </a:fld>
             <a:endParaRPr lang="en-IN"/>
           </a:p>
@@ -1240,7 +1252,7 @@
           <a:p>
             <a:fld id="{5BA949CA-9D7A-4F72-9D19-23CC5A2468BD}" type="datetimeFigureOut">
               <a:rPr lang="en-IN" smtClean="0"/>
-              <a:t>15-02-2025</a:t>
+              <a:t>26-02-2025</a:t>
             </a:fld>
             <a:endParaRPr lang="en-IN"/>
           </a:p>
@@ -1486,7 +1498,7 @@
           <a:p>
             <a:fld id="{5BA949CA-9D7A-4F72-9D19-23CC5A2468BD}" type="datetimeFigureOut">
               <a:rPr lang="en-IN" smtClean="0"/>
-              <a:t>15-02-2025</a:t>
+              <a:t>26-02-2025</a:t>
             </a:fld>
             <a:endParaRPr lang="en-IN"/>
           </a:p>
@@ -1718,7 +1730,7 @@
           <a:p>
             <a:fld id="{5BA949CA-9D7A-4F72-9D19-23CC5A2468BD}" type="datetimeFigureOut">
               <a:rPr lang="en-IN" smtClean="0"/>
-              <a:t>15-02-2025</a:t>
+              <a:t>26-02-2025</a:t>
             </a:fld>
             <a:endParaRPr lang="en-IN"/>
           </a:p>
@@ -2085,7 +2097,7 @@
           <a:p>
             <a:fld id="{5BA949CA-9D7A-4F72-9D19-23CC5A2468BD}" type="datetimeFigureOut">
               <a:rPr lang="en-IN" smtClean="0"/>
-              <a:t>15-02-2025</a:t>
+              <a:t>26-02-2025</a:t>
             </a:fld>
             <a:endParaRPr lang="en-IN"/>
           </a:p>
@@ -2203,7 +2215,7 @@
           <a:p>
             <a:fld id="{5BA949CA-9D7A-4F72-9D19-23CC5A2468BD}" type="datetimeFigureOut">
               <a:rPr lang="en-IN" smtClean="0"/>
-              <a:t>15-02-2025</a:t>
+              <a:t>26-02-2025</a:t>
             </a:fld>
             <a:endParaRPr lang="en-IN"/>
           </a:p>
@@ -2298,7 +2310,7 @@
           <a:p>
             <a:fld id="{5BA949CA-9D7A-4F72-9D19-23CC5A2468BD}" type="datetimeFigureOut">
               <a:rPr lang="en-IN" smtClean="0"/>
-              <a:t>15-02-2025</a:t>
+              <a:t>26-02-2025</a:t>
             </a:fld>
             <a:endParaRPr lang="en-IN"/>
           </a:p>
@@ -2575,7 +2587,7 @@
           <a:p>
             <a:fld id="{5BA949CA-9D7A-4F72-9D19-23CC5A2468BD}" type="datetimeFigureOut">
               <a:rPr lang="en-IN" smtClean="0"/>
-              <a:t>15-02-2025</a:t>
+              <a:t>26-02-2025</a:t>
             </a:fld>
             <a:endParaRPr lang="en-IN"/>
           </a:p>
@@ -2832,7 +2844,7 @@
           <a:p>
             <a:fld id="{5BA949CA-9D7A-4F72-9D19-23CC5A2468BD}" type="datetimeFigureOut">
               <a:rPr lang="en-IN" smtClean="0"/>
-              <a:t>15-02-2025</a:t>
+              <a:t>26-02-2025</a:t>
             </a:fld>
             <a:endParaRPr lang="en-IN"/>
           </a:p>
@@ -3051,7 +3063,7 @@
           <a:p>
             <a:fld id="{5BA949CA-9D7A-4F72-9D19-23CC5A2468BD}" type="datetimeFigureOut">
               <a:rPr lang="en-IN" smtClean="0"/>
-              <a:t>15-02-2025</a:t>
+              <a:t>26-02-2025</a:t>
             </a:fld>
             <a:endParaRPr lang="en-IN"/>
           </a:p>
@@ -5806,13 +5818,13 @@
   <p:clrMapOvr>
     <a:masterClrMapping/>
   </p:clrMapOvr>
-  <mc:AlternateContent xmlns:mc="http://schemas.openxmlformats.org/markup-compatibility/2006">
-    <mc:Choice xmlns:p14="http://schemas.microsoft.com/office/powerpoint/2010/main" Requires="p14">
+  <mc:AlternateContent xmlns:mc="http://schemas.openxmlformats.org/markup-compatibility/2006" xmlns:p14="http://schemas.microsoft.com/office/powerpoint/2010/main">
+    <mc:Choice Requires="p14">
       <p:transition spd="slow" p14:dur="3000">
         <p14:shred pattern="rectangle" dir="out"/>
       </p:transition>
     </mc:Choice>
-    <mc:Fallback>
+    <mc:Fallback xmlns="">
       <p:transition spd="slow">
         <p:fade/>
       </p:transition>
@@ -6184,13 +6196,13 @@
   <p:clrMapOvr>
     <a:masterClrMapping/>
   </p:clrMapOvr>
-  <mc:AlternateContent xmlns:mc="http://schemas.openxmlformats.org/markup-compatibility/2006">
-    <mc:Choice xmlns:p15="http://schemas.microsoft.com/office/powerpoint/2012/main" Requires="p15">
+  <mc:AlternateContent xmlns:mc="http://schemas.openxmlformats.org/markup-compatibility/2006" xmlns:p15="http://schemas.microsoft.com/office/powerpoint/2012/main">
+    <mc:Choice Requires="p15">
       <p:transition xmlns:p14="http://schemas.microsoft.com/office/powerpoint/2010/main" spd="slow" p14:dur="3250">
         <p15:prstTrans prst="origami"/>
       </p:transition>
     </mc:Choice>
-    <mc:Fallback>
+    <mc:Fallback xmlns="">
       <p:transition spd="slow">
         <p:fade/>
       </p:transition>
@@ -6501,13 +6513,13 @@
   <p:clrMapOvr>
     <a:masterClrMapping/>
   </p:clrMapOvr>
-  <mc:AlternateContent xmlns:mc="http://schemas.openxmlformats.org/markup-compatibility/2006">
-    <mc:Choice xmlns:p14="http://schemas.microsoft.com/office/powerpoint/2010/main" Requires="p14">
+  <mc:AlternateContent xmlns:mc="http://schemas.openxmlformats.org/markup-compatibility/2006" xmlns:p14="http://schemas.microsoft.com/office/powerpoint/2010/main">
+    <mc:Choice Requires="p14">
       <p:transition spd="slow" p14:dur="800">
         <p14:flythrough/>
       </p:transition>
     </mc:Choice>
-    <mc:Fallback>
+    <mc:Fallback xmlns="">
       <p:transition spd="slow">
         <p:fade/>
       </p:transition>
@@ -6884,10 +6896,3286 @@
   <p:clrMapOvr>
     <a:masterClrMapping/>
   </p:clrMapOvr>
+  <mc:AlternateContent xmlns:mc="http://schemas.openxmlformats.org/markup-compatibility/2006" xmlns:p14="http://schemas.microsoft.com/office/powerpoint/2010/main">
+    <mc:Choice Requires="p14">
+      <p:transition spd="slow" p14:dur="4400">
+        <p14:honeycomb/>
+      </p:transition>
+    </mc:Choice>
+    <mc:Fallback xmlns="">
+      <p:transition spd="slow">
+        <p:fade/>
+      </p:transition>
+    </mc:Fallback>
+  </mc:AlternateContent>
+</p:sld>
+</file>
+
+<file path=ppt/slides/slide13.xml><?xml version="1.0" encoding="utf-8"?>
+<p:sld xmlns:a="http://schemas.openxmlformats.org/drawingml/2006/main" xmlns:r="http://schemas.openxmlformats.org/officeDocument/2006/relationships" xmlns:p="http://schemas.openxmlformats.org/presentationml/2006/main">
+  <p:cSld>
+    <p:spTree>
+      <p:nvGrpSpPr>
+        <p:cNvPr id="1" name=""/>
+        <p:cNvGrpSpPr/>
+        <p:nvPr/>
+      </p:nvGrpSpPr>
+      <p:grpSpPr>
+        <a:xfrm>
+          <a:off x="0" y="0"/>
+          <a:ext cx="0" cy="0"/>
+          <a:chOff x="0" y="0"/>
+          <a:chExt cx="0" cy="0"/>
+        </a:xfrm>
+      </p:grpSpPr>
+      <p:sp>
+        <p:nvSpPr>
+          <p:cNvPr id="4" name="TextBox 3">
+            <a:extLst>
+              <a:ext uri="{FF2B5EF4-FFF2-40B4-BE49-F238E27FC236}">
+                <a16:creationId xmlns:a16="http://schemas.microsoft.com/office/drawing/2014/main" id="{4509C823-CDC5-0FEF-67F6-2A94A2E89B62}"/>
+              </a:ext>
+            </a:extLst>
+          </p:cNvPr>
+          <p:cNvSpPr txBox="1"/>
+          <p:nvPr/>
+        </p:nvSpPr>
+        <p:spPr>
+          <a:xfrm>
+            <a:off x="937708" y="1543869"/>
+            <a:ext cx="10316584" cy="3770263"/>
+          </a:xfrm>
+          <a:prstGeom prst="rect">
+            <a:avLst/>
+          </a:prstGeom>
+          <a:noFill/>
+        </p:spPr>
+        <p:txBody>
+          <a:bodyPr wrap="square" rtlCol="0">
+            <a:spAutoFit/>
+          </a:bodyPr>
+          <a:lstStyle/>
+          <a:p>
+            <a:r>
+              <a:rPr lang="en-IN" sz="23900" dirty="0">
+                <a:solidFill>
+                  <a:schemeClr val="bg1"/>
+                </a:solidFill>
+                <a:latin typeface="Berlin Sans FB Demi" panose="020E0802020502020306" pitchFamily="34" charset="0"/>
+              </a:rPr>
+              <a:t>STRING</a:t>
+            </a:r>
+            <a:endParaRPr lang="en-IN" dirty="0">
+              <a:solidFill>
+                <a:schemeClr val="bg1"/>
+              </a:solidFill>
+              <a:latin typeface="Berlin Sans FB Demi" panose="020E0802020502020306" pitchFamily="34" charset="0"/>
+            </a:endParaRPr>
+          </a:p>
+        </p:txBody>
+      </p:sp>
+    </p:spTree>
+    <p:extLst>
+      <p:ext uri="{BB962C8B-B14F-4D97-AF65-F5344CB8AC3E}">
+        <p14:creationId xmlns:p14="http://schemas.microsoft.com/office/powerpoint/2010/main" val="3534199398"/>
+      </p:ext>
+    </p:extLst>
+  </p:cSld>
+  <p:clrMapOvr>
+    <a:masterClrMapping/>
+  </p:clrMapOvr>
   <mc:AlternateContent xmlns:mc="http://schemas.openxmlformats.org/markup-compatibility/2006">
     <mc:Choice xmlns:p14="http://schemas.microsoft.com/office/powerpoint/2010/main" Requires="p14">
-      <p:transition spd="slow" p14:dur="4400">
-        <p14:honeycomb/>
+      <p:transition spd="slow" p14:dur="3000">
+        <p14:shred/>
+      </p:transition>
+    </mc:Choice>
+    <mc:Fallback>
+      <p:transition spd="slow">
+        <p:fade/>
+      </p:transition>
+    </mc:Fallback>
+  </mc:AlternateContent>
+</p:sld>
+</file>
+
+<file path=ppt/slides/slide14.xml><?xml version="1.0" encoding="utf-8"?>
+<p:sld xmlns:a="http://schemas.openxmlformats.org/drawingml/2006/main" xmlns:r="http://schemas.openxmlformats.org/officeDocument/2006/relationships" xmlns:p="http://schemas.openxmlformats.org/presentationml/2006/main">
+  <p:cSld>
+    <p:spTree>
+      <p:nvGrpSpPr>
+        <p:cNvPr id="1" name=""/>
+        <p:cNvGrpSpPr/>
+        <p:nvPr/>
+      </p:nvGrpSpPr>
+      <p:grpSpPr>
+        <a:xfrm>
+          <a:off x="0" y="0"/>
+          <a:ext cx="0" cy="0"/>
+          <a:chOff x="0" y="0"/>
+          <a:chExt cx="0" cy="0"/>
+        </a:xfrm>
+      </p:grpSpPr>
+      <p:sp>
+        <p:nvSpPr>
+          <p:cNvPr id="4" name="Rectangle: Rounded Corners 3">
+            <a:extLst>
+              <a:ext uri="{FF2B5EF4-FFF2-40B4-BE49-F238E27FC236}">
+                <a16:creationId xmlns:a16="http://schemas.microsoft.com/office/drawing/2014/main" id="{4C3527F1-CC20-3D4A-DA0C-79693F4CDE3E}"/>
+              </a:ext>
+            </a:extLst>
+          </p:cNvPr>
+          <p:cNvSpPr/>
+          <p:nvPr/>
+        </p:nvSpPr>
+        <p:spPr>
+          <a:xfrm>
+            <a:off x="1584960" y="2529840"/>
+            <a:ext cx="9022080" cy="2286000"/>
+          </a:xfrm>
+          <a:prstGeom prst="roundRect">
+            <a:avLst>
+              <a:gd name="adj" fmla="val 4667"/>
+            </a:avLst>
+          </a:prstGeom>
+          <a:solidFill>
+            <a:schemeClr val="tx1">
+              <a:lumMod val="75000"/>
+              <a:lumOff val="25000"/>
+            </a:schemeClr>
+          </a:solidFill>
+        </p:spPr>
+        <p:style>
+          <a:lnRef idx="2">
+            <a:schemeClr val="accent1">
+              <a:shade val="15000"/>
+            </a:schemeClr>
+          </a:lnRef>
+          <a:fillRef idx="1">
+            <a:schemeClr val="accent1"/>
+          </a:fillRef>
+          <a:effectRef idx="0">
+            <a:schemeClr val="accent1"/>
+          </a:effectRef>
+          <a:fontRef idx="minor">
+            <a:schemeClr val="lt1"/>
+          </a:fontRef>
+        </p:style>
+        <p:txBody>
+          <a:bodyPr rtlCol="0" anchor="ctr"/>
+          <a:lstStyle/>
+          <a:p>
+            <a:pPr algn="ctr"/>
+            <a:endParaRPr lang="en-IN"/>
+          </a:p>
+        </p:txBody>
+      </p:sp>
+      <p:sp>
+        <p:nvSpPr>
+          <p:cNvPr id="5" name="TextBox 4">
+            <a:extLst>
+              <a:ext uri="{FF2B5EF4-FFF2-40B4-BE49-F238E27FC236}">
+                <a16:creationId xmlns:a16="http://schemas.microsoft.com/office/drawing/2014/main" id="{850D7AFE-7C05-709A-49A3-C1AAA91CBAD5}"/>
+              </a:ext>
+            </a:extLst>
+          </p:cNvPr>
+          <p:cNvSpPr txBox="1"/>
+          <p:nvPr/>
+        </p:nvSpPr>
+        <p:spPr>
+          <a:xfrm>
+            <a:off x="2705100" y="640080"/>
+            <a:ext cx="7033260" cy="830997"/>
+          </a:xfrm>
+          <a:prstGeom prst="rect">
+            <a:avLst/>
+          </a:prstGeom>
+          <a:noFill/>
+        </p:spPr>
+        <p:txBody>
+          <a:bodyPr wrap="square" rtlCol="0">
+            <a:spAutoFit/>
+          </a:bodyPr>
+          <a:lstStyle/>
+          <a:p>
+            <a:r>
+              <a:rPr lang="en-IN" sz="4800" b="1" dirty="0">
+                <a:solidFill>
+                  <a:schemeClr val="bg1"/>
+                </a:solidFill>
+              </a:rPr>
+              <a:t>String Creation Methods</a:t>
+            </a:r>
+          </a:p>
+        </p:txBody>
+      </p:sp>
+      <p:sp>
+        <p:nvSpPr>
+          <p:cNvPr id="6" name="Oval 5">
+            <a:extLst>
+              <a:ext uri="{FF2B5EF4-FFF2-40B4-BE49-F238E27FC236}">
+                <a16:creationId xmlns:a16="http://schemas.microsoft.com/office/drawing/2014/main" id="{6BB79526-0769-AD67-7816-E961E9DBA321}"/>
+              </a:ext>
+            </a:extLst>
+          </p:cNvPr>
+          <p:cNvSpPr/>
+          <p:nvPr/>
+        </p:nvSpPr>
+        <p:spPr>
+          <a:xfrm>
+            <a:off x="1841658" y="2712719"/>
+            <a:ext cx="203835" cy="203835"/>
+          </a:xfrm>
+          <a:prstGeom prst="ellipse">
+            <a:avLst/>
+          </a:prstGeom>
+          <a:solidFill>
+            <a:schemeClr val="accent2"/>
+          </a:solidFill>
+        </p:spPr>
+        <p:style>
+          <a:lnRef idx="2">
+            <a:schemeClr val="accent1">
+              <a:shade val="15000"/>
+            </a:schemeClr>
+          </a:lnRef>
+          <a:fillRef idx="1">
+            <a:schemeClr val="accent1"/>
+          </a:fillRef>
+          <a:effectRef idx="0">
+            <a:schemeClr val="accent1"/>
+          </a:effectRef>
+          <a:fontRef idx="minor">
+            <a:schemeClr val="lt1"/>
+          </a:fontRef>
+        </p:style>
+        <p:txBody>
+          <a:bodyPr rtlCol="0" anchor="ctr"/>
+          <a:lstStyle/>
+          <a:p>
+            <a:pPr algn="ctr"/>
+            <a:endParaRPr lang="en-IN" dirty="0"/>
+          </a:p>
+        </p:txBody>
+      </p:sp>
+      <p:sp>
+        <p:nvSpPr>
+          <p:cNvPr id="7" name="Oval 6">
+            <a:extLst>
+              <a:ext uri="{FF2B5EF4-FFF2-40B4-BE49-F238E27FC236}">
+                <a16:creationId xmlns:a16="http://schemas.microsoft.com/office/drawing/2014/main" id="{6CE7DF6F-4649-B971-EBE7-C07567F3A5CB}"/>
+              </a:ext>
+            </a:extLst>
+          </p:cNvPr>
+          <p:cNvSpPr/>
+          <p:nvPr/>
+        </p:nvSpPr>
+        <p:spPr>
+          <a:xfrm>
+            <a:off x="2133758" y="2712719"/>
+            <a:ext cx="203835" cy="203835"/>
+          </a:xfrm>
+          <a:prstGeom prst="ellipse">
+            <a:avLst/>
+          </a:prstGeom>
+          <a:solidFill>
+            <a:srgbClr val="FFC000"/>
+          </a:solidFill>
+        </p:spPr>
+        <p:style>
+          <a:lnRef idx="2">
+            <a:schemeClr val="accent1">
+              <a:shade val="15000"/>
+            </a:schemeClr>
+          </a:lnRef>
+          <a:fillRef idx="1">
+            <a:schemeClr val="accent1"/>
+          </a:fillRef>
+          <a:effectRef idx="0">
+            <a:schemeClr val="accent1"/>
+          </a:effectRef>
+          <a:fontRef idx="minor">
+            <a:schemeClr val="lt1"/>
+          </a:fontRef>
+        </p:style>
+        <p:txBody>
+          <a:bodyPr rtlCol="0" anchor="ctr"/>
+          <a:lstStyle/>
+          <a:p>
+            <a:pPr algn="ctr"/>
+            <a:endParaRPr lang="en-IN" dirty="0"/>
+          </a:p>
+        </p:txBody>
+      </p:sp>
+      <p:sp>
+        <p:nvSpPr>
+          <p:cNvPr id="8" name="Oval 7">
+            <a:extLst>
+              <a:ext uri="{FF2B5EF4-FFF2-40B4-BE49-F238E27FC236}">
+                <a16:creationId xmlns:a16="http://schemas.microsoft.com/office/drawing/2014/main" id="{D7C304A1-6594-F7DF-15AC-EB2541977841}"/>
+              </a:ext>
+            </a:extLst>
+          </p:cNvPr>
+          <p:cNvSpPr/>
+          <p:nvPr/>
+        </p:nvSpPr>
+        <p:spPr>
+          <a:xfrm>
+            <a:off x="2425858" y="2712719"/>
+            <a:ext cx="203835" cy="203835"/>
+          </a:xfrm>
+          <a:prstGeom prst="ellipse">
+            <a:avLst/>
+          </a:prstGeom>
+          <a:solidFill>
+            <a:schemeClr val="accent6"/>
+          </a:solidFill>
+        </p:spPr>
+        <p:style>
+          <a:lnRef idx="2">
+            <a:schemeClr val="accent1">
+              <a:shade val="15000"/>
+            </a:schemeClr>
+          </a:lnRef>
+          <a:fillRef idx="1">
+            <a:schemeClr val="accent1"/>
+          </a:fillRef>
+          <a:effectRef idx="0">
+            <a:schemeClr val="accent1"/>
+          </a:effectRef>
+          <a:fontRef idx="minor">
+            <a:schemeClr val="lt1"/>
+          </a:fontRef>
+        </p:style>
+        <p:txBody>
+          <a:bodyPr rtlCol="0" anchor="ctr"/>
+          <a:lstStyle/>
+          <a:p>
+            <a:pPr algn="ctr"/>
+            <a:endParaRPr lang="en-IN" dirty="0"/>
+          </a:p>
+        </p:txBody>
+      </p:sp>
+      <p:sp>
+        <p:nvSpPr>
+          <p:cNvPr id="9" name="TextBox 8">
+            <a:extLst>
+              <a:ext uri="{FF2B5EF4-FFF2-40B4-BE49-F238E27FC236}">
+                <a16:creationId xmlns:a16="http://schemas.microsoft.com/office/drawing/2014/main" id="{98040E4B-B5C1-3270-8B7F-46D18E1BA3C9}"/>
+              </a:ext>
+            </a:extLst>
+          </p:cNvPr>
+          <p:cNvSpPr txBox="1"/>
+          <p:nvPr/>
+        </p:nvSpPr>
+        <p:spPr>
+          <a:xfrm>
+            <a:off x="1841658" y="3607594"/>
+            <a:ext cx="8197692" cy="646331"/>
+          </a:xfrm>
+          <a:prstGeom prst="rect">
+            <a:avLst/>
+          </a:prstGeom>
+          <a:noFill/>
+        </p:spPr>
+        <p:txBody>
+          <a:bodyPr wrap="square" rtlCol="0">
+            <a:spAutoFit/>
+          </a:bodyPr>
+          <a:lstStyle/>
+          <a:p>
+            <a:r>
+              <a:rPr lang="en-IN" dirty="0">
+                <a:solidFill>
+                  <a:schemeClr val="bg1"/>
+                </a:solidFill>
+              </a:rPr>
+              <a:t>String  </a:t>
+            </a:r>
+            <a:r>
+              <a:rPr lang="en-IN" dirty="0">
+                <a:solidFill>
+                  <a:schemeClr val="tx2">
+                    <a:lumMod val="50000"/>
+                    <a:lumOff val="50000"/>
+                  </a:schemeClr>
+                </a:solidFill>
+              </a:rPr>
+              <a:t>s1</a:t>
+            </a:r>
+            <a:r>
+              <a:rPr lang="en-IN" dirty="0">
+                <a:solidFill>
+                  <a:schemeClr val="bg1"/>
+                </a:solidFill>
+              </a:rPr>
+              <a:t> =     </a:t>
+            </a:r>
+            <a:r>
+              <a:rPr lang="en-IN" dirty="0">
+                <a:solidFill>
+                  <a:srgbClr val="FFC000"/>
+                </a:solidFill>
+              </a:rPr>
+              <a:t>“Hello”</a:t>
+            </a:r>
+            <a:r>
+              <a:rPr lang="en-IN" dirty="0">
+                <a:solidFill>
+                  <a:schemeClr val="bg1"/>
+                </a:solidFill>
+              </a:rPr>
+              <a:t> ;							</a:t>
+            </a:r>
+            <a:r>
+              <a:rPr lang="en-IN" dirty="0">
+                <a:solidFill>
+                  <a:schemeClr val="tx1">
+                    <a:lumMod val="50000"/>
+                    <a:lumOff val="50000"/>
+                  </a:schemeClr>
+                </a:solidFill>
+              </a:rPr>
+              <a:t>//String literal</a:t>
+            </a:r>
+          </a:p>
+          <a:p>
+            <a:r>
+              <a:rPr lang="en-IN" dirty="0">
+                <a:solidFill>
+                  <a:schemeClr val="bg1"/>
+                </a:solidFill>
+              </a:rPr>
+              <a:t>String  </a:t>
+            </a:r>
+            <a:r>
+              <a:rPr lang="en-IN" dirty="0">
+                <a:solidFill>
+                  <a:schemeClr val="tx2">
+                    <a:lumMod val="50000"/>
+                    <a:lumOff val="50000"/>
+                  </a:schemeClr>
+                </a:solidFill>
+              </a:rPr>
+              <a:t>s2</a:t>
+            </a:r>
+            <a:r>
+              <a:rPr lang="en-IN" dirty="0">
+                <a:solidFill>
+                  <a:schemeClr val="bg1"/>
+                </a:solidFill>
+              </a:rPr>
+              <a:t> =     </a:t>
+            </a:r>
+            <a:r>
+              <a:rPr lang="en-IN" dirty="0">
+                <a:solidFill>
+                  <a:srgbClr val="E97132"/>
+                </a:solidFill>
+              </a:rPr>
+              <a:t>new</a:t>
+            </a:r>
+            <a:r>
+              <a:rPr lang="en-IN" dirty="0">
+                <a:solidFill>
+                  <a:schemeClr val="bg1"/>
+                </a:solidFill>
+              </a:rPr>
+              <a:t> String(</a:t>
+            </a:r>
+            <a:r>
+              <a:rPr lang="en-IN" dirty="0">
+                <a:solidFill>
+                  <a:srgbClr val="FFC000"/>
+                </a:solidFill>
+              </a:rPr>
+              <a:t>“Hello”</a:t>
+            </a:r>
+            <a:r>
+              <a:rPr lang="en-IN" dirty="0">
+                <a:solidFill>
+                  <a:schemeClr val="bg1"/>
+                </a:solidFill>
+              </a:rPr>
+              <a:t>) ;				</a:t>
+            </a:r>
+            <a:r>
+              <a:rPr lang="en-IN" dirty="0">
+                <a:solidFill>
+                  <a:schemeClr val="tx1">
+                    <a:lumMod val="50000"/>
+                    <a:lumOff val="50000"/>
+                  </a:schemeClr>
+                </a:solidFill>
+              </a:rPr>
+              <a:t>// Using Constructor</a:t>
+            </a:r>
+          </a:p>
+        </p:txBody>
+      </p:sp>
+    </p:spTree>
+    <p:extLst>
+      <p:ext uri="{BB962C8B-B14F-4D97-AF65-F5344CB8AC3E}">
+        <p14:creationId xmlns:p14="http://schemas.microsoft.com/office/powerpoint/2010/main" val="3858339402"/>
+      </p:ext>
+    </p:extLst>
+  </p:cSld>
+  <p:clrMapOvr>
+    <a:masterClrMapping/>
+  </p:clrMapOvr>
+  <mc:AlternateContent xmlns:mc="http://schemas.openxmlformats.org/markup-compatibility/2006">
+    <mc:Choice xmlns:p14="http://schemas.microsoft.com/office/powerpoint/2010/main" Requires="p14">
+      <p:transition spd="slow" p14:dur="800">
+        <p14:flythrough/>
+      </p:transition>
+    </mc:Choice>
+    <mc:Fallback>
+      <p:transition spd="slow">
+        <p:fade/>
+      </p:transition>
+    </mc:Fallback>
+  </mc:AlternateContent>
+</p:sld>
+</file>
+
+<file path=ppt/slides/slide15.xml><?xml version="1.0" encoding="utf-8"?>
+<p:sld xmlns:a="http://schemas.openxmlformats.org/drawingml/2006/main" xmlns:r="http://schemas.openxmlformats.org/officeDocument/2006/relationships" xmlns:p="http://schemas.openxmlformats.org/presentationml/2006/main">
+  <p:cSld>
+    <p:spTree>
+      <p:nvGrpSpPr>
+        <p:cNvPr id="1" name="">
+          <a:extLst>
+            <a:ext uri="{FF2B5EF4-FFF2-40B4-BE49-F238E27FC236}">
+              <a16:creationId xmlns:a16="http://schemas.microsoft.com/office/drawing/2014/main" id="{DBB928D9-9026-C781-94A0-2874D8543A88}"/>
+            </a:ext>
+          </a:extLst>
+        </p:cNvPr>
+        <p:cNvGrpSpPr/>
+        <p:nvPr/>
+      </p:nvGrpSpPr>
+      <p:grpSpPr>
+        <a:xfrm>
+          <a:off x="0" y="0"/>
+          <a:ext cx="0" cy="0"/>
+          <a:chOff x="0" y="0"/>
+          <a:chExt cx="0" cy="0"/>
+        </a:xfrm>
+      </p:grpSpPr>
+      <p:sp>
+        <p:nvSpPr>
+          <p:cNvPr id="4" name="Rectangle: Rounded Corners 3">
+            <a:extLst>
+              <a:ext uri="{FF2B5EF4-FFF2-40B4-BE49-F238E27FC236}">
+                <a16:creationId xmlns:a16="http://schemas.microsoft.com/office/drawing/2014/main" id="{2CB2DD2D-97FD-BDED-F830-520F9AE18128}"/>
+              </a:ext>
+            </a:extLst>
+          </p:cNvPr>
+          <p:cNvSpPr/>
+          <p:nvPr/>
+        </p:nvSpPr>
+        <p:spPr>
+          <a:xfrm>
+            <a:off x="1584960" y="2902438"/>
+            <a:ext cx="9022080" cy="2977662"/>
+          </a:xfrm>
+          <a:prstGeom prst="roundRect">
+            <a:avLst>
+              <a:gd name="adj" fmla="val 4667"/>
+            </a:avLst>
+          </a:prstGeom>
+          <a:solidFill>
+            <a:schemeClr val="tx1">
+              <a:lumMod val="75000"/>
+              <a:lumOff val="25000"/>
+            </a:schemeClr>
+          </a:solidFill>
+        </p:spPr>
+        <p:style>
+          <a:lnRef idx="2">
+            <a:schemeClr val="accent1">
+              <a:shade val="15000"/>
+            </a:schemeClr>
+          </a:lnRef>
+          <a:fillRef idx="1">
+            <a:schemeClr val="accent1"/>
+          </a:fillRef>
+          <a:effectRef idx="0">
+            <a:schemeClr val="accent1"/>
+          </a:effectRef>
+          <a:fontRef idx="minor">
+            <a:schemeClr val="lt1"/>
+          </a:fontRef>
+        </p:style>
+        <p:txBody>
+          <a:bodyPr rtlCol="0" anchor="ctr"/>
+          <a:lstStyle/>
+          <a:p>
+            <a:pPr algn="ctr"/>
+            <a:endParaRPr lang="en-IN"/>
+          </a:p>
+        </p:txBody>
+      </p:sp>
+      <p:sp>
+        <p:nvSpPr>
+          <p:cNvPr id="5" name="TextBox 4">
+            <a:extLst>
+              <a:ext uri="{FF2B5EF4-FFF2-40B4-BE49-F238E27FC236}">
+                <a16:creationId xmlns:a16="http://schemas.microsoft.com/office/drawing/2014/main" id="{D989AA70-20E8-DD67-D5D7-F36A33E14849}"/>
+              </a:ext>
+            </a:extLst>
+          </p:cNvPr>
+          <p:cNvSpPr txBox="1"/>
+          <p:nvPr/>
+        </p:nvSpPr>
+        <p:spPr>
+          <a:xfrm>
+            <a:off x="2705100" y="849630"/>
+            <a:ext cx="7033260" cy="830997"/>
+          </a:xfrm>
+          <a:prstGeom prst="rect">
+            <a:avLst/>
+          </a:prstGeom>
+          <a:noFill/>
+        </p:spPr>
+        <p:txBody>
+          <a:bodyPr wrap="square" rtlCol="0">
+            <a:spAutoFit/>
+          </a:bodyPr>
+          <a:lstStyle/>
+          <a:p>
+            <a:r>
+              <a:rPr lang="en-IN" sz="4800" b="1" dirty="0">
+                <a:solidFill>
+                  <a:schemeClr val="bg1"/>
+                </a:solidFill>
+              </a:rPr>
+              <a:t>String Pool vs Heap</a:t>
+            </a:r>
+          </a:p>
+        </p:txBody>
+      </p:sp>
+      <p:sp>
+        <p:nvSpPr>
+          <p:cNvPr id="6" name="Oval 5">
+            <a:extLst>
+              <a:ext uri="{FF2B5EF4-FFF2-40B4-BE49-F238E27FC236}">
+                <a16:creationId xmlns:a16="http://schemas.microsoft.com/office/drawing/2014/main" id="{E635DB52-D385-3A21-70BB-B37088E74B10}"/>
+              </a:ext>
+            </a:extLst>
+          </p:cNvPr>
+          <p:cNvSpPr/>
+          <p:nvPr/>
+        </p:nvSpPr>
+        <p:spPr>
+          <a:xfrm>
+            <a:off x="1841658" y="3146481"/>
+            <a:ext cx="203835" cy="203835"/>
+          </a:xfrm>
+          <a:prstGeom prst="ellipse">
+            <a:avLst/>
+          </a:prstGeom>
+          <a:solidFill>
+            <a:schemeClr val="accent2"/>
+          </a:solidFill>
+        </p:spPr>
+        <p:style>
+          <a:lnRef idx="2">
+            <a:schemeClr val="accent1">
+              <a:shade val="15000"/>
+            </a:schemeClr>
+          </a:lnRef>
+          <a:fillRef idx="1">
+            <a:schemeClr val="accent1"/>
+          </a:fillRef>
+          <a:effectRef idx="0">
+            <a:schemeClr val="accent1"/>
+          </a:effectRef>
+          <a:fontRef idx="minor">
+            <a:schemeClr val="lt1"/>
+          </a:fontRef>
+        </p:style>
+        <p:txBody>
+          <a:bodyPr rtlCol="0" anchor="ctr"/>
+          <a:lstStyle/>
+          <a:p>
+            <a:pPr algn="ctr"/>
+            <a:endParaRPr lang="en-IN" dirty="0"/>
+          </a:p>
+        </p:txBody>
+      </p:sp>
+      <p:sp>
+        <p:nvSpPr>
+          <p:cNvPr id="7" name="Oval 6">
+            <a:extLst>
+              <a:ext uri="{FF2B5EF4-FFF2-40B4-BE49-F238E27FC236}">
+                <a16:creationId xmlns:a16="http://schemas.microsoft.com/office/drawing/2014/main" id="{16B6C9F7-B71A-420F-15F2-483EDDD9931C}"/>
+              </a:ext>
+            </a:extLst>
+          </p:cNvPr>
+          <p:cNvSpPr/>
+          <p:nvPr/>
+        </p:nvSpPr>
+        <p:spPr>
+          <a:xfrm>
+            <a:off x="2133758" y="3146481"/>
+            <a:ext cx="203835" cy="203835"/>
+          </a:xfrm>
+          <a:prstGeom prst="ellipse">
+            <a:avLst/>
+          </a:prstGeom>
+          <a:solidFill>
+            <a:srgbClr val="FFC000"/>
+          </a:solidFill>
+        </p:spPr>
+        <p:style>
+          <a:lnRef idx="2">
+            <a:schemeClr val="accent1">
+              <a:shade val="15000"/>
+            </a:schemeClr>
+          </a:lnRef>
+          <a:fillRef idx="1">
+            <a:schemeClr val="accent1"/>
+          </a:fillRef>
+          <a:effectRef idx="0">
+            <a:schemeClr val="accent1"/>
+          </a:effectRef>
+          <a:fontRef idx="minor">
+            <a:schemeClr val="lt1"/>
+          </a:fontRef>
+        </p:style>
+        <p:txBody>
+          <a:bodyPr rtlCol="0" anchor="ctr"/>
+          <a:lstStyle/>
+          <a:p>
+            <a:pPr algn="ctr"/>
+            <a:endParaRPr lang="en-IN" dirty="0"/>
+          </a:p>
+        </p:txBody>
+      </p:sp>
+      <p:sp>
+        <p:nvSpPr>
+          <p:cNvPr id="8" name="Oval 7">
+            <a:extLst>
+              <a:ext uri="{FF2B5EF4-FFF2-40B4-BE49-F238E27FC236}">
+                <a16:creationId xmlns:a16="http://schemas.microsoft.com/office/drawing/2014/main" id="{C4CBEBEF-732D-2A19-BC21-9292C6C0485D}"/>
+              </a:ext>
+            </a:extLst>
+          </p:cNvPr>
+          <p:cNvSpPr/>
+          <p:nvPr/>
+        </p:nvSpPr>
+        <p:spPr>
+          <a:xfrm>
+            <a:off x="2425858" y="3146481"/>
+            <a:ext cx="203835" cy="203835"/>
+          </a:xfrm>
+          <a:prstGeom prst="ellipse">
+            <a:avLst/>
+          </a:prstGeom>
+          <a:solidFill>
+            <a:schemeClr val="accent6"/>
+          </a:solidFill>
+        </p:spPr>
+        <p:style>
+          <a:lnRef idx="2">
+            <a:schemeClr val="accent1">
+              <a:shade val="15000"/>
+            </a:schemeClr>
+          </a:lnRef>
+          <a:fillRef idx="1">
+            <a:schemeClr val="accent1"/>
+          </a:fillRef>
+          <a:effectRef idx="0">
+            <a:schemeClr val="accent1"/>
+          </a:effectRef>
+          <a:fontRef idx="minor">
+            <a:schemeClr val="lt1"/>
+          </a:fontRef>
+        </p:style>
+        <p:txBody>
+          <a:bodyPr rtlCol="0" anchor="ctr"/>
+          <a:lstStyle/>
+          <a:p>
+            <a:pPr algn="ctr"/>
+            <a:endParaRPr lang="en-IN" dirty="0"/>
+          </a:p>
+        </p:txBody>
+      </p:sp>
+      <p:sp>
+        <p:nvSpPr>
+          <p:cNvPr id="9" name="TextBox 8">
+            <a:extLst>
+              <a:ext uri="{FF2B5EF4-FFF2-40B4-BE49-F238E27FC236}">
+                <a16:creationId xmlns:a16="http://schemas.microsoft.com/office/drawing/2014/main" id="{C3508601-7A39-27F9-98EC-8FFAD4C84A6C}"/>
+              </a:ext>
+            </a:extLst>
+          </p:cNvPr>
+          <p:cNvSpPr txBox="1"/>
+          <p:nvPr/>
+        </p:nvSpPr>
+        <p:spPr>
+          <a:xfrm>
+            <a:off x="1841658" y="3607594"/>
+            <a:ext cx="8197692" cy="2031325"/>
+          </a:xfrm>
+          <a:prstGeom prst="rect">
+            <a:avLst/>
+          </a:prstGeom>
+          <a:noFill/>
+        </p:spPr>
+        <p:txBody>
+          <a:bodyPr wrap="square" rtlCol="0">
+            <a:spAutoFit/>
+          </a:bodyPr>
+          <a:lstStyle/>
+          <a:p>
+            <a:r>
+              <a:rPr lang="en-IN" dirty="0">
+                <a:solidFill>
+                  <a:schemeClr val="bg1"/>
+                </a:solidFill>
+              </a:rPr>
+              <a:t>String  </a:t>
+            </a:r>
+            <a:r>
+              <a:rPr lang="en-IN" dirty="0">
+                <a:solidFill>
+                  <a:schemeClr val="tx2">
+                    <a:lumMod val="50000"/>
+                    <a:lumOff val="50000"/>
+                  </a:schemeClr>
+                </a:solidFill>
+              </a:rPr>
+              <a:t>str1 </a:t>
+            </a:r>
+            <a:r>
+              <a:rPr lang="en-IN" dirty="0">
+                <a:solidFill>
+                  <a:schemeClr val="bg1"/>
+                </a:solidFill>
+              </a:rPr>
+              <a:t> =   </a:t>
+            </a:r>
+            <a:r>
+              <a:rPr lang="en-IN" dirty="0">
+                <a:solidFill>
+                  <a:srgbClr val="FFC000"/>
+                </a:solidFill>
+              </a:rPr>
+              <a:t>“Hello”</a:t>
+            </a:r>
+            <a:r>
+              <a:rPr lang="en-IN" dirty="0">
+                <a:solidFill>
+                  <a:schemeClr val="bg1"/>
+                </a:solidFill>
+              </a:rPr>
+              <a:t> ;							</a:t>
+            </a:r>
+            <a:endParaRPr lang="en-IN" dirty="0">
+              <a:solidFill>
+                <a:schemeClr val="tx1">
+                  <a:lumMod val="50000"/>
+                  <a:lumOff val="50000"/>
+                </a:schemeClr>
+              </a:solidFill>
+            </a:endParaRPr>
+          </a:p>
+          <a:p>
+            <a:r>
+              <a:rPr lang="en-IN" dirty="0">
+                <a:solidFill>
+                  <a:schemeClr val="bg1"/>
+                </a:solidFill>
+              </a:rPr>
+              <a:t>String  </a:t>
+            </a:r>
+            <a:r>
+              <a:rPr lang="en-IN" dirty="0">
+                <a:solidFill>
+                  <a:schemeClr val="tx2">
+                    <a:lumMod val="50000"/>
+                    <a:lumOff val="50000"/>
+                  </a:schemeClr>
+                </a:solidFill>
+              </a:rPr>
+              <a:t>str2  </a:t>
+            </a:r>
+            <a:r>
+              <a:rPr lang="en-IN" dirty="0">
+                <a:solidFill>
+                  <a:schemeClr val="bg1"/>
+                </a:solidFill>
+              </a:rPr>
+              <a:t>=</a:t>
+            </a:r>
+            <a:r>
+              <a:rPr lang="en-IN" dirty="0">
+                <a:solidFill>
+                  <a:schemeClr val="tx2">
+                    <a:lumMod val="50000"/>
+                    <a:lumOff val="50000"/>
+                  </a:schemeClr>
+                </a:solidFill>
+              </a:rPr>
+              <a:t>  </a:t>
+            </a:r>
+            <a:r>
+              <a:rPr lang="en-IN" dirty="0">
+                <a:solidFill>
+                  <a:srgbClr val="FFC000"/>
+                </a:solidFill>
+              </a:rPr>
+              <a:t>“Hello” </a:t>
+            </a:r>
+            <a:r>
+              <a:rPr lang="en-IN" dirty="0">
+                <a:solidFill>
+                  <a:schemeClr val="bg1"/>
+                </a:solidFill>
+              </a:rPr>
+              <a:t>;				</a:t>
+            </a:r>
+          </a:p>
+          <a:p>
+            <a:r>
+              <a:rPr lang="en-IN" dirty="0">
+                <a:solidFill>
+                  <a:schemeClr val="bg1"/>
+                </a:solidFill>
+              </a:rPr>
+              <a:t>String  </a:t>
+            </a:r>
+            <a:r>
+              <a:rPr lang="en-IN" dirty="0">
+                <a:solidFill>
+                  <a:schemeClr val="tx2">
+                    <a:lumMod val="50000"/>
+                    <a:lumOff val="50000"/>
+                  </a:schemeClr>
+                </a:solidFill>
+              </a:rPr>
+              <a:t>str3</a:t>
+            </a:r>
+            <a:r>
+              <a:rPr lang="en-IN" dirty="0">
+                <a:solidFill>
+                  <a:schemeClr val="bg1"/>
+                </a:solidFill>
+              </a:rPr>
+              <a:t> =    </a:t>
+            </a:r>
+            <a:r>
+              <a:rPr lang="en-IN" dirty="0">
+                <a:solidFill>
+                  <a:srgbClr val="E97132"/>
+                </a:solidFill>
+              </a:rPr>
+              <a:t>new</a:t>
+            </a:r>
+            <a:r>
+              <a:rPr lang="en-IN" dirty="0">
+                <a:solidFill>
+                  <a:schemeClr val="bg1"/>
+                </a:solidFill>
+              </a:rPr>
+              <a:t> String(</a:t>
+            </a:r>
+            <a:r>
+              <a:rPr lang="en-IN" dirty="0">
+                <a:solidFill>
+                  <a:srgbClr val="FFC000"/>
+                </a:solidFill>
+              </a:rPr>
+              <a:t>“Hello”</a:t>
+            </a:r>
+            <a:r>
+              <a:rPr lang="en-IN" dirty="0">
+                <a:solidFill>
+                  <a:schemeClr val="bg1"/>
+                </a:solidFill>
+              </a:rPr>
+              <a:t>) ;</a:t>
+            </a:r>
+          </a:p>
+          <a:p>
+            <a:endParaRPr lang="en-IN" dirty="0">
+              <a:solidFill>
+                <a:schemeClr val="bg1"/>
+              </a:solidFill>
+            </a:endParaRPr>
+          </a:p>
+          <a:p>
+            <a:r>
+              <a:rPr lang="en-IN" dirty="0" err="1">
+                <a:solidFill>
+                  <a:srgbClr val="4B86BE"/>
+                </a:solidFill>
+              </a:rPr>
+              <a:t>System</a:t>
+            </a:r>
+            <a:r>
+              <a:rPr lang="en-IN" dirty="0" err="1">
+                <a:solidFill>
+                  <a:schemeClr val="bg1"/>
+                </a:solidFill>
+              </a:rPr>
+              <a:t>.</a:t>
+            </a:r>
+            <a:r>
+              <a:rPr lang="en-IN" dirty="0" err="1">
+                <a:solidFill>
+                  <a:srgbClr val="4B86BE"/>
+                </a:solidFill>
+              </a:rPr>
+              <a:t>out</a:t>
+            </a:r>
+            <a:r>
+              <a:rPr lang="en-IN" dirty="0" err="1">
+                <a:solidFill>
+                  <a:schemeClr val="bg1"/>
+                </a:solidFill>
+              </a:rPr>
+              <a:t>.</a:t>
+            </a:r>
+            <a:r>
+              <a:rPr lang="en-IN" dirty="0" err="1">
+                <a:solidFill>
+                  <a:srgbClr val="4B86BE"/>
+                </a:solidFill>
+              </a:rPr>
+              <a:t>println</a:t>
+            </a:r>
+            <a:r>
+              <a:rPr lang="en-IN" dirty="0">
+                <a:solidFill>
+                  <a:schemeClr val="bg1"/>
+                </a:solidFill>
+              </a:rPr>
+              <a:t>(</a:t>
+            </a:r>
+            <a:r>
+              <a:rPr lang="en-IN" dirty="0">
+                <a:solidFill>
+                  <a:srgbClr val="4B86BE"/>
+                </a:solidFill>
+              </a:rPr>
+              <a:t>str1 </a:t>
+            </a:r>
+            <a:r>
+              <a:rPr lang="en-IN" dirty="0">
+                <a:solidFill>
+                  <a:schemeClr val="bg1"/>
+                </a:solidFill>
+              </a:rPr>
+              <a:t>==</a:t>
+            </a:r>
+            <a:r>
+              <a:rPr lang="en-IN" dirty="0">
+                <a:solidFill>
+                  <a:srgbClr val="4B86BE"/>
+                </a:solidFill>
+              </a:rPr>
+              <a:t> str2</a:t>
+            </a:r>
+            <a:r>
+              <a:rPr lang="en-IN" dirty="0">
+                <a:solidFill>
+                  <a:schemeClr val="bg1"/>
+                </a:solidFill>
+              </a:rPr>
+              <a:t>);	</a:t>
+            </a:r>
+            <a:r>
+              <a:rPr lang="en-IN" dirty="0">
+                <a:solidFill>
+                  <a:srgbClr val="4B86BE"/>
+                </a:solidFill>
+              </a:rPr>
+              <a:t>		</a:t>
+            </a:r>
+            <a:r>
+              <a:rPr lang="en-IN" dirty="0">
+                <a:solidFill>
+                  <a:schemeClr val="bg2">
+                    <a:lumMod val="75000"/>
+                  </a:schemeClr>
+                </a:solidFill>
+              </a:rPr>
+              <a:t>// true (same reference in pool)</a:t>
+            </a:r>
+          </a:p>
+          <a:p>
+            <a:r>
+              <a:rPr lang="en-IN" dirty="0" err="1">
+                <a:solidFill>
+                  <a:srgbClr val="4B86BE"/>
+                </a:solidFill>
+              </a:rPr>
+              <a:t>System</a:t>
+            </a:r>
+            <a:r>
+              <a:rPr lang="en-IN" dirty="0" err="1">
+                <a:solidFill>
+                  <a:schemeClr val="bg1"/>
+                </a:solidFill>
+              </a:rPr>
+              <a:t>.</a:t>
+            </a:r>
+            <a:r>
+              <a:rPr lang="en-IN" dirty="0" err="1">
+                <a:solidFill>
+                  <a:srgbClr val="4B86BE"/>
+                </a:solidFill>
+              </a:rPr>
+              <a:t>out</a:t>
+            </a:r>
+            <a:r>
+              <a:rPr lang="en-IN" dirty="0" err="1">
+                <a:solidFill>
+                  <a:schemeClr val="bg1"/>
+                </a:solidFill>
+              </a:rPr>
+              <a:t>.</a:t>
+            </a:r>
+            <a:r>
+              <a:rPr lang="en-IN" dirty="0" err="1">
+                <a:solidFill>
+                  <a:srgbClr val="4B86BE"/>
+                </a:solidFill>
+              </a:rPr>
+              <a:t>println</a:t>
+            </a:r>
+            <a:r>
+              <a:rPr lang="en-IN" dirty="0">
+                <a:solidFill>
+                  <a:srgbClr val="4B86BE"/>
+                </a:solidFill>
+              </a:rPr>
+              <a:t>(str1 </a:t>
+            </a:r>
+            <a:r>
+              <a:rPr lang="en-IN" dirty="0">
+                <a:solidFill>
+                  <a:schemeClr val="bg1"/>
+                </a:solidFill>
+              </a:rPr>
+              <a:t>==</a:t>
+            </a:r>
+            <a:r>
+              <a:rPr lang="en-IN" dirty="0">
+                <a:solidFill>
+                  <a:srgbClr val="4B86BE"/>
+                </a:solidFill>
+              </a:rPr>
+              <a:t> str3</a:t>
+            </a:r>
+            <a:r>
+              <a:rPr lang="en-IN" dirty="0">
+                <a:solidFill>
+                  <a:schemeClr val="bg1"/>
+                </a:solidFill>
+              </a:rPr>
+              <a:t>);	</a:t>
+            </a:r>
+            <a:r>
+              <a:rPr lang="en-IN" dirty="0">
+                <a:solidFill>
+                  <a:srgbClr val="4B86BE"/>
+                </a:solidFill>
+              </a:rPr>
+              <a:t>		</a:t>
+            </a:r>
+            <a:r>
+              <a:rPr lang="en-IN" dirty="0">
+                <a:solidFill>
+                  <a:schemeClr val="bg2">
+                    <a:lumMod val="75000"/>
+                  </a:schemeClr>
+                </a:solidFill>
+              </a:rPr>
+              <a:t>// false (different objects)</a:t>
+            </a:r>
+          </a:p>
+          <a:p>
+            <a:r>
+              <a:rPr lang="en-IN" dirty="0" err="1">
+                <a:solidFill>
+                  <a:srgbClr val="4B86BE"/>
+                </a:solidFill>
+              </a:rPr>
+              <a:t>System</a:t>
+            </a:r>
+            <a:r>
+              <a:rPr lang="en-IN" dirty="0" err="1">
+                <a:solidFill>
+                  <a:schemeClr val="bg1"/>
+                </a:solidFill>
+              </a:rPr>
+              <a:t>.</a:t>
+            </a:r>
+            <a:r>
+              <a:rPr lang="en-IN" dirty="0" err="1">
+                <a:solidFill>
+                  <a:srgbClr val="4B86BE"/>
+                </a:solidFill>
+              </a:rPr>
+              <a:t>out</a:t>
+            </a:r>
+            <a:r>
+              <a:rPr lang="en-IN" dirty="0" err="1">
+                <a:solidFill>
+                  <a:schemeClr val="bg1"/>
+                </a:solidFill>
+              </a:rPr>
+              <a:t>.</a:t>
+            </a:r>
+            <a:r>
+              <a:rPr lang="en-IN" dirty="0" err="1">
+                <a:solidFill>
+                  <a:srgbClr val="4B86BE"/>
+                </a:solidFill>
+              </a:rPr>
+              <a:t>println</a:t>
+            </a:r>
+            <a:r>
+              <a:rPr lang="en-IN" dirty="0">
+                <a:solidFill>
+                  <a:schemeClr val="bg1"/>
+                </a:solidFill>
+              </a:rPr>
+              <a:t>(</a:t>
+            </a:r>
+            <a:r>
+              <a:rPr lang="en-IN" dirty="0">
+                <a:solidFill>
+                  <a:srgbClr val="4B86BE"/>
+                </a:solidFill>
+              </a:rPr>
+              <a:t>str1</a:t>
+            </a:r>
+            <a:r>
+              <a:rPr lang="en-IN" dirty="0">
+                <a:solidFill>
+                  <a:schemeClr val="bg1"/>
+                </a:solidFill>
+              </a:rPr>
+              <a:t>.</a:t>
+            </a:r>
+            <a:r>
+              <a:rPr lang="en-IN" dirty="0">
+                <a:solidFill>
+                  <a:srgbClr val="4B86BE"/>
+                </a:solidFill>
+              </a:rPr>
+              <a:t>equals</a:t>
+            </a:r>
+            <a:r>
+              <a:rPr lang="en-IN" dirty="0">
+                <a:solidFill>
+                  <a:schemeClr val="bg1"/>
+                </a:solidFill>
+              </a:rPr>
+              <a:t>(</a:t>
+            </a:r>
+            <a:r>
+              <a:rPr lang="en-IN" dirty="0">
+                <a:solidFill>
+                  <a:srgbClr val="4B86BE"/>
+                </a:solidFill>
+              </a:rPr>
+              <a:t>str3</a:t>
+            </a:r>
+            <a:r>
+              <a:rPr lang="en-IN" dirty="0">
+                <a:solidFill>
+                  <a:schemeClr val="bg1"/>
+                </a:solidFill>
+              </a:rPr>
+              <a:t>));</a:t>
+            </a:r>
+            <a:r>
+              <a:rPr lang="en-IN" dirty="0">
+                <a:solidFill>
+                  <a:srgbClr val="4B86BE"/>
+                </a:solidFill>
+              </a:rPr>
+              <a:t>		</a:t>
+            </a:r>
+            <a:r>
+              <a:rPr lang="en-IN" dirty="0">
+                <a:solidFill>
+                  <a:schemeClr val="bg2">
+                    <a:lumMod val="75000"/>
+                  </a:schemeClr>
+                </a:solidFill>
+              </a:rPr>
+              <a:t>// true (same </a:t>
+            </a:r>
+            <a:r>
+              <a:rPr lang="en-IN" dirty="0" err="1">
+                <a:solidFill>
+                  <a:schemeClr val="bg2">
+                    <a:lumMod val="75000"/>
+                  </a:schemeClr>
+                </a:solidFill>
+              </a:rPr>
+              <a:t>dcontent</a:t>
+            </a:r>
+            <a:r>
+              <a:rPr lang="en-IN" dirty="0">
+                <a:solidFill>
+                  <a:schemeClr val="bg2">
+                    <a:lumMod val="75000"/>
+                  </a:schemeClr>
+                </a:solidFill>
+              </a:rPr>
+              <a:t>)</a:t>
+            </a:r>
+          </a:p>
+        </p:txBody>
+      </p:sp>
+    </p:spTree>
+    <p:extLst>
+      <p:ext uri="{BB962C8B-B14F-4D97-AF65-F5344CB8AC3E}">
+        <p14:creationId xmlns:p14="http://schemas.microsoft.com/office/powerpoint/2010/main" val="2299044211"/>
+      </p:ext>
+    </p:extLst>
+  </p:cSld>
+  <p:clrMapOvr>
+    <a:masterClrMapping/>
+  </p:clrMapOvr>
+  <mc:AlternateContent xmlns:mc="http://schemas.openxmlformats.org/markup-compatibility/2006">
+    <mc:Choice xmlns:p14="http://schemas.microsoft.com/office/powerpoint/2010/main" Requires="p14">
+      <p:transition spd="slow" p14:dur="2000">
+        <p14:ferris dir="l"/>
+      </p:transition>
+    </mc:Choice>
+    <mc:Fallback>
+      <p:transition spd="slow">
+        <p:fade/>
+      </p:transition>
+    </mc:Fallback>
+  </mc:AlternateContent>
+</p:sld>
+</file>
+
+<file path=ppt/slides/slide16.xml><?xml version="1.0" encoding="utf-8"?>
+<p:sld xmlns:a="http://schemas.openxmlformats.org/drawingml/2006/main" xmlns:r="http://schemas.openxmlformats.org/officeDocument/2006/relationships" xmlns:p="http://schemas.openxmlformats.org/presentationml/2006/main">
+  <p:cSld>
+    <p:spTree>
+      <p:nvGrpSpPr>
+        <p:cNvPr id="1" name="">
+          <a:extLst>
+            <a:ext uri="{FF2B5EF4-FFF2-40B4-BE49-F238E27FC236}">
+              <a16:creationId xmlns:a16="http://schemas.microsoft.com/office/drawing/2014/main" id="{A35A6B58-3198-292A-F888-3BF59F1115E2}"/>
+            </a:ext>
+          </a:extLst>
+        </p:cNvPr>
+        <p:cNvGrpSpPr/>
+        <p:nvPr/>
+      </p:nvGrpSpPr>
+      <p:grpSpPr>
+        <a:xfrm>
+          <a:off x="0" y="0"/>
+          <a:ext cx="0" cy="0"/>
+          <a:chOff x="0" y="0"/>
+          <a:chExt cx="0" cy="0"/>
+        </a:xfrm>
+      </p:grpSpPr>
+      <p:sp>
+        <p:nvSpPr>
+          <p:cNvPr id="4" name="Rectangle: Rounded Corners 3">
+            <a:extLst>
+              <a:ext uri="{FF2B5EF4-FFF2-40B4-BE49-F238E27FC236}">
+                <a16:creationId xmlns:a16="http://schemas.microsoft.com/office/drawing/2014/main" id="{0F7DFA79-FDD9-C400-EA99-BB3A6F2E2971}"/>
+              </a:ext>
+            </a:extLst>
+          </p:cNvPr>
+          <p:cNvSpPr/>
+          <p:nvPr/>
+        </p:nvSpPr>
+        <p:spPr>
+          <a:xfrm>
+            <a:off x="1584960" y="2529840"/>
+            <a:ext cx="9022080" cy="3096260"/>
+          </a:xfrm>
+          <a:prstGeom prst="roundRect">
+            <a:avLst>
+              <a:gd name="adj" fmla="val 4667"/>
+            </a:avLst>
+          </a:prstGeom>
+          <a:solidFill>
+            <a:schemeClr val="tx1">
+              <a:lumMod val="75000"/>
+              <a:lumOff val="25000"/>
+            </a:schemeClr>
+          </a:solidFill>
+        </p:spPr>
+        <p:style>
+          <a:lnRef idx="2">
+            <a:schemeClr val="accent1">
+              <a:shade val="15000"/>
+            </a:schemeClr>
+          </a:lnRef>
+          <a:fillRef idx="1">
+            <a:schemeClr val="accent1"/>
+          </a:fillRef>
+          <a:effectRef idx="0">
+            <a:schemeClr val="accent1"/>
+          </a:effectRef>
+          <a:fontRef idx="minor">
+            <a:schemeClr val="lt1"/>
+          </a:fontRef>
+        </p:style>
+        <p:txBody>
+          <a:bodyPr rtlCol="0" anchor="ctr"/>
+          <a:lstStyle/>
+          <a:p>
+            <a:pPr algn="ctr"/>
+            <a:endParaRPr lang="en-IN"/>
+          </a:p>
+        </p:txBody>
+      </p:sp>
+      <p:sp>
+        <p:nvSpPr>
+          <p:cNvPr id="5" name="TextBox 4">
+            <a:extLst>
+              <a:ext uri="{FF2B5EF4-FFF2-40B4-BE49-F238E27FC236}">
+                <a16:creationId xmlns:a16="http://schemas.microsoft.com/office/drawing/2014/main" id="{849D17C6-584A-E3B2-A197-DC5AD02C7CBC}"/>
+              </a:ext>
+            </a:extLst>
+          </p:cNvPr>
+          <p:cNvSpPr txBox="1"/>
+          <p:nvPr/>
+        </p:nvSpPr>
+        <p:spPr>
+          <a:xfrm>
+            <a:off x="2705100" y="640080"/>
+            <a:ext cx="7033260" cy="830997"/>
+          </a:xfrm>
+          <a:prstGeom prst="rect">
+            <a:avLst/>
+          </a:prstGeom>
+          <a:noFill/>
+        </p:spPr>
+        <p:txBody>
+          <a:bodyPr wrap="square" rtlCol="0">
+            <a:spAutoFit/>
+          </a:bodyPr>
+          <a:lstStyle/>
+          <a:p>
+            <a:r>
+              <a:rPr lang="en-IN" sz="4800" b="1" dirty="0">
+                <a:solidFill>
+                  <a:schemeClr val="bg1"/>
+                </a:solidFill>
+              </a:rPr>
+              <a:t>String Immutability</a:t>
+            </a:r>
+          </a:p>
+        </p:txBody>
+      </p:sp>
+      <p:sp>
+        <p:nvSpPr>
+          <p:cNvPr id="6" name="Oval 5">
+            <a:extLst>
+              <a:ext uri="{FF2B5EF4-FFF2-40B4-BE49-F238E27FC236}">
+                <a16:creationId xmlns:a16="http://schemas.microsoft.com/office/drawing/2014/main" id="{40F93BCD-F335-4C9A-BA15-2B30562085AF}"/>
+              </a:ext>
+            </a:extLst>
+          </p:cNvPr>
+          <p:cNvSpPr/>
+          <p:nvPr/>
+        </p:nvSpPr>
+        <p:spPr>
+          <a:xfrm>
+            <a:off x="1841658" y="2712719"/>
+            <a:ext cx="203835" cy="203835"/>
+          </a:xfrm>
+          <a:prstGeom prst="ellipse">
+            <a:avLst/>
+          </a:prstGeom>
+          <a:solidFill>
+            <a:schemeClr val="accent2"/>
+          </a:solidFill>
+        </p:spPr>
+        <p:style>
+          <a:lnRef idx="2">
+            <a:schemeClr val="accent1">
+              <a:shade val="15000"/>
+            </a:schemeClr>
+          </a:lnRef>
+          <a:fillRef idx="1">
+            <a:schemeClr val="accent1"/>
+          </a:fillRef>
+          <a:effectRef idx="0">
+            <a:schemeClr val="accent1"/>
+          </a:effectRef>
+          <a:fontRef idx="minor">
+            <a:schemeClr val="lt1"/>
+          </a:fontRef>
+        </p:style>
+        <p:txBody>
+          <a:bodyPr rtlCol="0" anchor="ctr"/>
+          <a:lstStyle/>
+          <a:p>
+            <a:pPr algn="ctr"/>
+            <a:endParaRPr lang="en-IN" dirty="0"/>
+          </a:p>
+        </p:txBody>
+      </p:sp>
+      <p:sp>
+        <p:nvSpPr>
+          <p:cNvPr id="7" name="Oval 6">
+            <a:extLst>
+              <a:ext uri="{FF2B5EF4-FFF2-40B4-BE49-F238E27FC236}">
+                <a16:creationId xmlns:a16="http://schemas.microsoft.com/office/drawing/2014/main" id="{440A174B-6040-BB6B-3A26-54DE3EC7CD58}"/>
+              </a:ext>
+            </a:extLst>
+          </p:cNvPr>
+          <p:cNvSpPr/>
+          <p:nvPr/>
+        </p:nvSpPr>
+        <p:spPr>
+          <a:xfrm>
+            <a:off x="2133758" y="2712719"/>
+            <a:ext cx="203835" cy="203835"/>
+          </a:xfrm>
+          <a:prstGeom prst="ellipse">
+            <a:avLst/>
+          </a:prstGeom>
+          <a:solidFill>
+            <a:srgbClr val="FFC000"/>
+          </a:solidFill>
+        </p:spPr>
+        <p:style>
+          <a:lnRef idx="2">
+            <a:schemeClr val="accent1">
+              <a:shade val="15000"/>
+            </a:schemeClr>
+          </a:lnRef>
+          <a:fillRef idx="1">
+            <a:schemeClr val="accent1"/>
+          </a:fillRef>
+          <a:effectRef idx="0">
+            <a:schemeClr val="accent1"/>
+          </a:effectRef>
+          <a:fontRef idx="minor">
+            <a:schemeClr val="lt1"/>
+          </a:fontRef>
+        </p:style>
+        <p:txBody>
+          <a:bodyPr rtlCol="0" anchor="ctr"/>
+          <a:lstStyle/>
+          <a:p>
+            <a:pPr algn="ctr"/>
+            <a:endParaRPr lang="en-IN" dirty="0"/>
+          </a:p>
+        </p:txBody>
+      </p:sp>
+      <p:sp>
+        <p:nvSpPr>
+          <p:cNvPr id="8" name="Oval 7">
+            <a:extLst>
+              <a:ext uri="{FF2B5EF4-FFF2-40B4-BE49-F238E27FC236}">
+                <a16:creationId xmlns:a16="http://schemas.microsoft.com/office/drawing/2014/main" id="{869F7D86-350D-B8AD-DFF9-9B284AF29D83}"/>
+              </a:ext>
+            </a:extLst>
+          </p:cNvPr>
+          <p:cNvSpPr/>
+          <p:nvPr/>
+        </p:nvSpPr>
+        <p:spPr>
+          <a:xfrm>
+            <a:off x="2425858" y="2712719"/>
+            <a:ext cx="203835" cy="203835"/>
+          </a:xfrm>
+          <a:prstGeom prst="ellipse">
+            <a:avLst/>
+          </a:prstGeom>
+          <a:solidFill>
+            <a:schemeClr val="accent6"/>
+          </a:solidFill>
+        </p:spPr>
+        <p:style>
+          <a:lnRef idx="2">
+            <a:schemeClr val="accent1">
+              <a:shade val="15000"/>
+            </a:schemeClr>
+          </a:lnRef>
+          <a:fillRef idx="1">
+            <a:schemeClr val="accent1"/>
+          </a:fillRef>
+          <a:effectRef idx="0">
+            <a:schemeClr val="accent1"/>
+          </a:effectRef>
+          <a:fontRef idx="minor">
+            <a:schemeClr val="lt1"/>
+          </a:fontRef>
+        </p:style>
+        <p:txBody>
+          <a:bodyPr rtlCol="0" anchor="ctr"/>
+          <a:lstStyle/>
+          <a:p>
+            <a:pPr algn="ctr"/>
+            <a:endParaRPr lang="en-IN" dirty="0"/>
+          </a:p>
+        </p:txBody>
+      </p:sp>
+      <p:sp>
+        <p:nvSpPr>
+          <p:cNvPr id="9" name="TextBox 8">
+            <a:extLst>
+              <a:ext uri="{FF2B5EF4-FFF2-40B4-BE49-F238E27FC236}">
+                <a16:creationId xmlns:a16="http://schemas.microsoft.com/office/drawing/2014/main" id="{F0A2C031-3249-6AA1-BAB8-5E8955A265A7}"/>
+              </a:ext>
+            </a:extLst>
+          </p:cNvPr>
+          <p:cNvSpPr txBox="1"/>
+          <p:nvPr/>
+        </p:nvSpPr>
+        <p:spPr>
+          <a:xfrm>
+            <a:off x="1841658" y="3607594"/>
+            <a:ext cx="8197692" cy="1754326"/>
+          </a:xfrm>
+          <a:prstGeom prst="rect">
+            <a:avLst/>
+          </a:prstGeom>
+          <a:noFill/>
+        </p:spPr>
+        <p:txBody>
+          <a:bodyPr wrap="square" rtlCol="0">
+            <a:spAutoFit/>
+          </a:bodyPr>
+          <a:lstStyle/>
+          <a:p>
+            <a:r>
+              <a:rPr lang="en-IN" dirty="0">
+                <a:solidFill>
+                  <a:schemeClr val="bg1"/>
+                </a:solidFill>
+              </a:rPr>
+              <a:t>String  </a:t>
+            </a:r>
+            <a:r>
+              <a:rPr lang="en-IN" dirty="0">
+                <a:solidFill>
+                  <a:schemeClr val="tx2">
+                    <a:lumMod val="50000"/>
+                    <a:lumOff val="50000"/>
+                  </a:schemeClr>
+                </a:solidFill>
+              </a:rPr>
+              <a:t>name</a:t>
+            </a:r>
+            <a:r>
+              <a:rPr lang="en-IN" dirty="0">
+                <a:solidFill>
+                  <a:schemeClr val="bg1"/>
+                </a:solidFill>
+              </a:rPr>
+              <a:t> =     </a:t>
+            </a:r>
+            <a:r>
+              <a:rPr lang="en-IN" dirty="0">
+                <a:solidFill>
+                  <a:srgbClr val="FFC000"/>
+                </a:solidFill>
+              </a:rPr>
+              <a:t>“John”</a:t>
+            </a:r>
+            <a:r>
+              <a:rPr lang="en-IN" dirty="0">
+                <a:solidFill>
+                  <a:schemeClr val="bg1"/>
+                </a:solidFill>
+              </a:rPr>
+              <a:t> ;</a:t>
+            </a:r>
+          </a:p>
+          <a:p>
+            <a:r>
+              <a:rPr lang="en-IN" dirty="0" err="1">
+                <a:solidFill>
+                  <a:srgbClr val="4E95D9"/>
+                </a:solidFill>
+              </a:rPr>
+              <a:t>name</a:t>
+            </a:r>
+            <a:r>
+              <a:rPr lang="en-IN" dirty="0" err="1">
+                <a:solidFill>
+                  <a:schemeClr val="bg1"/>
+                </a:solidFill>
+              </a:rPr>
+              <a:t>.</a:t>
+            </a:r>
+            <a:r>
+              <a:rPr lang="en-IN" dirty="0" err="1">
+                <a:solidFill>
+                  <a:srgbClr val="4E95D9"/>
+                </a:solidFill>
+              </a:rPr>
+              <a:t>toUpperCase</a:t>
+            </a:r>
+            <a:r>
+              <a:rPr lang="en-IN" dirty="0">
+                <a:solidFill>
+                  <a:schemeClr val="bg1"/>
+                </a:solidFill>
+              </a:rPr>
+              <a:t>( );</a:t>
+            </a:r>
+          </a:p>
+          <a:p>
+            <a:r>
+              <a:rPr lang="en-IN" dirty="0" err="1">
+                <a:solidFill>
+                  <a:srgbClr val="4E95D9"/>
+                </a:solidFill>
+              </a:rPr>
+              <a:t>System</a:t>
+            </a:r>
+            <a:r>
+              <a:rPr lang="en-IN" dirty="0" err="1">
+                <a:solidFill>
+                  <a:schemeClr val="bg1"/>
+                </a:solidFill>
+              </a:rPr>
+              <a:t>.</a:t>
+            </a:r>
+            <a:r>
+              <a:rPr lang="en-IN" dirty="0" err="1">
+                <a:solidFill>
+                  <a:srgbClr val="4E95D9"/>
+                </a:solidFill>
+              </a:rPr>
+              <a:t>out</a:t>
+            </a:r>
+            <a:r>
+              <a:rPr lang="en-IN" dirty="0" err="1">
+                <a:solidFill>
+                  <a:schemeClr val="bg1"/>
+                </a:solidFill>
+              </a:rPr>
+              <a:t>.</a:t>
+            </a:r>
+            <a:r>
+              <a:rPr lang="en-IN" dirty="0" err="1">
+                <a:solidFill>
+                  <a:srgbClr val="4E95D9"/>
+                </a:solidFill>
+              </a:rPr>
+              <a:t>println</a:t>
+            </a:r>
+            <a:r>
+              <a:rPr lang="en-IN" dirty="0">
+                <a:solidFill>
+                  <a:schemeClr val="bg1"/>
+                </a:solidFill>
+              </a:rPr>
+              <a:t> ( </a:t>
+            </a:r>
+            <a:r>
+              <a:rPr lang="en-IN" dirty="0">
+                <a:solidFill>
+                  <a:srgbClr val="4E95D9"/>
+                </a:solidFill>
+              </a:rPr>
+              <a:t>name</a:t>
+            </a:r>
+            <a:r>
+              <a:rPr lang="en-IN" dirty="0">
+                <a:solidFill>
+                  <a:schemeClr val="bg1"/>
+                </a:solidFill>
+              </a:rPr>
+              <a:t> );				</a:t>
+            </a:r>
+            <a:r>
+              <a:rPr lang="en-IN" dirty="0">
+                <a:solidFill>
+                  <a:schemeClr val="tx1">
+                    <a:lumMod val="50000"/>
+                    <a:lumOff val="50000"/>
+                  </a:schemeClr>
+                </a:solidFill>
+              </a:rPr>
+              <a:t>// Still prints “Jhon”</a:t>
+            </a:r>
+          </a:p>
+          <a:p>
+            <a:endParaRPr lang="en-IN" dirty="0">
+              <a:solidFill>
+                <a:schemeClr val="tx1">
+                  <a:lumMod val="50000"/>
+                  <a:lumOff val="50000"/>
+                </a:schemeClr>
+              </a:solidFill>
+            </a:endParaRPr>
+          </a:p>
+          <a:p>
+            <a:r>
+              <a:rPr lang="en-IN" dirty="0">
+                <a:solidFill>
+                  <a:schemeClr val="tx1">
+                    <a:lumMod val="50000"/>
+                    <a:lumOff val="50000"/>
+                  </a:schemeClr>
+                </a:solidFill>
+              </a:rPr>
+              <a:t>// Correct way </a:t>
+            </a:r>
+          </a:p>
+          <a:p>
+            <a:r>
+              <a:rPr lang="en-IN" dirty="0">
+                <a:solidFill>
+                  <a:srgbClr val="4E95D9"/>
+                </a:solidFill>
+              </a:rPr>
+              <a:t>Name</a:t>
+            </a:r>
+            <a:r>
+              <a:rPr lang="en-IN" dirty="0">
+                <a:solidFill>
+                  <a:schemeClr val="bg1"/>
+                </a:solidFill>
+              </a:rPr>
+              <a:t> = </a:t>
+            </a:r>
+            <a:r>
+              <a:rPr lang="en-IN" dirty="0" err="1">
+                <a:solidFill>
+                  <a:srgbClr val="4E95D9"/>
+                </a:solidFill>
+              </a:rPr>
+              <a:t>name</a:t>
+            </a:r>
+            <a:r>
+              <a:rPr lang="en-IN" dirty="0" err="1">
+                <a:solidFill>
+                  <a:schemeClr val="bg1"/>
+                </a:solidFill>
+              </a:rPr>
+              <a:t>.</a:t>
+            </a:r>
+            <a:r>
+              <a:rPr lang="en-IN" dirty="0" err="1">
+                <a:solidFill>
+                  <a:srgbClr val="4E95D9"/>
+                </a:solidFill>
+              </a:rPr>
+              <a:t>toUpperCase</a:t>
+            </a:r>
+            <a:r>
+              <a:rPr lang="en-IN" dirty="0">
+                <a:solidFill>
+                  <a:schemeClr val="bg1"/>
+                </a:solidFill>
+              </a:rPr>
+              <a:t>(</a:t>
+            </a:r>
+            <a:r>
+              <a:rPr lang="en-IN" dirty="0">
+                <a:solidFill>
+                  <a:srgbClr val="FFC000"/>
+                </a:solidFill>
+              </a:rPr>
+              <a:t> </a:t>
+            </a:r>
+            <a:r>
+              <a:rPr lang="en-IN" dirty="0">
+                <a:solidFill>
+                  <a:schemeClr val="bg1"/>
+                </a:solidFill>
+              </a:rPr>
+              <a:t>) ;			</a:t>
+            </a:r>
+            <a:r>
+              <a:rPr lang="en-IN" dirty="0">
+                <a:solidFill>
+                  <a:schemeClr val="tx1">
+                    <a:lumMod val="50000"/>
+                    <a:lumOff val="50000"/>
+                  </a:schemeClr>
+                </a:solidFill>
+              </a:rPr>
+              <a:t>//  Creates new string</a:t>
+            </a:r>
+          </a:p>
+        </p:txBody>
+      </p:sp>
+    </p:spTree>
+    <p:extLst>
+      <p:ext uri="{BB962C8B-B14F-4D97-AF65-F5344CB8AC3E}">
+        <p14:creationId xmlns:p14="http://schemas.microsoft.com/office/powerpoint/2010/main" val="2665500191"/>
+      </p:ext>
+    </p:extLst>
+  </p:cSld>
+  <p:clrMapOvr>
+    <a:masterClrMapping/>
+  </p:clrMapOvr>
+  <mc:AlternateContent xmlns:mc="http://schemas.openxmlformats.org/markup-compatibility/2006">
+    <mc:Choice xmlns:p159="http://schemas.microsoft.com/office/powerpoint/2015/09/main" Requires="p159">
+      <p:transition xmlns:p14="http://schemas.microsoft.com/office/powerpoint/2010/main" spd="slow" p14:dur="2000">
+        <p159:morph option="byChar"/>
+      </p:transition>
+    </mc:Choice>
+    <mc:Fallback>
+      <p:transition spd="slow">
+        <p:fade/>
+      </p:transition>
+    </mc:Fallback>
+  </mc:AlternateContent>
+</p:sld>
+</file>
+
+<file path=ppt/slides/slide17.xml><?xml version="1.0" encoding="utf-8"?>
+<p:sld xmlns:a="http://schemas.openxmlformats.org/drawingml/2006/main" xmlns:r="http://schemas.openxmlformats.org/officeDocument/2006/relationships" xmlns:p="http://schemas.openxmlformats.org/presentationml/2006/main">
+  <p:cSld>
+    <p:spTree>
+      <p:nvGrpSpPr>
+        <p:cNvPr id="1" name="">
+          <a:extLst>
+            <a:ext uri="{FF2B5EF4-FFF2-40B4-BE49-F238E27FC236}">
+              <a16:creationId xmlns:a16="http://schemas.microsoft.com/office/drawing/2014/main" id="{E0A6A736-030B-90C4-CCCD-7ABF701A6DAC}"/>
+            </a:ext>
+          </a:extLst>
+        </p:cNvPr>
+        <p:cNvGrpSpPr/>
+        <p:nvPr/>
+      </p:nvGrpSpPr>
+      <p:grpSpPr>
+        <a:xfrm>
+          <a:off x="0" y="0"/>
+          <a:ext cx="0" cy="0"/>
+          <a:chOff x="0" y="0"/>
+          <a:chExt cx="0" cy="0"/>
+        </a:xfrm>
+      </p:grpSpPr>
+      <p:sp>
+        <p:nvSpPr>
+          <p:cNvPr id="4" name="Rectangle: Rounded Corners 3">
+            <a:extLst>
+              <a:ext uri="{FF2B5EF4-FFF2-40B4-BE49-F238E27FC236}">
+                <a16:creationId xmlns:a16="http://schemas.microsoft.com/office/drawing/2014/main" id="{C4B13C0A-31FA-7301-AA00-3496EACC3435}"/>
+              </a:ext>
+            </a:extLst>
+          </p:cNvPr>
+          <p:cNvSpPr/>
+          <p:nvPr/>
+        </p:nvSpPr>
+        <p:spPr>
+          <a:xfrm>
+            <a:off x="2195909" y="1213045"/>
+            <a:ext cx="7800182" cy="5271334"/>
+          </a:xfrm>
+          <a:prstGeom prst="roundRect">
+            <a:avLst>
+              <a:gd name="adj" fmla="val 4667"/>
+            </a:avLst>
+          </a:prstGeom>
+          <a:solidFill>
+            <a:schemeClr val="tx1">
+              <a:lumMod val="75000"/>
+              <a:lumOff val="25000"/>
+            </a:schemeClr>
+          </a:solidFill>
+        </p:spPr>
+        <p:style>
+          <a:lnRef idx="2">
+            <a:schemeClr val="accent1">
+              <a:shade val="15000"/>
+            </a:schemeClr>
+          </a:lnRef>
+          <a:fillRef idx="1">
+            <a:schemeClr val="accent1"/>
+          </a:fillRef>
+          <a:effectRef idx="0">
+            <a:schemeClr val="accent1"/>
+          </a:effectRef>
+          <a:fontRef idx="minor">
+            <a:schemeClr val="lt1"/>
+          </a:fontRef>
+        </p:style>
+        <p:txBody>
+          <a:bodyPr rtlCol="0" anchor="ctr"/>
+          <a:lstStyle/>
+          <a:p>
+            <a:pPr algn="ctr"/>
+            <a:endParaRPr lang="en-IN"/>
+          </a:p>
+        </p:txBody>
+      </p:sp>
+      <p:sp>
+        <p:nvSpPr>
+          <p:cNvPr id="5" name="TextBox 4">
+            <a:extLst>
+              <a:ext uri="{FF2B5EF4-FFF2-40B4-BE49-F238E27FC236}">
+                <a16:creationId xmlns:a16="http://schemas.microsoft.com/office/drawing/2014/main" id="{B76B3F90-A9CA-13B2-EA5C-2DCDB41EBC7D}"/>
+              </a:ext>
+            </a:extLst>
+          </p:cNvPr>
+          <p:cNvSpPr txBox="1"/>
+          <p:nvPr/>
+        </p:nvSpPr>
+        <p:spPr>
+          <a:xfrm>
+            <a:off x="1822450" y="346165"/>
+            <a:ext cx="8547100" cy="707886"/>
+          </a:xfrm>
+          <a:prstGeom prst="rect">
+            <a:avLst/>
+          </a:prstGeom>
+          <a:noFill/>
+        </p:spPr>
+        <p:txBody>
+          <a:bodyPr wrap="square" rtlCol="0">
+            <a:spAutoFit/>
+          </a:bodyPr>
+          <a:lstStyle/>
+          <a:p>
+            <a:pPr algn="ctr"/>
+            <a:r>
+              <a:rPr lang="en-IN" sz="4000" b="1" dirty="0">
+                <a:solidFill>
+                  <a:schemeClr val="bg1"/>
+                </a:solidFill>
+              </a:rPr>
+              <a:t>Common String  Operations</a:t>
+            </a:r>
+          </a:p>
+        </p:txBody>
+      </p:sp>
+      <p:sp>
+        <p:nvSpPr>
+          <p:cNvPr id="6" name="Oval 5">
+            <a:extLst>
+              <a:ext uri="{FF2B5EF4-FFF2-40B4-BE49-F238E27FC236}">
+                <a16:creationId xmlns:a16="http://schemas.microsoft.com/office/drawing/2014/main" id="{4EC85927-45EB-AA93-3F9F-9BD26CB19F3E}"/>
+              </a:ext>
+            </a:extLst>
+          </p:cNvPr>
+          <p:cNvSpPr/>
+          <p:nvPr/>
+        </p:nvSpPr>
+        <p:spPr>
+          <a:xfrm>
+            <a:off x="2494800" y="1449970"/>
+            <a:ext cx="203835" cy="203835"/>
+          </a:xfrm>
+          <a:prstGeom prst="ellipse">
+            <a:avLst/>
+          </a:prstGeom>
+          <a:solidFill>
+            <a:schemeClr val="accent2"/>
+          </a:solidFill>
+        </p:spPr>
+        <p:style>
+          <a:lnRef idx="2">
+            <a:schemeClr val="accent1">
+              <a:shade val="15000"/>
+            </a:schemeClr>
+          </a:lnRef>
+          <a:fillRef idx="1">
+            <a:schemeClr val="accent1"/>
+          </a:fillRef>
+          <a:effectRef idx="0">
+            <a:schemeClr val="accent1"/>
+          </a:effectRef>
+          <a:fontRef idx="minor">
+            <a:schemeClr val="lt1"/>
+          </a:fontRef>
+        </p:style>
+        <p:txBody>
+          <a:bodyPr rtlCol="0" anchor="ctr"/>
+          <a:lstStyle/>
+          <a:p>
+            <a:pPr algn="ctr"/>
+            <a:endParaRPr lang="en-IN" dirty="0"/>
+          </a:p>
+        </p:txBody>
+      </p:sp>
+      <p:sp>
+        <p:nvSpPr>
+          <p:cNvPr id="7" name="Oval 6">
+            <a:extLst>
+              <a:ext uri="{FF2B5EF4-FFF2-40B4-BE49-F238E27FC236}">
+                <a16:creationId xmlns:a16="http://schemas.microsoft.com/office/drawing/2014/main" id="{7C6BE383-A22B-88ED-251C-58DE7E74CC38}"/>
+              </a:ext>
+            </a:extLst>
+          </p:cNvPr>
+          <p:cNvSpPr/>
+          <p:nvPr/>
+        </p:nvSpPr>
+        <p:spPr>
+          <a:xfrm>
+            <a:off x="2786900" y="1449970"/>
+            <a:ext cx="203835" cy="203835"/>
+          </a:xfrm>
+          <a:prstGeom prst="ellipse">
+            <a:avLst/>
+          </a:prstGeom>
+          <a:solidFill>
+            <a:srgbClr val="FFC000"/>
+          </a:solidFill>
+        </p:spPr>
+        <p:style>
+          <a:lnRef idx="2">
+            <a:schemeClr val="accent1">
+              <a:shade val="15000"/>
+            </a:schemeClr>
+          </a:lnRef>
+          <a:fillRef idx="1">
+            <a:schemeClr val="accent1"/>
+          </a:fillRef>
+          <a:effectRef idx="0">
+            <a:schemeClr val="accent1"/>
+          </a:effectRef>
+          <a:fontRef idx="minor">
+            <a:schemeClr val="lt1"/>
+          </a:fontRef>
+        </p:style>
+        <p:txBody>
+          <a:bodyPr rtlCol="0" anchor="ctr"/>
+          <a:lstStyle/>
+          <a:p>
+            <a:pPr algn="ctr"/>
+            <a:endParaRPr lang="en-IN" dirty="0"/>
+          </a:p>
+        </p:txBody>
+      </p:sp>
+      <p:sp>
+        <p:nvSpPr>
+          <p:cNvPr id="8" name="Oval 7">
+            <a:extLst>
+              <a:ext uri="{FF2B5EF4-FFF2-40B4-BE49-F238E27FC236}">
+                <a16:creationId xmlns:a16="http://schemas.microsoft.com/office/drawing/2014/main" id="{3DCACA46-2741-B1EA-52C0-329F422629E9}"/>
+              </a:ext>
+            </a:extLst>
+          </p:cNvPr>
+          <p:cNvSpPr/>
+          <p:nvPr/>
+        </p:nvSpPr>
+        <p:spPr>
+          <a:xfrm>
+            <a:off x="3079000" y="1449970"/>
+            <a:ext cx="203835" cy="203835"/>
+          </a:xfrm>
+          <a:prstGeom prst="ellipse">
+            <a:avLst/>
+          </a:prstGeom>
+          <a:solidFill>
+            <a:schemeClr val="accent6"/>
+          </a:solidFill>
+        </p:spPr>
+        <p:style>
+          <a:lnRef idx="2">
+            <a:schemeClr val="accent1">
+              <a:shade val="15000"/>
+            </a:schemeClr>
+          </a:lnRef>
+          <a:fillRef idx="1">
+            <a:schemeClr val="accent1"/>
+          </a:fillRef>
+          <a:effectRef idx="0">
+            <a:schemeClr val="accent1"/>
+          </a:effectRef>
+          <a:fontRef idx="minor">
+            <a:schemeClr val="lt1"/>
+          </a:fontRef>
+        </p:style>
+        <p:txBody>
+          <a:bodyPr rtlCol="0" anchor="ctr"/>
+          <a:lstStyle/>
+          <a:p>
+            <a:pPr algn="ctr"/>
+            <a:endParaRPr lang="en-IN" dirty="0"/>
+          </a:p>
+        </p:txBody>
+      </p:sp>
+      <p:sp>
+        <p:nvSpPr>
+          <p:cNvPr id="9" name="TextBox 8">
+            <a:extLst>
+              <a:ext uri="{FF2B5EF4-FFF2-40B4-BE49-F238E27FC236}">
+                <a16:creationId xmlns:a16="http://schemas.microsoft.com/office/drawing/2014/main" id="{32BD9039-613C-35A0-642B-F4141807B00E}"/>
+              </a:ext>
+            </a:extLst>
+          </p:cNvPr>
+          <p:cNvSpPr txBox="1"/>
+          <p:nvPr/>
+        </p:nvSpPr>
+        <p:spPr>
+          <a:xfrm>
+            <a:off x="2443843" y="1777733"/>
+            <a:ext cx="6988628" cy="4524315"/>
+          </a:xfrm>
+          <a:prstGeom prst="rect">
+            <a:avLst/>
+          </a:prstGeom>
+          <a:noFill/>
+        </p:spPr>
+        <p:txBody>
+          <a:bodyPr wrap="square" rtlCol="0">
+            <a:spAutoFit/>
+          </a:bodyPr>
+          <a:lstStyle/>
+          <a:p>
+            <a:r>
+              <a:rPr lang="en-IN" dirty="0">
+                <a:solidFill>
+                  <a:schemeClr val="bg1"/>
+                </a:solidFill>
+              </a:rPr>
+              <a:t>String  </a:t>
+            </a:r>
+            <a:r>
+              <a:rPr lang="en-IN" dirty="0">
+                <a:solidFill>
+                  <a:schemeClr val="tx2">
+                    <a:lumMod val="50000"/>
+                    <a:lumOff val="50000"/>
+                  </a:schemeClr>
+                </a:solidFill>
+              </a:rPr>
+              <a:t>text </a:t>
+            </a:r>
+            <a:r>
+              <a:rPr lang="en-IN" dirty="0">
+                <a:solidFill>
+                  <a:schemeClr val="bg1"/>
+                </a:solidFill>
+              </a:rPr>
+              <a:t> =     </a:t>
+            </a:r>
+            <a:r>
+              <a:rPr lang="en-IN" dirty="0">
+                <a:solidFill>
+                  <a:srgbClr val="FFC000"/>
+                </a:solidFill>
+              </a:rPr>
+              <a:t>“Hello World”</a:t>
+            </a:r>
+            <a:r>
+              <a:rPr lang="en-IN" dirty="0">
+                <a:solidFill>
+                  <a:schemeClr val="bg1"/>
+                </a:solidFill>
+              </a:rPr>
+              <a:t> ;</a:t>
+            </a:r>
+          </a:p>
+          <a:p>
+            <a:endParaRPr lang="en-IN" dirty="0">
+              <a:solidFill>
+                <a:schemeClr val="bg1"/>
+              </a:solidFill>
+            </a:endParaRPr>
+          </a:p>
+          <a:p>
+            <a:r>
+              <a:rPr lang="en-IN" dirty="0">
+                <a:solidFill>
+                  <a:schemeClr val="tx1">
+                    <a:lumMod val="50000"/>
+                    <a:lumOff val="50000"/>
+                  </a:schemeClr>
+                </a:solidFill>
+              </a:rPr>
+              <a:t>// Length</a:t>
+            </a:r>
+          </a:p>
+          <a:p>
+            <a:r>
+              <a:rPr lang="en-IN" dirty="0" err="1">
+                <a:solidFill>
+                  <a:srgbClr val="4E95D9"/>
+                </a:solidFill>
+              </a:rPr>
+              <a:t>System</a:t>
+            </a:r>
+            <a:r>
+              <a:rPr lang="en-IN" dirty="0" err="1">
+                <a:solidFill>
+                  <a:schemeClr val="bg1"/>
+                </a:solidFill>
+              </a:rPr>
+              <a:t>.</a:t>
+            </a:r>
+            <a:r>
+              <a:rPr lang="en-IN" dirty="0" err="1">
+                <a:solidFill>
+                  <a:srgbClr val="4E95D9"/>
+                </a:solidFill>
+              </a:rPr>
+              <a:t>out</a:t>
+            </a:r>
+            <a:r>
+              <a:rPr lang="en-IN" dirty="0" err="1">
+                <a:solidFill>
+                  <a:schemeClr val="bg1"/>
+                </a:solidFill>
+              </a:rPr>
+              <a:t>.</a:t>
+            </a:r>
+            <a:r>
+              <a:rPr lang="en-IN" dirty="0" err="1">
+                <a:solidFill>
+                  <a:srgbClr val="4E95D9"/>
+                </a:solidFill>
+              </a:rPr>
+              <a:t>println</a:t>
+            </a:r>
+            <a:r>
+              <a:rPr lang="en-IN" dirty="0">
+                <a:solidFill>
+                  <a:schemeClr val="bg1"/>
+                </a:solidFill>
+              </a:rPr>
+              <a:t>(</a:t>
+            </a:r>
+            <a:r>
+              <a:rPr lang="en-IN" dirty="0" err="1">
+                <a:solidFill>
+                  <a:srgbClr val="4E95D9"/>
+                </a:solidFill>
+              </a:rPr>
+              <a:t>text</a:t>
+            </a:r>
+            <a:r>
+              <a:rPr lang="en-IN" dirty="0" err="1">
+                <a:solidFill>
+                  <a:schemeClr val="bg1"/>
+                </a:solidFill>
+              </a:rPr>
+              <a:t>.</a:t>
+            </a:r>
+            <a:r>
+              <a:rPr lang="en-IN" dirty="0" err="1">
+                <a:solidFill>
+                  <a:srgbClr val="4E95D9"/>
+                </a:solidFill>
+              </a:rPr>
+              <a:t>length</a:t>
+            </a:r>
+            <a:r>
+              <a:rPr lang="en-IN" dirty="0">
+                <a:solidFill>
+                  <a:schemeClr val="bg1"/>
+                </a:solidFill>
+              </a:rPr>
+              <a:t>( ) );		</a:t>
+            </a:r>
+            <a:r>
+              <a:rPr lang="en-IN" dirty="0">
+                <a:solidFill>
+                  <a:schemeClr val="tx1">
+                    <a:lumMod val="50000"/>
+                    <a:lumOff val="50000"/>
+                  </a:schemeClr>
+                </a:solidFill>
+              </a:rPr>
+              <a:t>// 11</a:t>
+            </a:r>
+          </a:p>
+          <a:p>
+            <a:endParaRPr lang="en-IN" dirty="0">
+              <a:solidFill>
+                <a:schemeClr val="bg1"/>
+              </a:solidFill>
+            </a:endParaRPr>
+          </a:p>
+          <a:p>
+            <a:r>
+              <a:rPr lang="en-IN" dirty="0">
+                <a:solidFill>
+                  <a:schemeClr val="tx1">
+                    <a:lumMod val="50000"/>
+                    <a:lumOff val="50000"/>
+                  </a:schemeClr>
+                </a:solidFill>
+              </a:rPr>
+              <a:t>// Accessing Characters</a:t>
+            </a:r>
+          </a:p>
+          <a:p>
+            <a:r>
+              <a:rPr lang="en-IN" dirty="0" err="1">
+                <a:solidFill>
+                  <a:srgbClr val="4E95D9"/>
+                </a:solidFill>
+              </a:rPr>
+              <a:t>System</a:t>
+            </a:r>
+            <a:r>
+              <a:rPr lang="en-IN" dirty="0" err="1">
+                <a:solidFill>
+                  <a:schemeClr val="bg1"/>
+                </a:solidFill>
+              </a:rPr>
+              <a:t>.</a:t>
+            </a:r>
+            <a:r>
+              <a:rPr lang="en-IN" dirty="0" err="1">
+                <a:solidFill>
+                  <a:srgbClr val="4E95D9"/>
+                </a:solidFill>
+              </a:rPr>
+              <a:t>out</a:t>
+            </a:r>
+            <a:r>
+              <a:rPr lang="en-IN" dirty="0" err="1">
+                <a:solidFill>
+                  <a:schemeClr val="bg1"/>
+                </a:solidFill>
+              </a:rPr>
+              <a:t>.</a:t>
+            </a:r>
+            <a:r>
+              <a:rPr lang="en-IN" dirty="0" err="1">
+                <a:solidFill>
+                  <a:srgbClr val="4E95D9"/>
+                </a:solidFill>
+              </a:rPr>
+              <a:t>println</a:t>
+            </a:r>
+            <a:r>
+              <a:rPr lang="en-IN" dirty="0">
+                <a:solidFill>
+                  <a:schemeClr val="bg1"/>
+                </a:solidFill>
+              </a:rPr>
+              <a:t>(</a:t>
+            </a:r>
+            <a:r>
+              <a:rPr lang="en-IN" dirty="0" err="1">
+                <a:solidFill>
+                  <a:srgbClr val="4E95D9"/>
+                </a:solidFill>
+              </a:rPr>
+              <a:t>text</a:t>
+            </a:r>
+            <a:r>
+              <a:rPr lang="en-IN" dirty="0" err="1">
+                <a:solidFill>
+                  <a:schemeClr val="bg1"/>
+                </a:solidFill>
+              </a:rPr>
+              <a:t>.</a:t>
+            </a:r>
+            <a:r>
+              <a:rPr lang="en-IN" dirty="0" err="1">
+                <a:solidFill>
+                  <a:srgbClr val="4E95D9"/>
+                </a:solidFill>
+              </a:rPr>
+              <a:t>charAt</a:t>
+            </a:r>
+            <a:r>
+              <a:rPr lang="en-IN" dirty="0">
+                <a:solidFill>
+                  <a:schemeClr val="bg1"/>
+                </a:solidFill>
+              </a:rPr>
+              <a:t>( 0 ) );		</a:t>
+            </a:r>
+            <a:r>
+              <a:rPr lang="en-IN" dirty="0">
+                <a:solidFill>
+                  <a:schemeClr val="tx1">
+                    <a:lumMod val="50000"/>
+                    <a:lumOff val="50000"/>
+                  </a:schemeClr>
+                </a:solidFill>
+              </a:rPr>
+              <a:t>// ‘h’</a:t>
+            </a:r>
+          </a:p>
+          <a:p>
+            <a:endParaRPr lang="en-IN" dirty="0">
+              <a:solidFill>
+                <a:schemeClr val="bg1"/>
+              </a:solidFill>
+            </a:endParaRPr>
+          </a:p>
+          <a:p>
+            <a:r>
+              <a:rPr lang="en-IN" dirty="0">
+                <a:solidFill>
+                  <a:schemeClr val="tx1">
+                    <a:lumMod val="50000"/>
+                    <a:lumOff val="50000"/>
+                  </a:schemeClr>
+                </a:solidFill>
+              </a:rPr>
+              <a:t>//Substring</a:t>
+            </a:r>
+          </a:p>
+          <a:p>
+            <a:r>
+              <a:rPr lang="en-IN" dirty="0" err="1">
+                <a:solidFill>
+                  <a:srgbClr val="4E95D9"/>
+                </a:solidFill>
+              </a:rPr>
+              <a:t>System</a:t>
+            </a:r>
+            <a:r>
+              <a:rPr lang="en-IN" dirty="0" err="1">
+                <a:solidFill>
+                  <a:schemeClr val="bg1"/>
+                </a:solidFill>
+              </a:rPr>
+              <a:t>.</a:t>
+            </a:r>
+            <a:r>
+              <a:rPr lang="en-IN" dirty="0" err="1">
+                <a:solidFill>
+                  <a:srgbClr val="4E95D9"/>
+                </a:solidFill>
+              </a:rPr>
+              <a:t>out</a:t>
+            </a:r>
+            <a:r>
+              <a:rPr lang="en-IN" dirty="0" err="1">
+                <a:solidFill>
+                  <a:schemeClr val="bg1"/>
+                </a:solidFill>
+              </a:rPr>
+              <a:t>.</a:t>
+            </a:r>
+            <a:r>
+              <a:rPr lang="en-IN" dirty="0" err="1">
+                <a:solidFill>
+                  <a:srgbClr val="4E95D9"/>
+                </a:solidFill>
+              </a:rPr>
+              <a:t>println</a:t>
+            </a:r>
+            <a:r>
+              <a:rPr lang="en-IN" dirty="0">
+                <a:solidFill>
+                  <a:schemeClr val="bg1"/>
+                </a:solidFill>
+              </a:rPr>
+              <a:t>(</a:t>
+            </a:r>
+            <a:r>
+              <a:rPr lang="en-IN" dirty="0" err="1">
+                <a:solidFill>
+                  <a:srgbClr val="4E95D9"/>
+                </a:solidFill>
+              </a:rPr>
+              <a:t>text</a:t>
+            </a:r>
+            <a:r>
+              <a:rPr lang="en-IN" dirty="0" err="1">
+                <a:solidFill>
+                  <a:schemeClr val="bg1"/>
+                </a:solidFill>
+              </a:rPr>
+              <a:t>.</a:t>
+            </a:r>
+            <a:r>
+              <a:rPr lang="en-IN" dirty="0" err="1">
+                <a:solidFill>
+                  <a:srgbClr val="4E95D9"/>
+                </a:solidFill>
+              </a:rPr>
+              <a:t>Substring</a:t>
+            </a:r>
+            <a:r>
+              <a:rPr lang="en-IN" dirty="0">
+                <a:solidFill>
+                  <a:schemeClr val="bg1"/>
+                </a:solidFill>
+              </a:rPr>
+              <a:t>(0, 5 ) );		</a:t>
+            </a:r>
+            <a:r>
+              <a:rPr lang="en-IN" dirty="0">
+                <a:solidFill>
+                  <a:schemeClr val="tx1">
+                    <a:lumMod val="50000"/>
+                    <a:lumOff val="50000"/>
+                  </a:schemeClr>
+                </a:solidFill>
+              </a:rPr>
+              <a:t>// “Hello”</a:t>
+            </a:r>
+          </a:p>
+          <a:p>
+            <a:endParaRPr lang="en-IN" dirty="0">
+              <a:solidFill>
+                <a:schemeClr val="bg1"/>
+              </a:solidFill>
+            </a:endParaRPr>
+          </a:p>
+          <a:p>
+            <a:r>
+              <a:rPr lang="en-IN" dirty="0">
+                <a:solidFill>
+                  <a:schemeClr val="tx1">
+                    <a:lumMod val="50000"/>
+                    <a:lumOff val="50000"/>
+                  </a:schemeClr>
+                </a:solidFill>
+              </a:rPr>
+              <a:t>//Contains, </a:t>
+            </a:r>
+            <a:r>
+              <a:rPr lang="en-IN" dirty="0" err="1">
+                <a:solidFill>
+                  <a:schemeClr val="tx1">
+                    <a:lumMod val="50000"/>
+                    <a:lumOff val="50000"/>
+                  </a:schemeClr>
+                </a:solidFill>
+              </a:rPr>
+              <a:t>startWith</a:t>
+            </a:r>
+            <a:r>
+              <a:rPr lang="en-IN" dirty="0">
+                <a:solidFill>
+                  <a:schemeClr val="tx1">
+                    <a:lumMod val="50000"/>
+                    <a:lumOff val="50000"/>
+                  </a:schemeClr>
+                </a:solidFill>
+              </a:rPr>
+              <a:t>, </a:t>
+            </a:r>
+            <a:r>
+              <a:rPr lang="en-IN" dirty="0" err="1">
+                <a:solidFill>
+                  <a:schemeClr val="tx1">
+                    <a:lumMod val="50000"/>
+                    <a:lumOff val="50000"/>
+                  </a:schemeClr>
+                </a:solidFill>
+              </a:rPr>
+              <a:t>endsWith</a:t>
+            </a:r>
+            <a:endParaRPr lang="en-IN" dirty="0">
+              <a:solidFill>
+                <a:schemeClr val="tx1">
+                  <a:lumMod val="50000"/>
+                  <a:lumOff val="50000"/>
+                </a:schemeClr>
+              </a:solidFill>
+            </a:endParaRPr>
+          </a:p>
+          <a:p>
+            <a:r>
+              <a:rPr lang="en-IN" dirty="0" err="1">
+                <a:solidFill>
+                  <a:srgbClr val="4E95D9"/>
+                </a:solidFill>
+              </a:rPr>
+              <a:t>System</a:t>
+            </a:r>
+            <a:r>
+              <a:rPr lang="en-IN" dirty="0" err="1">
+                <a:solidFill>
+                  <a:schemeClr val="bg1"/>
+                </a:solidFill>
+              </a:rPr>
+              <a:t>.</a:t>
+            </a:r>
+            <a:r>
+              <a:rPr lang="en-IN" dirty="0" err="1">
+                <a:solidFill>
+                  <a:srgbClr val="4E95D9"/>
+                </a:solidFill>
+              </a:rPr>
+              <a:t>out</a:t>
+            </a:r>
+            <a:r>
+              <a:rPr lang="en-IN" dirty="0" err="1">
+                <a:solidFill>
+                  <a:schemeClr val="bg1"/>
+                </a:solidFill>
+              </a:rPr>
+              <a:t>.</a:t>
+            </a:r>
+            <a:r>
+              <a:rPr lang="en-IN" dirty="0" err="1">
+                <a:solidFill>
+                  <a:srgbClr val="4E95D9"/>
+                </a:solidFill>
+              </a:rPr>
+              <a:t>println</a:t>
+            </a:r>
+            <a:r>
+              <a:rPr lang="en-IN" dirty="0">
+                <a:solidFill>
+                  <a:schemeClr val="bg1"/>
+                </a:solidFill>
+              </a:rPr>
+              <a:t>(</a:t>
+            </a:r>
+            <a:r>
+              <a:rPr lang="en-IN" dirty="0" err="1">
+                <a:solidFill>
+                  <a:srgbClr val="4E95D9"/>
+                </a:solidFill>
+              </a:rPr>
+              <a:t>text</a:t>
+            </a:r>
+            <a:r>
+              <a:rPr lang="en-IN" dirty="0" err="1">
+                <a:solidFill>
+                  <a:schemeClr val="bg1"/>
+                </a:solidFill>
+              </a:rPr>
+              <a:t>.</a:t>
+            </a:r>
+            <a:r>
+              <a:rPr lang="en-IN" dirty="0" err="1">
+                <a:solidFill>
+                  <a:srgbClr val="4E95D9"/>
+                </a:solidFill>
+              </a:rPr>
+              <a:t>Contains</a:t>
+            </a:r>
+            <a:r>
+              <a:rPr lang="en-IN" dirty="0">
+                <a:solidFill>
+                  <a:schemeClr val="bg1"/>
+                </a:solidFill>
+              </a:rPr>
+              <a:t>( </a:t>
+            </a:r>
+            <a:r>
+              <a:rPr lang="en-IN" dirty="0">
+                <a:solidFill>
+                  <a:srgbClr val="FFC000"/>
+                </a:solidFill>
+              </a:rPr>
+              <a:t>“world”</a:t>
+            </a:r>
+            <a:r>
+              <a:rPr lang="en-IN" dirty="0">
+                <a:solidFill>
+                  <a:schemeClr val="bg1"/>
+                </a:solidFill>
+              </a:rPr>
+              <a:t>));	</a:t>
+            </a:r>
+            <a:r>
+              <a:rPr lang="en-IN" dirty="0">
+                <a:solidFill>
+                  <a:schemeClr val="tx1">
+                    <a:lumMod val="50000"/>
+                    <a:lumOff val="50000"/>
+                  </a:schemeClr>
+                </a:solidFill>
+              </a:rPr>
+              <a:t>// true</a:t>
+            </a:r>
+          </a:p>
+          <a:p>
+            <a:endParaRPr lang="en-IN" dirty="0">
+              <a:solidFill>
+                <a:schemeClr val="bg1"/>
+              </a:solidFill>
+            </a:endParaRPr>
+          </a:p>
+          <a:p>
+            <a:r>
+              <a:rPr lang="en-IN" dirty="0">
+                <a:solidFill>
+                  <a:schemeClr val="tx1">
+                    <a:lumMod val="50000"/>
+                    <a:lumOff val="50000"/>
+                  </a:schemeClr>
+                </a:solidFill>
+              </a:rPr>
+              <a:t>// Replace</a:t>
+            </a:r>
+          </a:p>
+          <a:p>
+            <a:r>
+              <a:rPr lang="en-IN" dirty="0" err="1">
+                <a:solidFill>
+                  <a:srgbClr val="4E95D9"/>
+                </a:solidFill>
+              </a:rPr>
+              <a:t>System</a:t>
+            </a:r>
+            <a:r>
+              <a:rPr lang="en-IN" dirty="0" err="1">
+                <a:solidFill>
+                  <a:schemeClr val="bg1"/>
+                </a:solidFill>
+              </a:rPr>
+              <a:t>.</a:t>
+            </a:r>
+            <a:r>
+              <a:rPr lang="en-IN" dirty="0" err="1">
+                <a:solidFill>
+                  <a:srgbClr val="4E95D9"/>
+                </a:solidFill>
+              </a:rPr>
+              <a:t>out</a:t>
+            </a:r>
+            <a:r>
+              <a:rPr lang="en-IN" dirty="0" err="1">
+                <a:solidFill>
+                  <a:schemeClr val="bg1"/>
+                </a:solidFill>
+              </a:rPr>
+              <a:t>.</a:t>
+            </a:r>
+            <a:r>
+              <a:rPr lang="en-IN" dirty="0" err="1">
+                <a:solidFill>
+                  <a:srgbClr val="4E95D9"/>
+                </a:solidFill>
+              </a:rPr>
+              <a:t>println</a:t>
+            </a:r>
+            <a:r>
+              <a:rPr lang="en-IN" dirty="0">
+                <a:solidFill>
+                  <a:schemeClr val="bg1"/>
+                </a:solidFill>
+              </a:rPr>
+              <a:t>(</a:t>
+            </a:r>
+            <a:r>
+              <a:rPr lang="en-IN" dirty="0" err="1">
+                <a:solidFill>
+                  <a:srgbClr val="4E95D9"/>
+                </a:solidFill>
+              </a:rPr>
+              <a:t>text</a:t>
+            </a:r>
+            <a:r>
+              <a:rPr lang="en-IN" dirty="0" err="1">
+                <a:solidFill>
+                  <a:schemeClr val="bg1"/>
+                </a:solidFill>
+              </a:rPr>
+              <a:t>.</a:t>
+            </a:r>
+            <a:r>
+              <a:rPr lang="en-IN" dirty="0" err="1">
+                <a:solidFill>
+                  <a:srgbClr val="4E95D9"/>
+                </a:solidFill>
+              </a:rPr>
+              <a:t>Replace</a:t>
+            </a:r>
+            <a:r>
+              <a:rPr lang="en-IN" dirty="0">
+                <a:solidFill>
+                  <a:schemeClr val="bg1"/>
+                </a:solidFill>
+              </a:rPr>
+              <a:t>( </a:t>
+            </a:r>
+            <a:r>
+              <a:rPr lang="en-IN" dirty="0">
+                <a:solidFill>
+                  <a:srgbClr val="FFC000"/>
+                </a:solidFill>
+              </a:rPr>
+              <a:t>“World” </a:t>
+            </a:r>
+            <a:r>
+              <a:rPr lang="en-IN" dirty="0">
+                <a:solidFill>
+                  <a:schemeClr val="bg1"/>
+                </a:solidFill>
+              </a:rPr>
+              <a:t>,</a:t>
+            </a:r>
+            <a:r>
+              <a:rPr lang="en-IN" dirty="0">
+                <a:solidFill>
+                  <a:srgbClr val="FFC000"/>
+                </a:solidFill>
+              </a:rPr>
+              <a:t> “Java”</a:t>
+            </a:r>
+            <a:r>
+              <a:rPr lang="en-IN" dirty="0">
+                <a:solidFill>
+                  <a:schemeClr val="bg1"/>
+                </a:solidFill>
+              </a:rPr>
+              <a:t>));</a:t>
+            </a:r>
+          </a:p>
+        </p:txBody>
+      </p:sp>
+    </p:spTree>
+    <p:extLst>
+      <p:ext uri="{BB962C8B-B14F-4D97-AF65-F5344CB8AC3E}">
+        <p14:creationId xmlns:p14="http://schemas.microsoft.com/office/powerpoint/2010/main" val="3927787645"/>
+      </p:ext>
+    </p:extLst>
+  </p:cSld>
+  <p:clrMapOvr>
+    <a:masterClrMapping/>
+  </p:clrMapOvr>
+  <mc:AlternateContent xmlns:mc="http://schemas.openxmlformats.org/markup-compatibility/2006">
+    <mc:Choice xmlns:p159="http://schemas.microsoft.com/office/powerpoint/2015/09/main" Requires="p159">
+      <p:transition xmlns:p14="http://schemas.microsoft.com/office/powerpoint/2010/main" spd="slow" p14:dur="2000">
+        <p159:morph option="byChar"/>
+      </p:transition>
+    </mc:Choice>
+    <mc:Fallback>
+      <p:transition spd="slow">
+        <p:fade/>
+      </p:transition>
+    </mc:Fallback>
+  </mc:AlternateContent>
+</p:sld>
+</file>
+
+<file path=ppt/slides/slide18.xml><?xml version="1.0" encoding="utf-8"?>
+<p:sld xmlns:a="http://schemas.openxmlformats.org/drawingml/2006/main" xmlns:r="http://schemas.openxmlformats.org/officeDocument/2006/relationships" xmlns:p="http://schemas.openxmlformats.org/presentationml/2006/main">
+  <p:cSld>
+    <p:spTree>
+      <p:nvGrpSpPr>
+        <p:cNvPr id="1" name=""/>
+        <p:cNvGrpSpPr/>
+        <p:nvPr/>
+      </p:nvGrpSpPr>
+      <p:grpSpPr>
+        <a:xfrm>
+          <a:off x="0" y="0"/>
+          <a:ext cx="0" cy="0"/>
+          <a:chOff x="0" y="0"/>
+          <a:chExt cx="0" cy="0"/>
+        </a:xfrm>
+      </p:grpSpPr>
+      <p:sp>
+        <p:nvSpPr>
+          <p:cNvPr id="4" name="TextBox 3">
+            <a:extLst>
+              <a:ext uri="{FF2B5EF4-FFF2-40B4-BE49-F238E27FC236}">
+                <a16:creationId xmlns:a16="http://schemas.microsoft.com/office/drawing/2014/main" id="{2A52939D-052F-0FC8-2952-91195BFDAB4D}"/>
+              </a:ext>
+            </a:extLst>
+          </p:cNvPr>
+          <p:cNvSpPr txBox="1"/>
+          <p:nvPr/>
+        </p:nvSpPr>
+        <p:spPr>
+          <a:xfrm>
+            <a:off x="2988733" y="1007533"/>
+            <a:ext cx="6375400" cy="830997"/>
+          </a:xfrm>
+          <a:prstGeom prst="rect">
+            <a:avLst/>
+          </a:prstGeom>
+          <a:noFill/>
+        </p:spPr>
+        <p:txBody>
+          <a:bodyPr wrap="square" rtlCol="0">
+            <a:spAutoFit/>
+          </a:bodyPr>
+          <a:lstStyle/>
+          <a:p>
+            <a:pPr algn="ctr"/>
+            <a:r>
+              <a:rPr lang="en-IN" sz="4800" b="1" dirty="0">
+                <a:solidFill>
+                  <a:schemeClr val="bg1"/>
+                </a:solidFill>
+              </a:rPr>
+              <a:t>Arithmetic Operators</a:t>
+            </a:r>
+          </a:p>
+        </p:txBody>
+      </p:sp>
+      <p:sp>
+        <p:nvSpPr>
+          <p:cNvPr id="5" name="TextBox 4">
+            <a:extLst>
+              <a:ext uri="{FF2B5EF4-FFF2-40B4-BE49-F238E27FC236}">
+                <a16:creationId xmlns:a16="http://schemas.microsoft.com/office/drawing/2014/main" id="{655A9429-95E0-DBAB-F6C1-9CFD5379CFA6}"/>
+              </a:ext>
+            </a:extLst>
+          </p:cNvPr>
+          <p:cNvSpPr txBox="1"/>
+          <p:nvPr/>
+        </p:nvSpPr>
+        <p:spPr>
+          <a:xfrm>
+            <a:off x="2988733" y="2484860"/>
+            <a:ext cx="6375400" cy="3785652"/>
+          </a:xfrm>
+          <a:prstGeom prst="rect">
+            <a:avLst/>
+          </a:prstGeom>
+          <a:noFill/>
+        </p:spPr>
+        <p:txBody>
+          <a:bodyPr wrap="square" rtlCol="0">
+            <a:spAutoFit/>
+          </a:bodyPr>
+          <a:lstStyle/>
+          <a:p>
+            <a:pPr algn="ctr"/>
+            <a:r>
+              <a:rPr lang="en-IN" sz="4800" b="1" dirty="0">
+                <a:solidFill>
+                  <a:srgbClr val="FFFF00"/>
+                </a:solidFill>
+              </a:rPr>
+              <a:t>+ - / * %</a:t>
+            </a:r>
+          </a:p>
+          <a:p>
+            <a:pPr algn="ctr"/>
+            <a:endParaRPr lang="en-IN" sz="4800" b="1" dirty="0">
+              <a:solidFill>
+                <a:srgbClr val="FFFF00"/>
+              </a:solidFill>
+            </a:endParaRPr>
+          </a:p>
+          <a:p>
+            <a:pPr algn="ctr"/>
+            <a:r>
+              <a:rPr lang="en-IN" sz="4800" b="1" dirty="0">
+                <a:solidFill>
+                  <a:srgbClr val="FFFF00"/>
+                </a:solidFill>
+              </a:rPr>
+              <a:t>++</a:t>
+            </a:r>
+          </a:p>
+          <a:p>
+            <a:pPr algn="ctr"/>
+            <a:endParaRPr lang="en-IN" sz="4800" b="1" dirty="0">
+              <a:solidFill>
+                <a:srgbClr val="FFFF00"/>
+              </a:solidFill>
+            </a:endParaRPr>
+          </a:p>
+          <a:p>
+            <a:pPr algn="ctr"/>
+            <a:r>
+              <a:rPr lang="en-IN" sz="4800" b="1" dirty="0">
+                <a:solidFill>
+                  <a:srgbClr val="FFFF00"/>
+                </a:solidFill>
+              </a:rPr>
+              <a:t>--</a:t>
+            </a:r>
+          </a:p>
+        </p:txBody>
+      </p:sp>
+    </p:spTree>
+    <p:extLst>
+      <p:ext uri="{BB962C8B-B14F-4D97-AF65-F5344CB8AC3E}">
+        <p14:creationId xmlns:p14="http://schemas.microsoft.com/office/powerpoint/2010/main" val="674532977"/>
+      </p:ext>
+    </p:extLst>
+  </p:cSld>
+  <p:clrMapOvr>
+    <a:masterClrMapping/>
+  </p:clrMapOvr>
+  <mc:AlternateContent xmlns:mc="http://schemas.openxmlformats.org/markup-compatibility/2006">
+    <mc:Choice xmlns:p15="http://schemas.microsoft.com/office/powerpoint/2012/main" Requires="p15">
+      <p:transition xmlns:p14="http://schemas.microsoft.com/office/powerpoint/2010/main" spd="slow" p14:dur="2000">
+        <p15:prstTrans prst="fallOver"/>
+      </p:transition>
+    </mc:Choice>
+    <mc:Fallback>
+      <p:transition spd="slow">
+        <p:fade/>
+      </p:transition>
+    </mc:Fallback>
+  </mc:AlternateContent>
+</p:sld>
+</file>
+
+<file path=ppt/slides/slide19.xml><?xml version="1.0" encoding="utf-8"?>
+<p:sld xmlns:a="http://schemas.openxmlformats.org/drawingml/2006/main" xmlns:r="http://schemas.openxmlformats.org/officeDocument/2006/relationships" xmlns:p="http://schemas.openxmlformats.org/presentationml/2006/main">
+  <p:cSld>
+    <p:spTree>
+      <p:nvGrpSpPr>
+        <p:cNvPr id="1" name="">
+          <a:extLst>
+            <a:ext uri="{FF2B5EF4-FFF2-40B4-BE49-F238E27FC236}">
+              <a16:creationId xmlns:a16="http://schemas.microsoft.com/office/drawing/2014/main" id="{3C5D5D91-0B13-AFD7-247D-2207B2903D03}"/>
+            </a:ext>
+          </a:extLst>
+        </p:cNvPr>
+        <p:cNvGrpSpPr/>
+        <p:nvPr/>
+      </p:nvGrpSpPr>
+      <p:grpSpPr>
+        <a:xfrm>
+          <a:off x="0" y="0"/>
+          <a:ext cx="0" cy="0"/>
+          <a:chOff x="0" y="0"/>
+          <a:chExt cx="0" cy="0"/>
+        </a:xfrm>
+      </p:grpSpPr>
+      <p:sp>
+        <p:nvSpPr>
+          <p:cNvPr id="4" name="TextBox 3">
+            <a:extLst>
+              <a:ext uri="{FF2B5EF4-FFF2-40B4-BE49-F238E27FC236}">
+                <a16:creationId xmlns:a16="http://schemas.microsoft.com/office/drawing/2014/main" id="{0B463D73-63B1-CFE0-DDFA-0D9ED08BB2E1}"/>
+              </a:ext>
+            </a:extLst>
+          </p:cNvPr>
+          <p:cNvSpPr txBox="1"/>
+          <p:nvPr/>
+        </p:nvSpPr>
+        <p:spPr>
+          <a:xfrm>
+            <a:off x="2988733" y="687493"/>
+            <a:ext cx="6375400" cy="830997"/>
+          </a:xfrm>
+          <a:prstGeom prst="rect">
+            <a:avLst/>
+          </a:prstGeom>
+          <a:noFill/>
+        </p:spPr>
+        <p:txBody>
+          <a:bodyPr wrap="square" rtlCol="0">
+            <a:spAutoFit/>
+          </a:bodyPr>
+          <a:lstStyle/>
+          <a:p>
+            <a:pPr algn="ctr"/>
+            <a:r>
+              <a:rPr lang="en-IN" sz="4800" b="1" dirty="0">
+                <a:solidFill>
+                  <a:schemeClr val="bg1"/>
+                </a:solidFill>
+              </a:rPr>
+              <a:t>Bitwise Operators</a:t>
+            </a:r>
+          </a:p>
+        </p:txBody>
+      </p:sp>
+      <p:sp>
+        <p:nvSpPr>
+          <p:cNvPr id="5" name="TextBox 4">
+            <a:extLst>
+              <a:ext uri="{FF2B5EF4-FFF2-40B4-BE49-F238E27FC236}">
+                <a16:creationId xmlns:a16="http://schemas.microsoft.com/office/drawing/2014/main" id="{69FEF7F6-5016-1015-1733-C7C0E98F5385}"/>
+              </a:ext>
+            </a:extLst>
+          </p:cNvPr>
+          <p:cNvSpPr txBox="1"/>
+          <p:nvPr/>
+        </p:nvSpPr>
+        <p:spPr>
+          <a:xfrm>
+            <a:off x="2988733" y="1860020"/>
+            <a:ext cx="6375400" cy="4524315"/>
+          </a:xfrm>
+          <a:prstGeom prst="rect">
+            <a:avLst/>
+          </a:prstGeom>
+          <a:noFill/>
+        </p:spPr>
+        <p:txBody>
+          <a:bodyPr wrap="square" rtlCol="0">
+            <a:spAutoFit/>
+          </a:bodyPr>
+          <a:lstStyle/>
+          <a:p>
+            <a:pPr algn="ctr"/>
+            <a:r>
+              <a:rPr lang="en-US" sz="4800" b="1" dirty="0">
+                <a:solidFill>
+                  <a:srgbClr val="FFFF00"/>
+                </a:solidFill>
+              </a:rPr>
+              <a:t>&amp;</a:t>
+            </a:r>
+          </a:p>
+          <a:p>
+            <a:pPr algn="ctr"/>
+            <a:r>
+              <a:rPr lang="en-US" sz="4800" b="1" dirty="0">
+                <a:solidFill>
+                  <a:srgbClr val="FFFF00"/>
+                </a:solidFill>
+              </a:rPr>
+              <a:t>|</a:t>
+            </a:r>
+          </a:p>
+          <a:p>
+            <a:pPr algn="ctr"/>
+            <a:r>
+              <a:rPr lang="en-US" sz="4800" b="1" dirty="0">
+                <a:solidFill>
+                  <a:srgbClr val="FFFF00"/>
+                </a:solidFill>
+              </a:rPr>
+              <a:t>^</a:t>
+            </a:r>
+          </a:p>
+          <a:p>
+            <a:pPr algn="ctr"/>
+            <a:r>
+              <a:rPr lang="en-US" sz="4800" b="1" dirty="0">
+                <a:solidFill>
+                  <a:srgbClr val="FFFF00"/>
+                </a:solidFill>
+              </a:rPr>
+              <a:t>!</a:t>
+            </a:r>
+          </a:p>
+          <a:p>
+            <a:pPr algn="ctr"/>
+            <a:r>
+              <a:rPr lang="en-US" sz="4800" b="1" dirty="0">
+                <a:solidFill>
+                  <a:srgbClr val="FFFF00"/>
+                </a:solidFill>
+              </a:rPr>
+              <a:t>&lt;&lt;</a:t>
+            </a:r>
+          </a:p>
+          <a:p>
+            <a:pPr algn="ctr"/>
+            <a:r>
+              <a:rPr lang="en-US" sz="4800" b="1" dirty="0">
+                <a:solidFill>
+                  <a:srgbClr val="FFFF00"/>
+                </a:solidFill>
+              </a:rPr>
+              <a:t>&gt;&gt;</a:t>
+            </a:r>
+            <a:endParaRPr lang="en-IN" sz="4800" b="1" dirty="0">
+              <a:solidFill>
+                <a:srgbClr val="FFFF00"/>
+              </a:solidFill>
+            </a:endParaRPr>
+          </a:p>
+        </p:txBody>
+      </p:sp>
+    </p:spTree>
+    <p:extLst>
+      <p:ext uri="{BB962C8B-B14F-4D97-AF65-F5344CB8AC3E}">
+        <p14:creationId xmlns:p14="http://schemas.microsoft.com/office/powerpoint/2010/main" val="1048629947"/>
+      </p:ext>
+    </p:extLst>
+  </p:cSld>
+  <p:clrMapOvr>
+    <a:masterClrMapping/>
+  </p:clrMapOvr>
+  <mc:AlternateContent xmlns:mc="http://schemas.openxmlformats.org/markup-compatibility/2006">
+    <mc:Choice xmlns:p14="http://schemas.microsoft.com/office/powerpoint/2010/main" Requires="p14">
+      <p:transition spd="slow" p14:dur="900">
+        <p14:flythrough hasBounce="1"/>
       </p:transition>
     </mc:Choice>
     <mc:Fallback>
@@ -7273,10 +10561,3232 @@
   <p:clrMapOvr>
     <a:masterClrMapping/>
   </p:clrMapOvr>
+  <mc:AlternateContent xmlns:mc="http://schemas.openxmlformats.org/markup-compatibility/2006" xmlns:p14="http://schemas.microsoft.com/office/powerpoint/2010/main">
+    <mc:Choice Requires="p14">
+      <p:transition spd="slow" p14:dur="3900">
+        <p14:glitter pattern="hexagon"/>
+      </p:transition>
+    </mc:Choice>
+    <mc:Fallback xmlns="">
+      <p:transition spd="slow">
+        <p:fade/>
+      </p:transition>
+    </mc:Fallback>
+  </mc:AlternateContent>
+</p:sld>
+</file>
+
+<file path=ppt/slides/slide20.xml><?xml version="1.0" encoding="utf-8"?>
+<p:sld xmlns:a="http://schemas.openxmlformats.org/drawingml/2006/main" xmlns:r="http://schemas.openxmlformats.org/officeDocument/2006/relationships" xmlns:p="http://schemas.openxmlformats.org/presentationml/2006/main">
+  <p:cSld>
+    <p:spTree>
+      <p:nvGrpSpPr>
+        <p:cNvPr id="1" name=""/>
+        <p:cNvGrpSpPr/>
+        <p:nvPr/>
+      </p:nvGrpSpPr>
+      <p:grpSpPr>
+        <a:xfrm>
+          <a:off x="0" y="0"/>
+          <a:ext cx="0" cy="0"/>
+          <a:chOff x="0" y="0"/>
+          <a:chExt cx="0" cy="0"/>
+        </a:xfrm>
+      </p:grpSpPr>
+      <p:graphicFrame>
+        <p:nvGraphicFramePr>
+          <p:cNvPr id="4" name="Table 3">
+            <a:extLst>
+              <a:ext uri="{FF2B5EF4-FFF2-40B4-BE49-F238E27FC236}">
+                <a16:creationId xmlns:a16="http://schemas.microsoft.com/office/drawing/2014/main" id="{234EB23F-A232-BA57-E4A8-56C2E713AE57}"/>
+              </a:ext>
+            </a:extLst>
+          </p:cNvPr>
+          <p:cNvGraphicFramePr>
+            <a:graphicFrameLocks noGrp="1"/>
+          </p:cNvGraphicFramePr>
+          <p:nvPr>
+            <p:extLst>
+              <p:ext uri="{D42A27DB-BD31-4B8C-83A1-F6EECF244321}">
+                <p14:modId xmlns:p14="http://schemas.microsoft.com/office/powerpoint/2010/main" val="3759682387"/>
+              </p:ext>
+            </p:extLst>
+          </p:nvPr>
+        </p:nvGraphicFramePr>
+        <p:xfrm>
+          <a:off x="2032000" y="1685713"/>
+          <a:ext cx="8128000" cy="3505200"/>
+        </p:xfrm>
+        <a:graphic>
+          <a:graphicData uri="http://schemas.openxmlformats.org/drawingml/2006/table">
+            <a:tbl>
+              <a:tblPr firstRow="1" bandRow="1">
+                <a:tableStyleId>{7E9639D4-E3E2-4D34-9284-5A2195B3D0D7}</a:tableStyleId>
+              </a:tblPr>
+              <a:tblGrid>
+                <a:gridCol w="1625600">
+                  <a:extLst>
+                    <a:ext uri="{9D8B030D-6E8A-4147-A177-3AD203B41FA5}">
+                      <a16:colId xmlns:a16="http://schemas.microsoft.com/office/drawing/2014/main" val="2897379024"/>
+                    </a:ext>
+                  </a:extLst>
+                </a:gridCol>
+                <a:gridCol w="1625600">
+                  <a:extLst>
+                    <a:ext uri="{9D8B030D-6E8A-4147-A177-3AD203B41FA5}">
+                      <a16:colId xmlns:a16="http://schemas.microsoft.com/office/drawing/2014/main" val="1932672315"/>
+                    </a:ext>
+                  </a:extLst>
+                </a:gridCol>
+                <a:gridCol w="1625600">
+                  <a:extLst>
+                    <a:ext uri="{9D8B030D-6E8A-4147-A177-3AD203B41FA5}">
+                      <a16:colId xmlns:a16="http://schemas.microsoft.com/office/drawing/2014/main" val="1475983957"/>
+                    </a:ext>
+                  </a:extLst>
+                </a:gridCol>
+                <a:gridCol w="1625600">
+                  <a:extLst>
+                    <a:ext uri="{9D8B030D-6E8A-4147-A177-3AD203B41FA5}">
+                      <a16:colId xmlns:a16="http://schemas.microsoft.com/office/drawing/2014/main" val="971731139"/>
+                    </a:ext>
+                  </a:extLst>
+                </a:gridCol>
+                <a:gridCol w="1625600">
+                  <a:extLst>
+                    <a:ext uri="{9D8B030D-6E8A-4147-A177-3AD203B41FA5}">
+                      <a16:colId xmlns:a16="http://schemas.microsoft.com/office/drawing/2014/main" val="1721151879"/>
+                    </a:ext>
+                  </a:extLst>
+                </a:gridCol>
+              </a:tblGrid>
+              <a:tr h="672762">
+                <a:tc>
+                  <a:txBody>
+                    <a:bodyPr/>
+                    <a:lstStyle/>
+                    <a:p>
+                      <a:r>
+                        <a:rPr lang="en-US" sz="4000" dirty="0">
+                          <a:solidFill>
+                            <a:srgbClr val="FFC000"/>
+                          </a:solidFill>
+                        </a:rPr>
+                        <a:t>A</a:t>
+                      </a:r>
+                      <a:endParaRPr lang="en-IN" sz="4000" dirty="0">
+                        <a:solidFill>
+                          <a:srgbClr val="FFC000"/>
+                        </a:solidFill>
+                      </a:endParaRPr>
+                    </a:p>
+                  </a:txBody>
+                  <a:tcPr>
+                    <a:lnL w="12700" cap="flat" cmpd="sng" algn="ctr">
+                      <a:solidFill>
+                        <a:schemeClr val="tx1"/>
+                      </a:solidFill>
+                      <a:prstDash val="solid"/>
+                      <a:round/>
+                      <a:headEnd type="none" w="med" len="med"/>
+                      <a:tailEnd type="none" w="med" len="med"/>
+                    </a:lnL>
+                    <a:lnR w="12700" cap="flat" cmpd="sng" algn="ctr">
+                      <a:solidFill>
+                        <a:schemeClr val="tx1"/>
+                      </a:solidFill>
+                      <a:prstDash val="solid"/>
+                      <a:round/>
+                      <a:headEnd type="none" w="med" len="med"/>
+                      <a:tailEnd type="none" w="med" len="med"/>
+                    </a:lnR>
+                    <a:lnT w="12700" cap="flat" cmpd="sng" algn="ctr">
+                      <a:solidFill>
+                        <a:schemeClr val="tx1"/>
+                      </a:solidFill>
+                      <a:prstDash val="solid"/>
+                      <a:round/>
+                      <a:headEnd type="none" w="med" len="med"/>
+                      <a:tailEnd type="none" w="med" len="med"/>
+                    </a:lnT>
+                    <a:lnB w="12700" cap="flat" cmpd="sng" algn="ctr">
+                      <a:solidFill>
+                        <a:schemeClr val="tx1"/>
+                      </a:solidFill>
+                      <a:prstDash val="solid"/>
+                      <a:round/>
+                      <a:headEnd type="none" w="med" len="med"/>
+                      <a:tailEnd type="none" w="med" len="med"/>
+                    </a:lnB>
+                  </a:tcPr>
+                </a:tc>
+                <a:tc>
+                  <a:txBody>
+                    <a:bodyPr/>
+                    <a:lstStyle/>
+                    <a:p>
+                      <a:r>
+                        <a:rPr lang="en-US" sz="4000" dirty="0">
+                          <a:solidFill>
+                            <a:srgbClr val="FFC000"/>
+                          </a:solidFill>
+                        </a:rPr>
+                        <a:t>B</a:t>
+                      </a:r>
+                      <a:endParaRPr lang="en-IN" sz="4000" dirty="0">
+                        <a:solidFill>
+                          <a:srgbClr val="FFC000"/>
+                        </a:solidFill>
+                      </a:endParaRPr>
+                    </a:p>
+                  </a:txBody>
+                  <a:tcPr>
+                    <a:lnL w="12700" cap="flat" cmpd="sng" algn="ctr">
+                      <a:solidFill>
+                        <a:schemeClr val="tx1"/>
+                      </a:solidFill>
+                      <a:prstDash val="solid"/>
+                      <a:round/>
+                      <a:headEnd type="none" w="med" len="med"/>
+                      <a:tailEnd type="none" w="med" len="med"/>
+                    </a:lnL>
+                    <a:lnR w="12700" cap="flat" cmpd="sng" algn="ctr">
+                      <a:solidFill>
+                        <a:schemeClr val="tx1"/>
+                      </a:solidFill>
+                      <a:prstDash val="solid"/>
+                      <a:round/>
+                      <a:headEnd type="none" w="med" len="med"/>
+                      <a:tailEnd type="none" w="med" len="med"/>
+                    </a:lnR>
+                    <a:lnT w="12700" cap="flat" cmpd="sng" algn="ctr">
+                      <a:solidFill>
+                        <a:schemeClr val="tx1"/>
+                      </a:solidFill>
+                      <a:prstDash val="solid"/>
+                      <a:round/>
+                      <a:headEnd type="none" w="med" len="med"/>
+                      <a:tailEnd type="none" w="med" len="med"/>
+                    </a:lnT>
+                    <a:lnB w="12700" cap="flat" cmpd="sng" algn="ctr">
+                      <a:solidFill>
+                        <a:schemeClr val="tx1"/>
+                      </a:solidFill>
+                      <a:prstDash val="solid"/>
+                      <a:round/>
+                      <a:headEnd type="none" w="med" len="med"/>
+                      <a:tailEnd type="none" w="med" len="med"/>
+                    </a:lnB>
+                  </a:tcPr>
+                </a:tc>
+                <a:tc>
+                  <a:txBody>
+                    <a:bodyPr/>
+                    <a:lstStyle/>
+                    <a:p>
+                      <a:r>
+                        <a:rPr lang="en-US" sz="4000" dirty="0">
+                          <a:solidFill>
+                            <a:srgbClr val="FFC000"/>
+                          </a:solidFill>
+                        </a:rPr>
+                        <a:t>A &amp; B</a:t>
+                      </a:r>
+                      <a:endParaRPr lang="en-IN" sz="4000" dirty="0">
+                        <a:solidFill>
+                          <a:srgbClr val="FFC000"/>
+                        </a:solidFill>
+                      </a:endParaRPr>
+                    </a:p>
+                  </a:txBody>
+                  <a:tcPr>
+                    <a:lnL w="12700" cap="flat" cmpd="sng" algn="ctr">
+                      <a:solidFill>
+                        <a:schemeClr val="tx1"/>
+                      </a:solidFill>
+                      <a:prstDash val="solid"/>
+                      <a:round/>
+                      <a:headEnd type="none" w="med" len="med"/>
+                      <a:tailEnd type="none" w="med" len="med"/>
+                    </a:lnL>
+                    <a:lnR w="12700" cap="flat" cmpd="sng" algn="ctr">
+                      <a:solidFill>
+                        <a:schemeClr val="tx1"/>
+                      </a:solidFill>
+                      <a:prstDash val="solid"/>
+                      <a:round/>
+                      <a:headEnd type="none" w="med" len="med"/>
+                      <a:tailEnd type="none" w="med" len="med"/>
+                    </a:lnR>
+                    <a:lnT w="12700" cap="flat" cmpd="sng" algn="ctr">
+                      <a:solidFill>
+                        <a:schemeClr val="tx1"/>
+                      </a:solidFill>
+                      <a:prstDash val="solid"/>
+                      <a:round/>
+                      <a:headEnd type="none" w="med" len="med"/>
+                      <a:tailEnd type="none" w="med" len="med"/>
+                    </a:lnT>
+                    <a:lnB w="12700" cap="flat" cmpd="sng" algn="ctr">
+                      <a:solidFill>
+                        <a:schemeClr val="tx1"/>
+                      </a:solidFill>
+                      <a:prstDash val="solid"/>
+                      <a:round/>
+                      <a:headEnd type="none" w="med" len="med"/>
+                      <a:tailEnd type="none" w="med" len="med"/>
+                    </a:lnB>
+                  </a:tcPr>
+                </a:tc>
+                <a:tc>
+                  <a:txBody>
+                    <a:bodyPr/>
+                    <a:lstStyle/>
+                    <a:p>
+                      <a:r>
+                        <a:rPr lang="en-US" sz="4000" dirty="0">
+                          <a:solidFill>
+                            <a:srgbClr val="FFC000"/>
+                          </a:solidFill>
+                        </a:rPr>
+                        <a:t>A | B</a:t>
+                      </a:r>
+                      <a:endParaRPr lang="en-IN" sz="4000" dirty="0">
+                        <a:solidFill>
+                          <a:srgbClr val="FFC000"/>
+                        </a:solidFill>
+                      </a:endParaRPr>
+                    </a:p>
+                  </a:txBody>
+                  <a:tcPr>
+                    <a:lnL w="12700" cap="flat" cmpd="sng" algn="ctr">
+                      <a:solidFill>
+                        <a:schemeClr val="tx1"/>
+                      </a:solidFill>
+                      <a:prstDash val="solid"/>
+                      <a:round/>
+                      <a:headEnd type="none" w="med" len="med"/>
+                      <a:tailEnd type="none" w="med" len="med"/>
+                    </a:lnL>
+                    <a:lnR w="12700" cap="flat" cmpd="sng" algn="ctr">
+                      <a:solidFill>
+                        <a:schemeClr val="tx1"/>
+                      </a:solidFill>
+                      <a:prstDash val="solid"/>
+                      <a:round/>
+                      <a:headEnd type="none" w="med" len="med"/>
+                      <a:tailEnd type="none" w="med" len="med"/>
+                    </a:lnR>
+                    <a:lnT w="12700" cap="flat" cmpd="sng" algn="ctr">
+                      <a:solidFill>
+                        <a:schemeClr val="tx1"/>
+                      </a:solidFill>
+                      <a:prstDash val="solid"/>
+                      <a:round/>
+                      <a:headEnd type="none" w="med" len="med"/>
+                      <a:tailEnd type="none" w="med" len="med"/>
+                    </a:lnT>
+                    <a:lnB w="12700" cap="flat" cmpd="sng" algn="ctr">
+                      <a:solidFill>
+                        <a:schemeClr val="tx1"/>
+                      </a:solidFill>
+                      <a:prstDash val="solid"/>
+                      <a:round/>
+                      <a:headEnd type="none" w="med" len="med"/>
+                      <a:tailEnd type="none" w="med" len="med"/>
+                    </a:lnB>
+                  </a:tcPr>
+                </a:tc>
+                <a:tc>
+                  <a:txBody>
+                    <a:bodyPr/>
+                    <a:lstStyle/>
+                    <a:p>
+                      <a:r>
+                        <a:rPr lang="en-US" sz="4000" dirty="0">
+                          <a:solidFill>
+                            <a:srgbClr val="FFC000"/>
+                          </a:solidFill>
+                        </a:rPr>
+                        <a:t>A ^ B</a:t>
+                      </a:r>
+                      <a:endParaRPr lang="en-IN" sz="4000" dirty="0">
+                        <a:solidFill>
+                          <a:srgbClr val="FFC000"/>
+                        </a:solidFill>
+                      </a:endParaRPr>
+                    </a:p>
+                  </a:txBody>
+                  <a:tcPr>
+                    <a:lnL w="12700" cap="flat" cmpd="sng" algn="ctr">
+                      <a:solidFill>
+                        <a:schemeClr val="tx1"/>
+                      </a:solidFill>
+                      <a:prstDash val="solid"/>
+                      <a:round/>
+                      <a:headEnd type="none" w="med" len="med"/>
+                      <a:tailEnd type="none" w="med" len="med"/>
+                    </a:lnL>
+                    <a:lnR w="12700" cap="flat" cmpd="sng" algn="ctr">
+                      <a:solidFill>
+                        <a:schemeClr val="tx1"/>
+                      </a:solidFill>
+                      <a:prstDash val="solid"/>
+                      <a:round/>
+                      <a:headEnd type="none" w="med" len="med"/>
+                      <a:tailEnd type="none" w="med" len="med"/>
+                    </a:lnR>
+                    <a:lnT w="12700" cap="flat" cmpd="sng" algn="ctr">
+                      <a:solidFill>
+                        <a:schemeClr val="tx1"/>
+                      </a:solidFill>
+                      <a:prstDash val="solid"/>
+                      <a:round/>
+                      <a:headEnd type="none" w="med" len="med"/>
+                      <a:tailEnd type="none" w="med" len="med"/>
+                    </a:lnT>
+                    <a:lnB w="12700" cap="flat" cmpd="sng" algn="ctr">
+                      <a:solidFill>
+                        <a:schemeClr val="tx1"/>
+                      </a:solidFill>
+                      <a:prstDash val="solid"/>
+                      <a:round/>
+                      <a:headEnd type="none" w="med" len="med"/>
+                      <a:tailEnd type="none" w="med" len="med"/>
+                    </a:lnB>
+                  </a:tcPr>
+                </a:tc>
+                <a:extLst>
+                  <a:ext uri="{0D108BD9-81ED-4DB2-BD59-A6C34878D82A}">
+                    <a16:rowId xmlns:a16="http://schemas.microsoft.com/office/drawing/2014/main" val="2059945533"/>
+                  </a:ext>
+                </a:extLst>
+              </a:tr>
+              <a:tr h="697315">
+                <a:tc>
+                  <a:txBody>
+                    <a:bodyPr/>
+                    <a:lstStyle/>
+                    <a:p>
+                      <a:r>
+                        <a:rPr lang="en-US" sz="4000" dirty="0">
+                          <a:solidFill>
+                            <a:schemeClr val="bg1"/>
+                          </a:solidFill>
+                        </a:rPr>
+                        <a:t>0</a:t>
+                      </a:r>
+                      <a:endParaRPr lang="en-IN" sz="4000" dirty="0">
+                        <a:solidFill>
+                          <a:schemeClr val="bg1"/>
+                        </a:solidFill>
+                      </a:endParaRPr>
+                    </a:p>
+                  </a:txBody>
+                  <a:tcPr>
+                    <a:lnL w="12700" cap="flat" cmpd="sng" algn="ctr">
+                      <a:solidFill>
+                        <a:schemeClr val="tx1"/>
+                      </a:solidFill>
+                      <a:prstDash val="solid"/>
+                      <a:round/>
+                      <a:headEnd type="none" w="med" len="med"/>
+                      <a:tailEnd type="none" w="med" len="med"/>
+                    </a:lnL>
+                    <a:lnR w="12700" cap="flat" cmpd="sng" algn="ctr">
+                      <a:solidFill>
+                        <a:schemeClr val="tx1"/>
+                      </a:solidFill>
+                      <a:prstDash val="solid"/>
+                      <a:round/>
+                      <a:headEnd type="none" w="med" len="med"/>
+                      <a:tailEnd type="none" w="med" len="med"/>
+                    </a:lnR>
+                    <a:lnT w="12700" cap="flat" cmpd="sng" algn="ctr">
+                      <a:solidFill>
+                        <a:schemeClr val="tx1"/>
+                      </a:solidFill>
+                      <a:prstDash val="solid"/>
+                      <a:round/>
+                      <a:headEnd type="none" w="med" len="med"/>
+                      <a:tailEnd type="none" w="med" len="med"/>
+                    </a:lnT>
+                    <a:lnB w="12700" cap="flat" cmpd="sng" algn="ctr">
+                      <a:solidFill>
+                        <a:schemeClr val="tx1"/>
+                      </a:solidFill>
+                      <a:prstDash val="solid"/>
+                      <a:round/>
+                      <a:headEnd type="none" w="med" len="med"/>
+                      <a:tailEnd type="none" w="med" len="med"/>
+                    </a:lnB>
+                  </a:tcPr>
+                </a:tc>
+                <a:tc>
+                  <a:txBody>
+                    <a:bodyPr/>
+                    <a:lstStyle/>
+                    <a:p>
+                      <a:r>
+                        <a:rPr lang="en-US" sz="4000" dirty="0">
+                          <a:solidFill>
+                            <a:schemeClr val="bg1"/>
+                          </a:solidFill>
+                        </a:rPr>
+                        <a:t>0</a:t>
+                      </a:r>
+                      <a:endParaRPr lang="en-IN" sz="4000" dirty="0">
+                        <a:solidFill>
+                          <a:schemeClr val="bg1"/>
+                        </a:solidFill>
+                      </a:endParaRPr>
+                    </a:p>
+                  </a:txBody>
+                  <a:tcPr>
+                    <a:lnL w="12700" cap="flat" cmpd="sng" algn="ctr">
+                      <a:solidFill>
+                        <a:schemeClr val="tx1"/>
+                      </a:solidFill>
+                      <a:prstDash val="solid"/>
+                      <a:round/>
+                      <a:headEnd type="none" w="med" len="med"/>
+                      <a:tailEnd type="none" w="med" len="med"/>
+                    </a:lnL>
+                    <a:lnR w="12700" cap="flat" cmpd="sng" algn="ctr">
+                      <a:solidFill>
+                        <a:schemeClr val="tx1"/>
+                      </a:solidFill>
+                      <a:prstDash val="solid"/>
+                      <a:round/>
+                      <a:headEnd type="none" w="med" len="med"/>
+                      <a:tailEnd type="none" w="med" len="med"/>
+                    </a:lnR>
+                    <a:lnT w="12700" cap="flat" cmpd="sng" algn="ctr">
+                      <a:solidFill>
+                        <a:schemeClr val="tx1"/>
+                      </a:solidFill>
+                      <a:prstDash val="solid"/>
+                      <a:round/>
+                      <a:headEnd type="none" w="med" len="med"/>
+                      <a:tailEnd type="none" w="med" len="med"/>
+                    </a:lnT>
+                    <a:lnB w="12700" cap="flat" cmpd="sng" algn="ctr">
+                      <a:solidFill>
+                        <a:schemeClr val="tx1"/>
+                      </a:solidFill>
+                      <a:prstDash val="solid"/>
+                      <a:round/>
+                      <a:headEnd type="none" w="med" len="med"/>
+                      <a:tailEnd type="none" w="med" len="med"/>
+                    </a:lnB>
+                  </a:tcPr>
+                </a:tc>
+                <a:tc>
+                  <a:txBody>
+                    <a:bodyPr/>
+                    <a:lstStyle/>
+                    <a:p>
+                      <a:r>
+                        <a:rPr lang="en-US" sz="4000" dirty="0">
+                          <a:solidFill>
+                            <a:schemeClr val="bg1"/>
+                          </a:solidFill>
+                        </a:rPr>
+                        <a:t>0</a:t>
+                      </a:r>
+                      <a:endParaRPr lang="en-IN" sz="4000" dirty="0">
+                        <a:solidFill>
+                          <a:schemeClr val="bg1"/>
+                        </a:solidFill>
+                      </a:endParaRPr>
+                    </a:p>
+                  </a:txBody>
+                  <a:tcPr>
+                    <a:lnL w="12700" cap="flat" cmpd="sng" algn="ctr">
+                      <a:solidFill>
+                        <a:schemeClr val="tx1"/>
+                      </a:solidFill>
+                      <a:prstDash val="solid"/>
+                      <a:round/>
+                      <a:headEnd type="none" w="med" len="med"/>
+                      <a:tailEnd type="none" w="med" len="med"/>
+                    </a:lnL>
+                    <a:lnR w="12700" cap="flat" cmpd="sng" algn="ctr">
+                      <a:solidFill>
+                        <a:schemeClr val="tx1"/>
+                      </a:solidFill>
+                      <a:prstDash val="solid"/>
+                      <a:round/>
+                      <a:headEnd type="none" w="med" len="med"/>
+                      <a:tailEnd type="none" w="med" len="med"/>
+                    </a:lnR>
+                    <a:lnT w="12700" cap="flat" cmpd="sng" algn="ctr">
+                      <a:solidFill>
+                        <a:schemeClr val="tx1"/>
+                      </a:solidFill>
+                      <a:prstDash val="solid"/>
+                      <a:round/>
+                      <a:headEnd type="none" w="med" len="med"/>
+                      <a:tailEnd type="none" w="med" len="med"/>
+                    </a:lnT>
+                    <a:lnB w="12700" cap="flat" cmpd="sng" algn="ctr">
+                      <a:solidFill>
+                        <a:schemeClr val="tx1"/>
+                      </a:solidFill>
+                      <a:prstDash val="solid"/>
+                      <a:round/>
+                      <a:headEnd type="none" w="med" len="med"/>
+                      <a:tailEnd type="none" w="med" len="med"/>
+                    </a:lnB>
+                  </a:tcPr>
+                </a:tc>
+                <a:tc>
+                  <a:txBody>
+                    <a:bodyPr/>
+                    <a:lstStyle/>
+                    <a:p>
+                      <a:r>
+                        <a:rPr lang="en-US" sz="4000" dirty="0">
+                          <a:solidFill>
+                            <a:schemeClr val="bg1"/>
+                          </a:solidFill>
+                        </a:rPr>
+                        <a:t>0</a:t>
+                      </a:r>
+                      <a:endParaRPr lang="en-IN" sz="4000" dirty="0">
+                        <a:solidFill>
+                          <a:schemeClr val="bg1"/>
+                        </a:solidFill>
+                      </a:endParaRPr>
+                    </a:p>
+                  </a:txBody>
+                  <a:tcPr>
+                    <a:lnL w="12700" cap="flat" cmpd="sng" algn="ctr">
+                      <a:solidFill>
+                        <a:schemeClr val="tx1"/>
+                      </a:solidFill>
+                      <a:prstDash val="solid"/>
+                      <a:round/>
+                      <a:headEnd type="none" w="med" len="med"/>
+                      <a:tailEnd type="none" w="med" len="med"/>
+                    </a:lnL>
+                    <a:lnR w="12700" cap="flat" cmpd="sng" algn="ctr">
+                      <a:solidFill>
+                        <a:schemeClr val="tx1"/>
+                      </a:solidFill>
+                      <a:prstDash val="solid"/>
+                      <a:round/>
+                      <a:headEnd type="none" w="med" len="med"/>
+                      <a:tailEnd type="none" w="med" len="med"/>
+                    </a:lnR>
+                    <a:lnT w="12700" cap="flat" cmpd="sng" algn="ctr">
+                      <a:solidFill>
+                        <a:schemeClr val="tx1"/>
+                      </a:solidFill>
+                      <a:prstDash val="solid"/>
+                      <a:round/>
+                      <a:headEnd type="none" w="med" len="med"/>
+                      <a:tailEnd type="none" w="med" len="med"/>
+                    </a:lnT>
+                    <a:lnB w="12700" cap="flat" cmpd="sng" algn="ctr">
+                      <a:solidFill>
+                        <a:schemeClr val="tx1"/>
+                      </a:solidFill>
+                      <a:prstDash val="solid"/>
+                      <a:round/>
+                      <a:headEnd type="none" w="med" len="med"/>
+                      <a:tailEnd type="none" w="med" len="med"/>
+                    </a:lnB>
+                  </a:tcPr>
+                </a:tc>
+                <a:tc>
+                  <a:txBody>
+                    <a:bodyPr/>
+                    <a:lstStyle/>
+                    <a:p>
+                      <a:r>
+                        <a:rPr lang="en-US" sz="4000" dirty="0">
+                          <a:solidFill>
+                            <a:schemeClr val="bg1"/>
+                          </a:solidFill>
+                        </a:rPr>
+                        <a:t>0</a:t>
+                      </a:r>
+                      <a:endParaRPr lang="en-IN" sz="4000" dirty="0">
+                        <a:solidFill>
+                          <a:schemeClr val="bg1"/>
+                        </a:solidFill>
+                      </a:endParaRPr>
+                    </a:p>
+                  </a:txBody>
+                  <a:tcPr>
+                    <a:lnL w="12700" cap="flat" cmpd="sng" algn="ctr">
+                      <a:solidFill>
+                        <a:schemeClr val="tx1"/>
+                      </a:solidFill>
+                      <a:prstDash val="solid"/>
+                      <a:round/>
+                      <a:headEnd type="none" w="med" len="med"/>
+                      <a:tailEnd type="none" w="med" len="med"/>
+                    </a:lnL>
+                    <a:lnR w="12700" cap="flat" cmpd="sng" algn="ctr">
+                      <a:solidFill>
+                        <a:schemeClr val="tx1"/>
+                      </a:solidFill>
+                      <a:prstDash val="solid"/>
+                      <a:round/>
+                      <a:headEnd type="none" w="med" len="med"/>
+                      <a:tailEnd type="none" w="med" len="med"/>
+                    </a:lnR>
+                    <a:lnT w="12700" cap="flat" cmpd="sng" algn="ctr">
+                      <a:solidFill>
+                        <a:schemeClr val="tx1"/>
+                      </a:solidFill>
+                      <a:prstDash val="solid"/>
+                      <a:round/>
+                      <a:headEnd type="none" w="med" len="med"/>
+                      <a:tailEnd type="none" w="med" len="med"/>
+                    </a:lnT>
+                    <a:lnB w="12700" cap="flat" cmpd="sng" algn="ctr">
+                      <a:solidFill>
+                        <a:schemeClr val="tx1"/>
+                      </a:solidFill>
+                      <a:prstDash val="solid"/>
+                      <a:round/>
+                      <a:headEnd type="none" w="med" len="med"/>
+                      <a:tailEnd type="none" w="med" len="med"/>
+                    </a:lnB>
+                  </a:tcPr>
+                </a:tc>
+                <a:extLst>
+                  <a:ext uri="{0D108BD9-81ED-4DB2-BD59-A6C34878D82A}">
+                    <a16:rowId xmlns:a16="http://schemas.microsoft.com/office/drawing/2014/main" val="3159499758"/>
+                  </a:ext>
+                </a:extLst>
+              </a:tr>
+              <a:tr h="697315">
+                <a:tc>
+                  <a:txBody>
+                    <a:bodyPr/>
+                    <a:lstStyle/>
+                    <a:p>
+                      <a:r>
+                        <a:rPr lang="en-US" sz="4000" dirty="0">
+                          <a:solidFill>
+                            <a:schemeClr val="bg1"/>
+                          </a:solidFill>
+                        </a:rPr>
+                        <a:t>0</a:t>
+                      </a:r>
+                      <a:endParaRPr lang="en-IN" sz="4000" dirty="0">
+                        <a:solidFill>
+                          <a:schemeClr val="bg1"/>
+                        </a:solidFill>
+                      </a:endParaRPr>
+                    </a:p>
+                  </a:txBody>
+                  <a:tcPr>
+                    <a:lnL w="12700" cap="flat" cmpd="sng" algn="ctr">
+                      <a:solidFill>
+                        <a:schemeClr val="tx1"/>
+                      </a:solidFill>
+                      <a:prstDash val="solid"/>
+                      <a:round/>
+                      <a:headEnd type="none" w="med" len="med"/>
+                      <a:tailEnd type="none" w="med" len="med"/>
+                    </a:lnL>
+                    <a:lnR w="12700" cap="flat" cmpd="sng" algn="ctr">
+                      <a:solidFill>
+                        <a:schemeClr val="tx1"/>
+                      </a:solidFill>
+                      <a:prstDash val="solid"/>
+                      <a:round/>
+                      <a:headEnd type="none" w="med" len="med"/>
+                      <a:tailEnd type="none" w="med" len="med"/>
+                    </a:lnR>
+                    <a:lnT w="12700" cap="flat" cmpd="sng" algn="ctr">
+                      <a:solidFill>
+                        <a:schemeClr val="tx1"/>
+                      </a:solidFill>
+                      <a:prstDash val="solid"/>
+                      <a:round/>
+                      <a:headEnd type="none" w="med" len="med"/>
+                      <a:tailEnd type="none" w="med" len="med"/>
+                    </a:lnT>
+                    <a:lnB w="12700" cap="flat" cmpd="sng" algn="ctr">
+                      <a:solidFill>
+                        <a:schemeClr val="tx1"/>
+                      </a:solidFill>
+                      <a:prstDash val="solid"/>
+                      <a:round/>
+                      <a:headEnd type="none" w="med" len="med"/>
+                      <a:tailEnd type="none" w="med" len="med"/>
+                    </a:lnB>
+                  </a:tcPr>
+                </a:tc>
+                <a:tc>
+                  <a:txBody>
+                    <a:bodyPr/>
+                    <a:lstStyle/>
+                    <a:p>
+                      <a:r>
+                        <a:rPr lang="en-US" sz="4000" dirty="0">
+                          <a:solidFill>
+                            <a:schemeClr val="bg1"/>
+                          </a:solidFill>
+                        </a:rPr>
+                        <a:t>1</a:t>
+                      </a:r>
+                      <a:endParaRPr lang="en-IN" sz="4000" dirty="0">
+                        <a:solidFill>
+                          <a:schemeClr val="bg1"/>
+                        </a:solidFill>
+                      </a:endParaRPr>
+                    </a:p>
+                  </a:txBody>
+                  <a:tcPr>
+                    <a:lnL w="12700" cap="flat" cmpd="sng" algn="ctr">
+                      <a:solidFill>
+                        <a:schemeClr val="tx1"/>
+                      </a:solidFill>
+                      <a:prstDash val="solid"/>
+                      <a:round/>
+                      <a:headEnd type="none" w="med" len="med"/>
+                      <a:tailEnd type="none" w="med" len="med"/>
+                    </a:lnL>
+                    <a:lnR w="12700" cap="flat" cmpd="sng" algn="ctr">
+                      <a:solidFill>
+                        <a:schemeClr val="tx1"/>
+                      </a:solidFill>
+                      <a:prstDash val="solid"/>
+                      <a:round/>
+                      <a:headEnd type="none" w="med" len="med"/>
+                      <a:tailEnd type="none" w="med" len="med"/>
+                    </a:lnR>
+                    <a:lnT w="12700" cap="flat" cmpd="sng" algn="ctr">
+                      <a:solidFill>
+                        <a:schemeClr val="tx1"/>
+                      </a:solidFill>
+                      <a:prstDash val="solid"/>
+                      <a:round/>
+                      <a:headEnd type="none" w="med" len="med"/>
+                      <a:tailEnd type="none" w="med" len="med"/>
+                    </a:lnT>
+                    <a:lnB w="12700" cap="flat" cmpd="sng" algn="ctr">
+                      <a:solidFill>
+                        <a:schemeClr val="tx1"/>
+                      </a:solidFill>
+                      <a:prstDash val="solid"/>
+                      <a:round/>
+                      <a:headEnd type="none" w="med" len="med"/>
+                      <a:tailEnd type="none" w="med" len="med"/>
+                    </a:lnB>
+                  </a:tcPr>
+                </a:tc>
+                <a:tc>
+                  <a:txBody>
+                    <a:bodyPr/>
+                    <a:lstStyle/>
+                    <a:p>
+                      <a:r>
+                        <a:rPr lang="en-US" sz="4000" dirty="0">
+                          <a:solidFill>
+                            <a:schemeClr val="bg1"/>
+                          </a:solidFill>
+                        </a:rPr>
+                        <a:t>0</a:t>
+                      </a:r>
+                      <a:endParaRPr lang="en-IN" sz="4000" dirty="0">
+                        <a:solidFill>
+                          <a:schemeClr val="bg1"/>
+                        </a:solidFill>
+                      </a:endParaRPr>
+                    </a:p>
+                  </a:txBody>
+                  <a:tcPr>
+                    <a:lnL w="12700" cap="flat" cmpd="sng" algn="ctr">
+                      <a:solidFill>
+                        <a:schemeClr val="tx1"/>
+                      </a:solidFill>
+                      <a:prstDash val="solid"/>
+                      <a:round/>
+                      <a:headEnd type="none" w="med" len="med"/>
+                      <a:tailEnd type="none" w="med" len="med"/>
+                    </a:lnL>
+                    <a:lnR w="12700" cap="flat" cmpd="sng" algn="ctr">
+                      <a:solidFill>
+                        <a:schemeClr val="tx1"/>
+                      </a:solidFill>
+                      <a:prstDash val="solid"/>
+                      <a:round/>
+                      <a:headEnd type="none" w="med" len="med"/>
+                      <a:tailEnd type="none" w="med" len="med"/>
+                    </a:lnR>
+                    <a:lnT w="12700" cap="flat" cmpd="sng" algn="ctr">
+                      <a:solidFill>
+                        <a:schemeClr val="tx1"/>
+                      </a:solidFill>
+                      <a:prstDash val="solid"/>
+                      <a:round/>
+                      <a:headEnd type="none" w="med" len="med"/>
+                      <a:tailEnd type="none" w="med" len="med"/>
+                    </a:lnT>
+                    <a:lnB w="12700" cap="flat" cmpd="sng" algn="ctr">
+                      <a:solidFill>
+                        <a:schemeClr val="tx1"/>
+                      </a:solidFill>
+                      <a:prstDash val="solid"/>
+                      <a:round/>
+                      <a:headEnd type="none" w="med" len="med"/>
+                      <a:tailEnd type="none" w="med" len="med"/>
+                    </a:lnB>
+                  </a:tcPr>
+                </a:tc>
+                <a:tc>
+                  <a:txBody>
+                    <a:bodyPr/>
+                    <a:lstStyle/>
+                    <a:p>
+                      <a:r>
+                        <a:rPr lang="en-US" sz="4000" dirty="0">
+                          <a:solidFill>
+                            <a:schemeClr val="bg1"/>
+                          </a:solidFill>
+                        </a:rPr>
+                        <a:t>1</a:t>
+                      </a:r>
+                      <a:endParaRPr lang="en-IN" sz="4000" dirty="0">
+                        <a:solidFill>
+                          <a:schemeClr val="bg1"/>
+                        </a:solidFill>
+                      </a:endParaRPr>
+                    </a:p>
+                  </a:txBody>
+                  <a:tcPr>
+                    <a:lnL w="12700" cap="flat" cmpd="sng" algn="ctr">
+                      <a:solidFill>
+                        <a:schemeClr val="tx1"/>
+                      </a:solidFill>
+                      <a:prstDash val="solid"/>
+                      <a:round/>
+                      <a:headEnd type="none" w="med" len="med"/>
+                      <a:tailEnd type="none" w="med" len="med"/>
+                    </a:lnL>
+                    <a:lnR w="12700" cap="flat" cmpd="sng" algn="ctr">
+                      <a:solidFill>
+                        <a:schemeClr val="tx1"/>
+                      </a:solidFill>
+                      <a:prstDash val="solid"/>
+                      <a:round/>
+                      <a:headEnd type="none" w="med" len="med"/>
+                      <a:tailEnd type="none" w="med" len="med"/>
+                    </a:lnR>
+                    <a:lnT w="12700" cap="flat" cmpd="sng" algn="ctr">
+                      <a:solidFill>
+                        <a:schemeClr val="tx1"/>
+                      </a:solidFill>
+                      <a:prstDash val="solid"/>
+                      <a:round/>
+                      <a:headEnd type="none" w="med" len="med"/>
+                      <a:tailEnd type="none" w="med" len="med"/>
+                    </a:lnT>
+                    <a:lnB w="12700" cap="flat" cmpd="sng" algn="ctr">
+                      <a:solidFill>
+                        <a:schemeClr val="tx1"/>
+                      </a:solidFill>
+                      <a:prstDash val="solid"/>
+                      <a:round/>
+                      <a:headEnd type="none" w="med" len="med"/>
+                      <a:tailEnd type="none" w="med" len="med"/>
+                    </a:lnB>
+                  </a:tcPr>
+                </a:tc>
+                <a:tc>
+                  <a:txBody>
+                    <a:bodyPr/>
+                    <a:lstStyle/>
+                    <a:p>
+                      <a:r>
+                        <a:rPr lang="en-US" sz="4000" dirty="0">
+                          <a:solidFill>
+                            <a:schemeClr val="bg1"/>
+                          </a:solidFill>
+                        </a:rPr>
+                        <a:t>1</a:t>
+                      </a:r>
+                      <a:endParaRPr lang="en-IN" sz="4000" dirty="0">
+                        <a:solidFill>
+                          <a:schemeClr val="bg1"/>
+                        </a:solidFill>
+                      </a:endParaRPr>
+                    </a:p>
+                  </a:txBody>
+                  <a:tcPr>
+                    <a:lnL w="12700" cap="flat" cmpd="sng" algn="ctr">
+                      <a:solidFill>
+                        <a:schemeClr val="tx1"/>
+                      </a:solidFill>
+                      <a:prstDash val="solid"/>
+                      <a:round/>
+                      <a:headEnd type="none" w="med" len="med"/>
+                      <a:tailEnd type="none" w="med" len="med"/>
+                    </a:lnL>
+                    <a:lnR w="12700" cap="flat" cmpd="sng" algn="ctr">
+                      <a:solidFill>
+                        <a:schemeClr val="tx1"/>
+                      </a:solidFill>
+                      <a:prstDash val="solid"/>
+                      <a:round/>
+                      <a:headEnd type="none" w="med" len="med"/>
+                      <a:tailEnd type="none" w="med" len="med"/>
+                    </a:lnR>
+                    <a:lnT w="12700" cap="flat" cmpd="sng" algn="ctr">
+                      <a:solidFill>
+                        <a:schemeClr val="tx1"/>
+                      </a:solidFill>
+                      <a:prstDash val="solid"/>
+                      <a:round/>
+                      <a:headEnd type="none" w="med" len="med"/>
+                      <a:tailEnd type="none" w="med" len="med"/>
+                    </a:lnT>
+                    <a:lnB w="12700" cap="flat" cmpd="sng" algn="ctr">
+                      <a:solidFill>
+                        <a:schemeClr val="tx1"/>
+                      </a:solidFill>
+                      <a:prstDash val="solid"/>
+                      <a:round/>
+                      <a:headEnd type="none" w="med" len="med"/>
+                      <a:tailEnd type="none" w="med" len="med"/>
+                    </a:lnB>
+                  </a:tcPr>
+                </a:tc>
+                <a:extLst>
+                  <a:ext uri="{0D108BD9-81ED-4DB2-BD59-A6C34878D82A}">
+                    <a16:rowId xmlns:a16="http://schemas.microsoft.com/office/drawing/2014/main" val="2611761051"/>
+                  </a:ext>
+                </a:extLst>
+              </a:tr>
+              <a:tr h="697315">
+                <a:tc>
+                  <a:txBody>
+                    <a:bodyPr/>
+                    <a:lstStyle/>
+                    <a:p>
+                      <a:r>
+                        <a:rPr lang="en-US" sz="4000" dirty="0">
+                          <a:solidFill>
+                            <a:schemeClr val="bg1"/>
+                          </a:solidFill>
+                        </a:rPr>
+                        <a:t>1</a:t>
+                      </a:r>
+                      <a:endParaRPr lang="en-IN" sz="4000" dirty="0">
+                        <a:solidFill>
+                          <a:schemeClr val="bg1"/>
+                        </a:solidFill>
+                      </a:endParaRPr>
+                    </a:p>
+                  </a:txBody>
+                  <a:tcPr>
+                    <a:lnL w="12700" cap="flat" cmpd="sng" algn="ctr">
+                      <a:solidFill>
+                        <a:schemeClr val="tx1"/>
+                      </a:solidFill>
+                      <a:prstDash val="solid"/>
+                      <a:round/>
+                      <a:headEnd type="none" w="med" len="med"/>
+                      <a:tailEnd type="none" w="med" len="med"/>
+                    </a:lnL>
+                    <a:lnR w="12700" cap="flat" cmpd="sng" algn="ctr">
+                      <a:solidFill>
+                        <a:schemeClr val="tx1"/>
+                      </a:solidFill>
+                      <a:prstDash val="solid"/>
+                      <a:round/>
+                      <a:headEnd type="none" w="med" len="med"/>
+                      <a:tailEnd type="none" w="med" len="med"/>
+                    </a:lnR>
+                    <a:lnT w="12700" cap="flat" cmpd="sng" algn="ctr">
+                      <a:solidFill>
+                        <a:schemeClr val="tx1"/>
+                      </a:solidFill>
+                      <a:prstDash val="solid"/>
+                      <a:round/>
+                      <a:headEnd type="none" w="med" len="med"/>
+                      <a:tailEnd type="none" w="med" len="med"/>
+                    </a:lnT>
+                    <a:lnB w="12700" cap="flat" cmpd="sng" algn="ctr">
+                      <a:solidFill>
+                        <a:schemeClr val="tx1"/>
+                      </a:solidFill>
+                      <a:prstDash val="solid"/>
+                      <a:round/>
+                      <a:headEnd type="none" w="med" len="med"/>
+                      <a:tailEnd type="none" w="med" len="med"/>
+                    </a:lnB>
+                  </a:tcPr>
+                </a:tc>
+                <a:tc>
+                  <a:txBody>
+                    <a:bodyPr/>
+                    <a:lstStyle/>
+                    <a:p>
+                      <a:r>
+                        <a:rPr lang="en-US" sz="4000" dirty="0">
+                          <a:solidFill>
+                            <a:schemeClr val="bg1"/>
+                          </a:solidFill>
+                        </a:rPr>
+                        <a:t>0</a:t>
+                      </a:r>
+                      <a:endParaRPr lang="en-IN" sz="4000" dirty="0">
+                        <a:solidFill>
+                          <a:schemeClr val="bg1"/>
+                        </a:solidFill>
+                      </a:endParaRPr>
+                    </a:p>
+                  </a:txBody>
+                  <a:tcPr>
+                    <a:lnL w="12700" cap="flat" cmpd="sng" algn="ctr">
+                      <a:solidFill>
+                        <a:schemeClr val="tx1"/>
+                      </a:solidFill>
+                      <a:prstDash val="solid"/>
+                      <a:round/>
+                      <a:headEnd type="none" w="med" len="med"/>
+                      <a:tailEnd type="none" w="med" len="med"/>
+                    </a:lnL>
+                    <a:lnR w="12700" cap="flat" cmpd="sng" algn="ctr">
+                      <a:solidFill>
+                        <a:schemeClr val="tx1"/>
+                      </a:solidFill>
+                      <a:prstDash val="solid"/>
+                      <a:round/>
+                      <a:headEnd type="none" w="med" len="med"/>
+                      <a:tailEnd type="none" w="med" len="med"/>
+                    </a:lnR>
+                    <a:lnT w="12700" cap="flat" cmpd="sng" algn="ctr">
+                      <a:solidFill>
+                        <a:schemeClr val="tx1"/>
+                      </a:solidFill>
+                      <a:prstDash val="solid"/>
+                      <a:round/>
+                      <a:headEnd type="none" w="med" len="med"/>
+                      <a:tailEnd type="none" w="med" len="med"/>
+                    </a:lnT>
+                    <a:lnB w="12700" cap="flat" cmpd="sng" algn="ctr">
+                      <a:solidFill>
+                        <a:schemeClr val="tx1"/>
+                      </a:solidFill>
+                      <a:prstDash val="solid"/>
+                      <a:round/>
+                      <a:headEnd type="none" w="med" len="med"/>
+                      <a:tailEnd type="none" w="med" len="med"/>
+                    </a:lnB>
+                  </a:tcPr>
+                </a:tc>
+                <a:tc>
+                  <a:txBody>
+                    <a:bodyPr/>
+                    <a:lstStyle/>
+                    <a:p>
+                      <a:r>
+                        <a:rPr lang="en-US" sz="4000" dirty="0">
+                          <a:solidFill>
+                            <a:schemeClr val="bg1"/>
+                          </a:solidFill>
+                        </a:rPr>
+                        <a:t>0</a:t>
+                      </a:r>
+                      <a:endParaRPr lang="en-IN" sz="4000" dirty="0">
+                        <a:solidFill>
+                          <a:schemeClr val="bg1"/>
+                        </a:solidFill>
+                      </a:endParaRPr>
+                    </a:p>
+                  </a:txBody>
+                  <a:tcPr>
+                    <a:lnL w="12700" cap="flat" cmpd="sng" algn="ctr">
+                      <a:solidFill>
+                        <a:schemeClr val="tx1"/>
+                      </a:solidFill>
+                      <a:prstDash val="solid"/>
+                      <a:round/>
+                      <a:headEnd type="none" w="med" len="med"/>
+                      <a:tailEnd type="none" w="med" len="med"/>
+                    </a:lnL>
+                    <a:lnR w="12700" cap="flat" cmpd="sng" algn="ctr">
+                      <a:solidFill>
+                        <a:schemeClr val="tx1"/>
+                      </a:solidFill>
+                      <a:prstDash val="solid"/>
+                      <a:round/>
+                      <a:headEnd type="none" w="med" len="med"/>
+                      <a:tailEnd type="none" w="med" len="med"/>
+                    </a:lnR>
+                    <a:lnT w="12700" cap="flat" cmpd="sng" algn="ctr">
+                      <a:solidFill>
+                        <a:schemeClr val="tx1"/>
+                      </a:solidFill>
+                      <a:prstDash val="solid"/>
+                      <a:round/>
+                      <a:headEnd type="none" w="med" len="med"/>
+                      <a:tailEnd type="none" w="med" len="med"/>
+                    </a:lnT>
+                    <a:lnB w="12700" cap="flat" cmpd="sng" algn="ctr">
+                      <a:solidFill>
+                        <a:schemeClr val="tx1"/>
+                      </a:solidFill>
+                      <a:prstDash val="solid"/>
+                      <a:round/>
+                      <a:headEnd type="none" w="med" len="med"/>
+                      <a:tailEnd type="none" w="med" len="med"/>
+                    </a:lnB>
+                  </a:tcPr>
+                </a:tc>
+                <a:tc>
+                  <a:txBody>
+                    <a:bodyPr/>
+                    <a:lstStyle/>
+                    <a:p>
+                      <a:r>
+                        <a:rPr lang="en-US" sz="4000" dirty="0">
+                          <a:solidFill>
+                            <a:schemeClr val="bg1"/>
+                          </a:solidFill>
+                        </a:rPr>
+                        <a:t>1</a:t>
+                      </a:r>
+                      <a:endParaRPr lang="en-IN" sz="4000" dirty="0">
+                        <a:solidFill>
+                          <a:schemeClr val="bg1"/>
+                        </a:solidFill>
+                      </a:endParaRPr>
+                    </a:p>
+                  </a:txBody>
+                  <a:tcPr>
+                    <a:lnL w="12700" cap="flat" cmpd="sng" algn="ctr">
+                      <a:solidFill>
+                        <a:schemeClr val="tx1"/>
+                      </a:solidFill>
+                      <a:prstDash val="solid"/>
+                      <a:round/>
+                      <a:headEnd type="none" w="med" len="med"/>
+                      <a:tailEnd type="none" w="med" len="med"/>
+                    </a:lnL>
+                    <a:lnR w="12700" cap="flat" cmpd="sng" algn="ctr">
+                      <a:solidFill>
+                        <a:schemeClr val="tx1"/>
+                      </a:solidFill>
+                      <a:prstDash val="solid"/>
+                      <a:round/>
+                      <a:headEnd type="none" w="med" len="med"/>
+                      <a:tailEnd type="none" w="med" len="med"/>
+                    </a:lnR>
+                    <a:lnT w="12700" cap="flat" cmpd="sng" algn="ctr">
+                      <a:solidFill>
+                        <a:schemeClr val="tx1"/>
+                      </a:solidFill>
+                      <a:prstDash val="solid"/>
+                      <a:round/>
+                      <a:headEnd type="none" w="med" len="med"/>
+                      <a:tailEnd type="none" w="med" len="med"/>
+                    </a:lnT>
+                    <a:lnB w="12700" cap="flat" cmpd="sng" algn="ctr">
+                      <a:solidFill>
+                        <a:schemeClr val="tx1"/>
+                      </a:solidFill>
+                      <a:prstDash val="solid"/>
+                      <a:round/>
+                      <a:headEnd type="none" w="med" len="med"/>
+                      <a:tailEnd type="none" w="med" len="med"/>
+                    </a:lnB>
+                  </a:tcPr>
+                </a:tc>
+                <a:tc>
+                  <a:txBody>
+                    <a:bodyPr/>
+                    <a:lstStyle/>
+                    <a:p>
+                      <a:r>
+                        <a:rPr lang="en-US" sz="4000" dirty="0">
+                          <a:solidFill>
+                            <a:schemeClr val="bg1"/>
+                          </a:solidFill>
+                        </a:rPr>
+                        <a:t>1</a:t>
+                      </a:r>
+                      <a:endParaRPr lang="en-IN" sz="4000" dirty="0">
+                        <a:solidFill>
+                          <a:schemeClr val="bg1"/>
+                        </a:solidFill>
+                      </a:endParaRPr>
+                    </a:p>
+                  </a:txBody>
+                  <a:tcPr>
+                    <a:lnL w="12700" cap="flat" cmpd="sng" algn="ctr">
+                      <a:solidFill>
+                        <a:schemeClr val="tx1"/>
+                      </a:solidFill>
+                      <a:prstDash val="solid"/>
+                      <a:round/>
+                      <a:headEnd type="none" w="med" len="med"/>
+                      <a:tailEnd type="none" w="med" len="med"/>
+                    </a:lnL>
+                    <a:lnR w="12700" cap="flat" cmpd="sng" algn="ctr">
+                      <a:solidFill>
+                        <a:schemeClr val="tx1"/>
+                      </a:solidFill>
+                      <a:prstDash val="solid"/>
+                      <a:round/>
+                      <a:headEnd type="none" w="med" len="med"/>
+                      <a:tailEnd type="none" w="med" len="med"/>
+                    </a:lnR>
+                    <a:lnT w="12700" cap="flat" cmpd="sng" algn="ctr">
+                      <a:solidFill>
+                        <a:schemeClr val="tx1"/>
+                      </a:solidFill>
+                      <a:prstDash val="solid"/>
+                      <a:round/>
+                      <a:headEnd type="none" w="med" len="med"/>
+                      <a:tailEnd type="none" w="med" len="med"/>
+                    </a:lnT>
+                    <a:lnB w="12700" cap="flat" cmpd="sng" algn="ctr">
+                      <a:solidFill>
+                        <a:schemeClr val="tx1"/>
+                      </a:solidFill>
+                      <a:prstDash val="solid"/>
+                      <a:round/>
+                      <a:headEnd type="none" w="med" len="med"/>
+                      <a:tailEnd type="none" w="med" len="med"/>
+                    </a:lnB>
+                  </a:tcPr>
+                </a:tc>
+                <a:extLst>
+                  <a:ext uri="{0D108BD9-81ED-4DB2-BD59-A6C34878D82A}">
+                    <a16:rowId xmlns:a16="http://schemas.microsoft.com/office/drawing/2014/main" val="1408986200"/>
+                  </a:ext>
+                </a:extLst>
+              </a:tr>
+              <a:tr h="697315">
+                <a:tc>
+                  <a:txBody>
+                    <a:bodyPr/>
+                    <a:lstStyle/>
+                    <a:p>
+                      <a:r>
+                        <a:rPr lang="en-US" sz="4000" dirty="0">
+                          <a:solidFill>
+                            <a:schemeClr val="bg1"/>
+                          </a:solidFill>
+                        </a:rPr>
+                        <a:t>1</a:t>
+                      </a:r>
+                      <a:endParaRPr lang="en-IN" sz="4000" dirty="0">
+                        <a:solidFill>
+                          <a:schemeClr val="bg1"/>
+                        </a:solidFill>
+                      </a:endParaRPr>
+                    </a:p>
+                  </a:txBody>
+                  <a:tcPr>
+                    <a:lnL w="12700" cap="flat" cmpd="sng" algn="ctr">
+                      <a:solidFill>
+                        <a:schemeClr val="tx1"/>
+                      </a:solidFill>
+                      <a:prstDash val="solid"/>
+                      <a:round/>
+                      <a:headEnd type="none" w="med" len="med"/>
+                      <a:tailEnd type="none" w="med" len="med"/>
+                    </a:lnL>
+                    <a:lnR w="12700" cap="flat" cmpd="sng" algn="ctr">
+                      <a:solidFill>
+                        <a:schemeClr val="tx1"/>
+                      </a:solidFill>
+                      <a:prstDash val="solid"/>
+                      <a:round/>
+                      <a:headEnd type="none" w="med" len="med"/>
+                      <a:tailEnd type="none" w="med" len="med"/>
+                    </a:lnR>
+                    <a:lnT w="12700" cap="flat" cmpd="sng" algn="ctr">
+                      <a:solidFill>
+                        <a:schemeClr val="tx1"/>
+                      </a:solidFill>
+                      <a:prstDash val="solid"/>
+                      <a:round/>
+                      <a:headEnd type="none" w="med" len="med"/>
+                      <a:tailEnd type="none" w="med" len="med"/>
+                    </a:lnT>
+                    <a:lnB w="12700" cap="flat" cmpd="sng" algn="ctr">
+                      <a:solidFill>
+                        <a:schemeClr val="tx1"/>
+                      </a:solidFill>
+                      <a:prstDash val="solid"/>
+                      <a:round/>
+                      <a:headEnd type="none" w="med" len="med"/>
+                      <a:tailEnd type="none" w="med" len="med"/>
+                    </a:lnB>
+                  </a:tcPr>
+                </a:tc>
+                <a:tc>
+                  <a:txBody>
+                    <a:bodyPr/>
+                    <a:lstStyle/>
+                    <a:p>
+                      <a:r>
+                        <a:rPr lang="en-US" sz="4000" dirty="0">
+                          <a:solidFill>
+                            <a:schemeClr val="bg1"/>
+                          </a:solidFill>
+                        </a:rPr>
+                        <a:t>1</a:t>
+                      </a:r>
+                      <a:endParaRPr lang="en-IN" sz="4000" dirty="0">
+                        <a:solidFill>
+                          <a:schemeClr val="bg1"/>
+                        </a:solidFill>
+                      </a:endParaRPr>
+                    </a:p>
+                  </a:txBody>
+                  <a:tcPr>
+                    <a:lnL w="12700" cap="flat" cmpd="sng" algn="ctr">
+                      <a:solidFill>
+                        <a:schemeClr val="tx1"/>
+                      </a:solidFill>
+                      <a:prstDash val="solid"/>
+                      <a:round/>
+                      <a:headEnd type="none" w="med" len="med"/>
+                      <a:tailEnd type="none" w="med" len="med"/>
+                    </a:lnL>
+                    <a:lnR w="12700" cap="flat" cmpd="sng" algn="ctr">
+                      <a:solidFill>
+                        <a:schemeClr val="tx1"/>
+                      </a:solidFill>
+                      <a:prstDash val="solid"/>
+                      <a:round/>
+                      <a:headEnd type="none" w="med" len="med"/>
+                      <a:tailEnd type="none" w="med" len="med"/>
+                    </a:lnR>
+                    <a:lnT w="12700" cap="flat" cmpd="sng" algn="ctr">
+                      <a:solidFill>
+                        <a:schemeClr val="tx1"/>
+                      </a:solidFill>
+                      <a:prstDash val="solid"/>
+                      <a:round/>
+                      <a:headEnd type="none" w="med" len="med"/>
+                      <a:tailEnd type="none" w="med" len="med"/>
+                    </a:lnT>
+                    <a:lnB w="12700" cap="flat" cmpd="sng" algn="ctr">
+                      <a:solidFill>
+                        <a:schemeClr val="tx1"/>
+                      </a:solidFill>
+                      <a:prstDash val="solid"/>
+                      <a:round/>
+                      <a:headEnd type="none" w="med" len="med"/>
+                      <a:tailEnd type="none" w="med" len="med"/>
+                    </a:lnB>
+                  </a:tcPr>
+                </a:tc>
+                <a:tc>
+                  <a:txBody>
+                    <a:bodyPr/>
+                    <a:lstStyle/>
+                    <a:p>
+                      <a:r>
+                        <a:rPr lang="en-US" sz="4000" dirty="0">
+                          <a:solidFill>
+                            <a:schemeClr val="bg1"/>
+                          </a:solidFill>
+                        </a:rPr>
+                        <a:t>1</a:t>
+                      </a:r>
+                      <a:endParaRPr lang="en-IN" sz="4000" dirty="0">
+                        <a:solidFill>
+                          <a:schemeClr val="bg1"/>
+                        </a:solidFill>
+                      </a:endParaRPr>
+                    </a:p>
+                  </a:txBody>
+                  <a:tcPr>
+                    <a:lnL w="12700" cap="flat" cmpd="sng" algn="ctr">
+                      <a:solidFill>
+                        <a:schemeClr val="tx1"/>
+                      </a:solidFill>
+                      <a:prstDash val="solid"/>
+                      <a:round/>
+                      <a:headEnd type="none" w="med" len="med"/>
+                      <a:tailEnd type="none" w="med" len="med"/>
+                    </a:lnL>
+                    <a:lnR w="12700" cap="flat" cmpd="sng" algn="ctr">
+                      <a:solidFill>
+                        <a:schemeClr val="tx1"/>
+                      </a:solidFill>
+                      <a:prstDash val="solid"/>
+                      <a:round/>
+                      <a:headEnd type="none" w="med" len="med"/>
+                      <a:tailEnd type="none" w="med" len="med"/>
+                    </a:lnR>
+                    <a:lnT w="12700" cap="flat" cmpd="sng" algn="ctr">
+                      <a:solidFill>
+                        <a:schemeClr val="tx1"/>
+                      </a:solidFill>
+                      <a:prstDash val="solid"/>
+                      <a:round/>
+                      <a:headEnd type="none" w="med" len="med"/>
+                      <a:tailEnd type="none" w="med" len="med"/>
+                    </a:lnT>
+                    <a:lnB w="12700" cap="flat" cmpd="sng" algn="ctr">
+                      <a:solidFill>
+                        <a:schemeClr val="tx1"/>
+                      </a:solidFill>
+                      <a:prstDash val="solid"/>
+                      <a:round/>
+                      <a:headEnd type="none" w="med" len="med"/>
+                      <a:tailEnd type="none" w="med" len="med"/>
+                    </a:lnB>
+                  </a:tcPr>
+                </a:tc>
+                <a:tc>
+                  <a:txBody>
+                    <a:bodyPr/>
+                    <a:lstStyle/>
+                    <a:p>
+                      <a:r>
+                        <a:rPr lang="en-US" sz="4000" dirty="0">
+                          <a:solidFill>
+                            <a:schemeClr val="bg1"/>
+                          </a:solidFill>
+                        </a:rPr>
+                        <a:t>0</a:t>
+                      </a:r>
+                      <a:endParaRPr lang="en-IN" sz="4000" dirty="0">
+                        <a:solidFill>
+                          <a:schemeClr val="bg1"/>
+                        </a:solidFill>
+                      </a:endParaRPr>
+                    </a:p>
+                  </a:txBody>
+                  <a:tcPr>
+                    <a:lnL w="12700" cap="flat" cmpd="sng" algn="ctr">
+                      <a:solidFill>
+                        <a:schemeClr val="tx1"/>
+                      </a:solidFill>
+                      <a:prstDash val="solid"/>
+                      <a:round/>
+                      <a:headEnd type="none" w="med" len="med"/>
+                      <a:tailEnd type="none" w="med" len="med"/>
+                    </a:lnL>
+                    <a:lnR w="12700" cap="flat" cmpd="sng" algn="ctr">
+                      <a:solidFill>
+                        <a:schemeClr val="tx1"/>
+                      </a:solidFill>
+                      <a:prstDash val="solid"/>
+                      <a:round/>
+                      <a:headEnd type="none" w="med" len="med"/>
+                      <a:tailEnd type="none" w="med" len="med"/>
+                    </a:lnR>
+                    <a:lnT w="12700" cap="flat" cmpd="sng" algn="ctr">
+                      <a:solidFill>
+                        <a:schemeClr val="tx1"/>
+                      </a:solidFill>
+                      <a:prstDash val="solid"/>
+                      <a:round/>
+                      <a:headEnd type="none" w="med" len="med"/>
+                      <a:tailEnd type="none" w="med" len="med"/>
+                    </a:lnT>
+                    <a:lnB w="12700" cap="flat" cmpd="sng" algn="ctr">
+                      <a:solidFill>
+                        <a:schemeClr val="tx1"/>
+                      </a:solidFill>
+                      <a:prstDash val="solid"/>
+                      <a:round/>
+                      <a:headEnd type="none" w="med" len="med"/>
+                      <a:tailEnd type="none" w="med" len="med"/>
+                    </a:lnB>
+                  </a:tcPr>
+                </a:tc>
+                <a:tc>
+                  <a:txBody>
+                    <a:bodyPr/>
+                    <a:lstStyle/>
+                    <a:p>
+                      <a:r>
+                        <a:rPr lang="en-US" sz="4000" dirty="0">
+                          <a:solidFill>
+                            <a:schemeClr val="bg1"/>
+                          </a:solidFill>
+                        </a:rPr>
+                        <a:t>0</a:t>
+                      </a:r>
+                      <a:endParaRPr lang="en-IN" sz="4000" dirty="0">
+                        <a:solidFill>
+                          <a:schemeClr val="bg1"/>
+                        </a:solidFill>
+                      </a:endParaRPr>
+                    </a:p>
+                  </a:txBody>
+                  <a:tcPr>
+                    <a:lnL w="12700" cap="flat" cmpd="sng" algn="ctr">
+                      <a:solidFill>
+                        <a:schemeClr val="tx1"/>
+                      </a:solidFill>
+                      <a:prstDash val="solid"/>
+                      <a:round/>
+                      <a:headEnd type="none" w="med" len="med"/>
+                      <a:tailEnd type="none" w="med" len="med"/>
+                    </a:lnL>
+                    <a:lnR w="12700" cap="flat" cmpd="sng" algn="ctr">
+                      <a:solidFill>
+                        <a:schemeClr val="tx1"/>
+                      </a:solidFill>
+                      <a:prstDash val="solid"/>
+                      <a:round/>
+                      <a:headEnd type="none" w="med" len="med"/>
+                      <a:tailEnd type="none" w="med" len="med"/>
+                    </a:lnR>
+                    <a:lnT w="12700" cap="flat" cmpd="sng" algn="ctr">
+                      <a:solidFill>
+                        <a:schemeClr val="tx1"/>
+                      </a:solidFill>
+                      <a:prstDash val="solid"/>
+                      <a:round/>
+                      <a:headEnd type="none" w="med" len="med"/>
+                      <a:tailEnd type="none" w="med" len="med"/>
+                    </a:lnT>
+                    <a:lnB w="12700" cap="flat" cmpd="sng" algn="ctr">
+                      <a:solidFill>
+                        <a:schemeClr val="tx1"/>
+                      </a:solidFill>
+                      <a:prstDash val="solid"/>
+                      <a:round/>
+                      <a:headEnd type="none" w="med" len="med"/>
+                      <a:tailEnd type="none" w="med" len="med"/>
+                    </a:lnB>
+                  </a:tcPr>
+                </a:tc>
+                <a:extLst>
+                  <a:ext uri="{0D108BD9-81ED-4DB2-BD59-A6C34878D82A}">
+                    <a16:rowId xmlns:a16="http://schemas.microsoft.com/office/drawing/2014/main" val="1876641819"/>
+                  </a:ext>
+                </a:extLst>
+              </a:tr>
+            </a:tbl>
+          </a:graphicData>
+        </a:graphic>
+      </p:graphicFrame>
+    </p:spTree>
+    <p:extLst>
+      <p:ext uri="{BB962C8B-B14F-4D97-AF65-F5344CB8AC3E}">
+        <p14:creationId xmlns:p14="http://schemas.microsoft.com/office/powerpoint/2010/main" val="1083068555"/>
+      </p:ext>
+    </p:extLst>
+  </p:cSld>
+  <p:clrMapOvr>
+    <a:masterClrMapping/>
+  </p:clrMapOvr>
+  <mc:AlternateContent xmlns:mc="http://schemas.openxmlformats.org/markup-compatibility/2006">
+    <mc:Choice xmlns:p15="http://schemas.microsoft.com/office/powerpoint/2012/main" Requires="p15">
+      <p:transition xmlns:p14="http://schemas.microsoft.com/office/powerpoint/2010/main" spd="slow" p14:dur="1250">
+        <p15:prstTrans prst="pageCurlDouble"/>
+      </p:transition>
+    </mc:Choice>
+    <mc:Fallback>
+      <p:transition spd="slow">
+        <p:fade/>
+      </p:transition>
+    </mc:Fallback>
+  </mc:AlternateContent>
+</p:sld>
+</file>
+
+<file path=ppt/slides/slide21.xml><?xml version="1.0" encoding="utf-8"?>
+<p:sld xmlns:a="http://schemas.openxmlformats.org/drawingml/2006/main" xmlns:r="http://schemas.openxmlformats.org/officeDocument/2006/relationships" xmlns:p="http://schemas.openxmlformats.org/presentationml/2006/main">
+  <p:cSld>
+    <p:spTree>
+      <p:nvGrpSpPr>
+        <p:cNvPr id="1" name="">
+          <a:extLst>
+            <a:ext uri="{FF2B5EF4-FFF2-40B4-BE49-F238E27FC236}">
+              <a16:creationId xmlns:a16="http://schemas.microsoft.com/office/drawing/2014/main" id="{38E242C1-F106-AAFD-193B-D81494ED817B}"/>
+            </a:ext>
+          </a:extLst>
+        </p:cNvPr>
+        <p:cNvGrpSpPr/>
+        <p:nvPr/>
+      </p:nvGrpSpPr>
+      <p:grpSpPr>
+        <a:xfrm>
+          <a:off x="0" y="0"/>
+          <a:ext cx="0" cy="0"/>
+          <a:chOff x="0" y="0"/>
+          <a:chExt cx="0" cy="0"/>
+        </a:xfrm>
+      </p:grpSpPr>
+      <p:sp>
+        <p:nvSpPr>
+          <p:cNvPr id="4" name="TextBox 3">
+            <a:extLst>
+              <a:ext uri="{FF2B5EF4-FFF2-40B4-BE49-F238E27FC236}">
+                <a16:creationId xmlns:a16="http://schemas.microsoft.com/office/drawing/2014/main" id="{C645DD4B-1E92-1555-EBBA-CEFCB4E29762}"/>
+              </a:ext>
+            </a:extLst>
+          </p:cNvPr>
+          <p:cNvSpPr txBox="1"/>
+          <p:nvPr/>
+        </p:nvSpPr>
+        <p:spPr>
+          <a:xfrm>
+            <a:off x="183726" y="992293"/>
+            <a:ext cx="11824548" cy="1323439"/>
+          </a:xfrm>
+          <a:prstGeom prst="rect">
+            <a:avLst/>
+          </a:prstGeom>
+          <a:noFill/>
+        </p:spPr>
+        <p:txBody>
+          <a:bodyPr wrap="square" rtlCol="0">
+            <a:spAutoFit/>
+          </a:bodyPr>
+          <a:lstStyle/>
+          <a:p>
+            <a:pPr algn="ctr"/>
+            <a:r>
+              <a:rPr lang="en-US" sz="8000" b="1" dirty="0">
+                <a:solidFill>
+                  <a:srgbClr val="7030A0"/>
+                </a:solidFill>
+              </a:rPr>
+              <a:t>C</a:t>
+            </a:r>
+            <a:r>
+              <a:rPr lang="en-IN" sz="8000" b="1" dirty="0" err="1">
+                <a:solidFill>
+                  <a:srgbClr val="7030A0"/>
+                </a:solidFill>
+              </a:rPr>
+              <a:t>onditional</a:t>
+            </a:r>
+            <a:r>
+              <a:rPr lang="en-IN" sz="8000" b="1" dirty="0">
+                <a:solidFill>
+                  <a:srgbClr val="7030A0"/>
+                </a:solidFill>
+              </a:rPr>
+              <a:t> Statements</a:t>
+            </a:r>
+          </a:p>
+        </p:txBody>
+      </p:sp>
+      <p:sp>
+        <p:nvSpPr>
+          <p:cNvPr id="5" name="TextBox 4">
+            <a:extLst>
+              <a:ext uri="{FF2B5EF4-FFF2-40B4-BE49-F238E27FC236}">
+                <a16:creationId xmlns:a16="http://schemas.microsoft.com/office/drawing/2014/main" id="{407224C9-3A89-C8E8-2520-A8E142B2DBFD}"/>
+              </a:ext>
+            </a:extLst>
+          </p:cNvPr>
+          <p:cNvSpPr txBox="1"/>
+          <p:nvPr/>
+        </p:nvSpPr>
+        <p:spPr>
+          <a:xfrm>
+            <a:off x="2988732" y="2881100"/>
+            <a:ext cx="7633548" cy="2862322"/>
+          </a:xfrm>
+          <a:prstGeom prst="rect">
+            <a:avLst/>
+          </a:prstGeom>
+          <a:noFill/>
+        </p:spPr>
+        <p:txBody>
+          <a:bodyPr wrap="square" rtlCol="0">
+            <a:spAutoFit/>
+          </a:bodyPr>
+          <a:lstStyle/>
+          <a:p>
+            <a:pPr algn="ctr"/>
+            <a:r>
+              <a:rPr lang="en-US" sz="6000" b="1" dirty="0">
+                <a:solidFill>
+                  <a:schemeClr val="bg1"/>
+                </a:solidFill>
+              </a:rPr>
+              <a:t>R</a:t>
+            </a:r>
+            <a:r>
+              <a:rPr lang="en-IN" sz="6000" b="1" dirty="0" err="1">
+                <a:solidFill>
+                  <a:schemeClr val="bg1"/>
+                </a:solidFill>
+              </a:rPr>
+              <a:t>elational</a:t>
+            </a:r>
+            <a:r>
+              <a:rPr lang="en-IN" sz="6000" b="1" dirty="0">
+                <a:solidFill>
+                  <a:schemeClr val="bg1"/>
+                </a:solidFill>
+              </a:rPr>
+              <a:t> Operators</a:t>
+            </a:r>
+          </a:p>
+          <a:p>
+            <a:pPr algn="ctr"/>
+            <a:endParaRPr lang="en-IN" sz="6000" b="1" dirty="0">
+              <a:solidFill>
+                <a:schemeClr val="bg1"/>
+              </a:solidFill>
+            </a:endParaRPr>
+          </a:p>
+          <a:p>
+            <a:pPr algn="ctr"/>
+            <a:r>
+              <a:rPr lang="en-IN" sz="6000" b="1" dirty="0">
+                <a:solidFill>
+                  <a:schemeClr val="bg1"/>
+                </a:solidFill>
+              </a:rPr>
+              <a:t>Logical Operators</a:t>
+            </a:r>
+          </a:p>
+        </p:txBody>
+      </p:sp>
+    </p:spTree>
+    <p:extLst>
+      <p:ext uri="{BB962C8B-B14F-4D97-AF65-F5344CB8AC3E}">
+        <p14:creationId xmlns:p14="http://schemas.microsoft.com/office/powerpoint/2010/main" val="3246683936"/>
+      </p:ext>
+    </p:extLst>
+  </p:cSld>
+  <p:clrMapOvr>
+    <a:masterClrMapping/>
+  </p:clrMapOvr>
+  <mc:AlternateContent xmlns:mc="http://schemas.openxmlformats.org/markup-compatibility/2006">
+    <mc:Choice xmlns:p15="http://schemas.microsoft.com/office/powerpoint/2012/main" Requires="p15">
+      <p:transition xmlns:p14="http://schemas.microsoft.com/office/powerpoint/2010/main" spd="slow" p14:dur="1250">
+        <p15:prstTrans prst="pageCurlDouble"/>
+      </p:transition>
+    </mc:Choice>
+    <mc:Fallback>
+      <p:transition spd="slow">
+        <p:fade/>
+      </p:transition>
+    </mc:Fallback>
+  </mc:AlternateContent>
+</p:sld>
+</file>
+
+<file path=ppt/slides/slide22.xml><?xml version="1.0" encoding="utf-8"?>
+<p:sld xmlns:a="http://schemas.openxmlformats.org/drawingml/2006/main" xmlns:r="http://schemas.openxmlformats.org/officeDocument/2006/relationships" xmlns:p="http://schemas.openxmlformats.org/presentationml/2006/main">
+  <p:cSld>
+    <p:spTree>
+      <p:nvGrpSpPr>
+        <p:cNvPr id="1" name="">
+          <a:extLst>
+            <a:ext uri="{FF2B5EF4-FFF2-40B4-BE49-F238E27FC236}">
+              <a16:creationId xmlns:a16="http://schemas.microsoft.com/office/drawing/2014/main" id="{4F04559F-A988-A3E5-7F07-D7D726606A32}"/>
+            </a:ext>
+          </a:extLst>
+        </p:cNvPr>
+        <p:cNvGrpSpPr/>
+        <p:nvPr/>
+      </p:nvGrpSpPr>
+      <p:grpSpPr>
+        <a:xfrm>
+          <a:off x="0" y="0"/>
+          <a:ext cx="0" cy="0"/>
+          <a:chOff x="0" y="0"/>
+          <a:chExt cx="0" cy="0"/>
+        </a:xfrm>
+      </p:grpSpPr>
+      <p:sp>
+        <p:nvSpPr>
+          <p:cNvPr id="4" name="TextBox 3">
+            <a:extLst>
+              <a:ext uri="{FF2B5EF4-FFF2-40B4-BE49-F238E27FC236}">
+                <a16:creationId xmlns:a16="http://schemas.microsoft.com/office/drawing/2014/main" id="{619FCB5D-795D-D3C3-4EF1-CF4D396956F8}"/>
+              </a:ext>
+            </a:extLst>
+          </p:cNvPr>
+          <p:cNvSpPr txBox="1"/>
+          <p:nvPr/>
+        </p:nvSpPr>
+        <p:spPr>
+          <a:xfrm>
+            <a:off x="183726" y="626533"/>
+            <a:ext cx="11824548" cy="1323439"/>
+          </a:xfrm>
+          <a:prstGeom prst="rect">
+            <a:avLst/>
+          </a:prstGeom>
+          <a:noFill/>
+        </p:spPr>
+        <p:txBody>
+          <a:bodyPr wrap="square" rtlCol="0">
+            <a:spAutoFit/>
+          </a:bodyPr>
+          <a:lstStyle/>
+          <a:p>
+            <a:pPr algn="ctr"/>
+            <a:r>
+              <a:rPr lang="en-US" sz="8000" b="1" dirty="0">
+                <a:solidFill>
+                  <a:srgbClr val="7030A0"/>
+                </a:solidFill>
+              </a:rPr>
+              <a:t>R</a:t>
+            </a:r>
+            <a:r>
+              <a:rPr lang="en-IN" sz="8000" b="1" dirty="0" err="1">
+                <a:solidFill>
+                  <a:srgbClr val="7030A0"/>
+                </a:solidFill>
+              </a:rPr>
+              <a:t>elational</a:t>
+            </a:r>
+            <a:r>
+              <a:rPr lang="en-IN" sz="8000" b="1" dirty="0">
+                <a:solidFill>
+                  <a:srgbClr val="7030A0"/>
+                </a:solidFill>
+              </a:rPr>
+              <a:t> Operators</a:t>
+            </a:r>
+          </a:p>
+        </p:txBody>
+      </p:sp>
+      <p:sp>
+        <p:nvSpPr>
+          <p:cNvPr id="5" name="TextBox 4">
+            <a:extLst>
+              <a:ext uri="{FF2B5EF4-FFF2-40B4-BE49-F238E27FC236}">
+                <a16:creationId xmlns:a16="http://schemas.microsoft.com/office/drawing/2014/main" id="{B6AE9A7A-35D0-294B-2F4F-C96C624667A8}"/>
+              </a:ext>
+            </a:extLst>
+          </p:cNvPr>
+          <p:cNvSpPr txBox="1"/>
+          <p:nvPr/>
+        </p:nvSpPr>
+        <p:spPr>
+          <a:xfrm>
+            <a:off x="2279226" y="2177003"/>
+            <a:ext cx="7633548" cy="4401205"/>
+          </a:xfrm>
+          <a:prstGeom prst="rect">
+            <a:avLst/>
+          </a:prstGeom>
+          <a:noFill/>
+        </p:spPr>
+        <p:txBody>
+          <a:bodyPr wrap="square" rtlCol="0">
+            <a:spAutoFit/>
+          </a:bodyPr>
+          <a:lstStyle/>
+          <a:p>
+            <a:pPr algn="ctr"/>
+            <a:r>
+              <a:rPr lang="en-US" sz="4000" b="1" dirty="0">
+                <a:solidFill>
+                  <a:schemeClr val="bg1"/>
+                </a:solidFill>
+              </a:rPr>
+              <a:t>They return a Boolean result</a:t>
+            </a:r>
+          </a:p>
+          <a:p>
+            <a:pPr algn="ctr"/>
+            <a:r>
+              <a:rPr lang="en-US" sz="4000" b="1" dirty="0">
+                <a:solidFill>
+                  <a:schemeClr val="bg1"/>
+                </a:solidFill>
+              </a:rPr>
+              <a:t>&lt;</a:t>
+            </a:r>
+          </a:p>
+          <a:p>
+            <a:pPr algn="ctr"/>
+            <a:r>
+              <a:rPr lang="en-US" sz="4000" b="1" dirty="0">
+                <a:solidFill>
+                  <a:schemeClr val="bg1"/>
+                </a:solidFill>
+              </a:rPr>
+              <a:t>&gt;</a:t>
+            </a:r>
+          </a:p>
+          <a:p>
+            <a:pPr algn="ctr"/>
+            <a:r>
+              <a:rPr lang="en-US" sz="4000" b="1" dirty="0">
+                <a:solidFill>
+                  <a:schemeClr val="bg1"/>
+                </a:solidFill>
+              </a:rPr>
+              <a:t>&lt;=</a:t>
+            </a:r>
+          </a:p>
+          <a:p>
+            <a:pPr algn="ctr"/>
+            <a:r>
+              <a:rPr lang="en-US" sz="4000" b="1" dirty="0">
+                <a:solidFill>
+                  <a:schemeClr val="bg1"/>
+                </a:solidFill>
+              </a:rPr>
+              <a:t>&gt;=</a:t>
+            </a:r>
+          </a:p>
+          <a:p>
+            <a:pPr algn="ctr"/>
+            <a:r>
+              <a:rPr lang="en-US" sz="4000" b="1" dirty="0">
+                <a:solidFill>
+                  <a:schemeClr val="bg1"/>
+                </a:solidFill>
+              </a:rPr>
+              <a:t>==</a:t>
+            </a:r>
+          </a:p>
+          <a:p>
+            <a:pPr algn="ctr"/>
+            <a:r>
+              <a:rPr lang="en-US" sz="4000" b="1" dirty="0">
+                <a:solidFill>
+                  <a:schemeClr val="bg1"/>
+                </a:solidFill>
+              </a:rPr>
+              <a:t>!=</a:t>
+            </a:r>
+            <a:endParaRPr lang="en-IN" sz="4000" b="1" dirty="0">
+              <a:solidFill>
+                <a:schemeClr val="bg1"/>
+              </a:solidFill>
+            </a:endParaRPr>
+          </a:p>
+        </p:txBody>
+      </p:sp>
+    </p:spTree>
+    <p:extLst>
+      <p:ext uri="{BB962C8B-B14F-4D97-AF65-F5344CB8AC3E}">
+        <p14:creationId xmlns:p14="http://schemas.microsoft.com/office/powerpoint/2010/main" val="1274464240"/>
+      </p:ext>
+    </p:extLst>
+  </p:cSld>
+  <p:clrMapOvr>
+    <a:masterClrMapping/>
+  </p:clrMapOvr>
   <mc:AlternateContent xmlns:mc="http://schemas.openxmlformats.org/markup-compatibility/2006">
     <mc:Choice xmlns:p14="http://schemas.microsoft.com/office/powerpoint/2010/main" Requires="p14">
-      <p:transition spd="slow" p14:dur="3900">
-        <p14:glitter pattern="hexagon"/>
+      <p:transition spd="slow" p14:dur="900">
+        <p14:warp dir="in"/>
+      </p:transition>
+    </mc:Choice>
+    <mc:Fallback>
+      <p:transition spd="slow">
+        <p:fade/>
+      </p:transition>
+    </mc:Fallback>
+  </mc:AlternateContent>
+</p:sld>
+</file>
+
+<file path=ppt/slides/slide23.xml><?xml version="1.0" encoding="utf-8"?>
+<p:sld xmlns:a="http://schemas.openxmlformats.org/drawingml/2006/main" xmlns:r="http://schemas.openxmlformats.org/officeDocument/2006/relationships" xmlns:p="http://schemas.openxmlformats.org/presentationml/2006/main">
+  <p:cSld>
+    <p:spTree>
+      <p:nvGrpSpPr>
+        <p:cNvPr id="1" name="">
+          <a:extLst>
+            <a:ext uri="{FF2B5EF4-FFF2-40B4-BE49-F238E27FC236}">
+              <a16:creationId xmlns:a16="http://schemas.microsoft.com/office/drawing/2014/main" id="{7E777240-01FA-2B69-0CDA-8A32821584F7}"/>
+            </a:ext>
+          </a:extLst>
+        </p:cNvPr>
+        <p:cNvGrpSpPr/>
+        <p:nvPr/>
+      </p:nvGrpSpPr>
+      <p:grpSpPr>
+        <a:xfrm>
+          <a:off x="0" y="0"/>
+          <a:ext cx="0" cy="0"/>
+          <a:chOff x="0" y="0"/>
+          <a:chExt cx="0" cy="0"/>
+        </a:xfrm>
+      </p:grpSpPr>
+      <p:sp>
+        <p:nvSpPr>
+          <p:cNvPr id="4" name="TextBox 3">
+            <a:extLst>
+              <a:ext uri="{FF2B5EF4-FFF2-40B4-BE49-F238E27FC236}">
+                <a16:creationId xmlns:a16="http://schemas.microsoft.com/office/drawing/2014/main" id="{084532D2-AB60-7009-9C01-181B28F43C8C}"/>
+              </a:ext>
+            </a:extLst>
+          </p:cNvPr>
+          <p:cNvSpPr txBox="1"/>
+          <p:nvPr/>
+        </p:nvSpPr>
+        <p:spPr>
+          <a:xfrm>
+            <a:off x="183726" y="626533"/>
+            <a:ext cx="11824548" cy="1323439"/>
+          </a:xfrm>
+          <a:prstGeom prst="rect">
+            <a:avLst/>
+          </a:prstGeom>
+          <a:noFill/>
+        </p:spPr>
+        <p:txBody>
+          <a:bodyPr wrap="square" rtlCol="0">
+            <a:spAutoFit/>
+          </a:bodyPr>
+          <a:lstStyle/>
+          <a:p>
+            <a:pPr algn="ctr"/>
+            <a:r>
+              <a:rPr lang="en-IN" sz="8000" b="1" dirty="0">
+                <a:solidFill>
+                  <a:srgbClr val="7030A0"/>
+                </a:solidFill>
+              </a:rPr>
+              <a:t>Logical Operators</a:t>
+            </a:r>
+          </a:p>
+        </p:txBody>
+      </p:sp>
+      <p:sp>
+        <p:nvSpPr>
+          <p:cNvPr id="5" name="TextBox 4">
+            <a:extLst>
+              <a:ext uri="{FF2B5EF4-FFF2-40B4-BE49-F238E27FC236}">
+                <a16:creationId xmlns:a16="http://schemas.microsoft.com/office/drawing/2014/main" id="{4E5FA116-8386-45B8-CBDB-FBDA07D51ED1}"/>
+              </a:ext>
+            </a:extLst>
+          </p:cNvPr>
+          <p:cNvSpPr txBox="1"/>
+          <p:nvPr/>
+        </p:nvSpPr>
+        <p:spPr>
+          <a:xfrm>
+            <a:off x="754803" y="2177003"/>
+            <a:ext cx="10682394" cy="3785652"/>
+          </a:xfrm>
+          <a:prstGeom prst="rect">
+            <a:avLst/>
+          </a:prstGeom>
+          <a:noFill/>
+        </p:spPr>
+        <p:txBody>
+          <a:bodyPr wrap="square" rtlCol="0">
+            <a:spAutoFit/>
+          </a:bodyPr>
+          <a:lstStyle/>
+          <a:p>
+            <a:pPr algn="ctr"/>
+            <a:r>
+              <a:rPr lang="en-US" sz="4000" b="1" dirty="0">
+                <a:solidFill>
+                  <a:schemeClr val="bg1"/>
+                </a:solidFill>
+              </a:rPr>
+              <a:t>Logical operators are used to combine multiple Boolean </a:t>
+            </a:r>
+            <a:r>
+              <a:rPr lang="en-US" sz="4000" b="1" dirty="0" err="1">
+                <a:solidFill>
+                  <a:schemeClr val="bg1"/>
+                </a:solidFill>
+              </a:rPr>
+              <a:t>expresssions</a:t>
+            </a:r>
+            <a:r>
+              <a:rPr lang="en-US" sz="4000" b="1" dirty="0">
+                <a:solidFill>
+                  <a:schemeClr val="bg1"/>
+                </a:solidFill>
+              </a:rPr>
+              <a:t> or conditions</a:t>
+            </a:r>
+          </a:p>
+          <a:p>
+            <a:pPr algn="ctr"/>
+            <a:endParaRPr lang="en-US" sz="4000" b="1" dirty="0">
+              <a:solidFill>
+                <a:schemeClr val="bg1"/>
+              </a:solidFill>
+            </a:endParaRPr>
+          </a:p>
+          <a:p>
+            <a:pPr algn="ctr"/>
+            <a:r>
+              <a:rPr lang="en-US" sz="4000" b="1" dirty="0">
+                <a:solidFill>
+                  <a:schemeClr val="bg1"/>
+                </a:solidFill>
+              </a:rPr>
+              <a:t>&amp;&amp;</a:t>
+            </a:r>
+          </a:p>
+          <a:p>
+            <a:pPr algn="ctr"/>
+            <a:r>
+              <a:rPr lang="en-US" sz="4000" b="1" dirty="0">
+                <a:solidFill>
+                  <a:schemeClr val="bg1"/>
+                </a:solidFill>
+              </a:rPr>
+              <a:t>||</a:t>
+            </a:r>
+          </a:p>
+          <a:p>
+            <a:pPr algn="ctr"/>
+            <a:r>
+              <a:rPr lang="en-US" sz="4000" b="1" dirty="0">
+                <a:solidFill>
+                  <a:schemeClr val="bg1"/>
+                </a:solidFill>
+              </a:rPr>
+              <a:t>!</a:t>
+            </a:r>
+            <a:endParaRPr lang="en-IN" sz="4000" b="1" dirty="0">
+              <a:solidFill>
+                <a:schemeClr val="bg1"/>
+              </a:solidFill>
+            </a:endParaRPr>
+          </a:p>
+        </p:txBody>
+      </p:sp>
+    </p:spTree>
+    <p:extLst>
+      <p:ext uri="{BB962C8B-B14F-4D97-AF65-F5344CB8AC3E}">
+        <p14:creationId xmlns:p14="http://schemas.microsoft.com/office/powerpoint/2010/main" val="4234431654"/>
+      </p:ext>
+    </p:extLst>
+  </p:cSld>
+  <p:clrMapOvr>
+    <a:masterClrMapping/>
+  </p:clrMapOvr>
+  <mc:AlternateContent xmlns:mc="http://schemas.openxmlformats.org/markup-compatibility/2006">
+    <mc:Choice xmlns:p14="http://schemas.microsoft.com/office/powerpoint/2010/main" Requires="p14">
+      <p:transition spd="slow" p14:dur="900">
+        <p14:warp dir="in"/>
+      </p:transition>
+    </mc:Choice>
+    <mc:Fallback>
+      <p:transition spd="slow">
+        <p:fade/>
+      </p:transition>
+    </mc:Fallback>
+  </mc:AlternateContent>
+</p:sld>
+</file>
+
+<file path=ppt/slides/slide24.xml><?xml version="1.0" encoding="utf-8"?>
+<p:sld xmlns:a="http://schemas.openxmlformats.org/drawingml/2006/main" xmlns:r="http://schemas.openxmlformats.org/officeDocument/2006/relationships" xmlns:p="http://schemas.openxmlformats.org/presentationml/2006/main">
+  <p:cSld>
+    <p:spTree>
+      <p:nvGrpSpPr>
+        <p:cNvPr id="1" name="">
+          <a:extLst>
+            <a:ext uri="{FF2B5EF4-FFF2-40B4-BE49-F238E27FC236}">
+              <a16:creationId xmlns:a16="http://schemas.microsoft.com/office/drawing/2014/main" id="{65824958-CB53-6BCA-93C4-37045862EAE5}"/>
+            </a:ext>
+          </a:extLst>
+        </p:cNvPr>
+        <p:cNvGrpSpPr/>
+        <p:nvPr/>
+      </p:nvGrpSpPr>
+      <p:grpSpPr>
+        <a:xfrm>
+          <a:off x="0" y="0"/>
+          <a:ext cx="0" cy="0"/>
+          <a:chOff x="0" y="0"/>
+          <a:chExt cx="0" cy="0"/>
+        </a:xfrm>
+      </p:grpSpPr>
+      <p:graphicFrame>
+        <p:nvGraphicFramePr>
+          <p:cNvPr id="4" name="Table 3">
+            <a:extLst>
+              <a:ext uri="{FF2B5EF4-FFF2-40B4-BE49-F238E27FC236}">
+                <a16:creationId xmlns:a16="http://schemas.microsoft.com/office/drawing/2014/main" id="{EB45A89A-EB43-38F8-4ABC-1C85BEBD5C2E}"/>
+              </a:ext>
+            </a:extLst>
+          </p:cNvPr>
+          <p:cNvGraphicFramePr>
+            <a:graphicFrameLocks noGrp="1"/>
+          </p:cNvGraphicFramePr>
+          <p:nvPr>
+            <p:extLst>
+              <p:ext uri="{D42A27DB-BD31-4B8C-83A1-F6EECF244321}">
+                <p14:modId xmlns:p14="http://schemas.microsoft.com/office/powerpoint/2010/main" val="808091991"/>
+              </p:ext>
+            </p:extLst>
+          </p:nvPr>
+        </p:nvGraphicFramePr>
+        <p:xfrm>
+          <a:off x="2032001" y="1685713"/>
+          <a:ext cx="8742681" cy="3563053"/>
+        </p:xfrm>
+        <a:graphic>
+          <a:graphicData uri="http://schemas.openxmlformats.org/drawingml/2006/table">
+            <a:tbl>
+              <a:tblPr firstRow="1" bandRow="1">
+                <a:tableStyleId>{7E9639D4-E3E2-4D34-9284-5A2195B3D0D7}</a:tableStyleId>
+              </a:tblPr>
+              <a:tblGrid>
+                <a:gridCol w="2914227">
+                  <a:extLst>
+                    <a:ext uri="{9D8B030D-6E8A-4147-A177-3AD203B41FA5}">
+                      <a16:colId xmlns:a16="http://schemas.microsoft.com/office/drawing/2014/main" val="2897379024"/>
+                    </a:ext>
+                  </a:extLst>
+                </a:gridCol>
+                <a:gridCol w="2914227">
+                  <a:extLst>
+                    <a:ext uri="{9D8B030D-6E8A-4147-A177-3AD203B41FA5}">
+                      <a16:colId xmlns:a16="http://schemas.microsoft.com/office/drawing/2014/main" val="1932672315"/>
+                    </a:ext>
+                  </a:extLst>
+                </a:gridCol>
+                <a:gridCol w="2914227">
+                  <a:extLst>
+                    <a:ext uri="{9D8B030D-6E8A-4147-A177-3AD203B41FA5}">
+                      <a16:colId xmlns:a16="http://schemas.microsoft.com/office/drawing/2014/main" val="1475983957"/>
+                    </a:ext>
+                  </a:extLst>
+                </a:gridCol>
+              </a:tblGrid>
+              <a:tr h="1246573">
+                <a:tc>
+                  <a:txBody>
+                    <a:bodyPr/>
+                    <a:lstStyle/>
+                    <a:p>
+                      <a:r>
+                        <a:rPr lang="en-US" sz="3200" dirty="0">
+                          <a:solidFill>
+                            <a:srgbClr val="FFC000"/>
+                          </a:solidFill>
+                        </a:rPr>
+                        <a:t>Operand 1</a:t>
+                      </a:r>
+                      <a:endParaRPr lang="en-IN" sz="3200" dirty="0">
+                        <a:solidFill>
+                          <a:srgbClr val="FFC000"/>
+                        </a:solidFill>
+                      </a:endParaRPr>
+                    </a:p>
+                  </a:txBody>
+                  <a:tcPr>
+                    <a:lnL w="12700" cap="flat" cmpd="sng" algn="ctr">
+                      <a:solidFill>
+                        <a:schemeClr val="tx1"/>
+                      </a:solidFill>
+                      <a:prstDash val="solid"/>
+                      <a:round/>
+                      <a:headEnd type="none" w="med" len="med"/>
+                      <a:tailEnd type="none" w="med" len="med"/>
+                    </a:lnL>
+                    <a:lnR w="12700" cap="flat" cmpd="sng" algn="ctr">
+                      <a:solidFill>
+                        <a:schemeClr val="tx1"/>
+                      </a:solidFill>
+                      <a:prstDash val="solid"/>
+                      <a:round/>
+                      <a:headEnd type="none" w="med" len="med"/>
+                      <a:tailEnd type="none" w="med" len="med"/>
+                    </a:lnR>
+                    <a:lnT w="12700" cap="flat" cmpd="sng" algn="ctr">
+                      <a:solidFill>
+                        <a:schemeClr val="tx1"/>
+                      </a:solidFill>
+                      <a:prstDash val="solid"/>
+                      <a:round/>
+                      <a:headEnd type="none" w="med" len="med"/>
+                      <a:tailEnd type="none" w="med" len="med"/>
+                    </a:lnT>
+                    <a:lnB w="12700" cap="flat" cmpd="sng" algn="ctr">
+                      <a:solidFill>
+                        <a:schemeClr val="tx1"/>
+                      </a:solidFill>
+                      <a:prstDash val="solid"/>
+                      <a:round/>
+                      <a:headEnd type="none" w="med" len="med"/>
+                      <a:tailEnd type="none" w="med" len="med"/>
+                    </a:lnB>
+                  </a:tcPr>
+                </a:tc>
+                <a:tc>
+                  <a:txBody>
+                    <a:bodyPr/>
+                    <a:lstStyle/>
+                    <a:p>
+                      <a:r>
+                        <a:rPr lang="en-US" sz="3200" dirty="0">
+                          <a:solidFill>
+                            <a:srgbClr val="FFC000"/>
+                          </a:solidFill>
+                        </a:rPr>
+                        <a:t>Operand 2</a:t>
+                      </a:r>
+                      <a:endParaRPr lang="en-IN" sz="3200" dirty="0">
+                        <a:solidFill>
+                          <a:srgbClr val="FFC000"/>
+                        </a:solidFill>
+                      </a:endParaRPr>
+                    </a:p>
+                  </a:txBody>
+                  <a:tcPr>
+                    <a:lnL w="12700" cap="flat" cmpd="sng" algn="ctr">
+                      <a:solidFill>
+                        <a:schemeClr val="tx1"/>
+                      </a:solidFill>
+                      <a:prstDash val="solid"/>
+                      <a:round/>
+                      <a:headEnd type="none" w="med" len="med"/>
+                      <a:tailEnd type="none" w="med" len="med"/>
+                    </a:lnL>
+                    <a:lnR w="12700" cap="flat" cmpd="sng" algn="ctr">
+                      <a:solidFill>
+                        <a:schemeClr val="tx1"/>
+                      </a:solidFill>
+                      <a:prstDash val="solid"/>
+                      <a:round/>
+                      <a:headEnd type="none" w="med" len="med"/>
+                      <a:tailEnd type="none" w="med" len="med"/>
+                    </a:lnR>
+                    <a:lnT w="12700" cap="flat" cmpd="sng" algn="ctr">
+                      <a:solidFill>
+                        <a:schemeClr val="tx1"/>
+                      </a:solidFill>
+                      <a:prstDash val="solid"/>
+                      <a:round/>
+                      <a:headEnd type="none" w="med" len="med"/>
+                      <a:tailEnd type="none" w="med" len="med"/>
+                    </a:lnT>
+                    <a:lnB w="12700" cap="flat" cmpd="sng" algn="ctr">
+                      <a:solidFill>
+                        <a:schemeClr val="tx1"/>
+                      </a:solidFill>
+                      <a:prstDash val="solid"/>
+                      <a:round/>
+                      <a:headEnd type="none" w="med" len="med"/>
+                      <a:tailEnd type="none" w="med" len="med"/>
+                    </a:lnB>
+                  </a:tcPr>
+                </a:tc>
+                <a:tc>
+                  <a:txBody>
+                    <a:bodyPr/>
+                    <a:lstStyle/>
+                    <a:p>
+                      <a:r>
+                        <a:rPr lang="en-US" sz="3200" dirty="0">
+                          <a:solidFill>
+                            <a:srgbClr val="FFC000"/>
+                          </a:solidFill>
+                        </a:rPr>
+                        <a:t>Operand 1  &amp;&amp;  Operand 2</a:t>
+                      </a:r>
+                      <a:endParaRPr lang="en-IN" sz="3200" dirty="0">
+                        <a:solidFill>
+                          <a:srgbClr val="FFC000"/>
+                        </a:solidFill>
+                      </a:endParaRPr>
+                    </a:p>
+                  </a:txBody>
+                  <a:tcPr>
+                    <a:lnL w="12700" cap="flat" cmpd="sng" algn="ctr">
+                      <a:solidFill>
+                        <a:schemeClr val="tx1"/>
+                      </a:solidFill>
+                      <a:prstDash val="solid"/>
+                      <a:round/>
+                      <a:headEnd type="none" w="med" len="med"/>
+                      <a:tailEnd type="none" w="med" len="med"/>
+                    </a:lnL>
+                    <a:lnR w="12700" cap="flat" cmpd="sng" algn="ctr">
+                      <a:solidFill>
+                        <a:schemeClr val="tx1"/>
+                      </a:solidFill>
+                      <a:prstDash val="solid"/>
+                      <a:round/>
+                      <a:headEnd type="none" w="med" len="med"/>
+                      <a:tailEnd type="none" w="med" len="med"/>
+                    </a:lnR>
+                    <a:lnT w="12700" cap="flat" cmpd="sng" algn="ctr">
+                      <a:solidFill>
+                        <a:schemeClr val="tx1"/>
+                      </a:solidFill>
+                      <a:prstDash val="solid"/>
+                      <a:round/>
+                      <a:headEnd type="none" w="med" len="med"/>
+                      <a:tailEnd type="none" w="med" len="med"/>
+                    </a:lnT>
+                    <a:lnB w="12700" cap="flat" cmpd="sng" algn="ctr">
+                      <a:solidFill>
+                        <a:schemeClr val="tx1"/>
+                      </a:solidFill>
+                      <a:prstDash val="solid"/>
+                      <a:round/>
+                      <a:headEnd type="none" w="med" len="med"/>
+                      <a:tailEnd type="none" w="med" len="med"/>
+                    </a:lnB>
+                  </a:tcPr>
+                </a:tc>
+                <a:extLst>
+                  <a:ext uri="{0D108BD9-81ED-4DB2-BD59-A6C34878D82A}">
+                    <a16:rowId xmlns:a16="http://schemas.microsoft.com/office/drawing/2014/main" val="2059945533"/>
+                  </a:ext>
+                </a:extLst>
+              </a:tr>
+              <a:tr h="550899">
+                <a:tc>
+                  <a:txBody>
+                    <a:bodyPr/>
+                    <a:lstStyle/>
+                    <a:p>
+                      <a:r>
+                        <a:rPr lang="en-US" sz="3200" dirty="0">
+                          <a:solidFill>
+                            <a:schemeClr val="bg1"/>
+                          </a:solidFill>
+                        </a:rPr>
+                        <a:t>True</a:t>
+                      </a:r>
+                    </a:p>
+                  </a:txBody>
+                  <a:tcPr>
+                    <a:lnL w="12700" cap="flat" cmpd="sng" algn="ctr">
+                      <a:solidFill>
+                        <a:schemeClr val="tx1"/>
+                      </a:solidFill>
+                      <a:prstDash val="solid"/>
+                      <a:round/>
+                      <a:headEnd type="none" w="med" len="med"/>
+                      <a:tailEnd type="none" w="med" len="med"/>
+                    </a:lnL>
+                    <a:lnR w="12700" cap="flat" cmpd="sng" algn="ctr">
+                      <a:solidFill>
+                        <a:schemeClr val="tx1"/>
+                      </a:solidFill>
+                      <a:prstDash val="solid"/>
+                      <a:round/>
+                      <a:headEnd type="none" w="med" len="med"/>
+                      <a:tailEnd type="none" w="med" len="med"/>
+                    </a:lnR>
+                    <a:lnT w="12700" cap="flat" cmpd="sng" algn="ctr">
+                      <a:solidFill>
+                        <a:schemeClr val="tx1"/>
+                      </a:solidFill>
+                      <a:prstDash val="solid"/>
+                      <a:round/>
+                      <a:headEnd type="none" w="med" len="med"/>
+                      <a:tailEnd type="none" w="med" len="med"/>
+                    </a:lnT>
+                    <a:lnB w="12700" cap="flat" cmpd="sng" algn="ctr">
+                      <a:solidFill>
+                        <a:schemeClr val="tx1"/>
+                      </a:solidFill>
+                      <a:prstDash val="solid"/>
+                      <a:round/>
+                      <a:headEnd type="none" w="med" len="med"/>
+                      <a:tailEnd type="none" w="med" len="med"/>
+                    </a:lnB>
+                  </a:tcPr>
+                </a:tc>
+                <a:tc>
+                  <a:txBody>
+                    <a:bodyPr/>
+                    <a:lstStyle/>
+                    <a:p>
+                      <a:r>
+                        <a:rPr lang="en-US" sz="3200" dirty="0">
+                          <a:solidFill>
+                            <a:schemeClr val="bg1"/>
+                          </a:solidFill>
+                        </a:rPr>
+                        <a:t>True</a:t>
+                      </a:r>
+                      <a:endParaRPr lang="en-IN" sz="3200" dirty="0">
+                        <a:solidFill>
+                          <a:schemeClr val="bg1"/>
+                        </a:solidFill>
+                      </a:endParaRPr>
+                    </a:p>
+                  </a:txBody>
+                  <a:tcPr>
+                    <a:lnL w="12700" cap="flat" cmpd="sng" algn="ctr">
+                      <a:solidFill>
+                        <a:schemeClr val="tx1"/>
+                      </a:solidFill>
+                      <a:prstDash val="solid"/>
+                      <a:round/>
+                      <a:headEnd type="none" w="med" len="med"/>
+                      <a:tailEnd type="none" w="med" len="med"/>
+                    </a:lnL>
+                    <a:lnR w="12700" cap="flat" cmpd="sng" algn="ctr">
+                      <a:solidFill>
+                        <a:schemeClr val="tx1"/>
+                      </a:solidFill>
+                      <a:prstDash val="solid"/>
+                      <a:round/>
+                      <a:headEnd type="none" w="med" len="med"/>
+                      <a:tailEnd type="none" w="med" len="med"/>
+                    </a:lnR>
+                    <a:lnT w="12700" cap="flat" cmpd="sng" algn="ctr">
+                      <a:solidFill>
+                        <a:schemeClr val="tx1"/>
+                      </a:solidFill>
+                      <a:prstDash val="solid"/>
+                      <a:round/>
+                      <a:headEnd type="none" w="med" len="med"/>
+                      <a:tailEnd type="none" w="med" len="med"/>
+                    </a:lnT>
+                    <a:lnB w="12700" cap="flat" cmpd="sng" algn="ctr">
+                      <a:solidFill>
+                        <a:schemeClr val="tx1"/>
+                      </a:solidFill>
+                      <a:prstDash val="solid"/>
+                      <a:round/>
+                      <a:headEnd type="none" w="med" len="med"/>
+                      <a:tailEnd type="none" w="med" len="med"/>
+                    </a:lnB>
+                  </a:tcPr>
+                </a:tc>
+                <a:tc>
+                  <a:txBody>
+                    <a:bodyPr/>
+                    <a:lstStyle/>
+                    <a:p>
+                      <a:r>
+                        <a:rPr lang="en-US" sz="3200" dirty="0">
+                          <a:solidFill>
+                            <a:schemeClr val="bg1"/>
+                          </a:solidFill>
+                        </a:rPr>
+                        <a:t>True</a:t>
+                      </a:r>
+                      <a:endParaRPr lang="en-IN" sz="3200" dirty="0">
+                        <a:solidFill>
+                          <a:schemeClr val="bg1"/>
+                        </a:solidFill>
+                      </a:endParaRPr>
+                    </a:p>
+                  </a:txBody>
+                  <a:tcPr>
+                    <a:lnL w="12700" cap="flat" cmpd="sng" algn="ctr">
+                      <a:solidFill>
+                        <a:schemeClr val="tx1"/>
+                      </a:solidFill>
+                      <a:prstDash val="solid"/>
+                      <a:round/>
+                      <a:headEnd type="none" w="med" len="med"/>
+                      <a:tailEnd type="none" w="med" len="med"/>
+                    </a:lnL>
+                    <a:lnR w="12700" cap="flat" cmpd="sng" algn="ctr">
+                      <a:solidFill>
+                        <a:schemeClr val="tx1"/>
+                      </a:solidFill>
+                      <a:prstDash val="solid"/>
+                      <a:round/>
+                      <a:headEnd type="none" w="med" len="med"/>
+                      <a:tailEnd type="none" w="med" len="med"/>
+                    </a:lnR>
+                    <a:lnT w="12700" cap="flat" cmpd="sng" algn="ctr">
+                      <a:solidFill>
+                        <a:schemeClr val="tx1"/>
+                      </a:solidFill>
+                      <a:prstDash val="solid"/>
+                      <a:round/>
+                      <a:headEnd type="none" w="med" len="med"/>
+                      <a:tailEnd type="none" w="med" len="med"/>
+                    </a:lnT>
+                    <a:lnB w="12700" cap="flat" cmpd="sng" algn="ctr">
+                      <a:solidFill>
+                        <a:schemeClr val="tx1"/>
+                      </a:solidFill>
+                      <a:prstDash val="solid"/>
+                      <a:round/>
+                      <a:headEnd type="none" w="med" len="med"/>
+                      <a:tailEnd type="none" w="med" len="med"/>
+                    </a:lnB>
+                  </a:tcPr>
+                </a:tc>
+                <a:extLst>
+                  <a:ext uri="{0D108BD9-81ED-4DB2-BD59-A6C34878D82A}">
+                    <a16:rowId xmlns:a16="http://schemas.microsoft.com/office/drawing/2014/main" val="3159499758"/>
+                  </a:ext>
+                </a:extLst>
+              </a:tr>
+              <a:tr h="550899">
+                <a:tc>
+                  <a:txBody>
+                    <a:bodyPr/>
+                    <a:lstStyle/>
+                    <a:p>
+                      <a:r>
+                        <a:rPr lang="en-US" sz="3200" dirty="0">
+                          <a:solidFill>
+                            <a:schemeClr val="bg1"/>
+                          </a:solidFill>
+                        </a:rPr>
+                        <a:t>True</a:t>
+                      </a:r>
+                    </a:p>
+                  </a:txBody>
+                  <a:tcPr>
+                    <a:lnL w="12700" cap="flat" cmpd="sng" algn="ctr">
+                      <a:solidFill>
+                        <a:schemeClr val="tx1"/>
+                      </a:solidFill>
+                      <a:prstDash val="solid"/>
+                      <a:round/>
+                      <a:headEnd type="none" w="med" len="med"/>
+                      <a:tailEnd type="none" w="med" len="med"/>
+                    </a:lnL>
+                    <a:lnR w="12700" cap="flat" cmpd="sng" algn="ctr">
+                      <a:solidFill>
+                        <a:schemeClr val="tx1"/>
+                      </a:solidFill>
+                      <a:prstDash val="solid"/>
+                      <a:round/>
+                      <a:headEnd type="none" w="med" len="med"/>
+                      <a:tailEnd type="none" w="med" len="med"/>
+                    </a:lnR>
+                    <a:lnT w="12700" cap="flat" cmpd="sng" algn="ctr">
+                      <a:solidFill>
+                        <a:schemeClr val="tx1"/>
+                      </a:solidFill>
+                      <a:prstDash val="solid"/>
+                      <a:round/>
+                      <a:headEnd type="none" w="med" len="med"/>
+                      <a:tailEnd type="none" w="med" len="med"/>
+                    </a:lnT>
+                    <a:lnB w="12700" cap="flat" cmpd="sng" algn="ctr">
+                      <a:solidFill>
+                        <a:schemeClr val="tx1"/>
+                      </a:solidFill>
+                      <a:prstDash val="solid"/>
+                      <a:round/>
+                      <a:headEnd type="none" w="med" len="med"/>
+                      <a:tailEnd type="none" w="med" len="med"/>
+                    </a:lnB>
+                  </a:tcPr>
+                </a:tc>
+                <a:tc>
+                  <a:txBody>
+                    <a:bodyPr/>
+                    <a:lstStyle/>
+                    <a:p>
+                      <a:r>
+                        <a:rPr lang="en-US" sz="3200" dirty="0">
+                          <a:solidFill>
+                            <a:schemeClr val="bg1"/>
+                          </a:solidFill>
+                        </a:rPr>
+                        <a:t>False</a:t>
+                      </a:r>
+                      <a:endParaRPr lang="en-IN" sz="3200" dirty="0">
+                        <a:solidFill>
+                          <a:schemeClr val="bg1"/>
+                        </a:solidFill>
+                      </a:endParaRPr>
+                    </a:p>
+                  </a:txBody>
+                  <a:tcPr>
+                    <a:lnL w="12700" cap="flat" cmpd="sng" algn="ctr">
+                      <a:solidFill>
+                        <a:schemeClr val="tx1"/>
+                      </a:solidFill>
+                      <a:prstDash val="solid"/>
+                      <a:round/>
+                      <a:headEnd type="none" w="med" len="med"/>
+                      <a:tailEnd type="none" w="med" len="med"/>
+                    </a:lnL>
+                    <a:lnR w="12700" cap="flat" cmpd="sng" algn="ctr">
+                      <a:solidFill>
+                        <a:schemeClr val="tx1"/>
+                      </a:solidFill>
+                      <a:prstDash val="solid"/>
+                      <a:round/>
+                      <a:headEnd type="none" w="med" len="med"/>
+                      <a:tailEnd type="none" w="med" len="med"/>
+                    </a:lnR>
+                    <a:lnT w="12700" cap="flat" cmpd="sng" algn="ctr">
+                      <a:solidFill>
+                        <a:schemeClr val="tx1"/>
+                      </a:solidFill>
+                      <a:prstDash val="solid"/>
+                      <a:round/>
+                      <a:headEnd type="none" w="med" len="med"/>
+                      <a:tailEnd type="none" w="med" len="med"/>
+                    </a:lnT>
+                    <a:lnB w="12700" cap="flat" cmpd="sng" algn="ctr">
+                      <a:solidFill>
+                        <a:schemeClr val="tx1"/>
+                      </a:solidFill>
+                      <a:prstDash val="solid"/>
+                      <a:round/>
+                      <a:headEnd type="none" w="med" len="med"/>
+                      <a:tailEnd type="none" w="med" len="med"/>
+                    </a:lnB>
+                  </a:tcPr>
+                </a:tc>
+                <a:tc>
+                  <a:txBody>
+                    <a:bodyPr/>
+                    <a:lstStyle/>
+                    <a:p>
+                      <a:r>
+                        <a:rPr lang="en-US" sz="3200" dirty="0">
+                          <a:solidFill>
+                            <a:schemeClr val="bg1"/>
+                          </a:solidFill>
+                        </a:rPr>
+                        <a:t>False</a:t>
+                      </a:r>
+                      <a:endParaRPr lang="en-IN" sz="3200" dirty="0">
+                        <a:solidFill>
+                          <a:schemeClr val="bg1"/>
+                        </a:solidFill>
+                      </a:endParaRPr>
+                    </a:p>
+                  </a:txBody>
+                  <a:tcPr>
+                    <a:lnL w="12700" cap="flat" cmpd="sng" algn="ctr">
+                      <a:solidFill>
+                        <a:schemeClr val="tx1"/>
+                      </a:solidFill>
+                      <a:prstDash val="solid"/>
+                      <a:round/>
+                      <a:headEnd type="none" w="med" len="med"/>
+                      <a:tailEnd type="none" w="med" len="med"/>
+                    </a:lnL>
+                    <a:lnR w="12700" cap="flat" cmpd="sng" algn="ctr">
+                      <a:solidFill>
+                        <a:schemeClr val="tx1"/>
+                      </a:solidFill>
+                      <a:prstDash val="solid"/>
+                      <a:round/>
+                      <a:headEnd type="none" w="med" len="med"/>
+                      <a:tailEnd type="none" w="med" len="med"/>
+                    </a:lnR>
+                    <a:lnT w="12700" cap="flat" cmpd="sng" algn="ctr">
+                      <a:solidFill>
+                        <a:schemeClr val="tx1"/>
+                      </a:solidFill>
+                      <a:prstDash val="solid"/>
+                      <a:round/>
+                      <a:headEnd type="none" w="med" len="med"/>
+                      <a:tailEnd type="none" w="med" len="med"/>
+                    </a:lnT>
+                    <a:lnB w="12700" cap="flat" cmpd="sng" algn="ctr">
+                      <a:solidFill>
+                        <a:schemeClr val="tx1"/>
+                      </a:solidFill>
+                      <a:prstDash val="solid"/>
+                      <a:round/>
+                      <a:headEnd type="none" w="med" len="med"/>
+                      <a:tailEnd type="none" w="med" len="med"/>
+                    </a:lnB>
+                  </a:tcPr>
+                </a:tc>
+                <a:extLst>
+                  <a:ext uri="{0D108BD9-81ED-4DB2-BD59-A6C34878D82A}">
+                    <a16:rowId xmlns:a16="http://schemas.microsoft.com/office/drawing/2014/main" val="2611761051"/>
+                  </a:ext>
+                </a:extLst>
+              </a:tr>
+              <a:tr h="550899">
+                <a:tc>
+                  <a:txBody>
+                    <a:bodyPr/>
+                    <a:lstStyle/>
+                    <a:p>
+                      <a:r>
+                        <a:rPr lang="en-US" sz="3200" dirty="0">
+                          <a:solidFill>
+                            <a:schemeClr val="bg1"/>
+                          </a:solidFill>
+                        </a:rPr>
+                        <a:t>False</a:t>
+                      </a:r>
+                      <a:endParaRPr lang="en-IN" sz="3200" dirty="0">
+                        <a:solidFill>
+                          <a:schemeClr val="bg1"/>
+                        </a:solidFill>
+                      </a:endParaRPr>
+                    </a:p>
+                  </a:txBody>
+                  <a:tcPr>
+                    <a:lnL w="12700" cap="flat" cmpd="sng" algn="ctr">
+                      <a:solidFill>
+                        <a:schemeClr val="tx1"/>
+                      </a:solidFill>
+                      <a:prstDash val="solid"/>
+                      <a:round/>
+                      <a:headEnd type="none" w="med" len="med"/>
+                      <a:tailEnd type="none" w="med" len="med"/>
+                    </a:lnL>
+                    <a:lnR w="12700" cap="flat" cmpd="sng" algn="ctr">
+                      <a:solidFill>
+                        <a:schemeClr val="tx1"/>
+                      </a:solidFill>
+                      <a:prstDash val="solid"/>
+                      <a:round/>
+                      <a:headEnd type="none" w="med" len="med"/>
+                      <a:tailEnd type="none" w="med" len="med"/>
+                    </a:lnR>
+                    <a:lnT w="12700" cap="flat" cmpd="sng" algn="ctr">
+                      <a:solidFill>
+                        <a:schemeClr val="tx1"/>
+                      </a:solidFill>
+                      <a:prstDash val="solid"/>
+                      <a:round/>
+                      <a:headEnd type="none" w="med" len="med"/>
+                      <a:tailEnd type="none" w="med" len="med"/>
+                    </a:lnT>
+                    <a:lnB w="12700" cap="flat" cmpd="sng" algn="ctr">
+                      <a:solidFill>
+                        <a:schemeClr val="tx1"/>
+                      </a:solidFill>
+                      <a:prstDash val="solid"/>
+                      <a:round/>
+                      <a:headEnd type="none" w="med" len="med"/>
+                      <a:tailEnd type="none" w="med" len="med"/>
+                    </a:lnB>
+                  </a:tcPr>
+                </a:tc>
+                <a:tc>
+                  <a:txBody>
+                    <a:bodyPr/>
+                    <a:lstStyle/>
+                    <a:p>
+                      <a:r>
+                        <a:rPr lang="en-US" sz="3200" dirty="0">
+                          <a:solidFill>
+                            <a:schemeClr val="bg1"/>
+                          </a:solidFill>
+                        </a:rPr>
+                        <a:t>True</a:t>
+                      </a:r>
+                      <a:endParaRPr lang="en-IN" sz="3200" dirty="0">
+                        <a:solidFill>
+                          <a:schemeClr val="bg1"/>
+                        </a:solidFill>
+                      </a:endParaRPr>
+                    </a:p>
+                  </a:txBody>
+                  <a:tcPr>
+                    <a:lnL w="12700" cap="flat" cmpd="sng" algn="ctr">
+                      <a:solidFill>
+                        <a:schemeClr val="tx1"/>
+                      </a:solidFill>
+                      <a:prstDash val="solid"/>
+                      <a:round/>
+                      <a:headEnd type="none" w="med" len="med"/>
+                      <a:tailEnd type="none" w="med" len="med"/>
+                    </a:lnL>
+                    <a:lnR w="12700" cap="flat" cmpd="sng" algn="ctr">
+                      <a:solidFill>
+                        <a:schemeClr val="tx1"/>
+                      </a:solidFill>
+                      <a:prstDash val="solid"/>
+                      <a:round/>
+                      <a:headEnd type="none" w="med" len="med"/>
+                      <a:tailEnd type="none" w="med" len="med"/>
+                    </a:lnR>
+                    <a:lnT w="12700" cap="flat" cmpd="sng" algn="ctr">
+                      <a:solidFill>
+                        <a:schemeClr val="tx1"/>
+                      </a:solidFill>
+                      <a:prstDash val="solid"/>
+                      <a:round/>
+                      <a:headEnd type="none" w="med" len="med"/>
+                      <a:tailEnd type="none" w="med" len="med"/>
+                    </a:lnT>
+                    <a:lnB w="12700" cap="flat" cmpd="sng" algn="ctr">
+                      <a:solidFill>
+                        <a:schemeClr val="tx1"/>
+                      </a:solidFill>
+                      <a:prstDash val="solid"/>
+                      <a:round/>
+                      <a:headEnd type="none" w="med" len="med"/>
+                      <a:tailEnd type="none" w="med" len="med"/>
+                    </a:lnB>
+                  </a:tcPr>
+                </a:tc>
+                <a:tc>
+                  <a:txBody>
+                    <a:bodyPr/>
+                    <a:lstStyle/>
+                    <a:p>
+                      <a:r>
+                        <a:rPr lang="en-US" sz="3200" dirty="0">
+                          <a:solidFill>
+                            <a:schemeClr val="bg1"/>
+                          </a:solidFill>
+                        </a:rPr>
+                        <a:t>False</a:t>
+                      </a:r>
+                      <a:endParaRPr lang="en-IN" sz="3200" dirty="0">
+                        <a:solidFill>
+                          <a:schemeClr val="bg1"/>
+                        </a:solidFill>
+                      </a:endParaRPr>
+                    </a:p>
+                  </a:txBody>
+                  <a:tcPr>
+                    <a:lnL w="12700" cap="flat" cmpd="sng" algn="ctr">
+                      <a:solidFill>
+                        <a:schemeClr val="tx1"/>
+                      </a:solidFill>
+                      <a:prstDash val="solid"/>
+                      <a:round/>
+                      <a:headEnd type="none" w="med" len="med"/>
+                      <a:tailEnd type="none" w="med" len="med"/>
+                    </a:lnL>
+                    <a:lnR w="12700" cap="flat" cmpd="sng" algn="ctr">
+                      <a:solidFill>
+                        <a:schemeClr val="tx1"/>
+                      </a:solidFill>
+                      <a:prstDash val="solid"/>
+                      <a:round/>
+                      <a:headEnd type="none" w="med" len="med"/>
+                      <a:tailEnd type="none" w="med" len="med"/>
+                    </a:lnR>
+                    <a:lnT w="12700" cap="flat" cmpd="sng" algn="ctr">
+                      <a:solidFill>
+                        <a:schemeClr val="tx1"/>
+                      </a:solidFill>
+                      <a:prstDash val="solid"/>
+                      <a:round/>
+                      <a:headEnd type="none" w="med" len="med"/>
+                      <a:tailEnd type="none" w="med" len="med"/>
+                    </a:lnT>
+                    <a:lnB w="12700" cap="flat" cmpd="sng" algn="ctr">
+                      <a:solidFill>
+                        <a:schemeClr val="tx1"/>
+                      </a:solidFill>
+                      <a:prstDash val="solid"/>
+                      <a:round/>
+                      <a:headEnd type="none" w="med" len="med"/>
+                      <a:tailEnd type="none" w="med" len="med"/>
+                    </a:lnB>
+                  </a:tcPr>
+                </a:tc>
+                <a:extLst>
+                  <a:ext uri="{0D108BD9-81ED-4DB2-BD59-A6C34878D82A}">
+                    <a16:rowId xmlns:a16="http://schemas.microsoft.com/office/drawing/2014/main" val="1408986200"/>
+                  </a:ext>
+                </a:extLst>
+              </a:tr>
+              <a:tr h="550899">
+                <a:tc>
+                  <a:txBody>
+                    <a:bodyPr/>
+                    <a:lstStyle/>
+                    <a:p>
+                      <a:r>
+                        <a:rPr lang="en-US" sz="3200" dirty="0">
+                          <a:solidFill>
+                            <a:schemeClr val="bg1"/>
+                          </a:solidFill>
+                        </a:rPr>
+                        <a:t>false</a:t>
+                      </a:r>
+                      <a:endParaRPr lang="en-IN" sz="3200" dirty="0">
+                        <a:solidFill>
+                          <a:schemeClr val="bg1"/>
+                        </a:solidFill>
+                      </a:endParaRPr>
+                    </a:p>
+                  </a:txBody>
+                  <a:tcPr>
+                    <a:lnL w="12700" cap="flat" cmpd="sng" algn="ctr">
+                      <a:solidFill>
+                        <a:schemeClr val="tx1"/>
+                      </a:solidFill>
+                      <a:prstDash val="solid"/>
+                      <a:round/>
+                      <a:headEnd type="none" w="med" len="med"/>
+                      <a:tailEnd type="none" w="med" len="med"/>
+                    </a:lnL>
+                    <a:lnR w="12700" cap="flat" cmpd="sng" algn="ctr">
+                      <a:solidFill>
+                        <a:schemeClr val="tx1"/>
+                      </a:solidFill>
+                      <a:prstDash val="solid"/>
+                      <a:round/>
+                      <a:headEnd type="none" w="med" len="med"/>
+                      <a:tailEnd type="none" w="med" len="med"/>
+                    </a:lnR>
+                    <a:lnT w="12700" cap="flat" cmpd="sng" algn="ctr">
+                      <a:solidFill>
+                        <a:schemeClr val="tx1"/>
+                      </a:solidFill>
+                      <a:prstDash val="solid"/>
+                      <a:round/>
+                      <a:headEnd type="none" w="med" len="med"/>
+                      <a:tailEnd type="none" w="med" len="med"/>
+                    </a:lnT>
+                    <a:lnB w="12700" cap="flat" cmpd="sng" algn="ctr">
+                      <a:solidFill>
+                        <a:schemeClr val="tx1"/>
+                      </a:solidFill>
+                      <a:prstDash val="solid"/>
+                      <a:round/>
+                      <a:headEnd type="none" w="med" len="med"/>
+                      <a:tailEnd type="none" w="med" len="med"/>
+                    </a:lnB>
+                  </a:tcPr>
+                </a:tc>
+                <a:tc>
+                  <a:txBody>
+                    <a:bodyPr/>
+                    <a:lstStyle/>
+                    <a:p>
+                      <a:r>
+                        <a:rPr lang="en-US" sz="3200" dirty="0">
+                          <a:solidFill>
+                            <a:schemeClr val="bg1"/>
+                          </a:solidFill>
+                        </a:rPr>
+                        <a:t>false</a:t>
+                      </a:r>
+                      <a:endParaRPr lang="en-IN" sz="3200" dirty="0">
+                        <a:solidFill>
+                          <a:schemeClr val="bg1"/>
+                        </a:solidFill>
+                      </a:endParaRPr>
+                    </a:p>
+                  </a:txBody>
+                  <a:tcPr>
+                    <a:lnL w="12700" cap="flat" cmpd="sng" algn="ctr">
+                      <a:solidFill>
+                        <a:schemeClr val="tx1"/>
+                      </a:solidFill>
+                      <a:prstDash val="solid"/>
+                      <a:round/>
+                      <a:headEnd type="none" w="med" len="med"/>
+                      <a:tailEnd type="none" w="med" len="med"/>
+                    </a:lnL>
+                    <a:lnR w="12700" cap="flat" cmpd="sng" algn="ctr">
+                      <a:solidFill>
+                        <a:schemeClr val="tx1"/>
+                      </a:solidFill>
+                      <a:prstDash val="solid"/>
+                      <a:round/>
+                      <a:headEnd type="none" w="med" len="med"/>
+                      <a:tailEnd type="none" w="med" len="med"/>
+                    </a:lnR>
+                    <a:lnT w="12700" cap="flat" cmpd="sng" algn="ctr">
+                      <a:solidFill>
+                        <a:schemeClr val="tx1"/>
+                      </a:solidFill>
+                      <a:prstDash val="solid"/>
+                      <a:round/>
+                      <a:headEnd type="none" w="med" len="med"/>
+                      <a:tailEnd type="none" w="med" len="med"/>
+                    </a:lnT>
+                    <a:lnB w="12700" cap="flat" cmpd="sng" algn="ctr">
+                      <a:solidFill>
+                        <a:schemeClr val="tx1"/>
+                      </a:solidFill>
+                      <a:prstDash val="solid"/>
+                      <a:round/>
+                      <a:headEnd type="none" w="med" len="med"/>
+                      <a:tailEnd type="none" w="med" len="med"/>
+                    </a:lnB>
+                  </a:tcPr>
+                </a:tc>
+                <a:tc>
+                  <a:txBody>
+                    <a:bodyPr/>
+                    <a:lstStyle/>
+                    <a:p>
+                      <a:r>
+                        <a:rPr lang="en-US" sz="3200" dirty="0">
+                          <a:solidFill>
+                            <a:schemeClr val="bg1"/>
+                          </a:solidFill>
+                        </a:rPr>
+                        <a:t>false</a:t>
+                      </a:r>
+                      <a:endParaRPr lang="en-IN" sz="3200" dirty="0">
+                        <a:solidFill>
+                          <a:schemeClr val="bg1"/>
+                        </a:solidFill>
+                      </a:endParaRPr>
+                    </a:p>
+                  </a:txBody>
+                  <a:tcPr>
+                    <a:lnL w="12700" cap="flat" cmpd="sng" algn="ctr">
+                      <a:solidFill>
+                        <a:schemeClr val="tx1"/>
+                      </a:solidFill>
+                      <a:prstDash val="solid"/>
+                      <a:round/>
+                      <a:headEnd type="none" w="med" len="med"/>
+                      <a:tailEnd type="none" w="med" len="med"/>
+                    </a:lnL>
+                    <a:lnR w="12700" cap="flat" cmpd="sng" algn="ctr">
+                      <a:solidFill>
+                        <a:schemeClr val="tx1"/>
+                      </a:solidFill>
+                      <a:prstDash val="solid"/>
+                      <a:round/>
+                      <a:headEnd type="none" w="med" len="med"/>
+                      <a:tailEnd type="none" w="med" len="med"/>
+                    </a:lnR>
+                    <a:lnT w="12700" cap="flat" cmpd="sng" algn="ctr">
+                      <a:solidFill>
+                        <a:schemeClr val="tx1"/>
+                      </a:solidFill>
+                      <a:prstDash val="solid"/>
+                      <a:round/>
+                      <a:headEnd type="none" w="med" len="med"/>
+                      <a:tailEnd type="none" w="med" len="med"/>
+                    </a:lnT>
+                    <a:lnB w="12700" cap="flat" cmpd="sng" algn="ctr">
+                      <a:solidFill>
+                        <a:schemeClr val="tx1"/>
+                      </a:solidFill>
+                      <a:prstDash val="solid"/>
+                      <a:round/>
+                      <a:headEnd type="none" w="med" len="med"/>
+                      <a:tailEnd type="none" w="med" len="med"/>
+                    </a:lnB>
+                  </a:tcPr>
+                </a:tc>
+                <a:extLst>
+                  <a:ext uri="{0D108BD9-81ED-4DB2-BD59-A6C34878D82A}">
+                    <a16:rowId xmlns:a16="http://schemas.microsoft.com/office/drawing/2014/main" val="1876641819"/>
+                  </a:ext>
+                </a:extLst>
+              </a:tr>
+            </a:tbl>
+          </a:graphicData>
+        </a:graphic>
+      </p:graphicFrame>
+    </p:spTree>
+    <p:extLst>
+      <p:ext uri="{BB962C8B-B14F-4D97-AF65-F5344CB8AC3E}">
+        <p14:creationId xmlns:p14="http://schemas.microsoft.com/office/powerpoint/2010/main" val="412054749"/>
+      </p:ext>
+    </p:extLst>
+  </p:cSld>
+  <p:clrMapOvr>
+    <a:masterClrMapping/>
+  </p:clrMapOvr>
+  <mc:AlternateContent xmlns:mc="http://schemas.openxmlformats.org/markup-compatibility/2006">
+    <mc:Choice xmlns:p15="http://schemas.microsoft.com/office/powerpoint/2012/main" Requires="p15">
+      <p:transition xmlns:p14="http://schemas.microsoft.com/office/powerpoint/2010/main" spd="slow" p14:dur="1250">
+        <p15:prstTrans prst="pageCurlDouble"/>
       </p:transition>
     </mc:Choice>
     <mc:Fallback>
@@ -8783,13 +15293,13 @@
   <p:clrMapOvr>
     <a:masterClrMapping/>
   </p:clrMapOvr>
-  <mc:AlternateContent xmlns:mc="http://schemas.openxmlformats.org/markup-compatibility/2006">
-    <mc:Choice xmlns:p14="http://schemas.microsoft.com/office/powerpoint/2010/main" Requires="p14">
+  <mc:AlternateContent xmlns:mc="http://schemas.openxmlformats.org/markup-compatibility/2006" xmlns:p14="http://schemas.microsoft.com/office/powerpoint/2010/main">
+    <mc:Choice Requires="p14">
       <p:transition spd="slow" p14:dur="800">
         <p14:flythrough/>
       </p:transition>
     </mc:Choice>
-    <mc:Fallback>
+    <mc:Fallback xmlns="">
       <p:transition spd="slow">
         <p:fade/>
       </p:transition>
@@ -8950,13 +15460,13 @@
   <p:clrMapOvr>
     <a:masterClrMapping/>
   </p:clrMapOvr>
-  <mc:AlternateContent xmlns:mc="http://schemas.openxmlformats.org/markup-compatibility/2006">
-    <mc:Choice xmlns:p14="http://schemas.microsoft.com/office/powerpoint/2010/main" Requires="p14">
+  <mc:AlternateContent xmlns:mc="http://schemas.openxmlformats.org/markup-compatibility/2006" xmlns:p14="http://schemas.microsoft.com/office/powerpoint/2010/main">
+    <mc:Choice Requires="p14">
       <p:transition spd="slow" p14:dur="1600">
         <p14:prism isContent="1" isInverted="1"/>
       </p:transition>
     </mc:Choice>
-    <mc:Fallback>
+    <mc:Fallback xmlns="">
       <p:transition spd="slow">
         <p:fade/>
       </p:transition>
@@ -9203,13 +15713,13 @@
   <p:clrMapOvr>
     <a:masterClrMapping/>
   </p:clrMapOvr>
-  <mc:AlternateContent xmlns:mc="http://schemas.openxmlformats.org/markup-compatibility/2006">
-    <mc:Choice xmlns:p14="http://schemas.microsoft.com/office/powerpoint/2010/main" Requires="p14">
+  <mc:AlternateContent xmlns:mc="http://schemas.openxmlformats.org/markup-compatibility/2006" xmlns:p14="http://schemas.microsoft.com/office/powerpoint/2010/main">
+    <mc:Choice Requires="p14">
       <p:transition spd="slow" p14:dur="900">
         <p14:warp dir="in"/>
       </p:transition>
     </mc:Choice>
-    <mc:Fallback>
+    <mc:Fallback xmlns="">
       <p:transition spd="slow">
         <p:fade/>
       </p:transition>
@@ -10719,13 +17229,13 @@
   <p:clrMapOvr>
     <a:masterClrMapping/>
   </p:clrMapOvr>
-  <mc:AlternateContent xmlns:mc="http://schemas.openxmlformats.org/markup-compatibility/2006">
-    <mc:Choice xmlns:p14="http://schemas.microsoft.com/office/powerpoint/2010/main" Requires="p14">
+  <mc:AlternateContent xmlns:mc="http://schemas.openxmlformats.org/markup-compatibility/2006" xmlns:p14="http://schemas.microsoft.com/office/powerpoint/2010/main">
+    <mc:Choice Requires="p14">
       <p:transition spd="slow" p14:dur="2000">
         <p14:ferris dir="l"/>
       </p:transition>
     </mc:Choice>
-    <mc:Fallback>
+    <mc:Fallback xmlns="">
       <p:transition spd="slow">
         <p:fade/>
       </p:transition>
@@ -10941,13 +17451,13 @@
   <p:clrMapOvr>
     <a:masterClrMapping/>
   </p:clrMapOvr>
-  <mc:AlternateContent xmlns:mc="http://schemas.openxmlformats.org/markup-compatibility/2006">
-    <mc:Choice xmlns:p15="http://schemas.microsoft.com/office/powerpoint/2012/main" Requires="p15">
+  <mc:AlternateContent xmlns:mc="http://schemas.openxmlformats.org/markup-compatibility/2006" xmlns:p15="http://schemas.microsoft.com/office/powerpoint/2012/main">
+    <mc:Choice Requires="p15">
       <p:transition xmlns:p14="http://schemas.microsoft.com/office/powerpoint/2010/main" spd="slow" p14:dur="2000">
         <p15:prstTrans prst="fallOver"/>
       </p:transition>
     </mc:Choice>
-    <mc:Fallback>
+    <mc:Fallback xmlns="">
       <p:transition spd="slow">
         <p:fade/>
       </p:transition>
@@ -11313,13 +17823,13 @@
   <p:clrMapOvr>
     <a:masterClrMapping/>
   </p:clrMapOvr>
-  <mc:AlternateContent xmlns:mc="http://schemas.openxmlformats.org/markup-compatibility/2006">
-    <mc:Choice xmlns:p14="http://schemas.microsoft.com/office/powerpoint/2010/main" Requires="p14">
+  <mc:AlternateContent xmlns:mc="http://schemas.openxmlformats.org/markup-compatibility/2006" xmlns:p14="http://schemas.microsoft.com/office/powerpoint/2010/main">
+    <mc:Choice Requires="p14">
       <p:transition spd="slow" p14:dur="800">
         <p14:flythrough/>
       </p:transition>
     </mc:Choice>
-    <mc:Fallback>
+    <mc:Fallback xmlns="">
       <p:transition spd="slow">
         <p:fade/>
       </p:transition>

--- a/JAVA.pptx
+++ b/JAVA.pptx
@@ -5,7 +5,7 @@
     <p:sldMasterId id="2147483672" r:id="rId1"/>
   </p:sldMasterIdLst>
   <p:notesMasterIdLst>
-    <p:notesMasterId r:id="rId26"/>
+    <p:notesMasterId r:id="rId33"/>
   </p:notesMasterIdLst>
   <p:sldIdLst>
     <p:sldId id="257" r:id="rId2"/>
@@ -32,6 +32,13 @@
     <p:sldId id="277" r:id="rId23"/>
     <p:sldId id="278" r:id="rId24"/>
     <p:sldId id="279" r:id="rId25"/>
+    <p:sldId id="280" r:id="rId26"/>
+    <p:sldId id="281" r:id="rId27"/>
+    <p:sldId id="282" r:id="rId28"/>
+    <p:sldId id="283" r:id="rId29"/>
+    <p:sldId id="284" r:id="rId30"/>
+    <p:sldId id="285" r:id="rId31"/>
+    <p:sldId id="286" r:id="rId32"/>
   </p:sldIdLst>
   <p:sldSz cx="12192000" cy="6858000"/>
   <p:notesSz cx="6858000" cy="9144000"/>
@@ -216,7 +223,7 @@
             </a:lvl1pPr>
           </a:lstStyle>
           <a:p>
-            <a:endParaRPr lang="en-IN"/>
+            <a:endParaRPr lang="en-IN" dirty="0"/>
           </a:p>
         </p:txBody>
       </p:sp>
@@ -249,9 +256,9 @@
           <a:p>
             <a:fld id="{793E1085-CD5A-4344-9015-5F31F108D9F6}" type="datetimeFigureOut">
               <a:rPr lang="en-IN" smtClean="0"/>
-              <a:t>26-02-2025</a:t>
+              <a:t>09-03-2025</a:t>
             </a:fld>
-            <a:endParaRPr lang="en-IN"/>
+            <a:endParaRPr lang="en-IN" dirty="0"/>
           </a:p>
         </p:txBody>
       </p:sp>
@@ -284,7 +291,7 @@
           <a:bodyPr vert="horz" lIns="91440" tIns="45720" rIns="91440" bIns="45720" rtlCol="0" anchor="ctr"/>
           <a:lstStyle/>
           <a:p>
-            <a:endParaRPr lang="en-IN"/>
+            <a:endParaRPr lang="en-IN" dirty="0"/>
           </a:p>
         </p:txBody>
       </p:sp>
@@ -375,7 +382,7 @@
             </a:lvl1pPr>
           </a:lstStyle>
           <a:p>
-            <a:endParaRPr lang="en-IN"/>
+            <a:endParaRPr lang="en-IN" dirty="0"/>
           </a:p>
         </p:txBody>
       </p:sp>
@@ -410,7 +417,7 @@
               <a:rPr lang="en-IN" smtClean="0"/>
               <a:t>‹#›</a:t>
             </a:fld>
-            <a:endParaRPr lang="en-IN"/>
+            <a:endParaRPr lang="en-IN" dirty="0"/>
           </a:p>
         </p:txBody>
       </p:sp>
@@ -584,7 +591,7 @@
               <a:rPr lang="en-IN" smtClean="0"/>
               <a:t>4</a:t>
             </a:fld>
-            <a:endParaRPr lang="en-IN"/>
+            <a:endParaRPr lang="en-IN" dirty="0"/>
           </a:p>
         </p:txBody>
       </p:sp>
@@ -732,9 +739,9 @@
           <a:p>
             <a:fld id="{5BA949CA-9D7A-4F72-9D19-23CC5A2468BD}" type="datetimeFigureOut">
               <a:rPr lang="en-IN" smtClean="0"/>
-              <a:t>26-02-2025</a:t>
+              <a:t>09-03-2025</a:t>
             </a:fld>
-            <a:endParaRPr lang="en-IN"/>
+            <a:endParaRPr lang="en-IN" dirty="0"/>
           </a:p>
         </p:txBody>
       </p:sp>
@@ -753,7 +760,7 @@
           <a:bodyPr/>
           <a:lstStyle/>
           <a:p>
-            <a:endParaRPr lang="en-IN"/>
+            <a:endParaRPr lang="en-IN" dirty="0"/>
           </a:p>
         </p:txBody>
       </p:sp>
@@ -776,7 +783,7 @@
               <a:rPr lang="en-IN" smtClean="0"/>
               <a:t>‹#›</a:t>
             </a:fld>
-            <a:endParaRPr lang="en-IN"/>
+            <a:endParaRPr lang="en-IN" dirty="0"/>
           </a:p>
         </p:txBody>
       </p:sp>
@@ -902,9 +909,9 @@
           <a:p>
             <a:fld id="{5BA949CA-9D7A-4F72-9D19-23CC5A2468BD}" type="datetimeFigureOut">
               <a:rPr lang="en-IN" smtClean="0"/>
-              <a:t>26-02-2025</a:t>
+              <a:t>09-03-2025</a:t>
             </a:fld>
-            <a:endParaRPr lang="en-IN"/>
+            <a:endParaRPr lang="en-IN" dirty="0"/>
           </a:p>
         </p:txBody>
       </p:sp>
@@ -923,7 +930,7 @@
           <a:bodyPr/>
           <a:lstStyle/>
           <a:p>
-            <a:endParaRPr lang="en-IN"/>
+            <a:endParaRPr lang="en-IN" dirty="0"/>
           </a:p>
         </p:txBody>
       </p:sp>
@@ -946,7 +953,7 @@
               <a:rPr lang="en-IN" smtClean="0"/>
               <a:t>‹#›</a:t>
             </a:fld>
-            <a:endParaRPr lang="en-IN"/>
+            <a:endParaRPr lang="en-IN" dirty="0"/>
           </a:p>
         </p:txBody>
       </p:sp>
@@ -1082,9 +1089,9 @@
           <a:p>
             <a:fld id="{5BA949CA-9D7A-4F72-9D19-23CC5A2468BD}" type="datetimeFigureOut">
               <a:rPr lang="en-IN" smtClean="0"/>
-              <a:t>26-02-2025</a:t>
+              <a:t>09-03-2025</a:t>
             </a:fld>
-            <a:endParaRPr lang="en-IN"/>
+            <a:endParaRPr lang="en-IN" dirty="0"/>
           </a:p>
         </p:txBody>
       </p:sp>
@@ -1103,7 +1110,7 @@
           <a:bodyPr/>
           <a:lstStyle/>
           <a:p>
-            <a:endParaRPr lang="en-IN"/>
+            <a:endParaRPr lang="en-IN" dirty="0"/>
           </a:p>
         </p:txBody>
       </p:sp>
@@ -1126,7 +1133,7 @@
               <a:rPr lang="en-IN" smtClean="0"/>
               <a:t>‹#›</a:t>
             </a:fld>
-            <a:endParaRPr lang="en-IN"/>
+            <a:endParaRPr lang="en-IN" dirty="0"/>
           </a:p>
         </p:txBody>
       </p:sp>
@@ -1252,9 +1259,9 @@
           <a:p>
             <a:fld id="{5BA949CA-9D7A-4F72-9D19-23CC5A2468BD}" type="datetimeFigureOut">
               <a:rPr lang="en-IN" smtClean="0"/>
-              <a:t>26-02-2025</a:t>
+              <a:t>09-03-2025</a:t>
             </a:fld>
-            <a:endParaRPr lang="en-IN"/>
+            <a:endParaRPr lang="en-IN" dirty="0"/>
           </a:p>
         </p:txBody>
       </p:sp>
@@ -1273,7 +1280,7 @@
           <a:bodyPr/>
           <a:lstStyle/>
           <a:p>
-            <a:endParaRPr lang="en-IN"/>
+            <a:endParaRPr lang="en-IN" dirty="0"/>
           </a:p>
         </p:txBody>
       </p:sp>
@@ -1296,7 +1303,7 @@
               <a:rPr lang="en-IN" smtClean="0"/>
               <a:t>‹#›</a:t>
             </a:fld>
-            <a:endParaRPr lang="en-IN"/>
+            <a:endParaRPr lang="en-IN" dirty="0"/>
           </a:p>
         </p:txBody>
       </p:sp>
@@ -1498,9 +1505,9 @@
           <a:p>
             <a:fld id="{5BA949CA-9D7A-4F72-9D19-23CC5A2468BD}" type="datetimeFigureOut">
               <a:rPr lang="en-IN" smtClean="0"/>
-              <a:t>26-02-2025</a:t>
+              <a:t>09-03-2025</a:t>
             </a:fld>
-            <a:endParaRPr lang="en-IN"/>
+            <a:endParaRPr lang="en-IN" dirty="0"/>
           </a:p>
         </p:txBody>
       </p:sp>
@@ -1519,7 +1526,7 @@
           <a:bodyPr/>
           <a:lstStyle/>
           <a:p>
-            <a:endParaRPr lang="en-IN"/>
+            <a:endParaRPr lang="en-IN" dirty="0"/>
           </a:p>
         </p:txBody>
       </p:sp>
@@ -1542,7 +1549,7 @@
               <a:rPr lang="en-IN" smtClean="0"/>
               <a:t>‹#›</a:t>
             </a:fld>
-            <a:endParaRPr lang="en-IN"/>
+            <a:endParaRPr lang="en-IN" dirty="0"/>
           </a:p>
         </p:txBody>
       </p:sp>
@@ -1730,9 +1737,9 @@
           <a:p>
             <a:fld id="{5BA949CA-9D7A-4F72-9D19-23CC5A2468BD}" type="datetimeFigureOut">
               <a:rPr lang="en-IN" smtClean="0"/>
-              <a:t>26-02-2025</a:t>
+              <a:t>09-03-2025</a:t>
             </a:fld>
-            <a:endParaRPr lang="en-IN"/>
+            <a:endParaRPr lang="en-IN" dirty="0"/>
           </a:p>
         </p:txBody>
       </p:sp>
@@ -1751,7 +1758,7 @@
           <a:bodyPr/>
           <a:lstStyle/>
           <a:p>
-            <a:endParaRPr lang="en-IN"/>
+            <a:endParaRPr lang="en-IN" dirty="0"/>
           </a:p>
         </p:txBody>
       </p:sp>
@@ -1774,7 +1781,7 @@
               <a:rPr lang="en-IN" smtClean="0"/>
               <a:t>‹#›</a:t>
             </a:fld>
-            <a:endParaRPr lang="en-IN"/>
+            <a:endParaRPr lang="en-IN" dirty="0"/>
           </a:p>
         </p:txBody>
       </p:sp>
@@ -2097,9 +2104,9 @@
           <a:p>
             <a:fld id="{5BA949CA-9D7A-4F72-9D19-23CC5A2468BD}" type="datetimeFigureOut">
               <a:rPr lang="en-IN" smtClean="0"/>
-              <a:t>26-02-2025</a:t>
+              <a:t>09-03-2025</a:t>
             </a:fld>
-            <a:endParaRPr lang="en-IN"/>
+            <a:endParaRPr lang="en-IN" dirty="0"/>
           </a:p>
         </p:txBody>
       </p:sp>
@@ -2118,7 +2125,7 @@
           <a:bodyPr/>
           <a:lstStyle/>
           <a:p>
-            <a:endParaRPr lang="en-IN"/>
+            <a:endParaRPr lang="en-IN" dirty="0"/>
           </a:p>
         </p:txBody>
       </p:sp>
@@ -2141,7 +2148,7 @@
               <a:rPr lang="en-IN" smtClean="0"/>
               <a:t>‹#›</a:t>
             </a:fld>
-            <a:endParaRPr lang="en-IN"/>
+            <a:endParaRPr lang="en-IN" dirty="0"/>
           </a:p>
         </p:txBody>
       </p:sp>
@@ -2215,9 +2222,9 @@
           <a:p>
             <a:fld id="{5BA949CA-9D7A-4F72-9D19-23CC5A2468BD}" type="datetimeFigureOut">
               <a:rPr lang="en-IN" smtClean="0"/>
-              <a:t>26-02-2025</a:t>
+              <a:t>09-03-2025</a:t>
             </a:fld>
-            <a:endParaRPr lang="en-IN"/>
+            <a:endParaRPr lang="en-IN" dirty="0"/>
           </a:p>
         </p:txBody>
       </p:sp>
@@ -2236,7 +2243,7 @@
           <a:bodyPr/>
           <a:lstStyle/>
           <a:p>
-            <a:endParaRPr lang="en-IN"/>
+            <a:endParaRPr lang="en-IN" dirty="0"/>
           </a:p>
         </p:txBody>
       </p:sp>
@@ -2259,7 +2266,7 @@
               <a:rPr lang="en-IN" smtClean="0"/>
               <a:t>‹#›</a:t>
             </a:fld>
-            <a:endParaRPr lang="en-IN"/>
+            <a:endParaRPr lang="en-IN" dirty="0"/>
           </a:p>
         </p:txBody>
       </p:sp>
@@ -2310,9 +2317,9 @@
           <a:p>
             <a:fld id="{5BA949CA-9D7A-4F72-9D19-23CC5A2468BD}" type="datetimeFigureOut">
               <a:rPr lang="en-IN" smtClean="0"/>
-              <a:t>26-02-2025</a:t>
+              <a:t>09-03-2025</a:t>
             </a:fld>
-            <a:endParaRPr lang="en-IN"/>
+            <a:endParaRPr lang="en-IN" dirty="0"/>
           </a:p>
         </p:txBody>
       </p:sp>
@@ -2331,7 +2338,7 @@
           <a:bodyPr/>
           <a:lstStyle/>
           <a:p>
-            <a:endParaRPr lang="en-IN"/>
+            <a:endParaRPr lang="en-IN" dirty="0"/>
           </a:p>
         </p:txBody>
       </p:sp>
@@ -2354,7 +2361,7 @@
               <a:rPr lang="en-IN" smtClean="0"/>
               <a:t>‹#›</a:t>
             </a:fld>
-            <a:endParaRPr lang="en-IN"/>
+            <a:endParaRPr lang="en-IN" dirty="0"/>
           </a:p>
         </p:txBody>
       </p:sp>
@@ -2587,9 +2594,9 @@
           <a:p>
             <a:fld id="{5BA949CA-9D7A-4F72-9D19-23CC5A2468BD}" type="datetimeFigureOut">
               <a:rPr lang="en-IN" smtClean="0"/>
-              <a:t>26-02-2025</a:t>
+              <a:t>09-03-2025</a:t>
             </a:fld>
-            <a:endParaRPr lang="en-IN"/>
+            <a:endParaRPr lang="en-IN" dirty="0"/>
           </a:p>
         </p:txBody>
       </p:sp>
@@ -2608,7 +2615,7 @@
           <a:bodyPr/>
           <a:lstStyle/>
           <a:p>
-            <a:endParaRPr lang="en-IN"/>
+            <a:endParaRPr lang="en-IN" dirty="0"/>
           </a:p>
         </p:txBody>
       </p:sp>
@@ -2631,7 +2638,7 @@
               <a:rPr lang="en-IN" smtClean="0"/>
               <a:t>‹#›</a:t>
             </a:fld>
-            <a:endParaRPr lang="en-IN"/>
+            <a:endParaRPr lang="en-IN" dirty="0"/>
           </a:p>
         </p:txBody>
       </p:sp>
@@ -2755,10 +2762,9 @@
           </a:lstStyle>
           <a:p>
             <a:r>
-              <a:rPr lang="en-US"/>
+              <a:rPr lang="en-US" dirty="0"/>
               <a:t>Click icon to add picture</a:t>
             </a:r>
-            <a:endParaRPr lang="en-US" dirty="0"/>
           </a:p>
         </p:txBody>
       </p:sp>
@@ -2844,9 +2850,9 @@
           <a:p>
             <a:fld id="{5BA949CA-9D7A-4F72-9D19-23CC5A2468BD}" type="datetimeFigureOut">
               <a:rPr lang="en-IN" smtClean="0"/>
-              <a:t>26-02-2025</a:t>
+              <a:t>09-03-2025</a:t>
             </a:fld>
-            <a:endParaRPr lang="en-IN"/>
+            <a:endParaRPr lang="en-IN" dirty="0"/>
           </a:p>
         </p:txBody>
       </p:sp>
@@ -2865,7 +2871,7 @@
           <a:bodyPr/>
           <a:lstStyle/>
           <a:p>
-            <a:endParaRPr lang="en-IN"/>
+            <a:endParaRPr lang="en-IN" dirty="0"/>
           </a:p>
         </p:txBody>
       </p:sp>
@@ -2888,7 +2894,7 @@
               <a:rPr lang="en-IN" smtClean="0"/>
               <a:t>‹#›</a:t>
             </a:fld>
-            <a:endParaRPr lang="en-IN"/>
+            <a:endParaRPr lang="en-IN" dirty="0"/>
           </a:p>
         </p:txBody>
       </p:sp>
@@ -3063,9 +3069,9 @@
           <a:p>
             <a:fld id="{5BA949CA-9D7A-4F72-9D19-23CC5A2468BD}" type="datetimeFigureOut">
               <a:rPr lang="en-IN" smtClean="0"/>
-              <a:t>26-02-2025</a:t>
+              <a:t>09-03-2025</a:t>
             </a:fld>
-            <a:endParaRPr lang="en-IN"/>
+            <a:endParaRPr lang="en-IN" dirty="0"/>
           </a:p>
         </p:txBody>
       </p:sp>
@@ -3102,7 +3108,7 @@
             </a:lvl1pPr>
           </a:lstStyle>
           <a:p>
-            <a:endParaRPr lang="en-IN"/>
+            <a:endParaRPr lang="en-IN" dirty="0"/>
           </a:p>
         </p:txBody>
       </p:sp>
@@ -3143,7 +3149,7 @@
               <a:rPr lang="en-IN" smtClean="0"/>
               <a:t>‹#›</a:t>
             </a:fld>
-            <a:endParaRPr lang="en-IN"/>
+            <a:endParaRPr lang="en-IN" dirty="0"/>
           </a:p>
         </p:txBody>
       </p:sp>
@@ -5638,7 +5644,7 @@
             <a:lstStyle/>
             <a:p>
               <a:pPr algn="ctr"/>
-              <a:endParaRPr lang="en-IN"/>
+              <a:endParaRPr lang="en-IN" dirty="0"/>
             </a:p>
           </p:txBody>
         </p:sp>
@@ -5803,7 +5809,7 @@
             <a:lstStyle/>
             <a:p>
               <a:pPr algn="ctr"/>
-              <a:endParaRPr lang="en-IN"/>
+              <a:endParaRPr lang="en-IN" dirty="0"/>
             </a:p>
           </p:txBody>
         </p:sp>
@@ -5954,7 +5960,7 @@
               <a:t>(String[ ] </a:t>
             </a:r>
             <a:r>
-              <a:rPr lang="en-IN" sz="2400" dirty="0" err="1">
+              <a:rPr lang="en-IN" sz="2400" dirty="0">
                 <a:solidFill>
                   <a:schemeClr val="tx2">
                     <a:lumMod val="50000"/>
@@ -5979,7 +5985,7 @@
               <a:t>		</a:t>
             </a:r>
             <a:r>
-              <a:rPr lang="en-IN" sz="2400" u="sng" dirty="0" err="1">
+              <a:rPr lang="en-IN" sz="2400" u="sng" dirty="0">
                 <a:solidFill>
                   <a:schemeClr val="tx2">
                     <a:lumMod val="50000"/>
@@ -6113,44 +6119,12 @@
                   <a:srgbClr val="FFFF00"/>
                 </a:solidFill>
               </a:rPr>
-              <a:t>: An </a:t>
-            </a:r>
-            <a:r>
-              <a:rPr lang="en-IN" sz="2400" dirty="0" err="1">
-                <a:solidFill>
-                  <a:srgbClr val="FFFF00"/>
-                </a:solidFill>
-              </a:rPr>
-              <a:t>insatance</a:t>
-            </a:r>
+              <a:t>: An insatance of the PrintStream class within the system class, representing the console.</a:t>
+            </a:r>
+          </a:p>
+          <a:p>
             <a:r>
               <a:rPr lang="en-IN" sz="2400" dirty="0">
-                <a:solidFill>
-                  <a:srgbClr val="FFFF00"/>
-                </a:solidFill>
-              </a:rPr>
-              <a:t> of the </a:t>
-            </a:r>
-            <a:r>
-              <a:rPr lang="en-IN" sz="2400" dirty="0" err="1">
-                <a:solidFill>
-                  <a:srgbClr val="FFFF00"/>
-                </a:solidFill>
-              </a:rPr>
-              <a:t>PrintStream</a:t>
-            </a:r>
-            <a:r>
-              <a:rPr lang="en-IN" sz="2400" dirty="0">
-                <a:solidFill>
-                  <a:srgbClr val="FFFF00"/>
-                </a:solidFill>
-              </a:rPr>
-              <a:t> class within the system class, representing the console.</a:t>
-            </a:r>
-          </a:p>
-          <a:p>
-            <a:r>
-              <a:rPr lang="en-IN" sz="2400" dirty="0" err="1">
                 <a:solidFill>
                   <a:srgbClr val="7030A0"/>
                 </a:solidFill>
@@ -6332,7 +6306,7 @@
               <a:t>(String[ ] </a:t>
             </a:r>
             <a:r>
-              <a:rPr lang="en-IN" sz="2400" dirty="0" err="1">
+              <a:rPr lang="en-IN" sz="2400" dirty="0">
                 <a:solidFill>
                   <a:schemeClr val="tx2">
                     <a:lumMod val="50000"/>
@@ -6357,7 +6331,7 @@
               <a:t>		</a:t>
             </a:r>
             <a:r>
-              <a:rPr lang="en-IN" sz="2400" u="sng" dirty="0" err="1">
+              <a:rPr lang="en-IN" sz="2400" u="sng" dirty="0">
                 <a:solidFill>
                   <a:schemeClr val="tx2">
                     <a:lumMod val="50000"/>
@@ -6984,13 +6958,13 @@
   <p:clrMapOvr>
     <a:masterClrMapping/>
   </p:clrMapOvr>
-  <mc:AlternateContent xmlns:mc="http://schemas.openxmlformats.org/markup-compatibility/2006">
-    <mc:Choice xmlns:p14="http://schemas.microsoft.com/office/powerpoint/2010/main" Requires="p14">
+  <mc:AlternateContent xmlns:mc="http://schemas.openxmlformats.org/markup-compatibility/2006" xmlns:p14="http://schemas.microsoft.com/office/powerpoint/2010/main">
+    <mc:Choice Requires="p14">
       <p:transition spd="slow" p14:dur="3000">
         <p14:shred/>
       </p:transition>
     </mc:Choice>
-    <mc:Fallback>
+    <mc:Fallback xmlns="">
       <p:transition spd="slow">
         <p:fade/>
       </p:transition>
@@ -7066,7 +7040,7 @@
           <a:lstStyle/>
           <a:p>
             <a:pPr algn="ctr"/>
-            <a:endParaRPr lang="en-IN"/>
+            <a:endParaRPr lang="en-IN" dirty="0"/>
           </a:p>
         </p:txBody>
       </p:sp>
@@ -7423,13 +7397,13 @@
   <p:clrMapOvr>
     <a:masterClrMapping/>
   </p:clrMapOvr>
-  <mc:AlternateContent xmlns:mc="http://schemas.openxmlformats.org/markup-compatibility/2006">
-    <mc:Choice xmlns:p14="http://schemas.microsoft.com/office/powerpoint/2010/main" Requires="p14">
+  <mc:AlternateContent xmlns:mc="http://schemas.openxmlformats.org/markup-compatibility/2006" xmlns:p14="http://schemas.microsoft.com/office/powerpoint/2010/main">
+    <mc:Choice Requires="p14">
       <p:transition spd="slow" p14:dur="800">
         <p14:flythrough/>
       </p:transition>
     </mc:Choice>
-    <mc:Fallback>
+    <mc:Fallback xmlns="">
       <p:transition spd="slow">
         <p:fade/>
       </p:transition>
@@ -7511,7 +7485,7 @@
           <a:lstStyle/>
           <a:p>
             <a:pPr algn="ctr"/>
-            <a:endParaRPr lang="en-IN"/>
+            <a:endParaRPr lang="en-IN" dirty="0"/>
           </a:p>
         </p:txBody>
       </p:sp>
@@ -7907,7 +7881,7 @@
           </a:p>
           <a:p>
             <a:r>
-              <a:rPr lang="en-IN" dirty="0" err="1">
+              <a:rPr lang="en-IN" dirty="0">
                 <a:solidFill>
                   <a:srgbClr val="4B86BE"/>
                 </a:solidFill>
@@ -7915,7 +7889,7 @@
               <a:t>System</a:t>
             </a:r>
             <a:r>
-              <a:rPr lang="en-IN" dirty="0" err="1">
+              <a:rPr lang="en-IN" dirty="0">
                 <a:solidFill>
                   <a:schemeClr val="bg1"/>
                 </a:solidFill>
@@ -7923,7 +7897,7 @@
               <a:t>.</a:t>
             </a:r>
             <a:r>
-              <a:rPr lang="en-IN" dirty="0" err="1">
+              <a:rPr lang="en-IN" dirty="0">
                 <a:solidFill>
                   <a:srgbClr val="4B86BE"/>
                 </a:solidFill>
@@ -7931,7 +7905,7 @@
               <a:t>out</a:t>
             </a:r>
             <a:r>
-              <a:rPr lang="en-IN" dirty="0" err="1">
+              <a:rPr lang="en-IN" dirty="0">
                 <a:solidFill>
                   <a:schemeClr val="bg1"/>
                 </a:solidFill>
@@ -7939,7 +7913,7 @@
               <a:t>.</a:t>
             </a:r>
             <a:r>
-              <a:rPr lang="en-IN" dirty="0" err="1">
+              <a:rPr lang="en-IN" dirty="0">
                 <a:solidFill>
                   <a:srgbClr val="4B86BE"/>
                 </a:solidFill>
@@ -8007,7 +7981,7 @@
           </a:p>
           <a:p>
             <a:r>
-              <a:rPr lang="en-IN" dirty="0" err="1">
+              <a:rPr lang="en-IN" dirty="0">
                 <a:solidFill>
                   <a:srgbClr val="4B86BE"/>
                 </a:solidFill>
@@ -8015,7 +7989,7 @@
               <a:t>System</a:t>
             </a:r>
             <a:r>
-              <a:rPr lang="en-IN" dirty="0" err="1">
+              <a:rPr lang="en-IN" dirty="0">
                 <a:solidFill>
                   <a:schemeClr val="bg1"/>
                 </a:solidFill>
@@ -8023,7 +7997,7 @@
               <a:t>.</a:t>
             </a:r>
             <a:r>
-              <a:rPr lang="en-IN" dirty="0" err="1">
+              <a:rPr lang="en-IN" dirty="0">
                 <a:solidFill>
                   <a:srgbClr val="4B86BE"/>
                 </a:solidFill>
@@ -8031,7 +8005,7 @@
               <a:t>out</a:t>
             </a:r>
             <a:r>
-              <a:rPr lang="en-IN" dirty="0" err="1">
+              <a:rPr lang="en-IN" dirty="0">
                 <a:solidFill>
                   <a:schemeClr val="bg1"/>
                 </a:solidFill>
@@ -8039,20 +8013,12 @@
               <a:t>.</a:t>
             </a:r>
             <a:r>
-              <a:rPr lang="en-IN" dirty="0" err="1">
+              <a:rPr lang="en-IN" dirty="0">
                 <a:solidFill>
                   <a:srgbClr val="4B86BE"/>
                 </a:solidFill>
               </a:rPr>
-              <a:t>println</a:t>
-            </a:r>
-            <a:r>
-              <a:rPr lang="en-IN" dirty="0">
-                <a:solidFill>
-                  <a:srgbClr val="4B86BE"/>
-                </a:solidFill>
-              </a:rPr>
-              <a:t>(str1 </a:t>
+              <a:t>println(str1 </a:t>
             </a:r>
             <a:r>
               <a:rPr lang="en-IN" dirty="0">
@@ -8099,7 +8065,7 @@
           </a:p>
           <a:p>
             <a:r>
-              <a:rPr lang="en-IN" dirty="0" err="1">
+              <a:rPr lang="en-IN" dirty="0">
                 <a:solidFill>
                   <a:srgbClr val="4B86BE"/>
                 </a:solidFill>
@@ -8107,7 +8073,7 @@
               <a:t>System</a:t>
             </a:r>
             <a:r>
-              <a:rPr lang="en-IN" dirty="0" err="1">
+              <a:rPr lang="en-IN" dirty="0">
                 <a:solidFill>
                   <a:schemeClr val="bg1"/>
                 </a:solidFill>
@@ -8115,7 +8081,7 @@
               <a:t>.</a:t>
             </a:r>
             <a:r>
-              <a:rPr lang="en-IN" dirty="0" err="1">
+              <a:rPr lang="en-IN" dirty="0">
                 <a:solidFill>
                   <a:srgbClr val="4B86BE"/>
                 </a:solidFill>
@@ -8123,7 +8089,7 @@
               <a:t>out</a:t>
             </a:r>
             <a:r>
-              <a:rPr lang="en-IN" dirty="0" err="1">
+              <a:rPr lang="en-IN" dirty="0">
                 <a:solidFill>
                   <a:schemeClr val="bg1"/>
                 </a:solidFill>
@@ -8131,7 +8097,7 @@
               <a:t>.</a:t>
             </a:r>
             <a:r>
-              <a:rPr lang="en-IN" dirty="0" err="1">
+              <a:rPr lang="en-IN" dirty="0">
                 <a:solidFill>
                   <a:srgbClr val="4B86BE"/>
                 </a:solidFill>
@@ -8210,27 +8176,7 @@
                   </a:schemeClr>
                 </a:solidFill>
               </a:rPr>
-              <a:t>// true (same </a:t>
-            </a:r>
-            <a:r>
-              <a:rPr lang="en-IN" dirty="0" err="1">
-                <a:solidFill>
-                  <a:schemeClr val="bg2">
-                    <a:lumMod val="75000"/>
-                  </a:schemeClr>
-                </a:solidFill>
-              </a:rPr>
-              <a:t>dcontent</a:t>
-            </a:r>
-            <a:r>
-              <a:rPr lang="en-IN" dirty="0">
-                <a:solidFill>
-                  <a:schemeClr val="bg2">
-                    <a:lumMod val="75000"/>
-                  </a:schemeClr>
-                </a:solidFill>
-              </a:rPr>
-              <a:t>)</a:t>
+              <a:t>// true (same dcontent)</a:t>
             </a:r>
           </a:p>
         </p:txBody>
@@ -8245,13 +8191,13 @@
   <p:clrMapOvr>
     <a:masterClrMapping/>
   </p:clrMapOvr>
-  <mc:AlternateContent xmlns:mc="http://schemas.openxmlformats.org/markup-compatibility/2006">
-    <mc:Choice xmlns:p14="http://schemas.microsoft.com/office/powerpoint/2010/main" Requires="p14">
+  <mc:AlternateContent xmlns:mc="http://schemas.openxmlformats.org/markup-compatibility/2006" xmlns:p14="http://schemas.microsoft.com/office/powerpoint/2010/main">
+    <mc:Choice Requires="p14">
       <p:transition spd="slow" p14:dur="2000">
         <p14:ferris dir="l"/>
       </p:transition>
     </mc:Choice>
-    <mc:Fallback>
+    <mc:Fallback xmlns="">
       <p:transition spd="slow">
         <p:fade/>
       </p:transition>
@@ -8333,7 +8279,7 @@
           <a:lstStyle/>
           <a:p>
             <a:pPr algn="ctr"/>
-            <a:endParaRPr lang="en-IN"/>
+            <a:endParaRPr lang="en-IN" dirty="0"/>
           </a:p>
         </p:txBody>
       </p:sp>
@@ -8597,7 +8543,7 @@
           </a:p>
           <a:p>
             <a:r>
-              <a:rPr lang="en-IN" dirty="0" err="1">
+              <a:rPr lang="en-IN" dirty="0">
                 <a:solidFill>
                   <a:srgbClr val="4E95D9"/>
                 </a:solidFill>
@@ -8605,7 +8551,7 @@
               <a:t>name</a:t>
             </a:r>
             <a:r>
-              <a:rPr lang="en-IN" dirty="0" err="1">
+              <a:rPr lang="en-IN" dirty="0">
                 <a:solidFill>
                   <a:schemeClr val="bg1"/>
                 </a:solidFill>
@@ -8613,7 +8559,7 @@
               <a:t>.</a:t>
             </a:r>
             <a:r>
-              <a:rPr lang="en-IN" dirty="0" err="1">
+              <a:rPr lang="en-IN" dirty="0">
                 <a:solidFill>
                   <a:srgbClr val="4E95D9"/>
                 </a:solidFill>
@@ -8631,7 +8577,7 @@
           </a:p>
           <a:p>
             <a:r>
-              <a:rPr lang="en-IN" dirty="0" err="1">
+              <a:rPr lang="en-IN" dirty="0">
                 <a:solidFill>
                   <a:srgbClr val="4E95D9"/>
                 </a:solidFill>
@@ -8639,7 +8585,7 @@
               <a:t>System</a:t>
             </a:r>
             <a:r>
-              <a:rPr lang="en-IN" dirty="0" err="1">
+              <a:rPr lang="en-IN" dirty="0">
                 <a:solidFill>
                   <a:schemeClr val="bg1"/>
                 </a:solidFill>
@@ -8647,7 +8593,7 @@
               <a:t>.</a:t>
             </a:r>
             <a:r>
-              <a:rPr lang="en-IN" dirty="0" err="1">
+              <a:rPr lang="en-IN" dirty="0">
                 <a:solidFill>
                   <a:srgbClr val="4E95D9"/>
                 </a:solidFill>
@@ -8655,7 +8601,7 @@
               <a:t>out</a:t>
             </a:r>
             <a:r>
-              <a:rPr lang="en-IN" dirty="0" err="1">
+              <a:rPr lang="en-IN" dirty="0">
                 <a:solidFill>
                   <a:schemeClr val="bg1"/>
                 </a:solidFill>
@@ -8663,7 +8609,7 @@
               <a:t>.</a:t>
             </a:r>
             <a:r>
-              <a:rPr lang="en-IN" dirty="0" err="1">
+              <a:rPr lang="en-IN" dirty="0">
                 <a:solidFill>
                   <a:srgbClr val="4E95D9"/>
                 </a:solidFill>
@@ -8747,7 +8693,7 @@
               <a:t> = </a:t>
             </a:r>
             <a:r>
-              <a:rPr lang="en-IN" dirty="0" err="1">
+              <a:rPr lang="en-IN" dirty="0">
                 <a:solidFill>
                   <a:srgbClr val="4E95D9"/>
                 </a:solidFill>
@@ -8755,7 +8701,7 @@
               <a:t>name</a:t>
             </a:r>
             <a:r>
-              <a:rPr lang="en-IN" dirty="0" err="1">
+              <a:rPr lang="en-IN" dirty="0">
                 <a:solidFill>
                   <a:schemeClr val="bg1"/>
                 </a:solidFill>
@@ -8763,7 +8709,7 @@
               <a:t>.</a:t>
             </a:r>
             <a:r>
-              <a:rPr lang="en-IN" dirty="0" err="1">
+              <a:rPr lang="en-IN" dirty="0">
                 <a:solidFill>
                   <a:srgbClr val="4E95D9"/>
                 </a:solidFill>
@@ -8818,13 +8764,13 @@
   <p:clrMapOvr>
     <a:masterClrMapping/>
   </p:clrMapOvr>
-  <mc:AlternateContent xmlns:mc="http://schemas.openxmlformats.org/markup-compatibility/2006">
-    <mc:Choice xmlns:p159="http://schemas.microsoft.com/office/powerpoint/2015/09/main" Requires="p159">
+  <mc:AlternateContent xmlns:mc="http://schemas.openxmlformats.org/markup-compatibility/2006" xmlns:p159="http://schemas.microsoft.com/office/powerpoint/2015/09/main">
+    <mc:Choice Requires="p159">
       <p:transition xmlns:p14="http://schemas.microsoft.com/office/powerpoint/2010/main" spd="slow" p14:dur="2000">
         <p159:morph option="byChar"/>
       </p:transition>
     </mc:Choice>
-    <mc:Fallback>
+    <mc:Fallback xmlns="">
       <p:transition spd="slow">
         <p:fade/>
       </p:transition>
@@ -8906,7 +8852,7 @@
           <a:lstStyle/>
           <a:p>
             <a:pPr algn="ctr"/>
-            <a:endParaRPr lang="en-IN"/>
+            <a:endParaRPr lang="en-IN" dirty="0"/>
           </a:p>
         </p:txBody>
       </p:sp>
@@ -8924,7 +8870,7 @@
         </p:nvSpPr>
         <p:spPr>
           <a:xfrm>
-            <a:off x="1822450" y="346165"/>
+            <a:off x="1822450" y="343445"/>
             <a:ext cx="8547100" cy="707886"/>
           </a:xfrm>
           <a:prstGeom prst="rect">
@@ -9191,7 +9137,7 @@
           </a:p>
           <a:p>
             <a:r>
-              <a:rPr lang="en-IN" dirty="0" err="1">
+              <a:rPr lang="en-IN" dirty="0">
                 <a:solidFill>
                   <a:srgbClr val="4E95D9"/>
                 </a:solidFill>
@@ -9199,7 +9145,7 @@
               <a:t>System</a:t>
             </a:r>
             <a:r>
-              <a:rPr lang="en-IN" dirty="0" err="1">
+              <a:rPr lang="en-IN" dirty="0">
                 <a:solidFill>
                   <a:schemeClr val="bg1"/>
                 </a:solidFill>
@@ -9207,7 +9153,7 @@
               <a:t>.</a:t>
             </a:r>
             <a:r>
-              <a:rPr lang="en-IN" dirty="0" err="1">
+              <a:rPr lang="en-IN" dirty="0">
                 <a:solidFill>
                   <a:srgbClr val="4E95D9"/>
                 </a:solidFill>
@@ -9215,7 +9161,7 @@
               <a:t>out</a:t>
             </a:r>
             <a:r>
-              <a:rPr lang="en-IN" dirty="0" err="1">
+              <a:rPr lang="en-IN" dirty="0">
                 <a:solidFill>
                   <a:schemeClr val="bg1"/>
                 </a:solidFill>
@@ -9223,7 +9169,7 @@
               <a:t>.</a:t>
             </a:r>
             <a:r>
-              <a:rPr lang="en-IN" dirty="0" err="1">
+              <a:rPr lang="en-IN" dirty="0">
                 <a:solidFill>
                   <a:srgbClr val="4E95D9"/>
                 </a:solidFill>
@@ -9239,7 +9185,7 @@
               <a:t>(</a:t>
             </a:r>
             <a:r>
-              <a:rPr lang="en-IN" dirty="0" err="1">
+              <a:rPr lang="en-IN" dirty="0">
                 <a:solidFill>
                   <a:srgbClr val="4E95D9"/>
                 </a:solidFill>
@@ -9247,7 +9193,7 @@
               <a:t>text</a:t>
             </a:r>
             <a:r>
-              <a:rPr lang="en-IN" dirty="0" err="1">
+              <a:rPr lang="en-IN" dirty="0">
                 <a:solidFill>
                   <a:schemeClr val="bg1"/>
                 </a:solidFill>
@@ -9255,7 +9201,7 @@
               <a:t>.</a:t>
             </a:r>
             <a:r>
-              <a:rPr lang="en-IN" dirty="0" err="1">
+              <a:rPr lang="en-IN" dirty="0">
                 <a:solidFill>
                   <a:srgbClr val="4E95D9"/>
                 </a:solidFill>
@@ -9304,7 +9250,7 @@
           </a:p>
           <a:p>
             <a:r>
-              <a:rPr lang="en-IN" dirty="0" err="1">
+              <a:rPr lang="en-IN" dirty="0">
                 <a:solidFill>
                   <a:srgbClr val="4E95D9"/>
                 </a:solidFill>
@@ -9312,7 +9258,7 @@
               <a:t>System</a:t>
             </a:r>
             <a:r>
-              <a:rPr lang="en-IN" dirty="0" err="1">
+              <a:rPr lang="en-IN" dirty="0">
                 <a:solidFill>
                   <a:schemeClr val="bg1"/>
                 </a:solidFill>
@@ -9320,7 +9266,7 @@
               <a:t>.</a:t>
             </a:r>
             <a:r>
-              <a:rPr lang="en-IN" dirty="0" err="1">
+              <a:rPr lang="en-IN" dirty="0">
                 <a:solidFill>
                   <a:srgbClr val="4E95D9"/>
                 </a:solidFill>
@@ -9328,7 +9274,7 @@
               <a:t>out</a:t>
             </a:r>
             <a:r>
-              <a:rPr lang="en-IN" dirty="0" err="1">
+              <a:rPr lang="en-IN" dirty="0">
                 <a:solidFill>
                   <a:schemeClr val="bg1"/>
                 </a:solidFill>
@@ -9336,7 +9282,7 @@
               <a:t>.</a:t>
             </a:r>
             <a:r>
-              <a:rPr lang="en-IN" dirty="0" err="1">
+              <a:rPr lang="en-IN" dirty="0">
                 <a:solidFill>
                   <a:srgbClr val="4E95D9"/>
                 </a:solidFill>
@@ -9352,7 +9298,7 @@
               <a:t>(</a:t>
             </a:r>
             <a:r>
-              <a:rPr lang="en-IN" dirty="0" err="1">
+              <a:rPr lang="en-IN" dirty="0">
                 <a:solidFill>
                   <a:srgbClr val="4E95D9"/>
                 </a:solidFill>
@@ -9360,7 +9306,7 @@
               <a:t>text</a:t>
             </a:r>
             <a:r>
-              <a:rPr lang="en-IN" dirty="0" err="1">
+              <a:rPr lang="en-IN" dirty="0">
                 <a:solidFill>
                   <a:schemeClr val="bg1"/>
                 </a:solidFill>
@@ -9368,7 +9314,7 @@
               <a:t>.</a:t>
             </a:r>
             <a:r>
-              <a:rPr lang="en-IN" dirty="0" err="1">
+              <a:rPr lang="en-IN" dirty="0">
                 <a:solidFill>
                   <a:srgbClr val="4E95D9"/>
                 </a:solidFill>
@@ -9417,7 +9363,7 @@
           </a:p>
           <a:p>
             <a:r>
-              <a:rPr lang="en-IN" dirty="0" err="1">
+              <a:rPr lang="en-IN" dirty="0">
                 <a:solidFill>
                   <a:srgbClr val="4E95D9"/>
                 </a:solidFill>
@@ -9425,7 +9371,7 @@
               <a:t>System</a:t>
             </a:r>
             <a:r>
-              <a:rPr lang="en-IN" dirty="0" err="1">
+              <a:rPr lang="en-IN" dirty="0">
                 <a:solidFill>
                   <a:schemeClr val="bg1"/>
                 </a:solidFill>
@@ -9433,7 +9379,7 @@
               <a:t>.</a:t>
             </a:r>
             <a:r>
-              <a:rPr lang="en-IN" dirty="0" err="1">
+              <a:rPr lang="en-IN" dirty="0">
                 <a:solidFill>
                   <a:srgbClr val="4E95D9"/>
                 </a:solidFill>
@@ -9441,7 +9387,7 @@
               <a:t>out</a:t>
             </a:r>
             <a:r>
-              <a:rPr lang="en-IN" dirty="0" err="1">
+              <a:rPr lang="en-IN" dirty="0">
                 <a:solidFill>
                   <a:schemeClr val="bg1"/>
                 </a:solidFill>
@@ -9449,7 +9395,7 @@
               <a:t>.</a:t>
             </a:r>
             <a:r>
-              <a:rPr lang="en-IN" dirty="0" err="1">
+              <a:rPr lang="en-IN" dirty="0">
                 <a:solidFill>
                   <a:srgbClr val="4E95D9"/>
                 </a:solidFill>
@@ -9465,7 +9411,7 @@
               <a:t>(</a:t>
             </a:r>
             <a:r>
-              <a:rPr lang="en-IN" dirty="0" err="1">
+              <a:rPr lang="en-IN" dirty="0">
                 <a:solidFill>
                   <a:srgbClr val="4E95D9"/>
                 </a:solidFill>
@@ -9473,7 +9419,7 @@
               <a:t>text</a:t>
             </a:r>
             <a:r>
-              <a:rPr lang="en-IN" dirty="0" err="1">
+              <a:rPr lang="en-IN" dirty="0">
                 <a:solidFill>
                   <a:schemeClr val="bg1"/>
                 </a:solidFill>
@@ -9481,7 +9427,7 @@
               <a:t>.</a:t>
             </a:r>
             <a:r>
-              <a:rPr lang="en-IN" dirty="0" err="1">
+              <a:rPr lang="en-IN" dirty="0">
                 <a:solidFill>
                   <a:srgbClr val="4E95D9"/>
                 </a:solidFill>
@@ -9525,61 +9471,20 @@
                   </a:schemeClr>
                 </a:solidFill>
               </a:rPr>
-              <a:t>//Contains, </a:t>
-            </a:r>
-            <a:r>
-              <a:rPr lang="en-IN" dirty="0" err="1">
-                <a:solidFill>
-                  <a:schemeClr val="tx1">
-                    <a:lumMod val="50000"/>
-                    <a:lumOff val="50000"/>
-                  </a:schemeClr>
-                </a:solidFill>
-              </a:rPr>
-              <a:t>startWith</a:t>
-            </a:r>
+              <a:t>//Contains, startWith, endsWith</a:t>
+            </a:r>
+          </a:p>
+          <a:p>
             <a:r>
               <a:rPr lang="en-IN" dirty="0">
                 <a:solidFill>
-                  <a:schemeClr val="tx1">
-                    <a:lumMod val="50000"/>
-                    <a:lumOff val="50000"/>
-                  </a:schemeClr>
-                </a:solidFill>
-              </a:rPr>
-              <a:t>, </a:t>
-            </a:r>
-            <a:r>
-              <a:rPr lang="en-IN" dirty="0" err="1">
-                <a:solidFill>
-                  <a:schemeClr val="tx1">
-                    <a:lumMod val="50000"/>
-                    <a:lumOff val="50000"/>
-                  </a:schemeClr>
-                </a:solidFill>
-              </a:rPr>
-              <a:t>endsWith</a:t>
-            </a:r>
-            <a:endParaRPr lang="en-IN" dirty="0">
-              <a:solidFill>
-                <a:schemeClr val="tx1">
-                  <a:lumMod val="50000"/>
-                  <a:lumOff val="50000"/>
-                </a:schemeClr>
-              </a:solidFill>
-            </a:endParaRPr>
-          </a:p>
-          <a:p>
-            <a:r>
-              <a:rPr lang="en-IN" dirty="0" err="1">
-                <a:solidFill>
                   <a:srgbClr val="4E95D9"/>
                 </a:solidFill>
               </a:rPr>
               <a:t>System</a:t>
             </a:r>
             <a:r>
-              <a:rPr lang="en-IN" dirty="0" err="1">
+              <a:rPr lang="en-IN" dirty="0">
                 <a:solidFill>
                   <a:schemeClr val="bg1"/>
                 </a:solidFill>
@@ -9587,7 +9492,7 @@
               <a:t>.</a:t>
             </a:r>
             <a:r>
-              <a:rPr lang="en-IN" dirty="0" err="1">
+              <a:rPr lang="en-IN" dirty="0">
                 <a:solidFill>
                   <a:srgbClr val="4E95D9"/>
                 </a:solidFill>
@@ -9595,7 +9500,7 @@
               <a:t>out</a:t>
             </a:r>
             <a:r>
-              <a:rPr lang="en-IN" dirty="0" err="1">
+              <a:rPr lang="en-IN" dirty="0">
                 <a:solidFill>
                   <a:schemeClr val="bg1"/>
                 </a:solidFill>
@@ -9603,7 +9508,7 @@
               <a:t>.</a:t>
             </a:r>
             <a:r>
-              <a:rPr lang="en-IN" dirty="0" err="1">
+              <a:rPr lang="en-IN" dirty="0">
                 <a:solidFill>
                   <a:srgbClr val="4E95D9"/>
                 </a:solidFill>
@@ -9619,7 +9524,7 @@
               <a:t>(</a:t>
             </a:r>
             <a:r>
-              <a:rPr lang="en-IN" dirty="0" err="1">
+              <a:rPr lang="en-IN" dirty="0">
                 <a:solidFill>
                   <a:srgbClr val="4E95D9"/>
                 </a:solidFill>
@@ -9627,7 +9532,7 @@
               <a:t>text</a:t>
             </a:r>
             <a:r>
-              <a:rPr lang="en-IN" dirty="0" err="1">
+              <a:rPr lang="en-IN" dirty="0">
                 <a:solidFill>
                   <a:schemeClr val="bg1"/>
                 </a:solidFill>
@@ -9635,7 +9540,7 @@
               <a:t>.</a:t>
             </a:r>
             <a:r>
-              <a:rPr lang="en-IN" dirty="0" err="1">
+              <a:rPr lang="en-IN" dirty="0">
                 <a:solidFill>
                   <a:srgbClr val="4E95D9"/>
                 </a:solidFill>
@@ -9700,7 +9605,7 @@
           </a:p>
           <a:p>
             <a:r>
-              <a:rPr lang="en-IN" dirty="0" err="1">
+              <a:rPr lang="en-IN" dirty="0">
                 <a:solidFill>
                   <a:srgbClr val="4E95D9"/>
                 </a:solidFill>
@@ -9708,7 +9613,7 @@
               <a:t>System</a:t>
             </a:r>
             <a:r>
-              <a:rPr lang="en-IN" dirty="0" err="1">
+              <a:rPr lang="en-IN" dirty="0">
                 <a:solidFill>
                   <a:schemeClr val="bg1"/>
                 </a:solidFill>
@@ -9716,7 +9621,7 @@
               <a:t>.</a:t>
             </a:r>
             <a:r>
-              <a:rPr lang="en-IN" dirty="0" err="1">
+              <a:rPr lang="en-IN" dirty="0">
                 <a:solidFill>
                   <a:srgbClr val="4E95D9"/>
                 </a:solidFill>
@@ -9724,7 +9629,7 @@
               <a:t>out</a:t>
             </a:r>
             <a:r>
-              <a:rPr lang="en-IN" dirty="0" err="1">
+              <a:rPr lang="en-IN" dirty="0">
                 <a:solidFill>
                   <a:schemeClr val="bg1"/>
                 </a:solidFill>
@@ -9732,7 +9637,7 @@
               <a:t>.</a:t>
             </a:r>
             <a:r>
-              <a:rPr lang="en-IN" dirty="0" err="1">
+              <a:rPr lang="en-IN" dirty="0">
                 <a:solidFill>
                   <a:srgbClr val="4E95D9"/>
                 </a:solidFill>
@@ -9748,7 +9653,7 @@
               <a:t>(</a:t>
             </a:r>
             <a:r>
-              <a:rPr lang="en-IN" dirty="0" err="1">
+              <a:rPr lang="en-IN" dirty="0">
                 <a:solidFill>
                   <a:srgbClr val="4E95D9"/>
                 </a:solidFill>
@@ -9756,7 +9661,7 @@
               <a:t>text</a:t>
             </a:r>
             <a:r>
-              <a:rPr lang="en-IN" dirty="0" err="1">
+              <a:rPr lang="en-IN" dirty="0">
                 <a:solidFill>
                   <a:schemeClr val="bg1"/>
                 </a:solidFill>
@@ -9764,7 +9669,7 @@
               <a:t>.</a:t>
             </a:r>
             <a:r>
-              <a:rPr lang="en-IN" dirty="0" err="1">
+              <a:rPr lang="en-IN" dirty="0">
                 <a:solidFill>
                   <a:srgbClr val="4E95D9"/>
                 </a:solidFill>
@@ -9824,13 +9729,13 @@
   <p:clrMapOvr>
     <a:masterClrMapping/>
   </p:clrMapOvr>
-  <mc:AlternateContent xmlns:mc="http://schemas.openxmlformats.org/markup-compatibility/2006">
-    <mc:Choice xmlns:p159="http://schemas.microsoft.com/office/powerpoint/2015/09/main" Requires="p159">
+  <mc:AlternateContent xmlns:mc="http://schemas.openxmlformats.org/markup-compatibility/2006" xmlns:p159="http://schemas.microsoft.com/office/powerpoint/2015/09/main">
+    <mc:Choice Requires="p159">
       <p:transition xmlns:p14="http://schemas.microsoft.com/office/powerpoint/2010/main" spd="slow" p14:dur="2000">
         <p159:morph option="byChar"/>
       </p:transition>
     </mc:Choice>
-    <mc:Fallback>
+    <mc:Fallback xmlns="">
       <p:transition spd="slow">
         <p:fade/>
       </p:transition>
@@ -9984,13 +9889,13 @@
   <p:clrMapOvr>
     <a:masterClrMapping/>
   </p:clrMapOvr>
-  <mc:AlternateContent xmlns:mc="http://schemas.openxmlformats.org/markup-compatibility/2006">
-    <mc:Choice xmlns:p15="http://schemas.microsoft.com/office/powerpoint/2012/main" Requires="p15">
+  <mc:AlternateContent xmlns:mc="http://schemas.openxmlformats.org/markup-compatibility/2006" xmlns:p15="http://schemas.microsoft.com/office/powerpoint/2012/main">
+    <mc:Choice Requires="p15">
       <p:transition xmlns:p14="http://schemas.microsoft.com/office/powerpoint/2010/main" spd="slow" p14:dur="2000">
         <p15:prstTrans prst="fallOver"/>
       </p:transition>
     </mc:Choice>
-    <mc:Fallback>
+    <mc:Fallback xmlns="">
       <p:transition spd="slow">
         <p:fade/>
       </p:transition>
@@ -10172,13 +10077,13 @@
   <p:clrMapOvr>
     <a:masterClrMapping/>
   </p:clrMapOvr>
-  <mc:AlternateContent xmlns:mc="http://schemas.openxmlformats.org/markup-compatibility/2006">
-    <mc:Choice xmlns:p14="http://schemas.microsoft.com/office/powerpoint/2010/main" Requires="p14">
+  <mc:AlternateContent xmlns:mc="http://schemas.openxmlformats.org/markup-compatibility/2006" xmlns:p14="http://schemas.microsoft.com/office/powerpoint/2010/main">
+    <mc:Choice Requires="p14">
       <p:transition spd="slow" p14:dur="900">
         <p14:flythrough hasBounce="1"/>
       </p:transition>
     </mc:Choice>
-    <mc:Fallback>
+    <mc:Fallback xmlns="">
       <p:transition spd="slow">
         <p:fade/>
       </p:transition>
@@ -12184,13 +12089,13 @@
   <p:clrMapOvr>
     <a:masterClrMapping/>
   </p:clrMapOvr>
-  <mc:AlternateContent xmlns:mc="http://schemas.openxmlformats.org/markup-compatibility/2006">
-    <mc:Choice xmlns:p15="http://schemas.microsoft.com/office/powerpoint/2012/main" Requires="p15">
+  <mc:AlternateContent xmlns:mc="http://schemas.openxmlformats.org/markup-compatibility/2006" xmlns:p15="http://schemas.microsoft.com/office/powerpoint/2012/main">
+    <mc:Choice Requires="p15">
       <p:transition xmlns:p14="http://schemas.microsoft.com/office/powerpoint/2010/main" spd="slow" p14:dur="1250">
         <p15:prstTrans prst="pageCurlDouble"/>
       </p:transition>
     </mc:Choice>
-    <mc:Fallback>
+    <mc:Fallback xmlns="">
       <p:transition spd="slow">
         <p:fade/>
       </p:transition>
@@ -12260,20 +12165,12 @@
               <a:t>C</a:t>
             </a:r>
             <a:r>
-              <a:rPr lang="en-IN" sz="8000" b="1" dirty="0" err="1">
+              <a:rPr lang="en-IN" sz="8000" b="1" dirty="0">
                 <a:solidFill>
                   <a:srgbClr val="7030A0"/>
                 </a:solidFill>
               </a:rPr>
-              <a:t>onditional</a:t>
-            </a:r>
-            <a:r>
-              <a:rPr lang="en-IN" sz="8000" b="1" dirty="0">
-                <a:solidFill>
-                  <a:srgbClr val="7030A0"/>
-                </a:solidFill>
-              </a:rPr>
-              <a:t> Statements</a:t>
+              <a:t>onditional Statements</a:t>
             </a:r>
           </a:p>
         </p:txBody>
@@ -12316,20 +12213,12 @@
               <a:t>R</a:t>
             </a:r>
             <a:r>
-              <a:rPr lang="en-IN" sz="6000" b="1" dirty="0" err="1">
+              <a:rPr lang="en-IN" sz="6000" b="1" dirty="0">
                 <a:solidFill>
                   <a:schemeClr val="bg1"/>
                 </a:solidFill>
               </a:rPr>
-              <a:t>elational</a:t>
-            </a:r>
-            <a:r>
-              <a:rPr lang="en-IN" sz="6000" b="1" dirty="0">
-                <a:solidFill>
-                  <a:schemeClr val="bg1"/>
-                </a:solidFill>
-              </a:rPr>
-              <a:t> Operators</a:t>
+              <a:t>elational Operators</a:t>
             </a:r>
           </a:p>
           <a:p>
@@ -12363,13 +12252,13 @@
   <p:clrMapOvr>
     <a:masterClrMapping/>
   </p:clrMapOvr>
-  <mc:AlternateContent xmlns:mc="http://schemas.openxmlformats.org/markup-compatibility/2006">
-    <mc:Choice xmlns:p15="http://schemas.microsoft.com/office/powerpoint/2012/main" Requires="p15">
+  <mc:AlternateContent xmlns:mc="http://schemas.openxmlformats.org/markup-compatibility/2006" xmlns:p15="http://schemas.microsoft.com/office/powerpoint/2012/main">
+    <mc:Choice Requires="p15">
       <p:transition xmlns:p14="http://schemas.microsoft.com/office/powerpoint/2010/main" spd="slow" p14:dur="1250">
         <p15:prstTrans prst="pageCurlDouble"/>
       </p:transition>
     </mc:Choice>
-    <mc:Fallback>
+    <mc:Fallback xmlns="">
       <p:transition spd="slow">
         <p:fade/>
       </p:transition>
@@ -12439,20 +12328,12 @@
               <a:t>R</a:t>
             </a:r>
             <a:r>
-              <a:rPr lang="en-IN" sz="8000" b="1" dirty="0" err="1">
+              <a:rPr lang="en-IN" sz="8000" b="1" dirty="0">
                 <a:solidFill>
                   <a:srgbClr val="7030A0"/>
                 </a:solidFill>
               </a:rPr>
-              <a:t>elational</a:t>
-            </a:r>
-            <a:r>
-              <a:rPr lang="en-IN" sz="8000" b="1" dirty="0">
-                <a:solidFill>
-                  <a:srgbClr val="7030A0"/>
-                </a:solidFill>
-              </a:rPr>
-              <a:t> Operators</a:t>
+              <a:t>elational Operators</a:t>
             </a:r>
           </a:p>
         </p:txBody>
@@ -12578,13 +12459,13 @@
   <p:clrMapOvr>
     <a:masterClrMapping/>
   </p:clrMapOvr>
-  <mc:AlternateContent xmlns:mc="http://schemas.openxmlformats.org/markup-compatibility/2006">
-    <mc:Choice xmlns:p14="http://schemas.microsoft.com/office/powerpoint/2010/main" Requires="p14">
+  <mc:AlternateContent xmlns:mc="http://schemas.openxmlformats.org/markup-compatibility/2006" xmlns:p14="http://schemas.microsoft.com/office/powerpoint/2010/main">
+    <mc:Choice Requires="p14">
       <p:transition spd="slow" p14:dur="900">
         <p14:warp dir="in"/>
       </p:transition>
     </mc:Choice>
-    <mc:Fallback>
+    <mc:Fallback xmlns="">
       <p:transition spd="slow">
         <p:fade/>
       </p:transition>
@@ -12691,23 +12572,7 @@
                   <a:schemeClr val="bg1"/>
                 </a:solidFill>
               </a:rPr>
-              <a:t>Logical operators are used to combine multiple Boolean </a:t>
-            </a:r>
-            <a:r>
-              <a:rPr lang="en-US" sz="4000" b="1" dirty="0" err="1">
-                <a:solidFill>
-                  <a:schemeClr val="bg1"/>
-                </a:solidFill>
-              </a:rPr>
-              <a:t>expresssions</a:t>
-            </a:r>
-            <a:r>
-              <a:rPr lang="en-US" sz="4000" b="1" dirty="0">
-                <a:solidFill>
-                  <a:schemeClr val="bg1"/>
-                </a:solidFill>
-              </a:rPr>
-              <a:t> or conditions</a:t>
+              <a:t>Logical operators are used to combine multiple Boolean expresssions or conditions</a:t>
             </a:r>
           </a:p>
           <a:p>
@@ -12768,13 +12633,13 @@
   <p:clrMapOvr>
     <a:masterClrMapping/>
   </p:clrMapOvr>
-  <mc:AlternateContent xmlns:mc="http://schemas.openxmlformats.org/markup-compatibility/2006">
-    <mc:Choice xmlns:p14="http://schemas.microsoft.com/office/powerpoint/2010/main" Requires="p14">
+  <mc:AlternateContent xmlns:mc="http://schemas.openxmlformats.org/markup-compatibility/2006" xmlns:p14="http://schemas.microsoft.com/office/powerpoint/2010/main">
+    <mc:Choice Requires="p14">
       <p:transition spd="slow" p14:dur="900">
         <p14:warp dir="in"/>
       </p:transition>
     </mc:Choice>
-    <mc:Fallback>
+    <mc:Fallback xmlns="">
       <p:transition spd="slow">
         <p:fade/>
       </p:transition>
@@ -13783,10 +13648,3497 @@
   <p:clrMapOvr>
     <a:masterClrMapping/>
   </p:clrMapOvr>
+  <mc:AlternateContent xmlns:mc="http://schemas.openxmlformats.org/markup-compatibility/2006" xmlns:p15="http://schemas.microsoft.com/office/powerpoint/2012/main">
+    <mc:Choice Requires="p15">
+      <p:transition xmlns:p14="http://schemas.microsoft.com/office/powerpoint/2010/main" spd="slow" p14:dur="1250">
+        <p15:prstTrans prst="pageCurlDouble"/>
+      </p:transition>
+    </mc:Choice>
+    <mc:Fallback xmlns="">
+      <p:transition spd="slow">
+        <p:fade/>
+      </p:transition>
+    </mc:Fallback>
+  </mc:AlternateContent>
+</p:sld>
+</file>
+
+<file path=ppt/slides/slide25.xml><?xml version="1.0" encoding="utf-8"?>
+<p:sld xmlns:a="http://schemas.openxmlformats.org/drawingml/2006/main" xmlns:r="http://schemas.openxmlformats.org/officeDocument/2006/relationships" xmlns:p="http://schemas.openxmlformats.org/presentationml/2006/main">
+  <p:cSld>
+    <p:spTree>
+      <p:nvGrpSpPr>
+        <p:cNvPr id="1" name=""/>
+        <p:cNvGrpSpPr/>
+        <p:nvPr/>
+      </p:nvGrpSpPr>
+      <p:grpSpPr>
+        <a:xfrm>
+          <a:off x="0" y="0"/>
+          <a:ext cx="0" cy="0"/>
+          <a:chOff x="0" y="0"/>
+          <a:chExt cx="0" cy="0"/>
+        </a:xfrm>
+      </p:grpSpPr>
+      <p:sp>
+        <p:nvSpPr>
+          <p:cNvPr id="4" name="TextBox 3">
+            <a:extLst>
+              <a:ext uri="{FF2B5EF4-FFF2-40B4-BE49-F238E27FC236}">
+                <a16:creationId xmlns:a16="http://schemas.microsoft.com/office/drawing/2014/main" id="{A9EC2F8B-BAF1-6B8E-1EC1-B0EC00532693}"/>
+              </a:ext>
+            </a:extLst>
+          </p:cNvPr>
+          <p:cNvSpPr txBox="1"/>
+          <p:nvPr/>
+        </p:nvSpPr>
+        <p:spPr>
+          <a:xfrm>
+            <a:off x="1097280" y="441960"/>
+            <a:ext cx="10576560" cy="1015663"/>
+          </a:xfrm>
+          <a:prstGeom prst="rect">
+            <a:avLst/>
+          </a:prstGeom>
+          <a:noFill/>
+        </p:spPr>
+        <p:txBody>
+          <a:bodyPr wrap="square" rtlCol="0">
+            <a:spAutoFit/>
+          </a:bodyPr>
+          <a:lstStyle/>
+          <a:p>
+            <a:pPr algn="ctr"/>
+            <a:r>
+              <a:rPr lang="en-IN" sz="6000" b="1" dirty="0">
+                <a:solidFill>
+                  <a:srgbClr val="7030A0"/>
+                </a:solidFill>
+              </a:rPr>
+              <a:t>Conditional Statements</a:t>
+            </a:r>
+          </a:p>
+        </p:txBody>
+      </p:sp>
+      <p:sp>
+        <p:nvSpPr>
+          <p:cNvPr id="5" name="TextBox 4">
+            <a:extLst>
+              <a:ext uri="{FF2B5EF4-FFF2-40B4-BE49-F238E27FC236}">
+                <a16:creationId xmlns:a16="http://schemas.microsoft.com/office/drawing/2014/main" id="{E9A31195-0DC1-7653-B8C9-F1C1A39CB102}"/>
+              </a:ext>
+            </a:extLst>
+          </p:cNvPr>
+          <p:cNvSpPr txBox="1"/>
+          <p:nvPr/>
+        </p:nvSpPr>
+        <p:spPr>
+          <a:xfrm>
+            <a:off x="807720" y="1459409"/>
+            <a:ext cx="10576560" cy="1446550"/>
+          </a:xfrm>
+          <a:prstGeom prst="rect">
+            <a:avLst/>
+          </a:prstGeom>
+          <a:noFill/>
+        </p:spPr>
+        <p:txBody>
+          <a:bodyPr wrap="square" rtlCol="0">
+            <a:spAutoFit/>
+          </a:bodyPr>
+          <a:lstStyle/>
+          <a:p>
+            <a:pPr algn="ctr"/>
+            <a:r>
+              <a:rPr lang="en-IN" sz="4400" baseline="-25000" dirty="0">
+                <a:solidFill>
+                  <a:schemeClr val="bg1"/>
+                </a:solidFill>
+              </a:rPr>
+              <a:t>Conditional Statements in java allows the program to make decision based on conditions and execute specific blocks of code depending on the outcome.</a:t>
+            </a:r>
+          </a:p>
+        </p:txBody>
+      </p:sp>
+      <p:sp>
+        <p:nvSpPr>
+          <p:cNvPr id="6" name="TextBox 5">
+            <a:extLst>
+              <a:ext uri="{FF2B5EF4-FFF2-40B4-BE49-F238E27FC236}">
+                <a16:creationId xmlns:a16="http://schemas.microsoft.com/office/drawing/2014/main" id="{5B3938D7-580C-7EE6-C4F9-7983EADD094B}"/>
+              </a:ext>
+            </a:extLst>
+          </p:cNvPr>
+          <p:cNvSpPr txBox="1"/>
+          <p:nvPr/>
+        </p:nvSpPr>
+        <p:spPr>
+          <a:xfrm>
+            <a:off x="640080" y="3151049"/>
+            <a:ext cx="11216640" cy="2800767"/>
+          </a:xfrm>
+          <a:prstGeom prst="rect">
+            <a:avLst/>
+          </a:prstGeom>
+          <a:noFill/>
+        </p:spPr>
+        <p:txBody>
+          <a:bodyPr wrap="square" rtlCol="0">
+            <a:spAutoFit/>
+          </a:bodyPr>
+          <a:lstStyle/>
+          <a:p>
+            <a:r>
+              <a:rPr lang="en-IN" sz="4400" baseline="-25000" dirty="0">
+                <a:solidFill>
+                  <a:schemeClr val="bg1"/>
+                </a:solidFill>
+              </a:rPr>
+              <a:t>1.If Statement</a:t>
+            </a:r>
+          </a:p>
+          <a:p>
+            <a:r>
+              <a:rPr lang="en-IN" sz="4400" baseline="-25000" dirty="0">
+                <a:solidFill>
+                  <a:schemeClr val="bg1"/>
+                </a:solidFill>
+              </a:rPr>
+              <a:t>2. if-else Statement</a:t>
+            </a:r>
+          </a:p>
+          <a:p>
+            <a:r>
+              <a:rPr lang="en-IN" sz="4400" baseline="-25000" dirty="0">
+                <a:solidFill>
+                  <a:schemeClr val="bg1"/>
+                </a:solidFill>
+              </a:rPr>
+              <a:t>3. if-else if Ladder</a:t>
+            </a:r>
+          </a:p>
+          <a:p>
+            <a:r>
+              <a:rPr lang="en-IN" sz="4400" baseline="-25000" dirty="0">
+                <a:solidFill>
+                  <a:schemeClr val="bg1"/>
+                </a:solidFill>
+              </a:rPr>
+              <a:t>4. Switch statement (works with int, char, String, and enum types)</a:t>
+            </a:r>
+          </a:p>
+          <a:p>
+            <a:r>
+              <a:rPr lang="en-IN" sz="4400" baseline="-25000" dirty="0">
+                <a:solidFill>
+                  <a:schemeClr val="bg1"/>
+                </a:solidFill>
+              </a:rPr>
+              <a:t>5. Ternary Operator ( Variable = (condition) ? Value_if_true:     	value_if_false;)</a:t>
+            </a:r>
+          </a:p>
+        </p:txBody>
+      </p:sp>
+    </p:spTree>
+    <p:extLst>
+      <p:ext uri="{BB962C8B-B14F-4D97-AF65-F5344CB8AC3E}">
+        <p14:creationId xmlns:p14="http://schemas.microsoft.com/office/powerpoint/2010/main" val="2979921374"/>
+      </p:ext>
+    </p:extLst>
+  </p:cSld>
+  <p:clrMapOvr>
+    <a:masterClrMapping/>
+  </p:clrMapOvr>
+  <mc:AlternateContent xmlns:mc="http://schemas.openxmlformats.org/markup-compatibility/2006" xmlns:p15="http://schemas.microsoft.com/office/powerpoint/2012/main">
+    <mc:Choice Requires="p15">
+      <p:transition xmlns:p14="http://schemas.microsoft.com/office/powerpoint/2010/main" spd="slow" p14:dur="1250">
+        <p15:prstTrans prst="pageCurlDouble"/>
+      </p:transition>
+    </mc:Choice>
+    <mc:Fallback xmlns="">
+      <p:transition spd="slow">
+        <p:fade/>
+      </p:transition>
+    </mc:Fallback>
+  </mc:AlternateContent>
+</p:sld>
+</file>
+
+<file path=ppt/slides/slide26.xml><?xml version="1.0" encoding="utf-8"?>
+<p:sld xmlns:a="http://schemas.openxmlformats.org/drawingml/2006/main" xmlns:r="http://schemas.openxmlformats.org/officeDocument/2006/relationships" xmlns:p="http://schemas.openxmlformats.org/presentationml/2006/main">
+  <p:cSld>
+    <p:spTree>
+      <p:nvGrpSpPr>
+        <p:cNvPr id="1" name=""/>
+        <p:cNvGrpSpPr/>
+        <p:nvPr/>
+      </p:nvGrpSpPr>
+      <p:grpSpPr>
+        <a:xfrm>
+          <a:off x="0" y="0"/>
+          <a:ext cx="0" cy="0"/>
+          <a:chOff x="0" y="0"/>
+          <a:chExt cx="0" cy="0"/>
+        </a:xfrm>
+      </p:grpSpPr>
+      <p:sp>
+        <p:nvSpPr>
+          <p:cNvPr id="13" name="TextBox 12">
+            <a:extLst>
+              <a:ext uri="{FF2B5EF4-FFF2-40B4-BE49-F238E27FC236}">
+                <a16:creationId xmlns:a16="http://schemas.microsoft.com/office/drawing/2014/main" id="{7DB41CE7-9752-5FE6-2584-CF8259D60D2A}"/>
+              </a:ext>
+            </a:extLst>
+          </p:cNvPr>
+          <p:cNvSpPr txBox="1"/>
+          <p:nvPr/>
+        </p:nvSpPr>
+        <p:spPr>
+          <a:xfrm>
+            <a:off x="1886990" y="1851645"/>
+            <a:ext cx="8418021" cy="3154710"/>
+          </a:xfrm>
+          <a:prstGeom prst="rect">
+            <a:avLst/>
+          </a:prstGeom>
+          <a:noFill/>
+        </p:spPr>
+        <p:txBody>
+          <a:bodyPr wrap="square" rtlCol="0">
+            <a:spAutoFit/>
+          </a:bodyPr>
+          <a:lstStyle/>
+          <a:p>
+            <a:r>
+              <a:rPr lang="en-IN" sz="19900" b="1" dirty="0">
+                <a:solidFill>
+                  <a:schemeClr val="bg1"/>
+                </a:solidFill>
+              </a:rPr>
+              <a:t>LOOPS</a:t>
+            </a:r>
+            <a:endParaRPr lang="en-IN" sz="2400" b="1" dirty="0">
+              <a:solidFill>
+                <a:schemeClr val="bg1"/>
+              </a:solidFill>
+            </a:endParaRPr>
+          </a:p>
+        </p:txBody>
+      </p:sp>
+    </p:spTree>
+    <p:extLst>
+      <p:ext uri="{BB962C8B-B14F-4D97-AF65-F5344CB8AC3E}">
+        <p14:creationId xmlns:p14="http://schemas.microsoft.com/office/powerpoint/2010/main" val="3107189812"/>
+      </p:ext>
+    </p:extLst>
+  </p:cSld>
+  <p:clrMapOvr>
+    <a:masterClrMapping/>
+  </p:clrMapOvr>
+  <mc:AlternateContent xmlns:mc="http://schemas.openxmlformats.org/markup-compatibility/2006" xmlns:p15="http://schemas.microsoft.com/office/powerpoint/2012/main">
+    <mc:Choice Requires="p15">
+      <p:transition xmlns:p14="http://schemas.microsoft.com/office/powerpoint/2010/main" spd="slow" p14:dur="2000">
+        <p15:prstTrans prst="crush"/>
+      </p:transition>
+    </mc:Choice>
+    <mc:Fallback xmlns="">
+      <p:transition spd="slow">
+        <p:fade/>
+      </p:transition>
+    </mc:Fallback>
+  </mc:AlternateContent>
+</p:sld>
+</file>
+
+<file path=ppt/slides/slide27.xml><?xml version="1.0" encoding="utf-8"?>
+<p:sld xmlns:a="http://schemas.openxmlformats.org/drawingml/2006/main" xmlns:r="http://schemas.openxmlformats.org/officeDocument/2006/relationships" xmlns:p="http://schemas.openxmlformats.org/presentationml/2006/main">
+  <p:cSld>
+    <p:spTree>
+      <p:nvGrpSpPr>
+        <p:cNvPr id="1" name=""/>
+        <p:cNvGrpSpPr/>
+        <p:nvPr/>
+      </p:nvGrpSpPr>
+      <p:grpSpPr>
+        <a:xfrm>
+          <a:off x="0" y="0"/>
+          <a:ext cx="0" cy="0"/>
+          <a:chOff x="0" y="0"/>
+          <a:chExt cx="0" cy="0"/>
+        </a:xfrm>
+      </p:grpSpPr>
+      <p:sp>
+        <p:nvSpPr>
+          <p:cNvPr id="2" name="TextBox 1">
+            <a:extLst>
+              <a:ext uri="{FF2B5EF4-FFF2-40B4-BE49-F238E27FC236}">
+                <a16:creationId xmlns:a16="http://schemas.microsoft.com/office/drawing/2014/main" id="{3D099981-C0EB-D250-3633-B3FBFB49805A}"/>
+              </a:ext>
+            </a:extLst>
+          </p:cNvPr>
+          <p:cNvSpPr txBox="1"/>
+          <p:nvPr/>
+        </p:nvSpPr>
+        <p:spPr>
+          <a:xfrm>
+            <a:off x="484910" y="1720840"/>
+            <a:ext cx="11222181" cy="3046988"/>
+          </a:xfrm>
+          <a:prstGeom prst="rect">
+            <a:avLst/>
+          </a:prstGeom>
+          <a:noFill/>
+        </p:spPr>
+        <p:txBody>
+          <a:bodyPr wrap="square" rtlCol="0">
+            <a:spAutoFit/>
+          </a:bodyPr>
+          <a:lstStyle/>
+          <a:p>
+            <a:pPr marL="342900" indent="-342900">
+              <a:buAutoNum type="arabicPeriod"/>
+            </a:pPr>
+            <a:r>
+              <a:rPr lang="en-IN" sz="4800" b="1" dirty="0">
+                <a:solidFill>
+                  <a:schemeClr val="bg1"/>
+                </a:solidFill>
+              </a:rPr>
+              <a:t>For Loop</a:t>
+            </a:r>
+          </a:p>
+          <a:p>
+            <a:pPr marL="342900" indent="-342900">
+              <a:buAutoNum type="arabicPeriod"/>
+            </a:pPr>
+            <a:r>
+              <a:rPr lang="en-IN" sz="4800" b="1" dirty="0">
+                <a:solidFill>
+                  <a:schemeClr val="bg1"/>
+                </a:solidFill>
+              </a:rPr>
+              <a:t>Enhanced  for Loop (for-each Loop)</a:t>
+            </a:r>
+          </a:p>
+          <a:p>
+            <a:pPr marL="342900" indent="-342900">
+              <a:buAutoNum type="arabicPeriod"/>
+            </a:pPr>
+            <a:r>
+              <a:rPr lang="en-IN" sz="4800" b="1" dirty="0">
+                <a:solidFill>
+                  <a:schemeClr val="bg1"/>
+                </a:solidFill>
+              </a:rPr>
+              <a:t>While Loop</a:t>
+            </a:r>
+          </a:p>
+          <a:p>
+            <a:pPr marL="342900" indent="-342900">
+              <a:buAutoNum type="arabicPeriod"/>
+            </a:pPr>
+            <a:r>
+              <a:rPr lang="en-IN" sz="4800" b="1" dirty="0">
+                <a:solidFill>
+                  <a:schemeClr val="bg1"/>
+                </a:solidFill>
+              </a:rPr>
+              <a:t>do-while Loop</a:t>
+            </a:r>
+          </a:p>
+        </p:txBody>
+      </p:sp>
+    </p:spTree>
+    <p:extLst>
+      <p:ext uri="{BB962C8B-B14F-4D97-AF65-F5344CB8AC3E}">
+        <p14:creationId xmlns:p14="http://schemas.microsoft.com/office/powerpoint/2010/main" val="301897968"/>
+      </p:ext>
+    </p:extLst>
+  </p:cSld>
+  <p:clrMapOvr>
+    <a:masterClrMapping/>
+  </p:clrMapOvr>
+  <mc:AlternateContent xmlns:mc="http://schemas.openxmlformats.org/markup-compatibility/2006" xmlns:p14="http://schemas.microsoft.com/office/powerpoint/2010/main">
+    <mc:Choice Requires="p14">
+      <p:transition spd="slow" p14:dur="800">
+        <p14:flythrough/>
+      </p:transition>
+    </mc:Choice>
+    <mc:Fallback xmlns="">
+      <p:transition spd="slow">
+        <p:fade/>
+      </p:transition>
+    </mc:Fallback>
+  </mc:AlternateContent>
+</p:sld>
+</file>
+
+<file path=ppt/slides/slide28.xml><?xml version="1.0" encoding="utf-8"?>
+<p:sld xmlns:a="http://schemas.openxmlformats.org/drawingml/2006/main" xmlns:r="http://schemas.openxmlformats.org/officeDocument/2006/relationships" xmlns:p="http://schemas.openxmlformats.org/presentationml/2006/main">
+  <p:cSld>
+    <p:spTree>
+      <p:nvGrpSpPr>
+        <p:cNvPr id="1" name="">
+          <a:extLst>
+            <a:ext uri="{FF2B5EF4-FFF2-40B4-BE49-F238E27FC236}">
+              <a16:creationId xmlns:a16="http://schemas.microsoft.com/office/drawing/2014/main" id="{2D56B828-1C45-B194-DE36-C18B156B8942}"/>
+            </a:ext>
+          </a:extLst>
+        </p:cNvPr>
+        <p:cNvGrpSpPr/>
+        <p:nvPr/>
+      </p:nvGrpSpPr>
+      <p:grpSpPr>
+        <a:xfrm>
+          <a:off x="0" y="0"/>
+          <a:ext cx="0" cy="0"/>
+          <a:chOff x="0" y="0"/>
+          <a:chExt cx="0" cy="0"/>
+        </a:xfrm>
+      </p:grpSpPr>
+      <p:sp>
+        <p:nvSpPr>
+          <p:cNvPr id="2" name="TextBox 1">
+            <a:extLst>
+              <a:ext uri="{FF2B5EF4-FFF2-40B4-BE49-F238E27FC236}">
+                <a16:creationId xmlns:a16="http://schemas.microsoft.com/office/drawing/2014/main" id="{FCC8C174-9936-9B43-B711-01DF5ACCFB24}"/>
+              </a:ext>
+            </a:extLst>
+          </p:cNvPr>
+          <p:cNvSpPr txBox="1"/>
+          <p:nvPr/>
+        </p:nvSpPr>
+        <p:spPr>
+          <a:xfrm>
+            <a:off x="484911" y="2274838"/>
+            <a:ext cx="10055628" cy="3046988"/>
+          </a:xfrm>
+          <a:prstGeom prst="rect">
+            <a:avLst/>
+          </a:prstGeom>
+          <a:noFill/>
+        </p:spPr>
+        <p:txBody>
+          <a:bodyPr wrap="square" rtlCol="0">
+            <a:spAutoFit/>
+          </a:bodyPr>
+          <a:lstStyle/>
+          <a:p>
+            <a:pPr algn="ctr"/>
+            <a:r>
+              <a:rPr lang="en-IN" sz="4800" b="1" dirty="0">
+                <a:solidFill>
+                  <a:schemeClr val="bg1"/>
+                </a:solidFill>
+              </a:rPr>
+              <a:t>An array in java is a data structure that stores a fixed-size </a:t>
+            </a:r>
+            <a:r>
+              <a:rPr lang="en-IN" sz="4800" b="1" i="1" dirty="0">
+                <a:solidFill>
+                  <a:srgbClr val="7030A0"/>
+                </a:solidFill>
+              </a:rPr>
+              <a:t>sequential collection of elements of the same type</a:t>
+            </a:r>
+            <a:endParaRPr lang="en-IN" sz="4800" b="1" i="1" dirty="0">
+              <a:solidFill>
+                <a:schemeClr val="bg1"/>
+              </a:solidFill>
+            </a:endParaRPr>
+          </a:p>
+        </p:txBody>
+      </p:sp>
+      <p:sp>
+        <p:nvSpPr>
+          <p:cNvPr id="3" name="TextBox 2">
+            <a:extLst>
+              <a:ext uri="{FF2B5EF4-FFF2-40B4-BE49-F238E27FC236}">
+                <a16:creationId xmlns:a16="http://schemas.microsoft.com/office/drawing/2014/main" id="{062CCD4F-B896-DFA8-F181-A4EDB0B2B68B}"/>
+              </a:ext>
+            </a:extLst>
+          </p:cNvPr>
+          <p:cNvSpPr txBox="1"/>
+          <p:nvPr/>
+        </p:nvSpPr>
+        <p:spPr>
+          <a:xfrm>
+            <a:off x="3638205" y="426832"/>
+            <a:ext cx="4915591" cy="1569660"/>
+          </a:xfrm>
+          <a:prstGeom prst="rect">
+            <a:avLst/>
+          </a:prstGeom>
+          <a:noFill/>
+        </p:spPr>
+        <p:txBody>
+          <a:bodyPr wrap="square" rtlCol="0">
+            <a:spAutoFit/>
+          </a:bodyPr>
+          <a:lstStyle/>
+          <a:p>
+            <a:r>
+              <a:rPr lang="en-IN" sz="9600" b="1" dirty="0">
+                <a:solidFill>
+                  <a:srgbClr val="7030A0"/>
+                </a:solidFill>
+              </a:rPr>
+              <a:t>Arrays</a:t>
+            </a:r>
+          </a:p>
+        </p:txBody>
+      </p:sp>
+    </p:spTree>
+    <p:extLst>
+      <p:ext uri="{BB962C8B-B14F-4D97-AF65-F5344CB8AC3E}">
+        <p14:creationId xmlns:p14="http://schemas.microsoft.com/office/powerpoint/2010/main" val="2078065346"/>
+      </p:ext>
+    </p:extLst>
+  </p:cSld>
+  <p:clrMapOvr>
+    <a:masterClrMapping/>
+  </p:clrMapOvr>
   <mc:AlternateContent xmlns:mc="http://schemas.openxmlformats.org/markup-compatibility/2006">
     <mc:Choice xmlns:p15="http://schemas.microsoft.com/office/powerpoint/2012/main" Requires="p15">
-      <p:transition xmlns:p14="http://schemas.microsoft.com/office/powerpoint/2010/main" spd="slow" p14:dur="1250">
-        <p15:prstTrans prst="pageCurlDouble"/>
+      <p:transition xmlns:p14="http://schemas.microsoft.com/office/powerpoint/2010/main" spd="slow" p14:dur="2000">
+        <p15:prstTrans prst="fallOver"/>
+      </p:transition>
+    </mc:Choice>
+    <mc:Fallback>
+      <p:transition spd="slow">
+        <p:fade/>
+      </p:transition>
+    </mc:Fallback>
+  </mc:AlternateContent>
+</p:sld>
+</file>
+
+<file path=ppt/slides/slide29.xml><?xml version="1.0" encoding="utf-8"?>
+<p:sld xmlns:a="http://schemas.openxmlformats.org/drawingml/2006/main" xmlns:r="http://schemas.openxmlformats.org/officeDocument/2006/relationships" xmlns:p="http://schemas.openxmlformats.org/presentationml/2006/main">
+  <p:cSld>
+    <p:bg>
+      <p:bgPr>
+        <a:solidFill>
+          <a:schemeClr val="bg1"/>
+        </a:solidFill>
+        <a:effectLst/>
+      </p:bgPr>
+    </p:bg>
+    <p:spTree>
+      <p:nvGrpSpPr>
+        <p:cNvPr id="1" name="">
+          <a:extLst>
+            <a:ext uri="{FF2B5EF4-FFF2-40B4-BE49-F238E27FC236}">
+              <a16:creationId xmlns:a16="http://schemas.microsoft.com/office/drawing/2014/main" id="{B7651327-36E1-E528-B4D1-DE97FE79D81B}"/>
+            </a:ext>
+          </a:extLst>
+        </p:cNvPr>
+        <p:cNvGrpSpPr/>
+        <p:nvPr/>
+      </p:nvGrpSpPr>
+      <p:grpSpPr>
+        <a:xfrm>
+          <a:off x="0" y="0"/>
+          <a:ext cx="0" cy="0"/>
+          <a:chOff x="0" y="0"/>
+          <a:chExt cx="0" cy="0"/>
+        </a:xfrm>
+      </p:grpSpPr>
+      <p:sp>
+        <p:nvSpPr>
+          <p:cNvPr id="10" name="Rectangle 9">
+            <a:extLst>
+              <a:ext uri="{FF2B5EF4-FFF2-40B4-BE49-F238E27FC236}">
+                <a16:creationId xmlns:a16="http://schemas.microsoft.com/office/drawing/2014/main" id="{3A397E3E-B90C-4D82-BAAA-36F7AC6A4565}"/>
+              </a:ext>
+              <a:ext uri="{C183D7F6-B498-43B3-948B-1728B52AA6E4}">
+                <adec:decorative xmlns:adec="http://schemas.microsoft.com/office/drawing/2017/decorative" val="1"/>
+              </a:ext>
+            </a:extLst>
+          </p:cNvPr>
+          <p:cNvSpPr>
+            <a:spLocks noGrp="1" noRot="1" noChangeAspect="1" noMove="1" noResize="1" noEditPoints="1" noAdjustHandles="1" noChangeArrowheads="1" noChangeShapeType="1" noTextEdit="1"/>
+          </p:cNvSpPr>
+          <p:nvPr>
+            <p:extLst>
+              <p:ext uri="{386F3935-93C4-4BCD-93E2-E3B085C9AB24}">
+                <p16:designElem xmlns:p16="http://schemas.microsoft.com/office/powerpoint/2015/main" val="1"/>
+              </p:ext>
+            </p:extLst>
+          </p:nvPr>
+        </p:nvSpPr>
+        <p:spPr>
+          <a:xfrm>
+            <a:off x="0" y="0"/>
+            <a:ext cx="12192000" cy="6858000"/>
+          </a:xfrm>
+          <a:prstGeom prst="rect">
+            <a:avLst/>
+          </a:prstGeom>
+          <a:solidFill>
+            <a:schemeClr val="tx1"/>
+          </a:solidFill>
+          <a:ln>
+            <a:noFill/>
+          </a:ln>
+        </p:spPr>
+        <p:style>
+          <a:lnRef idx="2">
+            <a:schemeClr val="accent1">
+              <a:shade val="50000"/>
+            </a:schemeClr>
+          </a:lnRef>
+          <a:fillRef idx="1">
+            <a:schemeClr val="accent1"/>
+          </a:fillRef>
+          <a:effectRef idx="0">
+            <a:schemeClr val="accent1"/>
+          </a:effectRef>
+          <a:fontRef idx="minor">
+            <a:schemeClr val="lt1"/>
+          </a:fontRef>
+        </p:style>
+        <p:txBody>
+          <a:bodyPr rtlCol="0" anchor="ctr"/>
+          <a:lstStyle/>
+          <a:p>
+            <a:pPr algn="ctr"/>
+            <a:endParaRPr lang="en-US" dirty="0"/>
+          </a:p>
+        </p:txBody>
+      </p:sp>
+      <p:grpSp>
+        <p:nvGrpSpPr>
+          <p:cNvPr id="12" name="Group 11">
+            <a:extLst>
+              <a:ext uri="{FF2B5EF4-FFF2-40B4-BE49-F238E27FC236}">
+                <a16:creationId xmlns:a16="http://schemas.microsoft.com/office/drawing/2014/main" id="{0F0C2E5D-B08F-4A99-9D15-59D33148FE02}"/>
+              </a:ext>
+              <a:ext uri="{C183D7F6-B498-43B3-948B-1728B52AA6E4}">
+                <adec:decorative xmlns:adec="http://schemas.microsoft.com/office/drawing/2017/decorative" val="1"/>
+              </a:ext>
+            </a:extLst>
+          </p:cNvPr>
+          <p:cNvGrpSpPr>
+            <a:grpSpLocks noGrp="1" noUngrp="1" noRot="1" noChangeAspect="1" noMove="1" noResize="1"/>
+          </p:cNvGrpSpPr>
+          <p:nvPr>
+            <p:extLst>
+              <p:ext uri="{386F3935-93C4-4BCD-93E2-E3B085C9AB24}">
+                <p16:designElem xmlns:p16="http://schemas.microsoft.com/office/powerpoint/2015/main" val="1"/>
+              </p:ext>
+            </p:extLst>
+          </p:nvPr>
+        </p:nvGrpSpPr>
+        <p:grpSpPr>
+          <a:xfrm>
+            <a:off x="0" y="247167"/>
+            <a:ext cx="1861854" cy="717514"/>
+            <a:chOff x="0" y="238499"/>
+            <a:chExt cx="1861854" cy="717514"/>
+          </a:xfrm>
+          <a:solidFill>
+            <a:schemeClr val="bg1"/>
+          </a:solidFill>
+        </p:grpSpPr>
+        <p:grpSp>
+          <p:nvGrpSpPr>
+            <p:cNvPr id="13" name="Group 12">
+              <a:extLst>
+                <a:ext uri="{FF2B5EF4-FFF2-40B4-BE49-F238E27FC236}">
+                  <a16:creationId xmlns:a16="http://schemas.microsoft.com/office/drawing/2014/main" id="{07B8F35D-FB89-4C40-8A99-E46DDA021326}"/>
+                </a:ext>
+                <a:ext uri="{C183D7F6-B498-43B3-948B-1728B52AA6E4}">
+                  <adec:decorative xmlns:adec="http://schemas.microsoft.com/office/drawing/2017/decorative" val="1"/>
+                </a:ext>
+              </a:extLst>
+            </p:cNvPr>
+            <p:cNvGrpSpPr/>
+            <p:nvPr>
+              <p:extLst>
+                <p:ext uri="{386F3935-93C4-4BCD-93E2-E3B085C9AB24}">
+                  <p16:designElem xmlns:p16="http://schemas.microsoft.com/office/powerpoint/2015/main" val="1"/>
+                </p:ext>
+              </p:extLst>
+            </p:nvPr>
+          </p:nvGrpSpPr>
+          <p:grpSpPr>
+            <a:xfrm>
+              <a:off x="0" y="238499"/>
+              <a:ext cx="1861854" cy="717514"/>
+              <a:chOff x="0" y="604259"/>
+              <a:chExt cx="1861854" cy="717514"/>
+            </a:xfrm>
+            <a:grpFill/>
+          </p:grpSpPr>
+          <p:sp>
+            <p:nvSpPr>
+              <p:cNvPr id="17" name="Freeform: Shape 16">
+                <a:extLst>
+                  <a:ext uri="{FF2B5EF4-FFF2-40B4-BE49-F238E27FC236}">
+                    <a16:creationId xmlns:a16="http://schemas.microsoft.com/office/drawing/2014/main" id="{E16C8D8F-10E9-4498-ABDB-0F923F8B6837}"/>
+                  </a:ext>
+                  <a:ext uri="{C183D7F6-B498-43B3-948B-1728B52AA6E4}">
+                    <adec:decorative xmlns:adec="http://schemas.microsoft.com/office/drawing/2017/decorative" val="1"/>
+                  </a:ext>
+                </a:extLst>
+              </p:cNvPr>
+              <p:cNvSpPr/>
+              <p:nvPr>
+                <p:extLst>
+                  <p:ext uri="{386F3935-93C4-4BCD-93E2-E3B085C9AB24}">
+                    <p16:designElem xmlns:p16="http://schemas.microsoft.com/office/powerpoint/2015/main" val="1"/>
+                  </p:ext>
+                </p:extLst>
+              </p:nvPr>
+            </p:nvSpPr>
+            <p:spPr>
+              <a:xfrm>
+                <a:off x="0" y="604259"/>
+                <a:ext cx="1861854" cy="277779"/>
+              </a:xfrm>
+              <a:custGeom>
+                <a:avLst/>
+                <a:gdLst>
+                  <a:gd name="connsiteX0" fmla="*/ 180458 w 1861854"/>
+                  <a:gd name="connsiteY0" fmla="*/ 0 h 277779"/>
+                  <a:gd name="connsiteX1" fmla="*/ 419222 w 1861854"/>
+                  <a:gd name="connsiteY1" fmla="*/ 238761 h 277779"/>
+                  <a:gd name="connsiteX2" fmla="*/ 657984 w 1861854"/>
+                  <a:gd name="connsiteY2" fmla="*/ 0 h 277779"/>
+                  <a:gd name="connsiteX3" fmla="*/ 896745 w 1861854"/>
+                  <a:gd name="connsiteY3" fmla="*/ 238761 h 277779"/>
+                  <a:gd name="connsiteX4" fmla="*/ 1135754 w 1861854"/>
+                  <a:gd name="connsiteY4" fmla="*/ 0 h 277779"/>
+                  <a:gd name="connsiteX5" fmla="*/ 1374516 w 1861854"/>
+                  <a:gd name="connsiteY5" fmla="*/ 238761 h 277779"/>
+                  <a:gd name="connsiteX6" fmla="*/ 1613277 w 1861854"/>
+                  <a:gd name="connsiteY6" fmla="*/ 0 h 277779"/>
+                  <a:gd name="connsiteX7" fmla="*/ 1861854 w 1861854"/>
+                  <a:gd name="connsiteY7" fmla="*/ 248577 h 277779"/>
+                  <a:gd name="connsiteX8" fmla="*/ 1842470 w 1861854"/>
+                  <a:gd name="connsiteY8" fmla="*/ 267963 h 277779"/>
+                  <a:gd name="connsiteX9" fmla="*/ 1613277 w 1861854"/>
+                  <a:gd name="connsiteY9" fmla="*/ 39017 h 277779"/>
+                  <a:gd name="connsiteX10" fmla="*/ 1374516 w 1861854"/>
+                  <a:gd name="connsiteY10" fmla="*/ 277779 h 277779"/>
+                  <a:gd name="connsiteX11" fmla="*/ 1135754 w 1861854"/>
+                  <a:gd name="connsiteY11" fmla="*/ 39017 h 277779"/>
+                  <a:gd name="connsiteX12" fmla="*/ 896745 w 1861854"/>
+                  <a:gd name="connsiteY12" fmla="*/ 277779 h 277779"/>
+                  <a:gd name="connsiteX13" fmla="*/ 657984 w 1861854"/>
+                  <a:gd name="connsiteY13" fmla="*/ 39017 h 277779"/>
+                  <a:gd name="connsiteX14" fmla="*/ 419222 w 1861854"/>
+                  <a:gd name="connsiteY14" fmla="*/ 277779 h 277779"/>
+                  <a:gd name="connsiteX15" fmla="*/ 180458 w 1861854"/>
+                  <a:gd name="connsiteY15" fmla="*/ 39017 h 277779"/>
+                  <a:gd name="connsiteX16" fmla="*/ 0 w 1861854"/>
+                  <a:gd name="connsiteY16" fmla="*/ 219283 h 277779"/>
+                  <a:gd name="connsiteX17" fmla="*/ 0 w 1861854"/>
+                  <a:gd name="connsiteY17" fmla="*/ 180458 h 277779"/>
+                </a:gdLst>
+                <a:ahLst/>
+                <a:cxnLst>
+                  <a:cxn ang="0">
+                    <a:pos x="connsiteX0" y="connsiteY0"/>
+                  </a:cxn>
+                  <a:cxn ang="0">
+                    <a:pos x="connsiteX1" y="connsiteY1"/>
+                  </a:cxn>
+                  <a:cxn ang="0">
+                    <a:pos x="connsiteX2" y="connsiteY2"/>
+                  </a:cxn>
+                  <a:cxn ang="0">
+                    <a:pos x="connsiteX3" y="connsiteY3"/>
+                  </a:cxn>
+                  <a:cxn ang="0">
+                    <a:pos x="connsiteX4" y="connsiteY4"/>
+                  </a:cxn>
+                  <a:cxn ang="0">
+                    <a:pos x="connsiteX5" y="connsiteY5"/>
+                  </a:cxn>
+                  <a:cxn ang="0">
+                    <a:pos x="connsiteX6" y="connsiteY6"/>
+                  </a:cxn>
+                  <a:cxn ang="0">
+                    <a:pos x="connsiteX7" y="connsiteY7"/>
+                  </a:cxn>
+                  <a:cxn ang="0">
+                    <a:pos x="connsiteX8" y="connsiteY8"/>
+                  </a:cxn>
+                  <a:cxn ang="0">
+                    <a:pos x="connsiteX9" y="connsiteY9"/>
+                  </a:cxn>
+                  <a:cxn ang="0">
+                    <a:pos x="connsiteX10" y="connsiteY10"/>
+                  </a:cxn>
+                  <a:cxn ang="0">
+                    <a:pos x="connsiteX11" y="connsiteY11"/>
+                  </a:cxn>
+                  <a:cxn ang="0">
+                    <a:pos x="connsiteX12" y="connsiteY12"/>
+                  </a:cxn>
+                  <a:cxn ang="0">
+                    <a:pos x="connsiteX13" y="connsiteY13"/>
+                  </a:cxn>
+                  <a:cxn ang="0">
+                    <a:pos x="connsiteX14" y="connsiteY14"/>
+                  </a:cxn>
+                  <a:cxn ang="0">
+                    <a:pos x="connsiteX15" y="connsiteY15"/>
+                  </a:cxn>
+                  <a:cxn ang="0">
+                    <a:pos x="connsiteX16" y="connsiteY16"/>
+                  </a:cxn>
+                  <a:cxn ang="0">
+                    <a:pos x="connsiteX17" y="connsiteY17"/>
+                  </a:cxn>
+                </a:cxnLst>
+                <a:rect l="l" t="t" r="r" b="b"/>
+                <a:pathLst>
+                  <a:path w="1861854" h="277779">
+                    <a:moveTo>
+                      <a:pt x="180458" y="0"/>
+                    </a:moveTo>
+                    <a:lnTo>
+                      <a:pt x="419222" y="238761"/>
+                    </a:lnTo>
+                    <a:lnTo>
+                      <a:pt x="657984" y="0"/>
+                    </a:lnTo>
+                    <a:lnTo>
+                      <a:pt x="896745" y="238761"/>
+                    </a:lnTo>
+                    <a:lnTo>
+                      <a:pt x="1135754" y="0"/>
+                    </a:lnTo>
+                    <a:lnTo>
+                      <a:pt x="1374516" y="238761"/>
+                    </a:lnTo>
+                    <a:lnTo>
+                      <a:pt x="1613277" y="0"/>
+                    </a:lnTo>
+                    <a:lnTo>
+                      <a:pt x="1861854" y="248577"/>
+                    </a:lnTo>
+                    <a:lnTo>
+                      <a:pt x="1842470" y="267963"/>
+                    </a:lnTo>
+                    <a:lnTo>
+                      <a:pt x="1613277" y="39017"/>
+                    </a:lnTo>
+                    <a:lnTo>
+                      <a:pt x="1374516" y="277779"/>
+                    </a:lnTo>
+                    <a:lnTo>
+                      <a:pt x="1135754" y="39017"/>
+                    </a:lnTo>
+                    <a:lnTo>
+                      <a:pt x="896745" y="277779"/>
+                    </a:lnTo>
+                    <a:lnTo>
+                      <a:pt x="657984" y="39017"/>
+                    </a:lnTo>
+                    <a:lnTo>
+                      <a:pt x="419222" y="277779"/>
+                    </a:lnTo>
+                    <a:lnTo>
+                      <a:pt x="180458" y="39017"/>
+                    </a:lnTo>
+                    <a:lnTo>
+                      <a:pt x="0" y="219283"/>
+                    </a:lnTo>
+                    <a:lnTo>
+                      <a:pt x="0" y="180458"/>
+                    </a:lnTo>
+                    <a:close/>
+                  </a:path>
+                </a:pathLst>
+              </a:custGeom>
+              <a:grpFill/>
+              <a:ln w="9525" cap="flat">
+                <a:noFill/>
+                <a:prstDash val="solid"/>
+                <a:miter/>
+              </a:ln>
+            </p:spPr>
+            <p:txBody>
+              <a:bodyPr wrap="square" rtlCol="0" anchor="ctr">
+                <a:noAutofit/>
+              </a:bodyPr>
+              <a:lstStyle/>
+              <a:p>
+                <a:endParaRPr lang="en-US"/>
+              </a:p>
+            </p:txBody>
+          </p:sp>
+          <p:sp>
+            <p:nvSpPr>
+              <p:cNvPr id="18" name="Freeform: Shape 17">
+                <a:extLst>
+                  <a:ext uri="{FF2B5EF4-FFF2-40B4-BE49-F238E27FC236}">
+                    <a16:creationId xmlns:a16="http://schemas.microsoft.com/office/drawing/2014/main" id="{1E5A83E3-8A11-4492-BB6E-F5F2240316FB}"/>
+                  </a:ext>
+                  <a:ext uri="{C183D7F6-B498-43B3-948B-1728B52AA6E4}">
+                    <adec:decorative xmlns:adec="http://schemas.microsoft.com/office/drawing/2017/decorative" val="1"/>
+                  </a:ext>
+                </a:extLst>
+              </p:cNvPr>
+              <p:cNvSpPr/>
+              <p:nvPr>
+                <p:extLst>
+                  <p:ext uri="{386F3935-93C4-4BCD-93E2-E3B085C9AB24}">
+                    <p16:designElem xmlns:p16="http://schemas.microsoft.com/office/powerpoint/2015/main" val="1"/>
+                  </p:ext>
+                </p:extLst>
+              </p:nvPr>
+            </p:nvSpPr>
+            <p:spPr>
+              <a:xfrm>
+                <a:off x="0" y="1043994"/>
+                <a:ext cx="1861854" cy="277779"/>
+              </a:xfrm>
+              <a:custGeom>
+                <a:avLst/>
+                <a:gdLst>
+                  <a:gd name="connsiteX0" fmla="*/ 180458 w 1861854"/>
+                  <a:gd name="connsiteY0" fmla="*/ 0 h 277779"/>
+                  <a:gd name="connsiteX1" fmla="*/ 419222 w 1861854"/>
+                  <a:gd name="connsiteY1" fmla="*/ 238761 h 277779"/>
+                  <a:gd name="connsiteX2" fmla="*/ 657984 w 1861854"/>
+                  <a:gd name="connsiteY2" fmla="*/ 0 h 277779"/>
+                  <a:gd name="connsiteX3" fmla="*/ 896745 w 1861854"/>
+                  <a:gd name="connsiteY3" fmla="*/ 238761 h 277779"/>
+                  <a:gd name="connsiteX4" fmla="*/ 1135754 w 1861854"/>
+                  <a:gd name="connsiteY4" fmla="*/ 0 h 277779"/>
+                  <a:gd name="connsiteX5" fmla="*/ 1374516 w 1861854"/>
+                  <a:gd name="connsiteY5" fmla="*/ 238761 h 277779"/>
+                  <a:gd name="connsiteX6" fmla="*/ 1613277 w 1861854"/>
+                  <a:gd name="connsiteY6" fmla="*/ 0 h 277779"/>
+                  <a:gd name="connsiteX7" fmla="*/ 1861854 w 1861854"/>
+                  <a:gd name="connsiteY7" fmla="*/ 248577 h 277779"/>
+                  <a:gd name="connsiteX8" fmla="*/ 1842470 w 1861854"/>
+                  <a:gd name="connsiteY8" fmla="*/ 268208 h 277779"/>
+                  <a:gd name="connsiteX9" fmla="*/ 1613277 w 1861854"/>
+                  <a:gd name="connsiteY9" fmla="*/ 39017 h 277779"/>
+                  <a:gd name="connsiteX10" fmla="*/ 1374516 w 1861854"/>
+                  <a:gd name="connsiteY10" fmla="*/ 277779 h 277779"/>
+                  <a:gd name="connsiteX11" fmla="*/ 1135754 w 1861854"/>
+                  <a:gd name="connsiteY11" fmla="*/ 39017 h 277779"/>
+                  <a:gd name="connsiteX12" fmla="*/ 896745 w 1861854"/>
+                  <a:gd name="connsiteY12" fmla="*/ 277779 h 277779"/>
+                  <a:gd name="connsiteX13" fmla="*/ 657984 w 1861854"/>
+                  <a:gd name="connsiteY13" fmla="*/ 39017 h 277779"/>
+                  <a:gd name="connsiteX14" fmla="*/ 419222 w 1861854"/>
+                  <a:gd name="connsiteY14" fmla="*/ 277779 h 277779"/>
+                  <a:gd name="connsiteX15" fmla="*/ 180458 w 1861854"/>
+                  <a:gd name="connsiteY15" fmla="*/ 39017 h 277779"/>
+                  <a:gd name="connsiteX16" fmla="*/ 0 w 1861854"/>
+                  <a:gd name="connsiteY16" fmla="*/ 219475 h 277779"/>
+                  <a:gd name="connsiteX17" fmla="*/ 0 w 1861854"/>
+                  <a:gd name="connsiteY17" fmla="*/ 180458 h 277779"/>
+                </a:gdLst>
+                <a:ahLst/>
+                <a:cxnLst>
+                  <a:cxn ang="0">
+                    <a:pos x="connsiteX0" y="connsiteY0"/>
+                  </a:cxn>
+                  <a:cxn ang="0">
+                    <a:pos x="connsiteX1" y="connsiteY1"/>
+                  </a:cxn>
+                  <a:cxn ang="0">
+                    <a:pos x="connsiteX2" y="connsiteY2"/>
+                  </a:cxn>
+                  <a:cxn ang="0">
+                    <a:pos x="connsiteX3" y="connsiteY3"/>
+                  </a:cxn>
+                  <a:cxn ang="0">
+                    <a:pos x="connsiteX4" y="connsiteY4"/>
+                  </a:cxn>
+                  <a:cxn ang="0">
+                    <a:pos x="connsiteX5" y="connsiteY5"/>
+                  </a:cxn>
+                  <a:cxn ang="0">
+                    <a:pos x="connsiteX6" y="connsiteY6"/>
+                  </a:cxn>
+                  <a:cxn ang="0">
+                    <a:pos x="connsiteX7" y="connsiteY7"/>
+                  </a:cxn>
+                  <a:cxn ang="0">
+                    <a:pos x="connsiteX8" y="connsiteY8"/>
+                  </a:cxn>
+                  <a:cxn ang="0">
+                    <a:pos x="connsiteX9" y="connsiteY9"/>
+                  </a:cxn>
+                  <a:cxn ang="0">
+                    <a:pos x="connsiteX10" y="connsiteY10"/>
+                  </a:cxn>
+                  <a:cxn ang="0">
+                    <a:pos x="connsiteX11" y="connsiteY11"/>
+                  </a:cxn>
+                  <a:cxn ang="0">
+                    <a:pos x="connsiteX12" y="connsiteY12"/>
+                  </a:cxn>
+                  <a:cxn ang="0">
+                    <a:pos x="connsiteX13" y="connsiteY13"/>
+                  </a:cxn>
+                  <a:cxn ang="0">
+                    <a:pos x="connsiteX14" y="connsiteY14"/>
+                  </a:cxn>
+                  <a:cxn ang="0">
+                    <a:pos x="connsiteX15" y="connsiteY15"/>
+                  </a:cxn>
+                  <a:cxn ang="0">
+                    <a:pos x="connsiteX16" y="connsiteY16"/>
+                  </a:cxn>
+                  <a:cxn ang="0">
+                    <a:pos x="connsiteX17" y="connsiteY17"/>
+                  </a:cxn>
+                </a:cxnLst>
+                <a:rect l="l" t="t" r="r" b="b"/>
+                <a:pathLst>
+                  <a:path w="1861854" h="277779">
+                    <a:moveTo>
+                      <a:pt x="180458" y="0"/>
+                    </a:moveTo>
+                    <a:lnTo>
+                      <a:pt x="419222" y="238761"/>
+                    </a:lnTo>
+                    <a:lnTo>
+                      <a:pt x="657984" y="0"/>
+                    </a:lnTo>
+                    <a:lnTo>
+                      <a:pt x="896745" y="238761"/>
+                    </a:lnTo>
+                    <a:lnTo>
+                      <a:pt x="1135754" y="0"/>
+                    </a:lnTo>
+                    <a:lnTo>
+                      <a:pt x="1374516" y="238761"/>
+                    </a:lnTo>
+                    <a:lnTo>
+                      <a:pt x="1613277" y="0"/>
+                    </a:lnTo>
+                    <a:lnTo>
+                      <a:pt x="1861854" y="248577"/>
+                    </a:lnTo>
+                    <a:lnTo>
+                      <a:pt x="1842470" y="268208"/>
+                    </a:lnTo>
+                    <a:lnTo>
+                      <a:pt x="1613277" y="39017"/>
+                    </a:lnTo>
+                    <a:lnTo>
+                      <a:pt x="1374516" y="277779"/>
+                    </a:lnTo>
+                    <a:lnTo>
+                      <a:pt x="1135754" y="39017"/>
+                    </a:lnTo>
+                    <a:lnTo>
+                      <a:pt x="896745" y="277779"/>
+                    </a:lnTo>
+                    <a:lnTo>
+                      <a:pt x="657984" y="39017"/>
+                    </a:lnTo>
+                    <a:lnTo>
+                      <a:pt x="419222" y="277779"/>
+                    </a:lnTo>
+                    <a:lnTo>
+                      <a:pt x="180458" y="39017"/>
+                    </a:lnTo>
+                    <a:lnTo>
+                      <a:pt x="0" y="219475"/>
+                    </a:lnTo>
+                    <a:lnTo>
+                      <a:pt x="0" y="180458"/>
+                    </a:lnTo>
+                    <a:close/>
+                  </a:path>
+                </a:pathLst>
+              </a:custGeom>
+              <a:grpFill/>
+              <a:ln w="9525" cap="flat">
+                <a:noFill/>
+                <a:prstDash val="solid"/>
+                <a:miter/>
+              </a:ln>
+            </p:spPr>
+            <p:txBody>
+              <a:bodyPr wrap="square" rtlCol="0" anchor="ctr">
+                <a:noAutofit/>
+              </a:bodyPr>
+              <a:lstStyle/>
+              <a:p>
+                <a:endParaRPr lang="en-US"/>
+              </a:p>
+            </p:txBody>
+          </p:sp>
+        </p:grpSp>
+        <p:grpSp>
+          <p:nvGrpSpPr>
+            <p:cNvPr id="14" name="Group 13">
+              <a:extLst>
+                <a:ext uri="{FF2B5EF4-FFF2-40B4-BE49-F238E27FC236}">
+                  <a16:creationId xmlns:a16="http://schemas.microsoft.com/office/drawing/2014/main" id="{55FC669C-CD13-4F4A-AFFF-4029D34F2DBA}"/>
+                </a:ext>
+                <a:ext uri="{C183D7F6-B498-43B3-948B-1728B52AA6E4}">
+                  <adec:decorative xmlns:adec="http://schemas.microsoft.com/office/drawing/2017/decorative" val="1"/>
+                </a:ext>
+              </a:extLst>
+            </p:cNvPr>
+            <p:cNvGrpSpPr/>
+            <p:nvPr>
+              <p:extLst>
+                <p:ext uri="{386F3935-93C4-4BCD-93E2-E3B085C9AB24}">
+                  <p16:designElem xmlns:p16="http://schemas.microsoft.com/office/powerpoint/2015/main" val="1"/>
+                </p:ext>
+              </p:extLst>
+            </p:nvPr>
+          </p:nvGrpSpPr>
+          <p:grpSpPr>
+            <a:xfrm>
+              <a:off x="0" y="238499"/>
+              <a:ext cx="1861854" cy="717514"/>
+              <a:chOff x="0" y="604259"/>
+              <a:chExt cx="1861854" cy="717514"/>
+            </a:xfrm>
+            <a:grpFill/>
+          </p:grpSpPr>
+          <p:sp>
+            <p:nvSpPr>
+              <p:cNvPr id="15" name="Freeform: Shape 14">
+                <a:extLst>
+                  <a:ext uri="{FF2B5EF4-FFF2-40B4-BE49-F238E27FC236}">
+                    <a16:creationId xmlns:a16="http://schemas.microsoft.com/office/drawing/2014/main" id="{6617B5AA-8A0D-41D3-B2EF-8BC53E3B7DFF}"/>
+                  </a:ext>
+                  <a:ext uri="{C183D7F6-B498-43B3-948B-1728B52AA6E4}">
+                    <adec:decorative xmlns:adec="http://schemas.microsoft.com/office/drawing/2017/decorative" val="1"/>
+                  </a:ext>
+                </a:extLst>
+              </p:cNvPr>
+              <p:cNvSpPr/>
+              <p:nvPr>
+                <p:extLst>
+                  <p:ext uri="{386F3935-93C4-4BCD-93E2-E3B085C9AB24}">
+                    <p16:designElem xmlns:p16="http://schemas.microsoft.com/office/powerpoint/2015/main" val="1"/>
+                  </p:ext>
+                </p:extLst>
+              </p:nvPr>
+            </p:nvSpPr>
+            <p:spPr>
+              <a:xfrm>
+                <a:off x="0" y="604259"/>
+                <a:ext cx="1861854" cy="277779"/>
+              </a:xfrm>
+              <a:custGeom>
+                <a:avLst/>
+                <a:gdLst>
+                  <a:gd name="connsiteX0" fmla="*/ 180458 w 1861854"/>
+                  <a:gd name="connsiteY0" fmla="*/ 0 h 277779"/>
+                  <a:gd name="connsiteX1" fmla="*/ 419222 w 1861854"/>
+                  <a:gd name="connsiteY1" fmla="*/ 238761 h 277779"/>
+                  <a:gd name="connsiteX2" fmla="*/ 657984 w 1861854"/>
+                  <a:gd name="connsiteY2" fmla="*/ 0 h 277779"/>
+                  <a:gd name="connsiteX3" fmla="*/ 896745 w 1861854"/>
+                  <a:gd name="connsiteY3" fmla="*/ 238761 h 277779"/>
+                  <a:gd name="connsiteX4" fmla="*/ 1135754 w 1861854"/>
+                  <a:gd name="connsiteY4" fmla="*/ 0 h 277779"/>
+                  <a:gd name="connsiteX5" fmla="*/ 1374516 w 1861854"/>
+                  <a:gd name="connsiteY5" fmla="*/ 238761 h 277779"/>
+                  <a:gd name="connsiteX6" fmla="*/ 1613277 w 1861854"/>
+                  <a:gd name="connsiteY6" fmla="*/ 0 h 277779"/>
+                  <a:gd name="connsiteX7" fmla="*/ 1861854 w 1861854"/>
+                  <a:gd name="connsiteY7" fmla="*/ 248577 h 277779"/>
+                  <a:gd name="connsiteX8" fmla="*/ 1842470 w 1861854"/>
+                  <a:gd name="connsiteY8" fmla="*/ 267963 h 277779"/>
+                  <a:gd name="connsiteX9" fmla="*/ 1613277 w 1861854"/>
+                  <a:gd name="connsiteY9" fmla="*/ 39017 h 277779"/>
+                  <a:gd name="connsiteX10" fmla="*/ 1374516 w 1861854"/>
+                  <a:gd name="connsiteY10" fmla="*/ 277779 h 277779"/>
+                  <a:gd name="connsiteX11" fmla="*/ 1135754 w 1861854"/>
+                  <a:gd name="connsiteY11" fmla="*/ 39017 h 277779"/>
+                  <a:gd name="connsiteX12" fmla="*/ 896745 w 1861854"/>
+                  <a:gd name="connsiteY12" fmla="*/ 277779 h 277779"/>
+                  <a:gd name="connsiteX13" fmla="*/ 657984 w 1861854"/>
+                  <a:gd name="connsiteY13" fmla="*/ 39017 h 277779"/>
+                  <a:gd name="connsiteX14" fmla="*/ 419222 w 1861854"/>
+                  <a:gd name="connsiteY14" fmla="*/ 277779 h 277779"/>
+                  <a:gd name="connsiteX15" fmla="*/ 180458 w 1861854"/>
+                  <a:gd name="connsiteY15" fmla="*/ 39017 h 277779"/>
+                  <a:gd name="connsiteX16" fmla="*/ 0 w 1861854"/>
+                  <a:gd name="connsiteY16" fmla="*/ 219283 h 277779"/>
+                  <a:gd name="connsiteX17" fmla="*/ 0 w 1861854"/>
+                  <a:gd name="connsiteY17" fmla="*/ 180458 h 277779"/>
+                </a:gdLst>
+                <a:ahLst/>
+                <a:cxnLst>
+                  <a:cxn ang="0">
+                    <a:pos x="connsiteX0" y="connsiteY0"/>
+                  </a:cxn>
+                  <a:cxn ang="0">
+                    <a:pos x="connsiteX1" y="connsiteY1"/>
+                  </a:cxn>
+                  <a:cxn ang="0">
+                    <a:pos x="connsiteX2" y="connsiteY2"/>
+                  </a:cxn>
+                  <a:cxn ang="0">
+                    <a:pos x="connsiteX3" y="connsiteY3"/>
+                  </a:cxn>
+                  <a:cxn ang="0">
+                    <a:pos x="connsiteX4" y="connsiteY4"/>
+                  </a:cxn>
+                  <a:cxn ang="0">
+                    <a:pos x="connsiteX5" y="connsiteY5"/>
+                  </a:cxn>
+                  <a:cxn ang="0">
+                    <a:pos x="connsiteX6" y="connsiteY6"/>
+                  </a:cxn>
+                  <a:cxn ang="0">
+                    <a:pos x="connsiteX7" y="connsiteY7"/>
+                  </a:cxn>
+                  <a:cxn ang="0">
+                    <a:pos x="connsiteX8" y="connsiteY8"/>
+                  </a:cxn>
+                  <a:cxn ang="0">
+                    <a:pos x="connsiteX9" y="connsiteY9"/>
+                  </a:cxn>
+                  <a:cxn ang="0">
+                    <a:pos x="connsiteX10" y="connsiteY10"/>
+                  </a:cxn>
+                  <a:cxn ang="0">
+                    <a:pos x="connsiteX11" y="connsiteY11"/>
+                  </a:cxn>
+                  <a:cxn ang="0">
+                    <a:pos x="connsiteX12" y="connsiteY12"/>
+                  </a:cxn>
+                  <a:cxn ang="0">
+                    <a:pos x="connsiteX13" y="connsiteY13"/>
+                  </a:cxn>
+                  <a:cxn ang="0">
+                    <a:pos x="connsiteX14" y="connsiteY14"/>
+                  </a:cxn>
+                  <a:cxn ang="0">
+                    <a:pos x="connsiteX15" y="connsiteY15"/>
+                  </a:cxn>
+                  <a:cxn ang="0">
+                    <a:pos x="connsiteX16" y="connsiteY16"/>
+                  </a:cxn>
+                  <a:cxn ang="0">
+                    <a:pos x="connsiteX17" y="connsiteY17"/>
+                  </a:cxn>
+                </a:cxnLst>
+                <a:rect l="l" t="t" r="r" b="b"/>
+                <a:pathLst>
+                  <a:path w="1861854" h="277779">
+                    <a:moveTo>
+                      <a:pt x="180458" y="0"/>
+                    </a:moveTo>
+                    <a:lnTo>
+                      <a:pt x="419222" y="238761"/>
+                    </a:lnTo>
+                    <a:lnTo>
+                      <a:pt x="657984" y="0"/>
+                    </a:lnTo>
+                    <a:lnTo>
+                      <a:pt x="896745" y="238761"/>
+                    </a:lnTo>
+                    <a:lnTo>
+                      <a:pt x="1135754" y="0"/>
+                    </a:lnTo>
+                    <a:lnTo>
+                      <a:pt x="1374516" y="238761"/>
+                    </a:lnTo>
+                    <a:lnTo>
+                      <a:pt x="1613277" y="0"/>
+                    </a:lnTo>
+                    <a:lnTo>
+                      <a:pt x="1861854" y="248577"/>
+                    </a:lnTo>
+                    <a:lnTo>
+                      <a:pt x="1842470" y="267963"/>
+                    </a:lnTo>
+                    <a:lnTo>
+                      <a:pt x="1613277" y="39017"/>
+                    </a:lnTo>
+                    <a:lnTo>
+                      <a:pt x="1374516" y="277779"/>
+                    </a:lnTo>
+                    <a:lnTo>
+                      <a:pt x="1135754" y="39017"/>
+                    </a:lnTo>
+                    <a:lnTo>
+                      <a:pt x="896745" y="277779"/>
+                    </a:lnTo>
+                    <a:lnTo>
+                      <a:pt x="657984" y="39017"/>
+                    </a:lnTo>
+                    <a:lnTo>
+                      <a:pt x="419222" y="277779"/>
+                    </a:lnTo>
+                    <a:lnTo>
+                      <a:pt x="180458" y="39017"/>
+                    </a:lnTo>
+                    <a:lnTo>
+                      <a:pt x="0" y="219283"/>
+                    </a:lnTo>
+                    <a:lnTo>
+                      <a:pt x="0" y="180458"/>
+                    </a:lnTo>
+                    <a:close/>
+                  </a:path>
+                </a:pathLst>
+              </a:custGeom>
+              <a:grpFill/>
+              <a:ln w="9525" cap="flat">
+                <a:noFill/>
+                <a:prstDash val="solid"/>
+                <a:miter/>
+              </a:ln>
+            </p:spPr>
+            <p:txBody>
+              <a:bodyPr wrap="square" rtlCol="0" anchor="ctr">
+                <a:noAutofit/>
+              </a:bodyPr>
+              <a:lstStyle/>
+              <a:p>
+                <a:endParaRPr lang="en-US"/>
+              </a:p>
+            </p:txBody>
+          </p:sp>
+          <p:sp>
+            <p:nvSpPr>
+              <p:cNvPr id="16" name="Freeform: Shape 15">
+                <a:extLst>
+                  <a:ext uri="{FF2B5EF4-FFF2-40B4-BE49-F238E27FC236}">
+                    <a16:creationId xmlns:a16="http://schemas.microsoft.com/office/drawing/2014/main" id="{572EB308-9A4E-4332-A908-22F2978D7545}"/>
+                  </a:ext>
+                  <a:ext uri="{C183D7F6-B498-43B3-948B-1728B52AA6E4}">
+                    <adec:decorative xmlns:adec="http://schemas.microsoft.com/office/drawing/2017/decorative" val="1"/>
+                  </a:ext>
+                </a:extLst>
+              </p:cNvPr>
+              <p:cNvSpPr/>
+              <p:nvPr>
+                <p:extLst>
+                  <p:ext uri="{386F3935-93C4-4BCD-93E2-E3B085C9AB24}">
+                    <p16:designElem xmlns:p16="http://schemas.microsoft.com/office/powerpoint/2015/main" val="1"/>
+                  </p:ext>
+                </p:extLst>
+              </p:nvPr>
+            </p:nvSpPr>
+            <p:spPr>
+              <a:xfrm>
+                <a:off x="0" y="1043994"/>
+                <a:ext cx="1861854" cy="277779"/>
+              </a:xfrm>
+              <a:custGeom>
+                <a:avLst/>
+                <a:gdLst>
+                  <a:gd name="connsiteX0" fmla="*/ 180458 w 1861854"/>
+                  <a:gd name="connsiteY0" fmla="*/ 0 h 277779"/>
+                  <a:gd name="connsiteX1" fmla="*/ 419222 w 1861854"/>
+                  <a:gd name="connsiteY1" fmla="*/ 238761 h 277779"/>
+                  <a:gd name="connsiteX2" fmla="*/ 657984 w 1861854"/>
+                  <a:gd name="connsiteY2" fmla="*/ 0 h 277779"/>
+                  <a:gd name="connsiteX3" fmla="*/ 896745 w 1861854"/>
+                  <a:gd name="connsiteY3" fmla="*/ 238761 h 277779"/>
+                  <a:gd name="connsiteX4" fmla="*/ 1135754 w 1861854"/>
+                  <a:gd name="connsiteY4" fmla="*/ 0 h 277779"/>
+                  <a:gd name="connsiteX5" fmla="*/ 1374516 w 1861854"/>
+                  <a:gd name="connsiteY5" fmla="*/ 238761 h 277779"/>
+                  <a:gd name="connsiteX6" fmla="*/ 1613277 w 1861854"/>
+                  <a:gd name="connsiteY6" fmla="*/ 0 h 277779"/>
+                  <a:gd name="connsiteX7" fmla="*/ 1861854 w 1861854"/>
+                  <a:gd name="connsiteY7" fmla="*/ 248577 h 277779"/>
+                  <a:gd name="connsiteX8" fmla="*/ 1842470 w 1861854"/>
+                  <a:gd name="connsiteY8" fmla="*/ 268208 h 277779"/>
+                  <a:gd name="connsiteX9" fmla="*/ 1613277 w 1861854"/>
+                  <a:gd name="connsiteY9" fmla="*/ 39017 h 277779"/>
+                  <a:gd name="connsiteX10" fmla="*/ 1374516 w 1861854"/>
+                  <a:gd name="connsiteY10" fmla="*/ 277779 h 277779"/>
+                  <a:gd name="connsiteX11" fmla="*/ 1135754 w 1861854"/>
+                  <a:gd name="connsiteY11" fmla="*/ 39017 h 277779"/>
+                  <a:gd name="connsiteX12" fmla="*/ 896745 w 1861854"/>
+                  <a:gd name="connsiteY12" fmla="*/ 277779 h 277779"/>
+                  <a:gd name="connsiteX13" fmla="*/ 657984 w 1861854"/>
+                  <a:gd name="connsiteY13" fmla="*/ 39017 h 277779"/>
+                  <a:gd name="connsiteX14" fmla="*/ 419222 w 1861854"/>
+                  <a:gd name="connsiteY14" fmla="*/ 277779 h 277779"/>
+                  <a:gd name="connsiteX15" fmla="*/ 180458 w 1861854"/>
+                  <a:gd name="connsiteY15" fmla="*/ 39017 h 277779"/>
+                  <a:gd name="connsiteX16" fmla="*/ 0 w 1861854"/>
+                  <a:gd name="connsiteY16" fmla="*/ 219475 h 277779"/>
+                  <a:gd name="connsiteX17" fmla="*/ 0 w 1861854"/>
+                  <a:gd name="connsiteY17" fmla="*/ 180458 h 277779"/>
+                </a:gdLst>
+                <a:ahLst/>
+                <a:cxnLst>
+                  <a:cxn ang="0">
+                    <a:pos x="connsiteX0" y="connsiteY0"/>
+                  </a:cxn>
+                  <a:cxn ang="0">
+                    <a:pos x="connsiteX1" y="connsiteY1"/>
+                  </a:cxn>
+                  <a:cxn ang="0">
+                    <a:pos x="connsiteX2" y="connsiteY2"/>
+                  </a:cxn>
+                  <a:cxn ang="0">
+                    <a:pos x="connsiteX3" y="connsiteY3"/>
+                  </a:cxn>
+                  <a:cxn ang="0">
+                    <a:pos x="connsiteX4" y="connsiteY4"/>
+                  </a:cxn>
+                  <a:cxn ang="0">
+                    <a:pos x="connsiteX5" y="connsiteY5"/>
+                  </a:cxn>
+                  <a:cxn ang="0">
+                    <a:pos x="connsiteX6" y="connsiteY6"/>
+                  </a:cxn>
+                  <a:cxn ang="0">
+                    <a:pos x="connsiteX7" y="connsiteY7"/>
+                  </a:cxn>
+                  <a:cxn ang="0">
+                    <a:pos x="connsiteX8" y="connsiteY8"/>
+                  </a:cxn>
+                  <a:cxn ang="0">
+                    <a:pos x="connsiteX9" y="connsiteY9"/>
+                  </a:cxn>
+                  <a:cxn ang="0">
+                    <a:pos x="connsiteX10" y="connsiteY10"/>
+                  </a:cxn>
+                  <a:cxn ang="0">
+                    <a:pos x="connsiteX11" y="connsiteY11"/>
+                  </a:cxn>
+                  <a:cxn ang="0">
+                    <a:pos x="connsiteX12" y="connsiteY12"/>
+                  </a:cxn>
+                  <a:cxn ang="0">
+                    <a:pos x="connsiteX13" y="connsiteY13"/>
+                  </a:cxn>
+                  <a:cxn ang="0">
+                    <a:pos x="connsiteX14" y="connsiteY14"/>
+                  </a:cxn>
+                  <a:cxn ang="0">
+                    <a:pos x="connsiteX15" y="connsiteY15"/>
+                  </a:cxn>
+                  <a:cxn ang="0">
+                    <a:pos x="connsiteX16" y="connsiteY16"/>
+                  </a:cxn>
+                  <a:cxn ang="0">
+                    <a:pos x="connsiteX17" y="connsiteY17"/>
+                  </a:cxn>
+                </a:cxnLst>
+                <a:rect l="l" t="t" r="r" b="b"/>
+                <a:pathLst>
+                  <a:path w="1861854" h="277779">
+                    <a:moveTo>
+                      <a:pt x="180458" y="0"/>
+                    </a:moveTo>
+                    <a:lnTo>
+                      <a:pt x="419222" y="238761"/>
+                    </a:lnTo>
+                    <a:lnTo>
+                      <a:pt x="657984" y="0"/>
+                    </a:lnTo>
+                    <a:lnTo>
+                      <a:pt x="896745" y="238761"/>
+                    </a:lnTo>
+                    <a:lnTo>
+                      <a:pt x="1135754" y="0"/>
+                    </a:lnTo>
+                    <a:lnTo>
+                      <a:pt x="1374516" y="238761"/>
+                    </a:lnTo>
+                    <a:lnTo>
+                      <a:pt x="1613277" y="0"/>
+                    </a:lnTo>
+                    <a:lnTo>
+                      <a:pt x="1861854" y="248577"/>
+                    </a:lnTo>
+                    <a:lnTo>
+                      <a:pt x="1842470" y="268208"/>
+                    </a:lnTo>
+                    <a:lnTo>
+                      <a:pt x="1613277" y="39017"/>
+                    </a:lnTo>
+                    <a:lnTo>
+                      <a:pt x="1374516" y="277779"/>
+                    </a:lnTo>
+                    <a:lnTo>
+                      <a:pt x="1135754" y="39017"/>
+                    </a:lnTo>
+                    <a:lnTo>
+                      <a:pt x="896745" y="277779"/>
+                    </a:lnTo>
+                    <a:lnTo>
+                      <a:pt x="657984" y="39017"/>
+                    </a:lnTo>
+                    <a:lnTo>
+                      <a:pt x="419222" y="277779"/>
+                    </a:lnTo>
+                    <a:lnTo>
+                      <a:pt x="180458" y="39017"/>
+                    </a:lnTo>
+                    <a:lnTo>
+                      <a:pt x="0" y="219475"/>
+                    </a:lnTo>
+                    <a:lnTo>
+                      <a:pt x="0" y="180458"/>
+                    </a:lnTo>
+                    <a:close/>
+                  </a:path>
+                </a:pathLst>
+              </a:custGeom>
+              <a:grpFill/>
+              <a:ln w="9525" cap="flat">
+                <a:noFill/>
+                <a:prstDash val="solid"/>
+                <a:miter/>
+              </a:ln>
+            </p:spPr>
+            <p:txBody>
+              <a:bodyPr wrap="square" rtlCol="0" anchor="ctr">
+                <a:noAutofit/>
+              </a:bodyPr>
+              <a:lstStyle/>
+              <a:p>
+                <a:endParaRPr lang="en-US"/>
+              </a:p>
+            </p:txBody>
+          </p:sp>
+        </p:grpSp>
+      </p:grpSp>
+      <p:grpSp>
+        <p:nvGrpSpPr>
+          <p:cNvPr id="20" name="Group 19">
+            <a:extLst>
+              <a:ext uri="{FF2B5EF4-FFF2-40B4-BE49-F238E27FC236}">
+                <a16:creationId xmlns:a16="http://schemas.microsoft.com/office/drawing/2014/main" id="{5499343D-E927-41D0-B997-E44A300C68D8}"/>
+              </a:ext>
+              <a:ext uri="{C183D7F6-B498-43B3-948B-1728B52AA6E4}">
+                <adec:decorative xmlns:adec="http://schemas.microsoft.com/office/drawing/2017/decorative" val="1"/>
+              </a:ext>
+            </a:extLst>
+          </p:cNvPr>
+          <p:cNvGrpSpPr>
+            <a:grpSpLocks noGrp="1" noUngrp="1" noRot="1" noChangeAspect="1" noMove="1" noResize="1"/>
+          </p:cNvGrpSpPr>
+          <p:nvPr>
+            <p:extLst>
+              <p:ext uri="{386F3935-93C4-4BCD-93E2-E3B085C9AB24}">
+                <p16:designElem xmlns:p16="http://schemas.microsoft.com/office/powerpoint/2015/main" val="1"/>
+              </p:ext>
+            </p:extLst>
+          </p:nvPr>
+        </p:nvGrpSpPr>
+        <p:grpSpPr>
+          <a:xfrm>
+            <a:off x="579725" y="1119591"/>
+            <a:ext cx="4965868" cy="4598497"/>
+            <a:chOff x="579725" y="1119591"/>
+            <a:chExt cx="4965868" cy="4598497"/>
+          </a:xfrm>
+        </p:grpSpPr>
+        <p:sp>
+          <p:nvSpPr>
+            <p:cNvPr id="21" name="Rectangle 20">
+              <a:extLst>
+                <a:ext uri="{FF2B5EF4-FFF2-40B4-BE49-F238E27FC236}">
+                  <a16:creationId xmlns:a16="http://schemas.microsoft.com/office/drawing/2014/main" id="{2C1D3151-5F97-4860-B56C-C98BD62CC255}"/>
+                </a:ext>
+                <a:ext uri="{C183D7F6-B498-43B3-948B-1728B52AA6E4}">
+                  <adec:decorative xmlns:adec="http://schemas.microsoft.com/office/drawing/2017/decorative" val="1"/>
+                </a:ext>
+              </a:extLst>
+            </p:cNvPr>
+            <p:cNvSpPr/>
+            <p:nvPr>
+              <p:extLst>
+                <p:ext uri="{386F3935-93C4-4BCD-93E2-E3B085C9AB24}">
+                  <p16:designElem xmlns:p16="http://schemas.microsoft.com/office/powerpoint/2015/main" val="1"/>
+                </p:ext>
+              </p:extLst>
+            </p:nvPr>
+          </p:nvSpPr>
+          <p:spPr>
+            <a:xfrm>
+              <a:off x="579725" y="1119591"/>
+              <a:ext cx="4965868" cy="4598497"/>
+            </a:xfrm>
+            <a:prstGeom prst="rect">
+              <a:avLst/>
+            </a:prstGeom>
+            <a:solidFill>
+              <a:srgbClr val="FFFFFF"/>
+            </a:solidFill>
+            <a:ln w="28575">
+              <a:solidFill>
+                <a:schemeClr val="bg1"/>
+              </a:solidFill>
+            </a:ln>
+          </p:spPr>
+          <p:style>
+            <a:lnRef idx="2">
+              <a:schemeClr val="accent1">
+                <a:shade val="50000"/>
+              </a:schemeClr>
+            </a:lnRef>
+            <a:fillRef idx="1">
+              <a:schemeClr val="accent1"/>
+            </a:fillRef>
+            <a:effectRef idx="0">
+              <a:schemeClr val="accent1"/>
+            </a:effectRef>
+            <a:fontRef idx="minor">
+              <a:schemeClr val="lt1"/>
+            </a:fontRef>
+          </p:style>
+          <p:txBody>
+            <a:bodyPr rtlCol="0" anchor="ctr"/>
+            <a:lstStyle/>
+            <a:p>
+              <a:pPr algn="ctr"/>
+              <a:endParaRPr lang="en-US"/>
+            </a:p>
+          </p:txBody>
+        </p:sp>
+        <p:sp>
+          <p:nvSpPr>
+            <p:cNvPr id="22" name="Rectangle 21">
+              <a:extLst>
+                <a:ext uri="{FF2B5EF4-FFF2-40B4-BE49-F238E27FC236}">
+                  <a16:creationId xmlns:a16="http://schemas.microsoft.com/office/drawing/2014/main" id="{DAD33695-C117-4AEE-9AF5-65F13C6CC393}"/>
+                </a:ext>
+                <a:ext uri="{C183D7F6-B498-43B3-948B-1728B52AA6E4}">
+                  <adec:decorative xmlns:adec="http://schemas.microsoft.com/office/drawing/2017/decorative" val="1"/>
+                </a:ext>
+              </a:extLst>
+            </p:cNvPr>
+            <p:cNvSpPr/>
+            <p:nvPr>
+              <p:extLst>
+                <p:ext uri="{386F3935-93C4-4BCD-93E2-E3B085C9AB24}">
+                  <p16:designElem xmlns:p16="http://schemas.microsoft.com/office/powerpoint/2015/main" val="1"/>
+                </p:ext>
+              </p:extLst>
+            </p:nvPr>
+          </p:nvSpPr>
+          <p:spPr>
+            <a:xfrm>
+              <a:off x="579725" y="1119591"/>
+              <a:ext cx="4965868" cy="4598497"/>
+            </a:xfrm>
+            <a:prstGeom prst="rect">
+              <a:avLst/>
+            </a:prstGeom>
+            <a:solidFill>
+              <a:schemeClr val="accent6">
+                <a:alpha val="30000"/>
+              </a:schemeClr>
+            </a:solidFill>
+            <a:ln w="28575">
+              <a:solidFill>
+                <a:schemeClr val="bg1"/>
+              </a:solidFill>
+            </a:ln>
+          </p:spPr>
+          <p:style>
+            <a:lnRef idx="2">
+              <a:schemeClr val="accent1">
+                <a:shade val="50000"/>
+              </a:schemeClr>
+            </a:lnRef>
+            <a:fillRef idx="1">
+              <a:schemeClr val="accent1"/>
+            </a:fillRef>
+            <a:effectRef idx="0">
+              <a:schemeClr val="accent1"/>
+            </a:effectRef>
+            <a:fontRef idx="minor">
+              <a:schemeClr val="lt1"/>
+            </a:fontRef>
+          </p:style>
+          <p:txBody>
+            <a:bodyPr rtlCol="0" anchor="ctr"/>
+            <a:lstStyle/>
+            <a:p>
+              <a:pPr algn="ctr"/>
+              <a:endParaRPr lang="en-US"/>
+            </a:p>
+          </p:txBody>
+        </p:sp>
+      </p:grpSp>
+      <p:sp>
+        <p:nvSpPr>
+          <p:cNvPr id="24" name="Rectangle 23">
+            <a:extLst>
+              <a:ext uri="{FF2B5EF4-FFF2-40B4-BE49-F238E27FC236}">
+                <a16:creationId xmlns:a16="http://schemas.microsoft.com/office/drawing/2014/main" id="{90A7F83A-9728-4030-8E45-9ECF1ABCCC12}"/>
+              </a:ext>
+              <a:ext uri="{C183D7F6-B498-43B3-948B-1728B52AA6E4}">
+                <adec:decorative xmlns:adec="http://schemas.microsoft.com/office/drawing/2017/decorative" val="1"/>
+              </a:ext>
+            </a:extLst>
+          </p:cNvPr>
+          <p:cNvSpPr>
+            <a:spLocks noGrp="1" noRot="1" noChangeAspect="1" noMove="1" noResize="1" noEditPoints="1" noAdjustHandles="1" noChangeArrowheads="1" noChangeShapeType="1" noTextEdit="1"/>
+          </p:cNvSpPr>
+          <p:nvPr>
+            <p:extLst>
+              <p:ext uri="{386F3935-93C4-4BCD-93E2-E3B085C9AB24}">
+                <p16:designElem xmlns:p16="http://schemas.microsoft.com/office/powerpoint/2015/main" val="1"/>
+              </p:ext>
+            </p:extLst>
+          </p:nvPr>
+        </p:nvSpPr>
+        <p:spPr>
+          <a:xfrm>
+            <a:off x="554039" y="1073782"/>
+            <a:ext cx="4860256" cy="4529266"/>
+          </a:xfrm>
+          <a:prstGeom prst="rect">
+            <a:avLst/>
+          </a:prstGeom>
+          <a:solidFill>
+            <a:schemeClr val="tx1"/>
+          </a:solidFill>
+          <a:ln w="28575">
+            <a:solidFill>
+              <a:schemeClr val="bg1"/>
+            </a:solidFill>
+          </a:ln>
+        </p:spPr>
+        <p:style>
+          <a:lnRef idx="2">
+            <a:schemeClr val="accent1">
+              <a:shade val="50000"/>
+            </a:schemeClr>
+          </a:lnRef>
+          <a:fillRef idx="1">
+            <a:schemeClr val="accent1"/>
+          </a:fillRef>
+          <a:effectRef idx="0">
+            <a:schemeClr val="accent1"/>
+          </a:effectRef>
+          <a:fontRef idx="minor">
+            <a:schemeClr val="lt1"/>
+          </a:fontRef>
+        </p:style>
+        <p:txBody>
+          <a:bodyPr rtlCol="0" anchor="ctr"/>
+          <a:lstStyle/>
+          <a:p>
+            <a:pPr algn="ctr"/>
+            <a:endParaRPr lang="en-US"/>
+          </a:p>
+        </p:txBody>
+      </p:sp>
+      <p:sp>
+        <p:nvSpPr>
+          <p:cNvPr id="3" name="TextBox 2">
+            <a:extLst>
+              <a:ext uri="{FF2B5EF4-FFF2-40B4-BE49-F238E27FC236}">
+                <a16:creationId xmlns:a16="http://schemas.microsoft.com/office/drawing/2014/main" id="{260EAFBD-F00C-1828-5579-33A4193C1C17}"/>
+              </a:ext>
+            </a:extLst>
+          </p:cNvPr>
+          <p:cNvSpPr txBox="1"/>
+          <p:nvPr/>
+        </p:nvSpPr>
+        <p:spPr>
+          <a:xfrm>
+            <a:off x="838200" y="1723434"/>
+            <a:ext cx="4324642" cy="1623290"/>
+          </a:xfrm>
+          <a:prstGeom prst="rect">
+            <a:avLst/>
+          </a:prstGeom>
+        </p:spPr>
+        <p:txBody>
+          <a:bodyPr vert="horz" lIns="91440" tIns="45720" rIns="91440" bIns="45720" rtlCol="0" anchor="b">
+            <a:normAutofit/>
+          </a:bodyPr>
+          <a:lstStyle/>
+          <a:p>
+            <a:pPr algn="ctr" defTabSz="914400">
+              <a:lnSpc>
+                <a:spcPct val="90000"/>
+              </a:lnSpc>
+              <a:spcBef>
+                <a:spcPct val="0"/>
+              </a:spcBef>
+              <a:spcAft>
+                <a:spcPts val="600"/>
+              </a:spcAft>
+            </a:pPr>
+            <a:r>
+              <a:rPr lang="en-US" sz="5400" b="1" dirty="0">
+                <a:solidFill>
+                  <a:schemeClr val="bg1"/>
+                </a:solidFill>
+                <a:latin typeface="+mj-lt"/>
+                <a:ea typeface="+mj-ea"/>
+                <a:cs typeface="+mj-cs"/>
+              </a:rPr>
+              <a:t>Declaration</a:t>
+            </a:r>
+          </a:p>
+        </p:txBody>
+      </p:sp>
+      <p:sp>
+        <p:nvSpPr>
+          <p:cNvPr id="2" name="TextBox 1">
+            <a:extLst>
+              <a:ext uri="{FF2B5EF4-FFF2-40B4-BE49-F238E27FC236}">
+                <a16:creationId xmlns:a16="http://schemas.microsoft.com/office/drawing/2014/main" id="{831E666B-0B0E-BAC7-4C26-E140832B3E3F}"/>
+              </a:ext>
+            </a:extLst>
+          </p:cNvPr>
+          <p:cNvSpPr txBox="1"/>
+          <p:nvPr/>
+        </p:nvSpPr>
+        <p:spPr>
+          <a:xfrm>
+            <a:off x="838200" y="3950567"/>
+            <a:ext cx="4324642" cy="1199392"/>
+          </a:xfrm>
+          <a:prstGeom prst="rect">
+            <a:avLst/>
+          </a:prstGeom>
+        </p:spPr>
+        <p:txBody>
+          <a:bodyPr vert="horz" lIns="91440" tIns="45720" rIns="91440" bIns="45720" rtlCol="0">
+            <a:normAutofit/>
+          </a:bodyPr>
+          <a:lstStyle/>
+          <a:p>
+            <a:pPr algn="ctr" defTabSz="914400">
+              <a:lnSpc>
+                <a:spcPct val="90000"/>
+              </a:lnSpc>
+              <a:spcBef>
+                <a:spcPts val="1000"/>
+              </a:spcBef>
+            </a:pPr>
+            <a:r>
+              <a:rPr lang="en-US" sz="2400" b="1" dirty="0">
+                <a:solidFill>
+                  <a:schemeClr val="accent3">
+                    <a:lumMod val="60000"/>
+                    <a:lumOff val="40000"/>
+                  </a:schemeClr>
+                </a:solidFill>
+              </a:rPr>
+              <a:t>An array must be declared with a specific data type.</a:t>
+            </a:r>
+          </a:p>
+        </p:txBody>
+      </p:sp>
+      <p:sp>
+        <p:nvSpPr>
+          <p:cNvPr id="26" name="Freeform: Shape 25">
+            <a:extLst>
+              <a:ext uri="{FF2B5EF4-FFF2-40B4-BE49-F238E27FC236}">
+                <a16:creationId xmlns:a16="http://schemas.microsoft.com/office/drawing/2014/main" id="{A2B5CBEA-F125-49B6-8335-227C325B112B}"/>
+              </a:ext>
+              <a:ext uri="{C183D7F6-B498-43B3-948B-1728B52AA6E4}">
+                <adec:decorative xmlns:adec="http://schemas.microsoft.com/office/drawing/2017/decorative" val="1"/>
+              </a:ext>
+            </a:extLst>
+          </p:cNvPr>
+          <p:cNvSpPr>
+            <a:spLocks noGrp="1" noRot="1" noChangeAspect="1" noMove="1" noResize="1" noEditPoints="1" noAdjustHandles="1" noChangeArrowheads="1" noChangeShapeType="1" noTextEdit="1"/>
+          </p:cNvSpPr>
+          <p:nvPr>
+            <p:extLst>
+              <p:ext uri="{386F3935-93C4-4BCD-93E2-E3B085C9AB24}">
+                <p16:designElem xmlns:p16="http://schemas.microsoft.com/office/powerpoint/2015/main" val="1"/>
+              </p:ext>
+            </p:extLst>
+          </p:nvPr>
+        </p:nvSpPr>
+        <p:spPr>
+          <a:xfrm flipV="1">
+            <a:off x="10790119" y="0"/>
+            <a:ext cx="1401881" cy="1345036"/>
+          </a:xfrm>
+          <a:custGeom>
+            <a:avLst/>
+            <a:gdLst>
+              <a:gd name="connsiteX0" fmla="*/ 2473947 w 3432581"/>
+              <a:gd name="connsiteY0" fmla="*/ 0 h 3293393"/>
+              <a:gd name="connsiteX1" fmla="*/ 3209623 w 3432581"/>
+              <a:gd name="connsiteY1" fmla="*/ 111224 h 3293393"/>
+              <a:gd name="connsiteX2" fmla="*/ 3432581 w 3432581"/>
+              <a:gd name="connsiteY2" fmla="*/ 192828 h 3293393"/>
+              <a:gd name="connsiteX3" fmla="*/ 3432581 w 3432581"/>
+              <a:gd name="connsiteY3" fmla="*/ 3293393 h 3293393"/>
+              <a:gd name="connsiteX4" fmla="*/ 141884 w 3432581"/>
+              <a:gd name="connsiteY4" fmla="*/ 3293393 h 3293393"/>
+              <a:gd name="connsiteX5" fmla="*/ 111224 w 3432581"/>
+              <a:gd name="connsiteY5" fmla="*/ 3209623 h 3293393"/>
+              <a:gd name="connsiteX6" fmla="*/ 0 w 3432581"/>
+              <a:gd name="connsiteY6" fmla="*/ 2473947 h 3293393"/>
+              <a:gd name="connsiteX7" fmla="*/ 2473947 w 3432581"/>
+              <a:gd name="connsiteY7" fmla="*/ 0 h 3293393"/>
+            </a:gdLst>
+            <a:ahLst/>
+            <a:cxnLst>
+              <a:cxn ang="0">
+                <a:pos x="connsiteX0" y="connsiteY0"/>
+              </a:cxn>
+              <a:cxn ang="0">
+                <a:pos x="connsiteX1" y="connsiteY1"/>
+              </a:cxn>
+              <a:cxn ang="0">
+                <a:pos x="connsiteX2" y="connsiteY2"/>
+              </a:cxn>
+              <a:cxn ang="0">
+                <a:pos x="connsiteX3" y="connsiteY3"/>
+              </a:cxn>
+              <a:cxn ang="0">
+                <a:pos x="connsiteX4" y="connsiteY4"/>
+              </a:cxn>
+              <a:cxn ang="0">
+                <a:pos x="connsiteX5" y="connsiteY5"/>
+              </a:cxn>
+              <a:cxn ang="0">
+                <a:pos x="connsiteX6" y="connsiteY6"/>
+              </a:cxn>
+              <a:cxn ang="0">
+                <a:pos x="connsiteX7" y="connsiteY7"/>
+              </a:cxn>
+            </a:cxnLst>
+            <a:rect l="l" t="t" r="r" b="b"/>
+            <a:pathLst>
+              <a:path w="3432581" h="3293393">
+                <a:moveTo>
+                  <a:pt x="2473947" y="0"/>
+                </a:moveTo>
+                <a:cubicBezTo>
+                  <a:pt x="2730133" y="0"/>
+                  <a:pt x="2977223" y="38940"/>
+                  <a:pt x="3209623" y="111224"/>
+                </a:cubicBezTo>
+                <a:lnTo>
+                  <a:pt x="3432581" y="192828"/>
+                </a:lnTo>
+                <a:lnTo>
+                  <a:pt x="3432581" y="3293393"/>
+                </a:lnTo>
+                <a:lnTo>
+                  <a:pt x="141884" y="3293393"/>
+                </a:lnTo>
+                <a:lnTo>
+                  <a:pt x="111224" y="3209623"/>
+                </a:lnTo>
+                <a:cubicBezTo>
+                  <a:pt x="38940" y="2977224"/>
+                  <a:pt x="0" y="2730133"/>
+                  <a:pt x="0" y="2473947"/>
+                </a:cubicBezTo>
+                <a:cubicBezTo>
+                  <a:pt x="0" y="1107624"/>
+                  <a:pt x="1107624" y="0"/>
+                  <a:pt x="2473947" y="0"/>
+                </a:cubicBezTo>
+                <a:close/>
+              </a:path>
+            </a:pathLst>
+          </a:custGeom>
+          <a:solidFill>
+            <a:srgbClr val="FFFFFF"/>
+          </a:solidFill>
+          <a:ln w="28575">
+            <a:noFill/>
+          </a:ln>
+        </p:spPr>
+        <p:style>
+          <a:lnRef idx="2">
+            <a:schemeClr val="accent1">
+              <a:shade val="50000"/>
+            </a:schemeClr>
+          </a:lnRef>
+          <a:fillRef idx="1">
+            <a:schemeClr val="accent1"/>
+          </a:fillRef>
+          <a:effectRef idx="0">
+            <a:schemeClr val="accent1"/>
+          </a:effectRef>
+          <a:fontRef idx="minor">
+            <a:schemeClr val="lt1"/>
+          </a:fontRef>
+        </p:style>
+        <p:txBody>
+          <a:bodyPr rot="0" spcFirstLastPara="0" vertOverflow="overflow" horzOverflow="overflow" vert="horz" wrap="square" lIns="91440" tIns="45720" rIns="91440" bIns="45720" numCol="1" spcCol="0" rtlCol="0" fromWordArt="0" anchor="ctr" anchorCtr="0" forceAA="0" compatLnSpc="1">
+            <a:prstTxWarp prst="textNoShape">
+              <a:avLst/>
+            </a:prstTxWarp>
+            <a:noAutofit/>
+          </a:bodyPr>
+          <a:lstStyle/>
+          <a:p>
+            <a:pPr algn="ctr"/>
+            <a:endParaRPr lang="en-US" dirty="0"/>
+          </a:p>
+        </p:txBody>
+      </p:sp>
+      <p:sp>
+        <p:nvSpPr>
+          <p:cNvPr id="28" name="Freeform: Shape 27">
+            <a:extLst>
+              <a:ext uri="{FF2B5EF4-FFF2-40B4-BE49-F238E27FC236}">
+                <a16:creationId xmlns:a16="http://schemas.microsoft.com/office/drawing/2014/main" id="{FEA9761C-7BB2-45E5-A5DB-A0B35362454A}"/>
+              </a:ext>
+              <a:ext uri="{C183D7F6-B498-43B3-948B-1728B52AA6E4}">
+                <adec:decorative xmlns:adec="http://schemas.microsoft.com/office/drawing/2017/decorative" val="1"/>
+              </a:ext>
+            </a:extLst>
+          </p:cNvPr>
+          <p:cNvSpPr>
+            <a:spLocks noGrp="1" noRot="1" noChangeAspect="1" noMove="1" noResize="1" noEditPoints="1" noAdjustHandles="1" noChangeArrowheads="1" noChangeShapeType="1" noTextEdit="1"/>
+          </p:cNvSpPr>
+          <p:nvPr>
+            <p:extLst>
+              <p:ext uri="{386F3935-93C4-4BCD-93E2-E3B085C9AB24}">
+                <p16:designElem xmlns:p16="http://schemas.microsoft.com/office/powerpoint/2015/main" val="1"/>
+              </p:ext>
+            </p:extLst>
+          </p:nvPr>
+        </p:nvSpPr>
+        <p:spPr>
+          <a:xfrm flipV="1">
+            <a:off x="10790119" y="0"/>
+            <a:ext cx="1401881" cy="1345036"/>
+          </a:xfrm>
+          <a:custGeom>
+            <a:avLst/>
+            <a:gdLst>
+              <a:gd name="connsiteX0" fmla="*/ 2473947 w 3432581"/>
+              <a:gd name="connsiteY0" fmla="*/ 0 h 3293393"/>
+              <a:gd name="connsiteX1" fmla="*/ 3209623 w 3432581"/>
+              <a:gd name="connsiteY1" fmla="*/ 111224 h 3293393"/>
+              <a:gd name="connsiteX2" fmla="*/ 3432581 w 3432581"/>
+              <a:gd name="connsiteY2" fmla="*/ 192828 h 3293393"/>
+              <a:gd name="connsiteX3" fmla="*/ 3432581 w 3432581"/>
+              <a:gd name="connsiteY3" fmla="*/ 3293393 h 3293393"/>
+              <a:gd name="connsiteX4" fmla="*/ 141884 w 3432581"/>
+              <a:gd name="connsiteY4" fmla="*/ 3293393 h 3293393"/>
+              <a:gd name="connsiteX5" fmla="*/ 111224 w 3432581"/>
+              <a:gd name="connsiteY5" fmla="*/ 3209623 h 3293393"/>
+              <a:gd name="connsiteX6" fmla="*/ 0 w 3432581"/>
+              <a:gd name="connsiteY6" fmla="*/ 2473947 h 3293393"/>
+              <a:gd name="connsiteX7" fmla="*/ 2473947 w 3432581"/>
+              <a:gd name="connsiteY7" fmla="*/ 0 h 3293393"/>
+            </a:gdLst>
+            <a:ahLst/>
+            <a:cxnLst>
+              <a:cxn ang="0">
+                <a:pos x="connsiteX0" y="connsiteY0"/>
+              </a:cxn>
+              <a:cxn ang="0">
+                <a:pos x="connsiteX1" y="connsiteY1"/>
+              </a:cxn>
+              <a:cxn ang="0">
+                <a:pos x="connsiteX2" y="connsiteY2"/>
+              </a:cxn>
+              <a:cxn ang="0">
+                <a:pos x="connsiteX3" y="connsiteY3"/>
+              </a:cxn>
+              <a:cxn ang="0">
+                <a:pos x="connsiteX4" y="connsiteY4"/>
+              </a:cxn>
+              <a:cxn ang="0">
+                <a:pos x="connsiteX5" y="connsiteY5"/>
+              </a:cxn>
+              <a:cxn ang="0">
+                <a:pos x="connsiteX6" y="connsiteY6"/>
+              </a:cxn>
+              <a:cxn ang="0">
+                <a:pos x="connsiteX7" y="connsiteY7"/>
+              </a:cxn>
+            </a:cxnLst>
+            <a:rect l="l" t="t" r="r" b="b"/>
+            <a:pathLst>
+              <a:path w="3432581" h="3293393">
+                <a:moveTo>
+                  <a:pt x="2473947" y="0"/>
+                </a:moveTo>
+                <a:cubicBezTo>
+                  <a:pt x="2730133" y="0"/>
+                  <a:pt x="2977223" y="38940"/>
+                  <a:pt x="3209623" y="111224"/>
+                </a:cubicBezTo>
+                <a:lnTo>
+                  <a:pt x="3432581" y="192828"/>
+                </a:lnTo>
+                <a:lnTo>
+                  <a:pt x="3432581" y="3293393"/>
+                </a:lnTo>
+                <a:lnTo>
+                  <a:pt x="141884" y="3293393"/>
+                </a:lnTo>
+                <a:lnTo>
+                  <a:pt x="111224" y="3209623"/>
+                </a:lnTo>
+                <a:cubicBezTo>
+                  <a:pt x="38940" y="2977224"/>
+                  <a:pt x="0" y="2730133"/>
+                  <a:pt x="0" y="2473947"/>
+                </a:cubicBezTo>
+                <a:cubicBezTo>
+                  <a:pt x="0" y="1107624"/>
+                  <a:pt x="1107624" y="0"/>
+                  <a:pt x="2473947" y="0"/>
+                </a:cubicBezTo>
+                <a:close/>
+              </a:path>
+            </a:pathLst>
+          </a:custGeom>
+          <a:solidFill>
+            <a:schemeClr val="accent2">
+              <a:alpha val="30000"/>
+            </a:schemeClr>
+          </a:solidFill>
+          <a:ln w="28575">
+            <a:noFill/>
+          </a:ln>
+        </p:spPr>
+        <p:style>
+          <a:lnRef idx="2">
+            <a:schemeClr val="accent1">
+              <a:shade val="50000"/>
+            </a:schemeClr>
+          </a:lnRef>
+          <a:fillRef idx="1">
+            <a:schemeClr val="accent1"/>
+          </a:fillRef>
+          <a:effectRef idx="0">
+            <a:schemeClr val="accent1"/>
+          </a:effectRef>
+          <a:fontRef idx="minor">
+            <a:schemeClr val="lt1"/>
+          </a:fontRef>
+        </p:style>
+        <p:txBody>
+          <a:bodyPr rot="0" spcFirstLastPara="0" vertOverflow="overflow" horzOverflow="overflow" vert="horz" wrap="square" lIns="91440" tIns="45720" rIns="91440" bIns="45720" numCol="1" spcCol="0" rtlCol="0" fromWordArt="0" anchor="ctr" anchorCtr="0" forceAA="0" compatLnSpc="1">
+            <a:prstTxWarp prst="textNoShape">
+              <a:avLst/>
+            </a:prstTxWarp>
+            <a:noAutofit/>
+          </a:bodyPr>
+          <a:lstStyle/>
+          <a:p>
+            <a:pPr algn="ctr"/>
+            <a:endParaRPr lang="en-US" dirty="0"/>
+          </a:p>
+        </p:txBody>
+      </p:sp>
+      <p:sp>
+        <p:nvSpPr>
+          <p:cNvPr id="30" name="Oval 29">
+            <a:extLst>
+              <a:ext uri="{FF2B5EF4-FFF2-40B4-BE49-F238E27FC236}">
+                <a16:creationId xmlns:a16="http://schemas.microsoft.com/office/drawing/2014/main" id="{4D1A5E71-B6B6-486A-8CDC-C7ABD9B903F6}"/>
+              </a:ext>
+              <a:ext uri="{C183D7F6-B498-43B3-948B-1728B52AA6E4}">
+                <adec:decorative xmlns:adec="http://schemas.microsoft.com/office/drawing/2017/decorative" val="1"/>
+              </a:ext>
+            </a:extLst>
+          </p:cNvPr>
+          <p:cNvSpPr>
+            <a:spLocks noGrp="1" noRot="1" noChangeAspect="1" noMove="1" noResize="1" noEditPoints="1" noAdjustHandles="1" noChangeArrowheads="1" noChangeShapeType="1" noTextEdit="1"/>
+          </p:cNvSpPr>
+          <p:nvPr>
+            <p:extLst>
+              <p:ext uri="{386F3935-93C4-4BCD-93E2-E3B085C9AB24}">
+                <p16:designElem xmlns:p16="http://schemas.microsoft.com/office/powerpoint/2015/main" val="1"/>
+              </p:ext>
+            </p:extLst>
+          </p:nvPr>
+        </p:nvSpPr>
+        <p:spPr>
+          <a:xfrm>
+            <a:off x="367634" y="4727300"/>
+            <a:ext cx="319941" cy="319941"/>
+          </a:xfrm>
+          <a:prstGeom prst="ellipse">
+            <a:avLst/>
+          </a:prstGeom>
+          <a:solidFill>
+            <a:srgbClr val="FFFFFF"/>
+          </a:solidFill>
+          <a:ln w="28575">
+            <a:noFill/>
+          </a:ln>
+        </p:spPr>
+        <p:style>
+          <a:lnRef idx="2">
+            <a:schemeClr val="accent1">
+              <a:shade val="50000"/>
+            </a:schemeClr>
+          </a:lnRef>
+          <a:fillRef idx="1">
+            <a:schemeClr val="accent1"/>
+          </a:fillRef>
+          <a:effectRef idx="0">
+            <a:schemeClr val="accent1"/>
+          </a:effectRef>
+          <a:fontRef idx="minor">
+            <a:schemeClr val="lt1"/>
+          </a:fontRef>
+        </p:style>
+        <p:txBody>
+          <a:bodyPr rot="0" spcFirstLastPara="0" vertOverflow="overflow" horzOverflow="overflow" vert="horz" wrap="square" lIns="91440" tIns="45720" rIns="91440" bIns="45720" numCol="1" spcCol="0" rtlCol="0" fromWordArt="0" anchor="ctr" anchorCtr="0" forceAA="0" compatLnSpc="1">
+            <a:prstTxWarp prst="textNoShape">
+              <a:avLst/>
+            </a:prstTxWarp>
+            <a:noAutofit/>
+          </a:bodyPr>
+          <a:lstStyle/>
+          <a:p>
+            <a:pPr algn="ctr"/>
+            <a:endParaRPr lang="en-US"/>
+          </a:p>
+        </p:txBody>
+      </p:sp>
+      <p:sp>
+        <p:nvSpPr>
+          <p:cNvPr id="32" name="Oval 31">
+            <a:extLst>
+              <a:ext uri="{FF2B5EF4-FFF2-40B4-BE49-F238E27FC236}">
+                <a16:creationId xmlns:a16="http://schemas.microsoft.com/office/drawing/2014/main" id="{8E44D629-6B8E-4D88-A77E-149C0ED03498}"/>
+              </a:ext>
+              <a:ext uri="{C183D7F6-B498-43B3-948B-1728B52AA6E4}">
+                <adec:decorative xmlns:adec="http://schemas.microsoft.com/office/drawing/2017/decorative" val="1"/>
+              </a:ext>
+            </a:extLst>
+          </p:cNvPr>
+          <p:cNvSpPr>
+            <a:spLocks noGrp="1" noRot="1" noChangeAspect="1" noMove="1" noResize="1" noEditPoints="1" noAdjustHandles="1" noChangeArrowheads="1" noChangeShapeType="1" noTextEdit="1"/>
+          </p:cNvSpPr>
+          <p:nvPr>
+            <p:extLst>
+              <p:ext uri="{386F3935-93C4-4BCD-93E2-E3B085C9AB24}">
+                <p16:designElem xmlns:p16="http://schemas.microsoft.com/office/powerpoint/2015/main" val="1"/>
+              </p:ext>
+            </p:extLst>
+          </p:nvPr>
+        </p:nvSpPr>
+        <p:spPr>
+          <a:xfrm>
+            <a:off x="367634" y="4727300"/>
+            <a:ext cx="319941" cy="319941"/>
+          </a:xfrm>
+          <a:prstGeom prst="ellipse">
+            <a:avLst/>
+          </a:prstGeom>
+          <a:solidFill>
+            <a:schemeClr val="accent2">
+              <a:alpha val="30000"/>
+            </a:schemeClr>
+          </a:solidFill>
+          <a:ln w="28575">
+            <a:solidFill>
+              <a:schemeClr val="bg1"/>
+            </a:solidFill>
+          </a:ln>
+        </p:spPr>
+        <p:style>
+          <a:lnRef idx="2">
+            <a:schemeClr val="accent1">
+              <a:shade val="50000"/>
+            </a:schemeClr>
+          </a:lnRef>
+          <a:fillRef idx="1">
+            <a:schemeClr val="accent1"/>
+          </a:fillRef>
+          <a:effectRef idx="0">
+            <a:schemeClr val="accent1"/>
+          </a:effectRef>
+          <a:fontRef idx="minor">
+            <a:schemeClr val="lt1"/>
+          </a:fontRef>
+        </p:style>
+        <p:txBody>
+          <a:bodyPr rot="0" spcFirstLastPara="0" vertOverflow="overflow" horzOverflow="overflow" vert="horz" wrap="square" lIns="91440" tIns="45720" rIns="91440" bIns="45720" numCol="1" spcCol="0" rtlCol="0" fromWordArt="0" anchor="ctr" anchorCtr="0" forceAA="0" compatLnSpc="1">
+            <a:prstTxWarp prst="textNoShape">
+              <a:avLst/>
+            </a:prstTxWarp>
+            <a:noAutofit/>
+          </a:bodyPr>
+          <a:lstStyle/>
+          <a:p>
+            <a:pPr algn="ctr"/>
+            <a:endParaRPr lang="en-US"/>
+          </a:p>
+        </p:txBody>
+      </p:sp>
+      <p:grpSp>
+        <p:nvGrpSpPr>
+          <p:cNvPr id="34" name="Graphic 185">
+            <a:extLst>
+              <a:ext uri="{FF2B5EF4-FFF2-40B4-BE49-F238E27FC236}">
+                <a16:creationId xmlns:a16="http://schemas.microsoft.com/office/drawing/2014/main" id="{FB9739EB-7F66-433D-841F-AB3CD18700B7}"/>
+              </a:ext>
+              <a:ext uri="{C183D7F6-B498-43B3-948B-1728B52AA6E4}">
+                <adec:decorative xmlns:adec="http://schemas.microsoft.com/office/drawing/2017/decorative" val="1"/>
+              </a:ext>
+            </a:extLst>
+          </p:cNvPr>
+          <p:cNvGrpSpPr>
+            <a:grpSpLocks noGrp="1" noUngrp="1" noRot="1" noChangeAspect="1" noMove="1" noResize="1"/>
+          </p:cNvGrpSpPr>
+          <p:nvPr>
+            <p:extLst>
+              <p:ext uri="{386F3935-93C4-4BCD-93E2-E3B085C9AB24}">
+                <p16:designElem xmlns:p16="http://schemas.microsoft.com/office/powerpoint/2015/main" val="1"/>
+              </p:ext>
+            </p:extLst>
+          </p:nvPr>
+        </p:nvGrpSpPr>
+        <p:grpSpPr>
+          <a:xfrm>
+            <a:off x="10503907" y="5801515"/>
+            <a:ext cx="1054466" cy="469689"/>
+            <a:chOff x="9841624" y="4115729"/>
+            <a:chExt cx="602169" cy="268223"/>
+          </a:xfrm>
+          <a:solidFill>
+            <a:srgbClr val="FFFFFF"/>
+          </a:solidFill>
+        </p:grpSpPr>
+        <p:sp>
+          <p:nvSpPr>
+            <p:cNvPr id="35" name="Freeform: Shape 34">
+              <a:extLst>
+                <a:ext uri="{FF2B5EF4-FFF2-40B4-BE49-F238E27FC236}">
+                  <a16:creationId xmlns:a16="http://schemas.microsoft.com/office/drawing/2014/main" id="{104F2BBD-A005-4DCB-9566-F2351050BEE6}"/>
+                </a:ext>
+                <a:ext uri="{C183D7F6-B498-43B3-948B-1728B52AA6E4}">
+                  <adec:decorative xmlns:adec="http://schemas.microsoft.com/office/drawing/2017/decorative" val="1"/>
+                </a:ext>
+              </a:extLst>
+            </p:cNvPr>
+            <p:cNvSpPr/>
+            <p:nvPr>
+              <p:extLst>
+                <p:ext uri="{386F3935-93C4-4BCD-93E2-E3B085C9AB24}">
+                  <p16:designElem xmlns:p16="http://schemas.microsoft.com/office/powerpoint/2015/main" val="1"/>
+                </p:ext>
+              </p:extLst>
+            </p:nvPr>
+          </p:nvSpPr>
+          <p:spPr>
+            <a:xfrm>
+              <a:off x="9841624" y="4115729"/>
+              <a:ext cx="202882" cy="268223"/>
+            </a:xfrm>
+            <a:custGeom>
+              <a:avLst/>
+              <a:gdLst>
+                <a:gd name="connsiteX0" fmla="*/ 20765 w 202882"/>
+                <a:gd name="connsiteY0" fmla="*/ 268224 h 268223"/>
+                <a:gd name="connsiteX1" fmla="*/ 0 w 202882"/>
+                <a:gd name="connsiteY1" fmla="*/ 268224 h 268223"/>
+                <a:gd name="connsiteX2" fmla="*/ 182118 w 202882"/>
+                <a:gd name="connsiteY2" fmla="*/ 0 h 268223"/>
+                <a:gd name="connsiteX3" fmla="*/ 202883 w 202882"/>
+                <a:gd name="connsiteY3" fmla="*/ 0 h 268223"/>
+              </a:gdLst>
+              <a:ahLst/>
+              <a:cxnLst>
+                <a:cxn ang="0">
+                  <a:pos x="connsiteX0" y="connsiteY0"/>
+                </a:cxn>
+                <a:cxn ang="0">
+                  <a:pos x="connsiteX1" y="connsiteY1"/>
+                </a:cxn>
+                <a:cxn ang="0">
+                  <a:pos x="connsiteX2" y="connsiteY2"/>
+                </a:cxn>
+                <a:cxn ang="0">
+                  <a:pos x="connsiteX3" y="connsiteY3"/>
+                </a:cxn>
+              </a:cxnLst>
+              <a:rect l="l" t="t" r="r" b="b"/>
+              <a:pathLst>
+                <a:path w="202882" h="268223">
+                  <a:moveTo>
+                    <a:pt x="20765" y="268224"/>
+                  </a:moveTo>
+                  <a:lnTo>
+                    <a:pt x="0" y="268224"/>
+                  </a:lnTo>
+                  <a:lnTo>
+                    <a:pt x="182118" y="0"/>
+                  </a:lnTo>
+                  <a:lnTo>
+                    <a:pt x="202883" y="0"/>
+                  </a:lnTo>
+                  <a:close/>
+                </a:path>
+              </a:pathLst>
+            </a:custGeom>
+            <a:grpFill/>
+            <a:ln w="9525" cap="flat">
+              <a:noFill/>
+              <a:prstDash val="solid"/>
+              <a:miter/>
+            </a:ln>
+          </p:spPr>
+          <p:txBody>
+            <a:bodyPr rtlCol="0" anchor="ctr"/>
+            <a:lstStyle/>
+            <a:p>
+              <a:endParaRPr lang="en-US"/>
+            </a:p>
+          </p:txBody>
+        </p:sp>
+        <p:sp>
+          <p:nvSpPr>
+            <p:cNvPr id="36" name="Freeform: Shape 35">
+              <a:extLst>
+                <a:ext uri="{FF2B5EF4-FFF2-40B4-BE49-F238E27FC236}">
+                  <a16:creationId xmlns:a16="http://schemas.microsoft.com/office/drawing/2014/main" id="{8B00DEC7-198B-49D1-98FD-018F3ECFCF4C}"/>
+                </a:ext>
+                <a:ext uri="{C183D7F6-B498-43B3-948B-1728B52AA6E4}">
+                  <adec:decorative xmlns:adec="http://schemas.microsoft.com/office/drawing/2017/decorative" val="1"/>
+                </a:ext>
+              </a:extLst>
+            </p:cNvPr>
+            <p:cNvSpPr/>
+            <p:nvPr>
+              <p:extLst>
+                <p:ext uri="{386F3935-93C4-4BCD-93E2-E3B085C9AB24}">
+                  <p16:designElem xmlns:p16="http://schemas.microsoft.com/office/powerpoint/2015/main" val="1"/>
+                </p:ext>
+              </p:extLst>
+            </p:nvPr>
+          </p:nvSpPr>
+          <p:spPr>
+            <a:xfrm>
+              <a:off x="9941445" y="4115729"/>
+              <a:ext cx="202882" cy="268223"/>
+            </a:xfrm>
+            <a:custGeom>
+              <a:avLst/>
+              <a:gdLst>
+                <a:gd name="connsiteX0" fmla="*/ 20765 w 202882"/>
+                <a:gd name="connsiteY0" fmla="*/ 268224 h 268223"/>
+                <a:gd name="connsiteX1" fmla="*/ 0 w 202882"/>
+                <a:gd name="connsiteY1" fmla="*/ 268224 h 268223"/>
+                <a:gd name="connsiteX2" fmla="*/ 182118 w 202882"/>
+                <a:gd name="connsiteY2" fmla="*/ 0 h 268223"/>
+                <a:gd name="connsiteX3" fmla="*/ 202883 w 202882"/>
+                <a:gd name="connsiteY3" fmla="*/ 0 h 268223"/>
+              </a:gdLst>
+              <a:ahLst/>
+              <a:cxnLst>
+                <a:cxn ang="0">
+                  <a:pos x="connsiteX0" y="connsiteY0"/>
+                </a:cxn>
+                <a:cxn ang="0">
+                  <a:pos x="connsiteX1" y="connsiteY1"/>
+                </a:cxn>
+                <a:cxn ang="0">
+                  <a:pos x="connsiteX2" y="connsiteY2"/>
+                </a:cxn>
+                <a:cxn ang="0">
+                  <a:pos x="connsiteX3" y="connsiteY3"/>
+                </a:cxn>
+              </a:cxnLst>
+              <a:rect l="l" t="t" r="r" b="b"/>
+              <a:pathLst>
+                <a:path w="202882" h="268223">
+                  <a:moveTo>
+                    <a:pt x="20765" y="268224"/>
+                  </a:moveTo>
+                  <a:lnTo>
+                    <a:pt x="0" y="268224"/>
+                  </a:lnTo>
+                  <a:lnTo>
+                    <a:pt x="182118" y="0"/>
+                  </a:lnTo>
+                  <a:lnTo>
+                    <a:pt x="202883" y="0"/>
+                  </a:lnTo>
+                  <a:close/>
+                </a:path>
+              </a:pathLst>
+            </a:custGeom>
+            <a:grpFill/>
+            <a:ln w="9525" cap="flat">
+              <a:noFill/>
+              <a:prstDash val="solid"/>
+              <a:miter/>
+            </a:ln>
+          </p:spPr>
+          <p:txBody>
+            <a:bodyPr rtlCol="0" anchor="ctr"/>
+            <a:lstStyle/>
+            <a:p>
+              <a:endParaRPr lang="en-US"/>
+            </a:p>
+          </p:txBody>
+        </p:sp>
+        <p:sp>
+          <p:nvSpPr>
+            <p:cNvPr id="37" name="Freeform: Shape 36">
+              <a:extLst>
+                <a:ext uri="{FF2B5EF4-FFF2-40B4-BE49-F238E27FC236}">
+                  <a16:creationId xmlns:a16="http://schemas.microsoft.com/office/drawing/2014/main" id="{F14DFC82-B3B3-468E-91B3-1302CFC68468}"/>
+                </a:ext>
+                <a:ext uri="{C183D7F6-B498-43B3-948B-1728B52AA6E4}">
+                  <adec:decorative xmlns:adec="http://schemas.microsoft.com/office/drawing/2017/decorative" val="1"/>
+                </a:ext>
+              </a:extLst>
+            </p:cNvPr>
+            <p:cNvSpPr/>
+            <p:nvPr>
+              <p:extLst>
+                <p:ext uri="{386F3935-93C4-4BCD-93E2-E3B085C9AB24}">
+                  <p16:designElem xmlns:p16="http://schemas.microsoft.com/office/powerpoint/2015/main" val="1"/>
+                </p:ext>
+              </p:extLst>
+            </p:nvPr>
+          </p:nvSpPr>
+          <p:spPr>
+            <a:xfrm>
+              <a:off x="10041267" y="4115729"/>
+              <a:ext cx="202882" cy="268223"/>
+            </a:xfrm>
+            <a:custGeom>
+              <a:avLst/>
+              <a:gdLst>
+                <a:gd name="connsiteX0" fmla="*/ 20669 w 202882"/>
+                <a:gd name="connsiteY0" fmla="*/ 268224 h 268223"/>
+                <a:gd name="connsiteX1" fmla="*/ 0 w 202882"/>
+                <a:gd name="connsiteY1" fmla="*/ 268224 h 268223"/>
+                <a:gd name="connsiteX2" fmla="*/ 182118 w 202882"/>
+                <a:gd name="connsiteY2" fmla="*/ 0 h 268223"/>
+                <a:gd name="connsiteX3" fmla="*/ 202883 w 202882"/>
+                <a:gd name="connsiteY3" fmla="*/ 0 h 268223"/>
+              </a:gdLst>
+              <a:ahLst/>
+              <a:cxnLst>
+                <a:cxn ang="0">
+                  <a:pos x="connsiteX0" y="connsiteY0"/>
+                </a:cxn>
+                <a:cxn ang="0">
+                  <a:pos x="connsiteX1" y="connsiteY1"/>
+                </a:cxn>
+                <a:cxn ang="0">
+                  <a:pos x="connsiteX2" y="connsiteY2"/>
+                </a:cxn>
+                <a:cxn ang="0">
+                  <a:pos x="connsiteX3" y="connsiteY3"/>
+                </a:cxn>
+              </a:cxnLst>
+              <a:rect l="l" t="t" r="r" b="b"/>
+              <a:pathLst>
+                <a:path w="202882" h="268223">
+                  <a:moveTo>
+                    <a:pt x="20669" y="268224"/>
+                  </a:moveTo>
+                  <a:lnTo>
+                    <a:pt x="0" y="268224"/>
+                  </a:lnTo>
+                  <a:lnTo>
+                    <a:pt x="182118" y="0"/>
+                  </a:lnTo>
+                  <a:lnTo>
+                    <a:pt x="202883" y="0"/>
+                  </a:lnTo>
+                  <a:close/>
+                </a:path>
+              </a:pathLst>
+            </a:custGeom>
+            <a:grpFill/>
+            <a:ln w="9525" cap="flat">
+              <a:noFill/>
+              <a:prstDash val="solid"/>
+              <a:miter/>
+            </a:ln>
+          </p:spPr>
+          <p:txBody>
+            <a:bodyPr rtlCol="0" anchor="ctr"/>
+            <a:lstStyle/>
+            <a:p>
+              <a:endParaRPr lang="en-US"/>
+            </a:p>
+          </p:txBody>
+        </p:sp>
+        <p:sp>
+          <p:nvSpPr>
+            <p:cNvPr id="38" name="Freeform: Shape 37">
+              <a:extLst>
+                <a:ext uri="{FF2B5EF4-FFF2-40B4-BE49-F238E27FC236}">
+                  <a16:creationId xmlns:a16="http://schemas.microsoft.com/office/drawing/2014/main" id="{D3250EFE-214E-4B8E-AF96-036A514FFB2D}"/>
+                </a:ext>
+                <a:ext uri="{C183D7F6-B498-43B3-948B-1728B52AA6E4}">
+                  <adec:decorative xmlns:adec="http://schemas.microsoft.com/office/drawing/2017/decorative" val="1"/>
+                </a:ext>
+              </a:extLst>
+            </p:cNvPr>
+            <p:cNvSpPr/>
+            <p:nvPr>
+              <p:extLst>
+                <p:ext uri="{386F3935-93C4-4BCD-93E2-E3B085C9AB24}">
+                  <p16:designElem xmlns:p16="http://schemas.microsoft.com/office/powerpoint/2015/main" val="1"/>
+                </p:ext>
+              </p:extLst>
+            </p:nvPr>
+          </p:nvSpPr>
+          <p:spPr>
+            <a:xfrm>
+              <a:off x="10141090" y="4115729"/>
+              <a:ext cx="202882" cy="268223"/>
+            </a:xfrm>
+            <a:custGeom>
+              <a:avLst/>
+              <a:gdLst>
+                <a:gd name="connsiteX0" fmla="*/ 20669 w 202882"/>
+                <a:gd name="connsiteY0" fmla="*/ 268224 h 268223"/>
+                <a:gd name="connsiteX1" fmla="*/ 0 w 202882"/>
+                <a:gd name="connsiteY1" fmla="*/ 268224 h 268223"/>
+                <a:gd name="connsiteX2" fmla="*/ 182118 w 202882"/>
+                <a:gd name="connsiteY2" fmla="*/ 0 h 268223"/>
+                <a:gd name="connsiteX3" fmla="*/ 202883 w 202882"/>
+                <a:gd name="connsiteY3" fmla="*/ 0 h 268223"/>
+              </a:gdLst>
+              <a:ahLst/>
+              <a:cxnLst>
+                <a:cxn ang="0">
+                  <a:pos x="connsiteX0" y="connsiteY0"/>
+                </a:cxn>
+                <a:cxn ang="0">
+                  <a:pos x="connsiteX1" y="connsiteY1"/>
+                </a:cxn>
+                <a:cxn ang="0">
+                  <a:pos x="connsiteX2" y="connsiteY2"/>
+                </a:cxn>
+                <a:cxn ang="0">
+                  <a:pos x="connsiteX3" y="connsiteY3"/>
+                </a:cxn>
+              </a:cxnLst>
+              <a:rect l="l" t="t" r="r" b="b"/>
+              <a:pathLst>
+                <a:path w="202882" h="268223">
+                  <a:moveTo>
+                    <a:pt x="20669" y="268224"/>
+                  </a:moveTo>
+                  <a:lnTo>
+                    <a:pt x="0" y="268224"/>
+                  </a:lnTo>
+                  <a:lnTo>
+                    <a:pt x="182118" y="0"/>
+                  </a:lnTo>
+                  <a:lnTo>
+                    <a:pt x="202883" y="0"/>
+                  </a:lnTo>
+                  <a:close/>
+                </a:path>
+              </a:pathLst>
+            </a:custGeom>
+            <a:grpFill/>
+            <a:ln w="9525" cap="flat">
+              <a:noFill/>
+              <a:prstDash val="solid"/>
+              <a:miter/>
+            </a:ln>
+          </p:spPr>
+          <p:txBody>
+            <a:bodyPr rtlCol="0" anchor="ctr"/>
+            <a:lstStyle/>
+            <a:p>
+              <a:endParaRPr lang="en-US"/>
+            </a:p>
+          </p:txBody>
+        </p:sp>
+        <p:sp>
+          <p:nvSpPr>
+            <p:cNvPr id="39" name="Freeform: Shape 38">
+              <a:extLst>
+                <a:ext uri="{FF2B5EF4-FFF2-40B4-BE49-F238E27FC236}">
+                  <a16:creationId xmlns:a16="http://schemas.microsoft.com/office/drawing/2014/main" id="{AD058EBE-D4A5-4C43-B170-6A451F87A7B2}"/>
+                </a:ext>
+                <a:ext uri="{C183D7F6-B498-43B3-948B-1728B52AA6E4}">
+                  <adec:decorative xmlns:adec="http://schemas.microsoft.com/office/drawing/2017/decorative" val="1"/>
+                </a:ext>
+              </a:extLst>
+            </p:cNvPr>
+            <p:cNvSpPr/>
+            <p:nvPr>
+              <p:extLst>
+                <p:ext uri="{386F3935-93C4-4BCD-93E2-E3B085C9AB24}">
+                  <p16:designElem xmlns:p16="http://schemas.microsoft.com/office/powerpoint/2015/main" val="1"/>
+                </p:ext>
+              </p:extLst>
+            </p:nvPr>
+          </p:nvSpPr>
+          <p:spPr>
+            <a:xfrm>
+              <a:off x="10240911" y="4115729"/>
+              <a:ext cx="202882" cy="268223"/>
+            </a:xfrm>
+            <a:custGeom>
+              <a:avLst/>
+              <a:gdLst>
+                <a:gd name="connsiteX0" fmla="*/ 20669 w 202882"/>
+                <a:gd name="connsiteY0" fmla="*/ 268224 h 268223"/>
+                <a:gd name="connsiteX1" fmla="*/ 0 w 202882"/>
+                <a:gd name="connsiteY1" fmla="*/ 268224 h 268223"/>
+                <a:gd name="connsiteX2" fmla="*/ 182118 w 202882"/>
+                <a:gd name="connsiteY2" fmla="*/ 0 h 268223"/>
+                <a:gd name="connsiteX3" fmla="*/ 202883 w 202882"/>
+                <a:gd name="connsiteY3" fmla="*/ 0 h 268223"/>
+              </a:gdLst>
+              <a:ahLst/>
+              <a:cxnLst>
+                <a:cxn ang="0">
+                  <a:pos x="connsiteX0" y="connsiteY0"/>
+                </a:cxn>
+                <a:cxn ang="0">
+                  <a:pos x="connsiteX1" y="connsiteY1"/>
+                </a:cxn>
+                <a:cxn ang="0">
+                  <a:pos x="connsiteX2" y="connsiteY2"/>
+                </a:cxn>
+                <a:cxn ang="0">
+                  <a:pos x="connsiteX3" y="connsiteY3"/>
+                </a:cxn>
+              </a:cxnLst>
+              <a:rect l="l" t="t" r="r" b="b"/>
+              <a:pathLst>
+                <a:path w="202882" h="268223">
+                  <a:moveTo>
+                    <a:pt x="20669" y="268224"/>
+                  </a:moveTo>
+                  <a:lnTo>
+                    <a:pt x="0" y="268224"/>
+                  </a:lnTo>
+                  <a:lnTo>
+                    <a:pt x="182118" y="0"/>
+                  </a:lnTo>
+                  <a:lnTo>
+                    <a:pt x="202883" y="0"/>
+                  </a:lnTo>
+                  <a:close/>
+                </a:path>
+              </a:pathLst>
+            </a:custGeom>
+            <a:grpFill/>
+            <a:ln w="9525" cap="flat">
+              <a:noFill/>
+              <a:prstDash val="solid"/>
+              <a:miter/>
+            </a:ln>
+          </p:spPr>
+          <p:txBody>
+            <a:bodyPr rtlCol="0" anchor="ctr"/>
+            <a:lstStyle/>
+            <a:p>
+              <a:endParaRPr lang="en-US"/>
+            </a:p>
+          </p:txBody>
+        </p:sp>
+      </p:grpSp>
+      <p:grpSp>
+        <p:nvGrpSpPr>
+          <p:cNvPr id="41" name="Graphic 185">
+            <a:extLst>
+              <a:ext uri="{FF2B5EF4-FFF2-40B4-BE49-F238E27FC236}">
+                <a16:creationId xmlns:a16="http://schemas.microsoft.com/office/drawing/2014/main" id="{8B6BCBAB-41A5-4D6D-8C9B-55E3AA6FCC21}"/>
+              </a:ext>
+              <a:ext uri="{C183D7F6-B498-43B3-948B-1728B52AA6E4}">
+                <adec:decorative xmlns:adec="http://schemas.microsoft.com/office/drawing/2017/decorative" val="1"/>
+              </a:ext>
+            </a:extLst>
+          </p:cNvPr>
+          <p:cNvGrpSpPr>
+            <a:grpSpLocks noGrp="1" noUngrp="1" noRot="1" noChangeAspect="1" noMove="1" noResize="1"/>
+          </p:cNvGrpSpPr>
+          <p:nvPr>
+            <p:extLst>
+              <p:ext uri="{386F3935-93C4-4BCD-93E2-E3B085C9AB24}">
+                <p16:designElem xmlns:p16="http://schemas.microsoft.com/office/powerpoint/2015/main" val="1"/>
+              </p:ext>
+            </p:extLst>
+          </p:nvPr>
+        </p:nvGrpSpPr>
+        <p:grpSpPr>
+          <a:xfrm>
+            <a:off x="10503907" y="5801515"/>
+            <a:ext cx="1054466" cy="469689"/>
+            <a:chOff x="9841624" y="4115729"/>
+            <a:chExt cx="602169" cy="268223"/>
+          </a:xfrm>
+          <a:solidFill>
+            <a:schemeClr val="bg1"/>
+          </a:solidFill>
+        </p:grpSpPr>
+        <p:sp>
+          <p:nvSpPr>
+            <p:cNvPr id="42" name="Freeform: Shape 41">
+              <a:extLst>
+                <a:ext uri="{FF2B5EF4-FFF2-40B4-BE49-F238E27FC236}">
+                  <a16:creationId xmlns:a16="http://schemas.microsoft.com/office/drawing/2014/main" id="{755217F1-B506-4443-A399-CFFA441CD622}"/>
+                </a:ext>
+                <a:ext uri="{C183D7F6-B498-43B3-948B-1728B52AA6E4}">
+                  <adec:decorative xmlns:adec="http://schemas.microsoft.com/office/drawing/2017/decorative" val="1"/>
+                </a:ext>
+              </a:extLst>
+            </p:cNvPr>
+            <p:cNvSpPr/>
+            <p:nvPr>
+              <p:extLst>
+                <p:ext uri="{386F3935-93C4-4BCD-93E2-E3B085C9AB24}">
+                  <p16:designElem xmlns:p16="http://schemas.microsoft.com/office/powerpoint/2015/main" val="1"/>
+                </p:ext>
+              </p:extLst>
+            </p:nvPr>
+          </p:nvSpPr>
+          <p:spPr>
+            <a:xfrm>
+              <a:off x="9841624" y="4115729"/>
+              <a:ext cx="202882" cy="268223"/>
+            </a:xfrm>
+            <a:custGeom>
+              <a:avLst/>
+              <a:gdLst>
+                <a:gd name="connsiteX0" fmla="*/ 20765 w 202882"/>
+                <a:gd name="connsiteY0" fmla="*/ 268224 h 268223"/>
+                <a:gd name="connsiteX1" fmla="*/ 0 w 202882"/>
+                <a:gd name="connsiteY1" fmla="*/ 268224 h 268223"/>
+                <a:gd name="connsiteX2" fmla="*/ 182118 w 202882"/>
+                <a:gd name="connsiteY2" fmla="*/ 0 h 268223"/>
+                <a:gd name="connsiteX3" fmla="*/ 202883 w 202882"/>
+                <a:gd name="connsiteY3" fmla="*/ 0 h 268223"/>
+              </a:gdLst>
+              <a:ahLst/>
+              <a:cxnLst>
+                <a:cxn ang="0">
+                  <a:pos x="connsiteX0" y="connsiteY0"/>
+                </a:cxn>
+                <a:cxn ang="0">
+                  <a:pos x="connsiteX1" y="connsiteY1"/>
+                </a:cxn>
+                <a:cxn ang="0">
+                  <a:pos x="connsiteX2" y="connsiteY2"/>
+                </a:cxn>
+                <a:cxn ang="0">
+                  <a:pos x="connsiteX3" y="connsiteY3"/>
+                </a:cxn>
+              </a:cxnLst>
+              <a:rect l="l" t="t" r="r" b="b"/>
+              <a:pathLst>
+                <a:path w="202882" h="268223">
+                  <a:moveTo>
+                    <a:pt x="20765" y="268224"/>
+                  </a:moveTo>
+                  <a:lnTo>
+                    <a:pt x="0" y="268224"/>
+                  </a:lnTo>
+                  <a:lnTo>
+                    <a:pt x="182118" y="0"/>
+                  </a:lnTo>
+                  <a:lnTo>
+                    <a:pt x="202883" y="0"/>
+                  </a:lnTo>
+                  <a:close/>
+                </a:path>
+              </a:pathLst>
+            </a:custGeom>
+            <a:grpFill/>
+            <a:ln w="9525" cap="flat">
+              <a:noFill/>
+              <a:prstDash val="solid"/>
+              <a:miter/>
+            </a:ln>
+          </p:spPr>
+          <p:txBody>
+            <a:bodyPr rtlCol="0" anchor="ctr"/>
+            <a:lstStyle/>
+            <a:p>
+              <a:endParaRPr lang="en-US"/>
+            </a:p>
+          </p:txBody>
+        </p:sp>
+        <p:sp>
+          <p:nvSpPr>
+            <p:cNvPr id="43" name="Freeform: Shape 42">
+              <a:extLst>
+                <a:ext uri="{FF2B5EF4-FFF2-40B4-BE49-F238E27FC236}">
+                  <a16:creationId xmlns:a16="http://schemas.microsoft.com/office/drawing/2014/main" id="{CB8C0F31-7A0C-4630-A379-0B4719A1F73C}"/>
+                </a:ext>
+                <a:ext uri="{C183D7F6-B498-43B3-948B-1728B52AA6E4}">
+                  <adec:decorative xmlns:adec="http://schemas.microsoft.com/office/drawing/2017/decorative" val="1"/>
+                </a:ext>
+              </a:extLst>
+            </p:cNvPr>
+            <p:cNvSpPr/>
+            <p:nvPr>
+              <p:extLst>
+                <p:ext uri="{386F3935-93C4-4BCD-93E2-E3B085C9AB24}">
+                  <p16:designElem xmlns:p16="http://schemas.microsoft.com/office/powerpoint/2015/main" val="1"/>
+                </p:ext>
+              </p:extLst>
+            </p:nvPr>
+          </p:nvSpPr>
+          <p:spPr>
+            <a:xfrm>
+              <a:off x="9941445" y="4115729"/>
+              <a:ext cx="202882" cy="268223"/>
+            </a:xfrm>
+            <a:custGeom>
+              <a:avLst/>
+              <a:gdLst>
+                <a:gd name="connsiteX0" fmla="*/ 20765 w 202882"/>
+                <a:gd name="connsiteY0" fmla="*/ 268224 h 268223"/>
+                <a:gd name="connsiteX1" fmla="*/ 0 w 202882"/>
+                <a:gd name="connsiteY1" fmla="*/ 268224 h 268223"/>
+                <a:gd name="connsiteX2" fmla="*/ 182118 w 202882"/>
+                <a:gd name="connsiteY2" fmla="*/ 0 h 268223"/>
+                <a:gd name="connsiteX3" fmla="*/ 202883 w 202882"/>
+                <a:gd name="connsiteY3" fmla="*/ 0 h 268223"/>
+              </a:gdLst>
+              <a:ahLst/>
+              <a:cxnLst>
+                <a:cxn ang="0">
+                  <a:pos x="connsiteX0" y="connsiteY0"/>
+                </a:cxn>
+                <a:cxn ang="0">
+                  <a:pos x="connsiteX1" y="connsiteY1"/>
+                </a:cxn>
+                <a:cxn ang="0">
+                  <a:pos x="connsiteX2" y="connsiteY2"/>
+                </a:cxn>
+                <a:cxn ang="0">
+                  <a:pos x="connsiteX3" y="connsiteY3"/>
+                </a:cxn>
+              </a:cxnLst>
+              <a:rect l="l" t="t" r="r" b="b"/>
+              <a:pathLst>
+                <a:path w="202882" h="268223">
+                  <a:moveTo>
+                    <a:pt x="20765" y="268224"/>
+                  </a:moveTo>
+                  <a:lnTo>
+                    <a:pt x="0" y="268224"/>
+                  </a:lnTo>
+                  <a:lnTo>
+                    <a:pt x="182118" y="0"/>
+                  </a:lnTo>
+                  <a:lnTo>
+                    <a:pt x="202883" y="0"/>
+                  </a:lnTo>
+                  <a:close/>
+                </a:path>
+              </a:pathLst>
+            </a:custGeom>
+            <a:grpFill/>
+            <a:ln w="9525" cap="flat">
+              <a:noFill/>
+              <a:prstDash val="solid"/>
+              <a:miter/>
+            </a:ln>
+          </p:spPr>
+          <p:txBody>
+            <a:bodyPr rtlCol="0" anchor="ctr"/>
+            <a:lstStyle/>
+            <a:p>
+              <a:endParaRPr lang="en-US"/>
+            </a:p>
+          </p:txBody>
+        </p:sp>
+        <p:sp>
+          <p:nvSpPr>
+            <p:cNvPr id="44" name="Freeform: Shape 43">
+              <a:extLst>
+                <a:ext uri="{FF2B5EF4-FFF2-40B4-BE49-F238E27FC236}">
+                  <a16:creationId xmlns:a16="http://schemas.microsoft.com/office/drawing/2014/main" id="{12D43873-56D9-4AC1-AB59-A1E78D679715}"/>
+                </a:ext>
+                <a:ext uri="{C183D7F6-B498-43B3-948B-1728B52AA6E4}">
+                  <adec:decorative xmlns:adec="http://schemas.microsoft.com/office/drawing/2017/decorative" val="1"/>
+                </a:ext>
+              </a:extLst>
+            </p:cNvPr>
+            <p:cNvSpPr/>
+            <p:nvPr>
+              <p:extLst>
+                <p:ext uri="{386F3935-93C4-4BCD-93E2-E3B085C9AB24}">
+                  <p16:designElem xmlns:p16="http://schemas.microsoft.com/office/powerpoint/2015/main" val="1"/>
+                </p:ext>
+              </p:extLst>
+            </p:nvPr>
+          </p:nvSpPr>
+          <p:spPr>
+            <a:xfrm>
+              <a:off x="10041267" y="4115729"/>
+              <a:ext cx="202882" cy="268223"/>
+            </a:xfrm>
+            <a:custGeom>
+              <a:avLst/>
+              <a:gdLst>
+                <a:gd name="connsiteX0" fmla="*/ 20669 w 202882"/>
+                <a:gd name="connsiteY0" fmla="*/ 268224 h 268223"/>
+                <a:gd name="connsiteX1" fmla="*/ 0 w 202882"/>
+                <a:gd name="connsiteY1" fmla="*/ 268224 h 268223"/>
+                <a:gd name="connsiteX2" fmla="*/ 182118 w 202882"/>
+                <a:gd name="connsiteY2" fmla="*/ 0 h 268223"/>
+                <a:gd name="connsiteX3" fmla="*/ 202883 w 202882"/>
+                <a:gd name="connsiteY3" fmla="*/ 0 h 268223"/>
+              </a:gdLst>
+              <a:ahLst/>
+              <a:cxnLst>
+                <a:cxn ang="0">
+                  <a:pos x="connsiteX0" y="connsiteY0"/>
+                </a:cxn>
+                <a:cxn ang="0">
+                  <a:pos x="connsiteX1" y="connsiteY1"/>
+                </a:cxn>
+                <a:cxn ang="0">
+                  <a:pos x="connsiteX2" y="connsiteY2"/>
+                </a:cxn>
+                <a:cxn ang="0">
+                  <a:pos x="connsiteX3" y="connsiteY3"/>
+                </a:cxn>
+              </a:cxnLst>
+              <a:rect l="l" t="t" r="r" b="b"/>
+              <a:pathLst>
+                <a:path w="202882" h="268223">
+                  <a:moveTo>
+                    <a:pt x="20669" y="268224"/>
+                  </a:moveTo>
+                  <a:lnTo>
+                    <a:pt x="0" y="268224"/>
+                  </a:lnTo>
+                  <a:lnTo>
+                    <a:pt x="182118" y="0"/>
+                  </a:lnTo>
+                  <a:lnTo>
+                    <a:pt x="202883" y="0"/>
+                  </a:lnTo>
+                  <a:close/>
+                </a:path>
+              </a:pathLst>
+            </a:custGeom>
+            <a:grpFill/>
+            <a:ln w="9525" cap="flat">
+              <a:noFill/>
+              <a:prstDash val="solid"/>
+              <a:miter/>
+            </a:ln>
+          </p:spPr>
+          <p:txBody>
+            <a:bodyPr rtlCol="0" anchor="ctr"/>
+            <a:lstStyle/>
+            <a:p>
+              <a:endParaRPr lang="en-US"/>
+            </a:p>
+          </p:txBody>
+        </p:sp>
+        <p:sp>
+          <p:nvSpPr>
+            <p:cNvPr id="45" name="Freeform: Shape 44">
+              <a:extLst>
+                <a:ext uri="{FF2B5EF4-FFF2-40B4-BE49-F238E27FC236}">
+                  <a16:creationId xmlns:a16="http://schemas.microsoft.com/office/drawing/2014/main" id="{1B2197D5-22E1-47CC-83CF-9E64CCD57C41}"/>
+                </a:ext>
+                <a:ext uri="{C183D7F6-B498-43B3-948B-1728B52AA6E4}">
+                  <adec:decorative xmlns:adec="http://schemas.microsoft.com/office/drawing/2017/decorative" val="1"/>
+                </a:ext>
+              </a:extLst>
+            </p:cNvPr>
+            <p:cNvSpPr/>
+            <p:nvPr>
+              <p:extLst>
+                <p:ext uri="{386F3935-93C4-4BCD-93E2-E3B085C9AB24}">
+                  <p16:designElem xmlns:p16="http://schemas.microsoft.com/office/powerpoint/2015/main" val="1"/>
+                </p:ext>
+              </p:extLst>
+            </p:nvPr>
+          </p:nvSpPr>
+          <p:spPr>
+            <a:xfrm>
+              <a:off x="10141090" y="4115729"/>
+              <a:ext cx="202882" cy="268223"/>
+            </a:xfrm>
+            <a:custGeom>
+              <a:avLst/>
+              <a:gdLst>
+                <a:gd name="connsiteX0" fmla="*/ 20669 w 202882"/>
+                <a:gd name="connsiteY0" fmla="*/ 268224 h 268223"/>
+                <a:gd name="connsiteX1" fmla="*/ 0 w 202882"/>
+                <a:gd name="connsiteY1" fmla="*/ 268224 h 268223"/>
+                <a:gd name="connsiteX2" fmla="*/ 182118 w 202882"/>
+                <a:gd name="connsiteY2" fmla="*/ 0 h 268223"/>
+                <a:gd name="connsiteX3" fmla="*/ 202883 w 202882"/>
+                <a:gd name="connsiteY3" fmla="*/ 0 h 268223"/>
+              </a:gdLst>
+              <a:ahLst/>
+              <a:cxnLst>
+                <a:cxn ang="0">
+                  <a:pos x="connsiteX0" y="connsiteY0"/>
+                </a:cxn>
+                <a:cxn ang="0">
+                  <a:pos x="connsiteX1" y="connsiteY1"/>
+                </a:cxn>
+                <a:cxn ang="0">
+                  <a:pos x="connsiteX2" y="connsiteY2"/>
+                </a:cxn>
+                <a:cxn ang="0">
+                  <a:pos x="connsiteX3" y="connsiteY3"/>
+                </a:cxn>
+              </a:cxnLst>
+              <a:rect l="l" t="t" r="r" b="b"/>
+              <a:pathLst>
+                <a:path w="202882" h="268223">
+                  <a:moveTo>
+                    <a:pt x="20669" y="268224"/>
+                  </a:moveTo>
+                  <a:lnTo>
+                    <a:pt x="0" y="268224"/>
+                  </a:lnTo>
+                  <a:lnTo>
+                    <a:pt x="182118" y="0"/>
+                  </a:lnTo>
+                  <a:lnTo>
+                    <a:pt x="202883" y="0"/>
+                  </a:lnTo>
+                  <a:close/>
+                </a:path>
+              </a:pathLst>
+            </a:custGeom>
+            <a:grpFill/>
+            <a:ln w="9525" cap="flat">
+              <a:noFill/>
+              <a:prstDash val="solid"/>
+              <a:miter/>
+            </a:ln>
+          </p:spPr>
+          <p:txBody>
+            <a:bodyPr rtlCol="0" anchor="ctr"/>
+            <a:lstStyle/>
+            <a:p>
+              <a:endParaRPr lang="en-US"/>
+            </a:p>
+          </p:txBody>
+        </p:sp>
+        <p:sp>
+          <p:nvSpPr>
+            <p:cNvPr id="46" name="Freeform: Shape 45">
+              <a:extLst>
+                <a:ext uri="{FF2B5EF4-FFF2-40B4-BE49-F238E27FC236}">
+                  <a16:creationId xmlns:a16="http://schemas.microsoft.com/office/drawing/2014/main" id="{05DC5D97-506B-47F6-B9A7-D8FA26C8851A}"/>
+                </a:ext>
+                <a:ext uri="{C183D7F6-B498-43B3-948B-1728B52AA6E4}">
+                  <adec:decorative xmlns:adec="http://schemas.microsoft.com/office/drawing/2017/decorative" val="1"/>
+                </a:ext>
+              </a:extLst>
+            </p:cNvPr>
+            <p:cNvSpPr/>
+            <p:nvPr>
+              <p:extLst>
+                <p:ext uri="{386F3935-93C4-4BCD-93E2-E3B085C9AB24}">
+                  <p16:designElem xmlns:p16="http://schemas.microsoft.com/office/powerpoint/2015/main" val="1"/>
+                </p:ext>
+              </p:extLst>
+            </p:nvPr>
+          </p:nvSpPr>
+          <p:spPr>
+            <a:xfrm>
+              <a:off x="10240911" y="4115729"/>
+              <a:ext cx="202882" cy="268223"/>
+            </a:xfrm>
+            <a:custGeom>
+              <a:avLst/>
+              <a:gdLst>
+                <a:gd name="connsiteX0" fmla="*/ 20669 w 202882"/>
+                <a:gd name="connsiteY0" fmla="*/ 268224 h 268223"/>
+                <a:gd name="connsiteX1" fmla="*/ 0 w 202882"/>
+                <a:gd name="connsiteY1" fmla="*/ 268224 h 268223"/>
+                <a:gd name="connsiteX2" fmla="*/ 182118 w 202882"/>
+                <a:gd name="connsiteY2" fmla="*/ 0 h 268223"/>
+                <a:gd name="connsiteX3" fmla="*/ 202883 w 202882"/>
+                <a:gd name="connsiteY3" fmla="*/ 0 h 268223"/>
+              </a:gdLst>
+              <a:ahLst/>
+              <a:cxnLst>
+                <a:cxn ang="0">
+                  <a:pos x="connsiteX0" y="connsiteY0"/>
+                </a:cxn>
+                <a:cxn ang="0">
+                  <a:pos x="connsiteX1" y="connsiteY1"/>
+                </a:cxn>
+                <a:cxn ang="0">
+                  <a:pos x="connsiteX2" y="connsiteY2"/>
+                </a:cxn>
+                <a:cxn ang="0">
+                  <a:pos x="connsiteX3" y="connsiteY3"/>
+                </a:cxn>
+              </a:cxnLst>
+              <a:rect l="l" t="t" r="r" b="b"/>
+              <a:pathLst>
+                <a:path w="202882" h="268223">
+                  <a:moveTo>
+                    <a:pt x="20669" y="268224"/>
+                  </a:moveTo>
+                  <a:lnTo>
+                    <a:pt x="0" y="268224"/>
+                  </a:lnTo>
+                  <a:lnTo>
+                    <a:pt x="182118" y="0"/>
+                  </a:lnTo>
+                  <a:lnTo>
+                    <a:pt x="202883" y="0"/>
+                  </a:lnTo>
+                  <a:close/>
+                </a:path>
+              </a:pathLst>
+            </a:custGeom>
+            <a:grpFill/>
+            <a:ln w="9525" cap="flat">
+              <a:noFill/>
+              <a:prstDash val="solid"/>
+              <a:miter/>
+            </a:ln>
+          </p:spPr>
+          <p:txBody>
+            <a:bodyPr rtlCol="0" anchor="ctr"/>
+            <a:lstStyle/>
+            <a:p>
+              <a:endParaRPr lang="en-US"/>
+            </a:p>
+          </p:txBody>
+        </p:sp>
+      </p:grpSp>
+      <p:sp>
+        <p:nvSpPr>
+          <p:cNvPr id="8" name="Rectangle: Rounded Corners 7">
+            <a:extLst>
+              <a:ext uri="{FF2B5EF4-FFF2-40B4-BE49-F238E27FC236}">
+                <a16:creationId xmlns:a16="http://schemas.microsoft.com/office/drawing/2014/main" id="{14065D94-855E-12FD-A38C-1F8F42D195CA}"/>
+              </a:ext>
+            </a:extLst>
+          </p:cNvPr>
+          <p:cNvSpPr/>
+          <p:nvPr/>
+        </p:nvSpPr>
+        <p:spPr>
+          <a:xfrm>
+            <a:off x="5696219" y="2377440"/>
+            <a:ext cx="5862154" cy="1995056"/>
+          </a:xfrm>
+          <a:prstGeom prst="roundRect">
+            <a:avLst>
+              <a:gd name="adj" fmla="val 6498"/>
+            </a:avLst>
+          </a:prstGeom>
+          <a:solidFill>
+            <a:schemeClr val="tx1">
+              <a:lumMod val="85000"/>
+              <a:lumOff val="15000"/>
+            </a:schemeClr>
+          </a:solidFill>
+        </p:spPr>
+        <p:style>
+          <a:lnRef idx="2">
+            <a:schemeClr val="accent1">
+              <a:shade val="15000"/>
+            </a:schemeClr>
+          </a:lnRef>
+          <a:fillRef idx="1">
+            <a:schemeClr val="accent1"/>
+          </a:fillRef>
+          <a:effectRef idx="0">
+            <a:schemeClr val="accent1"/>
+          </a:effectRef>
+          <a:fontRef idx="minor">
+            <a:schemeClr val="lt1"/>
+          </a:fontRef>
+        </p:style>
+        <p:txBody>
+          <a:bodyPr rtlCol="0" anchor="ctr"/>
+          <a:lstStyle/>
+          <a:p>
+            <a:pPr algn="ctr"/>
+            <a:endParaRPr lang="en-IN"/>
+          </a:p>
+        </p:txBody>
+      </p:sp>
+      <p:sp>
+        <p:nvSpPr>
+          <p:cNvPr id="9" name="TextBox 8">
+            <a:extLst>
+              <a:ext uri="{FF2B5EF4-FFF2-40B4-BE49-F238E27FC236}">
+                <a16:creationId xmlns:a16="http://schemas.microsoft.com/office/drawing/2014/main" id="{25ABCC1F-6256-C04A-690F-4FF69DA724D9}"/>
+              </a:ext>
+            </a:extLst>
+          </p:cNvPr>
+          <p:cNvSpPr txBox="1"/>
+          <p:nvPr/>
+        </p:nvSpPr>
+        <p:spPr>
+          <a:xfrm>
+            <a:off x="5846845" y="2717134"/>
+            <a:ext cx="5536730" cy="1138773"/>
+          </a:xfrm>
+          <a:prstGeom prst="rect">
+            <a:avLst/>
+          </a:prstGeom>
+          <a:noFill/>
+        </p:spPr>
+        <p:txBody>
+          <a:bodyPr wrap="square" rtlCol="0">
+            <a:spAutoFit/>
+          </a:bodyPr>
+          <a:lstStyle/>
+          <a:p>
+            <a:r>
+              <a:rPr lang="en-IN" sz="2400" dirty="0">
+                <a:solidFill>
+                  <a:schemeClr val="bg1"/>
+                </a:solidFill>
+              </a:rPr>
+              <a:t>Int [ ]  </a:t>
+            </a:r>
+            <a:r>
+              <a:rPr lang="en-IN" sz="2400" dirty="0">
+                <a:solidFill>
+                  <a:schemeClr val="accent2">
+                    <a:lumMod val="60000"/>
+                    <a:lumOff val="40000"/>
+                  </a:schemeClr>
+                </a:solidFill>
+              </a:rPr>
+              <a:t>numbers</a:t>
+            </a:r>
+            <a:r>
+              <a:rPr lang="en-IN" sz="2400" dirty="0">
+                <a:solidFill>
+                  <a:schemeClr val="bg1"/>
+                </a:solidFill>
+              </a:rPr>
+              <a:t> ; </a:t>
+            </a:r>
+            <a:r>
+              <a:rPr lang="en-IN" sz="2000" dirty="0">
+                <a:solidFill>
+                  <a:schemeClr val="tx1">
+                    <a:lumMod val="50000"/>
+                    <a:lumOff val="50000"/>
+                  </a:schemeClr>
+                </a:solidFill>
+              </a:rPr>
+              <a:t>// Recommended </a:t>
+            </a:r>
+            <a:r>
+              <a:rPr lang="en-IN" sz="2000" dirty="0" err="1">
+                <a:solidFill>
+                  <a:schemeClr val="tx1">
+                    <a:lumMod val="50000"/>
+                    <a:lumOff val="50000"/>
+                  </a:schemeClr>
+                </a:solidFill>
+              </a:rPr>
+              <a:t>stype</a:t>
+            </a:r>
+            <a:endParaRPr lang="en-IN" sz="2400" dirty="0">
+              <a:solidFill>
+                <a:schemeClr val="tx1">
+                  <a:lumMod val="50000"/>
+                  <a:lumOff val="50000"/>
+                </a:schemeClr>
+              </a:solidFill>
+            </a:endParaRPr>
+          </a:p>
+          <a:p>
+            <a:r>
+              <a:rPr lang="en-IN" sz="2000" dirty="0">
+                <a:solidFill>
+                  <a:schemeClr val="tx1">
+                    <a:lumMod val="50000"/>
+                    <a:lumOff val="50000"/>
+                  </a:schemeClr>
+                </a:solidFill>
+              </a:rPr>
+              <a:t>// OR</a:t>
+            </a:r>
+            <a:endParaRPr lang="en-IN" sz="2400" dirty="0">
+              <a:solidFill>
+                <a:schemeClr val="tx1">
+                  <a:lumMod val="50000"/>
+                  <a:lumOff val="50000"/>
+                </a:schemeClr>
+              </a:solidFill>
+            </a:endParaRPr>
+          </a:p>
+          <a:p>
+            <a:r>
+              <a:rPr lang="en-IN" sz="2400" dirty="0">
+                <a:solidFill>
+                  <a:schemeClr val="bg1"/>
+                </a:solidFill>
+              </a:rPr>
+              <a:t>Int </a:t>
+            </a:r>
+            <a:r>
+              <a:rPr lang="en-IN" sz="2400" dirty="0">
+                <a:solidFill>
+                  <a:schemeClr val="accent2">
+                    <a:lumMod val="60000"/>
+                    <a:lumOff val="40000"/>
+                  </a:schemeClr>
+                </a:solidFill>
+              </a:rPr>
+              <a:t>numbers</a:t>
+            </a:r>
+            <a:r>
+              <a:rPr lang="en-IN" sz="2400" dirty="0">
+                <a:solidFill>
+                  <a:schemeClr val="bg1"/>
+                </a:solidFill>
+              </a:rPr>
+              <a:t> [ ] ;  </a:t>
+            </a:r>
+            <a:r>
+              <a:rPr lang="en-IN" sz="2000" dirty="0">
+                <a:solidFill>
+                  <a:schemeClr val="tx1">
+                    <a:lumMod val="50000"/>
+                    <a:lumOff val="50000"/>
+                  </a:schemeClr>
+                </a:solidFill>
+              </a:rPr>
+              <a:t>// Allowed but less common </a:t>
+            </a:r>
+            <a:endParaRPr lang="en-IN" sz="2400" dirty="0">
+              <a:solidFill>
+                <a:schemeClr val="tx1">
+                  <a:lumMod val="50000"/>
+                  <a:lumOff val="50000"/>
+                </a:schemeClr>
+              </a:solidFill>
+            </a:endParaRPr>
+          </a:p>
+        </p:txBody>
+      </p:sp>
+    </p:spTree>
+    <p:extLst>
+      <p:ext uri="{BB962C8B-B14F-4D97-AF65-F5344CB8AC3E}">
+        <p14:creationId xmlns:p14="http://schemas.microsoft.com/office/powerpoint/2010/main" val="3973174189"/>
+      </p:ext>
+    </p:extLst>
+  </p:cSld>
+  <p:clrMapOvr>
+    <a:masterClrMapping/>
+  </p:clrMapOvr>
+  <mc:AlternateContent xmlns:mc="http://schemas.openxmlformats.org/markup-compatibility/2006">
+    <mc:Choice xmlns:p14="http://schemas.microsoft.com/office/powerpoint/2010/main" Requires="p14">
+      <p:transition spd="slow" p14:dur="800">
+        <p14:flythrough/>
       </p:transition>
     </mc:Choice>
     <mc:Fallback>
@@ -13945,7 +17297,7 @@
           <a:lstStyle/>
           <a:p>
             <a:pPr algn="ctr"/>
-            <a:endParaRPr lang="en-IN"/>
+            <a:endParaRPr lang="en-IN" dirty="0"/>
           </a:p>
         </p:txBody>
       </p:sp>
@@ -13997,7 +17349,7 @@
           <a:lstStyle/>
           <a:p>
             <a:pPr algn="ctr"/>
-            <a:endParaRPr lang="en-IN"/>
+            <a:endParaRPr lang="en-IN" dirty="0"/>
           </a:p>
         </p:txBody>
       </p:sp>
@@ -14049,7 +17401,7 @@
           <a:lstStyle/>
           <a:p>
             <a:pPr algn="ctr"/>
-            <a:endParaRPr lang="en-IN"/>
+            <a:endParaRPr lang="en-IN" dirty="0"/>
           </a:p>
         </p:txBody>
       </p:sp>
@@ -14428,6 +17780,3196 @@
       </p:transition>
     </mc:Fallback>
   </mc:AlternateContent>
+</p:sld>
+</file>
+
+<file path=ppt/slides/slide30.xml><?xml version="1.0" encoding="utf-8"?>
+<p:sld xmlns:a="http://schemas.openxmlformats.org/drawingml/2006/main" xmlns:r="http://schemas.openxmlformats.org/officeDocument/2006/relationships" xmlns:p="http://schemas.openxmlformats.org/presentationml/2006/main">
+  <p:cSld>
+    <p:bg>
+      <p:bgPr>
+        <a:solidFill>
+          <a:schemeClr val="bg1"/>
+        </a:solidFill>
+        <a:effectLst/>
+      </p:bgPr>
+    </p:bg>
+    <p:spTree>
+      <p:nvGrpSpPr>
+        <p:cNvPr id="1" name="">
+          <a:extLst>
+            <a:ext uri="{FF2B5EF4-FFF2-40B4-BE49-F238E27FC236}">
+              <a16:creationId xmlns:a16="http://schemas.microsoft.com/office/drawing/2014/main" id="{88DD05E5-6059-2550-907A-573940CADBC5}"/>
+            </a:ext>
+          </a:extLst>
+        </p:cNvPr>
+        <p:cNvGrpSpPr/>
+        <p:nvPr/>
+      </p:nvGrpSpPr>
+      <p:grpSpPr>
+        <a:xfrm>
+          <a:off x="0" y="0"/>
+          <a:ext cx="0" cy="0"/>
+          <a:chOff x="0" y="0"/>
+          <a:chExt cx="0" cy="0"/>
+        </a:xfrm>
+      </p:grpSpPr>
+      <p:sp>
+        <p:nvSpPr>
+          <p:cNvPr id="10" name="Rectangle 9">
+            <a:extLst>
+              <a:ext uri="{FF2B5EF4-FFF2-40B4-BE49-F238E27FC236}">
+                <a16:creationId xmlns:a16="http://schemas.microsoft.com/office/drawing/2014/main" id="{1E4D18EC-68DB-1077-6F1D-3546548B585F}"/>
+              </a:ext>
+              <a:ext uri="{C183D7F6-B498-43B3-948B-1728B52AA6E4}">
+                <adec:decorative xmlns:adec="http://schemas.microsoft.com/office/drawing/2017/decorative" val="1"/>
+              </a:ext>
+            </a:extLst>
+          </p:cNvPr>
+          <p:cNvSpPr>
+            <a:spLocks noGrp="1" noRot="1" noChangeAspect="1" noMove="1" noResize="1" noEditPoints="1" noAdjustHandles="1" noChangeArrowheads="1" noChangeShapeType="1" noTextEdit="1"/>
+          </p:cNvSpPr>
+          <p:nvPr>
+            <p:extLst>
+              <p:ext uri="{386F3935-93C4-4BCD-93E2-E3B085C9AB24}">
+                <p16:designElem xmlns:p16="http://schemas.microsoft.com/office/powerpoint/2015/main" val="1"/>
+              </p:ext>
+            </p:extLst>
+          </p:nvPr>
+        </p:nvSpPr>
+        <p:spPr>
+          <a:xfrm>
+            <a:off x="0" y="0"/>
+            <a:ext cx="12192000" cy="6858000"/>
+          </a:xfrm>
+          <a:prstGeom prst="rect">
+            <a:avLst/>
+          </a:prstGeom>
+          <a:solidFill>
+            <a:schemeClr val="tx1"/>
+          </a:solidFill>
+          <a:ln>
+            <a:noFill/>
+          </a:ln>
+        </p:spPr>
+        <p:style>
+          <a:lnRef idx="2">
+            <a:schemeClr val="accent1">
+              <a:shade val="50000"/>
+            </a:schemeClr>
+          </a:lnRef>
+          <a:fillRef idx="1">
+            <a:schemeClr val="accent1"/>
+          </a:fillRef>
+          <a:effectRef idx="0">
+            <a:schemeClr val="accent1"/>
+          </a:effectRef>
+          <a:fontRef idx="minor">
+            <a:schemeClr val="lt1"/>
+          </a:fontRef>
+        </p:style>
+        <p:txBody>
+          <a:bodyPr rtlCol="0" anchor="ctr"/>
+          <a:lstStyle/>
+          <a:p>
+            <a:pPr algn="ctr"/>
+            <a:endParaRPr lang="en-US" dirty="0"/>
+          </a:p>
+        </p:txBody>
+      </p:sp>
+      <p:grpSp>
+        <p:nvGrpSpPr>
+          <p:cNvPr id="12" name="Group 11">
+            <a:extLst>
+              <a:ext uri="{FF2B5EF4-FFF2-40B4-BE49-F238E27FC236}">
+                <a16:creationId xmlns:a16="http://schemas.microsoft.com/office/drawing/2014/main" id="{6A7D6E72-A2CB-75D3-7E1C-3834F5B38143}"/>
+              </a:ext>
+              <a:ext uri="{C183D7F6-B498-43B3-948B-1728B52AA6E4}">
+                <adec:decorative xmlns:adec="http://schemas.microsoft.com/office/drawing/2017/decorative" val="1"/>
+              </a:ext>
+            </a:extLst>
+          </p:cNvPr>
+          <p:cNvGrpSpPr>
+            <a:grpSpLocks noGrp="1" noUngrp="1" noRot="1" noChangeAspect="1" noMove="1" noResize="1"/>
+          </p:cNvGrpSpPr>
+          <p:nvPr>
+            <p:extLst>
+              <p:ext uri="{386F3935-93C4-4BCD-93E2-E3B085C9AB24}">
+                <p16:designElem xmlns:p16="http://schemas.microsoft.com/office/powerpoint/2015/main" val="1"/>
+              </p:ext>
+            </p:extLst>
+          </p:nvPr>
+        </p:nvGrpSpPr>
+        <p:grpSpPr>
+          <a:xfrm>
+            <a:off x="0" y="247167"/>
+            <a:ext cx="1861854" cy="717514"/>
+            <a:chOff x="0" y="238499"/>
+            <a:chExt cx="1861854" cy="717514"/>
+          </a:xfrm>
+          <a:solidFill>
+            <a:schemeClr val="bg1"/>
+          </a:solidFill>
+        </p:grpSpPr>
+        <p:grpSp>
+          <p:nvGrpSpPr>
+            <p:cNvPr id="13" name="Group 12">
+              <a:extLst>
+                <a:ext uri="{FF2B5EF4-FFF2-40B4-BE49-F238E27FC236}">
+                  <a16:creationId xmlns:a16="http://schemas.microsoft.com/office/drawing/2014/main" id="{6C2214D5-A901-81A7-16D0-924B8CC4C041}"/>
+                </a:ext>
+                <a:ext uri="{C183D7F6-B498-43B3-948B-1728B52AA6E4}">
+                  <adec:decorative xmlns:adec="http://schemas.microsoft.com/office/drawing/2017/decorative" val="1"/>
+                </a:ext>
+              </a:extLst>
+            </p:cNvPr>
+            <p:cNvGrpSpPr/>
+            <p:nvPr>
+              <p:extLst>
+                <p:ext uri="{386F3935-93C4-4BCD-93E2-E3B085C9AB24}">
+                  <p16:designElem xmlns:p16="http://schemas.microsoft.com/office/powerpoint/2015/main" val="1"/>
+                </p:ext>
+              </p:extLst>
+            </p:nvPr>
+          </p:nvGrpSpPr>
+          <p:grpSpPr>
+            <a:xfrm>
+              <a:off x="0" y="238499"/>
+              <a:ext cx="1861854" cy="717514"/>
+              <a:chOff x="0" y="604259"/>
+              <a:chExt cx="1861854" cy="717514"/>
+            </a:xfrm>
+            <a:grpFill/>
+          </p:grpSpPr>
+          <p:sp>
+            <p:nvSpPr>
+              <p:cNvPr id="17" name="Freeform: Shape 16">
+                <a:extLst>
+                  <a:ext uri="{FF2B5EF4-FFF2-40B4-BE49-F238E27FC236}">
+                    <a16:creationId xmlns:a16="http://schemas.microsoft.com/office/drawing/2014/main" id="{44489BD7-BB34-C681-5C3D-163C30BEC758}"/>
+                  </a:ext>
+                  <a:ext uri="{C183D7F6-B498-43B3-948B-1728B52AA6E4}">
+                    <adec:decorative xmlns:adec="http://schemas.microsoft.com/office/drawing/2017/decorative" val="1"/>
+                  </a:ext>
+                </a:extLst>
+              </p:cNvPr>
+              <p:cNvSpPr/>
+              <p:nvPr>
+                <p:extLst>
+                  <p:ext uri="{386F3935-93C4-4BCD-93E2-E3B085C9AB24}">
+                    <p16:designElem xmlns:p16="http://schemas.microsoft.com/office/powerpoint/2015/main" val="1"/>
+                  </p:ext>
+                </p:extLst>
+              </p:nvPr>
+            </p:nvSpPr>
+            <p:spPr>
+              <a:xfrm>
+                <a:off x="0" y="604259"/>
+                <a:ext cx="1861854" cy="277779"/>
+              </a:xfrm>
+              <a:custGeom>
+                <a:avLst/>
+                <a:gdLst>
+                  <a:gd name="connsiteX0" fmla="*/ 180458 w 1861854"/>
+                  <a:gd name="connsiteY0" fmla="*/ 0 h 277779"/>
+                  <a:gd name="connsiteX1" fmla="*/ 419222 w 1861854"/>
+                  <a:gd name="connsiteY1" fmla="*/ 238761 h 277779"/>
+                  <a:gd name="connsiteX2" fmla="*/ 657984 w 1861854"/>
+                  <a:gd name="connsiteY2" fmla="*/ 0 h 277779"/>
+                  <a:gd name="connsiteX3" fmla="*/ 896745 w 1861854"/>
+                  <a:gd name="connsiteY3" fmla="*/ 238761 h 277779"/>
+                  <a:gd name="connsiteX4" fmla="*/ 1135754 w 1861854"/>
+                  <a:gd name="connsiteY4" fmla="*/ 0 h 277779"/>
+                  <a:gd name="connsiteX5" fmla="*/ 1374516 w 1861854"/>
+                  <a:gd name="connsiteY5" fmla="*/ 238761 h 277779"/>
+                  <a:gd name="connsiteX6" fmla="*/ 1613277 w 1861854"/>
+                  <a:gd name="connsiteY6" fmla="*/ 0 h 277779"/>
+                  <a:gd name="connsiteX7" fmla="*/ 1861854 w 1861854"/>
+                  <a:gd name="connsiteY7" fmla="*/ 248577 h 277779"/>
+                  <a:gd name="connsiteX8" fmla="*/ 1842470 w 1861854"/>
+                  <a:gd name="connsiteY8" fmla="*/ 267963 h 277779"/>
+                  <a:gd name="connsiteX9" fmla="*/ 1613277 w 1861854"/>
+                  <a:gd name="connsiteY9" fmla="*/ 39017 h 277779"/>
+                  <a:gd name="connsiteX10" fmla="*/ 1374516 w 1861854"/>
+                  <a:gd name="connsiteY10" fmla="*/ 277779 h 277779"/>
+                  <a:gd name="connsiteX11" fmla="*/ 1135754 w 1861854"/>
+                  <a:gd name="connsiteY11" fmla="*/ 39017 h 277779"/>
+                  <a:gd name="connsiteX12" fmla="*/ 896745 w 1861854"/>
+                  <a:gd name="connsiteY12" fmla="*/ 277779 h 277779"/>
+                  <a:gd name="connsiteX13" fmla="*/ 657984 w 1861854"/>
+                  <a:gd name="connsiteY13" fmla="*/ 39017 h 277779"/>
+                  <a:gd name="connsiteX14" fmla="*/ 419222 w 1861854"/>
+                  <a:gd name="connsiteY14" fmla="*/ 277779 h 277779"/>
+                  <a:gd name="connsiteX15" fmla="*/ 180458 w 1861854"/>
+                  <a:gd name="connsiteY15" fmla="*/ 39017 h 277779"/>
+                  <a:gd name="connsiteX16" fmla="*/ 0 w 1861854"/>
+                  <a:gd name="connsiteY16" fmla="*/ 219283 h 277779"/>
+                  <a:gd name="connsiteX17" fmla="*/ 0 w 1861854"/>
+                  <a:gd name="connsiteY17" fmla="*/ 180458 h 277779"/>
+                </a:gdLst>
+                <a:ahLst/>
+                <a:cxnLst>
+                  <a:cxn ang="0">
+                    <a:pos x="connsiteX0" y="connsiteY0"/>
+                  </a:cxn>
+                  <a:cxn ang="0">
+                    <a:pos x="connsiteX1" y="connsiteY1"/>
+                  </a:cxn>
+                  <a:cxn ang="0">
+                    <a:pos x="connsiteX2" y="connsiteY2"/>
+                  </a:cxn>
+                  <a:cxn ang="0">
+                    <a:pos x="connsiteX3" y="connsiteY3"/>
+                  </a:cxn>
+                  <a:cxn ang="0">
+                    <a:pos x="connsiteX4" y="connsiteY4"/>
+                  </a:cxn>
+                  <a:cxn ang="0">
+                    <a:pos x="connsiteX5" y="connsiteY5"/>
+                  </a:cxn>
+                  <a:cxn ang="0">
+                    <a:pos x="connsiteX6" y="connsiteY6"/>
+                  </a:cxn>
+                  <a:cxn ang="0">
+                    <a:pos x="connsiteX7" y="connsiteY7"/>
+                  </a:cxn>
+                  <a:cxn ang="0">
+                    <a:pos x="connsiteX8" y="connsiteY8"/>
+                  </a:cxn>
+                  <a:cxn ang="0">
+                    <a:pos x="connsiteX9" y="connsiteY9"/>
+                  </a:cxn>
+                  <a:cxn ang="0">
+                    <a:pos x="connsiteX10" y="connsiteY10"/>
+                  </a:cxn>
+                  <a:cxn ang="0">
+                    <a:pos x="connsiteX11" y="connsiteY11"/>
+                  </a:cxn>
+                  <a:cxn ang="0">
+                    <a:pos x="connsiteX12" y="connsiteY12"/>
+                  </a:cxn>
+                  <a:cxn ang="0">
+                    <a:pos x="connsiteX13" y="connsiteY13"/>
+                  </a:cxn>
+                  <a:cxn ang="0">
+                    <a:pos x="connsiteX14" y="connsiteY14"/>
+                  </a:cxn>
+                  <a:cxn ang="0">
+                    <a:pos x="connsiteX15" y="connsiteY15"/>
+                  </a:cxn>
+                  <a:cxn ang="0">
+                    <a:pos x="connsiteX16" y="connsiteY16"/>
+                  </a:cxn>
+                  <a:cxn ang="0">
+                    <a:pos x="connsiteX17" y="connsiteY17"/>
+                  </a:cxn>
+                </a:cxnLst>
+                <a:rect l="l" t="t" r="r" b="b"/>
+                <a:pathLst>
+                  <a:path w="1861854" h="277779">
+                    <a:moveTo>
+                      <a:pt x="180458" y="0"/>
+                    </a:moveTo>
+                    <a:lnTo>
+                      <a:pt x="419222" y="238761"/>
+                    </a:lnTo>
+                    <a:lnTo>
+                      <a:pt x="657984" y="0"/>
+                    </a:lnTo>
+                    <a:lnTo>
+                      <a:pt x="896745" y="238761"/>
+                    </a:lnTo>
+                    <a:lnTo>
+                      <a:pt x="1135754" y="0"/>
+                    </a:lnTo>
+                    <a:lnTo>
+                      <a:pt x="1374516" y="238761"/>
+                    </a:lnTo>
+                    <a:lnTo>
+                      <a:pt x="1613277" y="0"/>
+                    </a:lnTo>
+                    <a:lnTo>
+                      <a:pt x="1861854" y="248577"/>
+                    </a:lnTo>
+                    <a:lnTo>
+                      <a:pt x="1842470" y="267963"/>
+                    </a:lnTo>
+                    <a:lnTo>
+                      <a:pt x="1613277" y="39017"/>
+                    </a:lnTo>
+                    <a:lnTo>
+                      <a:pt x="1374516" y="277779"/>
+                    </a:lnTo>
+                    <a:lnTo>
+                      <a:pt x="1135754" y="39017"/>
+                    </a:lnTo>
+                    <a:lnTo>
+                      <a:pt x="896745" y="277779"/>
+                    </a:lnTo>
+                    <a:lnTo>
+                      <a:pt x="657984" y="39017"/>
+                    </a:lnTo>
+                    <a:lnTo>
+                      <a:pt x="419222" y="277779"/>
+                    </a:lnTo>
+                    <a:lnTo>
+                      <a:pt x="180458" y="39017"/>
+                    </a:lnTo>
+                    <a:lnTo>
+                      <a:pt x="0" y="219283"/>
+                    </a:lnTo>
+                    <a:lnTo>
+                      <a:pt x="0" y="180458"/>
+                    </a:lnTo>
+                    <a:close/>
+                  </a:path>
+                </a:pathLst>
+              </a:custGeom>
+              <a:grpFill/>
+              <a:ln w="9525" cap="flat">
+                <a:noFill/>
+                <a:prstDash val="solid"/>
+                <a:miter/>
+              </a:ln>
+            </p:spPr>
+            <p:txBody>
+              <a:bodyPr wrap="square" rtlCol="0" anchor="ctr">
+                <a:noAutofit/>
+              </a:bodyPr>
+              <a:lstStyle/>
+              <a:p>
+                <a:endParaRPr lang="en-US"/>
+              </a:p>
+            </p:txBody>
+          </p:sp>
+          <p:sp>
+            <p:nvSpPr>
+              <p:cNvPr id="18" name="Freeform: Shape 17">
+                <a:extLst>
+                  <a:ext uri="{FF2B5EF4-FFF2-40B4-BE49-F238E27FC236}">
+                    <a16:creationId xmlns:a16="http://schemas.microsoft.com/office/drawing/2014/main" id="{42A78AA7-E057-C3FC-4CBA-0DA419CFA914}"/>
+                  </a:ext>
+                  <a:ext uri="{C183D7F6-B498-43B3-948B-1728B52AA6E4}">
+                    <adec:decorative xmlns:adec="http://schemas.microsoft.com/office/drawing/2017/decorative" val="1"/>
+                  </a:ext>
+                </a:extLst>
+              </p:cNvPr>
+              <p:cNvSpPr/>
+              <p:nvPr>
+                <p:extLst>
+                  <p:ext uri="{386F3935-93C4-4BCD-93E2-E3B085C9AB24}">
+                    <p16:designElem xmlns:p16="http://schemas.microsoft.com/office/powerpoint/2015/main" val="1"/>
+                  </p:ext>
+                </p:extLst>
+              </p:nvPr>
+            </p:nvSpPr>
+            <p:spPr>
+              <a:xfrm>
+                <a:off x="0" y="1043994"/>
+                <a:ext cx="1861854" cy="277779"/>
+              </a:xfrm>
+              <a:custGeom>
+                <a:avLst/>
+                <a:gdLst>
+                  <a:gd name="connsiteX0" fmla="*/ 180458 w 1861854"/>
+                  <a:gd name="connsiteY0" fmla="*/ 0 h 277779"/>
+                  <a:gd name="connsiteX1" fmla="*/ 419222 w 1861854"/>
+                  <a:gd name="connsiteY1" fmla="*/ 238761 h 277779"/>
+                  <a:gd name="connsiteX2" fmla="*/ 657984 w 1861854"/>
+                  <a:gd name="connsiteY2" fmla="*/ 0 h 277779"/>
+                  <a:gd name="connsiteX3" fmla="*/ 896745 w 1861854"/>
+                  <a:gd name="connsiteY3" fmla="*/ 238761 h 277779"/>
+                  <a:gd name="connsiteX4" fmla="*/ 1135754 w 1861854"/>
+                  <a:gd name="connsiteY4" fmla="*/ 0 h 277779"/>
+                  <a:gd name="connsiteX5" fmla="*/ 1374516 w 1861854"/>
+                  <a:gd name="connsiteY5" fmla="*/ 238761 h 277779"/>
+                  <a:gd name="connsiteX6" fmla="*/ 1613277 w 1861854"/>
+                  <a:gd name="connsiteY6" fmla="*/ 0 h 277779"/>
+                  <a:gd name="connsiteX7" fmla="*/ 1861854 w 1861854"/>
+                  <a:gd name="connsiteY7" fmla="*/ 248577 h 277779"/>
+                  <a:gd name="connsiteX8" fmla="*/ 1842470 w 1861854"/>
+                  <a:gd name="connsiteY8" fmla="*/ 268208 h 277779"/>
+                  <a:gd name="connsiteX9" fmla="*/ 1613277 w 1861854"/>
+                  <a:gd name="connsiteY9" fmla="*/ 39017 h 277779"/>
+                  <a:gd name="connsiteX10" fmla="*/ 1374516 w 1861854"/>
+                  <a:gd name="connsiteY10" fmla="*/ 277779 h 277779"/>
+                  <a:gd name="connsiteX11" fmla="*/ 1135754 w 1861854"/>
+                  <a:gd name="connsiteY11" fmla="*/ 39017 h 277779"/>
+                  <a:gd name="connsiteX12" fmla="*/ 896745 w 1861854"/>
+                  <a:gd name="connsiteY12" fmla="*/ 277779 h 277779"/>
+                  <a:gd name="connsiteX13" fmla="*/ 657984 w 1861854"/>
+                  <a:gd name="connsiteY13" fmla="*/ 39017 h 277779"/>
+                  <a:gd name="connsiteX14" fmla="*/ 419222 w 1861854"/>
+                  <a:gd name="connsiteY14" fmla="*/ 277779 h 277779"/>
+                  <a:gd name="connsiteX15" fmla="*/ 180458 w 1861854"/>
+                  <a:gd name="connsiteY15" fmla="*/ 39017 h 277779"/>
+                  <a:gd name="connsiteX16" fmla="*/ 0 w 1861854"/>
+                  <a:gd name="connsiteY16" fmla="*/ 219475 h 277779"/>
+                  <a:gd name="connsiteX17" fmla="*/ 0 w 1861854"/>
+                  <a:gd name="connsiteY17" fmla="*/ 180458 h 277779"/>
+                </a:gdLst>
+                <a:ahLst/>
+                <a:cxnLst>
+                  <a:cxn ang="0">
+                    <a:pos x="connsiteX0" y="connsiteY0"/>
+                  </a:cxn>
+                  <a:cxn ang="0">
+                    <a:pos x="connsiteX1" y="connsiteY1"/>
+                  </a:cxn>
+                  <a:cxn ang="0">
+                    <a:pos x="connsiteX2" y="connsiteY2"/>
+                  </a:cxn>
+                  <a:cxn ang="0">
+                    <a:pos x="connsiteX3" y="connsiteY3"/>
+                  </a:cxn>
+                  <a:cxn ang="0">
+                    <a:pos x="connsiteX4" y="connsiteY4"/>
+                  </a:cxn>
+                  <a:cxn ang="0">
+                    <a:pos x="connsiteX5" y="connsiteY5"/>
+                  </a:cxn>
+                  <a:cxn ang="0">
+                    <a:pos x="connsiteX6" y="connsiteY6"/>
+                  </a:cxn>
+                  <a:cxn ang="0">
+                    <a:pos x="connsiteX7" y="connsiteY7"/>
+                  </a:cxn>
+                  <a:cxn ang="0">
+                    <a:pos x="connsiteX8" y="connsiteY8"/>
+                  </a:cxn>
+                  <a:cxn ang="0">
+                    <a:pos x="connsiteX9" y="connsiteY9"/>
+                  </a:cxn>
+                  <a:cxn ang="0">
+                    <a:pos x="connsiteX10" y="connsiteY10"/>
+                  </a:cxn>
+                  <a:cxn ang="0">
+                    <a:pos x="connsiteX11" y="connsiteY11"/>
+                  </a:cxn>
+                  <a:cxn ang="0">
+                    <a:pos x="connsiteX12" y="connsiteY12"/>
+                  </a:cxn>
+                  <a:cxn ang="0">
+                    <a:pos x="connsiteX13" y="connsiteY13"/>
+                  </a:cxn>
+                  <a:cxn ang="0">
+                    <a:pos x="connsiteX14" y="connsiteY14"/>
+                  </a:cxn>
+                  <a:cxn ang="0">
+                    <a:pos x="connsiteX15" y="connsiteY15"/>
+                  </a:cxn>
+                  <a:cxn ang="0">
+                    <a:pos x="connsiteX16" y="connsiteY16"/>
+                  </a:cxn>
+                  <a:cxn ang="0">
+                    <a:pos x="connsiteX17" y="connsiteY17"/>
+                  </a:cxn>
+                </a:cxnLst>
+                <a:rect l="l" t="t" r="r" b="b"/>
+                <a:pathLst>
+                  <a:path w="1861854" h="277779">
+                    <a:moveTo>
+                      <a:pt x="180458" y="0"/>
+                    </a:moveTo>
+                    <a:lnTo>
+                      <a:pt x="419222" y="238761"/>
+                    </a:lnTo>
+                    <a:lnTo>
+                      <a:pt x="657984" y="0"/>
+                    </a:lnTo>
+                    <a:lnTo>
+                      <a:pt x="896745" y="238761"/>
+                    </a:lnTo>
+                    <a:lnTo>
+                      <a:pt x="1135754" y="0"/>
+                    </a:lnTo>
+                    <a:lnTo>
+                      <a:pt x="1374516" y="238761"/>
+                    </a:lnTo>
+                    <a:lnTo>
+                      <a:pt x="1613277" y="0"/>
+                    </a:lnTo>
+                    <a:lnTo>
+                      <a:pt x="1861854" y="248577"/>
+                    </a:lnTo>
+                    <a:lnTo>
+                      <a:pt x="1842470" y="268208"/>
+                    </a:lnTo>
+                    <a:lnTo>
+                      <a:pt x="1613277" y="39017"/>
+                    </a:lnTo>
+                    <a:lnTo>
+                      <a:pt x="1374516" y="277779"/>
+                    </a:lnTo>
+                    <a:lnTo>
+                      <a:pt x="1135754" y="39017"/>
+                    </a:lnTo>
+                    <a:lnTo>
+                      <a:pt x="896745" y="277779"/>
+                    </a:lnTo>
+                    <a:lnTo>
+                      <a:pt x="657984" y="39017"/>
+                    </a:lnTo>
+                    <a:lnTo>
+                      <a:pt x="419222" y="277779"/>
+                    </a:lnTo>
+                    <a:lnTo>
+                      <a:pt x="180458" y="39017"/>
+                    </a:lnTo>
+                    <a:lnTo>
+                      <a:pt x="0" y="219475"/>
+                    </a:lnTo>
+                    <a:lnTo>
+                      <a:pt x="0" y="180458"/>
+                    </a:lnTo>
+                    <a:close/>
+                  </a:path>
+                </a:pathLst>
+              </a:custGeom>
+              <a:grpFill/>
+              <a:ln w="9525" cap="flat">
+                <a:noFill/>
+                <a:prstDash val="solid"/>
+                <a:miter/>
+              </a:ln>
+            </p:spPr>
+            <p:txBody>
+              <a:bodyPr wrap="square" rtlCol="0" anchor="ctr">
+                <a:noAutofit/>
+              </a:bodyPr>
+              <a:lstStyle/>
+              <a:p>
+                <a:endParaRPr lang="en-US"/>
+              </a:p>
+            </p:txBody>
+          </p:sp>
+        </p:grpSp>
+        <p:grpSp>
+          <p:nvGrpSpPr>
+            <p:cNvPr id="14" name="Group 13">
+              <a:extLst>
+                <a:ext uri="{FF2B5EF4-FFF2-40B4-BE49-F238E27FC236}">
+                  <a16:creationId xmlns:a16="http://schemas.microsoft.com/office/drawing/2014/main" id="{E7F250C0-548A-E4C4-D1CB-032D4309FA9E}"/>
+                </a:ext>
+                <a:ext uri="{C183D7F6-B498-43B3-948B-1728B52AA6E4}">
+                  <adec:decorative xmlns:adec="http://schemas.microsoft.com/office/drawing/2017/decorative" val="1"/>
+                </a:ext>
+              </a:extLst>
+            </p:cNvPr>
+            <p:cNvGrpSpPr/>
+            <p:nvPr>
+              <p:extLst>
+                <p:ext uri="{386F3935-93C4-4BCD-93E2-E3B085C9AB24}">
+                  <p16:designElem xmlns:p16="http://schemas.microsoft.com/office/powerpoint/2015/main" val="1"/>
+                </p:ext>
+              </p:extLst>
+            </p:nvPr>
+          </p:nvGrpSpPr>
+          <p:grpSpPr>
+            <a:xfrm>
+              <a:off x="0" y="238499"/>
+              <a:ext cx="1861854" cy="717514"/>
+              <a:chOff x="0" y="604259"/>
+              <a:chExt cx="1861854" cy="717514"/>
+            </a:xfrm>
+            <a:grpFill/>
+          </p:grpSpPr>
+          <p:sp>
+            <p:nvSpPr>
+              <p:cNvPr id="15" name="Freeform: Shape 14">
+                <a:extLst>
+                  <a:ext uri="{FF2B5EF4-FFF2-40B4-BE49-F238E27FC236}">
+                    <a16:creationId xmlns:a16="http://schemas.microsoft.com/office/drawing/2014/main" id="{3DADCE9F-B463-973F-8F87-01DBDC48E8E9}"/>
+                  </a:ext>
+                  <a:ext uri="{C183D7F6-B498-43B3-948B-1728B52AA6E4}">
+                    <adec:decorative xmlns:adec="http://schemas.microsoft.com/office/drawing/2017/decorative" val="1"/>
+                  </a:ext>
+                </a:extLst>
+              </p:cNvPr>
+              <p:cNvSpPr/>
+              <p:nvPr>
+                <p:extLst>
+                  <p:ext uri="{386F3935-93C4-4BCD-93E2-E3B085C9AB24}">
+                    <p16:designElem xmlns:p16="http://schemas.microsoft.com/office/powerpoint/2015/main" val="1"/>
+                  </p:ext>
+                </p:extLst>
+              </p:nvPr>
+            </p:nvSpPr>
+            <p:spPr>
+              <a:xfrm>
+                <a:off x="0" y="604259"/>
+                <a:ext cx="1861854" cy="277779"/>
+              </a:xfrm>
+              <a:custGeom>
+                <a:avLst/>
+                <a:gdLst>
+                  <a:gd name="connsiteX0" fmla="*/ 180458 w 1861854"/>
+                  <a:gd name="connsiteY0" fmla="*/ 0 h 277779"/>
+                  <a:gd name="connsiteX1" fmla="*/ 419222 w 1861854"/>
+                  <a:gd name="connsiteY1" fmla="*/ 238761 h 277779"/>
+                  <a:gd name="connsiteX2" fmla="*/ 657984 w 1861854"/>
+                  <a:gd name="connsiteY2" fmla="*/ 0 h 277779"/>
+                  <a:gd name="connsiteX3" fmla="*/ 896745 w 1861854"/>
+                  <a:gd name="connsiteY3" fmla="*/ 238761 h 277779"/>
+                  <a:gd name="connsiteX4" fmla="*/ 1135754 w 1861854"/>
+                  <a:gd name="connsiteY4" fmla="*/ 0 h 277779"/>
+                  <a:gd name="connsiteX5" fmla="*/ 1374516 w 1861854"/>
+                  <a:gd name="connsiteY5" fmla="*/ 238761 h 277779"/>
+                  <a:gd name="connsiteX6" fmla="*/ 1613277 w 1861854"/>
+                  <a:gd name="connsiteY6" fmla="*/ 0 h 277779"/>
+                  <a:gd name="connsiteX7" fmla="*/ 1861854 w 1861854"/>
+                  <a:gd name="connsiteY7" fmla="*/ 248577 h 277779"/>
+                  <a:gd name="connsiteX8" fmla="*/ 1842470 w 1861854"/>
+                  <a:gd name="connsiteY8" fmla="*/ 267963 h 277779"/>
+                  <a:gd name="connsiteX9" fmla="*/ 1613277 w 1861854"/>
+                  <a:gd name="connsiteY9" fmla="*/ 39017 h 277779"/>
+                  <a:gd name="connsiteX10" fmla="*/ 1374516 w 1861854"/>
+                  <a:gd name="connsiteY10" fmla="*/ 277779 h 277779"/>
+                  <a:gd name="connsiteX11" fmla="*/ 1135754 w 1861854"/>
+                  <a:gd name="connsiteY11" fmla="*/ 39017 h 277779"/>
+                  <a:gd name="connsiteX12" fmla="*/ 896745 w 1861854"/>
+                  <a:gd name="connsiteY12" fmla="*/ 277779 h 277779"/>
+                  <a:gd name="connsiteX13" fmla="*/ 657984 w 1861854"/>
+                  <a:gd name="connsiteY13" fmla="*/ 39017 h 277779"/>
+                  <a:gd name="connsiteX14" fmla="*/ 419222 w 1861854"/>
+                  <a:gd name="connsiteY14" fmla="*/ 277779 h 277779"/>
+                  <a:gd name="connsiteX15" fmla="*/ 180458 w 1861854"/>
+                  <a:gd name="connsiteY15" fmla="*/ 39017 h 277779"/>
+                  <a:gd name="connsiteX16" fmla="*/ 0 w 1861854"/>
+                  <a:gd name="connsiteY16" fmla="*/ 219283 h 277779"/>
+                  <a:gd name="connsiteX17" fmla="*/ 0 w 1861854"/>
+                  <a:gd name="connsiteY17" fmla="*/ 180458 h 277779"/>
+                </a:gdLst>
+                <a:ahLst/>
+                <a:cxnLst>
+                  <a:cxn ang="0">
+                    <a:pos x="connsiteX0" y="connsiteY0"/>
+                  </a:cxn>
+                  <a:cxn ang="0">
+                    <a:pos x="connsiteX1" y="connsiteY1"/>
+                  </a:cxn>
+                  <a:cxn ang="0">
+                    <a:pos x="connsiteX2" y="connsiteY2"/>
+                  </a:cxn>
+                  <a:cxn ang="0">
+                    <a:pos x="connsiteX3" y="connsiteY3"/>
+                  </a:cxn>
+                  <a:cxn ang="0">
+                    <a:pos x="connsiteX4" y="connsiteY4"/>
+                  </a:cxn>
+                  <a:cxn ang="0">
+                    <a:pos x="connsiteX5" y="connsiteY5"/>
+                  </a:cxn>
+                  <a:cxn ang="0">
+                    <a:pos x="connsiteX6" y="connsiteY6"/>
+                  </a:cxn>
+                  <a:cxn ang="0">
+                    <a:pos x="connsiteX7" y="connsiteY7"/>
+                  </a:cxn>
+                  <a:cxn ang="0">
+                    <a:pos x="connsiteX8" y="connsiteY8"/>
+                  </a:cxn>
+                  <a:cxn ang="0">
+                    <a:pos x="connsiteX9" y="connsiteY9"/>
+                  </a:cxn>
+                  <a:cxn ang="0">
+                    <a:pos x="connsiteX10" y="connsiteY10"/>
+                  </a:cxn>
+                  <a:cxn ang="0">
+                    <a:pos x="connsiteX11" y="connsiteY11"/>
+                  </a:cxn>
+                  <a:cxn ang="0">
+                    <a:pos x="connsiteX12" y="connsiteY12"/>
+                  </a:cxn>
+                  <a:cxn ang="0">
+                    <a:pos x="connsiteX13" y="connsiteY13"/>
+                  </a:cxn>
+                  <a:cxn ang="0">
+                    <a:pos x="connsiteX14" y="connsiteY14"/>
+                  </a:cxn>
+                  <a:cxn ang="0">
+                    <a:pos x="connsiteX15" y="connsiteY15"/>
+                  </a:cxn>
+                  <a:cxn ang="0">
+                    <a:pos x="connsiteX16" y="connsiteY16"/>
+                  </a:cxn>
+                  <a:cxn ang="0">
+                    <a:pos x="connsiteX17" y="connsiteY17"/>
+                  </a:cxn>
+                </a:cxnLst>
+                <a:rect l="l" t="t" r="r" b="b"/>
+                <a:pathLst>
+                  <a:path w="1861854" h="277779">
+                    <a:moveTo>
+                      <a:pt x="180458" y="0"/>
+                    </a:moveTo>
+                    <a:lnTo>
+                      <a:pt x="419222" y="238761"/>
+                    </a:lnTo>
+                    <a:lnTo>
+                      <a:pt x="657984" y="0"/>
+                    </a:lnTo>
+                    <a:lnTo>
+                      <a:pt x="896745" y="238761"/>
+                    </a:lnTo>
+                    <a:lnTo>
+                      <a:pt x="1135754" y="0"/>
+                    </a:lnTo>
+                    <a:lnTo>
+                      <a:pt x="1374516" y="238761"/>
+                    </a:lnTo>
+                    <a:lnTo>
+                      <a:pt x="1613277" y="0"/>
+                    </a:lnTo>
+                    <a:lnTo>
+                      <a:pt x="1861854" y="248577"/>
+                    </a:lnTo>
+                    <a:lnTo>
+                      <a:pt x="1842470" y="267963"/>
+                    </a:lnTo>
+                    <a:lnTo>
+                      <a:pt x="1613277" y="39017"/>
+                    </a:lnTo>
+                    <a:lnTo>
+                      <a:pt x="1374516" y="277779"/>
+                    </a:lnTo>
+                    <a:lnTo>
+                      <a:pt x="1135754" y="39017"/>
+                    </a:lnTo>
+                    <a:lnTo>
+                      <a:pt x="896745" y="277779"/>
+                    </a:lnTo>
+                    <a:lnTo>
+                      <a:pt x="657984" y="39017"/>
+                    </a:lnTo>
+                    <a:lnTo>
+                      <a:pt x="419222" y="277779"/>
+                    </a:lnTo>
+                    <a:lnTo>
+                      <a:pt x="180458" y="39017"/>
+                    </a:lnTo>
+                    <a:lnTo>
+                      <a:pt x="0" y="219283"/>
+                    </a:lnTo>
+                    <a:lnTo>
+                      <a:pt x="0" y="180458"/>
+                    </a:lnTo>
+                    <a:close/>
+                  </a:path>
+                </a:pathLst>
+              </a:custGeom>
+              <a:grpFill/>
+              <a:ln w="9525" cap="flat">
+                <a:noFill/>
+                <a:prstDash val="solid"/>
+                <a:miter/>
+              </a:ln>
+            </p:spPr>
+            <p:txBody>
+              <a:bodyPr wrap="square" rtlCol="0" anchor="ctr">
+                <a:noAutofit/>
+              </a:bodyPr>
+              <a:lstStyle/>
+              <a:p>
+                <a:endParaRPr lang="en-US"/>
+              </a:p>
+            </p:txBody>
+          </p:sp>
+          <p:sp>
+            <p:nvSpPr>
+              <p:cNvPr id="16" name="Freeform: Shape 15">
+                <a:extLst>
+                  <a:ext uri="{FF2B5EF4-FFF2-40B4-BE49-F238E27FC236}">
+                    <a16:creationId xmlns:a16="http://schemas.microsoft.com/office/drawing/2014/main" id="{ED7A755C-F47F-C9FC-7A86-C8CB011C3BA2}"/>
+                  </a:ext>
+                  <a:ext uri="{C183D7F6-B498-43B3-948B-1728B52AA6E4}">
+                    <adec:decorative xmlns:adec="http://schemas.microsoft.com/office/drawing/2017/decorative" val="1"/>
+                  </a:ext>
+                </a:extLst>
+              </p:cNvPr>
+              <p:cNvSpPr/>
+              <p:nvPr>
+                <p:extLst>
+                  <p:ext uri="{386F3935-93C4-4BCD-93E2-E3B085C9AB24}">
+                    <p16:designElem xmlns:p16="http://schemas.microsoft.com/office/powerpoint/2015/main" val="1"/>
+                  </p:ext>
+                </p:extLst>
+              </p:nvPr>
+            </p:nvSpPr>
+            <p:spPr>
+              <a:xfrm>
+                <a:off x="0" y="1043994"/>
+                <a:ext cx="1861854" cy="277779"/>
+              </a:xfrm>
+              <a:custGeom>
+                <a:avLst/>
+                <a:gdLst>
+                  <a:gd name="connsiteX0" fmla="*/ 180458 w 1861854"/>
+                  <a:gd name="connsiteY0" fmla="*/ 0 h 277779"/>
+                  <a:gd name="connsiteX1" fmla="*/ 419222 w 1861854"/>
+                  <a:gd name="connsiteY1" fmla="*/ 238761 h 277779"/>
+                  <a:gd name="connsiteX2" fmla="*/ 657984 w 1861854"/>
+                  <a:gd name="connsiteY2" fmla="*/ 0 h 277779"/>
+                  <a:gd name="connsiteX3" fmla="*/ 896745 w 1861854"/>
+                  <a:gd name="connsiteY3" fmla="*/ 238761 h 277779"/>
+                  <a:gd name="connsiteX4" fmla="*/ 1135754 w 1861854"/>
+                  <a:gd name="connsiteY4" fmla="*/ 0 h 277779"/>
+                  <a:gd name="connsiteX5" fmla="*/ 1374516 w 1861854"/>
+                  <a:gd name="connsiteY5" fmla="*/ 238761 h 277779"/>
+                  <a:gd name="connsiteX6" fmla="*/ 1613277 w 1861854"/>
+                  <a:gd name="connsiteY6" fmla="*/ 0 h 277779"/>
+                  <a:gd name="connsiteX7" fmla="*/ 1861854 w 1861854"/>
+                  <a:gd name="connsiteY7" fmla="*/ 248577 h 277779"/>
+                  <a:gd name="connsiteX8" fmla="*/ 1842470 w 1861854"/>
+                  <a:gd name="connsiteY8" fmla="*/ 268208 h 277779"/>
+                  <a:gd name="connsiteX9" fmla="*/ 1613277 w 1861854"/>
+                  <a:gd name="connsiteY9" fmla="*/ 39017 h 277779"/>
+                  <a:gd name="connsiteX10" fmla="*/ 1374516 w 1861854"/>
+                  <a:gd name="connsiteY10" fmla="*/ 277779 h 277779"/>
+                  <a:gd name="connsiteX11" fmla="*/ 1135754 w 1861854"/>
+                  <a:gd name="connsiteY11" fmla="*/ 39017 h 277779"/>
+                  <a:gd name="connsiteX12" fmla="*/ 896745 w 1861854"/>
+                  <a:gd name="connsiteY12" fmla="*/ 277779 h 277779"/>
+                  <a:gd name="connsiteX13" fmla="*/ 657984 w 1861854"/>
+                  <a:gd name="connsiteY13" fmla="*/ 39017 h 277779"/>
+                  <a:gd name="connsiteX14" fmla="*/ 419222 w 1861854"/>
+                  <a:gd name="connsiteY14" fmla="*/ 277779 h 277779"/>
+                  <a:gd name="connsiteX15" fmla="*/ 180458 w 1861854"/>
+                  <a:gd name="connsiteY15" fmla="*/ 39017 h 277779"/>
+                  <a:gd name="connsiteX16" fmla="*/ 0 w 1861854"/>
+                  <a:gd name="connsiteY16" fmla="*/ 219475 h 277779"/>
+                  <a:gd name="connsiteX17" fmla="*/ 0 w 1861854"/>
+                  <a:gd name="connsiteY17" fmla="*/ 180458 h 277779"/>
+                </a:gdLst>
+                <a:ahLst/>
+                <a:cxnLst>
+                  <a:cxn ang="0">
+                    <a:pos x="connsiteX0" y="connsiteY0"/>
+                  </a:cxn>
+                  <a:cxn ang="0">
+                    <a:pos x="connsiteX1" y="connsiteY1"/>
+                  </a:cxn>
+                  <a:cxn ang="0">
+                    <a:pos x="connsiteX2" y="connsiteY2"/>
+                  </a:cxn>
+                  <a:cxn ang="0">
+                    <a:pos x="connsiteX3" y="connsiteY3"/>
+                  </a:cxn>
+                  <a:cxn ang="0">
+                    <a:pos x="connsiteX4" y="connsiteY4"/>
+                  </a:cxn>
+                  <a:cxn ang="0">
+                    <a:pos x="connsiteX5" y="connsiteY5"/>
+                  </a:cxn>
+                  <a:cxn ang="0">
+                    <a:pos x="connsiteX6" y="connsiteY6"/>
+                  </a:cxn>
+                  <a:cxn ang="0">
+                    <a:pos x="connsiteX7" y="connsiteY7"/>
+                  </a:cxn>
+                  <a:cxn ang="0">
+                    <a:pos x="connsiteX8" y="connsiteY8"/>
+                  </a:cxn>
+                  <a:cxn ang="0">
+                    <a:pos x="connsiteX9" y="connsiteY9"/>
+                  </a:cxn>
+                  <a:cxn ang="0">
+                    <a:pos x="connsiteX10" y="connsiteY10"/>
+                  </a:cxn>
+                  <a:cxn ang="0">
+                    <a:pos x="connsiteX11" y="connsiteY11"/>
+                  </a:cxn>
+                  <a:cxn ang="0">
+                    <a:pos x="connsiteX12" y="connsiteY12"/>
+                  </a:cxn>
+                  <a:cxn ang="0">
+                    <a:pos x="connsiteX13" y="connsiteY13"/>
+                  </a:cxn>
+                  <a:cxn ang="0">
+                    <a:pos x="connsiteX14" y="connsiteY14"/>
+                  </a:cxn>
+                  <a:cxn ang="0">
+                    <a:pos x="connsiteX15" y="connsiteY15"/>
+                  </a:cxn>
+                  <a:cxn ang="0">
+                    <a:pos x="connsiteX16" y="connsiteY16"/>
+                  </a:cxn>
+                  <a:cxn ang="0">
+                    <a:pos x="connsiteX17" y="connsiteY17"/>
+                  </a:cxn>
+                </a:cxnLst>
+                <a:rect l="l" t="t" r="r" b="b"/>
+                <a:pathLst>
+                  <a:path w="1861854" h="277779">
+                    <a:moveTo>
+                      <a:pt x="180458" y="0"/>
+                    </a:moveTo>
+                    <a:lnTo>
+                      <a:pt x="419222" y="238761"/>
+                    </a:lnTo>
+                    <a:lnTo>
+                      <a:pt x="657984" y="0"/>
+                    </a:lnTo>
+                    <a:lnTo>
+                      <a:pt x="896745" y="238761"/>
+                    </a:lnTo>
+                    <a:lnTo>
+                      <a:pt x="1135754" y="0"/>
+                    </a:lnTo>
+                    <a:lnTo>
+                      <a:pt x="1374516" y="238761"/>
+                    </a:lnTo>
+                    <a:lnTo>
+                      <a:pt x="1613277" y="0"/>
+                    </a:lnTo>
+                    <a:lnTo>
+                      <a:pt x="1861854" y="248577"/>
+                    </a:lnTo>
+                    <a:lnTo>
+                      <a:pt x="1842470" y="268208"/>
+                    </a:lnTo>
+                    <a:lnTo>
+                      <a:pt x="1613277" y="39017"/>
+                    </a:lnTo>
+                    <a:lnTo>
+                      <a:pt x="1374516" y="277779"/>
+                    </a:lnTo>
+                    <a:lnTo>
+                      <a:pt x="1135754" y="39017"/>
+                    </a:lnTo>
+                    <a:lnTo>
+                      <a:pt x="896745" y="277779"/>
+                    </a:lnTo>
+                    <a:lnTo>
+                      <a:pt x="657984" y="39017"/>
+                    </a:lnTo>
+                    <a:lnTo>
+                      <a:pt x="419222" y="277779"/>
+                    </a:lnTo>
+                    <a:lnTo>
+                      <a:pt x="180458" y="39017"/>
+                    </a:lnTo>
+                    <a:lnTo>
+                      <a:pt x="0" y="219475"/>
+                    </a:lnTo>
+                    <a:lnTo>
+                      <a:pt x="0" y="180458"/>
+                    </a:lnTo>
+                    <a:close/>
+                  </a:path>
+                </a:pathLst>
+              </a:custGeom>
+              <a:grpFill/>
+              <a:ln w="9525" cap="flat">
+                <a:noFill/>
+                <a:prstDash val="solid"/>
+                <a:miter/>
+              </a:ln>
+            </p:spPr>
+            <p:txBody>
+              <a:bodyPr wrap="square" rtlCol="0" anchor="ctr">
+                <a:noAutofit/>
+              </a:bodyPr>
+              <a:lstStyle/>
+              <a:p>
+                <a:endParaRPr lang="en-US"/>
+              </a:p>
+            </p:txBody>
+          </p:sp>
+        </p:grpSp>
+      </p:grpSp>
+      <p:grpSp>
+        <p:nvGrpSpPr>
+          <p:cNvPr id="20" name="Group 19">
+            <a:extLst>
+              <a:ext uri="{FF2B5EF4-FFF2-40B4-BE49-F238E27FC236}">
+                <a16:creationId xmlns:a16="http://schemas.microsoft.com/office/drawing/2014/main" id="{78C4C860-8828-6805-CB5C-8D9B8BDA198F}"/>
+              </a:ext>
+              <a:ext uri="{C183D7F6-B498-43B3-948B-1728B52AA6E4}">
+                <adec:decorative xmlns:adec="http://schemas.microsoft.com/office/drawing/2017/decorative" val="1"/>
+              </a:ext>
+            </a:extLst>
+          </p:cNvPr>
+          <p:cNvGrpSpPr>
+            <a:grpSpLocks noGrp="1" noUngrp="1" noRot="1" noChangeAspect="1" noMove="1" noResize="1"/>
+          </p:cNvGrpSpPr>
+          <p:nvPr>
+            <p:extLst>
+              <p:ext uri="{386F3935-93C4-4BCD-93E2-E3B085C9AB24}">
+                <p16:designElem xmlns:p16="http://schemas.microsoft.com/office/powerpoint/2015/main" val="1"/>
+              </p:ext>
+            </p:extLst>
+          </p:nvPr>
+        </p:nvGrpSpPr>
+        <p:grpSpPr>
+          <a:xfrm>
+            <a:off x="579725" y="1119591"/>
+            <a:ext cx="4965868" cy="4598497"/>
+            <a:chOff x="579725" y="1119591"/>
+            <a:chExt cx="4965868" cy="4598497"/>
+          </a:xfrm>
+        </p:grpSpPr>
+        <p:sp>
+          <p:nvSpPr>
+            <p:cNvPr id="21" name="Rectangle 20">
+              <a:extLst>
+                <a:ext uri="{FF2B5EF4-FFF2-40B4-BE49-F238E27FC236}">
+                  <a16:creationId xmlns:a16="http://schemas.microsoft.com/office/drawing/2014/main" id="{18A066D7-E264-F959-025F-0CBC78DD86B4}"/>
+                </a:ext>
+                <a:ext uri="{C183D7F6-B498-43B3-948B-1728B52AA6E4}">
+                  <adec:decorative xmlns:adec="http://schemas.microsoft.com/office/drawing/2017/decorative" val="1"/>
+                </a:ext>
+              </a:extLst>
+            </p:cNvPr>
+            <p:cNvSpPr/>
+            <p:nvPr>
+              <p:extLst>
+                <p:ext uri="{386F3935-93C4-4BCD-93E2-E3B085C9AB24}">
+                  <p16:designElem xmlns:p16="http://schemas.microsoft.com/office/powerpoint/2015/main" val="1"/>
+                </p:ext>
+              </p:extLst>
+            </p:nvPr>
+          </p:nvSpPr>
+          <p:spPr>
+            <a:xfrm>
+              <a:off x="579725" y="1119591"/>
+              <a:ext cx="4965868" cy="4598497"/>
+            </a:xfrm>
+            <a:prstGeom prst="rect">
+              <a:avLst/>
+            </a:prstGeom>
+            <a:solidFill>
+              <a:srgbClr val="FFFFFF"/>
+            </a:solidFill>
+            <a:ln w="28575">
+              <a:solidFill>
+                <a:schemeClr val="bg1"/>
+              </a:solidFill>
+            </a:ln>
+          </p:spPr>
+          <p:style>
+            <a:lnRef idx="2">
+              <a:schemeClr val="accent1">
+                <a:shade val="50000"/>
+              </a:schemeClr>
+            </a:lnRef>
+            <a:fillRef idx="1">
+              <a:schemeClr val="accent1"/>
+            </a:fillRef>
+            <a:effectRef idx="0">
+              <a:schemeClr val="accent1"/>
+            </a:effectRef>
+            <a:fontRef idx="minor">
+              <a:schemeClr val="lt1"/>
+            </a:fontRef>
+          </p:style>
+          <p:txBody>
+            <a:bodyPr rtlCol="0" anchor="ctr"/>
+            <a:lstStyle/>
+            <a:p>
+              <a:pPr algn="ctr"/>
+              <a:endParaRPr lang="en-US"/>
+            </a:p>
+          </p:txBody>
+        </p:sp>
+        <p:sp>
+          <p:nvSpPr>
+            <p:cNvPr id="22" name="Rectangle 21">
+              <a:extLst>
+                <a:ext uri="{FF2B5EF4-FFF2-40B4-BE49-F238E27FC236}">
+                  <a16:creationId xmlns:a16="http://schemas.microsoft.com/office/drawing/2014/main" id="{1A183BCA-5BCC-29BE-FF73-1A21849BD670}"/>
+                </a:ext>
+                <a:ext uri="{C183D7F6-B498-43B3-948B-1728B52AA6E4}">
+                  <adec:decorative xmlns:adec="http://schemas.microsoft.com/office/drawing/2017/decorative" val="1"/>
+                </a:ext>
+              </a:extLst>
+            </p:cNvPr>
+            <p:cNvSpPr/>
+            <p:nvPr>
+              <p:extLst>
+                <p:ext uri="{386F3935-93C4-4BCD-93E2-E3B085C9AB24}">
+                  <p16:designElem xmlns:p16="http://schemas.microsoft.com/office/powerpoint/2015/main" val="1"/>
+                </p:ext>
+              </p:extLst>
+            </p:nvPr>
+          </p:nvSpPr>
+          <p:spPr>
+            <a:xfrm>
+              <a:off x="579725" y="1119591"/>
+              <a:ext cx="4965868" cy="4598497"/>
+            </a:xfrm>
+            <a:prstGeom prst="rect">
+              <a:avLst/>
+            </a:prstGeom>
+            <a:solidFill>
+              <a:schemeClr val="accent6">
+                <a:alpha val="30000"/>
+              </a:schemeClr>
+            </a:solidFill>
+            <a:ln w="28575">
+              <a:solidFill>
+                <a:schemeClr val="bg1"/>
+              </a:solidFill>
+            </a:ln>
+          </p:spPr>
+          <p:style>
+            <a:lnRef idx="2">
+              <a:schemeClr val="accent1">
+                <a:shade val="50000"/>
+              </a:schemeClr>
+            </a:lnRef>
+            <a:fillRef idx="1">
+              <a:schemeClr val="accent1"/>
+            </a:fillRef>
+            <a:effectRef idx="0">
+              <a:schemeClr val="accent1"/>
+            </a:effectRef>
+            <a:fontRef idx="minor">
+              <a:schemeClr val="lt1"/>
+            </a:fontRef>
+          </p:style>
+          <p:txBody>
+            <a:bodyPr rtlCol="0" anchor="ctr"/>
+            <a:lstStyle/>
+            <a:p>
+              <a:pPr algn="ctr"/>
+              <a:endParaRPr lang="en-US"/>
+            </a:p>
+          </p:txBody>
+        </p:sp>
+      </p:grpSp>
+      <p:sp>
+        <p:nvSpPr>
+          <p:cNvPr id="24" name="Rectangle 23">
+            <a:extLst>
+              <a:ext uri="{FF2B5EF4-FFF2-40B4-BE49-F238E27FC236}">
+                <a16:creationId xmlns:a16="http://schemas.microsoft.com/office/drawing/2014/main" id="{76EC2B1E-BE6D-2DEF-A360-AB45DC8C252C}"/>
+              </a:ext>
+              <a:ext uri="{C183D7F6-B498-43B3-948B-1728B52AA6E4}">
+                <adec:decorative xmlns:adec="http://schemas.microsoft.com/office/drawing/2017/decorative" val="1"/>
+              </a:ext>
+            </a:extLst>
+          </p:cNvPr>
+          <p:cNvSpPr>
+            <a:spLocks noGrp="1" noRot="1" noChangeAspect="1" noMove="1" noResize="1" noEditPoints="1" noAdjustHandles="1" noChangeArrowheads="1" noChangeShapeType="1" noTextEdit="1"/>
+          </p:cNvSpPr>
+          <p:nvPr>
+            <p:extLst>
+              <p:ext uri="{386F3935-93C4-4BCD-93E2-E3B085C9AB24}">
+                <p16:designElem xmlns:p16="http://schemas.microsoft.com/office/powerpoint/2015/main" val="1"/>
+              </p:ext>
+            </p:extLst>
+          </p:nvPr>
+        </p:nvSpPr>
+        <p:spPr>
+          <a:xfrm>
+            <a:off x="554039" y="1073782"/>
+            <a:ext cx="4860256" cy="4529266"/>
+          </a:xfrm>
+          <a:prstGeom prst="rect">
+            <a:avLst/>
+          </a:prstGeom>
+          <a:solidFill>
+            <a:schemeClr val="tx1"/>
+          </a:solidFill>
+          <a:ln w="28575">
+            <a:solidFill>
+              <a:schemeClr val="bg1"/>
+            </a:solidFill>
+          </a:ln>
+        </p:spPr>
+        <p:style>
+          <a:lnRef idx="2">
+            <a:schemeClr val="accent1">
+              <a:shade val="50000"/>
+            </a:schemeClr>
+          </a:lnRef>
+          <a:fillRef idx="1">
+            <a:schemeClr val="accent1"/>
+          </a:fillRef>
+          <a:effectRef idx="0">
+            <a:schemeClr val="accent1"/>
+          </a:effectRef>
+          <a:fontRef idx="minor">
+            <a:schemeClr val="lt1"/>
+          </a:fontRef>
+        </p:style>
+        <p:txBody>
+          <a:bodyPr rtlCol="0" anchor="ctr"/>
+          <a:lstStyle/>
+          <a:p>
+            <a:pPr algn="ctr"/>
+            <a:endParaRPr lang="en-US"/>
+          </a:p>
+        </p:txBody>
+      </p:sp>
+      <p:sp>
+        <p:nvSpPr>
+          <p:cNvPr id="3" name="TextBox 2">
+            <a:extLst>
+              <a:ext uri="{FF2B5EF4-FFF2-40B4-BE49-F238E27FC236}">
+                <a16:creationId xmlns:a16="http://schemas.microsoft.com/office/drawing/2014/main" id="{5EA36E2B-EDBD-8283-EC33-46FE39921DFB}"/>
+              </a:ext>
+            </a:extLst>
+          </p:cNvPr>
+          <p:cNvSpPr txBox="1"/>
+          <p:nvPr/>
+        </p:nvSpPr>
+        <p:spPr>
+          <a:xfrm>
+            <a:off x="838200" y="1723434"/>
+            <a:ext cx="4324642" cy="1623290"/>
+          </a:xfrm>
+          <a:prstGeom prst="rect">
+            <a:avLst/>
+          </a:prstGeom>
+        </p:spPr>
+        <p:txBody>
+          <a:bodyPr vert="horz" lIns="91440" tIns="45720" rIns="91440" bIns="45720" rtlCol="0" anchor="b">
+            <a:normAutofit/>
+          </a:bodyPr>
+          <a:lstStyle/>
+          <a:p>
+            <a:pPr algn="ctr" defTabSz="914400">
+              <a:lnSpc>
+                <a:spcPct val="90000"/>
+              </a:lnSpc>
+              <a:spcBef>
+                <a:spcPct val="0"/>
+              </a:spcBef>
+              <a:spcAft>
+                <a:spcPts val="600"/>
+              </a:spcAft>
+            </a:pPr>
+            <a:r>
+              <a:rPr lang="en-US" sz="5400" b="1" dirty="0">
+                <a:solidFill>
+                  <a:schemeClr val="bg1"/>
+                </a:solidFill>
+                <a:latin typeface="+mj-lt"/>
+                <a:ea typeface="+mj-ea"/>
+                <a:cs typeface="+mj-cs"/>
+              </a:rPr>
+              <a:t>Creation</a:t>
+            </a:r>
+          </a:p>
+        </p:txBody>
+      </p:sp>
+      <p:sp>
+        <p:nvSpPr>
+          <p:cNvPr id="2" name="TextBox 1">
+            <a:extLst>
+              <a:ext uri="{FF2B5EF4-FFF2-40B4-BE49-F238E27FC236}">
+                <a16:creationId xmlns:a16="http://schemas.microsoft.com/office/drawing/2014/main" id="{0AC90351-D93F-3AA7-4347-EFEFA8140892}"/>
+              </a:ext>
+            </a:extLst>
+          </p:cNvPr>
+          <p:cNvSpPr txBox="1"/>
+          <p:nvPr/>
+        </p:nvSpPr>
+        <p:spPr>
+          <a:xfrm>
+            <a:off x="838200" y="3950567"/>
+            <a:ext cx="4324642" cy="1199392"/>
+          </a:xfrm>
+          <a:prstGeom prst="rect">
+            <a:avLst/>
+          </a:prstGeom>
+        </p:spPr>
+        <p:txBody>
+          <a:bodyPr vert="horz" lIns="91440" tIns="45720" rIns="91440" bIns="45720" rtlCol="0">
+            <a:normAutofit/>
+          </a:bodyPr>
+          <a:lstStyle/>
+          <a:p>
+            <a:pPr algn="ctr" defTabSz="914400">
+              <a:lnSpc>
+                <a:spcPct val="90000"/>
+              </a:lnSpc>
+              <a:spcBef>
+                <a:spcPts val="1000"/>
+              </a:spcBef>
+            </a:pPr>
+            <a:r>
+              <a:rPr lang="en-US" sz="2400" b="1" dirty="0">
+                <a:solidFill>
+                  <a:schemeClr val="accent2">
+                    <a:lumMod val="75000"/>
+                  </a:schemeClr>
+                </a:solidFill>
+              </a:rPr>
+              <a:t>Arrays are created the new keyword, and their size is specified.</a:t>
+            </a:r>
+          </a:p>
+        </p:txBody>
+      </p:sp>
+      <p:sp>
+        <p:nvSpPr>
+          <p:cNvPr id="26" name="Freeform: Shape 25">
+            <a:extLst>
+              <a:ext uri="{FF2B5EF4-FFF2-40B4-BE49-F238E27FC236}">
+                <a16:creationId xmlns:a16="http://schemas.microsoft.com/office/drawing/2014/main" id="{FD33ECFA-1787-0B53-DCB6-065A3D491365}"/>
+              </a:ext>
+              <a:ext uri="{C183D7F6-B498-43B3-948B-1728B52AA6E4}">
+                <adec:decorative xmlns:adec="http://schemas.microsoft.com/office/drawing/2017/decorative" val="1"/>
+              </a:ext>
+            </a:extLst>
+          </p:cNvPr>
+          <p:cNvSpPr>
+            <a:spLocks noGrp="1" noRot="1" noChangeAspect="1" noMove="1" noResize="1" noEditPoints="1" noAdjustHandles="1" noChangeArrowheads="1" noChangeShapeType="1" noTextEdit="1"/>
+          </p:cNvSpPr>
+          <p:nvPr>
+            <p:extLst>
+              <p:ext uri="{386F3935-93C4-4BCD-93E2-E3B085C9AB24}">
+                <p16:designElem xmlns:p16="http://schemas.microsoft.com/office/powerpoint/2015/main" val="1"/>
+              </p:ext>
+            </p:extLst>
+          </p:nvPr>
+        </p:nvSpPr>
+        <p:spPr>
+          <a:xfrm flipV="1">
+            <a:off x="10790119" y="0"/>
+            <a:ext cx="1401881" cy="1345036"/>
+          </a:xfrm>
+          <a:custGeom>
+            <a:avLst/>
+            <a:gdLst>
+              <a:gd name="connsiteX0" fmla="*/ 2473947 w 3432581"/>
+              <a:gd name="connsiteY0" fmla="*/ 0 h 3293393"/>
+              <a:gd name="connsiteX1" fmla="*/ 3209623 w 3432581"/>
+              <a:gd name="connsiteY1" fmla="*/ 111224 h 3293393"/>
+              <a:gd name="connsiteX2" fmla="*/ 3432581 w 3432581"/>
+              <a:gd name="connsiteY2" fmla="*/ 192828 h 3293393"/>
+              <a:gd name="connsiteX3" fmla="*/ 3432581 w 3432581"/>
+              <a:gd name="connsiteY3" fmla="*/ 3293393 h 3293393"/>
+              <a:gd name="connsiteX4" fmla="*/ 141884 w 3432581"/>
+              <a:gd name="connsiteY4" fmla="*/ 3293393 h 3293393"/>
+              <a:gd name="connsiteX5" fmla="*/ 111224 w 3432581"/>
+              <a:gd name="connsiteY5" fmla="*/ 3209623 h 3293393"/>
+              <a:gd name="connsiteX6" fmla="*/ 0 w 3432581"/>
+              <a:gd name="connsiteY6" fmla="*/ 2473947 h 3293393"/>
+              <a:gd name="connsiteX7" fmla="*/ 2473947 w 3432581"/>
+              <a:gd name="connsiteY7" fmla="*/ 0 h 3293393"/>
+            </a:gdLst>
+            <a:ahLst/>
+            <a:cxnLst>
+              <a:cxn ang="0">
+                <a:pos x="connsiteX0" y="connsiteY0"/>
+              </a:cxn>
+              <a:cxn ang="0">
+                <a:pos x="connsiteX1" y="connsiteY1"/>
+              </a:cxn>
+              <a:cxn ang="0">
+                <a:pos x="connsiteX2" y="connsiteY2"/>
+              </a:cxn>
+              <a:cxn ang="0">
+                <a:pos x="connsiteX3" y="connsiteY3"/>
+              </a:cxn>
+              <a:cxn ang="0">
+                <a:pos x="connsiteX4" y="connsiteY4"/>
+              </a:cxn>
+              <a:cxn ang="0">
+                <a:pos x="connsiteX5" y="connsiteY5"/>
+              </a:cxn>
+              <a:cxn ang="0">
+                <a:pos x="connsiteX6" y="connsiteY6"/>
+              </a:cxn>
+              <a:cxn ang="0">
+                <a:pos x="connsiteX7" y="connsiteY7"/>
+              </a:cxn>
+            </a:cxnLst>
+            <a:rect l="l" t="t" r="r" b="b"/>
+            <a:pathLst>
+              <a:path w="3432581" h="3293393">
+                <a:moveTo>
+                  <a:pt x="2473947" y="0"/>
+                </a:moveTo>
+                <a:cubicBezTo>
+                  <a:pt x="2730133" y="0"/>
+                  <a:pt x="2977223" y="38940"/>
+                  <a:pt x="3209623" y="111224"/>
+                </a:cubicBezTo>
+                <a:lnTo>
+                  <a:pt x="3432581" y="192828"/>
+                </a:lnTo>
+                <a:lnTo>
+                  <a:pt x="3432581" y="3293393"/>
+                </a:lnTo>
+                <a:lnTo>
+                  <a:pt x="141884" y="3293393"/>
+                </a:lnTo>
+                <a:lnTo>
+                  <a:pt x="111224" y="3209623"/>
+                </a:lnTo>
+                <a:cubicBezTo>
+                  <a:pt x="38940" y="2977224"/>
+                  <a:pt x="0" y="2730133"/>
+                  <a:pt x="0" y="2473947"/>
+                </a:cubicBezTo>
+                <a:cubicBezTo>
+                  <a:pt x="0" y="1107624"/>
+                  <a:pt x="1107624" y="0"/>
+                  <a:pt x="2473947" y="0"/>
+                </a:cubicBezTo>
+                <a:close/>
+              </a:path>
+            </a:pathLst>
+          </a:custGeom>
+          <a:solidFill>
+            <a:srgbClr val="FFFFFF"/>
+          </a:solidFill>
+          <a:ln w="28575">
+            <a:noFill/>
+          </a:ln>
+        </p:spPr>
+        <p:style>
+          <a:lnRef idx="2">
+            <a:schemeClr val="accent1">
+              <a:shade val="50000"/>
+            </a:schemeClr>
+          </a:lnRef>
+          <a:fillRef idx="1">
+            <a:schemeClr val="accent1"/>
+          </a:fillRef>
+          <a:effectRef idx="0">
+            <a:schemeClr val="accent1"/>
+          </a:effectRef>
+          <a:fontRef idx="minor">
+            <a:schemeClr val="lt1"/>
+          </a:fontRef>
+        </p:style>
+        <p:txBody>
+          <a:bodyPr rot="0" spcFirstLastPara="0" vertOverflow="overflow" horzOverflow="overflow" vert="horz" wrap="square" lIns="91440" tIns="45720" rIns="91440" bIns="45720" numCol="1" spcCol="0" rtlCol="0" fromWordArt="0" anchor="ctr" anchorCtr="0" forceAA="0" compatLnSpc="1">
+            <a:prstTxWarp prst="textNoShape">
+              <a:avLst/>
+            </a:prstTxWarp>
+            <a:noAutofit/>
+          </a:bodyPr>
+          <a:lstStyle/>
+          <a:p>
+            <a:pPr algn="ctr"/>
+            <a:endParaRPr lang="en-US" dirty="0"/>
+          </a:p>
+        </p:txBody>
+      </p:sp>
+      <p:sp>
+        <p:nvSpPr>
+          <p:cNvPr id="28" name="Freeform: Shape 27">
+            <a:extLst>
+              <a:ext uri="{FF2B5EF4-FFF2-40B4-BE49-F238E27FC236}">
+                <a16:creationId xmlns:a16="http://schemas.microsoft.com/office/drawing/2014/main" id="{EFE73E2C-8CF2-255B-047E-1CD7933C0634}"/>
+              </a:ext>
+              <a:ext uri="{C183D7F6-B498-43B3-948B-1728B52AA6E4}">
+                <adec:decorative xmlns:adec="http://schemas.microsoft.com/office/drawing/2017/decorative" val="1"/>
+              </a:ext>
+            </a:extLst>
+          </p:cNvPr>
+          <p:cNvSpPr>
+            <a:spLocks noGrp="1" noRot="1" noChangeAspect="1" noMove="1" noResize="1" noEditPoints="1" noAdjustHandles="1" noChangeArrowheads="1" noChangeShapeType="1" noTextEdit="1"/>
+          </p:cNvSpPr>
+          <p:nvPr>
+            <p:extLst>
+              <p:ext uri="{386F3935-93C4-4BCD-93E2-E3B085C9AB24}">
+                <p16:designElem xmlns:p16="http://schemas.microsoft.com/office/powerpoint/2015/main" val="1"/>
+              </p:ext>
+            </p:extLst>
+          </p:nvPr>
+        </p:nvSpPr>
+        <p:spPr>
+          <a:xfrm flipV="1">
+            <a:off x="10790119" y="0"/>
+            <a:ext cx="1401881" cy="1345036"/>
+          </a:xfrm>
+          <a:custGeom>
+            <a:avLst/>
+            <a:gdLst>
+              <a:gd name="connsiteX0" fmla="*/ 2473947 w 3432581"/>
+              <a:gd name="connsiteY0" fmla="*/ 0 h 3293393"/>
+              <a:gd name="connsiteX1" fmla="*/ 3209623 w 3432581"/>
+              <a:gd name="connsiteY1" fmla="*/ 111224 h 3293393"/>
+              <a:gd name="connsiteX2" fmla="*/ 3432581 w 3432581"/>
+              <a:gd name="connsiteY2" fmla="*/ 192828 h 3293393"/>
+              <a:gd name="connsiteX3" fmla="*/ 3432581 w 3432581"/>
+              <a:gd name="connsiteY3" fmla="*/ 3293393 h 3293393"/>
+              <a:gd name="connsiteX4" fmla="*/ 141884 w 3432581"/>
+              <a:gd name="connsiteY4" fmla="*/ 3293393 h 3293393"/>
+              <a:gd name="connsiteX5" fmla="*/ 111224 w 3432581"/>
+              <a:gd name="connsiteY5" fmla="*/ 3209623 h 3293393"/>
+              <a:gd name="connsiteX6" fmla="*/ 0 w 3432581"/>
+              <a:gd name="connsiteY6" fmla="*/ 2473947 h 3293393"/>
+              <a:gd name="connsiteX7" fmla="*/ 2473947 w 3432581"/>
+              <a:gd name="connsiteY7" fmla="*/ 0 h 3293393"/>
+            </a:gdLst>
+            <a:ahLst/>
+            <a:cxnLst>
+              <a:cxn ang="0">
+                <a:pos x="connsiteX0" y="connsiteY0"/>
+              </a:cxn>
+              <a:cxn ang="0">
+                <a:pos x="connsiteX1" y="connsiteY1"/>
+              </a:cxn>
+              <a:cxn ang="0">
+                <a:pos x="connsiteX2" y="connsiteY2"/>
+              </a:cxn>
+              <a:cxn ang="0">
+                <a:pos x="connsiteX3" y="connsiteY3"/>
+              </a:cxn>
+              <a:cxn ang="0">
+                <a:pos x="connsiteX4" y="connsiteY4"/>
+              </a:cxn>
+              <a:cxn ang="0">
+                <a:pos x="connsiteX5" y="connsiteY5"/>
+              </a:cxn>
+              <a:cxn ang="0">
+                <a:pos x="connsiteX6" y="connsiteY6"/>
+              </a:cxn>
+              <a:cxn ang="0">
+                <a:pos x="connsiteX7" y="connsiteY7"/>
+              </a:cxn>
+            </a:cxnLst>
+            <a:rect l="l" t="t" r="r" b="b"/>
+            <a:pathLst>
+              <a:path w="3432581" h="3293393">
+                <a:moveTo>
+                  <a:pt x="2473947" y="0"/>
+                </a:moveTo>
+                <a:cubicBezTo>
+                  <a:pt x="2730133" y="0"/>
+                  <a:pt x="2977223" y="38940"/>
+                  <a:pt x="3209623" y="111224"/>
+                </a:cubicBezTo>
+                <a:lnTo>
+                  <a:pt x="3432581" y="192828"/>
+                </a:lnTo>
+                <a:lnTo>
+                  <a:pt x="3432581" y="3293393"/>
+                </a:lnTo>
+                <a:lnTo>
+                  <a:pt x="141884" y="3293393"/>
+                </a:lnTo>
+                <a:lnTo>
+                  <a:pt x="111224" y="3209623"/>
+                </a:lnTo>
+                <a:cubicBezTo>
+                  <a:pt x="38940" y="2977224"/>
+                  <a:pt x="0" y="2730133"/>
+                  <a:pt x="0" y="2473947"/>
+                </a:cubicBezTo>
+                <a:cubicBezTo>
+                  <a:pt x="0" y="1107624"/>
+                  <a:pt x="1107624" y="0"/>
+                  <a:pt x="2473947" y="0"/>
+                </a:cubicBezTo>
+                <a:close/>
+              </a:path>
+            </a:pathLst>
+          </a:custGeom>
+          <a:solidFill>
+            <a:schemeClr val="accent2">
+              <a:alpha val="30000"/>
+            </a:schemeClr>
+          </a:solidFill>
+          <a:ln w="28575">
+            <a:noFill/>
+          </a:ln>
+        </p:spPr>
+        <p:style>
+          <a:lnRef idx="2">
+            <a:schemeClr val="accent1">
+              <a:shade val="50000"/>
+            </a:schemeClr>
+          </a:lnRef>
+          <a:fillRef idx="1">
+            <a:schemeClr val="accent1"/>
+          </a:fillRef>
+          <a:effectRef idx="0">
+            <a:schemeClr val="accent1"/>
+          </a:effectRef>
+          <a:fontRef idx="minor">
+            <a:schemeClr val="lt1"/>
+          </a:fontRef>
+        </p:style>
+        <p:txBody>
+          <a:bodyPr rot="0" spcFirstLastPara="0" vertOverflow="overflow" horzOverflow="overflow" vert="horz" wrap="square" lIns="91440" tIns="45720" rIns="91440" bIns="45720" numCol="1" spcCol="0" rtlCol="0" fromWordArt="0" anchor="ctr" anchorCtr="0" forceAA="0" compatLnSpc="1">
+            <a:prstTxWarp prst="textNoShape">
+              <a:avLst/>
+            </a:prstTxWarp>
+            <a:noAutofit/>
+          </a:bodyPr>
+          <a:lstStyle/>
+          <a:p>
+            <a:pPr algn="ctr"/>
+            <a:endParaRPr lang="en-US" dirty="0"/>
+          </a:p>
+        </p:txBody>
+      </p:sp>
+      <p:sp>
+        <p:nvSpPr>
+          <p:cNvPr id="30" name="Oval 29">
+            <a:extLst>
+              <a:ext uri="{FF2B5EF4-FFF2-40B4-BE49-F238E27FC236}">
+                <a16:creationId xmlns:a16="http://schemas.microsoft.com/office/drawing/2014/main" id="{B49F200F-DFF3-2A3B-F85B-2424B5CC396A}"/>
+              </a:ext>
+              <a:ext uri="{C183D7F6-B498-43B3-948B-1728B52AA6E4}">
+                <adec:decorative xmlns:adec="http://schemas.microsoft.com/office/drawing/2017/decorative" val="1"/>
+              </a:ext>
+            </a:extLst>
+          </p:cNvPr>
+          <p:cNvSpPr>
+            <a:spLocks noGrp="1" noRot="1" noChangeAspect="1" noMove="1" noResize="1" noEditPoints="1" noAdjustHandles="1" noChangeArrowheads="1" noChangeShapeType="1" noTextEdit="1"/>
+          </p:cNvSpPr>
+          <p:nvPr>
+            <p:extLst>
+              <p:ext uri="{386F3935-93C4-4BCD-93E2-E3B085C9AB24}">
+                <p16:designElem xmlns:p16="http://schemas.microsoft.com/office/powerpoint/2015/main" val="1"/>
+              </p:ext>
+            </p:extLst>
+          </p:nvPr>
+        </p:nvSpPr>
+        <p:spPr>
+          <a:xfrm>
+            <a:off x="367634" y="4727300"/>
+            <a:ext cx="319941" cy="319941"/>
+          </a:xfrm>
+          <a:prstGeom prst="ellipse">
+            <a:avLst/>
+          </a:prstGeom>
+          <a:solidFill>
+            <a:srgbClr val="FFFFFF"/>
+          </a:solidFill>
+          <a:ln w="28575">
+            <a:noFill/>
+          </a:ln>
+        </p:spPr>
+        <p:style>
+          <a:lnRef idx="2">
+            <a:schemeClr val="accent1">
+              <a:shade val="50000"/>
+            </a:schemeClr>
+          </a:lnRef>
+          <a:fillRef idx="1">
+            <a:schemeClr val="accent1"/>
+          </a:fillRef>
+          <a:effectRef idx="0">
+            <a:schemeClr val="accent1"/>
+          </a:effectRef>
+          <a:fontRef idx="minor">
+            <a:schemeClr val="lt1"/>
+          </a:fontRef>
+        </p:style>
+        <p:txBody>
+          <a:bodyPr rot="0" spcFirstLastPara="0" vertOverflow="overflow" horzOverflow="overflow" vert="horz" wrap="square" lIns="91440" tIns="45720" rIns="91440" bIns="45720" numCol="1" spcCol="0" rtlCol="0" fromWordArt="0" anchor="ctr" anchorCtr="0" forceAA="0" compatLnSpc="1">
+            <a:prstTxWarp prst="textNoShape">
+              <a:avLst/>
+            </a:prstTxWarp>
+            <a:noAutofit/>
+          </a:bodyPr>
+          <a:lstStyle/>
+          <a:p>
+            <a:pPr algn="ctr"/>
+            <a:endParaRPr lang="en-US"/>
+          </a:p>
+        </p:txBody>
+      </p:sp>
+      <p:sp>
+        <p:nvSpPr>
+          <p:cNvPr id="32" name="Oval 31">
+            <a:extLst>
+              <a:ext uri="{FF2B5EF4-FFF2-40B4-BE49-F238E27FC236}">
+                <a16:creationId xmlns:a16="http://schemas.microsoft.com/office/drawing/2014/main" id="{06B88006-6839-82A0-BE81-66A9255CB21A}"/>
+              </a:ext>
+              <a:ext uri="{C183D7F6-B498-43B3-948B-1728B52AA6E4}">
+                <adec:decorative xmlns:adec="http://schemas.microsoft.com/office/drawing/2017/decorative" val="1"/>
+              </a:ext>
+            </a:extLst>
+          </p:cNvPr>
+          <p:cNvSpPr>
+            <a:spLocks noGrp="1" noRot="1" noChangeAspect="1" noMove="1" noResize="1" noEditPoints="1" noAdjustHandles="1" noChangeArrowheads="1" noChangeShapeType="1" noTextEdit="1"/>
+          </p:cNvSpPr>
+          <p:nvPr>
+            <p:extLst>
+              <p:ext uri="{386F3935-93C4-4BCD-93E2-E3B085C9AB24}">
+                <p16:designElem xmlns:p16="http://schemas.microsoft.com/office/powerpoint/2015/main" val="1"/>
+              </p:ext>
+            </p:extLst>
+          </p:nvPr>
+        </p:nvSpPr>
+        <p:spPr>
+          <a:xfrm>
+            <a:off x="367634" y="4727300"/>
+            <a:ext cx="319941" cy="319941"/>
+          </a:xfrm>
+          <a:prstGeom prst="ellipse">
+            <a:avLst/>
+          </a:prstGeom>
+          <a:solidFill>
+            <a:schemeClr val="accent2">
+              <a:alpha val="30000"/>
+            </a:schemeClr>
+          </a:solidFill>
+          <a:ln w="28575">
+            <a:solidFill>
+              <a:schemeClr val="bg1"/>
+            </a:solidFill>
+          </a:ln>
+        </p:spPr>
+        <p:style>
+          <a:lnRef idx="2">
+            <a:schemeClr val="accent1">
+              <a:shade val="50000"/>
+            </a:schemeClr>
+          </a:lnRef>
+          <a:fillRef idx="1">
+            <a:schemeClr val="accent1"/>
+          </a:fillRef>
+          <a:effectRef idx="0">
+            <a:schemeClr val="accent1"/>
+          </a:effectRef>
+          <a:fontRef idx="minor">
+            <a:schemeClr val="lt1"/>
+          </a:fontRef>
+        </p:style>
+        <p:txBody>
+          <a:bodyPr rot="0" spcFirstLastPara="0" vertOverflow="overflow" horzOverflow="overflow" vert="horz" wrap="square" lIns="91440" tIns="45720" rIns="91440" bIns="45720" numCol="1" spcCol="0" rtlCol="0" fromWordArt="0" anchor="ctr" anchorCtr="0" forceAA="0" compatLnSpc="1">
+            <a:prstTxWarp prst="textNoShape">
+              <a:avLst/>
+            </a:prstTxWarp>
+            <a:noAutofit/>
+          </a:bodyPr>
+          <a:lstStyle/>
+          <a:p>
+            <a:pPr algn="ctr"/>
+            <a:endParaRPr lang="en-US"/>
+          </a:p>
+        </p:txBody>
+      </p:sp>
+      <p:grpSp>
+        <p:nvGrpSpPr>
+          <p:cNvPr id="34" name="Graphic 185">
+            <a:extLst>
+              <a:ext uri="{FF2B5EF4-FFF2-40B4-BE49-F238E27FC236}">
+                <a16:creationId xmlns:a16="http://schemas.microsoft.com/office/drawing/2014/main" id="{9C96305D-35A2-30B9-9ACE-DD4AD884D117}"/>
+              </a:ext>
+              <a:ext uri="{C183D7F6-B498-43B3-948B-1728B52AA6E4}">
+                <adec:decorative xmlns:adec="http://schemas.microsoft.com/office/drawing/2017/decorative" val="1"/>
+              </a:ext>
+            </a:extLst>
+          </p:cNvPr>
+          <p:cNvGrpSpPr>
+            <a:grpSpLocks noGrp="1" noUngrp="1" noRot="1" noChangeAspect="1" noMove="1" noResize="1"/>
+          </p:cNvGrpSpPr>
+          <p:nvPr>
+            <p:extLst>
+              <p:ext uri="{386F3935-93C4-4BCD-93E2-E3B085C9AB24}">
+                <p16:designElem xmlns:p16="http://schemas.microsoft.com/office/powerpoint/2015/main" val="1"/>
+              </p:ext>
+            </p:extLst>
+          </p:nvPr>
+        </p:nvGrpSpPr>
+        <p:grpSpPr>
+          <a:xfrm>
+            <a:off x="10503907" y="5801515"/>
+            <a:ext cx="1054466" cy="469689"/>
+            <a:chOff x="9841624" y="4115729"/>
+            <a:chExt cx="602169" cy="268223"/>
+          </a:xfrm>
+          <a:solidFill>
+            <a:srgbClr val="FFFFFF"/>
+          </a:solidFill>
+        </p:grpSpPr>
+        <p:sp>
+          <p:nvSpPr>
+            <p:cNvPr id="35" name="Freeform: Shape 34">
+              <a:extLst>
+                <a:ext uri="{FF2B5EF4-FFF2-40B4-BE49-F238E27FC236}">
+                  <a16:creationId xmlns:a16="http://schemas.microsoft.com/office/drawing/2014/main" id="{4175C7B8-D053-EADA-2FB3-C98961719017}"/>
+                </a:ext>
+                <a:ext uri="{C183D7F6-B498-43B3-948B-1728B52AA6E4}">
+                  <adec:decorative xmlns:adec="http://schemas.microsoft.com/office/drawing/2017/decorative" val="1"/>
+                </a:ext>
+              </a:extLst>
+            </p:cNvPr>
+            <p:cNvSpPr/>
+            <p:nvPr>
+              <p:extLst>
+                <p:ext uri="{386F3935-93C4-4BCD-93E2-E3B085C9AB24}">
+                  <p16:designElem xmlns:p16="http://schemas.microsoft.com/office/powerpoint/2015/main" val="1"/>
+                </p:ext>
+              </p:extLst>
+            </p:nvPr>
+          </p:nvSpPr>
+          <p:spPr>
+            <a:xfrm>
+              <a:off x="9841624" y="4115729"/>
+              <a:ext cx="202882" cy="268223"/>
+            </a:xfrm>
+            <a:custGeom>
+              <a:avLst/>
+              <a:gdLst>
+                <a:gd name="connsiteX0" fmla="*/ 20765 w 202882"/>
+                <a:gd name="connsiteY0" fmla="*/ 268224 h 268223"/>
+                <a:gd name="connsiteX1" fmla="*/ 0 w 202882"/>
+                <a:gd name="connsiteY1" fmla="*/ 268224 h 268223"/>
+                <a:gd name="connsiteX2" fmla="*/ 182118 w 202882"/>
+                <a:gd name="connsiteY2" fmla="*/ 0 h 268223"/>
+                <a:gd name="connsiteX3" fmla="*/ 202883 w 202882"/>
+                <a:gd name="connsiteY3" fmla="*/ 0 h 268223"/>
+              </a:gdLst>
+              <a:ahLst/>
+              <a:cxnLst>
+                <a:cxn ang="0">
+                  <a:pos x="connsiteX0" y="connsiteY0"/>
+                </a:cxn>
+                <a:cxn ang="0">
+                  <a:pos x="connsiteX1" y="connsiteY1"/>
+                </a:cxn>
+                <a:cxn ang="0">
+                  <a:pos x="connsiteX2" y="connsiteY2"/>
+                </a:cxn>
+                <a:cxn ang="0">
+                  <a:pos x="connsiteX3" y="connsiteY3"/>
+                </a:cxn>
+              </a:cxnLst>
+              <a:rect l="l" t="t" r="r" b="b"/>
+              <a:pathLst>
+                <a:path w="202882" h="268223">
+                  <a:moveTo>
+                    <a:pt x="20765" y="268224"/>
+                  </a:moveTo>
+                  <a:lnTo>
+                    <a:pt x="0" y="268224"/>
+                  </a:lnTo>
+                  <a:lnTo>
+                    <a:pt x="182118" y="0"/>
+                  </a:lnTo>
+                  <a:lnTo>
+                    <a:pt x="202883" y="0"/>
+                  </a:lnTo>
+                  <a:close/>
+                </a:path>
+              </a:pathLst>
+            </a:custGeom>
+            <a:grpFill/>
+            <a:ln w="9525" cap="flat">
+              <a:noFill/>
+              <a:prstDash val="solid"/>
+              <a:miter/>
+            </a:ln>
+          </p:spPr>
+          <p:txBody>
+            <a:bodyPr rtlCol="0" anchor="ctr"/>
+            <a:lstStyle/>
+            <a:p>
+              <a:endParaRPr lang="en-US"/>
+            </a:p>
+          </p:txBody>
+        </p:sp>
+        <p:sp>
+          <p:nvSpPr>
+            <p:cNvPr id="36" name="Freeform: Shape 35">
+              <a:extLst>
+                <a:ext uri="{FF2B5EF4-FFF2-40B4-BE49-F238E27FC236}">
+                  <a16:creationId xmlns:a16="http://schemas.microsoft.com/office/drawing/2014/main" id="{561FBC6B-3642-7973-60AE-5AFD00919037}"/>
+                </a:ext>
+                <a:ext uri="{C183D7F6-B498-43B3-948B-1728B52AA6E4}">
+                  <adec:decorative xmlns:adec="http://schemas.microsoft.com/office/drawing/2017/decorative" val="1"/>
+                </a:ext>
+              </a:extLst>
+            </p:cNvPr>
+            <p:cNvSpPr/>
+            <p:nvPr>
+              <p:extLst>
+                <p:ext uri="{386F3935-93C4-4BCD-93E2-E3B085C9AB24}">
+                  <p16:designElem xmlns:p16="http://schemas.microsoft.com/office/powerpoint/2015/main" val="1"/>
+                </p:ext>
+              </p:extLst>
+            </p:nvPr>
+          </p:nvSpPr>
+          <p:spPr>
+            <a:xfrm>
+              <a:off x="9941445" y="4115729"/>
+              <a:ext cx="202882" cy="268223"/>
+            </a:xfrm>
+            <a:custGeom>
+              <a:avLst/>
+              <a:gdLst>
+                <a:gd name="connsiteX0" fmla="*/ 20765 w 202882"/>
+                <a:gd name="connsiteY0" fmla="*/ 268224 h 268223"/>
+                <a:gd name="connsiteX1" fmla="*/ 0 w 202882"/>
+                <a:gd name="connsiteY1" fmla="*/ 268224 h 268223"/>
+                <a:gd name="connsiteX2" fmla="*/ 182118 w 202882"/>
+                <a:gd name="connsiteY2" fmla="*/ 0 h 268223"/>
+                <a:gd name="connsiteX3" fmla="*/ 202883 w 202882"/>
+                <a:gd name="connsiteY3" fmla="*/ 0 h 268223"/>
+              </a:gdLst>
+              <a:ahLst/>
+              <a:cxnLst>
+                <a:cxn ang="0">
+                  <a:pos x="connsiteX0" y="connsiteY0"/>
+                </a:cxn>
+                <a:cxn ang="0">
+                  <a:pos x="connsiteX1" y="connsiteY1"/>
+                </a:cxn>
+                <a:cxn ang="0">
+                  <a:pos x="connsiteX2" y="connsiteY2"/>
+                </a:cxn>
+                <a:cxn ang="0">
+                  <a:pos x="connsiteX3" y="connsiteY3"/>
+                </a:cxn>
+              </a:cxnLst>
+              <a:rect l="l" t="t" r="r" b="b"/>
+              <a:pathLst>
+                <a:path w="202882" h="268223">
+                  <a:moveTo>
+                    <a:pt x="20765" y="268224"/>
+                  </a:moveTo>
+                  <a:lnTo>
+                    <a:pt x="0" y="268224"/>
+                  </a:lnTo>
+                  <a:lnTo>
+                    <a:pt x="182118" y="0"/>
+                  </a:lnTo>
+                  <a:lnTo>
+                    <a:pt x="202883" y="0"/>
+                  </a:lnTo>
+                  <a:close/>
+                </a:path>
+              </a:pathLst>
+            </a:custGeom>
+            <a:grpFill/>
+            <a:ln w="9525" cap="flat">
+              <a:noFill/>
+              <a:prstDash val="solid"/>
+              <a:miter/>
+            </a:ln>
+          </p:spPr>
+          <p:txBody>
+            <a:bodyPr rtlCol="0" anchor="ctr"/>
+            <a:lstStyle/>
+            <a:p>
+              <a:endParaRPr lang="en-US"/>
+            </a:p>
+          </p:txBody>
+        </p:sp>
+        <p:sp>
+          <p:nvSpPr>
+            <p:cNvPr id="37" name="Freeform: Shape 36">
+              <a:extLst>
+                <a:ext uri="{FF2B5EF4-FFF2-40B4-BE49-F238E27FC236}">
+                  <a16:creationId xmlns:a16="http://schemas.microsoft.com/office/drawing/2014/main" id="{B76D3873-307E-B3CA-7710-14929CAA6A4C}"/>
+                </a:ext>
+                <a:ext uri="{C183D7F6-B498-43B3-948B-1728B52AA6E4}">
+                  <adec:decorative xmlns:adec="http://schemas.microsoft.com/office/drawing/2017/decorative" val="1"/>
+                </a:ext>
+              </a:extLst>
+            </p:cNvPr>
+            <p:cNvSpPr/>
+            <p:nvPr>
+              <p:extLst>
+                <p:ext uri="{386F3935-93C4-4BCD-93E2-E3B085C9AB24}">
+                  <p16:designElem xmlns:p16="http://schemas.microsoft.com/office/powerpoint/2015/main" val="1"/>
+                </p:ext>
+              </p:extLst>
+            </p:nvPr>
+          </p:nvSpPr>
+          <p:spPr>
+            <a:xfrm>
+              <a:off x="10041267" y="4115729"/>
+              <a:ext cx="202882" cy="268223"/>
+            </a:xfrm>
+            <a:custGeom>
+              <a:avLst/>
+              <a:gdLst>
+                <a:gd name="connsiteX0" fmla="*/ 20669 w 202882"/>
+                <a:gd name="connsiteY0" fmla="*/ 268224 h 268223"/>
+                <a:gd name="connsiteX1" fmla="*/ 0 w 202882"/>
+                <a:gd name="connsiteY1" fmla="*/ 268224 h 268223"/>
+                <a:gd name="connsiteX2" fmla="*/ 182118 w 202882"/>
+                <a:gd name="connsiteY2" fmla="*/ 0 h 268223"/>
+                <a:gd name="connsiteX3" fmla="*/ 202883 w 202882"/>
+                <a:gd name="connsiteY3" fmla="*/ 0 h 268223"/>
+              </a:gdLst>
+              <a:ahLst/>
+              <a:cxnLst>
+                <a:cxn ang="0">
+                  <a:pos x="connsiteX0" y="connsiteY0"/>
+                </a:cxn>
+                <a:cxn ang="0">
+                  <a:pos x="connsiteX1" y="connsiteY1"/>
+                </a:cxn>
+                <a:cxn ang="0">
+                  <a:pos x="connsiteX2" y="connsiteY2"/>
+                </a:cxn>
+                <a:cxn ang="0">
+                  <a:pos x="connsiteX3" y="connsiteY3"/>
+                </a:cxn>
+              </a:cxnLst>
+              <a:rect l="l" t="t" r="r" b="b"/>
+              <a:pathLst>
+                <a:path w="202882" h="268223">
+                  <a:moveTo>
+                    <a:pt x="20669" y="268224"/>
+                  </a:moveTo>
+                  <a:lnTo>
+                    <a:pt x="0" y="268224"/>
+                  </a:lnTo>
+                  <a:lnTo>
+                    <a:pt x="182118" y="0"/>
+                  </a:lnTo>
+                  <a:lnTo>
+                    <a:pt x="202883" y="0"/>
+                  </a:lnTo>
+                  <a:close/>
+                </a:path>
+              </a:pathLst>
+            </a:custGeom>
+            <a:grpFill/>
+            <a:ln w="9525" cap="flat">
+              <a:noFill/>
+              <a:prstDash val="solid"/>
+              <a:miter/>
+            </a:ln>
+          </p:spPr>
+          <p:txBody>
+            <a:bodyPr rtlCol="0" anchor="ctr"/>
+            <a:lstStyle/>
+            <a:p>
+              <a:endParaRPr lang="en-US"/>
+            </a:p>
+          </p:txBody>
+        </p:sp>
+        <p:sp>
+          <p:nvSpPr>
+            <p:cNvPr id="38" name="Freeform: Shape 37">
+              <a:extLst>
+                <a:ext uri="{FF2B5EF4-FFF2-40B4-BE49-F238E27FC236}">
+                  <a16:creationId xmlns:a16="http://schemas.microsoft.com/office/drawing/2014/main" id="{8E75EF9C-E83A-5A85-7E04-E0E2F04BEBE5}"/>
+                </a:ext>
+                <a:ext uri="{C183D7F6-B498-43B3-948B-1728B52AA6E4}">
+                  <adec:decorative xmlns:adec="http://schemas.microsoft.com/office/drawing/2017/decorative" val="1"/>
+                </a:ext>
+              </a:extLst>
+            </p:cNvPr>
+            <p:cNvSpPr/>
+            <p:nvPr>
+              <p:extLst>
+                <p:ext uri="{386F3935-93C4-4BCD-93E2-E3B085C9AB24}">
+                  <p16:designElem xmlns:p16="http://schemas.microsoft.com/office/powerpoint/2015/main" val="1"/>
+                </p:ext>
+              </p:extLst>
+            </p:nvPr>
+          </p:nvSpPr>
+          <p:spPr>
+            <a:xfrm>
+              <a:off x="10141090" y="4115729"/>
+              <a:ext cx="202882" cy="268223"/>
+            </a:xfrm>
+            <a:custGeom>
+              <a:avLst/>
+              <a:gdLst>
+                <a:gd name="connsiteX0" fmla="*/ 20669 w 202882"/>
+                <a:gd name="connsiteY0" fmla="*/ 268224 h 268223"/>
+                <a:gd name="connsiteX1" fmla="*/ 0 w 202882"/>
+                <a:gd name="connsiteY1" fmla="*/ 268224 h 268223"/>
+                <a:gd name="connsiteX2" fmla="*/ 182118 w 202882"/>
+                <a:gd name="connsiteY2" fmla="*/ 0 h 268223"/>
+                <a:gd name="connsiteX3" fmla="*/ 202883 w 202882"/>
+                <a:gd name="connsiteY3" fmla="*/ 0 h 268223"/>
+              </a:gdLst>
+              <a:ahLst/>
+              <a:cxnLst>
+                <a:cxn ang="0">
+                  <a:pos x="connsiteX0" y="connsiteY0"/>
+                </a:cxn>
+                <a:cxn ang="0">
+                  <a:pos x="connsiteX1" y="connsiteY1"/>
+                </a:cxn>
+                <a:cxn ang="0">
+                  <a:pos x="connsiteX2" y="connsiteY2"/>
+                </a:cxn>
+                <a:cxn ang="0">
+                  <a:pos x="connsiteX3" y="connsiteY3"/>
+                </a:cxn>
+              </a:cxnLst>
+              <a:rect l="l" t="t" r="r" b="b"/>
+              <a:pathLst>
+                <a:path w="202882" h="268223">
+                  <a:moveTo>
+                    <a:pt x="20669" y="268224"/>
+                  </a:moveTo>
+                  <a:lnTo>
+                    <a:pt x="0" y="268224"/>
+                  </a:lnTo>
+                  <a:lnTo>
+                    <a:pt x="182118" y="0"/>
+                  </a:lnTo>
+                  <a:lnTo>
+                    <a:pt x="202883" y="0"/>
+                  </a:lnTo>
+                  <a:close/>
+                </a:path>
+              </a:pathLst>
+            </a:custGeom>
+            <a:grpFill/>
+            <a:ln w="9525" cap="flat">
+              <a:noFill/>
+              <a:prstDash val="solid"/>
+              <a:miter/>
+            </a:ln>
+          </p:spPr>
+          <p:txBody>
+            <a:bodyPr rtlCol="0" anchor="ctr"/>
+            <a:lstStyle/>
+            <a:p>
+              <a:endParaRPr lang="en-US"/>
+            </a:p>
+          </p:txBody>
+        </p:sp>
+        <p:sp>
+          <p:nvSpPr>
+            <p:cNvPr id="39" name="Freeform: Shape 38">
+              <a:extLst>
+                <a:ext uri="{FF2B5EF4-FFF2-40B4-BE49-F238E27FC236}">
+                  <a16:creationId xmlns:a16="http://schemas.microsoft.com/office/drawing/2014/main" id="{BA4414D5-B26C-24DD-37AE-59E76969630D}"/>
+                </a:ext>
+                <a:ext uri="{C183D7F6-B498-43B3-948B-1728B52AA6E4}">
+                  <adec:decorative xmlns:adec="http://schemas.microsoft.com/office/drawing/2017/decorative" val="1"/>
+                </a:ext>
+              </a:extLst>
+            </p:cNvPr>
+            <p:cNvSpPr/>
+            <p:nvPr>
+              <p:extLst>
+                <p:ext uri="{386F3935-93C4-4BCD-93E2-E3B085C9AB24}">
+                  <p16:designElem xmlns:p16="http://schemas.microsoft.com/office/powerpoint/2015/main" val="1"/>
+                </p:ext>
+              </p:extLst>
+            </p:nvPr>
+          </p:nvSpPr>
+          <p:spPr>
+            <a:xfrm>
+              <a:off x="10240911" y="4115729"/>
+              <a:ext cx="202882" cy="268223"/>
+            </a:xfrm>
+            <a:custGeom>
+              <a:avLst/>
+              <a:gdLst>
+                <a:gd name="connsiteX0" fmla="*/ 20669 w 202882"/>
+                <a:gd name="connsiteY0" fmla="*/ 268224 h 268223"/>
+                <a:gd name="connsiteX1" fmla="*/ 0 w 202882"/>
+                <a:gd name="connsiteY1" fmla="*/ 268224 h 268223"/>
+                <a:gd name="connsiteX2" fmla="*/ 182118 w 202882"/>
+                <a:gd name="connsiteY2" fmla="*/ 0 h 268223"/>
+                <a:gd name="connsiteX3" fmla="*/ 202883 w 202882"/>
+                <a:gd name="connsiteY3" fmla="*/ 0 h 268223"/>
+              </a:gdLst>
+              <a:ahLst/>
+              <a:cxnLst>
+                <a:cxn ang="0">
+                  <a:pos x="connsiteX0" y="connsiteY0"/>
+                </a:cxn>
+                <a:cxn ang="0">
+                  <a:pos x="connsiteX1" y="connsiteY1"/>
+                </a:cxn>
+                <a:cxn ang="0">
+                  <a:pos x="connsiteX2" y="connsiteY2"/>
+                </a:cxn>
+                <a:cxn ang="0">
+                  <a:pos x="connsiteX3" y="connsiteY3"/>
+                </a:cxn>
+              </a:cxnLst>
+              <a:rect l="l" t="t" r="r" b="b"/>
+              <a:pathLst>
+                <a:path w="202882" h="268223">
+                  <a:moveTo>
+                    <a:pt x="20669" y="268224"/>
+                  </a:moveTo>
+                  <a:lnTo>
+                    <a:pt x="0" y="268224"/>
+                  </a:lnTo>
+                  <a:lnTo>
+                    <a:pt x="182118" y="0"/>
+                  </a:lnTo>
+                  <a:lnTo>
+                    <a:pt x="202883" y="0"/>
+                  </a:lnTo>
+                  <a:close/>
+                </a:path>
+              </a:pathLst>
+            </a:custGeom>
+            <a:grpFill/>
+            <a:ln w="9525" cap="flat">
+              <a:noFill/>
+              <a:prstDash val="solid"/>
+              <a:miter/>
+            </a:ln>
+          </p:spPr>
+          <p:txBody>
+            <a:bodyPr rtlCol="0" anchor="ctr"/>
+            <a:lstStyle/>
+            <a:p>
+              <a:endParaRPr lang="en-US"/>
+            </a:p>
+          </p:txBody>
+        </p:sp>
+      </p:grpSp>
+      <p:grpSp>
+        <p:nvGrpSpPr>
+          <p:cNvPr id="41" name="Graphic 185">
+            <a:extLst>
+              <a:ext uri="{FF2B5EF4-FFF2-40B4-BE49-F238E27FC236}">
+                <a16:creationId xmlns:a16="http://schemas.microsoft.com/office/drawing/2014/main" id="{4C3851EC-F422-566B-2400-375B27CFF4FA}"/>
+              </a:ext>
+              <a:ext uri="{C183D7F6-B498-43B3-948B-1728B52AA6E4}">
+                <adec:decorative xmlns:adec="http://schemas.microsoft.com/office/drawing/2017/decorative" val="1"/>
+              </a:ext>
+            </a:extLst>
+          </p:cNvPr>
+          <p:cNvGrpSpPr>
+            <a:grpSpLocks noGrp="1" noUngrp="1" noRot="1" noChangeAspect="1" noMove="1" noResize="1"/>
+          </p:cNvGrpSpPr>
+          <p:nvPr>
+            <p:extLst>
+              <p:ext uri="{386F3935-93C4-4BCD-93E2-E3B085C9AB24}">
+                <p16:designElem xmlns:p16="http://schemas.microsoft.com/office/powerpoint/2015/main" val="1"/>
+              </p:ext>
+            </p:extLst>
+          </p:nvPr>
+        </p:nvGrpSpPr>
+        <p:grpSpPr>
+          <a:xfrm>
+            <a:off x="10503907" y="5801515"/>
+            <a:ext cx="1054466" cy="469689"/>
+            <a:chOff x="9841624" y="4115729"/>
+            <a:chExt cx="602169" cy="268223"/>
+          </a:xfrm>
+          <a:solidFill>
+            <a:schemeClr val="bg1"/>
+          </a:solidFill>
+        </p:grpSpPr>
+        <p:sp>
+          <p:nvSpPr>
+            <p:cNvPr id="42" name="Freeform: Shape 41">
+              <a:extLst>
+                <a:ext uri="{FF2B5EF4-FFF2-40B4-BE49-F238E27FC236}">
+                  <a16:creationId xmlns:a16="http://schemas.microsoft.com/office/drawing/2014/main" id="{826B6802-35B0-C070-2E07-29D8B474F10D}"/>
+                </a:ext>
+                <a:ext uri="{C183D7F6-B498-43B3-948B-1728B52AA6E4}">
+                  <adec:decorative xmlns:adec="http://schemas.microsoft.com/office/drawing/2017/decorative" val="1"/>
+                </a:ext>
+              </a:extLst>
+            </p:cNvPr>
+            <p:cNvSpPr/>
+            <p:nvPr>
+              <p:extLst>
+                <p:ext uri="{386F3935-93C4-4BCD-93E2-E3B085C9AB24}">
+                  <p16:designElem xmlns:p16="http://schemas.microsoft.com/office/powerpoint/2015/main" val="1"/>
+                </p:ext>
+              </p:extLst>
+            </p:nvPr>
+          </p:nvSpPr>
+          <p:spPr>
+            <a:xfrm>
+              <a:off x="9841624" y="4115729"/>
+              <a:ext cx="202882" cy="268223"/>
+            </a:xfrm>
+            <a:custGeom>
+              <a:avLst/>
+              <a:gdLst>
+                <a:gd name="connsiteX0" fmla="*/ 20765 w 202882"/>
+                <a:gd name="connsiteY0" fmla="*/ 268224 h 268223"/>
+                <a:gd name="connsiteX1" fmla="*/ 0 w 202882"/>
+                <a:gd name="connsiteY1" fmla="*/ 268224 h 268223"/>
+                <a:gd name="connsiteX2" fmla="*/ 182118 w 202882"/>
+                <a:gd name="connsiteY2" fmla="*/ 0 h 268223"/>
+                <a:gd name="connsiteX3" fmla="*/ 202883 w 202882"/>
+                <a:gd name="connsiteY3" fmla="*/ 0 h 268223"/>
+              </a:gdLst>
+              <a:ahLst/>
+              <a:cxnLst>
+                <a:cxn ang="0">
+                  <a:pos x="connsiteX0" y="connsiteY0"/>
+                </a:cxn>
+                <a:cxn ang="0">
+                  <a:pos x="connsiteX1" y="connsiteY1"/>
+                </a:cxn>
+                <a:cxn ang="0">
+                  <a:pos x="connsiteX2" y="connsiteY2"/>
+                </a:cxn>
+                <a:cxn ang="0">
+                  <a:pos x="connsiteX3" y="connsiteY3"/>
+                </a:cxn>
+              </a:cxnLst>
+              <a:rect l="l" t="t" r="r" b="b"/>
+              <a:pathLst>
+                <a:path w="202882" h="268223">
+                  <a:moveTo>
+                    <a:pt x="20765" y="268224"/>
+                  </a:moveTo>
+                  <a:lnTo>
+                    <a:pt x="0" y="268224"/>
+                  </a:lnTo>
+                  <a:lnTo>
+                    <a:pt x="182118" y="0"/>
+                  </a:lnTo>
+                  <a:lnTo>
+                    <a:pt x="202883" y="0"/>
+                  </a:lnTo>
+                  <a:close/>
+                </a:path>
+              </a:pathLst>
+            </a:custGeom>
+            <a:grpFill/>
+            <a:ln w="9525" cap="flat">
+              <a:noFill/>
+              <a:prstDash val="solid"/>
+              <a:miter/>
+            </a:ln>
+          </p:spPr>
+          <p:txBody>
+            <a:bodyPr rtlCol="0" anchor="ctr"/>
+            <a:lstStyle/>
+            <a:p>
+              <a:endParaRPr lang="en-US"/>
+            </a:p>
+          </p:txBody>
+        </p:sp>
+        <p:sp>
+          <p:nvSpPr>
+            <p:cNvPr id="43" name="Freeform: Shape 42">
+              <a:extLst>
+                <a:ext uri="{FF2B5EF4-FFF2-40B4-BE49-F238E27FC236}">
+                  <a16:creationId xmlns:a16="http://schemas.microsoft.com/office/drawing/2014/main" id="{7F1569B0-CEC3-7D9C-493A-B005D5CA84AF}"/>
+                </a:ext>
+                <a:ext uri="{C183D7F6-B498-43B3-948B-1728B52AA6E4}">
+                  <adec:decorative xmlns:adec="http://schemas.microsoft.com/office/drawing/2017/decorative" val="1"/>
+                </a:ext>
+              </a:extLst>
+            </p:cNvPr>
+            <p:cNvSpPr/>
+            <p:nvPr>
+              <p:extLst>
+                <p:ext uri="{386F3935-93C4-4BCD-93E2-E3B085C9AB24}">
+                  <p16:designElem xmlns:p16="http://schemas.microsoft.com/office/powerpoint/2015/main" val="1"/>
+                </p:ext>
+              </p:extLst>
+            </p:nvPr>
+          </p:nvSpPr>
+          <p:spPr>
+            <a:xfrm>
+              <a:off x="9941445" y="4115729"/>
+              <a:ext cx="202882" cy="268223"/>
+            </a:xfrm>
+            <a:custGeom>
+              <a:avLst/>
+              <a:gdLst>
+                <a:gd name="connsiteX0" fmla="*/ 20765 w 202882"/>
+                <a:gd name="connsiteY0" fmla="*/ 268224 h 268223"/>
+                <a:gd name="connsiteX1" fmla="*/ 0 w 202882"/>
+                <a:gd name="connsiteY1" fmla="*/ 268224 h 268223"/>
+                <a:gd name="connsiteX2" fmla="*/ 182118 w 202882"/>
+                <a:gd name="connsiteY2" fmla="*/ 0 h 268223"/>
+                <a:gd name="connsiteX3" fmla="*/ 202883 w 202882"/>
+                <a:gd name="connsiteY3" fmla="*/ 0 h 268223"/>
+              </a:gdLst>
+              <a:ahLst/>
+              <a:cxnLst>
+                <a:cxn ang="0">
+                  <a:pos x="connsiteX0" y="connsiteY0"/>
+                </a:cxn>
+                <a:cxn ang="0">
+                  <a:pos x="connsiteX1" y="connsiteY1"/>
+                </a:cxn>
+                <a:cxn ang="0">
+                  <a:pos x="connsiteX2" y="connsiteY2"/>
+                </a:cxn>
+                <a:cxn ang="0">
+                  <a:pos x="connsiteX3" y="connsiteY3"/>
+                </a:cxn>
+              </a:cxnLst>
+              <a:rect l="l" t="t" r="r" b="b"/>
+              <a:pathLst>
+                <a:path w="202882" h="268223">
+                  <a:moveTo>
+                    <a:pt x="20765" y="268224"/>
+                  </a:moveTo>
+                  <a:lnTo>
+                    <a:pt x="0" y="268224"/>
+                  </a:lnTo>
+                  <a:lnTo>
+                    <a:pt x="182118" y="0"/>
+                  </a:lnTo>
+                  <a:lnTo>
+                    <a:pt x="202883" y="0"/>
+                  </a:lnTo>
+                  <a:close/>
+                </a:path>
+              </a:pathLst>
+            </a:custGeom>
+            <a:grpFill/>
+            <a:ln w="9525" cap="flat">
+              <a:noFill/>
+              <a:prstDash val="solid"/>
+              <a:miter/>
+            </a:ln>
+          </p:spPr>
+          <p:txBody>
+            <a:bodyPr rtlCol="0" anchor="ctr"/>
+            <a:lstStyle/>
+            <a:p>
+              <a:endParaRPr lang="en-US"/>
+            </a:p>
+          </p:txBody>
+        </p:sp>
+        <p:sp>
+          <p:nvSpPr>
+            <p:cNvPr id="44" name="Freeform: Shape 43">
+              <a:extLst>
+                <a:ext uri="{FF2B5EF4-FFF2-40B4-BE49-F238E27FC236}">
+                  <a16:creationId xmlns:a16="http://schemas.microsoft.com/office/drawing/2014/main" id="{18EDD790-5722-D9F9-6CDE-81EE74FD55F5}"/>
+                </a:ext>
+                <a:ext uri="{C183D7F6-B498-43B3-948B-1728B52AA6E4}">
+                  <adec:decorative xmlns:adec="http://schemas.microsoft.com/office/drawing/2017/decorative" val="1"/>
+                </a:ext>
+              </a:extLst>
+            </p:cNvPr>
+            <p:cNvSpPr/>
+            <p:nvPr>
+              <p:extLst>
+                <p:ext uri="{386F3935-93C4-4BCD-93E2-E3B085C9AB24}">
+                  <p16:designElem xmlns:p16="http://schemas.microsoft.com/office/powerpoint/2015/main" val="1"/>
+                </p:ext>
+              </p:extLst>
+            </p:nvPr>
+          </p:nvSpPr>
+          <p:spPr>
+            <a:xfrm>
+              <a:off x="10041267" y="4115729"/>
+              <a:ext cx="202882" cy="268223"/>
+            </a:xfrm>
+            <a:custGeom>
+              <a:avLst/>
+              <a:gdLst>
+                <a:gd name="connsiteX0" fmla="*/ 20669 w 202882"/>
+                <a:gd name="connsiteY0" fmla="*/ 268224 h 268223"/>
+                <a:gd name="connsiteX1" fmla="*/ 0 w 202882"/>
+                <a:gd name="connsiteY1" fmla="*/ 268224 h 268223"/>
+                <a:gd name="connsiteX2" fmla="*/ 182118 w 202882"/>
+                <a:gd name="connsiteY2" fmla="*/ 0 h 268223"/>
+                <a:gd name="connsiteX3" fmla="*/ 202883 w 202882"/>
+                <a:gd name="connsiteY3" fmla="*/ 0 h 268223"/>
+              </a:gdLst>
+              <a:ahLst/>
+              <a:cxnLst>
+                <a:cxn ang="0">
+                  <a:pos x="connsiteX0" y="connsiteY0"/>
+                </a:cxn>
+                <a:cxn ang="0">
+                  <a:pos x="connsiteX1" y="connsiteY1"/>
+                </a:cxn>
+                <a:cxn ang="0">
+                  <a:pos x="connsiteX2" y="connsiteY2"/>
+                </a:cxn>
+                <a:cxn ang="0">
+                  <a:pos x="connsiteX3" y="connsiteY3"/>
+                </a:cxn>
+              </a:cxnLst>
+              <a:rect l="l" t="t" r="r" b="b"/>
+              <a:pathLst>
+                <a:path w="202882" h="268223">
+                  <a:moveTo>
+                    <a:pt x="20669" y="268224"/>
+                  </a:moveTo>
+                  <a:lnTo>
+                    <a:pt x="0" y="268224"/>
+                  </a:lnTo>
+                  <a:lnTo>
+                    <a:pt x="182118" y="0"/>
+                  </a:lnTo>
+                  <a:lnTo>
+                    <a:pt x="202883" y="0"/>
+                  </a:lnTo>
+                  <a:close/>
+                </a:path>
+              </a:pathLst>
+            </a:custGeom>
+            <a:grpFill/>
+            <a:ln w="9525" cap="flat">
+              <a:noFill/>
+              <a:prstDash val="solid"/>
+              <a:miter/>
+            </a:ln>
+          </p:spPr>
+          <p:txBody>
+            <a:bodyPr rtlCol="0" anchor="ctr"/>
+            <a:lstStyle/>
+            <a:p>
+              <a:endParaRPr lang="en-US"/>
+            </a:p>
+          </p:txBody>
+        </p:sp>
+        <p:sp>
+          <p:nvSpPr>
+            <p:cNvPr id="45" name="Freeform: Shape 44">
+              <a:extLst>
+                <a:ext uri="{FF2B5EF4-FFF2-40B4-BE49-F238E27FC236}">
+                  <a16:creationId xmlns:a16="http://schemas.microsoft.com/office/drawing/2014/main" id="{934D6A24-2075-E783-1354-341A0CF0C812}"/>
+                </a:ext>
+                <a:ext uri="{C183D7F6-B498-43B3-948B-1728B52AA6E4}">
+                  <adec:decorative xmlns:adec="http://schemas.microsoft.com/office/drawing/2017/decorative" val="1"/>
+                </a:ext>
+              </a:extLst>
+            </p:cNvPr>
+            <p:cNvSpPr/>
+            <p:nvPr>
+              <p:extLst>
+                <p:ext uri="{386F3935-93C4-4BCD-93E2-E3B085C9AB24}">
+                  <p16:designElem xmlns:p16="http://schemas.microsoft.com/office/powerpoint/2015/main" val="1"/>
+                </p:ext>
+              </p:extLst>
+            </p:nvPr>
+          </p:nvSpPr>
+          <p:spPr>
+            <a:xfrm>
+              <a:off x="10141090" y="4115729"/>
+              <a:ext cx="202882" cy="268223"/>
+            </a:xfrm>
+            <a:custGeom>
+              <a:avLst/>
+              <a:gdLst>
+                <a:gd name="connsiteX0" fmla="*/ 20669 w 202882"/>
+                <a:gd name="connsiteY0" fmla="*/ 268224 h 268223"/>
+                <a:gd name="connsiteX1" fmla="*/ 0 w 202882"/>
+                <a:gd name="connsiteY1" fmla="*/ 268224 h 268223"/>
+                <a:gd name="connsiteX2" fmla="*/ 182118 w 202882"/>
+                <a:gd name="connsiteY2" fmla="*/ 0 h 268223"/>
+                <a:gd name="connsiteX3" fmla="*/ 202883 w 202882"/>
+                <a:gd name="connsiteY3" fmla="*/ 0 h 268223"/>
+              </a:gdLst>
+              <a:ahLst/>
+              <a:cxnLst>
+                <a:cxn ang="0">
+                  <a:pos x="connsiteX0" y="connsiteY0"/>
+                </a:cxn>
+                <a:cxn ang="0">
+                  <a:pos x="connsiteX1" y="connsiteY1"/>
+                </a:cxn>
+                <a:cxn ang="0">
+                  <a:pos x="connsiteX2" y="connsiteY2"/>
+                </a:cxn>
+                <a:cxn ang="0">
+                  <a:pos x="connsiteX3" y="connsiteY3"/>
+                </a:cxn>
+              </a:cxnLst>
+              <a:rect l="l" t="t" r="r" b="b"/>
+              <a:pathLst>
+                <a:path w="202882" h="268223">
+                  <a:moveTo>
+                    <a:pt x="20669" y="268224"/>
+                  </a:moveTo>
+                  <a:lnTo>
+                    <a:pt x="0" y="268224"/>
+                  </a:lnTo>
+                  <a:lnTo>
+                    <a:pt x="182118" y="0"/>
+                  </a:lnTo>
+                  <a:lnTo>
+                    <a:pt x="202883" y="0"/>
+                  </a:lnTo>
+                  <a:close/>
+                </a:path>
+              </a:pathLst>
+            </a:custGeom>
+            <a:grpFill/>
+            <a:ln w="9525" cap="flat">
+              <a:noFill/>
+              <a:prstDash val="solid"/>
+              <a:miter/>
+            </a:ln>
+          </p:spPr>
+          <p:txBody>
+            <a:bodyPr rtlCol="0" anchor="ctr"/>
+            <a:lstStyle/>
+            <a:p>
+              <a:endParaRPr lang="en-US"/>
+            </a:p>
+          </p:txBody>
+        </p:sp>
+        <p:sp>
+          <p:nvSpPr>
+            <p:cNvPr id="46" name="Freeform: Shape 45">
+              <a:extLst>
+                <a:ext uri="{FF2B5EF4-FFF2-40B4-BE49-F238E27FC236}">
+                  <a16:creationId xmlns:a16="http://schemas.microsoft.com/office/drawing/2014/main" id="{6C41AEB8-E1A7-15D9-ECEE-78F883898A4A}"/>
+                </a:ext>
+                <a:ext uri="{C183D7F6-B498-43B3-948B-1728B52AA6E4}">
+                  <adec:decorative xmlns:adec="http://schemas.microsoft.com/office/drawing/2017/decorative" val="1"/>
+                </a:ext>
+              </a:extLst>
+            </p:cNvPr>
+            <p:cNvSpPr/>
+            <p:nvPr>
+              <p:extLst>
+                <p:ext uri="{386F3935-93C4-4BCD-93E2-E3B085C9AB24}">
+                  <p16:designElem xmlns:p16="http://schemas.microsoft.com/office/powerpoint/2015/main" val="1"/>
+                </p:ext>
+              </p:extLst>
+            </p:nvPr>
+          </p:nvSpPr>
+          <p:spPr>
+            <a:xfrm>
+              <a:off x="10240911" y="4115729"/>
+              <a:ext cx="202882" cy="268223"/>
+            </a:xfrm>
+            <a:custGeom>
+              <a:avLst/>
+              <a:gdLst>
+                <a:gd name="connsiteX0" fmla="*/ 20669 w 202882"/>
+                <a:gd name="connsiteY0" fmla="*/ 268224 h 268223"/>
+                <a:gd name="connsiteX1" fmla="*/ 0 w 202882"/>
+                <a:gd name="connsiteY1" fmla="*/ 268224 h 268223"/>
+                <a:gd name="connsiteX2" fmla="*/ 182118 w 202882"/>
+                <a:gd name="connsiteY2" fmla="*/ 0 h 268223"/>
+                <a:gd name="connsiteX3" fmla="*/ 202883 w 202882"/>
+                <a:gd name="connsiteY3" fmla="*/ 0 h 268223"/>
+              </a:gdLst>
+              <a:ahLst/>
+              <a:cxnLst>
+                <a:cxn ang="0">
+                  <a:pos x="connsiteX0" y="connsiteY0"/>
+                </a:cxn>
+                <a:cxn ang="0">
+                  <a:pos x="connsiteX1" y="connsiteY1"/>
+                </a:cxn>
+                <a:cxn ang="0">
+                  <a:pos x="connsiteX2" y="connsiteY2"/>
+                </a:cxn>
+                <a:cxn ang="0">
+                  <a:pos x="connsiteX3" y="connsiteY3"/>
+                </a:cxn>
+              </a:cxnLst>
+              <a:rect l="l" t="t" r="r" b="b"/>
+              <a:pathLst>
+                <a:path w="202882" h="268223">
+                  <a:moveTo>
+                    <a:pt x="20669" y="268224"/>
+                  </a:moveTo>
+                  <a:lnTo>
+                    <a:pt x="0" y="268224"/>
+                  </a:lnTo>
+                  <a:lnTo>
+                    <a:pt x="182118" y="0"/>
+                  </a:lnTo>
+                  <a:lnTo>
+                    <a:pt x="202883" y="0"/>
+                  </a:lnTo>
+                  <a:close/>
+                </a:path>
+              </a:pathLst>
+            </a:custGeom>
+            <a:grpFill/>
+            <a:ln w="9525" cap="flat">
+              <a:noFill/>
+              <a:prstDash val="solid"/>
+              <a:miter/>
+            </a:ln>
+          </p:spPr>
+          <p:txBody>
+            <a:bodyPr rtlCol="0" anchor="ctr"/>
+            <a:lstStyle/>
+            <a:p>
+              <a:endParaRPr lang="en-US"/>
+            </a:p>
+          </p:txBody>
+        </p:sp>
+      </p:grpSp>
+      <p:sp>
+        <p:nvSpPr>
+          <p:cNvPr id="8" name="Rectangle: Rounded Corners 7">
+            <a:extLst>
+              <a:ext uri="{FF2B5EF4-FFF2-40B4-BE49-F238E27FC236}">
+                <a16:creationId xmlns:a16="http://schemas.microsoft.com/office/drawing/2014/main" id="{1FB9A030-5651-CBB2-1188-43B71661F0A6}"/>
+              </a:ext>
+            </a:extLst>
+          </p:cNvPr>
+          <p:cNvSpPr/>
+          <p:nvPr/>
+        </p:nvSpPr>
+        <p:spPr>
+          <a:xfrm>
+            <a:off x="5696219" y="2377440"/>
+            <a:ext cx="5862154" cy="1995056"/>
+          </a:xfrm>
+          <a:prstGeom prst="roundRect">
+            <a:avLst>
+              <a:gd name="adj" fmla="val 6498"/>
+            </a:avLst>
+          </a:prstGeom>
+          <a:solidFill>
+            <a:schemeClr val="tx1">
+              <a:lumMod val="85000"/>
+              <a:lumOff val="15000"/>
+            </a:schemeClr>
+          </a:solidFill>
+        </p:spPr>
+        <p:style>
+          <a:lnRef idx="2">
+            <a:schemeClr val="accent1">
+              <a:shade val="15000"/>
+            </a:schemeClr>
+          </a:lnRef>
+          <a:fillRef idx="1">
+            <a:schemeClr val="accent1"/>
+          </a:fillRef>
+          <a:effectRef idx="0">
+            <a:schemeClr val="accent1"/>
+          </a:effectRef>
+          <a:fontRef idx="minor">
+            <a:schemeClr val="lt1"/>
+          </a:fontRef>
+        </p:style>
+        <p:txBody>
+          <a:bodyPr rtlCol="0" anchor="ctr"/>
+          <a:lstStyle/>
+          <a:p>
+            <a:pPr algn="ctr"/>
+            <a:endParaRPr lang="en-IN"/>
+          </a:p>
+        </p:txBody>
+      </p:sp>
+      <p:sp>
+        <p:nvSpPr>
+          <p:cNvPr id="9" name="TextBox 8">
+            <a:extLst>
+              <a:ext uri="{FF2B5EF4-FFF2-40B4-BE49-F238E27FC236}">
+                <a16:creationId xmlns:a16="http://schemas.microsoft.com/office/drawing/2014/main" id="{B3558D1A-D4BC-36DB-B175-847EAE30F9F0}"/>
+              </a:ext>
+            </a:extLst>
+          </p:cNvPr>
+          <p:cNvSpPr txBox="1"/>
+          <p:nvPr/>
+        </p:nvSpPr>
+        <p:spPr>
+          <a:xfrm>
+            <a:off x="5846845" y="2717134"/>
+            <a:ext cx="5536730" cy="769441"/>
+          </a:xfrm>
+          <a:prstGeom prst="rect">
+            <a:avLst/>
+          </a:prstGeom>
+          <a:noFill/>
+        </p:spPr>
+        <p:txBody>
+          <a:bodyPr wrap="square" rtlCol="0">
+            <a:spAutoFit/>
+          </a:bodyPr>
+          <a:lstStyle/>
+          <a:p>
+            <a:r>
+              <a:rPr lang="en-IN" sz="2400" dirty="0">
+                <a:solidFill>
+                  <a:schemeClr val="accent2">
+                    <a:lumMod val="60000"/>
+                    <a:lumOff val="40000"/>
+                  </a:schemeClr>
+                </a:solidFill>
+              </a:rPr>
+              <a:t>numbers</a:t>
+            </a:r>
+            <a:r>
+              <a:rPr lang="en-IN" sz="2400" dirty="0">
+                <a:solidFill>
+                  <a:schemeClr val="bg1"/>
+                </a:solidFill>
+              </a:rPr>
+              <a:t> = </a:t>
+            </a:r>
+            <a:r>
+              <a:rPr lang="en-IN" sz="2400" dirty="0">
+                <a:solidFill>
+                  <a:schemeClr val="accent2">
+                    <a:lumMod val="60000"/>
+                    <a:lumOff val="40000"/>
+                  </a:schemeClr>
+                </a:solidFill>
+              </a:rPr>
+              <a:t>new</a:t>
+            </a:r>
+            <a:r>
+              <a:rPr lang="en-IN" sz="2400" dirty="0">
+                <a:solidFill>
+                  <a:schemeClr val="bg1"/>
+                </a:solidFill>
+              </a:rPr>
+              <a:t> int [5] ;</a:t>
+            </a:r>
+          </a:p>
+          <a:p>
+            <a:r>
+              <a:rPr lang="en-IN" sz="2000" dirty="0">
+                <a:solidFill>
+                  <a:schemeClr val="tx1">
+                    <a:lumMod val="50000"/>
+                    <a:lumOff val="50000"/>
+                  </a:schemeClr>
+                </a:solidFill>
+              </a:rPr>
+              <a:t>// Creates an array of size 5 </a:t>
+            </a:r>
+            <a:endParaRPr lang="en-IN" sz="2400" dirty="0">
+              <a:solidFill>
+                <a:schemeClr val="tx1">
+                  <a:lumMod val="50000"/>
+                  <a:lumOff val="50000"/>
+                </a:schemeClr>
+              </a:solidFill>
+            </a:endParaRPr>
+          </a:p>
+        </p:txBody>
+      </p:sp>
+    </p:spTree>
+    <p:extLst>
+      <p:ext uri="{BB962C8B-B14F-4D97-AF65-F5344CB8AC3E}">
+        <p14:creationId xmlns:p14="http://schemas.microsoft.com/office/powerpoint/2010/main" val="1910120650"/>
+      </p:ext>
+    </p:extLst>
+  </p:cSld>
+  <p:clrMapOvr>
+    <a:masterClrMapping/>
+  </p:clrMapOvr>
+  <mc:AlternateContent xmlns:mc="http://schemas.openxmlformats.org/markup-compatibility/2006">
+    <mc:Choice xmlns:p14="http://schemas.microsoft.com/office/powerpoint/2010/main" Requires="p14">
+      <p:transition spd="slow" p14:dur="800">
+        <p14:flythrough/>
+      </p:transition>
+    </mc:Choice>
+    <mc:Fallback>
+      <p:transition spd="slow">
+        <p:fade/>
+      </p:transition>
+    </mc:Fallback>
+  </mc:AlternateContent>
+</p:sld>
+</file>
+
+<file path=ppt/slides/slide31.xml><?xml version="1.0" encoding="utf-8"?>
+<p:sld xmlns:a="http://schemas.openxmlformats.org/drawingml/2006/main" xmlns:r="http://schemas.openxmlformats.org/officeDocument/2006/relationships" xmlns:p="http://schemas.openxmlformats.org/presentationml/2006/main">
+  <p:cSld>
+    <p:spTree>
+      <p:nvGrpSpPr>
+        <p:cNvPr id="1" name=""/>
+        <p:cNvGrpSpPr/>
+        <p:nvPr/>
+      </p:nvGrpSpPr>
+      <p:grpSpPr>
+        <a:xfrm>
+          <a:off x="0" y="0"/>
+          <a:ext cx="0" cy="0"/>
+          <a:chOff x="0" y="0"/>
+          <a:chExt cx="0" cy="0"/>
+        </a:xfrm>
+      </p:grpSpPr>
+      <p:sp>
+        <p:nvSpPr>
+          <p:cNvPr id="2" name="TextBox 1">
+            <a:extLst>
+              <a:ext uri="{FF2B5EF4-FFF2-40B4-BE49-F238E27FC236}">
+                <a16:creationId xmlns:a16="http://schemas.microsoft.com/office/drawing/2014/main" id="{B805AE42-5B17-F908-A9EB-CA94DC6E1C51}"/>
+              </a:ext>
+            </a:extLst>
+          </p:cNvPr>
+          <p:cNvSpPr txBox="1"/>
+          <p:nvPr/>
+        </p:nvSpPr>
+        <p:spPr>
+          <a:xfrm>
+            <a:off x="3279648" y="236099"/>
+            <a:ext cx="5632704" cy="1200329"/>
+          </a:xfrm>
+          <a:prstGeom prst="rect">
+            <a:avLst/>
+          </a:prstGeom>
+          <a:noFill/>
+        </p:spPr>
+        <p:txBody>
+          <a:bodyPr wrap="square" rtlCol="0">
+            <a:spAutoFit/>
+          </a:bodyPr>
+          <a:lstStyle/>
+          <a:p>
+            <a:r>
+              <a:rPr lang="en-IN" sz="7200" b="1" dirty="0">
+                <a:solidFill>
+                  <a:schemeClr val="bg1"/>
+                </a:solidFill>
+              </a:rPr>
+              <a:t>Initialization</a:t>
+            </a:r>
+          </a:p>
+        </p:txBody>
+      </p:sp>
+      <p:sp>
+        <p:nvSpPr>
+          <p:cNvPr id="3" name="TextBox 2">
+            <a:extLst>
+              <a:ext uri="{FF2B5EF4-FFF2-40B4-BE49-F238E27FC236}">
+                <a16:creationId xmlns:a16="http://schemas.microsoft.com/office/drawing/2014/main" id="{5F53508D-8EDA-DB15-7CFA-9F058C0FF4D2}"/>
+              </a:ext>
+            </a:extLst>
+          </p:cNvPr>
+          <p:cNvSpPr txBox="1"/>
+          <p:nvPr/>
+        </p:nvSpPr>
+        <p:spPr>
+          <a:xfrm>
+            <a:off x="883458" y="1420915"/>
+            <a:ext cx="10425084" cy="584775"/>
+          </a:xfrm>
+          <a:prstGeom prst="rect">
+            <a:avLst/>
+          </a:prstGeom>
+          <a:noFill/>
+        </p:spPr>
+        <p:txBody>
+          <a:bodyPr wrap="square" rtlCol="0">
+            <a:spAutoFit/>
+          </a:bodyPr>
+          <a:lstStyle/>
+          <a:p>
+            <a:r>
+              <a:rPr lang="en-IN" sz="3200" b="1" dirty="0">
+                <a:solidFill>
+                  <a:schemeClr val="bg1"/>
+                </a:solidFill>
+              </a:rPr>
+              <a:t>Array elements can be initialized individually or in bulk.</a:t>
+            </a:r>
+          </a:p>
+        </p:txBody>
+      </p:sp>
+      <p:sp>
+        <p:nvSpPr>
+          <p:cNvPr id="7" name="Rectangle: Rounded Corners 6">
+            <a:extLst>
+              <a:ext uri="{FF2B5EF4-FFF2-40B4-BE49-F238E27FC236}">
+                <a16:creationId xmlns:a16="http://schemas.microsoft.com/office/drawing/2014/main" id="{A6D0A63A-1AB1-8901-56FB-86ABC488DF42}"/>
+              </a:ext>
+            </a:extLst>
+          </p:cNvPr>
+          <p:cNvSpPr/>
+          <p:nvPr/>
+        </p:nvSpPr>
+        <p:spPr>
+          <a:xfrm>
+            <a:off x="201813" y="2357119"/>
+            <a:ext cx="11618886" cy="2495191"/>
+          </a:xfrm>
+          <a:prstGeom prst="roundRect">
+            <a:avLst>
+              <a:gd name="adj" fmla="val 2500"/>
+            </a:avLst>
+          </a:prstGeom>
+          <a:solidFill>
+            <a:schemeClr val="tx1">
+              <a:lumMod val="85000"/>
+              <a:lumOff val="15000"/>
+            </a:schemeClr>
+          </a:solidFill>
+        </p:spPr>
+        <p:style>
+          <a:lnRef idx="2">
+            <a:schemeClr val="accent1">
+              <a:shade val="15000"/>
+            </a:schemeClr>
+          </a:lnRef>
+          <a:fillRef idx="1">
+            <a:schemeClr val="accent1"/>
+          </a:fillRef>
+          <a:effectRef idx="0">
+            <a:schemeClr val="accent1"/>
+          </a:effectRef>
+          <a:fontRef idx="minor">
+            <a:schemeClr val="lt1"/>
+          </a:fontRef>
+        </p:style>
+        <p:txBody>
+          <a:bodyPr rtlCol="0" anchor="ctr"/>
+          <a:lstStyle/>
+          <a:p>
+            <a:pPr algn="ctr"/>
+            <a:endParaRPr lang="en-IN"/>
+          </a:p>
+        </p:txBody>
+      </p:sp>
+      <p:sp>
+        <p:nvSpPr>
+          <p:cNvPr id="8" name="TextBox 7">
+            <a:extLst>
+              <a:ext uri="{FF2B5EF4-FFF2-40B4-BE49-F238E27FC236}">
+                <a16:creationId xmlns:a16="http://schemas.microsoft.com/office/drawing/2014/main" id="{4135C3BB-4E75-5AC3-5975-4592CB7275E6}"/>
+              </a:ext>
+            </a:extLst>
+          </p:cNvPr>
+          <p:cNvSpPr txBox="1"/>
+          <p:nvPr/>
+        </p:nvSpPr>
+        <p:spPr>
+          <a:xfrm>
+            <a:off x="432270" y="2696814"/>
+            <a:ext cx="11308542" cy="1815882"/>
+          </a:xfrm>
+          <a:prstGeom prst="rect">
+            <a:avLst/>
+          </a:prstGeom>
+          <a:noFill/>
+        </p:spPr>
+        <p:txBody>
+          <a:bodyPr wrap="square" rtlCol="0">
+            <a:spAutoFit/>
+          </a:bodyPr>
+          <a:lstStyle/>
+          <a:p>
+            <a:r>
+              <a:rPr lang="en-IN" sz="2800" dirty="0">
+                <a:solidFill>
+                  <a:schemeClr val="accent1">
+                    <a:lumMod val="40000"/>
+                    <a:lumOff val="60000"/>
+                  </a:schemeClr>
+                </a:solidFill>
+              </a:rPr>
+              <a:t>numbers</a:t>
+            </a:r>
+            <a:r>
+              <a:rPr lang="en-IN" sz="2800" dirty="0">
+                <a:solidFill>
+                  <a:schemeClr val="bg1"/>
+                </a:solidFill>
+              </a:rPr>
+              <a:t> [0] = 10 ; </a:t>
+            </a:r>
+            <a:r>
+              <a:rPr lang="en-IN" sz="2400" dirty="0">
+                <a:solidFill>
+                  <a:schemeClr val="tx1">
+                    <a:lumMod val="50000"/>
+                    <a:lumOff val="50000"/>
+                  </a:schemeClr>
+                </a:solidFill>
+              </a:rPr>
+              <a:t>//  Initialize individual elements </a:t>
+            </a:r>
+            <a:endParaRPr lang="en-IN" sz="2800" dirty="0">
+              <a:solidFill>
+                <a:schemeClr val="tx1">
+                  <a:lumMod val="50000"/>
+                  <a:lumOff val="50000"/>
+                </a:schemeClr>
+              </a:solidFill>
+            </a:endParaRPr>
+          </a:p>
+          <a:p>
+            <a:r>
+              <a:rPr lang="en-IN" sz="2800" dirty="0">
+                <a:solidFill>
+                  <a:schemeClr val="accent1">
+                    <a:lumMod val="40000"/>
+                    <a:lumOff val="60000"/>
+                  </a:schemeClr>
+                </a:solidFill>
+              </a:rPr>
+              <a:t>numbers</a:t>
+            </a:r>
+            <a:r>
+              <a:rPr lang="en-IN" sz="2800" dirty="0">
+                <a:solidFill>
+                  <a:schemeClr val="bg1"/>
+                </a:solidFill>
+              </a:rPr>
+              <a:t> [1] = 20 ;</a:t>
+            </a:r>
+          </a:p>
+          <a:p>
+            <a:endParaRPr lang="en-IN" sz="2800" dirty="0">
+              <a:solidFill>
+                <a:schemeClr val="tx1">
+                  <a:lumMod val="50000"/>
+                  <a:lumOff val="50000"/>
+                </a:schemeClr>
+              </a:solidFill>
+            </a:endParaRPr>
+          </a:p>
+          <a:p>
+            <a:r>
+              <a:rPr lang="en-IN" sz="2800" dirty="0">
+                <a:solidFill>
+                  <a:schemeClr val="bg1"/>
+                </a:solidFill>
+              </a:rPr>
+              <a:t>Int[ ] </a:t>
+            </a:r>
+            <a:r>
+              <a:rPr lang="en-IN" sz="2800" dirty="0">
+                <a:solidFill>
+                  <a:schemeClr val="accent1">
+                    <a:lumMod val="40000"/>
+                    <a:lumOff val="60000"/>
+                  </a:schemeClr>
+                </a:solidFill>
+              </a:rPr>
+              <a:t>values</a:t>
+            </a:r>
+            <a:r>
+              <a:rPr lang="en-IN" sz="2800" dirty="0">
+                <a:solidFill>
+                  <a:schemeClr val="accent2">
+                    <a:lumMod val="60000"/>
+                    <a:lumOff val="40000"/>
+                  </a:schemeClr>
+                </a:solidFill>
+              </a:rPr>
+              <a:t> </a:t>
+            </a:r>
+            <a:r>
+              <a:rPr lang="en-IN" sz="2800" dirty="0">
+                <a:solidFill>
+                  <a:schemeClr val="bg1"/>
+                </a:solidFill>
+              </a:rPr>
+              <a:t>= {1, 2, 3,  4, 5} ;  </a:t>
+            </a:r>
+            <a:r>
+              <a:rPr lang="en-IN" sz="2400" dirty="0">
+                <a:solidFill>
+                  <a:schemeClr val="tx1">
+                    <a:lumMod val="50000"/>
+                    <a:lumOff val="50000"/>
+                  </a:schemeClr>
+                </a:solidFill>
+              </a:rPr>
+              <a:t>// Combine declaration, creation, and initialization </a:t>
+            </a:r>
+            <a:endParaRPr lang="en-IN" sz="2800" dirty="0">
+              <a:solidFill>
+                <a:schemeClr val="tx1">
+                  <a:lumMod val="50000"/>
+                  <a:lumOff val="50000"/>
+                </a:schemeClr>
+              </a:solidFill>
+            </a:endParaRPr>
+          </a:p>
+        </p:txBody>
+      </p:sp>
+    </p:spTree>
+    <p:extLst>
+      <p:ext uri="{BB962C8B-B14F-4D97-AF65-F5344CB8AC3E}">
+        <p14:creationId xmlns:p14="http://schemas.microsoft.com/office/powerpoint/2010/main" val="1275048692"/>
+      </p:ext>
+    </p:extLst>
+  </p:cSld>
+  <p:clrMapOvr>
+    <a:masterClrMapping/>
+  </p:clrMapOvr>
 </p:sld>
 </file>
 
@@ -14522,15 +21064,7 @@
             <a:p>
               <a:r>
                 <a:rPr lang="en-IN" sz="1600" dirty="0"/>
-                <a:t>Development Tools (</a:t>
-              </a:r>
-              <a:r>
-                <a:rPr lang="en-IN" sz="1600" dirty="0" err="1"/>
-                <a:t>Javac</a:t>
-              </a:r>
-              <a:r>
-                <a:rPr lang="en-IN" sz="1600" dirty="0"/>
-                <a:t>, etc.)</a:t>
+                <a:t>Development Tools (Javac, etc.)</a:t>
               </a:r>
             </a:p>
           </p:txBody>
@@ -14598,7 +21132,7 @@
             <a:lstStyle/>
             <a:p>
               <a:pPr algn="ctr"/>
-              <a:endParaRPr lang="en-IN"/>
+              <a:endParaRPr lang="en-IN" dirty="0"/>
             </a:p>
           </p:txBody>
         </p:sp>
@@ -14724,7 +21258,7 @@
             <a:lstStyle/>
             <a:p>
               <a:pPr algn="ctr"/>
-              <a:endParaRPr lang="en-IN"/>
+              <a:endParaRPr lang="en-IN" dirty="0"/>
             </a:p>
           </p:txBody>
         </p:sp>
@@ -14845,7 +21379,7 @@
             <a:lstStyle/>
             <a:p>
               <a:pPr algn="ctr"/>
-              <a:endParaRPr lang="en-IN"/>
+              <a:endParaRPr lang="en-IN" dirty="0"/>
             </a:p>
           </p:txBody>
         </p:sp>
@@ -15089,7 +21623,7 @@
             <a:lstStyle/>
             <a:p>
               <a:pPr algn="ctr"/>
-              <a:endParaRPr lang="en-IN"/>
+              <a:endParaRPr lang="en-IN" dirty="0"/>
             </a:p>
           </p:txBody>
         </p:sp>
@@ -15156,7 +21690,7 @@
             <a:lstStyle/>
             <a:p>
               <a:pPr algn="ctr"/>
-              <a:endParaRPr lang="en-IN"/>
+              <a:endParaRPr lang="en-IN" dirty="0"/>
             </a:p>
           </p:txBody>
         </p:sp>
@@ -15218,7 +21752,7 @@
             <a:lstStyle/>
             <a:p>
               <a:pPr algn="ctr"/>
-              <a:endParaRPr lang="en-IN"/>
+              <a:endParaRPr lang="en-IN" dirty="0"/>
             </a:p>
           </p:txBody>
         </p:sp>
@@ -15676,29 +22210,7 @@
                 <a:ea typeface="Calibri" panose="020F0502020204030204" pitchFamily="34" charset="0"/>
                 <a:cs typeface="Calibri" panose="020F0502020204030204" pitchFamily="34" charset="0"/>
               </a:rPr>
-              <a:t>for the specific operating system and </a:t>
-            </a:r>
-            <a:r>
-              <a:rPr lang="en-IN" sz="3200" b="1" dirty="0" err="1">
-                <a:solidFill>
-                  <a:schemeClr val="bg1"/>
-                </a:solidFill>
-                <a:latin typeface="Calibri" panose="020F0502020204030204" pitchFamily="34" charset="0"/>
-                <a:ea typeface="Calibri" panose="020F0502020204030204" pitchFamily="34" charset="0"/>
-                <a:cs typeface="Calibri" panose="020F0502020204030204" pitchFamily="34" charset="0"/>
-              </a:rPr>
-              <a:t>hardwere</a:t>
-            </a:r>
-            <a:r>
-              <a:rPr lang="en-IN" sz="3200" b="1" dirty="0">
-                <a:solidFill>
-                  <a:schemeClr val="bg1"/>
-                </a:solidFill>
-                <a:latin typeface="Calibri" panose="020F0502020204030204" pitchFamily="34" charset="0"/>
-                <a:ea typeface="Calibri" panose="020F0502020204030204" pitchFamily="34" charset="0"/>
-                <a:cs typeface="Calibri" panose="020F0502020204030204" pitchFamily="34" charset="0"/>
-              </a:rPr>
-              <a:t>, allowing the program to run seamlessly across different environments.</a:t>
+              <a:t>for the specific operating system and hardwere, allowing the program to run seamlessly across different environments.</a:t>
             </a:r>
           </a:p>
         </p:txBody>
@@ -15811,7 +22323,7 @@
           <a:lstStyle/>
           <a:p>
             <a:pPr algn="ctr"/>
-            <a:endParaRPr lang="en-IN"/>
+            <a:endParaRPr lang="en-IN" dirty="0"/>
           </a:p>
         </p:txBody>
       </p:sp>
@@ -15860,7 +22372,7 @@
           <a:lstStyle/>
           <a:p>
             <a:pPr algn="ctr"/>
-            <a:endParaRPr lang="en-IN"/>
+            <a:endParaRPr lang="en-IN" dirty="0"/>
           </a:p>
         </p:txBody>
       </p:sp>
@@ -16062,7 +22574,7 @@
           <a:lstStyle/>
           <a:p>
             <a:pPr algn="ctr"/>
-            <a:endParaRPr lang="en-IN"/>
+            <a:endParaRPr lang="en-IN" dirty="0"/>
           </a:p>
         </p:txBody>
       </p:sp>
@@ -16156,7 +22668,7 @@
           <a:lstStyle/>
           <a:p>
             <a:pPr algn="ctr"/>
-            <a:endParaRPr lang="en-IN">
+            <a:endParaRPr lang="en-IN" dirty="0">
               <a:solidFill>
                 <a:sysClr val="windowText" lastClr="000000"/>
               </a:solidFill>
@@ -16319,7 +22831,7 @@
           <a:lstStyle/>
           <a:p>
             <a:pPr algn="ctr"/>
-            <a:endParaRPr lang="en-IN"/>
+            <a:endParaRPr lang="en-IN" dirty="0"/>
           </a:p>
         </p:txBody>
       </p:sp>
@@ -16370,7 +22882,7 @@
           <a:lstStyle/>
           <a:p>
             <a:pPr algn="ctr"/>
-            <a:endParaRPr lang="en-IN"/>
+            <a:endParaRPr lang="en-IN" dirty="0"/>
           </a:p>
         </p:txBody>
       </p:sp>
@@ -16421,7 +22933,7 @@
           <a:lstStyle/>
           <a:p>
             <a:pPr algn="ctr"/>
-            <a:endParaRPr lang="en-IN"/>
+            <a:endParaRPr lang="en-IN" dirty="0"/>
           </a:p>
         </p:txBody>
       </p:sp>
@@ -16549,7 +23061,7 @@
           <a:lstStyle/>
           <a:p>
             <a:pPr algn="ctr"/>
-            <a:endParaRPr lang="en-IN"/>
+            <a:endParaRPr lang="en-IN" dirty="0"/>
           </a:p>
         </p:txBody>
       </p:sp>
@@ -16646,7 +23158,7 @@
           <a:lstStyle/>
           <a:p>
             <a:pPr algn="ctr"/>
-            <a:endParaRPr lang="en-IN">
+            <a:endParaRPr lang="en-IN" dirty="0">
               <a:solidFill>
                 <a:schemeClr val="tx1"/>
               </a:solidFill>
@@ -16741,7 +23253,7 @@
           <a:lstStyle/>
           <a:p>
             <a:pPr algn="ctr"/>
-            <a:endParaRPr lang="en-IN"/>
+            <a:endParaRPr lang="en-IN" dirty="0"/>
           </a:p>
         </p:txBody>
       </p:sp>
@@ -16794,7 +23306,7 @@
           <a:lstStyle/>
           <a:p>
             <a:pPr algn="ctr"/>
-            <a:endParaRPr lang="en-IN">
+            <a:endParaRPr lang="en-IN" dirty="0">
               <a:solidFill>
                 <a:schemeClr val="tx1"/>
               </a:solidFill>
@@ -17084,18 +23596,13 @@
           <a:p>
             <a:pPr algn="ctr"/>
             <a:r>
-              <a:rPr lang="en-IN" sz="2800" b="1" dirty="0" err="1">
+              <a:rPr lang="en-IN" sz="2800" b="1" dirty="0">
                 <a:solidFill>
                   <a:schemeClr val="bg2"/>
                 </a:solidFill>
               </a:rPr>
               <a:t>javac</a:t>
             </a:r>
-            <a:endParaRPr lang="en-IN" sz="2800" b="1" dirty="0">
-              <a:solidFill>
-                <a:schemeClr val="bg2"/>
-              </a:solidFill>
-            </a:endParaRPr>
           </a:p>
         </p:txBody>
       </p:sp>
@@ -17359,7 +23866,7 @@
               <a:t>(String[ ] </a:t>
             </a:r>
             <a:r>
-              <a:rPr lang="en-IN" sz="3600" dirty="0" err="1">
+              <a:rPr lang="en-IN" sz="3600" dirty="0">
                 <a:solidFill>
                   <a:schemeClr val="tx2">
                     <a:lumMod val="50000"/>
@@ -17384,7 +23891,7 @@
               <a:t>		</a:t>
             </a:r>
             <a:r>
-              <a:rPr lang="en-IN" sz="3600" dirty="0" err="1">
+              <a:rPr lang="en-IN" sz="3600" dirty="0">
                 <a:solidFill>
                   <a:schemeClr val="tx2">
                     <a:lumMod val="50000"/>
@@ -17587,7 +24094,7 @@
               <a:t>(String[ ] </a:t>
             </a:r>
             <a:r>
-              <a:rPr lang="en-IN" sz="2400" dirty="0" err="1">
+              <a:rPr lang="en-IN" sz="2400" dirty="0">
                 <a:solidFill>
                   <a:schemeClr val="tx2">
                     <a:lumMod val="50000"/>
@@ -17612,7 +24119,7 @@
               <a:t>		</a:t>
             </a:r>
             <a:r>
-              <a:rPr lang="en-IN" sz="2400" dirty="0" err="1">
+              <a:rPr lang="en-IN" sz="2400" dirty="0">
                 <a:solidFill>
                   <a:schemeClr val="tx2">
                     <a:lumMod val="50000"/>
@@ -17792,15 +24299,7 @@
                   <a:srgbClr val="7030A0"/>
                 </a:solidFill>
               </a:rPr>
-              <a:t>String[ ] </a:t>
-            </a:r>
-            <a:r>
-              <a:rPr lang="en-IN" sz="2400" dirty="0" err="1">
-                <a:solidFill>
-                  <a:srgbClr val="7030A0"/>
-                </a:solidFill>
-              </a:rPr>
-              <a:t>args</a:t>
+              <a:t>String[ ] args</a:t>
             </a:r>
             <a:r>
               <a:rPr lang="en-IN" sz="2400" dirty="0">

--- a/JAVA.pptx
+++ b/JAVA.pptx
@@ -5,7 +5,7 @@
     <p:sldMasterId id="2147483672" r:id="rId1"/>
   </p:sldMasterIdLst>
   <p:notesMasterIdLst>
-    <p:notesMasterId r:id="rId33"/>
+    <p:notesMasterId r:id="rId51"/>
   </p:notesMasterIdLst>
   <p:sldIdLst>
     <p:sldId id="257" r:id="rId2"/>
@@ -39,6 +39,24 @@
     <p:sldId id="284" r:id="rId30"/>
     <p:sldId id="285" r:id="rId31"/>
     <p:sldId id="286" r:id="rId32"/>
+    <p:sldId id="287" r:id="rId33"/>
+    <p:sldId id="288" r:id="rId34"/>
+    <p:sldId id="289" r:id="rId35"/>
+    <p:sldId id="290" r:id="rId36"/>
+    <p:sldId id="291" r:id="rId37"/>
+    <p:sldId id="292" r:id="rId38"/>
+    <p:sldId id="293" r:id="rId39"/>
+    <p:sldId id="294" r:id="rId40"/>
+    <p:sldId id="295" r:id="rId41"/>
+    <p:sldId id="296" r:id="rId42"/>
+    <p:sldId id="297" r:id="rId43"/>
+    <p:sldId id="298" r:id="rId44"/>
+    <p:sldId id="299" r:id="rId45"/>
+    <p:sldId id="300" r:id="rId46"/>
+    <p:sldId id="301" r:id="rId47"/>
+    <p:sldId id="302" r:id="rId48"/>
+    <p:sldId id="303" r:id="rId49"/>
+    <p:sldId id="304" r:id="rId50"/>
   </p:sldIdLst>
   <p:sldSz cx="12192000" cy="6858000"/>
   <p:notesSz cx="6858000" cy="9144000"/>
@@ -599,6 +617,294 @@
     <p:extLst>
       <p:ext uri="{BB962C8B-B14F-4D97-AF65-F5344CB8AC3E}">
         <p14:creationId xmlns:p14="http://schemas.microsoft.com/office/powerpoint/2010/main" val="2382448430"/>
+      </p:ext>
+    </p:extLst>
+  </p:cSld>
+  <p:clrMapOvr>
+    <a:masterClrMapping/>
+  </p:clrMapOvr>
+</p:notes>
+</file>
+
+<file path=ppt/notesSlides/notesSlide2.xml><?xml version="1.0" encoding="utf-8"?>
+<p:notes xmlns:a="http://schemas.openxmlformats.org/drawingml/2006/main" xmlns:r="http://schemas.openxmlformats.org/officeDocument/2006/relationships" xmlns:p="http://schemas.openxmlformats.org/presentationml/2006/main">
+  <p:cSld>
+    <p:spTree>
+      <p:nvGrpSpPr>
+        <p:cNvPr id="1" name=""/>
+        <p:cNvGrpSpPr/>
+        <p:nvPr/>
+      </p:nvGrpSpPr>
+      <p:grpSpPr>
+        <a:xfrm>
+          <a:off x="0" y="0"/>
+          <a:ext cx="0" cy="0"/>
+          <a:chOff x="0" y="0"/>
+          <a:chExt cx="0" cy="0"/>
+        </a:xfrm>
+      </p:grpSpPr>
+      <p:sp>
+        <p:nvSpPr>
+          <p:cNvPr id="2" name="Slide Image Placeholder 1"/>
+          <p:cNvSpPr>
+            <a:spLocks noGrp="1" noRot="1" noChangeAspect="1"/>
+          </p:cNvSpPr>
+          <p:nvPr>
+            <p:ph type="sldImg"/>
+          </p:nvPr>
+        </p:nvSpPr>
+        <p:spPr/>
+      </p:sp>
+      <p:sp>
+        <p:nvSpPr>
+          <p:cNvPr id="3" name="Notes Placeholder 2"/>
+          <p:cNvSpPr>
+            <a:spLocks noGrp="1"/>
+          </p:cNvSpPr>
+          <p:nvPr>
+            <p:ph type="body" idx="1"/>
+          </p:nvPr>
+        </p:nvSpPr>
+        <p:spPr/>
+        <p:txBody>
+          <a:bodyPr/>
+          <a:lstStyle/>
+          <a:p>
+            <a:r>
+              <a:rPr lang="en-US" dirty="0"/>
+              <a:t>Example 1</a:t>
+            </a:r>
+            <a:endParaRPr lang="en-IN" dirty="0"/>
+          </a:p>
+        </p:txBody>
+      </p:sp>
+      <p:sp>
+        <p:nvSpPr>
+          <p:cNvPr id="4" name="Slide Number Placeholder 3"/>
+          <p:cNvSpPr>
+            <a:spLocks noGrp="1"/>
+          </p:cNvSpPr>
+          <p:nvPr>
+            <p:ph type="sldNum" sz="quarter" idx="5"/>
+          </p:nvPr>
+        </p:nvSpPr>
+        <p:spPr/>
+        <p:txBody>
+          <a:bodyPr/>
+          <a:lstStyle/>
+          <a:p>
+            <a:fld id="{B61AA0BC-727E-4541-82B4-04DDFBE71AF1}" type="slidenum">
+              <a:rPr lang="en-IN" smtClean="0"/>
+              <a:t>46</a:t>
+            </a:fld>
+            <a:endParaRPr lang="en-IN" dirty="0"/>
+          </a:p>
+        </p:txBody>
+      </p:sp>
+    </p:spTree>
+    <p:extLst>
+      <p:ext uri="{BB962C8B-B14F-4D97-AF65-F5344CB8AC3E}">
+        <p14:creationId xmlns:p14="http://schemas.microsoft.com/office/powerpoint/2010/main" val="1477484552"/>
+      </p:ext>
+    </p:extLst>
+  </p:cSld>
+  <p:clrMapOvr>
+    <a:masterClrMapping/>
+  </p:clrMapOvr>
+</p:notes>
+</file>
+
+<file path=ppt/notesSlides/notesSlide3.xml><?xml version="1.0" encoding="utf-8"?>
+<p:notes xmlns:a="http://schemas.openxmlformats.org/drawingml/2006/main" xmlns:r="http://schemas.openxmlformats.org/officeDocument/2006/relationships" xmlns:p="http://schemas.openxmlformats.org/presentationml/2006/main">
+  <p:cSld>
+    <p:spTree>
+      <p:nvGrpSpPr>
+        <p:cNvPr id="1" name=""/>
+        <p:cNvGrpSpPr/>
+        <p:nvPr/>
+      </p:nvGrpSpPr>
+      <p:grpSpPr>
+        <a:xfrm>
+          <a:off x="0" y="0"/>
+          <a:ext cx="0" cy="0"/>
+          <a:chOff x="0" y="0"/>
+          <a:chExt cx="0" cy="0"/>
+        </a:xfrm>
+      </p:grpSpPr>
+      <p:sp>
+        <p:nvSpPr>
+          <p:cNvPr id="2" name="Slide Image Placeholder 1"/>
+          <p:cNvSpPr>
+            <a:spLocks noGrp="1" noRot="1" noChangeAspect="1"/>
+          </p:cNvSpPr>
+          <p:nvPr>
+            <p:ph type="sldImg"/>
+          </p:nvPr>
+        </p:nvSpPr>
+        <p:spPr/>
+      </p:sp>
+      <p:sp>
+        <p:nvSpPr>
+          <p:cNvPr id="3" name="Notes Placeholder 2"/>
+          <p:cNvSpPr>
+            <a:spLocks noGrp="1"/>
+          </p:cNvSpPr>
+          <p:nvPr>
+            <p:ph type="body" idx="1"/>
+          </p:nvPr>
+        </p:nvSpPr>
+        <p:spPr/>
+        <p:txBody>
+          <a:bodyPr/>
+          <a:lstStyle/>
+          <a:p>
+            <a:r>
+              <a:rPr lang="en-US" dirty="0"/>
+              <a:t>Example 2</a:t>
+            </a:r>
+            <a:endParaRPr lang="en-IN" dirty="0"/>
+          </a:p>
+        </p:txBody>
+      </p:sp>
+      <p:sp>
+        <p:nvSpPr>
+          <p:cNvPr id="4" name="Slide Number Placeholder 3"/>
+          <p:cNvSpPr>
+            <a:spLocks noGrp="1"/>
+          </p:cNvSpPr>
+          <p:nvPr>
+            <p:ph type="sldNum" sz="quarter" idx="5"/>
+          </p:nvPr>
+        </p:nvSpPr>
+        <p:spPr/>
+        <p:txBody>
+          <a:bodyPr/>
+          <a:lstStyle/>
+          <a:p>
+            <a:fld id="{B61AA0BC-727E-4541-82B4-04DDFBE71AF1}" type="slidenum">
+              <a:rPr lang="en-IN" smtClean="0"/>
+              <a:t>47</a:t>
+            </a:fld>
+            <a:endParaRPr lang="en-IN" dirty="0"/>
+          </a:p>
+        </p:txBody>
+      </p:sp>
+    </p:spTree>
+    <p:extLst>
+      <p:ext uri="{BB962C8B-B14F-4D97-AF65-F5344CB8AC3E}">
+        <p14:creationId xmlns:p14="http://schemas.microsoft.com/office/powerpoint/2010/main" val="2390886834"/>
+      </p:ext>
+    </p:extLst>
+  </p:cSld>
+  <p:clrMapOvr>
+    <a:masterClrMapping/>
+  </p:clrMapOvr>
+</p:notes>
+</file>
+
+<file path=ppt/notesSlides/notesSlide4.xml><?xml version="1.0" encoding="utf-8"?>
+<p:notes xmlns:a="http://schemas.openxmlformats.org/drawingml/2006/main" xmlns:r="http://schemas.openxmlformats.org/officeDocument/2006/relationships" xmlns:p="http://schemas.openxmlformats.org/presentationml/2006/main">
+  <p:cSld>
+    <p:spTree>
+      <p:nvGrpSpPr>
+        <p:cNvPr id="1" name="">
+          <a:extLst>
+            <a:ext uri="{FF2B5EF4-FFF2-40B4-BE49-F238E27FC236}">
+              <a16:creationId xmlns:a16="http://schemas.microsoft.com/office/drawing/2014/main" id="{BD2DD38F-912A-3D46-1D30-C01E2DB7D61E}"/>
+            </a:ext>
+          </a:extLst>
+        </p:cNvPr>
+        <p:cNvGrpSpPr/>
+        <p:nvPr/>
+      </p:nvGrpSpPr>
+      <p:grpSpPr>
+        <a:xfrm>
+          <a:off x="0" y="0"/>
+          <a:ext cx="0" cy="0"/>
+          <a:chOff x="0" y="0"/>
+          <a:chExt cx="0" cy="0"/>
+        </a:xfrm>
+      </p:grpSpPr>
+      <p:sp>
+        <p:nvSpPr>
+          <p:cNvPr id="2" name="Slide Image Placeholder 1">
+            <a:extLst>
+              <a:ext uri="{FF2B5EF4-FFF2-40B4-BE49-F238E27FC236}">
+                <a16:creationId xmlns:a16="http://schemas.microsoft.com/office/drawing/2014/main" id="{DE734BF0-72B2-5422-1C26-96F35F4D850B}"/>
+              </a:ext>
+            </a:extLst>
+          </p:cNvPr>
+          <p:cNvSpPr>
+            <a:spLocks noGrp="1" noRot="1" noChangeAspect="1"/>
+          </p:cNvSpPr>
+          <p:nvPr>
+            <p:ph type="sldImg"/>
+          </p:nvPr>
+        </p:nvSpPr>
+        <p:spPr/>
+      </p:sp>
+      <p:sp>
+        <p:nvSpPr>
+          <p:cNvPr id="3" name="Notes Placeholder 2">
+            <a:extLst>
+              <a:ext uri="{FF2B5EF4-FFF2-40B4-BE49-F238E27FC236}">
+                <a16:creationId xmlns:a16="http://schemas.microsoft.com/office/drawing/2014/main" id="{8DBB0FBF-C492-4F73-C354-712446DA0B33}"/>
+              </a:ext>
+            </a:extLst>
+          </p:cNvPr>
+          <p:cNvSpPr>
+            <a:spLocks noGrp="1"/>
+          </p:cNvSpPr>
+          <p:nvPr>
+            <p:ph type="body" idx="1"/>
+          </p:nvPr>
+        </p:nvSpPr>
+        <p:spPr/>
+        <p:txBody>
+          <a:bodyPr/>
+          <a:lstStyle/>
+          <a:p>
+            <a:r>
+              <a:rPr lang="en-US" dirty="0"/>
+              <a:t>Example 2</a:t>
+            </a:r>
+            <a:endParaRPr lang="en-IN" dirty="0"/>
+          </a:p>
+        </p:txBody>
+      </p:sp>
+      <p:sp>
+        <p:nvSpPr>
+          <p:cNvPr id="4" name="Slide Number Placeholder 3">
+            <a:extLst>
+              <a:ext uri="{FF2B5EF4-FFF2-40B4-BE49-F238E27FC236}">
+                <a16:creationId xmlns:a16="http://schemas.microsoft.com/office/drawing/2014/main" id="{541C25DB-ABB6-D35D-AF64-6B00AB38AD52}"/>
+              </a:ext>
+            </a:extLst>
+          </p:cNvPr>
+          <p:cNvSpPr>
+            <a:spLocks noGrp="1"/>
+          </p:cNvSpPr>
+          <p:nvPr>
+            <p:ph type="sldNum" sz="quarter" idx="5"/>
+          </p:nvPr>
+        </p:nvSpPr>
+        <p:spPr/>
+        <p:txBody>
+          <a:bodyPr/>
+          <a:lstStyle/>
+          <a:p>
+            <a:fld id="{B61AA0BC-727E-4541-82B4-04DDFBE71AF1}" type="slidenum">
+              <a:rPr lang="en-IN" smtClean="0"/>
+              <a:t>48</a:t>
+            </a:fld>
+            <a:endParaRPr lang="en-IN" dirty="0"/>
+          </a:p>
+        </p:txBody>
+      </p:sp>
+    </p:spTree>
+    <p:extLst>
+      <p:ext uri="{BB962C8B-B14F-4D97-AF65-F5344CB8AC3E}">
+        <p14:creationId xmlns:p14="http://schemas.microsoft.com/office/powerpoint/2010/main" val="1752673805"/>
       </p:ext>
     </p:extLst>
   </p:cSld>
@@ -8896,153 +9202,174 @@
           </a:p>
         </p:txBody>
       </p:sp>
-      <p:sp>
-        <p:nvSpPr>
-          <p:cNvPr id="6" name="Oval 5">
+      <p:grpSp>
+        <p:nvGrpSpPr>
+          <p:cNvPr id="11" name="Group 10">
             <a:extLst>
               <a:ext uri="{FF2B5EF4-FFF2-40B4-BE49-F238E27FC236}">
-                <a16:creationId xmlns:a16="http://schemas.microsoft.com/office/drawing/2014/main" id="{4EC85927-45EB-AA93-3F9F-9BD26CB19F3E}"/>
+                <a16:creationId xmlns:a16="http://schemas.microsoft.com/office/drawing/2014/main" id="{7DE3A6F9-AEF6-4D39-A248-EB7FEC822935}"/>
               </a:ext>
             </a:extLst>
           </p:cNvPr>
-          <p:cNvSpPr/>
+          <p:cNvGrpSpPr/>
           <p:nvPr/>
-        </p:nvSpPr>
-        <p:spPr>
+        </p:nvGrpSpPr>
+        <p:grpSpPr>
           <a:xfrm>
             <a:off x="2494800" y="1449970"/>
-            <a:ext cx="203835" cy="203835"/>
+            <a:ext cx="788035" cy="203835"/>
+            <a:chOff x="2494800" y="1449970"/>
+            <a:chExt cx="788035" cy="203835"/>
           </a:xfrm>
-          <a:prstGeom prst="ellipse">
-            <a:avLst/>
-          </a:prstGeom>
-          <a:solidFill>
-            <a:schemeClr val="accent2"/>
-          </a:solidFill>
-        </p:spPr>
-        <p:style>
-          <a:lnRef idx="2">
-            <a:schemeClr val="accent1">
-              <a:shade val="15000"/>
-            </a:schemeClr>
-          </a:lnRef>
-          <a:fillRef idx="1">
-            <a:schemeClr val="accent1"/>
-          </a:fillRef>
-          <a:effectRef idx="0">
-            <a:schemeClr val="accent1"/>
-          </a:effectRef>
-          <a:fontRef idx="minor">
-            <a:schemeClr val="lt1"/>
-          </a:fontRef>
-        </p:style>
-        <p:txBody>
-          <a:bodyPr rtlCol="0" anchor="ctr"/>
-          <a:lstStyle/>
-          <a:p>
-            <a:pPr algn="ctr"/>
-            <a:endParaRPr lang="en-IN" dirty="0"/>
-          </a:p>
-        </p:txBody>
-      </p:sp>
-      <p:sp>
-        <p:nvSpPr>
-          <p:cNvPr id="7" name="Oval 6">
-            <a:extLst>
-              <a:ext uri="{FF2B5EF4-FFF2-40B4-BE49-F238E27FC236}">
-                <a16:creationId xmlns:a16="http://schemas.microsoft.com/office/drawing/2014/main" id="{7C6BE383-A22B-88ED-251C-58DE7E74CC38}"/>
-              </a:ext>
-            </a:extLst>
-          </p:cNvPr>
-          <p:cNvSpPr/>
-          <p:nvPr/>
-        </p:nvSpPr>
-        <p:spPr>
-          <a:xfrm>
-            <a:off x="2786900" y="1449970"/>
-            <a:ext cx="203835" cy="203835"/>
-          </a:xfrm>
-          <a:prstGeom prst="ellipse">
-            <a:avLst/>
-          </a:prstGeom>
-          <a:solidFill>
-            <a:srgbClr val="FFC000"/>
-          </a:solidFill>
-        </p:spPr>
-        <p:style>
-          <a:lnRef idx="2">
-            <a:schemeClr val="accent1">
-              <a:shade val="15000"/>
-            </a:schemeClr>
-          </a:lnRef>
-          <a:fillRef idx="1">
-            <a:schemeClr val="accent1"/>
-          </a:fillRef>
-          <a:effectRef idx="0">
-            <a:schemeClr val="accent1"/>
-          </a:effectRef>
-          <a:fontRef idx="minor">
-            <a:schemeClr val="lt1"/>
-          </a:fontRef>
-        </p:style>
-        <p:txBody>
-          <a:bodyPr rtlCol="0" anchor="ctr"/>
-          <a:lstStyle/>
-          <a:p>
-            <a:pPr algn="ctr"/>
-            <a:endParaRPr lang="en-IN" dirty="0"/>
-          </a:p>
-        </p:txBody>
-      </p:sp>
-      <p:sp>
-        <p:nvSpPr>
-          <p:cNvPr id="8" name="Oval 7">
-            <a:extLst>
-              <a:ext uri="{FF2B5EF4-FFF2-40B4-BE49-F238E27FC236}">
-                <a16:creationId xmlns:a16="http://schemas.microsoft.com/office/drawing/2014/main" id="{3DCACA46-2741-B1EA-52C0-329F422629E9}"/>
-              </a:ext>
-            </a:extLst>
-          </p:cNvPr>
-          <p:cNvSpPr/>
-          <p:nvPr/>
-        </p:nvSpPr>
-        <p:spPr>
-          <a:xfrm>
-            <a:off x="3079000" y="1449970"/>
-            <a:ext cx="203835" cy="203835"/>
-          </a:xfrm>
-          <a:prstGeom prst="ellipse">
-            <a:avLst/>
-          </a:prstGeom>
-          <a:solidFill>
-            <a:schemeClr val="accent6"/>
-          </a:solidFill>
-        </p:spPr>
-        <p:style>
-          <a:lnRef idx="2">
-            <a:schemeClr val="accent1">
-              <a:shade val="15000"/>
-            </a:schemeClr>
-          </a:lnRef>
-          <a:fillRef idx="1">
-            <a:schemeClr val="accent1"/>
-          </a:fillRef>
-          <a:effectRef idx="0">
-            <a:schemeClr val="accent1"/>
-          </a:effectRef>
-          <a:fontRef idx="minor">
-            <a:schemeClr val="lt1"/>
-          </a:fontRef>
-        </p:style>
-        <p:txBody>
-          <a:bodyPr rtlCol="0" anchor="ctr"/>
-          <a:lstStyle/>
-          <a:p>
-            <a:pPr algn="ctr"/>
-            <a:endParaRPr lang="en-IN" dirty="0"/>
-          </a:p>
-        </p:txBody>
-      </p:sp>
+        </p:grpSpPr>
+        <p:sp>
+          <p:nvSpPr>
+            <p:cNvPr id="6" name="Oval 5">
+              <a:extLst>
+                <a:ext uri="{FF2B5EF4-FFF2-40B4-BE49-F238E27FC236}">
+                  <a16:creationId xmlns:a16="http://schemas.microsoft.com/office/drawing/2014/main" id="{4EC85927-45EB-AA93-3F9F-9BD26CB19F3E}"/>
+                </a:ext>
+              </a:extLst>
+            </p:cNvPr>
+            <p:cNvSpPr/>
+            <p:nvPr/>
+          </p:nvSpPr>
+          <p:spPr>
+            <a:xfrm>
+              <a:off x="2494800" y="1449970"/>
+              <a:ext cx="203835" cy="203835"/>
+            </a:xfrm>
+            <a:prstGeom prst="ellipse">
+              <a:avLst/>
+            </a:prstGeom>
+            <a:solidFill>
+              <a:schemeClr val="accent2"/>
+            </a:solidFill>
+          </p:spPr>
+          <p:style>
+            <a:lnRef idx="2">
+              <a:schemeClr val="accent1">
+                <a:shade val="15000"/>
+              </a:schemeClr>
+            </a:lnRef>
+            <a:fillRef idx="1">
+              <a:schemeClr val="accent1"/>
+            </a:fillRef>
+            <a:effectRef idx="0">
+              <a:schemeClr val="accent1"/>
+            </a:effectRef>
+            <a:fontRef idx="minor">
+              <a:schemeClr val="lt1"/>
+            </a:fontRef>
+          </p:style>
+          <p:txBody>
+            <a:bodyPr rtlCol="0" anchor="ctr"/>
+            <a:lstStyle/>
+            <a:p>
+              <a:pPr algn="ctr"/>
+              <a:endParaRPr lang="en-IN" dirty="0"/>
+            </a:p>
+          </p:txBody>
+        </p:sp>
+        <p:sp>
+          <p:nvSpPr>
+            <p:cNvPr id="7" name="Oval 6">
+              <a:extLst>
+                <a:ext uri="{FF2B5EF4-FFF2-40B4-BE49-F238E27FC236}">
+                  <a16:creationId xmlns:a16="http://schemas.microsoft.com/office/drawing/2014/main" id="{7C6BE383-A22B-88ED-251C-58DE7E74CC38}"/>
+                </a:ext>
+              </a:extLst>
+            </p:cNvPr>
+            <p:cNvSpPr/>
+            <p:nvPr/>
+          </p:nvSpPr>
+          <p:spPr>
+            <a:xfrm>
+              <a:off x="2786900" y="1449970"/>
+              <a:ext cx="203835" cy="203835"/>
+            </a:xfrm>
+            <a:prstGeom prst="ellipse">
+              <a:avLst/>
+            </a:prstGeom>
+            <a:solidFill>
+              <a:srgbClr val="FFC000"/>
+            </a:solidFill>
+          </p:spPr>
+          <p:style>
+            <a:lnRef idx="2">
+              <a:schemeClr val="accent1">
+                <a:shade val="15000"/>
+              </a:schemeClr>
+            </a:lnRef>
+            <a:fillRef idx="1">
+              <a:schemeClr val="accent1"/>
+            </a:fillRef>
+            <a:effectRef idx="0">
+              <a:schemeClr val="accent1"/>
+            </a:effectRef>
+            <a:fontRef idx="minor">
+              <a:schemeClr val="lt1"/>
+            </a:fontRef>
+          </p:style>
+          <p:txBody>
+            <a:bodyPr rtlCol="0" anchor="ctr"/>
+            <a:lstStyle/>
+            <a:p>
+              <a:pPr algn="ctr"/>
+              <a:endParaRPr lang="en-IN" dirty="0"/>
+            </a:p>
+          </p:txBody>
+        </p:sp>
+        <p:sp>
+          <p:nvSpPr>
+            <p:cNvPr id="8" name="Oval 7">
+              <a:extLst>
+                <a:ext uri="{FF2B5EF4-FFF2-40B4-BE49-F238E27FC236}">
+                  <a16:creationId xmlns:a16="http://schemas.microsoft.com/office/drawing/2014/main" id="{3DCACA46-2741-B1EA-52C0-329F422629E9}"/>
+                </a:ext>
+              </a:extLst>
+            </p:cNvPr>
+            <p:cNvSpPr/>
+            <p:nvPr/>
+          </p:nvSpPr>
+          <p:spPr>
+            <a:xfrm>
+              <a:off x="3079000" y="1449970"/>
+              <a:ext cx="203835" cy="203835"/>
+            </a:xfrm>
+            <a:prstGeom prst="ellipse">
+              <a:avLst/>
+            </a:prstGeom>
+            <a:solidFill>
+              <a:schemeClr val="accent6"/>
+            </a:solidFill>
+          </p:spPr>
+          <p:style>
+            <a:lnRef idx="2">
+              <a:schemeClr val="accent1">
+                <a:shade val="15000"/>
+              </a:schemeClr>
+            </a:lnRef>
+            <a:fillRef idx="1">
+              <a:schemeClr val="accent1"/>
+            </a:fillRef>
+            <a:effectRef idx="0">
+              <a:schemeClr val="accent1"/>
+            </a:effectRef>
+            <a:fontRef idx="minor">
+              <a:schemeClr val="lt1"/>
+            </a:fontRef>
+          </p:style>
+          <p:txBody>
+            <a:bodyPr rtlCol="0" anchor="ctr"/>
+            <a:lstStyle/>
+            <a:p>
+              <a:pPr algn="ctr"/>
+              <a:endParaRPr lang="en-IN" dirty="0"/>
+            </a:p>
+          </p:txBody>
+        </p:sp>
+      </p:grpSp>
       <p:sp>
         <p:nvSpPr>
           <p:cNvPr id="9" name="TextBox 8">
@@ -14568,7 +14895,7 @@
               </a:bodyPr>
               <a:lstStyle/>
               <a:p>
-                <a:endParaRPr lang="en-US"/>
+                <a:endParaRPr lang="en-US" dirty="0"/>
               </a:p>
             </p:txBody>
           </p:sp>
@@ -14769,7 +15096,7 @@
               </a:bodyPr>
               <a:lstStyle/>
               <a:p>
-                <a:endParaRPr lang="en-US"/>
+                <a:endParaRPr lang="en-US" dirty="0"/>
               </a:p>
             </p:txBody>
           </p:sp>
@@ -15001,7 +15328,7 @@
               </a:bodyPr>
               <a:lstStyle/>
               <a:p>
-                <a:endParaRPr lang="en-US"/>
+                <a:endParaRPr lang="en-US" dirty="0"/>
               </a:p>
             </p:txBody>
           </p:sp>
@@ -15202,7 +15529,7 @@
               </a:bodyPr>
               <a:lstStyle/>
               <a:p>
-                <a:endParaRPr lang="en-US"/>
+                <a:endParaRPr lang="en-US" dirty="0"/>
               </a:p>
             </p:txBody>
           </p:sp>
@@ -15298,7 +15625,7 @@
             <a:lstStyle/>
             <a:p>
               <a:pPr algn="ctr"/>
-              <a:endParaRPr lang="en-US"/>
+              <a:endParaRPr lang="en-US" dirty="0"/>
             </a:p>
           </p:txBody>
         </p:sp>
@@ -15363,7 +15690,7 @@
             <a:lstStyle/>
             <a:p>
               <a:pPr algn="ctr"/>
-              <a:endParaRPr lang="en-US"/>
+              <a:endParaRPr lang="en-US" dirty="0"/>
             </a:p>
           </p:txBody>
         </p:sp>
@@ -15429,7 +15756,7 @@
           <a:lstStyle/>
           <a:p>
             <a:pPr algn="ctr"/>
-            <a:endParaRPr lang="en-US"/>
+            <a:endParaRPr lang="en-US" dirty="0"/>
           </a:p>
         </p:txBody>
       </p:sp>
@@ -15898,7 +16225,7 @@
           <a:lstStyle/>
           <a:p>
             <a:pPr algn="ctr"/>
-            <a:endParaRPr lang="en-US"/>
+            <a:endParaRPr lang="en-US" dirty="0"/>
           </a:p>
         </p:txBody>
       </p:sp>
@@ -15970,7 +16297,7 @@
           <a:lstStyle/>
           <a:p>
             <a:pPr algn="ctr"/>
-            <a:endParaRPr lang="en-US"/>
+            <a:endParaRPr lang="en-US" dirty="0"/>
           </a:p>
         </p:txBody>
       </p:sp>
@@ -16091,7 +16418,7 @@
             <a:bodyPr rtlCol="0" anchor="ctr"/>
             <a:lstStyle/>
             <a:p>
-              <a:endParaRPr lang="en-US"/>
+              <a:endParaRPr lang="en-US" dirty="0"/>
             </a:p>
           </p:txBody>
         </p:sp>
@@ -16178,7 +16505,7 @@
             <a:bodyPr rtlCol="0" anchor="ctr"/>
             <a:lstStyle/>
             <a:p>
-              <a:endParaRPr lang="en-US"/>
+              <a:endParaRPr lang="en-US" dirty="0"/>
             </a:p>
           </p:txBody>
         </p:sp>
@@ -16265,7 +16592,7 @@
             <a:bodyPr rtlCol="0" anchor="ctr"/>
             <a:lstStyle/>
             <a:p>
-              <a:endParaRPr lang="en-US"/>
+              <a:endParaRPr lang="en-US" dirty="0"/>
             </a:p>
           </p:txBody>
         </p:sp>
@@ -16352,7 +16679,7 @@
             <a:bodyPr rtlCol="0" anchor="ctr"/>
             <a:lstStyle/>
             <a:p>
-              <a:endParaRPr lang="en-US"/>
+              <a:endParaRPr lang="en-US" dirty="0"/>
             </a:p>
           </p:txBody>
         </p:sp>
@@ -16439,7 +16766,7 @@
             <a:bodyPr rtlCol="0" anchor="ctr"/>
             <a:lstStyle/>
             <a:p>
-              <a:endParaRPr lang="en-US"/>
+              <a:endParaRPr lang="en-US" dirty="0"/>
             </a:p>
           </p:txBody>
         </p:sp>
@@ -16561,7 +16888,7 @@
             <a:bodyPr rtlCol="0" anchor="ctr"/>
             <a:lstStyle/>
             <a:p>
-              <a:endParaRPr lang="en-US"/>
+              <a:endParaRPr lang="en-US" dirty="0"/>
             </a:p>
           </p:txBody>
         </p:sp>
@@ -16648,7 +16975,7 @@
             <a:bodyPr rtlCol="0" anchor="ctr"/>
             <a:lstStyle/>
             <a:p>
-              <a:endParaRPr lang="en-US"/>
+              <a:endParaRPr lang="en-US" dirty="0"/>
             </a:p>
           </p:txBody>
         </p:sp>
@@ -16735,7 +17062,7 @@
             <a:bodyPr rtlCol="0" anchor="ctr"/>
             <a:lstStyle/>
             <a:p>
-              <a:endParaRPr lang="en-US"/>
+              <a:endParaRPr lang="en-US" dirty="0"/>
             </a:p>
           </p:txBody>
         </p:sp>
@@ -16822,7 +17149,7 @@
             <a:bodyPr rtlCol="0" anchor="ctr"/>
             <a:lstStyle/>
             <a:p>
-              <a:endParaRPr lang="en-US"/>
+              <a:endParaRPr lang="en-US" dirty="0"/>
             </a:p>
           </p:txBody>
         </p:sp>
@@ -16909,7 +17236,7 @@
             <a:bodyPr rtlCol="0" anchor="ctr"/>
             <a:lstStyle/>
             <a:p>
-              <a:endParaRPr lang="en-US"/>
+              <a:endParaRPr lang="en-US" dirty="0"/>
             </a:p>
           </p:txBody>
         </p:sp>
@@ -16964,7 +17291,7 @@
           <a:lstStyle/>
           <a:p>
             <a:pPr algn="ctr"/>
-            <a:endParaRPr lang="en-IN"/>
+            <a:endParaRPr lang="en-IN" dirty="0"/>
           </a:p>
         </p:txBody>
       </p:sp>
@@ -17032,18 +17359,7 @@
                   </a:schemeClr>
                 </a:solidFill>
               </a:rPr>
-              <a:t>// Recommended </a:t>
-            </a:r>
-            <a:r>
-              <a:rPr lang="en-IN" sz="2000" dirty="0" err="1">
-                <a:solidFill>
-                  <a:schemeClr val="tx1">
-                    <a:lumMod val="50000"/>
-                    <a:lumOff val="50000"/>
-                  </a:schemeClr>
-                </a:solidFill>
-              </a:rPr>
-              <a:t>stype</a:t>
+              <a:t>// Recommended stype</a:t>
             </a:r>
             <a:endParaRPr lang="en-IN" sz="2400" dirty="0">
               <a:solidFill>
@@ -18138,7 +18454,7 @@
               </a:bodyPr>
               <a:lstStyle/>
               <a:p>
-                <a:endParaRPr lang="en-US"/>
+                <a:endParaRPr lang="en-US" dirty="0"/>
               </a:p>
             </p:txBody>
           </p:sp>
@@ -18339,7 +18655,7 @@
               </a:bodyPr>
               <a:lstStyle/>
               <a:p>
-                <a:endParaRPr lang="en-US"/>
+                <a:endParaRPr lang="en-US" dirty="0"/>
               </a:p>
             </p:txBody>
           </p:sp>
@@ -18571,7 +18887,7 @@
               </a:bodyPr>
               <a:lstStyle/>
               <a:p>
-                <a:endParaRPr lang="en-US"/>
+                <a:endParaRPr lang="en-US" dirty="0"/>
               </a:p>
             </p:txBody>
           </p:sp>
@@ -18772,7 +19088,7 @@
               </a:bodyPr>
               <a:lstStyle/>
               <a:p>
-                <a:endParaRPr lang="en-US"/>
+                <a:endParaRPr lang="en-US" dirty="0"/>
               </a:p>
             </p:txBody>
           </p:sp>
@@ -18868,7 +19184,7 @@
             <a:lstStyle/>
             <a:p>
               <a:pPr algn="ctr"/>
-              <a:endParaRPr lang="en-US"/>
+              <a:endParaRPr lang="en-US" dirty="0"/>
             </a:p>
           </p:txBody>
         </p:sp>
@@ -18933,7 +19249,7 @@
             <a:lstStyle/>
             <a:p>
               <a:pPr algn="ctr"/>
-              <a:endParaRPr lang="en-US"/>
+              <a:endParaRPr lang="en-US" dirty="0"/>
             </a:p>
           </p:txBody>
         </p:sp>
@@ -18999,7 +19315,7 @@
           <a:lstStyle/>
           <a:p>
             <a:pPr algn="ctr"/>
-            <a:endParaRPr lang="en-US"/>
+            <a:endParaRPr lang="en-US" dirty="0"/>
           </a:p>
         </p:txBody>
       </p:sp>
@@ -19467,7 +19783,7 @@
           <a:lstStyle/>
           <a:p>
             <a:pPr algn="ctr"/>
-            <a:endParaRPr lang="en-US"/>
+            <a:endParaRPr lang="en-US" dirty="0"/>
           </a:p>
         </p:txBody>
       </p:sp>
@@ -19539,7 +19855,7 @@
           <a:lstStyle/>
           <a:p>
             <a:pPr algn="ctr"/>
-            <a:endParaRPr lang="en-US"/>
+            <a:endParaRPr lang="en-US" dirty="0"/>
           </a:p>
         </p:txBody>
       </p:sp>
@@ -19660,7 +19976,7 @@
             <a:bodyPr rtlCol="0" anchor="ctr"/>
             <a:lstStyle/>
             <a:p>
-              <a:endParaRPr lang="en-US"/>
+              <a:endParaRPr lang="en-US" dirty="0"/>
             </a:p>
           </p:txBody>
         </p:sp>
@@ -19747,7 +20063,7 @@
             <a:bodyPr rtlCol="0" anchor="ctr"/>
             <a:lstStyle/>
             <a:p>
-              <a:endParaRPr lang="en-US"/>
+              <a:endParaRPr lang="en-US" dirty="0"/>
             </a:p>
           </p:txBody>
         </p:sp>
@@ -19834,7 +20150,7 @@
             <a:bodyPr rtlCol="0" anchor="ctr"/>
             <a:lstStyle/>
             <a:p>
-              <a:endParaRPr lang="en-US"/>
+              <a:endParaRPr lang="en-US" dirty="0"/>
             </a:p>
           </p:txBody>
         </p:sp>
@@ -19921,7 +20237,7 @@
             <a:bodyPr rtlCol="0" anchor="ctr"/>
             <a:lstStyle/>
             <a:p>
-              <a:endParaRPr lang="en-US"/>
+              <a:endParaRPr lang="en-US" dirty="0"/>
             </a:p>
           </p:txBody>
         </p:sp>
@@ -20008,7 +20324,7 @@
             <a:bodyPr rtlCol="0" anchor="ctr"/>
             <a:lstStyle/>
             <a:p>
-              <a:endParaRPr lang="en-US"/>
+              <a:endParaRPr lang="en-US" dirty="0"/>
             </a:p>
           </p:txBody>
         </p:sp>
@@ -20130,7 +20446,7 @@
             <a:bodyPr rtlCol="0" anchor="ctr"/>
             <a:lstStyle/>
             <a:p>
-              <a:endParaRPr lang="en-US"/>
+              <a:endParaRPr lang="en-US" dirty="0"/>
             </a:p>
           </p:txBody>
         </p:sp>
@@ -20217,7 +20533,7 @@
             <a:bodyPr rtlCol="0" anchor="ctr"/>
             <a:lstStyle/>
             <a:p>
-              <a:endParaRPr lang="en-US"/>
+              <a:endParaRPr lang="en-US" dirty="0"/>
             </a:p>
           </p:txBody>
         </p:sp>
@@ -20304,7 +20620,7 @@
             <a:bodyPr rtlCol="0" anchor="ctr"/>
             <a:lstStyle/>
             <a:p>
-              <a:endParaRPr lang="en-US"/>
+              <a:endParaRPr lang="en-US" dirty="0"/>
             </a:p>
           </p:txBody>
         </p:sp>
@@ -20391,7 +20707,7 @@
             <a:bodyPr rtlCol="0" anchor="ctr"/>
             <a:lstStyle/>
             <a:p>
-              <a:endParaRPr lang="en-US"/>
+              <a:endParaRPr lang="en-US" dirty="0"/>
             </a:p>
           </p:txBody>
         </p:sp>
@@ -20478,7 +20794,7 @@
             <a:bodyPr rtlCol="0" anchor="ctr"/>
             <a:lstStyle/>
             <a:p>
-              <a:endParaRPr lang="en-US"/>
+              <a:endParaRPr lang="en-US" dirty="0"/>
             </a:p>
           </p:txBody>
         </p:sp>
@@ -20533,7 +20849,7 @@
           <a:lstStyle/>
           <a:p>
             <a:pPr algn="ctr"/>
-            <a:endParaRPr lang="en-IN"/>
+            <a:endParaRPr lang="en-IN" dirty="0"/>
           </a:p>
         </p:txBody>
       </p:sp>
@@ -20797,7 +21113,7 @@
           <a:lstStyle/>
           <a:p>
             <a:pPr algn="ctr"/>
-            <a:endParaRPr lang="en-IN"/>
+            <a:endParaRPr lang="en-IN" dirty="0"/>
           </a:p>
         </p:txBody>
       </p:sp>
@@ -20970,6 +21286,1886 @@
   <p:clrMapOvr>
     <a:masterClrMapping/>
   </p:clrMapOvr>
+  <mc:AlternateContent xmlns:mc="http://schemas.openxmlformats.org/markup-compatibility/2006">
+    <mc:Choice xmlns:p14="http://schemas.microsoft.com/office/powerpoint/2010/main" Requires="p14">
+      <p:transition spd="slow" p14:dur="800">
+        <p14:flythrough/>
+      </p:transition>
+    </mc:Choice>
+    <mc:Fallback>
+      <p:transition spd="slow">
+        <p:fade/>
+      </p:transition>
+    </mc:Fallback>
+  </mc:AlternateContent>
+</p:sld>
+</file>
+
+<file path=ppt/slides/slide32.xml><?xml version="1.0" encoding="utf-8"?>
+<p:sld xmlns:a="http://schemas.openxmlformats.org/drawingml/2006/main" xmlns:r="http://schemas.openxmlformats.org/officeDocument/2006/relationships" xmlns:p="http://schemas.openxmlformats.org/presentationml/2006/main">
+  <p:cSld>
+    <p:spTree>
+      <p:nvGrpSpPr>
+        <p:cNvPr id="1" name=""/>
+        <p:cNvGrpSpPr/>
+        <p:nvPr/>
+      </p:nvGrpSpPr>
+      <p:grpSpPr>
+        <a:xfrm>
+          <a:off x="0" y="0"/>
+          <a:ext cx="0" cy="0"/>
+          <a:chOff x="0" y="0"/>
+          <a:chExt cx="0" cy="0"/>
+        </a:xfrm>
+      </p:grpSpPr>
+      <p:sp>
+        <p:nvSpPr>
+          <p:cNvPr id="2" name="TextBox 1">
+            <a:extLst>
+              <a:ext uri="{FF2B5EF4-FFF2-40B4-BE49-F238E27FC236}">
+                <a16:creationId xmlns:a16="http://schemas.microsoft.com/office/drawing/2014/main" id="{2E4119A0-32D7-AE22-5CCD-4E046F83136F}"/>
+              </a:ext>
+            </a:extLst>
+          </p:cNvPr>
+          <p:cNvSpPr txBox="1"/>
+          <p:nvPr/>
+        </p:nvSpPr>
+        <p:spPr>
+          <a:xfrm>
+            <a:off x="2363585" y="488351"/>
+            <a:ext cx="7464829" cy="3154710"/>
+          </a:xfrm>
+          <a:prstGeom prst="rect">
+            <a:avLst/>
+          </a:prstGeom>
+          <a:noFill/>
+          <a:effectLst>
+            <a:innerShdw blurRad="114300">
+              <a:prstClr val="black"/>
+            </a:innerShdw>
+          </a:effectLst>
+        </p:spPr>
+        <p:txBody>
+          <a:bodyPr wrap="square" rtlCol="0">
+            <a:spAutoFit/>
+          </a:bodyPr>
+          <a:lstStyle/>
+          <a:p>
+            <a:r>
+              <a:rPr lang="en-IN" sz="19900" b="1" dirty="0">
+                <a:pattFill prst="dotGrid">
+                  <a:fgClr>
+                    <a:schemeClr val="accent1"/>
+                  </a:fgClr>
+                  <a:bgClr>
+                    <a:schemeClr val="bg1"/>
+                  </a:bgClr>
+                </a:pattFill>
+                <a:effectLst>
+                  <a:innerShdw blurRad="101600">
+                    <a:schemeClr val="accent3">
+                      <a:lumMod val="60000"/>
+                      <a:lumOff val="40000"/>
+                    </a:schemeClr>
+                  </a:innerShdw>
+                </a:effectLst>
+              </a:rPr>
+              <a:t>OOPS</a:t>
+            </a:r>
+          </a:p>
+        </p:txBody>
+      </p:sp>
+      <p:sp>
+        <p:nvSpPr>
+          <p:cNvPr id="3" name="TextBox 2">
+            <a:extLst>
+              <a:ext uri="{FF2B5EF4-FFF2-40B4-BE49-F238E27FC236}">
+                <a16:creationId xmlns:a16="http://schemas.microsoft.com/office/drawing/2014/main" id="{FF325713-2B1C-9920-47BA-76C2F64B80CE}"/>
+              </a:ext>
+            </a:extLst>
+          </p:cNvPr>
+          <p:cNvSpPr txBox="1"/>
+          <p:nvPr/>
+        </p:nvSpPr>
+        <p:spPr>
+          <a:xfrm>
+            <a:off x="676102" y="3331296"/>
+            <a:ext cx="11011593" cy="830997"/>
+          </a:xfrm>
+          <a:prstGeom prst="rect">
+            <a:avLst/>
+          </a:prstGeom>
+          <a:noFill/>
+        </p:spPr>
+        <p:txBody>
+          <a:bodyPr wrap="square" rtlCol="0">
+            <a:spAutoFit/>
+          </a:bodyPr>
+          <a:lstStyle/>
+          <a:p>
+            <a:r>
+              <a:rPr lang="en-IN" sz="4800" b="1" dirty="0">
+                <a:pattFill prst="pct5">
+                  <a:fgClr>
+                    <a:schemeClr val="accent1"/>
+                  </a:fgClr>
+                  <a:bgClr>
+                    <a:schemeClr val="bg1"/>
+                  </a:bgClr>
+                </a:pattFill>
+                <a:effectLst>
+                  <a:innerShdw blurRad="50800">
+                    <a:prstClr val="black"/>
+                  </a:innerShdw>
+                </a:effectLst>
+              </a:rPr>
+              <a:t>Object-Oriented Programming System</a:t>
+            </a:r>
+            <a:endParaRPr lang="en-IN" sz="7200" b="1" dirty="0">
+              <a:pattFill prst="pct5">
+                <a:fgClr>
+                  <a:schemeClr val="accent1"/>
+                </a:fgClr>
+                <a:bgClr>
+                  <a:schemeClr val="bg1"/>
+                </a:bgClr>
+              </a:pattFill>
+              <a:effectLst>
+                <a:innerShdw blurRad="50800">
+                  <a:prstClr val="black"/>
+                </a:innerShdw>
+              </a:effectLst>
+            </a:endParaRPr>
+          </a:p>
+        </p:txBody>
+      </p:sp>
+    </p:spTree>
+    <p:extLst>
+      <p:ext uri="{BB962C8B-B14F-4D97-AF65-F5344CB8AC3E}">
+        <p14:creationId xmlns:p14="http://schemas.microsoft.com/office/powerpoint/2010/main" val="320443373"/>
+      </p:ext>
+    </p:extLst>
+  </p:cSld>
+  <p:clrMapOvr>
+    <a:masterClrMapping/>
+  </p:clrMapOvr>
+  <mc:AlternateContent xmlns:mc="http://schemas.openxmlformats.org/markup-compatibility/2006">
+    <mc:Choice xmlns:p15="http://schemas.microsoft.com/office/powerpoint/2012/main" Requires="p15">
+      <p:transition xmlns:p14="http://schemas.microsoft.com/office/powerpoint/2010/main" spd="slow" p14:dur="1250">
+        <p15:prstTrans prst="pageCurlDouble"/>
+      </p:transition>
+    </mc:Choice>
+    <mc:Fallback>
+      <p:transition spd="slow">
+        <p:fade/>
+      </p:transition>
+    </mc:Fallback>
+  </mc:AlternateContent>
+</p:sld>
+</file>
+
+<file path=ppt/slides/slide33.xml><?xml version="1.0" encoding="utf-8"?>
+<p:sld xmlns:a="http://schemas.openxmlformats.org/drawingml/2006/main" xmlns:r="http://schemas.openxmlformats.org/officeDocument/2006/relationships" xmlns:p="http://schemas.openxmlformats.org/presentationml/2006/main">
+  <p:cSld>
+    <p:spTree>
+      <p:nvGrpSpPr>
+        <p:cNvPr id="1" name=""/>
+        <p:cNvGrpSpPr/>
+        <p:nvPr/>
+      </p:nvGrpSpPr>
+      <p:grpSpPr>
+        <a:xfrm>
+          <a:off x="0" y="0"/>
+          <a:ext cx="0" cy="0"/>
+          <a:chOff x="0" y="0"/>
+          <a:chExt cx="0" cy="0"/>
+        </a:xfrm>
+      </p:grpSpPr>
+      <p:sp>
+        <p:nvSpPr>
+          <p:cNvPr id="2" name="TextBox 1">
+            <a:extLst>
+              <a:ext uri="{FF2B5EF4-FFF2-40B4-BE49-F238E27FC236}">
+                <a16:creationId xmlns:a16="http://schemas.microsoft.com/office/drawing/2014/main" id="{BF1120F8-64B8-9CA1-17CA-30FB605D5AE3}"/>
+              </a:ext>
+            </a:extLst>
+          </p:cNvPr>
+          <p:cNvSpPr txBox="1"/>
+          <p:nvPr/>
+        </p:nvSpPr>
+        <p:spPr>
+          <a:xfrm>
+            <a:off x="667790" y="2367171"/>
+            <a:ext cx="10856421" cy="2123658"/>
+          </a:xfrm>
+          <a:prstGeom prst="rect">
+            <a:avLst/>
+          </a:prstGeom>
+          <a:noFill/>
+        </p:spPr>
+        <p:txBody>
+          <a:bodyPr wrap="square" rtlCol="0">
+            <a:spAutoFit/>
+          </a:bodyPr>
+          <a:lstStyle/>
+          <a:p>
+            <a:pPr algn="ctr"/>
+            <a:r>
+              <a:rPr lang="en-IN" sz="4400" b="1" dirty="0">
+                <a:solidFill>
+                  <a:schemeClr val="bg1"/>
+                </a:solidFill>
+              </a:rPr>
+              <a:t>A programming paradigm that uses objects and classes to design and implement software solutions.</a:t>
+            </a:r>
+          </a:p>
+        </p:txBody>
+      </p:sp>
+    </p:spTree>
+    <p:extLst>
+      <p:ext uri="{BB962C8B-B14F-4D97-AF65-F5344CB8AC3E}">
+        <p14:creationId xmlns:p14="http://schemas.microsoft.com/office/powerpoint/2010/main" val="1801083399"/>
+      </p:ext>
+    </p:extLst>
+  </p:cSld>
+  <p:clrMapOvr>
+    <a:masterClrMapping/>
+  </p:clrMapOvr>
+  <mc:AlternateContent xmlns:mc="http://schemas.openxmlformats.org/markup-compatibility/2006">
+    <mc:Choice xmlns:p14="http://schemas.microsoft.com/office/powerpoint/2010/main" Requires="p14">
+      <p:transition spd="slow" p14:dur="800">
+        <p14:flythrough/>
+      </p:transition>
+    </mc:Choice>
+    <mc:Fallback>
+      <p:transition spd="slow">
+        <p:fade/>
+      </p:transition>
+    </mc:Fallback>
+  </mc:AlternateContent>
+</p:sld>
+</file>
+
+<file path=ppt/slides/slide34.xml><?xml version="1.0" encoding="utf-8"?>
+<p:sld xmlns:a="http://schemas.openxmlformats.org/drawingml/2006/main" xmlns:r="http://schemas.openxmlformats.org/officeDocument/2006/relationships" xmlns:p="http://schemas.openxmlformats.org/presentationml/2006/main">
+  <p:cSld>
+    <p:spTree>
+      <p:nvGrpSpPr>
+        <p:cNvPr id="1" name="">
+          <a:extLst>
+            <a:ext uri="{FF2B5EF4-FFF2-40B4-BE49-F238E27FC236}">
+              <a16:creationId xmlns:a16="http://schemas.microsoft.com/office/drawing/2014/main" id="{C202D9EA-0724-C5F5-89D6-5298803B2C25}"/>
+            </a:ext>
+          </a:extLst>
+        </p:cNvPr>
+        <p:cNvGrpSpPr/>
+        <p:nvPr/>
+      </p:nvGrpSpPr>
+      <p:grpSpPr>
+        <a:xfrm>
+          <a:off x="0" y="0"/>
+          <a:ext cx="0" cy="0"/>
+          <a:chOff x="0" y="0"/>
+          <a:chExt cx="0" cy="0"/>
+        </a:xfrm>
+      </p:grpSpPr>
+      <p:sp>
+        <p:nvSpPr>
+          <p:cNvPr id="2" name="TextBox 1">
+            <a:extLst>
+              <a:ext uri="{FF2B5EF4-FFF2-40B4-BE49-F238E27FC236}">
+                <a16:creationId xmlns:a16="http://schemas.microsoft.com/office/drawing/2014/main" id="{8A7C2697-E1B7-877D-FDE0-7D0D078309B1}"/>
+              </a:ext>
+            </a:extLst>
+          </p:cNvPr>
+          <p:cNvSpPr txBox="1"/>
+          <p:nvPr/>
+        </p:nvSpPr>
+        <p:spPr>
+          <a:xfrm>
+            <a:off x="3528753" y="2049774"/>
+            <a:ext cx="5134494" cy="4154984"/>
+          </a:xfrm>
+          <a:prstGeom prst="rect">
+            <a:avLst/>
+          </a:prstGeom>
+          <a:noFill/>
+        </p:spPr>
+        <p:txBody>
+          <a:bodyPr wrap="square" rtlCol="0">
+            <a:spAutoFit/>
+          </a:bodyPr>
+          <a:lstStyle/>
+          <a:p>
+            <a:pPr marL="742950" indent="-742950">
+              <a:buAutoNum type="arabicPeriod"/>
+            </a:pPr>
+            <a:r>
+              <a:rPr lang="en-IN" sz="4400" b="1" dirty="0">
+                <a:solidFill>
+                  <a:schemeClr val="bg1"/>
+                </a:solidFill>
+              </a:rPr>
+              <a:t>Class</a:t>
+            </a:r>
+          </a:p>
+          <a:p>
+            <a:pPr marL="742950" indent="-742950">
+              <a:buAutoNum type="arabicPeriod"/>
+            </a:pPr>
+            <a:r>
+              <a:rPr lang="en-IN" sz="4400" b="1" dirty="0">
+                <a:solidFill>
+                  <a:schemeClr val="bg1"/>
+                </a:solidFill>
+              </a:rPr>
+              <a:t>Object</a:t>
+            </a:r>
+          </a:p>
+          <a:p>
+            <a:pPr marL="742950" indent="-742950">
+              <a:buAutoNum type="arabicPeriod"/>
+            </a:pPr>
+            <a:r>
+              <a:rPr lang="en-IN" sz="4400" b="1" dirty="0">
+                <a:solidFill>
+                  <a:schemeClr val="bg1"/>
+                </a:solidFill>
+              </a:rPr>
+              <a:t>Encapsulation</a:t>
+            </a:r>
+          </a:p>
+          <a:p>
+            <a:pPr marL="742950" indent="-742950">
+              <a:buAutoNum type="arabicPeriod"/>
+            </a:pPr>
+            <a:r>
+              <a:rPr lang="en-IN" sz="4400" b="1" dirty="0">
+                <a:solidFill>
+                  <a:schemeClr val="bg1"/>
+                </a:solidFill>
+              </a:rPr>
+              <a:t>Inheritance</a:t>
+            </a:r>
+          </a:p>
+          <a:p>
+            <a:pPr marL="742950" indent="-742950">
+              <a:buAutoNum type="arabicPeriod"/>
+            </a:pPr>
+            <a:r>
+              <a:rPr lang="en-IN" sz="4400" b="1" dirty="0">
+                <a:solidFill>
+                  <a:schemeClr val="bg1"/>
+                </a:solidFill>
+              </a:rPr>
+              <a:t>Polymorphism</a:t>
+            </a:r>
+          </a:p>
+          <a:p>
+            <a:pPr marL="742950" indent="-742950">
+              <a:buAutoNum type="arabicPeriod"/>
+            </a:pPr>
+            <a:r>
+              <a:rPr lang="en-IN" sz="4400" b="1" dirty="0">
+                <a:solidFill>
+                  <a:schemeClr val="bg1"/>
+                </a:solidFill>
+              </a:rPr>
+              <a:t>Abstraction</a:t>
+            </a:r>
+          </a:p>
+        </p:txBody>
+      </p:sp>
+      <p:sp>
+        <p:nvSpPr>
+          <p:cNvPr id="3" name="TextBox 2">
+            <a:extLst>
+              <a:ext uri="{FF2B5EF4-FFF2-40B4-BE49-F238E27FC236}">
+                <a16:creationId xmlns:a16="http://schemas.microsoft.com/office/drawing/2014/main" id="{ACDD4E31-BA6D-B375-A4B9-768531276CA6}"/>
+              </a:ext>
+            </a:extLst>
+          </p:cNvPr>
+          <p:cNvSpPr txBox="1"/>
+          <p:nvPr/>
+        </p:nvSpPr>
+        <p:spPr>
+          <a:xfrm>
+            <a:off x="667790" y="640895"/>
+            <a:ext cx="10856421" cy="1015663"/>
+          </a:xfrm>
+          <a:prstGeom prst="rect">
+            <a:avLst/>
+          </a:prstGeom>
+          <a:noFill/>
+        </p:spPr>
+        <p:txBody>
+          <a:bodyPr wrap="square" rtlCol="0">
+            <a:spAutoFit/>
+          </a:bodyPr>
+          <a:lstStyle/>
+          <a:p>
+            <a:pPr algn="ctr"/>
+            <a:r>
+              <a:rPr lang="en-IN" sz="6000" b="1" dirty="0">
+                <a:solidFill>
+                  <a:schemeClr val="bg1"/>
+                </a:solidFill>
+              </a:rPr>
+              <a:t>Key Concept of OOPS in java </a:t>
+            </a:r>
+          </a:p>
+        </p:txBody>
+      </p:sp>
+    </p:spTree>
+    <p:extLst>
+      <p:ext uri="{BB962C8B-B14F-4D97-AF65-F5344CB8AC3E}">
+        <p14:creationId xmlns:p14="http://schemas.microsoft.com/office/powerpoint/2010/main" val="714946673"/>
+      </p:ext>
+    </p:extLst>
+  </p:cSld>
+  <p:clrMapOvr>
+    <a:masterClrMapping/>
+  </p:clrMapOvr>
+  <mc:AlternateContent xmlns:mc="http://schemas.openxmlformats.org/markup-compatibility/2006">
+    <mc:Choice xmlns:p14="http://schemas.microsoft.com/office/powerpoint/2010/main" Requires="p14">
+      <p:transition spd="slow" p14:dur="800">
+        <p14:flythrough/>
+      </p:transition>
+    </mc:Choice>
+    <mc:Fallback>
+      <p:transition spd="slow">
+        <p:fade/>
+      </p:transition>
+    </mc:Fallback>
+  </mc:AlternateContent>
+</p:sld>
+</file>
+
+<file path=ppt/slides/slide35.xml><?xml version="1.0" encoding="utf-8"?>
+<p:sld xmlns:a="http://schemas.openxmlformats.org/drawingml/2006/main" xmlns:r="http://schemas.openxmlformats.org/officeDocument/2006/relationships" xmlns:p="http://schemas.openxmlformats.org/presentationml/2006/main">
+  <p:cSld>
+    <p:spTree>
+      <p:nvGrpSpPr>
+        <p:cNvPr id="1" name="">
+          <a:extLst>
+            <a:ext uri="{FF2B5EF4-FFF2-40B4-BE49-F238E27FC236}">
+              <a16:creationId xmlns:a16="http://schemas.microsoft.com/office/drawing/2014/main" id="{342AFD7B-2A96-0F54-EB44-6A7248BA0562}"/>
+            </a:ext>
+          </a:extLst>
+        </p:cNvPr>
+        <p:cNvGrpSpPr/>
+        <p:nvPr/>
+      </p:nvGrpSpPr>
+      <p:grpSpPr>
+        <a:xfrm>
+          <a:off x="0" y="0"/>
+          <a:ext cx="0" cy="0"/>
+          <a:chOff x="0" y="0"/>
+          <a:chExt cx="0" cy="0"/>
+        </a:xfrm>
+      </p:grpSpPr>
+      <p:sp>
+        <p:nvSpPr>
+          <p:cNvPr id="2" name="TextBox 1">
+            <a:extLst>
+              <a:ext uri="{FF2B5EF4-FFF2-40B4-BE49-F238E27FC236}">
+                <a16:creationId xmlns:a16="http://schemas.microsoft.com/office/drawing/2014/main" id="{7DC582F1-65C0-7796-2515-5A66091F5B41}"/>
+              </a:ext>
+            </a:extLst>
+          </p:cNvPr>
+          <p:cNvSpPr txBox="1"/>
+          <p:nvPr/>
+        </p:nvSpPr>
+        <p:spPr>
+          <a:xfrm>
+            <a:off x="444731" y="2502943"/>
+            <a:ext cx="11302538" cy="2123658"/>
+          </a:xfrm>
+          <a:prstGeom prst="rect">
+            <a:avLst/>
+          </a:prstGeom>
+          <a:noFill/>
+        </p:spPr>
+        <p:txBody>
+          <a:bodyPr wrap="square" rtlCol="0">
+            <a:spAutoFit/>
+          </a:bodyPr>
+          <a:lstStyle/>
+          <a:p>
+            <a:pPr algn="ctr"/>
+            <a:r>
+              <a:rPr lang="en-IN" sz="4400" b="1" dirty="0">
+                <a:solidFill>
+                  <a:schemeClr val="bg1"/>
+                </a:solidFill>
+              </a:rPr>
+              <a:t>A class is a blueprint for creating objects. It defines the structure (fields) and behavior (methods) of object</a:t>
+            </a:r>
+          </a:p>
+        </p:txBody>
+      </p:sp>
+      <p:sp>
+        <p:nvSpPr>
+          <p:cNvPr id="3" name="TextBox 2">
+            <a:extLst>
+              <a:ext uri="{FF2B5EF4-FFF2-40B4-BE49-F238E27FC236}">
+                <a16:creationId xmlns:a16="http://schemas.microsoft.com/office/drawing/2014/main" id="{EBD4C3E4-6376-A51C-901B-CECA9FCF2BE6}"/>
+              </a:ext>
+            </a:extLst>
+          </p:cNvPr>
+          <p:cNvSpPr txBox="1"/>
+          <p:nvPr/>
+        </p:nvSpPr>
+        <p:spPr>
+          <a:xfrm>
+            <a:off x="667790" y="574395"/>
+            <a:ext cx="10856421" cy="2215991"/>
+          </a:xfrm>
+          <a:prstGeom prst="rect">
+            <a:avLst/>
+          </a:prstGeom>
+          <a:noFill/>
+        </p:spPr>
+        <p:txBody>
+          <a:bodyPr wrap="square" rtlCol="0">
+            <a:spAutoFit/>
+          </a:bodyPr>
+          <a:lstStyle/>
+          <a:p>
+            <a:pPr algn="ctr"/>
+            <a:r>
+              <a:rPr lang="en-IN" sz="13800" b="1" dirty="0">
+                <a:solidFill>
+                  <a:schemeClr val="bg1"/>
+                </a:solidFill>
+              </a:rPr>
+              <a:t>Class</a:t>
+            </a:r>
+          </a:p>
+        </p:txBody>
+      </p:sp>
+    </p:spTree>
+    <p:extLst>
+      <p:ext uri="{BB962C8B-B14F-4D97-AF65-F5344CB8AC3E}">
+        <p14:creationId xmlns:p14="http://schemas.microsoft.com/office/powerpoint/2010/main" val="3946319633"/>
+      </p:ext>
+    </p:extLst>
+  </p:cSld>
+  <p:clrMapOvr>
+    <a:masterClrMapping/>
+  </p:clrMapOvr>
+  <mc:AlternateContent xmlns:mc="http://schemas.openxmlformats.org/markup-compatibility/2006">
+    <mc:Choice xmlns:p14="http://schemas.microsoft.com/office/powerpoint/2010/main" Requires="p14">
+      <p:transition spd="slow" p14:dur="800">
+        <p14:flythrough/>
+      </p:transition>
+    </mc:Choice>
+    <mc:Fallback>
+      <p:transition spd="slow">
+        <p:fade/>
+      </p:transition>
+    </mc:Fallback>
+  </mc:AlternateContent>
+</p:sld>
+</file>
+
+<file path=ppt/slides/slide36.xml><?xml version="1.0" encoding="utf-8"?>
+<p:sld xmlns:a="http://schemas.openxmlformats.org/drawingml/2006/main" xmlns:r="http://schemas.openxmlformats.org/officeDocument/2006/relationships" xmlns:p="http://schemas.openxmlformats.org/presentationml/2006/main">
+  <p:cSld>
+    <p:spTree>
+      <p:nvGrpSpPr>
+        <p:cNvPr id="1" name="">
+          <a:extLst>
+            <a:ext uri="{FF2B5EF4-FFF2-40B4-BE49-F238E27FC236}">
+              <a16:creationId xmlns:a16="http://schemas.microsoft.com/office/drawing/2014/main" id="{61B63807-5D4B-A338-8484-170DC64D822D}"/>
+            </a:ext>
+          </a:extLst>
+        </p:cNvPr>
+        <p:cNvGrpSpPr/>
+        <p:nvPr/>
+      </p:nvGrpSpPr>
+      <p:grpSpPr>
+        <a:xfrm>
+          <a:off x="0" y="0"/>
+          <a:ext cx="0" cy="0"/>
+          <a:chOff x="0" y="0"/>
+          <a:chExt cx="0" cy="0"/>
+        </a:xfrm>
+      </p:grpSpPr>
+      <p:sp>
+        <p:nvSpPr>
+          <p:cNvPr id="3" name="TextBox 2">
+            <a:extLst>
+              <a:ext uri="{FF2B5EF4-FFF2-40B4-BE49-F238E27FC236}">
+                <a16:creationId xmlns:a16="http://schemas.microsoft.com/office/drawing/2014/main" id="{201137AE-BE9A-471D-97F5-0A564B808D0D}"/>
+              </a:ext>
+            </a:extLst>
+          </p:cNvPr>
+          <p:cNvSpPr txBox="1"/>
+          <p:nvPr/>
+        </p:nvSpPr>
+        <p:spPr>
+          <a:xfrm>
+            <a:off x="667790" y="107035"/>
+            <a:ext cx="10856421" cy="2215991"/>
+          </a:xfrm>
+          <a:prstGeom prst="rect">
+            <a:avLst/>
+          </a:prstGeom>
+          <a:noFill/>
+        </p:spPr>
+        <p:txBody>
+          <a:bodyPr wrap="square" rtlCol="0">
+            <a:spAutoFit/>
+          </a:bodyPr>
+          <a:lstStyle/>
+          <a:p>
+            <a:pPr algn="ctr"/>
+            <a:r>
+              <a:rPr lang="en-IN" sz="13800" b="1" dirty="0">
+                <a:solidFill>
+                  <a:schemeClr val="bg1"/>
+                </a:solidFill>
+              </a:rPr>
+              <a:t>Class</a:t>
+            </a:r>
+          </a:p>
+        </p:txBody>
+      </p:sp>
+      <p:sp>
+        <p:nvSpPr>
+          <p:cNvPr id="4" name="Rectangle: Rounded Corners 3">
+            <a:extLst>
+              <a:ext uri="{FF2B5EF4-FFF2-40B4-BE49-F238E27FC236}">
+                <a16:creationId xmlns:a16="http://schemas.microsoft.com/office/drawing/2014/main" id="{73DF0E45-F57C-49FA-BFC6-196D8BA1A3F4}"/>
+              </a:ext>
+            </a:extLst>
+          </p:cNvPr>
+          <p:cNvSpPr/>
+          <p:nvPr/>
+        </p:nvSpPr>
+        <p:spPr>
+          <a:xfrm>
+            <a:off x="2185749" y="2295541"/>
+            <a:ext cx="6704251" cy="3140977"/>
+          </a:xfrm>
+          <a:prstGeom prst="roundRect">
+            <a:avLst>
+              <a:gd name="adj" fmla="val 4667"/>
+            </a:avLst>
+          </a:prstGeom>
+          <a:solidFill>
+            <a:schemeClr val="tx1">
+              <a:lumMod val="75000"/>
+              <a:lumOff val="25000"/>
+            </a:schemeClr>
+          </a:solidFill>
+        </p:spPr>
+        <p:style>
+          <a:lnRef idx="2">
+            <a:schemeClr val="accent1">
+              <a:shade val="15000"/>
+            </a:schemeClr>
+          </a:lnRef>
+          <a:fillRef idx="1">
+            <a:schemeClr val="accent1"/>
+          </a:fillRef>
+          <a:effectRef idx="0">
+            <a:schemeClr val="accent1"/>
+          </a:effectRef>
+          <a:fontRef idx="minor">
+            <a:schemeClr val="lt1"/>
+          </a:fontRef>
+        </p:style>
+        <p:txBody>
+          <a:bodyPr rtlCol="0" anchor="ctr"/>
+          <a:lstStyle/>
+          <a:p>
+            <a:pPr algn="ctr"/>
+            <a:endParaRPr lang="en-IN" dirty="0"/>
+          </a:p>
+        </p:txBody>
+      </p:sp>
+      <p:grpSp>
+        <p:nvGrpSpPr>
+          <p:cNvPr id="5" name="Group 4">
+            <a:extLst>
+              <a:ext uri="{FF2B5EF4-FFF2-40B4-BE49-F238E27FC236}">
+                <a16:creationId xmlns:a16="http://schemas.microsoft.com/office/drawing/2014/main" id="{6EC93812-D07C-5872-60DF-86F318EA157A}"/>
+              </a:ext>
+            </a:extLst>
+          </p:cNvPr>
+          <p:cNvGrpSpPr/>
+          <p:nvPr/>
+        </p:nvGrpSpPr>
+        <p:grpSpPr>
+          <a:xfrm>
+            <a:off x="2422766" y="2532467"/>
+            <a:ext cx="677316" cy="173888"/>
+            <a:chOff x="2494800" y="1449970"/>
+            <a:chExt cx="788035" cy="203835"/>
+          </a:xfrm>
+        </p:grpSpPr>
+        <p:sp>
+          <p:nvSpPr>
+            <p:cNvPr id="6" name="Oval 5">
+              <a:extLst>
+                <a:ext uri="{FF2B5EF4-FFF2-40B4-BE49-F238E27FC236}">
+                  <a16:creationId xmlns:a16="http://schemas.microsoft.com/office/drawing/2014/main" id="{53C5B145-F6DC-4F85-4FCE-B9CE7FD0C2F2}"/>
+                </a:ext>
+              </a:extLst>
+            </p:cNvPr>
+            <p:cNvSpPr/>
+            <p:nvPr/>
+          </p:nvSpPr>
+          <p:spPr>
+            <a:xfrm>
+              <a:off x="2494800" y="1449970"/>
+              <a:ext cx="203835" cy="203835"/>
+            </a:xfrm>
+            <a:prstGeom prst="ellipse">
+              <a:avLst/>
+            </a:prstGeom>
+            <a:solidFill>
+              <a:schemeClr val="accent2"/>
+            </a:solidFill>
+          </p:spPr>
+          <p:style>
+            <a:lnRef idx="2">
+              <a:schemeClr val="accent1">
+                <a:shade val="15000"/>
+              </a:schemeClr>
+            </a:lnRef>
+            <a:fillRef idx="1">
+              <a:schemeClr val="accent1"/>
+            </a:fillRef>
+            <a:effectRef idx="0">
+              <a:schemeClr val="accent1"/>
+            </a:effectRef>
+            <a:fontRef idx="minor">
+              <a:schemeClr val="lt1"/>
+            </a:fontRef>
+          </p:style>
+          <p:txBody>
+            <a:bodyPr rtlCol="0" anchor="ctr"/>
+            <a:lstStyle/>
+            <a:p>
+              <a:pPr algn="ctr"/>
+              <a:endParaRPr lang="en-IN" dirty="0"/>
+            </a:p>
+          </p:txBody>
+        </p:sp>
+        <p:sp>
+          <p:nvSpPr>
+            <p:cNvPr id="7" name="Oval 6">
+              <a:extLst>
+                <a:ext uri="{FF2B5EF4-FFF2-40B4-BE49-F238E27FC236}">
+                  <a16:creationId xmlns:a16="http://schemas.microsoft.com/office/drawing/2014/main" id="{E561E867-8FB1-35FA-081D-CC55FA30ACAE}"/>
+                </a:ext>
+              </a:extLst>
+            </p:cNvPr>
+            <p:cNvSpPr/>
+            <p:nvPr/>
+          </p:nvSpPr>
+          <p:spPr>
+            <a:xfrm>
+              <a:off x="2786900" y="1449970"/>
+              <a:ext cx="203835" cy="203835"/>
+            </a:xfrm>
+            <a:prstGeom prst="ellipse">
+              <a:avLst/>
+            </a:prstGeom>
+            <a:solidFill>
+              <a:srgbClr val="FFC000"/>
+            </a:solidFill>
+          </p:spPr>
+          <p:style>
+            <a:lnRef idx="2">
+              <a:schemeClr val="accent1">
+                <a:shade val="15000"/>
+              </a:schemeClr>
+            </a:lnRef>
+            <a:fillRef idx="1">
+              <a:schemeClr val="accent1"/>
+            </a:fillRef>
+            <a:effectRef idx="0">
+              <a:schemeClr val="accent1"/>
+            </a:effectRef>
+            <a:fontRef idx="minor">
+              <a:schemeClr val="lt1"/>
+            </a:fontRef>
+          </p:style>
+          <p:txBody>
+            <a:bodyPr rtlCol="0" anchor="ctr"/>
+            <a:lstStyle/>
+            <a:p>
+              <a:pPr algn="ctr"/>
+              <a:endParaRPr lang="en-IN" dirty="0"/>
+            </a:p>
+          </p:txBody>
+        </p:sp>
+        <p:sp>
+          <p:nvSpPr>
+            <p:cNvPr id="8" name="Oval 7">
+              <a:extLst>
+                <a:ext uri="{FF2B5EF4-FFF2-40B4-BE49-F238E27FC236}">
+                  <a16:creationId xmlns:a16="http://schemas.microsoft.com/office/drawing/2014/main" id="{9372B4F1-25E3-0C7B-B6F2-365D5B28C150}"/>
+                </a:ext>
+              </a:extLst>
+            </p:cNvPr>
+            <p:cNvSpPr/>
+            <p:nvPr/>
+          </p:nvSpPr>
+          <p:spPr>
+            <a:xfrm>
+              <a:off x="3079000" y="1449970"/>
+              <a:ext cx="203835" cy="203835"/>
+            </a:xfrm>
+            <a:prstGeom prst="ellipse">
+              <a:avLst/>
+            </a:prstGeom>
+            <a:solidFill>
+              <a:schemeClr val="accent6"/>
+            </a:solidFill>
+          </p:spPr>
+          <p:style>
+            <a:lnRef idx="2">
+              <a:schemeClr val="accent1">
+                <a:shade val="15000"/>
+              </a:schemeClr>
+            </a:lnRef>
+            <a:fillRef idx="1">
+              <a:schemeClr val="accent1"/>
+            </a:fillRef>
+            <a:effectRef idx="0">
+              <a:schemeClr val="accent1"/>
+            </a:effectRef>
+            <a:fontRef idx="minor">
+              <a:schemeClr val="lt1"/>
+            </a:fontRef>
+          </p:style>
+          <p:txBody>
+            <a:bodyPr rtlCol="0" anchor="ctr"/>
+            <a:lstStyle/>
+            <a:p>
+              <a:pPr algn="ctr"/>
+              <a:endParaRPr lang="en-IN" dirty="0"/>
+            </a:p>
+          </p:txBody>
+        </p:sp>
+      </p:grpSp>
+      <p:sp>
+        <p:nvSpPr>
+          <p:cNvPr id="9" name="TextBox 8">
+            <a:extLst>
+              <a:ext uri="{FF2B5EF4-FFF2-40B4-BE49-F238E27FC236}">
+                <a16:creationId xmlns:a16="http://schemas.microsoft.com/office/drawing/2014/main" id="{E575C4AF-975F-EAFA-7C05-E58D140E6B14}"/>
+              </a:ext>
+            </a:extLst>
+          </p:cNvPr>
+          <p:cNvSpPr txBox="1"/>
+          <p:nvPr/>
+        </p:nvSpPr>
+        <p:spPr>
+          <a:xfrm>
+            <a:off x="2534514" y="2860229"/>
+            <a:ext cx="6006721" cy="2308324"/>
+          </a:xfrm>
+          <a:prstGeom prst="rect">
+            <a:avLst/>
+          </a:prstGeom>
+          <a:noFill/>
+        </p:spPr>
+        <p:txBody>
+          <a:bodyPr wrap="square" rtlCol="0">
+            <a:spAutoFit/>
+          </a:bodyPr>
+          <a:lstStyle/>
+          <a:p>
+            <a:r>
+              <a:rPr lang="en-IN" dirty="0">
+                <a:solidFill>
+                  <a:schemeClr val="accent2">
+                    <a:lumMod val="75000"/>
+                  </a:schemeClr>
+                </a:solidFill>
+              </a:rPr>
+              <a:t>Class</a:t>
+            </a:r>
+            <a:r>
+              <a:rPr lang="en-IN" dirty="0">
+                <a:solidFill>
+                  <a:schemeClr val="bg1"/>
+                </a:solidFill>
+              </a:rPr>
+              <a:t> </a:t>
+            </a:r>
+            <a:r>
+              <a:rPr lang="en-IN" dirty="0">
+                <a:solidFill>
+                  <a:srgbClr val="FFFF00"/>
+                </a:solidFill>
+              </a:rPr>
+              <a:t>Car</a:t>
+            </a:r>
+            <a:r>
+              <a:rPr lang="en-IN" dirty="0">
+                <a:solidFill>
+                  <a:schemeClr val="bg1"/>
+                </a:solidFill>
+              </a:rPr>
+              <a:t>  {</a:t>
+            </a:r>
+          </a:p>
+          <a:p>
+            <a:r>
+              <a:rPr lang="en-IN" dirty="0">
+                <a:solidFill>
+                  <a:schemeClr val="bg1"/>
+                </a:solidFill>
+              </a:rPr>
+              <a:t>	String </a:t>
+            </a:r>
+            <a:r>
+              <a:rPr lang="en-IN" dirty="0">
+                <a:solidFill>
+                  <a:schemeClr val="accent4">
+                    <a:lumMod val="60000"/>
+                    <a:lumOff val="40000"/>
+                  </a:schemeClr>
+                </a:solidFill>
+              </a:rPr>
+              <a:t>color</a:t>
+            </a:r>
+            <a:r>
+              <a:rPr lang="en-IN" dirty="0">
+                <a:solidFill>
+                  <a:schemeClr val="bg1"/>
+                </a:solidFill>
+              </a:rPr>
+              <a:t>;</a:t>
+            </a:r>
+          </a:p>
+          <a:p>
+            <a:r>
+              <a:rPr lang="en-IN" dirty="0">
+                <a:solidFill>
+                  <a:schemeClr val="bg1"/>
+                </a:solidFill>
+              </a:rPr>
+              <a:t>	int  </a:t>
+            </a:r>
+            <a:r>
+              <a:rPr lang="en-IN" dirty="0">
+                <a:solidFill>
+                  <a:schemeClr val="accent4">
+                    <a:lumMod val="60000"/>
+                    <a:lumOff val="40000"/>
+                  </a:schemeClr>
+                </a:solidFill>
+              </a:rPr>
+              <a:t>speed</a:t>
+            </a:r>
+            <a:r>
+              <a:rPr lang="en-IN" dirty="0">
+                <a:solidFill>
+                  <a:schemeClr val="bg1"/>
+                </a:solidFill>
+              </a:rPr>
+              <a:t>;</a:t>
+            </a:r>
+          </a:p>
+          <a:p>
+            <a:endParaRPr lang="en-IN" dirty="0">
+              <a:solidFill>
+                <a:schemeClr val="bg1"/>
+              </a:solidFill>
+            </a:endParaRPr>
+          </a:p>
+          <a:p>
+            <a:r>
+              <a:rPr lang="en-IN" dirty="0">
+                <a:solidFill>
+                  <a:schemeClr val="bg1"/>
+                </a:solidFill>
+              </a:rPr>
+              <a:t>	void  drive( ) {</a:t>
+            </a:r>
+          </a:p>
+          <a:p>
+            <a:r>
+              <a:rPr lang="en-IN" dirty="0">
+                <a:solidFill>
+                  <a:schemeClr val="bg1"/>
+                </a:solidFill>
+              </a:rPr>
+              <a:t>		</a:t>
+            </a:r>
+            <a:r>
+              <a:rPr lang="en-IN" dirty="0">
+                <a:solidFill>
+                  <a:schemeClr val="accent4">
+                    <a:lumMod val="60000"/>
+                    <a:lumOff val="40000"/>
+                  </a:schemeClr>
+                </a:solidFill>
+              </a:rPr>
+              <a:t>System</a:t>
+            </a:r>
+            <a:r>
+              <a:rPr lang="en-IN" dirty="0">
+                <a:solidFill>
+                  <a:schemeClr val="bg1"/>
+                </a:solidFill>
+              </a:rPr>
+              <a:t>.</a:t>
+            </a:r>
+            <a:r>
+              <a:rPr lang="en-IN" dirty="0">
+                <a:solidFill>
+                  <a:schemeClr val="accent4">
+                    <a:lumMod val="60000"/>
+                    <a:lumOff val="40000"/>
+                  </a:schemeClr>
+                </a:solidFill>
+              </a:rPr>
+              <a:t>out</a:t>
+            </a:r>
+            <a:r>
+              <a:rPr lang="en-IN" dirty="0">
+                <a:solidFill>
+                  <a:schemeClr val="bg1"/>
+                </a:solidFill>
+              </a:rPr>
+              <a:t>.</a:t>
+            </a:r>
+            <a:r>
+              <a:rPr lang="en-IN" dirty="0">
+                <a:solidFill>
+                  <a:schemeClr val="accent4">
+                    <a:lumMod val="60000"/>
+                    <a:lumOff val="40000"/>
+                  </a:schemeClr>
+                </a:solidFill>
+              </a:rPr>
+              <a:t>println</a:t>
+            </a:r>
+            <a:r>
+              <a:rPr lang="en-IN" dirty="0">
+                <a:solidFill>
+                  <a:schemeClr val="bg1"/>
+                </a:solidFill>
+              </a:rPr>
+              <a:t>(</a:t>
+            </a:r>
+            <a:r>
+              <a:rPr lang="en-IN" dirty="0">
+                <a:solidFill>
+                  <a:srgbClr val="FFFF00"/>
+                </a:solidFill>
+              </a:rPr>
+              <a:t>“Car is driving”</a:t>
+            </a:r>
+            <a:r>
+              <a:rPr lang="en-IN" dirty="0">
+                <a:solidFill>
+                  <a:schemeClr val="bg1"/>
+                </a:solidFill>
+              </a:rPr>
+              <a:t>) ;</a:t>
+            </a:r>
+          </a:p>
+          <a:p>
+            <a:r>
+              <a:rPr lang="en-IN" dirty="0">
+                <a:solidFill>
+                  <a:schemeClr val="bg1"/>
+                </a:solidFill>
+              </a:rPr>
+              <a:t>	}</a:t>
+            </a:r>
+          </a:p>
+          <a:p>
+            <a:r>
+              <a:rPr lang="en-IN" dirty="0">
+                <a:solidFill>
+                  <a:schemeClr val="bg1"/>
+                </a:solidFill>
+              </a:rPr>
+              <a:t>}</a:t>
+            </a:r>
+          </a:p>
+        </p:txBody>
+      </p:sp>
+    </p:spTree>
+    <p:extLst>
+      <p:ext uri="{BB962C8B-B14F-4D97-AF65-F5344CB8AC3E}">
+        <p14:creationId xmlns:p14="http://schemas.microsoft.com/office/powerpoint/2010/main" val="1640035344"/>
+      </p:ext>
+    </p:extLst>
+  </p:cSld>
+  <p:clrMapOvr>
+    <a:masterClrMapping/>
+  </p:clrMapOvr>
+  <mc:AlternateContent xmlns:mc="http://schemas.openxmlformats.org/markup-compatibility/2006">
+    <mc:Choice xmlns:p14="http://schemas.microsoft.com/office/powerpoint/2010/main" Requires="p14">
+      <p:transition spd="slow" p14:dur="800">
+        <p14:flythrough/>
+      </p:transition>
+    </mc:Choice>
+    <mc:Fallback>
+      <p:transition spd="slow">
+        <p:fade/>
+      </p:transition>
+    </mc:Fallback>
+  </mc:AlternateContent>
+</p:sld>
+</file>
+
+<file path=ppt/slides/slide37.xml><?xml version="1.0" encoding="utf-8"?>
+<p:sld xmlns:a="http://schemas.openxmlformats.org/drawingml/2006/main" xmlns:r="http://schemas.openxmlformats.org/officeDocument/2006/relationships" xmlns:p="http://schemas.openxmlformats.org/presentationml/2006/main">
+  <p:cSld>
+    <p:spTree>
+      <p:nvGrpSpPr>
+        <p:cNvPr id="1" name="">
+          <a:extLst>
+            <a:ext uri="{FF2B5EF4-FFF2-40B4-BE49-F238E27FC236}">
+              <a16:creationId xmlns:a16="http://schemas.microsoft.com/office/drawing/2014/main" id="{63C00CED-61D8-82B5-8FBB-A631A5FFD192}"/>
+            </a:ext>
+          </a:extLst>
+        </p:cNvPr>
+        <p:cNvGrpSpPr/>
+        <p:nvPr/>
+      </p:nvGrpSpPr>
+      <p:grpSpPr>
+        <a:xfrm>
+          <a:off x="0" y="0"/>
+          <a:ext cx="0" cy="0"/>
+          <a:chOff x="0" y="0"/>
+          <a:chExt cx="0" cy="0"/>
+        </a:xfrm>
+      </p:grpSpPr>
+      <p:sp>
+        <p:nvSpPr>
+          <p:cNvPr id="2" name="TextBox 1">
+            <a:extLst>
+              <a:ext uri="{FF2B5EF4-FFF2-40B4-BE49-F238E27FC236}">
+                <a16:creationId xmlns:a16="http://schemas.microsoft.com/office/drawing/2014/main" id="{0F8119B8-99C5-F2B6-6BC7-6ED07F276B80}"/>
+              </a:ext>
+            </a:extLst>
+          </p:cNvPr>
+          <p:cNvSpPr txBox="1"/>
+          <p:nvPr/>
+        </p:nvSpPr>
+        <p:spPr>
+          <a:xfrm>
+            <a:off x="444731" y="2445793"/>
+            <a:ext cx="11302538" cy="2308324"/>
+          </a:xfrm>
+          <a:prstGeom prst="rect">
+            <a:avLst/>
+          </a:prstGeom>
+          <a:noFill/>
+        </p:spPr>
+        <p:txBody>
+          <a:bodyPr wrap="square" rtlCol="0">
+            <a:spAutoFit/>
+          </a:bodyPr>
+          <a:lstStyle/>
+          <a:p>
+            <a:pPr algn="ctr"/>
+            <a:r>
+              <a:rPr lang="en-IN" sz="4800" dirty="0">
+                <a:solidFill>
+                  <a:schemeClr val="bg1"/>
+                </a:solidFill>
+              </a:rPr>
+              <a:t>An object is an instance of a class. It represents a real-world entity and has attributes and behaviours.</a:t>
+            </a:r>
+          </a:p>
+        </p:txBody>
+      </p:sp>
+      <p:sp>
+        <p:nvSpPr>
+          <p:cNvPr id="3" name="TextBox 2">
+            <a:extLst>
+              <a:ext uri="{FF2B5EF4-FFF2-40B4-BE49-F238E27FC236}">
+                <a16:creationId xmlns:a16="http://schemas.microsoft.com/office/drawing/2014/main" id="{5A0A51D5-0690-FDE1-F9D6-BEB07B42F8DA}"/>
+              </a:ext>
+            </a:extLst>
+          </p:cNvPr>
+          <p:cNvSpPr txBox="1"/>
+          <p:nvPr/>
+        </p:nvSpPr>
+        <p:spPr>
+          <a:xfrm>
+            <a:off x="667790" y="2895"/>
+            <a:ext cx="10856421" cy="2215991"/>
+          </a:xfrm>
+          <a:prstGeom prst="rect">
+            <a:avLst/>
+          </a:prstGeom>
+          <a:noFill/>
+        </p:spPr>
+        <p:txBody>
+          <a:bodyPr wrap="square" rtlCol="0">
+            <a:spAutoFit/>
+          </a:bodyPr>
+          <a:lstStyle/>
+          <a:p>
+            <a:pPr algn="ctr"/>
+            <a:r>
+              <a:rPr lang="en-IN" sz="13800" b="1" dirty="0">
+                <a:solidFill>
+                  <a:schemeClr val="bg1"/>
+                </a:solidFill>
+              </a:rPr>
+              <a:t>Object</a:t>
+            </a:r>
+          </a:p>
+        </p:txBody>
+      </p:sp>
+    </p:spTree>
+    <p:extLst>
+      <p:ext uri="{BB962C8B-B14F-4D97-AF65-F5344CB8AC3E}">
+        <p14:creationId xmlns:p14="http://schemas.microsoft.com/office/powerpoint/2010/main" val="2975460776"/>
+      </p:ext>
+    </p:extLst>
+  </p:cSld>
+  <p:clrMapOvr>
+    <a:masterClrMapping/>
+  </p:clrMapOvr>
+  <mc:AlternateContent xmlns:mc="http://schemas.openxmlformats.org/markup-compatibility/2006">
+    <mc:Choice xmlns:p14="http://schemas.microsoft.com/office/powerpoint/2010/main" Requires="p14">
+      <p:transition spd="slow" p14:dur="800">
+        <p14:flythrough/>
+      </p:transition>
+    </mc:Choice>
+    <mc:Fallback>
+      <p:transition spd="slow">
+        <p:fade/>
+      </p:transition>
+    </mc:Fallback>
+  </mc:AlternateContent>
+</p:sld>
+</file>
+
+<file path=ppt/slides/slide38.xml><?xml version="1.0" encoding="utf-8"?>
+<p:sld xmlns:a="http://schemas.openxmlformats.org/drawingml/2006/main" xmlns:r="http://schemas.openxmlformats.org/officeDocument/2006/relationships" xmlns:p="http://schemas.openxmlformats.org/presentationml/2006/main">
+  <p:cSld>
+    <p:spTree>
+      <p:nvGrpSpPr>
+        <p:cNvPr id="1" name="">
+          <a:extLst>
+            <a:ext uri="{FF2B5EF4-FFF2-40B4-BE49-F238E27FC236}">
+              <a16:creationId xmlns:a16="http://schemas.microsoft.com/office/drawing/2014/main" id="{66D20225-A225-FD84-1654-72997628E06E}"/>
+            </a:ext>
+          </a:extLst>
+        </p:cNvPr>
+        <p:cNvGrpSpPr/>
+        <p:nvPr/>
+      </p:nvGrpSpPr>
+      <p:grpSpPr>
+        <a:xfrm>
+          <a:off x="0" y="0"/>
+          <a:ext cx="0" cy="0"/>
+          <a:chOff x="0" y="0"/>
+          <a:chExt cx="0" cy="0"/>
+        </a:xfrm>
+      </p:grpSpPr>
+      <p:sp>
+        <p:nvSpPr>
+          <p:cNvPr id="3" name="TextBox 2">
+            <a:extLst>
+              <a:ext uri="{FF2B5EF4-FFF2-40B4-BE49-F238E27FC236}">
+                <a16:creationId xmlns:a16="http://schemas.microsoft.com/office/drawing/2014/main" id="{53E3ADDB-BE03-2C81-6F35-70195B1BD3B2}"/>
+              </a:ext>
+            </a:extLst>
+          </p:cNvPr>
+          <p:cNvSpPr txBox="1"/>
+          <p:nvPr/>
+        </p:nvSpPr>
+        <p:spPr>
+          <a:xfrm>
+            <a:off x="667790" y="107035"/>
+            <a:ext cx="10856421" cy="2215991"/>
+          </a:xfrm>
+          <a:prstGeom prst="rect">
+            <a:avLst/>
+          </a:prstGeom>
+          <a:noFill/>
+        </p:spPr>
+        <p:txBody>
+          <a:bodyPr wrap="square" rtlCol="0">
+            <a:spAutoFit/>
+          </a:bodyPr>
+          <a:lstStyle/>
+          <a:p>
+            <a:pPr algn="ctr"/>
+            <a:r>
+              <a:rPr lang="en-IN" sz="13800" b="1" dirty="0">
+                <a:solidFill>
+                  <a:schemeClr val="bg1"/>
+                </a:solidFill>
+              </a:rPr>
+              <a:t>Object</a:t>
+            </a:r>
+          </a:p>
+        </p:txBody>
+      </p:sp>
+      <p:sp>
+        <p:nvSpPr>
+          <p:cNvPr id="4" name="Rectangle: Rounded Corners 3">
+            <a:extLst>
+              <a:ext uri="{FF2B5EF4-FFF2-40B4-BE49-F238E27FC236}">
+                <a16:creationId xmlns:a16="http://schemas.microsoft.com/office/drawing/2014/main" id="{283A8882-2BD7-5780-DE78-DC481042AEDC}"/>
+              </a:ext>
+            </a:extLst>
+          </p:cNvPr>
+          <p:cNvSpPr/>
+          <p:nvPr/>
+        </p:nvSpPr>
+        <p:spPr>
+          <a:xfrm>
+            <a:off x="3393518" y="2600340"/>
+            <a:ext cx="5404965" cy="2981309"/>
+          </a:xfrm>
+          <a:prstGeom prst="roundRect">
+            <a:avLst>
+              <a:gd name="adj" fmla="val 4667"/>
+            </a:avLst>
+          </a:prstGeom>
+          <a:solidFill>
+            <a:schemeClr val="tx1">
+              <a:lumMod val="75000"/>
+              <a:lumOff val="25000"/>
+            </a:schemeClr>
+          </a:solidFill>
+        </p:spPr>
+        <p:style>
+          <a:lnRef idx="2">
+            <a:schemeClr val="accent1">
+              <a:shade val="15000"/>
+            </a:schemeClr>
+          </a:lnRef>
+          <a:fillRef idx="1">
+            <a:schemeClr val="accent1"/>
+          </a:fillRef>
+          <a:effectRef idx="0">
+            <a:schemeClr val="accent1"/>
+          </a:effectRef>
+          <a:fontRef idx="minor">
+            <a:schemeClr val="lt1"/>
+          </a:fontRef>
+        </p:style>
+        <p:txBody>
+          <a:bodyPr rtlCol="0" anchor="ctr"/>
+          <a:lstStyle/>
+          <a:p>
+            <a:pPr algn="ctr"/>
+            <a:endParaRPr lang="en-IN" dirty="0"/>
+          </a:p>
+        </p:txBody>
+      </p:sp>
+      <p:grpSp>
+        <p:nvGrpSpPr>
+          <p:cNvPr id="5" name="Group 4">
+            <a:extLst>
+              <a:ext uri="{FF2B5EF4-FFF2-40B4-BE49-F238E27FC236}">
+                <a16:creationId xmlns:a16="http://schemas.microsoft.com/office/drawing/2014/main" id="{FB5B6E61-979D-3568-ECB1-574192D6A315}"/>
+              </a:ext>
+            </a:extLst>
+          </p:cNvPr>
+          <p:cNvGrpSpPr/>
+          <p:nvPr/>
+        </p:nvGrpSpPr>
+        <p:grpSpPr>
+          <a:xfrm>
+            <a:off x="3603866" y="2818217"/>
+            <a:ext cx="1326274" cy="344083"/>
+            <a:chOff x="2494800" y="1449970"/>
+            <a:chExt cx="788035" cy="203835"/>
+          </a:xfrm>
+        </p:grpSpPr>
+        <p:sp>
+          <p:nvSpPr>
+            <p:cNvPr id="6" name="Oval 5">
+              <a:extLst>
+                <a:ext uri="{FF2B5EF4-FFF2-40B4-BE49-F238E27FC236}">
+                  <a16:creationId xmlns:a16="http://schemas.microsoft.com/office/drawing/2014/main" id="{780C5089-160A-EECF-AB6C-BD4A20CBD58E}"/>
+                </a:ext>
+              </a:extLst>
+            </p:cNvPr>
+            <p:cNvSpPr/>
+            <p:nvPr/>
+          </p:nvSpPr>
+          <p:spPr>
+            <a:xfrm>
+              <a:off x="2494800" y="1449970"/>
+              <a:ext cx="203835" cy="203835"/>
+            </a:xfrm>
+            <a:prstGeom prst="ellipse">
+              <a:avLst/>
+            </a:prstGeom>
+            <a:solidFill>
+              <a:schemeClr val="accent2"/>
+            </a:solidFill>
+          </p:spPr>
+          <p:style>
+            <a:lnRef idx="2">
+              <a:schemeClr val="accent1">
+                <a:shade val="15000"/>
+              </a:schemeClr>
+            </a:lnRef>
+            <a:fillRef idx="1">
+              <a:schemeClr val="accent1"/>
+            </a:fillRef>
+            <a:effectRef idx="0">
+              <a:schemeClr val="accent1"/>
+            </a:effectRef>
+            <a:fontRef idx="minor">
+              <a:schemeClr val="lt1"/>
+            </a:fontRef>
+          </p:style>
+          <p:txBody>
+            <a:bodyPr rtlCol="0" anchor="ctr"/>
+            <a:lstStyle/>
+            <a:p>
+              <a:pPr algn="ctr"/>
+              <a:endParaRPr lang="en-IN" dirty="0"/>
+            </a:p>
+          </p:txBody>
+        </p:sp>
+        <p:sp>
+          <p:nvSpPr>
+            <p:cNvPr id="7" name="Oval 6">
+              <a:extLst>
+                <a:ext uri="{FF2B5EF4-FFF2-40B4-BE49-F238E27FC236}">
+                  <a16:creationId xmlns:a16="http://schemas.microsoft.com/office/drawing/2014/main" id="{F356EE22-15FE-2084-918E-329499AB4A61}"/>
+                </a:ext>
+              </a:extLst>
+            </p:cNvPr>
+            <p:cNvSpPr/>
+            <p:nvPr/>
+          </p:nvSpPr>
+          <p:spPr>
+            <a:xfrm>
+              <a:off x="2786900" y="1449970"/>
+              <a:ext cx="203835" cy="203835"/>
+            </a:xfrm>
+            <a:prstGeom prst="ellipse">
+              <a:avLst/>
+            </a:prstGeom>
+            <a:solidFill>
+              <a:srgbClr val="FFC000"/>
+            </a:solidFill>
+          </p:spPr>
+          <p:style>
+            <a:lnRef idx="2">
+              <a:schemeClr val="accent1">
+                <a:shade val="15000"/>
+              </a:schemeClr>
+            </a:lnRef>
+            <a:fillRef idx="1">
+              <a:schemeClr val="accent1"/>
+            </a:fillRef>
+            <a:effectRef idx="0">
+              <a:schemeClr val="accent1"/>
+            </a:effectRef>
+            <a:fontRef idx="minor">
+              <a:schemeClr val="lt1"/>
+            </a:fontRef>
+          </p:style>
+          <p:txBody>
+            <a:bodyPr rtlCol="0" anchor="ctr"/>
+            <a:lstStyle/>
+            <a:p>
+              <a:pPr algn="ctr"/>
+              <a:endParaRPr lang="en-IN" dirty="0"/>
+            </a:p>
+          </p:txBody>
+        </p:sp>
+        <p:sp>
+          <p:nvSpPr>
+            <p:cNvPr id="8" name="Oval 7">
+              <a:extLst>
+                <a:ext uri="{FF2B5EF4-FFF2-40B4-BE49-F238E27FC236}">
+                  <a16:creationId xmlns:a16="http://schemas.microsoft.com/office/drawing/2014/main" id="{3893582E-40C2-9B6E-5F33-4337E3E7B75C}"/>
+                </a:ext>
+              </a:extLst>
+            </p:cNvPr>
+            <p:cNvSpPr/>
+            <p:nvPr/>
+          </p:nvSpPr>
+          <p:spPr>
+            <a:xfrm>
+              <a:off x="3079000" y="1449970"/>
+              <a:ext cx="203835" cy="203835"/>
+            </a:xfrm>
+            <a:prstGeom prst="ellipse">
+              <a:avLst/>
+            </a:prstGeom>
+            <a:solidFill>
+              <a:schemeClr val="accent6"/>
+            </a:solidFill>
+          </p:spPr>
+          <p:style>
+            <a:lnRef idx="2">
+              <a:schemeClr val="accent1">
+                <a:shade val="15000"/>
+              </a:schemeClr>
+            </a:lnRef>
+            <a:fillRef idx="1">
+              <a:schemeClr val="accent1"/>
+            </a:fillRef>
+            <a:effectRef idx="0">
+              <a:schemeClr val="accent1"/>
+            </a:effectRef>
+            <a:fontRef idx="minor">
+              <a:schemeClr val="lt1"/>
+            </a:fontRef>
+          </p:style>
+          <p:txBody>
+            <a:bodyPr rtlCol="0" anchor="ctr"/>
+            <a:lstStyle/>
+            <a:p>
+              <a:pPr algn="ctr"/>
+              <a:endParaRPr lang="en-IN" dirty="0"/>
+            </a:p>
+          </p:txBody>
+        </p:sp>
+      </p:grpSp>
+      <p:sp>
+        <p:nvSpPr>
+          <p:cNvPr id="9" name="TextBox 8">
+            <a:extLst>
+              <a:ext uri="{FF2B5EF4-FFF2-40B4-BE49-F238E27FC236}">
+                <a16:creationId xmlns:a16="http://schemas.microsoft.com/office/drawing/2014/main" id="{97FC56B1-21E4-D669-D961-D17ADB6DC35B}"/>
+              </a:ext>
+            </a:extLst>
+          </p:cNvPr>
+          <p:cNvSpPr txBox="1"/>
+          <p:nvPr/>
+        </p:nvSpPr>
+        <p:spPr>
+          <a:xfrm>
+            <a:off x="3658464" y="3336479"/>
+            <a:ext cx="5140019" cy="1754326"/>
+          </a:xfrm>
+          <a:prstGeom prst="rect">
+            <a:avLst/>
+          </a:prstGeom>
+          <a:noFill/>
+        </p:spPr>
+        <p:txBody>
+          <a:bodyPr wrap="square" rtlCol="0">
+            <a:spAutoFit/>
+          </a:bodyPr>
+          <a:lstStyle/>
+          <a:p>
+            <a:r>
+              <a:rPr lang="en-IN" sz="3600" dirty="0">
+                <a:solidFill>
+                  <a:schemeClr val="accent4">
+                    <a:lumMod val="60000"/>
+                    <a:lumOff val="40000"/>
+                  </a:schemeClr>
+                </a:solidFill>
+              </a:rPr>
+              <a:t>Car myCar</a:t>
+            </a:r>
+            <a:r>
+              <a:rPr lang="en-IN" sz="3600" dirty="0">
+                <a:solidFill>
+                  <a:schemeClr val="bg1"/>
+                </a:solidFill>
+              </a:rPr>
+              <a:t> = </a:t>
+            </a:r>
+            <a:r>
+              <a:rPr lang="en-IN" sz="3600" dirty="0">
+                <a:solidFill>
+                  <a:schemeClr val="accent2">
+                    <a:lumMod val="75000"/>
+                  </a:schemeClr>
+                </a:solidFill>
+              </a:rPr>
+              <a:t>new</a:t>
+            </a:r>
+            <a:r>
+              <a:rPr lang="en-IN" sz="3600" dirty="0">
+                <a:solidFill>
+                  <a:schemeClr val="bg1"/>
+                </a:solidFill>
+              </a:rPr>
+              <a:t> </a:t>
+            </a:r>
+            <a:r>
+              <a:rPr lang="en-IN" sz="3600" dirty="0">
+                <a:solidFill>
+                  <a:srgbClr val="61CBF4"/>
+                </a:solidFill>
+              </a:rPr>
+              <a:t>car</a:t>
+            </a:r>
+            <a:r>
+              <a:rPr lang="en-IN" sz="3600" dirty="0">
+                <a:solidFill>
+                  <a:schemeClr val="bg1"/>
+                </a:solidFill>
+              </a:rPr>
+              <a:t>( ) ;</a:t>
+            </a:r>
+          </a:p>
+          <a:p>
+            <a:r>
+              <a:rPr lang="en-IN" sz="3600" dirty="0">
+                <a:solidFill>
+                  <a:schemeClr val="accent4">
+                    <a:lumMod val="60000"/>
+                    <a:lumOff val="40000"/>
+                  </a:schemeClr>
+                </a:solidFill>
+              </a:rPr>
+              <a:t>myCar</a:t>
+            </a:r>
+            <a:r>
+              <a:rPr lang="en-IN" sz="3600" dirty="0">
+                <a:solidFill>
+                  <a:schemeClr val="bg1"/>
+                </a:solidFill>
+              </a:rPr>
+              <a:t>.</a:t>
+            </a:r>
+            <a:r>
+              <a:rPr lang="en-IN" sz="3600" dirty="0">
+                <a:solidFill>
+                  <a:schemeClr val="accent4">
+                    <a:lumMod val="60000"/>
+                    <a:lumOff val="40000"/>
+                  </a:schemeClr>
+                </a:solidFill>
+              </a:rPr>
+              <a:t>color</a:t>
+            </a:r>
+            <a:r>
+              <a:rPr lang="en-IN" sz="3600" dirty="0">
+                <a:solidFill>
+                  <a:schemeClr val="bg1"/>
+                </a:solidFill>
+              </a:rPr>
+              <a:t> = </a:t>
+            </a:r>
+            <a:r>
+              <a:rPr lang="en-IN" sz="3600" dirty="0">
+                <a:solidFill>
+                  <a:srgbClr val="FFFF00"/>
+                </a:solidFill>
+              </a:rPr>
+              <a:t>“Red”</a:t>
+            </a:r>
+            <a:r>
+              <a:rPr lang="en-IN" sz="3600" dirty="0">
+                <a:solidFill>
+                  <a:schemeClr val="bg1"/>
+                </a:solidFill>
+              </a:rPr>
+              <a:t> ;</a:t>
+            </a:r>
+          </a:p>
+          <a:p>
+            <a:r>
+              <a:rPr lang="en-IN" sz="3600" dirty="0">
+                <a:solidFill>
+                  <a:schemeClr val="accent4">
+                    <a:lumMod val="60000"/>
+                    <a:lumOff val="40000"/>
+                  </a:schemeClr>
+                </a:solidFill>
+              </a:rPr>
+              <a:t>myCar</a:t>
+            </a:r>
+            <a:r>
+              <a:rPr lang="en-IN" sz="3600" dirty="0">
+                <a:solidFill>
+                  <a:schemeClr val="bg1"/>
+                </a:solidFill>
+              </a:rPr>
+              <a:t>.</a:t>
+            </a:r>
+            <a:r>
+              <a:rPr lang="en-IN" sz="3600" dirty="0">
+                <a:solidFill>
+                  <a:schemeClr val="accent4">
+                    <a:lumMod val="60000"/>
+                    <a:lumOff val="40000"/>
+                  </a:schemeClr>
+                </a:solidFill>
+              </a:rPr>
+              <a:t>drive</a:t>
+            </a:r>
+            <a:r>
+              <a:rPr lang="en-IN" sz="3600" dirty="0">
+                <a:solidFill>
+                  <a:schemeClr val="bg1"/>
+                </a:solidFill>
+              </a:rPr>
+              <a:t>( ) ;</a:t>
+            </a:r>
+          </a:p>
+        </p:txBody>
+      </p:sp>
+    </p:spTree>
+    <p:extLst>
+      <p:ext uri="{BB962C8B-B14F-4D97-AF65-F5344CB8AC3E}">
+        <p14:creationId xmlns:p14="http://schemas.microsoft.com/office/powerpoint/2010/main" val="3706997404"/>
+      </p:ext>
+    </p:extLst>
+  </p:cSld>
+  <p:clrMapOvr>
+    <a:masterClrMapping/>
+  </p:clrMapOvr>
+  <mc:AlternateContent xmlns:mc="http://schemas.openxmlformats.org/markup-compatibility/2006">
+    <mc:Choice xmlns:p14="http://schemas.microsoft.com/office/powerpoint/2010/main" Requires="p14">
+      <p:transition spd="slow" p14:dur="800">
+        <p14:flythrough/>
+      </p:transition>
+    </mc:Choice>
+    <mc:Fallback>
+      <p:transition spd="slow">
+        <p:fade/>
+      </p:transition>
+    </mc:Fallback>
+  </mc:AlternateContent>
+</p:sld>
+</file>
+
+<file path=ppt/slides/slide39.xml><?xml version="1.0" encoding="utf-8"?>
+<p:sld xmlns:a="http://schemas.openxmlformats.org/drawingml/2006/main" xmlns:r="http://schemas.openxmlformats.org/officeDocument/2006/relationships" xmlns:p="http://schemas.openxmlformats.org/presentationml/2006/main">
+  <p:cSld>
+    <p:spTree>
+      <p:nvGrpSpPr>
+        <p:cNvPr id="1" name="">
+          <a:extLst>
+            <a:ext uri="{FF2B5EF4-FFF2-40B4-BE49-F238E27FC236}">
+              <a16:creationId xmlns:a16="http://schemas.microsoft.com/office/drawing/2014/main" id="{2ADBA12C-A692-5B79-1EA5-06495593CB1C}"/>
+            </a:ext>
+          </a:extLst>
+        </p:cNvPr>
+        <p:cNvGrpSpPr/>
+        <p:nvPr/>
+      </p:nvGrpSpPr>
+      <p:grpSpPr>
+        <a:xfrm>
+          <a:off x="0" y="0"/>
+          <a:ext cx="0" cy="0"/>
+          <a:chOff x="0" y="0"/>
+          <a:chExt cx="0" cy="0"/>
+        </a:xfrm>
+      </p:grpSpPr>
+      <p:sp>
+        <p:nvSpPr>
+          <p:cNvPr id="2" name="TextBox 1">
+            <a:extLst>
+              <a:ext uri="{FF2B5EF4-FFF2-40B4-BE49-F238E27FC236}">
+                <a16:creationId xmlns:a16="http://schemas.microsoft.com/office/drawing/2014/main" id="{A575995B-5297-D037-7270-5BCA4409E2F8}"/>
+              </a:ext>
+            </a:extLst>
+          </p:cNvPr>
+          <p:cNvSpPr txBox="1"/>
+          <p:nvPr/>
+        </p:nvSpPr>
+        <p:spPr>
+          <a:xfrm>
+            <a:off x="444731" y="2502943"/>
+            <a:ext cx="11302538" cy="3170099"/>
+          </a:xfrm>
+          <a:prstGeom prst="rect">
+            <a:avLst/>
+          </a:prstGeom>
+          <a:noFill/>
+        </p:spPr>
+        <p:txBody>
+          <a:bodyPr wrap="square" rtlCol="0">
+            <a:spAutoFit/>
+          </a:bodyPr>
+          <a:lstStyle/>
+          <a:p>
+            <a:pPr algn="ctr"/>
+            <a:r>
+              <a:rPr lang="en-IN" sz="4000" dirty="0">
+                <a:solidFill>
+                  <a:schemeClr val="bg1"/>
+                </a:solidFill>
+              </a:rPr>
+              <a:t>Encapsulation is the practice of building data (fields) and methods (functions) that operate on the data into a single unite (class). It also involves restricting direct access to some components using access modifiers (e.g., private, protected).</a:t>
+            </a:r>
+          </a:p>
+        </p:txBody>
+      </p:sp>
+      <p:sp>
+        <p:nvSpPr>
+          <p:cNvPr id="3" name="TextBox 2">
+            <a:extLst>
+              <a:ext uri="{FF2B5EF4-FFF2-40B4-BE49-F238E27FC236}">
+                <a16:creationId xmlns:a16="http://schemas.microsoft.com/office/drawing/2014/main" id="{88A73212-2F83-76DC-519A-A313EA6B6544}"/>
+              </a:ext>
+            </a:extLst>
+          </p:cNvPr>
+          <p:cNvSpPr txBox="1"/>
+          <p:nvPr/>
+        </p:nvSpPr>
+        <p:spPr>
+          <a:xfrm>
+            <a:off x="1695970" y="569405"/>
+            <a:ext cx="8800060" cy="1569660"/>
+          </a:xfrm>
+          <a:prstGeom prst="rect">
+            <a:avLst/>
+          </a:prstGeom>
+          <a:noFill/>
+        </p:spPr>
+        <p:txBody>
+          <a:bodyPr wrap="square" rtlCol="0">
+            <a:spAutoFit/>
+          </a:bodyPr>
+          <a:lstStyle/>
+          <a:p>
+            <a:pPr algn="ctr"/>
+            <a:r>
+              <a:rPr lang="en-IN" sz="9600" b="1" dirty="0">
+                <a:solidFill>
+                  <a:schemeClr val="bg1"/>
+                </a:solidFill>
+                <a:effectLst/>
+              </a:rPr>
+              <a:t>Encapsulation</a:t>
+            </a:r>
+          </a:p>
+        </p:txBody>
+      </p:sp>
+    </p:spTree>
+    <p:extLst>
+      <p:ext uri="{BB962C8B-B14F-4D97-AF65-F5344CB8AC3E}">
+        <p14:creationId xmlns:p14="http://schemas.microsoft.com/office/powerpoint/2010/main" val="3443711433"/>
+      </p:ext>
+    </p:extLst>
+  </p:cSld>
+  <p:clrMapOvr>
+    <a:masterClrMapping/>
+  </p:clrMapOvr>
+  <mc:AlternateContent xmlns:mc="http://schemas.openxmlformats.org/markup-compatibility/2006">
+    <mc:Choice xmlns:p15="http://schemas.microsoft.com/office/powerpoint/2012/main" Requires="p15">
+      <p:transition xmlns:p14="http://schemas.microsoft.com/office/powerpoint/2010/main" spd="slow" p14:dur="1250">
+        <p15:prstTrans prst="peelOff"/>
+      </p:transition>
+    </mc:Choice>
+    <mc:Fallback>
+      <p:transition spd="slow">
+        <p:fade/>
+      </p:transition>
+    </mc:Fallback>
+  </mc:AlternateContent>
 </p:sld>
 </file>
 
@@ -21842,6 +24038,5543 @@
 </p:sld>
 </file>
 
+<file path=ppt/slides/slide40.xml><?xml version="1.0" encoding="utf-8"?>
+<p:sld xmlns:a="http://schemas.openxmlformats.org/drawingml/2006/main" xmlns:r="http://schemas.openxmlformats.org/officeDocument/2006/relationships" xmlns:p="http://schemas.openxmlformats.org/presentationml/2006/main">
+  <p:cSld>
+    <p:spTree>
+      <p:nvGrpSpPr>
+        <p:cNvPr id="1" name="">
+          <a:extLst>
+            <a:ext uri="{FF2B5EF4-FFF2-40B4-BE49-F238E27FC236}">
+              <a16:creationId xmlns:a16="http://schemas.microsoft.com/office/drawing/2014/main" id="{B28E1B4C-C2F6-6509-F268-33B316C35036}"/>
+            </a:ext>
+          </a:extLst>
+        </p:cNvPr>
+        <p:cNvGrpSpPr/>
+        <p:nvPr/>
+      </p:nvGrpSpPr>
+      <p:grpSpPr>
+        <a:xfrm>
+          <a:off x="0" y="0"/>
+          <a:ext cx="0" cy="0"/>
+          <a:chOff x="0" y="0"/>
+          <a:chExt cx="0" cy="0"/>
+        </a:xfrm>
+      </p:grpSpPr>
+      <p:sp>
+        <p:nvSpPr>
+          <p:cNvPr id="2" name="TextBox 1">
+            <a:extLst>
+              <a:ext uri="{FF2B5EF4-FFF2-40B4-BE49-F238E27FC236}">
+                <a16:creationId xmlns:a16="http://schemas.microsoft.com/office/drawing/2014/main" id="{6BFD8E27-2EA1-7DD4-F1BC-E0325B8E6953}"/>
+              </a:ext>
+            </a:extLst>
+          </p:cNvPr>
+          <p:cNvSpPr txBox="1"/>
+          <p:nvPr/>
+        </p:nvSpPr>
+        <p:spPr>
+          <a:xfrm>
+            <a:off x="523875" y="2551837"/>
+            <a:ext cx="11144250" cy="1938992"/>
+          </a:xfrm>
+          <a:prstGeom prst="rect">
+            <a:avLst/>
+          </a:prstGeom>
+          <a:noFill/>
+        </p:spPr>
+        <p:txBody>
+          <a:bodyPr wrap="square" rtlCol="0">
+            <a:spAutoFit/>
+          </a:bodyPr>
+          <a:lstStyle/>
+          <a:p>
+            <a:pPr algn="ctr"/>
+            <a:r>
+              <a:rPr lang="en-US" sz="4000" dirty="0">
+                <a:solidFill>
+                  <a:schemeClr val="bg1"/>
+                </a:solidFill>
+              </a:rPr>
+              <a:t>Inheritance allows a class to acquire properties and methods of another class. It supports code reusablity.</a:t>
+            </a:r>
+            <a:endParaRPr lang="en-IN" sz="4000" dirty="0">
+              <a:solidFill>
+                <a:schemeClr val="bg1"/>
+              </a:solidFill>
+            </a:endParaRPr>
+          </a:p>
+        </p:txBody>
+      </p:sp>
+      <p:sp>
+        <p:nvSpPr>
+          <p:cNvPr id="3" name="TextBox 2">
+            <a:extLst>
+              <a:ext uri="{FF2B5EF4-FFF2-40B4-BE49-F238E27FC236}">
+                <a16:creationId xmlns:a16="http://schemas.microsoft.com/office/drawing/2014/main" id="{1814D8EB-694D-F664-21B3-1FF0F427E6E9}"/>
+              </a:ext>
+            </a:extLst>
+          </p:cNvPr>
+          <p:cNvSpPr txBox="1"/>
+          <p:nvPr/>
+        </p:nvSpPr>
+        <p:spPr>
+          <a:xfrm>
+            <a:off x="1695970" y="569405"/>
+            <a:ext cx="8800060" cy="1569660"/>
+          </a:xfrm>
+          <a:prstGeom prst="rect">
+            <a:avLst/>
+          </a:prstGeom>
+          <a:noFill/>
+        </p:spPr>
+        <p:txBody>
+          <a:bodyPr wrap="square" rtlCol="0">
+            <a:spAutoFit/>
+          </a:bodyPr>
+          <a:lstStyle/>
+          <a:p>
+            <a:pPr algn="ctr"/>
+            <a:r>
+              <a:rPr lang="en-US" sz="9600" b="1" dirty="0">
+                <a:solidFill>
+                  <a:schemeClr val="bg1"/>
+                </a:solidFill>
+              </a:rPr>
+              <a:t>Inheritance</a:t>
+            </a:r>
+            <a:endParaRPr lang="en-IN" sz="9600" b="1" dirty="0">
+              <a:solidFill>
+                <a:schemeClr val="bg1"/>
+              </a:solidFill>
+            </a:endParaRPr>
+          </a:p>
+        </p:txBody>
+      </p:sp>
+    </p:spTree>
+    <p:extLst>
+      <p:ext uri="{BB962C8B-B14F-4D97-AF65-F5344CB8AC3E}">
+        <p14:creationId xmlns:p14="http://schemas.microsoft.com/office/powerpoint/2010/main" val="2270778574"/>
+      </p:ext>
+    </p:extLst>
+  </p:cSld>
+  <p:clrMapOvr>
+    <a:masterClrMapping/>
+  </p:clrMapOvr>
+  <mc:AlternateContent xmlns:mc="http://schemas.openxmlformats.org/markup-compatibility/2006">
+    <mc:Choice xmlns:p14="http://schemas.microsoft.com/office/powerpoint/2010/main" Requires="p14">
+      <p:transition spd="slow" p14:dur="800">
+        <p14:flythrough/>
+      </p:transition>
+    </mc:Choice>
+    <mc:Fallback>
+      <p:transition spd="slow">
+        <p:fade/>
+      </p:transition>
+    </mc:Fallback>
+  </mc:AlternateContent>
+</p:sld>
+</file>
+
+<file path=ppt/slides/slide41.xml><?xml version="1.0" encoding="utf-8"?>
+<p:sld xmlns:a="http://schemas.openxmlformats.org/drawingml/2006/main" xmlns:r="http://schemas.openxmlformats.org/officeDocument/2006/relationships" xmlns:p="http://schemas.openxmlformats.org/presentationml/2006/main">
+  <p:cSld>
+    <p:spTree>
+      <p:nvGrpSpPr>
+        <p:cNvPr id="1" name="">
+          <a:extLst>
+            <a:ext uri="{FF2B5EF4-FFF2-40B4-BE49-F238E27FC236}">
+              <a16:creationId xmlns:a16="http://schemas.microsoft.com/office/drawing/2014/main" id="{0708A9D7-C81A-62A3-A343-48294A6E0FCE}"/>
+            </a:ext>
+          </a:extLst>
+        </p:cNvPr>
+        <p:cNvGrpSpPr/>
+        <p:nvPr/>
+      </p:nvGrpSpPr>
+      <p:grpSpPr>
+        <a:xfrm>
+          <a:off x="0" y="0"/>
+          <a:ext cx="0" cy="0"/>
+          <a:chOff x="0" y="0"/>
+          <a:chExt cx="0" cy="0"/>
+        </a:xfrm>
+      </p:grpSpPr>
+      <p:sp>
+        <p:nvSpPr>
+          <p:cNvPr id="3" name="TextBox 2">
+            <a:extLst>
+              <a:ext uri="{FF2B5EF4-FFF2-40B4-BE49-F238E27FC236}">
+                <a16:creationId xmlns:a16="http://schemas.microsoft.com/office/drawing/2014/main" id="{8766B512-87FD-C54F-51F8-C68EAE142192}"/>
+              </a:ext>
+            </a:extLst>
+          </p:cNvPr>
+          <p:cNvSpPr txBox="1"/>
+          <p:nvPr/>
+        </p:nvSpPr>
+        <p:spPr>
+          <a:xfrm>
+            <a:off x="667790" y="107035"/>
+            <a:ext cx="10856421" cy="1862048"/>
+          </a:xfrm>
+          <a:prstGeom prst="rect">
+            <a:avLst/>
+          </a:prstGeom>
+          <a:noFill/>
+        </p:spPr>
+        <p:txBody>
+          <a:bodyPr wrap="square" rtlCol="0">
+            <a:spAutoFit/>
+          </a:bodyPr>
+          <a:lstStyle/>
+          <a:p>
+            <a:pPr algn="ctr"/>
+            <a:r>
+              <a:rPr lang="en-US" sz="11500" b="1" dirty="0">
+                <a:solidFill>
+                  <a:schemeClr val="bg1"/>
+                </a:solidFill>
+                <a:effectLst>
+                  <a:innerShdw blurRad="114300">
+                    <a:prstClr val="black"/>
+                  </a:innerShdw>
+                </a:effectLst>
+              </a:rPr>
+              <a:t>I</a:t>
+            </a:r>
+            <a:r>
+              <a:rPr lang="en-IN" sz="11500" b="1" dirty="0">
+                <a:solidFill>
+                  <a:schemeClr val="bg1"/>
+                </a:solidFill>
+              </a:rPr>
+              <a:t>nheritance</a:t>
+            </a:r>
+          </a:p>
+        </p:txBody>
+      </p:sp>
+      <p:sp>
+        <p:nvSpPr>
+          <p:cNvPr id="4" name="Rectangle: Rounded Corners 3">
+            <a:extLst>
+              <a:ext uri="{FF2B5EF4-FFF2-40B4-BE49-F238E27FC236}">
+                <a16:creationId xmlns:a16="http://schemas.microsoft.com/office/drawing/2014/main" id="{942EADC2-2A16-9490-BAC8-D408EEBBF793}"/>
+              </a:ext>
+            </a:extLst>
+          </p:cNvPr>
+          <p:cNvSpPr/>
+          <p:nvPr/>
+        </p:nvSpPr>
+        <p:spPr>
+          <a:xfrm>
+            <a:off x="2185749" y="2238391"/>
+            <a:ext cx="6704251" cy="3905234"/>
+          </a:xfrm>
+          <a:prstGeom prst="roundRect">
+            <a:avLst>
+              <a:gd name="adj" fmla="val 4667"/>
+            </a:avLst>
+          </a:prstGeom>
+          <a:solidFill>
+            <a:schemeClr val="tx1">
+              <a:lumMod val="75000"/>
+              <a:lumOff val="25000"/>
+            </a:schemeClr>
+          </a:solidFill>
+        </p:spPr>
+        <p:style>
+          <a:lnRef idx="2">
+            <a:schemeClr val="accent1">
+              <a:shade val="15000"/>
+            </a:schemeClr>
+          </a:lnRef>
+          <a:fillRef idx="1">
+            <a:schemeClr val="accent1"/>
+          </a:fillRef>
+          <a:effectRef idx="0">
+            <a:schemeClr val="accent1"/>
+          </a:effectRef>
+          <a:fontRef idx="minor">
+            <a:schemeClr val="lt1"/>
+          </a:fontRef>
+        </p:style>
+        <p:txBody>
+          <a:bodyPr rtlCol="0" anchor="ctr"/>
+          <a:lstStyle/>
+          <a:p>
+            <a:pPr algn="ctr"/>
+            <a:endParaRPr lang="en-IN" dirty="0"/>
+          </a:p>
+        </p:txBody>
+      </p:sp>
+      <p:grpSp>
+        <p:nvGrpSpPr>
+          <p:cNvPr id="5" name="Group 4">
+            <a:extLst>
+              <a:ext uri="{FF2B5EF4-FFF2-40B4-BE49-F238E27FC236}">
+                <a16:creationId xmlns:a16="http://schemas.microsoft.com/office/drawing/2014/main" id="{4AC7963F-0DD3-992A-05DB-398A151A3320}"/>
+              </a:ext>
+            </a:extLst>
+          </p:cNvPr>
+          <p:cNvGrpSpPr/>
+          <p:nvPr/>
+        </p:nvGrpSpPr>
+        <p:grpSpPr>
+          <a:xfrm>
+            <a:off x="2422766" y="2532467"/>
+            <a:ext cx="677316" cy="173888"/>
+            <a:chOff x="2494800" y="1449970"/>
+            <a:chExt cx="788035" cy="203835"/>
+          </a:xfrm>
+        </p:grpSpPr>
+        <p:sp>
+          <p:nvSpPr>
+            <p:cNvPr id="6" name="Oval 5">
+              <a:extLst>
+                <a:ext uri="{FF2B5EF4-FFF2-40B4-BE49-F238E27FC236}">
+                  <a16:creationId xmlns:a16="http://schemas.microsoft.com/office/drawing/2014/main" id="{2CF51C2F-EA19-097C-07D5-EC33A44A93CA}"/>
+                </a:ext>
+              </a:extLst>
+            </p:cNvPr>
+            <p:cNvSpPr/>
+            <p:nvPr/>
+          </p:nvSpPr>
+          <p:spPr>
+            <a:xfrm>
+              <a:off x="2494800" y="1449970"/>
+              <a:ext cx="203835" cy="203835"/>
+            </a:xfrm>
+            <a:prstGeom prst="ellipse">
+              <a:avLst/>
+            </a:prstGeom>
+            <a:solidFill>
+              <a:schemeClr val="accent2"/>
+            </a:solidFill>
+          </p:spPr>
+          <p:style>
+            <a:lnRef idx="2">
+              <a:schemeClr val="accent1">
+                <a:shade val="15000"/>
+              </a:schemeClr>
+            </a:lnRef>
+            <a:fillRef idx="1">
+              <a:schemeClr val="accent1"/>
+            </a:fillRef>
+            <a:effectRef idx="0">
+              <a:schemeClr val="accent1"/>
+            </a:effectRef>
+            <a:fontRef idx="minor">
+              <a:schemeClr val="lt1"/>
+            </a:fontRef>
+          </p:style>
+          <p:txBody>
+            <a:bodyPr rtlCol="0" anchor="ctr"/>
+            <a:lstStyle/>
+            <a:p>
+              <a:pPr algn="ctr"/>
+              <a:endParaRPr lang="en-IN" dirty="0"/>
+            </a:p>
+          </p:txBody>
+        </p:sp>
+        <p:sp>
+          <p:nvSpPr>
+            <p:cNvPr id="7" name="Oval 6">
+              <a:extLst>
+                <a:ext uri="{FF2B5EF4-FFF2-40B4-BE49-F238E27FC236}">
+                  <a16:creationId xmlns:a16="http://schemas.microsoft.com/office/drawing/2014/main" id="{84623914-D59B-A95D-6E35-EF65F7AB3826}"/>
+                </a:ext>
+              </a:extLst>
+            </p:cNvPr>
+            <p:cNvSpPr/>
+            <p:nvPr/>
+          </p:nvSpPr>
+          <p:spPr>
+            <a:xfrm>
+              <a:off x="2786900" y="1449970"/>
+              <a:ext cx="203835" cy="203835"/>
+            </a:xfrm>
+            <a:prstGeom prst="ellipse">
+              <a:avLst/>
+            </a:prstGeom>
+            <a:solidFill>
+              <a:srgbClr val="FFC000"/>
+            </a:solidFill>
+          </p:spPr>
+          <p:style>
+            <a:lnRef idx="2">
+              <a:schemeClr val="accent1">
+                <a:shade val="15000"/>
+              </a:schemeClr>
+            </a:lnRef>
+            <a:fillRef idx="1">
+              <a:schemeClr val="accent1"/>
+            </a:fillRef>
+            <a:effectRef idx="0">
+              <a:schemeClr val="accent1"/>
+            </a:effectRef>
+            <a:fontRef idx="minor">
+              <a:schemeClr val="lt1"/>
+            </a:fontRef>
+          </p:style>
+          <p:txBody>
+            <a:bodyPr rtlCol="0" anchor="ctr"/>
+            <a:lstStyle/>
+            <a:p>
+              <a:pPr algn="ctr"/>
+              <a:endParaRPr lang="en-IN" dirty="0"/>
+            </a:p>
+          </p:txBody>
+        </p:sp>
+        <p:sp>
+          <p:nvSpPr>
+            <p:cNvPr id="8" name="Oval 7">
+              <a:extLst>
+                <a:ext uri="{FF2B5EF4-FFF2-40B4-BE49-F238E27FC236}">
+                  <a16:creationId xmlns:a16="http://schemas.microsoft.com/office/drawing/2014/main" id="{672A3C17-2A5B-1074-CA81-C006035C71D0}"/>
+                </a:ext>
+              </a:extLst>
+            </p:cNvPr>
+            <p:cNvSpPr/>
+            <p:nvPr/>
+          </p:nvSpPr>
+          <p:spPr>
+            <a:xfrm>
+              <a:off x="3079000" y="1449970"/>
+              <a:ext cx="203835" cy="203835"/>
+            </a:xfrm>
+            <a:prstGeom prst="ellipse">
+              <a:avLst/>
+            </a:prstGeom>
+            <a:solidFill>
+              <a:schemeClr val="accent6"/>
+            </a:solidFill>
+          </p:spPr>
+          <p:style>
+            <a:lnRef idx="2">
+              <a:schemeClr val="accent1">
+                <a:shade val="15000"/>
+              </a:schemeClr>
+            </a:lnRef>
+            <a:fillRef idx="1">
+              <a:schemeClr val="accent1"/>
+            </a:fillRef>
+            <a:effectRef idx="0">
+              <a:schemeClr val="accent1"/>
+            </a:effectRef>
+            <a:fontRef idx="minor">
+              <a:schemeClr val="lt1"/>
+            </a:fontRef>
+          </p:style>
+          <p:txBody>
+            <a:bodyPr rtlCol="0" anchor="ctr"/>
+            <a:lstStyle/>
+            <a:p>
+              <a:pPr algn="ctr"/>
+              <a:endParaRPr lang="en-IN" dirty="0"/>
+            </a:p>
+          </p:txBody>
+        </p:sp>
+      </p:grpSp>
+      <p:sp>
+        <p:nvSpPr>
+          <p:cNvPr id="9" name="TextBox 8">
+            <a:extLst>
+              <a:ext uri="{FF2B5EF4-FFF2-40B4-BE49-F238E27FC236}">
+                <a16:creationId xmlns:a16="http://schemas.microsoft.com/office/drawing/2014/main" id="{B9056619-084D-7825-0240-5D7EDAACEE1D}"/>
+              </a:ext>
+            </a:extLst>
+          </p:cNvPr>
+          <p:cNvSpPr txBox="1"/>
+          <p:nvPr/>
+        </p:nvSpPr>
+        <p:spPr>
+          <a:xfrm>
+            <a:off x="2534514" y="2860229"/>
+            <a:ext cx="6006721" cy="3139321"/>
+          </a:xfrm>
+          <a:prstGeom prst="rect">
+            <a:avLst/>
+          </a:prstGeom>
+          <a:noFill/>
+        </p:spPr>
+        <p:txBody>
+          <a:bodyPr wrap="square" rtlCol="0">
+            <a:spAutoFit/>
+          </a:bodyPr>
+          <a:lstStyle/>
+          <a:p>
+            <a:r>
+              <a:rPr lang="en-IN" dirty="0">
+                <a:solidFill>
+                  <a:schemeClr val="accent2"/>
+                </a:solidFill>
+              </a:rPr>
+              <a:t>Class</a:t>
+            </a:r>
+            <a:r>
+              <a:rPr lang="en-IN" dirty="0">
+                <a:solidFill>
+                  <a:schemeClr val="bg1"/>
+                </a:solidFill>
+              </a:rPr>
+              <a:t> </a:t>
+            </a:r>
+            <a:r>
+              <a:rPr lang="en-IN" dirty="0">
+                <a:solidFill>
+                  <a:srgbClr val="FFFF00"/>
+                </a:solidFill>
+              </a:rPr>
+              <a:t>Animal</a:t>
+            </a:r>
+            <a:r>
+              <a:rPr lang="en-IN" dirty="0">
+                <a:solidFill>
+                  <a:schemeClr val="bg1"/>
+                </a:solidFill>
+              </a:rPr>
+              <a:t>  {</a:t>
+            </a:r>
+          </a:p>
+          <a:p>
+            <a:r>
+              <a:rPr lang="en-IN" dirty="0">
+                <a:solidFill>
+                  <a:schemeClr val="bg1"/>
+                </a:solidFill>
+              </a:rPr>
+              <a:t>	void </a:t>
+            </a:r>
+            <a:r>
+              <a:rPr lang="en-IN" dirty="0">
+                <a:solidFill>
+                  <a:schemeClr val="accent4">
+                    <a:lumMod val="60000"/>
+                    <a:lumOff val="40000"/>
+                  </a:schemeClr>
+                </a:solidFill>
+              </a:rPr>
+              <a:t>eat( )</a:t>
+            </a:r>
+            <a:r>
+              <a:rPr lang="en-IN" dirty="0">
+                <a:solidFill>
+                  <a:schemeClr val="bg1"/>
+                </a:solidFill>
+              </a:rPr>
+              <a:t> {</a:t>
+            </a:r>
+          </a:p>
+          <a:p>
+            <a:r>
+              <a:rPr lang="en-IN" dirty="0">
+                <a:solidFill>
+                  <a:schemeClr val="bg1"/>
+                </a:solidFill>
+              </a:rPr>
+              <a:t>	 	</a:t>
+            </a:r>
+            <a:r>
+              <a:rPr lang="en-IN" dirty="0">
+                <a:solidFill>
+                  <a:schemeClr val="accent4">
+                    <a:lumMod val="60000"/>
+                    <a:lumOff val="40000"/>
+                  </a:schemeClr>
+                </a:solidFill>
+              </a:rPr>
+              <a:t>System</a:t>
+            </a:r>
+            <a:r>
+              <a:rPr lang="en-IN" dirty="0">
+                <a:solidFill>
+                  <a:schemeClr val="bg1"/>
+                </a:solidFill>
+              </a:rPr>
+              <a:t>.</a:t>
+            </a:r>
+            <a:r>
+              <a:rPr lang="en-IN" dirty="0">
+                <a:solidFill>
+                  <a:schemeClr val="accent4">
+                    <a:lumMod val="60000"/>
+                    <a:lumOff val="40000"/>
+                  </a:schemeClr>
+                </a:solidFill>
+              </a:rPr>
+              <a:t>out</a:t>
+            </a:r>
+            <a:r>
+              <a:rPr lang="en-IN" dirty="0">
+                <a:solidFill>
+                  <a:schemeClr val="bg1"/>
+                </a:solidFill>
+              </a:rPr>
+              <a:t>.</a:t>
+            </a:r>
+            <a:r>
+              <a:rPr lang="en-IN" dirty="0">
+                <a:solidFill>
+                  <a:schemeClr val="accent4">
+                    <a:lumMod val="60000"/>
+                    <a:lumOff val="40000"/>
+                  </a:schemeClr>
+                </a:solidFill>
+              </a:rPr>
+              <a:t>println</a:t>
+            </a:r>
+            <a:r>
+              <a:rPr lang="en-IN" dirty="0">
+                <a:solidFill>
+                  <a:schemeClr val="bg1"/>
+                </a:solidFill>
+              </a:rPr>
+              <a:t>(</a:t>
+            </a:r>
+            <a:r>
+              <a:rPr lang="en-IN" dirty="0">
+                <a:solidFill>
+                  <a:srgbClr val="FFFF00"/>
+                </a:solidFill>
+              </a:rPr>
+              <a:t>“This animal eats food”</a:t>
+            </a:r>
+            <a:r>
+              <a:rPr lang="en-IN" dirty="0">
+                <a:solidFill>
+                  <a:schemeClr val="bg1"/>
+                </a:solidFill>
+              </a:rPr>
+              <a:t>) ;</a:t>
+            </a:r>
+          </a:p>
+          <a:p>
+            <a:r>
+              <a:rPr lang="en-IN" dirty="0">
+                <a:solidFill>
+                  <a:schemeClr val="bg1"/>
+                </a:solidFill>
+              </a:rPr>
+              <a:t>	}</a:t>
+            </a:r>
+          </a:p>
+          <a:p>
+            <a:r>
+              <a:rPr lang="en-IN" dirty="0">
+                <a:solidFill>
+                  <a:schemeClr val="bg1"/>
+                </a:solidFill>
+              </a:rPr>
+              <a:t>}</a:t>
+            </a:r>
+          </a:p>
+          <a:p>
+            <a:endParaRPr lang="en-IN" dirty="0">
+              <a:solidFill>
+                <a:schemeClr val="bg1">
+                  <a:lumMod val="95000"/>
+                </a:schemeClr>
+              </a:solidFill>
+            </a:endParaRPr>
+          </a:p>
+          <a:p>
+            <a:r>
+              <a:rPr lang="en-IN" dirty="0">
+                <a:solidFill>
+                  <a:schemeClr val="accent2"/>
+                </a:solidFill>
+              </a:rPr>
+              <a:t>Class</a:t>
+            </a:r>
+            <a:r>
+              <a:rPr lang="en-IN" dirty="0">
+                <a:solidFill>
+                  <a:schemeClr val="bg1"/>
+                </a:solidFill>
+              </a:rPr>
+              <a:t> </a:t>
+            </a:r>
+            <a:r>
+              <a:rPr lang="en-IN" dirty="0">
+                <a:solidFill>
+                  <a:srgbClr val="FFFF00"/>
+                </a:solidFill>
+              </a:rPr>
+              <a:t>Dog</a:t>
+            </a:r>
+            <a:r>
+              <a:rPr lang="en-IN" dirty="0">
+                <a:solidFill>
+                  <a:schemeClr val="bg1"/>
+                </a:solidFill>
+              </a:rPr>
+              <a:t> </a:t>
+            </a:r>
+            <a:r>
+              <a:rPr lang="en-IN" dirty="0">
+                <a:solidFill>
+                  <a:schemeClr val="accent2"/>
+                </a:solidFill>
+              </a:rPr>
+              <a:t>extends</a:t>
+            </a:r>
+            <a:r>
+              <a:rPr lang="en-IN" dirty="0">
+                <a:solidFill>
+                  <a:schemeClr val="bg1"/>
+                </a:solidFill>
+              </a:rPr>
+              <a:t> </a:t>
+            </a:r>
+            <a:r>
+              <a:rPr lang="en-IN" dirty="0">
+                <a:solidFill>
+                  <a:schemeClr val="accent1">
+                    <a:lumMod val="60000"/>
+                    <a:lumOff val="40000"/>
+                  </a:schemeClr>
+                </a:solidFill>
+              </a:rPr>
+              <a:t>Animal</a:t>
+            </a:r>
+            <a:r>
+              <a:rPr lang="en-IN" dirty="0">
+                <a:solidFill>
+                  <a:schemeClr val="bg1"/>
+                </a:solidFill>
+              </a:rPr>
+              <a:t> {</a:t>
+            </a:r>
+          </a:p>
+          <a:p>
+            <a:r>
+              <a:rPr lang="en-IN" dirty="0">
+                <a:solidFill>
+                  <a:schemeClr val="bg1"/>
+                </a:solidFill>
+              </a:rPr>
+              <a:t>	void  </a:t>
+            </a:r>
+            <a:r>
+              <a:rPr lang="en-IN" dirty="0">
+                <a:solidFill>
+                  <a:schemeClr val="accent1">
+                    <a:lumMod val="60000"/>
+                    <a:lumOff val="40000"/>
+                  </a:schemeClr>
+                </a:solidFill>
+              </a:rPr>
+              <a:t>bark </a:t>
+            </a:r>
+            <a:r>
+              <a:rPr lang="en-IN" dirty="0">
+                <a:solidFill>
+                  <a:schemeClr val="bg1"/>
+                </a:solidFill>
+              </a:rPr>
+              <a:t>( ) {</a:t>
+            </a:r>
+          </a:p>
+          <a:p>
+            <a:r>
+              <a:rPr lang="en-IN" dirty="0">
+                <a:solidFill>
+                  <a:schemeClr val="bg1"/>
+                </a:solidFill>
+              </a:rPr>
+              <a:t>		</a:t>
+            </a:r>
+            <a:r>
+              <a:rPr lang="en-IN" dirty="0">
+                <a:solidFill>
+                  <a:schemeClr val="accent4">
+                    <a:lumMod val="60000"/>
+                    <a:lumOff val="40000"/>
+                  </a:schemeClr>
+                </a:solidFill>
+              </a:rPr>
+              <a:t>System</a:t>
+            </a:r>
+            <a:r>
+              <a:rPr lang="en-IN" dirty="0">
+                <a:solidFill>
+                  <a:schemeClr val="bg1"/>
+                </a:solidFill>
+              </a:rPr>
+              <a:t>.</a:t>
+            </a:r>
+            <a:r>
+              <a:rPr lang="en-IN" dirty="0">
+                <a:solidFill>
+                  <a:schemeClr val="accent4">
+                    <a:lumMod val="60000"/>
+                    <a:lumOff val="40000"/>
+                  </a:schemeClr>
+                </a:solidFill>
+              </a:rPr>
+              <a:t>out</a:t>
+            </a:r>
+            <a:r>
+              <a:rPr lang="en-IN" dirty="0">
+                <a:solidFill>
+                  <a:schemeClr val="bg1"/>
+                </a:solidFill>
+              </a:rPr>
+              <a:t>.</a:t>
+            </a:r>
+            <a:r>
+              <a:rPr lang="en-IN" dirty="0">
+                <a:solidFill>
+                  <a:schemeClr val="accent4">
+                    <a:lumMod val="60000"/>
+                    <a:lumOff val="40000"/>
+                  </a:schemeClr>
+                </a:solidFill>
+              </a:rPr>
+              <a:t>println</a:t>
+            </a:r>
+            <a:r>
+              <a:rPr lang="en-IN" dirty="0">
+                <a:solidFill>
+                  <a:schemeClr val="bg1"/>
+                </a:solidFill>
+              </a:rPr>
+              <a:t>(</a:t>
+            </a:r>
+            <a:r>
+              <a:rPr lang="en-IN" dirty="0">
+                <a:solidFill>
+                  <a:srgbClr val="FFFF00"/>
+                </a:solidFill>
+              </a:rPr>
+              <a:t>“Dog barks.”</a:t>
+            </a:r>
+            <a:r>
+              <a:rPr lang="en-IN" dirty="0">
+                <a:solidFill>
+                  <a:schemeClr val="bg1"/>
+                </a:solidFill>
+              </a:rPr>
+              <a:t>) ;</a:t>
+            </a:r>
+          </a:p>
+          <a:p>
+            <a:r>
+              <a:rPr lang="en-IN" dirty="0">
+                <a:solidFill>
+                  <a:schemeClr val="bg1"/>
+                </a:solidFill>
+              </a:rPr>
+              <a:t>	}</a:t>
+            </a:r>
+          </a:p>
+          <a:p>
+            <a:r>
+              <a:rPr lang="en-IN" dirty="0">
+                <a:solidFill>
+                  <a:schemeClr val="bg1"/>
+                </a:solidFill>
+              </a:rPr>
+              <a:t>}</a:t>
+            </a:r>
+          </a:p>
+        </p:txBody>
+      </p:sp>
+    </p:spTree>
+    <p:extLst>
+      <p:ext uri="{BB962C8B-B14F-4D97-AF65-F5344CB8AC3E}">
+        <p14:creationId xmlns:p14="http://schemas.microsoft.com/office/powerpoint/2010/main" val="140851654"/>
+      </p:ext>
+    </p:extLst>
+  </p:cSld>
+  <p:clrMapOvr>
+    <a:masterClrMapping/>
+  </p:clrMapOvr>
+  <mc:AlternateContent xmlns:mc="http://schemas.openxmlformats.org/markup-compatibility/2006">
+    <mc:Choice xmlns:p14="http://schemas.microsoft.com/office/powerpoint/2010/main" Requires="p14">
+      <p:transition spd="slow" p14:dur="800">
+        <p14:flythrough/>
+      </p:transition>
+    </mc:Choice>
+    <mc:Fallback>
+      <p:transition spd="slow">
+        <p:fade/>
+      </p:transition>
+    </mc:Fallback>
+  </mc:AlternateContent>
+</p:sld>
+</file>
+
+<file path=ppt/slides/slide42.xml><?xml version="1.0" encoding="utf-8"?>
+<p:sld xmlns:a="http://schemas.openxmlformats.org/drawingml/2006/main" xmlns:r="http://schemas.openxmlformats.org/officeDocument/2006/relationships" xmlns:p="http://schemas.openxmlformats.org/presentationml/2006/main">
+  <p:cSld>
+    <p:spTree>
+      <p:nvGrpSpPr>
+        <p:cNvPr id="1" name="">
+          <a:extLst>
+            <a:ext uri="{FF2B5EF4-FFF2-40B4-BE49-F238E27FC236}">
+              <a16:creationId xmlns:a16="http://schemas.microsoft.com/office/drawing/2014/main" id="{45F8CCC2-F00E-2453-5971-4F38D447CA6E}"/>
+            </a:ext>
+          </a:extLst>
+        </p:cNvPr>
+        <p:cNvGrpSpPr/>
+        <p:nvPr/>
+      </p:nvGrpSpPr>
+      <p:grpSpPr>
+        <a:xfrm>
+          <a:off x="0" y="0"/>
+          <a:ext cx="0" cy="0"/>
+          <a:chOff x="0" y="0"/>
+          <a:chExt cx="0" cy="0"/>
+        </a:xfrm>
+      </p:grpSpPr>
+      <p:sp>
+        <p:nvSpPr>
+          <p:cNvPr id="3" name="TextBox 2">
+            <a:extLst>
+              <a:ext uri="{FF2B5EF4-FFF2-40B4-BE49-F238E27FC236}">
+                <a16:creationId xmlns:a16="http://schemas.microsoft.com/office/drawing/2014/main" id="{D7E7D060-A5A7-E341-C7F7-084E2192DD3C}"/>
+              </a:ext>
+            </a:extLst>
+          </p:cNvPr>
+          <p:cNvSpPr txBox="1"/>
+          <p:nvPr/>
+        </p:nvSpPr>
+        <p:spPr>
+          <a:xfrm>
+            <a:off x="667790" y="107035"/>
+            <a:ext cx="10856421" cy="1862048"/>
+          </a:xfrm>
+          <a:prstGeom prst="rect">
+            <a:avLst/>
+          </a:prstGeom>
+          <a:noFill/>
+        </p:spPr>
+        <p:txBody>
+          <a:bodyPr wrap="square" rtlCol="0">
+            <a:spAutoFit/>
+          </a:bodyPr>
+          <a:lstStyle/>
+          <a:p>
+            <a:pPr algn="ctr"/>
+            <a:r>
+              <a:rPr lang="en-US" sz="11500" b="1" dirty="0">
+                <a:solidFill>
+                  <a:schemeClr val="bg1"/>
+                </a:solidFill>
+                <a:effectLst>
+                  <a:innerShdw blurRad="114300">
+                    <a:prstClr val="black"/>
+                  </a:innerShdw>
+                </a:effectLst>
+              </a:rPr>
+              <a:t>I</a:t>
+            </a:r>
+            <a:r>
+              <a:rPr lang="en-IN" sz="11500" b="1" dirty="0">
+                <a:solidFill>
+                  <a:schemeClr val="bg1"/>
+                </a:solidFill>
+              </a:rPr>
+              <a:t>nheritance</a:t>
+            </a:r>
+          </a:p>
+        </p:txBody>
+      </p:sp>
+      <p:sp>
+        <p:nvSpPr>
+          <p:cNvPr id="2" name="TextBox 1">
+            <a:extLst>
+              <a:ext uri="{FF2B5EF4-FFF2-40B4-BE49-F238E27FC236}">
+                <a16:creationId xmlns:a16="http://schemas.microsoft.com/office/drawing/2014/main" id="{E552D6A2-D8DA-831C-ECB3-E649667CAF28}"/>
+              </a:ext>
+            </a:extLst>
+          </p:cNvPr>
+          <p:cNvSpPr txBox="1"/>
+          <p:nvPr/>
+        </p:nvSpPr>
+        <p:spPr>
+          <a:xfrm>
+            <a:off x="3381895" y="2180719"/>
+            <a:ext cx="5428211" cy="2862322"/>
+          </a:xfrm>
+          <a:prstGeom prst="rect">
+            <a:avLst/>
+          </a:prstGeom>
+          <a:noFill/>
+        </p:spPr>
+        <p:txBody>
+          <a:bodyPr wrap="square" rtlCol="0">
+            <a:spAutoFit/>
+          </a:bodyPr>
+          <a:lstStyle/>
+          <a:p>
+            <a:pPr algn="ctr"/>
+            <a:r>
+              <a:rPr lang="en-US" sz="6000" b="1" dirty="0">
+                <a:solidFill>
+                  <a:schemeClr val="bg1"/>
+                </a:solidFill>
+              </a:rPr>
+              <a:t>Single</a:t>
+            </a:r>
+          </a:p>
+          <a:p>
+            <a:pPr algn="ctr"/>
+            <a:r>
+              <a:rPr lang="en-US" sz="6000" b="1" dirty="0">
+                <a:solidFill>
+                  <a:schemeClr val="bg1"/>
+                </a:solidFill>
+              </a:rPr>
+              <a:t>Multilevel</a:t>
+            </a:r>
+          </a:p>
+          <a:p>
+            <a:pPr algn="ctr"/>
+            <a:r>
+              <a:rPr lang="en-US" sz="6000" b="1" dirty="0">
+                <a:solidFill>
+                  <a:schemeClr val="bg1"/>
+                </a:solidFill>
+              </a:rPr>
+              <a:t>Hierarchical</a:t>
+            </a:r>
+            <a:endParaRPr lang="en-IN" sz="6000" b="1" dirty="0">
+              <a:solidFill>
+                <a:schemeClr val="bg1"/>
+              </a:solidFill>
+            </a:endParaRPr>
+          </a:p>
+        </p:txBody>
+      </p:sp>
+    </p:spTree>
+    <p:extLst>
+      <p:ext uri="{BB962C8B-B14F-4D97-AF65-F5344CB8AC3E}">
+        <p14:creationId xmlns:p14="http://schemas.microsoft.com/office/powerpoint/2010/main" val="3504721241"/>
+      </p:ext>
+    </p:extLst>
+  </p:cSld>
+  <p:clrMapOvr>
+    <a:masterClrMapping/>
+  </p:clrMapOvr>
+  <mc:AlternateContent xmlns:mc="http://schemas.openxmlformats.org/markup-compatibility/2006">
+    <mc:Choice xmlns:p14="http://schemas.microsoft.com/office/powerpoint/2010/main" Requires="p14">
+      <p:transition spd="slow" p14:dur="800">
+        <p14:flythrough/>
+      </p:transition>
+    </mc:Choice>
+    <mc:Fallback>
+      <p:transition spd="slow">
+        <p:fade/>
+      </p:transition>
+    </mc:Fallback>
+  </mc:AlternateContent>
+</p:sld>
+</file>
+
+<file path=ppt/slides/slide43.xml><?xml version="1.0" encoding="utf-8"?>
+<p:sld xmlns:a="http://schemas.openxmlformats.org/drawingml/2006/main" xmlns:r="http://schemas.openxmlformats.org/officeDocument/2006/relationships" xmlns:p="http://schemas.openxmlformats.org/presentationml/2006/main">
+  <p:cSld>
+    <p:spTree>
+      <p:nvGrpSpPr>
+        <p:cNvPr id="1" name="">
+          <a:extLst>
+            <a:ext uri="{FF2B5EF4-FFF2-40B4-BE49-F238E27FC236}">
+              <a16:creationId xmlns:a16="http://schemas.microsoft.com/office/drawing/2014/main" id="{1D3223A5-D9EA-C714-2504-36B8195FACF5}"/>
+            </a:ext>
+          </a:extLst>
+        </p:cNvPr>
+        <p:cNvGrpSpPr/>
+        <p:nvPr/>
+      </p:nvGrpSpPr>
+      <p:grpSpPr>
+        <a:xfrm>
+          <a:off x="0" y="0"/>
+          <a:ext cx="0" cy="0"/>
+          <a:chOff x="0" y="0"/>
+          <a:chExt cx="0" cy="0"/>
+        </a:xfrm>
+      </p:grpSpPr>
+      <p:sp>
+        <p:nvSpPr>
+          <p:cNvPr id="2" name="TextBox 1">
+            <a:extLst>
+              <a:ext uri="{FF2B5EF4-FFF2-40B4-BE49-F238E27FC236}">
+                <a16:creationId xmlns:a16="http://schemas.microsoft.com/office/drawing/2014/main" id="{9A5B3288-0BB2-4727-E4A0-363022B5ADFF}"/>
+              </a:ext>
+            </a:extLst>
+          </p:cNvPr>
+          <p:cNvSpPr txBox="1"/>
+          <p:nvPr/>
+        </p:nvSpPr>
+        <p:spPr>
+          <a:xfrm>
+            <a:off x="1199977" y="1536174"/>
+            <a:ext cx="9792047" cy="3785652"/>
+          </a:xfrm>
+          <a:prstGeom prst="rect">
+            <a:avLst/>
+          </a:prstGeom>
+          <a:noFill/>
+        </p:spPr>
+        <p:txBody>
+          <a:bodyPr wrap="square" rtlCol="0">
+            <a:spAutoFit/>
+          </a:bodyPr>
+          <a:lstStyle/>
+          <a:p>
+            <a:pPr algn="ctr"/>
+            <a:r>
+              <a:rPr lang="en-US" sz="8000" b="1" dirty="0">
+                <a:solidFill>
+                  <a:schemeClr val="bg1"/>
+                </a:solidFill>
+              </a:rPr>
+              <a:t>JAVA Doesn’t support </a:t>
+            </a:r>
+          </a:p>
+          <a:p>
+            <a:pPr algn="ctr"/>
+            <a:r>
+              <a:rPr lang="en-US" sz="8000" b="1" dirty="0">
+                <a:solidFill>
+                  <a:schemeClr val="bg1"/>
+                </a:solidFill>
+              </a:rPr>
+              <a:t>Multiple inheritance</a:t>
+            </a:r>
+            <a:endParaRPr lang="en-IN" sz="8000" b="1" dirty="0">
+              <a:solidFill>
+                <a:schemeClr val="bg1"/>
+              </a:solidFill>
+            </a:endParaRPr>
+          </a:p>
+        </p:txBody>
+      </p:sp>
+    </p:spTree>
+    <p:extLst>
+      <p:ext uri="{BB962C8B-B14F-4D97-AF65-F5344CB8AC3E}">
+        <p14:creationId xmlns:p14="http://schemas.microsoft.com/office/powerpoint/2010/main" val="3126266143"/>
+      </p:ext>
+    </p:extLst>
+  </p:cSld>
+  <p:clrMapOvr>
+    <a:masterClrMapping/>
+  </p:clrMapOvr>
+  <mc:AlternateContent xmlns:mc="http://schemas.openxmlformats.org/markup-compatibility/2006">
+    <mc:Choice xmlns:p14="http://schemas.microsoft.com/office/powerpoint/2010/main" Requires="p14">
+      <p:transition spd="slow" p14:dur="800">
+        <p14:flythrough/>
+      </p:transition>
+    </mc:Choice>
+    <mc:Fallback>
+      <p:transition spd="slow">
+        <p:fade/>
+      </p:transition>
+    </mc:Fallback>
+  </mc:AlternateContent>
+</p:sld>
+</file>
+
+<file path=ppt/slides/slide44.xml><?xml version="1.0" encoding="utf-8"?>
+<p:sld xmlns:a="http://schemas.openxmlformats.org/drawingml/2006/main" xmlns:r="http://schemas.openxmlformats.org/officeDocument/2006/relationships" xmlns:p="http://schemas.openxmlformats.org/presentationml/2006/main">
+  <p:cSld>
+    <p:spTree>
+      <p:nvGrpSpPr>
+        <p:cNvPr id="1" name="">
+          <a:extLst>
+            <a:ext uri="{FF2B5EF4-FFF2-40B4-BE49-F238E27FC236}">
+              <a16:creationId xmlns:a16="http://schemas.microsoft.com/office/drawing/2014/main" id="{E3649D65-FC69-4E0D-8F11-D063D84FEC78}"/>
+            </a:ext>
+          </a:extLst>
+        </p:cNvPr>
+        <p:cNvGrpSpPr/>
+        <p:nvPr/>
+      </p:nvGrpSpPr>
+      <p:grpSpPr>
+        <a:xfrm>
+          <a:off x="0" y="0"/>
+          <a:ext cx="0" cy="0"/>
+          <a:chOff x="0" y="0"/>
+          <a:chExt cx="0" cy="0"/>
+        </a:xfrm>
+      </p:grpSpPr>
+      <p:sp>
+        <p:nvSpPr>
+          <p:cNvPr id="3" name="TextBox 2">
+            <a:extLst>
+              <a:ext uri="{FF2B5EF4-FFF2-40B4-BE49-F238E27FC236}">
+                <a16:creationId xmlns:a16="http://schemas.microsoft.com/office/drawing/2014/main" id="{EA81EC94-250F-0B42-12E2-4134D6F359B7}"/>
+              </a:ext>
+            </a:extLst>
+          </p:cNvPr>
+          <p:cNvSpPr txBox="1"/>
+          <p:nvPr/>
+        </p:nvSpPr>
+        <p:spPr>
+          <a:xfrm>
+            <a:off x="1720735" y="107035"/>
+            <a:ext cx="8750530" cy="1569660"/>
+          </a:xfrm>
+          <a:prstGeom prst="rect">
+            <a:avLst/>
+          </a:prstGeom>
+          <a:noFill/>
+        </p:spPr>
+        <p:txBody>
+          <a:bodyPr wrap="square" rtlCol="0">
+            <a:spAutoFit/>
+          </a:bodyPr>
+          <a:lstStyle/>
+          <a:p>
+            <a:pPr algn="ctr"/>
+            <a:r>
+              <a:rPr lang="en-US" sz="9600" b="1" dirty="0">
+                <a:solidFill>
+                  <a:schemeClr val="bg1"/>
+                </a:solidFill>
+              </a:rPr>
+              <a:t>Polymorphism</a:t>
+            </a:r>
+            <a:endParaRPr lang="en-IN" sz="9600" b="1" dirty="0">
+              <a:solidFill>
+                <a:schemeClr val="bg1"/>
+              </a:solidFill>
+            </a:endParaRPr>
+          </a:p>
+        </p:txBody>
+      </p:sp>
+      <p:sp>
+        <p:nvSpPr>
+          <p:cNvPr id="2" name="TextBox 1">
+            <a:extLst>
+              <a:ext uri="{FF2B5EF4-FFF2-40B4-BE49-F238E27FC236}">
+                <a16:creationId xmlns:a16="http://schemas.microsoft.com/office/drawing/2014/main" id="{E9DE591B-4939-BD9B-5F39-65057104C8EC}"/>
+              </a:ext>
+            </a:extLst>
+          </p:cNvPr>
+          <p:cNvSpPr txBox="1"/>
+          <p:nvPr/>
+        </p:nvSpPr>
+        <p:spPr>
+          <a:xfrm>
+            <a:off x="579121" y="2180719"/>
+            <a:ext cx="11308080" cy="3970318"/>
+          </a:xfrm>
+          <a:prstGeom prst="rect">
+            <a:avLst/>
+          </a:prstGeom>
+          <a:noFill/>
+        </p:spPr>
+        <p:txBody>
+          <a:bodyPr wrap="square" rtlCol="0">
+            <a:spAutoFit/>
+          </a:bodyPr>
+          <a:lstStyle/>
+          <a:p>
+            <a:pPr algn="ctr"/>
+            <a:r>
+              <a:rPr lang="en-US" sz="3600" dirty="0">
+                <a:solidFill>
+                  <a:schemeClr val="bg1"/>
+                </a:solidFill>
+              </a:rPr>
+              <a:t>Polymorphism allows methods to perform different tasks based on the object that calls them.</a:t>
+            </a:r>
+          </a:p>
+          <a:p>
+            <a:pPr algn="ctr"/>
+            <a:endParaRPr lang="en-US" sz="3600" dirty="0">
+              <a:solidFill>
+                <a:schemeClr val="bg1"/>
+              </a:solidFill>
+            </a:endParaRPr>
+          </a:p>
+          <a:p>
+            <a:pPr algn="ctr"/>
+            <a:r>
+              <a:rPr lang="en-US" sz="3600" dirty="0">
+                <a:solidFill>
+                  <a:schemeClr val="bg1"/>
+                </a:solidFill>
+              </a:rPr>
+              <a:t>It can be achieved via:</a:t>
+            </a:r>
+          </a:p>
+          <a:p>
+            <a:pPr algn="ctr"/>
+            <a:endParaRPr lang="en-US" sz="3600" dirty="0">
+              <a:solidFill>
+                <a:schemeClr val="bg1"/>
+              </a:solidFill>
+            </a:endParaRPr>
+          </a:p>
+          <a:p>
+            <a:pPr marL="342900" indent="-342900">
+              <a:buFont typeface="Arial" panose="020B0604020202020204" pitchFamily="34" charset="0"/>
+              <a:buChar char="•"/>
+            </a:pPr>
+            <a:r>
+              <a:rPr lang="en-IN" sz="3600" dirty="0">
+                <a:solidFill>
+                  <a:schemeClr val="bg1"/>
+                </a:solidFill>
+              </a:rPr>
+              <a:t>Runtime Polymorphism (Method Overriding)</a:t>
+            </a:r>
+          </a:p>
+          <a:p>
+            <a:pPr marL="342900" indent="-342900">
+              <a:buFont typeface="Arial" panose="020B0604020202020204" pitchFamily="34" charset="0"/>
+              <a:buChar char="•"/>
+            </a:pPr>
+            <a:r>
+              <a:rPr lang="en-IN" sz="3600" dirty="0">
+                <a:solidFill>
+                  <a:schemeClr val="bg1"/>
+                </a:solidFill>
+              </a:rPr>
+              <a:t>Compile-time Polymorphism (Method Overriding)</a:t>
+            </a:r>
+          </a:p>
+        </p:txBody>
+      </p:sp>
+    </p:spTree>
+    <p:extLst>
+      <p:ext uri="{BB962C8B-B14F-4D97-AF65-F5344CB8AC3E}">
+        <p14:creationId xmlns:p14="http://schemas.microsoft.com/office/powerpoint/2010/main" val="897228812"/>
+      </p:ext>
+    </p:extLst>
+  </p:cSld>
+  <p:clrMapOvr>
+    <a:masterClrMapping/>
+  </p:clrMapOvr>
+  <mc:AlternateContent xmlns:mc="http://schemas.openxmlformats.org/markup-compatibility/2006">
+    <mc:Choice xmlns:p14="http://schemas.microsoft.com/office/powerpoint/2010/main" Requires="p14">
+      <p:transition spd="slow" p14:dur="4000">
+        <p14:vortex dir="r"/>
+      </p:transition>
+    </mc:Choice>
+    <mc:Fallback>
+      <p:transition spd="slow">
+        <p:fade/>
+      </p:transition>
+    </mc:Fallback>
+  </mc:AlternateContent>
+</p:sld>
+</file>
+
+<file path=ppt/slides/slide45.xml><?xml version="1.0" encoding="utf-8"?>
+<p:sld xmlns:a="http://schemas.openxmlformats.org/drawingml/2006/main" xmlns:r="http://schemas.openxmlformats.org/officeDocument/2006/relationships" xmlns:p="http://schemas.openxmlformats.org/presentationml/2006/main">
+  <p:cSld>
+    <p:spTree>
+      <p:nvGrpSpPr>
+        <p:cNvPr id="1" name="">
+          <a:extLst>
+            <a:ext uri="{FF2B5EF4-FFF2-40B4-BE49-F238E27FC236}">
+              <a16:creationId xmlns:a16="http://schemas.microsoft.com/office/drawing/2014/main" id="{C527240E-8747-2B06-7EF3-8877E8565608}"/>
+            </a:ext>
+          </a:extLst>
+        </p:cNvPr>
+        <p:cNvGrpSpPr/>
+        <p:nvPr/>
+      </p:nvGrpSpPr>
+      <p:grpSpPr>
+        <a:xfrm>
+          <a:off x="0" y="0"/>
+          <a:ext cx="0" cy="0"/>
+          <a:chOff x="0" y="0"/>
+          <a:chExt cx="0" cy="0"/>
+        </a:xfrm>
+      </p:grpSpPr>
+      <p:sp>
+        <p:nvSpPr>
+          <p:cNvPr id="3" name="TextBox 2">
+            <a:extLst>
+              <a:ext uri="{FF2B5EF4-FFF2-40B4-BE49-F238E27FC236}">
+                <a16:creationId xmlns:a16="http://schemas.microsoft.com/office/drawing/2014/main" id="{6AB4F74F-AF77-A29F-395D-FCAB9A86C254}"/>
+              </a:ext>
+            </a:extLst>
+          </p:cNvPr>
+          <p:cNvSpPr txBox="1"/>
+          <p:nvPr/>
+        </p:nvSpPr>
+        <p:spPr>
+          <a:xfrm>
+            <a:off x="1720735" y="107035"/>
+            <a:ext cx="8750530" cy="1200329"/>
+          </a:xfrm>
+          <a:prstGeom prst="rect">
+            <a:avLst/>
+          </a:prstGeom>
+          <a:noFill/>
+        </p:spPr>
+        <p:txBody>
+          <a:bodyPr wrap="square" rtlCol="0">
+            <a:spAutoFit/>
+          </a:bodyPr>
+          <a:lstStyle/>
+          <a:p>
+            <a:pPr algn="ctr"/>
+            <a:r>
+              <a:rPr lang="en-US" sz="7200" b="1" dirty="0">
+                <a:solidFill>
+                  <a:schemeClr val="bg1"/>
+                </a:solidFill>
+              </a:rPr>
+              <a:t>Method Overloading</a:t>
+            </a:r>
+            <a:endParaRPr lang="en-IN" sz="7200" b="1" dirty="0">
+              <a:solidFill>
+                <a:schemeClr val="bg1"/>
+              </a:solidFill>
+            </a:endParaRPr>
+          </a:p>
+        </p:txBody>
+      </p:sp>
+      <p:sp>
+        <p:nvSpPr>
+          <p:cNvPr id="2" name="TextBox 1">
+            <a:extLst>
+              <a:ext uri="{FF2B5EF4-FFF2-40B4-BE49-F238E27FC236}">
+                <a16:creationId xmlns:a16="http://schemas.microsoft.com/office/drawing/2014/main" id="{4B7BA655-19E7-6F1E-2B40-6BE35C7DED51}"/>
+              </a:ext>
+            </a:extLst>
+          </p:cNvPr>
+          <p:cNvSpPr txBox="1"/>
+          <p:nvPr/>
+        </p:nvSpPr>
+        <p:spPr>
+          <a:xfrm>
+            <a:off x="441960" y="2180719"/>
+            <a:ext cx="11308080" cy="4524315"/>
+          </a:xfrm>
+          <a:prstGeom prst="rect">
+            <a:avLst/>
+          </a:prstGeom>
+          <a:noFill/>
+        </p:spPr>
+        <p:txBody>
+          <a:bodyPr wrap="square" rtlCol="0">
+            <a:spAutoFit/>
+          </a:bodyPr>
+          <a:lstStyle/>
+          <a:p>
+            <a:pPr algn="ctr"/>
+            <a:r>
+              <a:rPr lang="en-US" sz="4800" dirty="0">
+                <a:solidFill>
+                  <a:schemeClr val="bg1"/>
+                </a:solidFill>
+              </a:rPr>
+              <a:t>Method Overloading in java is a feature that allows a class to have multiple methods with the same name but different parameter lists. It enables a method to perform  different tasks depending on the arguments passed to it.</a:t>
+            </a:r>
+            <a:endParaRPr lang="en-IN" sz="4800" dirty="0">
+              <a:solidFill>
+                <a:schemeClr val="bg1"/>
+              </a:solidFill>
+            </a:endParaRPr>
+          </a:p>
+        </p:txBody>
+      </p:sp>
+      <p:sp>
+        <p:nvSpPr>
+          <p:cNvPr id="4" name="TextBox 3">
+            <a:extLst>
+              <a:ext uri="{FF2B5EF4-FFF2-40B4-BE49-F238E27FC236}">
+                <a16:creationId xmlns:a16="http://schemas.microsoft.com/office/drawing/2014/main" id="{DB7BA54E-24AB-8B02-9B61-F6F422AC3180}"/>
+              </a:ext>
+            </a:extLst>
+          </p:cNvPr>
+          <p:cNvSpPr txBox="1"/>
+          <p:nvPr/>
+        </p:nvSpPr>
+        <p:spPr>
+          <a:xfrm>
+            <a:off x="1720735" y="1097635"/>
+            <a:ext cx="8750530" cy="584775"/>
+          </a:xfrm>
+          <a:prstGeom prst="rect">
+            <a:avLst/>
+          </a:prstGeom>
+          <a:noFill/>
+        </p:spPr>
+        <p:txBody>
+          <a:bodyPr wrap="square" rtlCol="0">
+            <a:spAutoFit/>
+          </a:bodyPr>
+          <a:lstStyle/>
+          <a:p>
+            <a:pPr algn="ctr"/>
+            <a:r>
+              <a:rPr lang="en-US" sz="3200" b="1" dirty="0">
+                <a:solidFill>
+                  <a:schemeClr val="bg1"/>
+                </a:solidFill>
+              </a:rPr>
+              <a:t>(Compile-Time Polymorphism)</a:t>
+            </a:r>
+            <a:endParaRPr lang="en-IN" sz="3200" b="1" dirty="0">
+              <a:solidFill>
+                <a:schemeClr val="bg1"/>
+              </a:solidFill>
+            </a:endParaRPr>
+          </a:p>
+        </p:txBody>
+      </p:sp>
+    </p:spTree>
+    <p:extLst>
+      <p:ext uri="{BB962C8B-B14F-4D97-AF65-F5344CB8AC3E}">
+        <p14:creationId xmlns:p14="http://schemas.microsoft.com/office/powerpoint/2010/main" val="2465479993"/>
+      </p:ext>
+    </p:extLst>
+  </p:cSld>
+  <p:clrMapOvr>
+    <a:masterClrMapping/>
+  </p:clrMapOvr>
+  <mc:AlternateContent xmlns:mc="http://schemas.openxmlformats.org/markup-compatibility/2006">
+    <mc:Choice xmlns:p14="http://schemas.microsoft.com/office/powerpoint/2010/main" Requires="p14">
+      <p:transition spd="slow" p14:dur="800">
+        <p14:flythrough/>
+      </p:transition>
+    </mc:Choice>
+    <mc:Fallback>
+      <p:transition spd="slow">
+        <p:fade/>
+      </p:transition>
+    </mc:Fallback>
+  </mc:AlternateContent>
+</p:sld>
+</file>
+
+<file path=ppt/slides/slide46.xml><?xml version="1.0" encoding="utf-8"?>
+<p:sld xmlns:a="http://schemas.openxmlformats.org/drawingml/2006/main" xmlns:r="http://schemas.openxmlformats.org/officeDocument/2006/relationships" xmlns:p="http://schemas.openxmlformats.org/presentationml/2006/main">
+  <p:cSld>
+    <p:spTree>
+      <p:nvGrpSpPr>
+        <p:cNvPr id="1" name="">
+          <a:extLst>
+            <a:ext uri="{FF2B5EF4-FFF2-40B4-BE49-F238E27FC236}">
+              <a16:creationId xmlns:a16="http://schemas.microsoft.com/office/drawing/2014/main" id="{8E8E0D5B-C9C4-6059-1458-D6FB740B634E}"/>
+            </a:ext>
+          </a:extLst>
+        </p:cNvPr>
+        <p:cNvGrpSpPr/>
+        <p:nvPr/>
+      </p:nvGrpSpPr>
+      <p:grpSpPr>
+        <a:xfrm>
+          <a:off x="0" y="0"/>
+          <a:ext cx="0" cy="0"/>
+          <a:chOff x="0" y="0"/>
+          <a:chExt cx="0" cy="0"/>
+        </a:xfrm>
+      </p:grpSpPr>
+      <p:sp>
+        <p:nvSpPr>
+          <p:cNvPr id="3" name="TextBox 2">
+            <a:extLst>
+              <a:ext uri="{FF2B5EF4-FFF2-40B4-BE49-F238E27FC236}">
+                <a16:creationId xmlns:a16="http://schemas.microsoft.com/office/drawing/2014/main" id="{CB73E97A-B352-6723-EEFA-5DDB80DC7FEA}"/>
+              </a:ext>
+            </a:extLst>
+          </p:cNvPr>
+          <p:cNvSpPr txBox="1"/>
+          <p:nvPr/>
+        </p:nvSpPr>
+        <p:spPr>
+          <a:xfrm>
+            <a:off x="2381770" y="259435"/>
+            <a:ext cx="7428460" cy="646331"/>
+          </a:xfrm>
+          <a:prstGeom prst="rect">
+            <a:avLst/>
+          </a:prstGeom>
+          <a:noFill/>
+        </p:spPr>
+        <p:txBody>
+          <a:bodyPr wrap="square" rtlCol="0">
+            <a:spAutoFit/>
+          </a:bodyPr>
+          <a:lstStyle/>
+          <a:p>
+            <a:pPr algn="ctr"/>
+            <a:r>
+              <a:rPr lang="en-US" sz="3600" b="1" dirty="0">
+                <a:solidFill>
+                  <a:schemeClr val="bg1"/>
+                </a:solidFill>
+              </a:rPr>
+              <a:t>Different Numbers of Parameters</a:t>
+            </a:r>
+            <a:endParaRPr lang="en-IN" sz="3600" b="1" dirty="0">
+              <a:solidFill>
+                <a:schemeClr val="bg1"/>
+              </a:solidFill>
+            </a:endParaRPr>
+          </a:p>
+        </p:txBody>
+      </p:sp>
+      <p:sp>
+        <p:nvSpPr>
+          <p:cNvPr id="4" name="Rectangle: Rounded Corners 3">
+            <a:extLst>
+              <a:ext uri="{FF2B5EF4-FFF2-40B4-BE49-F238E27FC236}">
+                <a16:creationId xmlns:a16="http://schemas.microsoft.com/office/drawing/2014/main" id="{5B01DF70-8EB3-1C0A-C3AC-B38D53CC9CA7}"/>
+              </a:ext>
+            </a:extLst>
+          </p:cNvPr>
+          <p:cNvSpPr/>
+          <p:nvPr/>
+        </p:nvSpPr>
+        <p:spPr>
+          <a:xfrm>
+            <a:off x="3219788" y="1143001"/>
+            <a:ext cx="5752425" cy="5219700"/>
+          </a:xfrm>
+          <a:prstGeom prst="roundRect">
+            <a:avLst>
+              <a:gd name="adj" fmla="val 4667"/>
+            </a:avLst>
+          </a:prstGeom>
+          <a:solidFill>
+            <a:schemeClr val="tx1">
+              <a:lumMod val="75000"/>
+              <a:lumOff val="25000"/>
+            </a:schemeClr>
+          </a:solidFill>
+        </p:spPr>
+        <p:style>
+          <a:lnRef idx="2">
+            <a:schemeClr val="accent1">
+              <a:shade val="15000"/>
+            </a:schemeClr>
+          </a:lnRef>
+          <a:fillRef idx="1">
+            <a:schemeClr val="accent1"/>
+          </a:fillRef>
+          <a:effectRef idx="0">
+            <a:schemeClr val="accent1"/>
+          </a:effectRef>
+          <a:fontRef idx="minor">
+            <a:schemeClr val="lt1"/>
+          </a:fontRef>
+        </p:style>
+        <p:txBody>
+          <a:bodyPr rtlCol="0" anchor="ctr"/>
+          <a:lstStyle/>
+          <a:p>
+            <a:pPr algn="ctr"/>
+            <a:endParaRPr lang="en-IN" dirty="0"/>
+          </a:p>
+        </p:txBody>
+      </p:sp>
+      <p:grpSp>
+        <p:nvGrpSpPr>
+          <p:cNvPr id="5" name="Group 4">
+            <a:extLst>
+              <a:ext uri="{FF2B5EF4-FFF2-40B4-BE49-F238E27FC236}">
+                <a16:creationId xmlns:a16="http://schemas.microsoft.com/office/drawing/2014/main" id="{BA6B126D-1105-160C-02C6-B531D90FCC77}"/>
+              </a:ext>
+            </a:extLst>
+          </p:cNvPr>
+          <p:cNvGrpSpPr/>
+          <p:nvPr/>
+        </p:nvGrpSpPr>
+        <p:grpSpPr>
+          <a:xfrm>
+            <a:off x="3401289" y="1376509"/>
+            <a:ext cx="677316" cy="173888"/>
+            <a:chOff x="2494800" y="1449970"/>
+            <a:chExt cx="788035" cy="203835"/>
+          </a:xfrm>
+        </p:grpSpPr>
+        <p:sp>
+          <p:nvSpPr>
+            <p:cNvPr id="6" name="Oval 5">
+              <a:extLst>
+                <a:ext uri="{FF2B5EF4-FFF2-40B4-BE49-F238E27FC236}">
+                  <a16:creationId xmlns:a16="http://schemas.microsoft.com/office/drawing/2014/main" id="{1EC86ABA-58EF-3AFC-98D5-38B0F676EB41}"/>
+                </a:ext>
+              </a:extLst>
+            </p:cNvPr>
+            <p:cNvSpPr/>
+            <p:nvPr/>
+          </p:nvSpPr>
+          <p:spPr>
+            <a:xfrm>
+              <a:off x="2494800" y="1449970"/>
+              <a:ext cx="203835" cy="203835"/>
+            </a:xfrm>
+            <a:prstGeom prst="ellipse">
+              <a:avLst/>
+            </a:prstGeom>
+            <a:solidFill>
+              <a:schemeClr val="accent2"/>
+            </a:solidFill>
+          </p:spPr>
+          <p:style>
+            <a:lnRef idx="2">
+              <a:schemeClr val="accent1">
+                <a:shade val="15000"/>
+              </a:schemeClr>
+            </a:lnRef>
+            <a:fillRef idx="1">
+              <a:schemeClr val="accent1"/>
+            </a:fillRef>
+            <a:effectRef idx="0">
+              <a:schemeClr val="accent1"/>
+            </a:effectRef>
+            <a:fontRef idx="minor">
+              <a:schemeClr val="lt1"/>
+            </a:fontRef>
+          </p:style>
+          <p:txBody>
+            <a:bodyPr rtlCol="0" anchor="ctr"/>
+            <a:lstStyle/>
+            <a:p>
+              <a:pPr algn="ctr"/>
+              <a:endParaRPr lang="en-IN" dirty="0"/>
+            </a:p>
+          </p:txBody>
+        </p:sp>
+        <p:sp>
+          <p:nvSpPr>
+            <p:cNvPr id="7" name="Oval 6">
+              <a:extLst>
+                <a:ext uri="{FF2B5EF4-FFF2-40B4-BE49-F238E27FC236}">
+                  <a16:creationId xmlns:a16="http://schemas.microsoft.com/office/drawing/2014/main" id="{3974E251-9B54-EFC8-5F67-B7CA8B2B61A2}"/>
+                </a:ext>
+              </a:extLst>
+            </p:cNvPr>
+            <p:cNvSpPr/>
+            <p:nvPr/>
+          </p:nvSpPr>
+          <p:spPr>
+            <a:xfrm>
+              <a:off x="2786900" y="1449970"/>
+              <a:ext cx="203835" cy="203835"/>
+            </a:xfrm>
+            <a:prstGeom prst="ellipse">
+              <a:avLst/>
+            </a:prstGeom>
+            <a:solidFill>
+              <a:srgbClr val="FFC000"/>
+            </a:solidFill>
+          </p:spPr>
+          <p:style>
+            <a:lnRef idx="2">
+              <a:schemeClr val="accent1">
+                <a:shade val="15000"/>
+              </a:schemeClr>
+            </a:lnRef>
+            <a:fillRef idx="1">
+              <a:schemeClr val="accent1"/>
+            </a:fillRef>
+            <a:effectRef idx="0">
+              <a:schemeClr val="accent1"/>
+            </a:effectRef>
+            <a:fontRef idx="minor">
+              <a:schemeClr val="lt1"/>
+            </a:fontRef>
+          </p:style>
+          <p:txBody>
+            <a:bodyPr rtlCol="0" anchor="ctr"/>
+            <a:lstStyle/>
+            <a:p>
+              <a:pPr algn="ctr"/>
+              <a:endParaRPr lang="en-IN" dirty="0"/>
+            </a:p>
+          </p:txBody>
+        </p:sp>
+        <p:sp>
+          <p:nvSpPr>
+            <p:cNvPr id="8" name="Oval 7">
+              <a:extLst>
+                <a:ext uri="{FF2B5EF4-FFF2-40B4-BE49-F238E27FC236}">
+                  <a16:creationId xmlns:a16="http://schemas.microsoft.com/office/drawing/2014/main" id="{4A0B2198-7B1F-5021-144D-129C0C9380F6}"/>
+                </a:ext>
+              </a:extLst>
+            </p:cNvPr>
+            <p:cNvSpPr/>
+            <p:nvPr/>
+          </p:nvSpPr>
+          <p:spPr>
+            <a:xfrm>
+              <a:off x="3079000" y="1449970"/>
+              <a:ext cx="203835" cy="203835"/>
+            </a:xfrm>
+            <a:prstGeom prst="ellipse">
+              <a:avLst/>
+            </a:prstGeom>
+            <a:solidFill>
+              <a:schemeClr val="accent6"/>
+            </a:solidFill>
+          </p:spPr>
+          <p:style>
+            <a:lnRef idx="2">
+              <a:schemeClr val="accent1">
+                <a:shade val="15000"/>
+              </a:schemeClr>
+            </a:lnRef>
+            <a:fillRef idx="1">
+              <a:schemeClr val="accent1"/>
+            </a:fillRef>
+            <a:effectRef idx="0">
+              <a:schemeClr val="accent1"/>
+            </a:effectRef>
+            <a:fontRef idx="minor">
+              <a:schemeClr val="lt1"/>
+            </a:fontRef>
+          </p:style>
+          <p:txBody>
+            <a:bodyPr rtlCol="0" anchor="ctr"/>
+            <a:lstStyle/>
+            <a:p>
+              <a:pPr algn="ctr"/>
+              <a:endParaRPr lang="en-IN" dirty="0"/>
+            </a:p>
+          </p:txBody>
+        </p:sp>
+      </p:grpSp>
+      <p:sp>
+        <p:nvSpPr>
+          <p:cNvPr id="9" name="TextBox 8">
+            <a:extLst>
+              <a:ext uri="{FF2B5EF4-FFF2-40B4-BE49-F238E27FC236}">
+                <a16:creationId xmlns:a16="http://schemas.microsoft.com/office/drawing/2014/main" id="{7A6185E5-92A1-6F1F-6358-EFD6864324D7}"/>
+              </a:ext>
+            </a:extLst>
+          </p:cNvPr>
+          <p:cNvSpPr txBox="1"/>
+          <p:nvPr/>
+        </p:nvSpPr>
+        <p:spPr>
+          <a:xfrm>
+            <a:off x="3329419" y="1758308"/>
+            <a:ext cx="5533161" cy="4616648"/>
+          </a:xfrm>
+          <a:prstGeom prst="rect">
+            <a:avLst/>
+          </a:prstGeom>
+          <a:noFill/>
+        </p:spPr>
+        <p:txBody>
+          <a:bodyPr wrap="square" rtlCol="0">
+            <a:spAutoFit/>
+          </a:bodyPr>
+          <a:lstStyle/>
+          <a:p>
+            <a:r>
+              <a:rPr lang="en-IN" sz="1400" dirty="0">
+                <a:solidFill>
+                  <a:schemeClr val="accent2">
+                    <a:lumMod val="75000"/>
+                  </a:schemeClr>
+                </a:solidFill>
+              </a:rPr>
+              <a:t>Class</a:t>
+            </a:r>
+            <a:r>
+              <a:rPr lang="en-IN" sz="1400" dirty="0">
+                <a:solidFill>
+                  <a:schemeClr val="bg1"/>
+                </a:solidFill>
+              </a:rPr>
+              <a:t> </a:t>
+            </a:r>
+            <a:r>
+              <a:rPr lang="en-IN" sz="1400" dirty="0">
+                <a:solidFill>
+                  <a:srgbClr val="FFFF00"/>
+                </a:solidFill>
+              </a:rPr>
+              <a:t>Calculator</a:t>
+            </a:r>
+            <a:r>
+              <a:rPr lang="en-IN" sz="1400" dirty="0">
+                <a:solidFill>
+                  <a:schemeClr val="bg1"/>
+                </a:solidFill>
+              </a:rPr>
+              <a:t>  {</a:t>
+            </a:r>
+          </a:p>
+          <a:p>
+            <a:r>
+              <a:rPr lang="en-IN" sz="1400" dirty="0">
+                <a:solidFill>
+                  <a:schemeClr val="tx1">
+                    <a:lumMod val="50000"/>
+                    <a:lumOff val="50000"/>
+                  </a:schemeClr>
+                </a:solidFill>
+              </a:rPr>
+              <a:t>	// Add two integers</a:t>
+            </a:r>
+          </a:p>
+          <a:p>
+            <a:r>
+              <a:rPr lang="en-IN" sz="1400" dirty="0">
+                <a:solidFill>
+                  <a:schemeClr val="bg1"/>
+                </a:solidFill>
+              </a:rPr>
+              <a:t>	int  </a:t>
+            </a:r>
+            <a:r>
+              <a:rPr lang="en-IN" sz="1400" dirty="0">
+                <a:solidFill>
+                  <a:schemeClr val="accent4">
+                    <a:lumMod val="60000"/>
+                    <a:lumOff val="40000"/>
+                  </a:schemeClr>
+                </a:solidFill>
+              </a:rPr>
+              <a:t>add </a:t>
+            </a:r>
+            <a:r>
+              <a:rPr lang="en-IN" sz="1400" dirty="0">
+                <a:solidFill>
+                  <a:schemeClr val="bg1"/>
+                </a:solidFill>
+              </a:rPr>
+              <a:t>(int</a:t>
+            </a:r>
+            <a:r>
+              <a:rPr lang="en-IN" sz="1400" dirty="0">
+                <a:solidFill>
+                  <a:schemeClr val="accent4">
+                    <a:lumMod val="60000"/>
+                    <a:lumOff val="40000"/>
+                  </a:schemeClr>
+                </a:solidFill>
+              </a:rPr>
+              <a:t> a, </a:t>
+            </a:r>
+            <a:r>
+              <a:rPr lang="en-IN" sz="1400" dirty="0">
+                <a:solidFill>
+                  <a:schemeClr val="bg1"/>
+                </a:solidFill>
+              </a:rPr>
+              <a:t>int</a:t>
+            </a:r>
+            <a:r>
+              <a:rPr lang="en-IN" sz="1400" dirty="0">
+                <a:solidFill>
+                  <a:schemeClr val="accent4">
+                    <a:lumMod val="60000"/>
+                    <a:lumOff val="40000"/>
+                  </a:schemeClr>
+                </a:solidFill>
+              </a:rPr>
+              <a:t> b</a:t>
+            </a:r>
+            <a:r>
+              <a:rPr lang="en-IN" sz="1400" dirty="0">
+                <a:solidFill>
+                  <a:schemeClr val="bg1"/>
+                </a:solidFill>
+              </a:rPr>
+              <a:t>)</a:t>
+            </a:r>
+            <a:r>
+              <a:rPr lang="en-IN" sz="1400" dirty="0">
+                <a:solidFill>
+                  <a:schemeClr val="accent4">
+                    <a:lumMod val="60000"/>
+                    <a:lumOff val="40000"/>
+                  </a:schemeClr>
+                </a:solidFill>
+              </a:rPr>
+              <a:t> {</a:t>
+            </a:r>
+          </a:p>
+          <a:p>
+            <a:r>
+              <a:rPr lang="en-IN" sz="1400" dirty="0">
+                <a:solidFill>
+                  <a:schemeClr val="accent4">
+                    <a:lumMod val="60000"/>
+                    <a:lumOff val="40000"/>
+                  </a:schemeClr>
+                </a:solidFill>
+              </a:rPr>
+              <a:t>		</a:t>
+            </a:r>
+            <a:r>
+              <a:rPr lang="en-IN" sz="1400" dirty="0">
+                <a:solidFill>
+                  <a:srgbClr val="E97132"/>
+                </a:solidFill>
+              </a:rPr>
+              <a:t>return</a:t>
+            </a:r>
+            <a:r>
+              <a:rPr lang="en-IN" sz="1400" dirty="0">
+                <a:solidFill>
+                  <a:schemeClr val="accent4">
+                    <a:lumMod val="60000"/>
+                    <a:lumOff val="40000"/>
+                  </a:schemeClr>
+                </a:solidFill>
+              </a:rPr>
+              <a:t> a </a:t>
+            </a:r>
+            <a:r>
+              <a:rPr lang="en-IN" sz="1400" dirty="0">
+                <a:solidFill>
+                  <a:schemeClr val="bg1"/>
+                </a:solidFill>
+              </a:rPr>
+              <a:t>+</a:t>
+            </a:r>
+            <a:r>
+              <a:rPr lang="en-IN" sz="1400" dirty="0">
+                <a:solidFill>
+                  <a:schemeClr val="accent4">
+                    <a:lumMod val="60000"/>
+                    <a:lumOff val="40000"/>
+                  </a:schemeClr>
+                </a:solidFill>
+              </a:rPr>
+              <a:t> b;</a:t>
+            </a:r>
+          </a:p>
+          <a:p>
+            <a:r>
+              <a:rPr lang="en-IN" sz="1400" dirty="0">
+                <a:solidFill>
+                  <a:schemeClr val="accent4">
+                    <a:lumMod val="60000"/>
+                    <a:lumOff val="40000"/>
+                  </a:schemeClr>
+                </a:solidFill>
+              </a:rPr>
+              <a:t>	}</a:t>
+            </a:r>
+          </a:p>
+          <a:p>
+            <a:r>
+              <a:rPr lang="en-IN" sz="1400" dirty="0">
+                <a:solidFill>
+                  <a:schemeClr val="tx1">
+                    <a:lumMod val="50000"/>
+                    <a:lumOff val="50000"/>
+                  </a:schemeClr>
+                </a:solidFill>
+              </a:rPr>
+              <a:t>	// Add two integers</a:t>
+            </a:r>
+          </a:p>
+          <a:p>
+            <a:r>
+              <a:rPr lang="en-IN" sz="1400" dirty="0">
+                <a:solidFill>
+                  <a:schemeClr val="bg1"/>
+                </a:solidFill>
+              </a:rPr>
+              <a:t>	int </a:t>
+            </a:r>
+            <a:r>
+              <a:rPr lang="en-IN" sz="1400" dirty="0">
+                <a:solidFill>
+                  <a:schemeClr val="accent4">
+                    <a:lumMod val="60000"/>
+                    <a:lumOff val="40000"/>
+                  </a:schemeClr>
+                </a:solidFill>
+              </a:rPr>
+              <a:t>add</a:t>
+            </a:r>
+            <a:r>
+              <a:rPr lang="en-IN" sz="1400" dirty="0">
+                <a:solidFill>
+                  <a:schemeClr val="bg1"/>
+                </a:solidFill>
+              </a:rPr>
+              <a:t>(int </a:t>
+            </a:r>
+            <a:r>
+              <a:rPr lang="en-IN" sz="1400" dirty="0">
+                <a:solidFill>
+                  <a:schemeClr val="accent4">
+                    <a:lumMod val="60000"/>
+                    <a:lumOff val="40000"/>
+                  </a:schemeClr>
+                </a:solidFill>
+              </a:rPr>
+              <a:t>a</a:t>
+            </a:r>
+            <a:r>
+              <a:rPr lang="en-IN" sz="1400" dirty="0">
+                <a:solidFill>
+                  <a:schemeClr val="bg1"/>
+                </a:solidFill>
+              </a:rPr>
+              <a:t>, int </a:t>
+            </a:r>
+            <a:r>
+              <a:rPr lang="en-IN" sz="1400" dirty="0">
+                <a:solidFill>
+                  <a:schemeClr val="accent4">
+                    <a:lumMod val="60000"/>
+                    <a:lumOff val="40000"/>
+                  </a:schemeClr>
+                </a:solidFill>
+              </a:rPr>
+              <a:t>b</a:t>
+            </a:r>
+            <a:r>
+              <a:rPr lang="en-IN" sz="1400" dirty="0">
+                <a:solidFill>
+                  <a:schemeClr val="bg1"/>
+                </a:solidFill>
+              </a:rPr>
+              <a:t>, int </a:t>
+            </a:r>
+            <a:r>
+              <a:rPr lang="en-IN" sz="1400" dirty="0">
+                <a:solidFill>
+                  <a:schemeClr val="accent4">
+                    <a:lumMod val="60000"/>
+                    <a:lumOff val="40000"/>
+                  </a:schemeClr>
+                </a:solidFill>
+              </a:rPr>
+              <a:t>c</a:t>
+            </a:r>
+            <a:r>
+              <a:rPr lang="en-IN" sz="1400" dirty="0">
+                <a:solidFill>
+                  <a:schemeClr val="bg1"/>
+                </a:solidFill>
+              </a:rPr>
+              <a:t>) {</a:t>
+            </a:r>
+          </a:p>
+          <a:p>
+            <a:r>
+              <a:rPr lang="en-IN" sz="1400" dirty="0">
+                <a:solidFill>
+                  <a:schemeClr val="bg1"/>
+                </a:solidFill>
+              </a:rPr>
+              <a:t>		</a:t>
+            </a:r>
+            <a:r>
+              <a:rPr lang="en-IN" sz="1400" dirty="0">
+                <a:solidFill>
+                  <a:srgbClr val="E97132"/>
+                </a:solidFill>
+              </a:rPr>
+              <a:t>return</a:t>
+            </a:r>
+            <a:r>
+              <a:rPr lang="en-IN" sz="1400" dirty="0">
+                <a:solidFill>
+                  <a:schemeClr val="bg1"/>
+                </a:solidFill>
+              </a:rPr>
+              <a:t> </a:t>
+            </a:r>
+            <a:r>
+              <a:rPr lang="en-IN" sz="1400" dirty="0">
+                <a:solidFill>
+                  <a:schemeClr val="accent4">
+                    <a:lumMod val="60000"/>
+                    <a:lumOff val="40000"/>
+                  </a:schemeClr>
+                </a:solidFill>
+              </a:rPr>
+              <a:t>a</a:t>
+            </a:r>
+            <a:r>
+              <a:rPr lang="en-IN" sz="1400" dirty="0">
+                <a:solidFill>
+                  <a:schemeClr val="bg1"/>
+                </a:solidFill>
+              </a:rPr>
+              <a:t> + </a:t>
+            </a:r>
+            <a:r>
+              <a:rPr lang="en-IN" sz="1400" dirty="0">
+                <a:solidFill>
+                  <a:schemeClr val="accent4">
+                    <a:lumMod val="60000"/>
+                    <a:lumOff val="40000"/>
+                  </a:schemeClr>
+                </a:solidFill>
+              </a:rPr>
+              <a:t>b</a:t>
+            </a:r>
+            <a:r>
+              <a:rPr lang="en-IN" sz="1400" dirty="0">
+                <a:solidFill>
+                  <a:schemeClr val="bg1"/>
+                </a:solidFill>
+              </a:rPr>
+              <a:t> + </a:t>
+            </a:r>
+            <a:r>
+              <a:rPr lang="en-IN" sz="1400" dirty="0">
+                <a:solidFill>
+                  <a:schemeClr val="accent4">
+                    <a:lumMod val="60000"/>
+                    <a:lumOff val="40000"/>
+                  </a:schemeClr>
+                </a:solidFill>
+              </a:rPr>
+              <a:t>c</a:t>
+            </a:r>
+            <a:r>
+              <a:rPr lang="en-IN" sz="1400" dirty="0">
+                <a:solidFill>
+                  <a:schemeClr val="bg1"/>
+                </a:solidFill>
+              </a:rPr>
+              <a:t>;</a:t>
+            </a:r>
+          </a:p>
+          <a:p>
+            <a:r>
+              <a:rPr lang="en-IN" sz="1400" dirty="0">
+                <a:solidFill>
+                  <a:schemeClr val="bg1"/>
+                </a:solidFill>
+              </a:rPr>
+              <a:t>	}</a:t>
+            </a:r>
+          </a:p>
+          <a:p>
+            <a:endParaRPr lang="en-IN" sz="1400" dirty="0">
+              <a:solidFill>
+                <a:schemeClr val="bg1"/>
+              </a:solidFill>
+            </a:endParaRPr>
+          </a:p>
+          <a:p>
+            <a:r>
+              <a:rPr lang="en-IN" sz="1400" dirty="0">
+                <a:solidFill>
+                  <a:schemeClr val="bg1"/>
+                </a:solidFill>
+              </a:rPr>
+              <a:t>}</a:t>
+            </a:r>
+          </a:p>
+          <a:p>
+            <a:endParaRPr lang="en-IN" sz="1400" dirty="0">
+              <a:solidFill>
+                <a:schemeClr val="bg1"/>
+              </a:solidFill>
+            </a:endParaRPr>
+          </a:p>
+          <a:p>
+            <a:r>
+              <a:rPr lang="en-IN" sz="1400" dirty="0">
+                <a:solidFill>
+                  <a:srgbClr val="E97132"/>
+                </a:solidFill>
+              </a:rPr>
+              <a:t>public</a:t>
+            </a:r>
+            <a:r>
+              <a:rPr lang="en-IN" sz="1400" dirty="0">
+                <a:solidFill>
+                  <a:schemeClr val="bg1"/>
+                </a:solidFill>
+              </a:rPr>
+              <a:t> </a:t>
+            </a:r>
+            <a:r>
+              <a:rPr lang="en-IN" sz="1400" dirty="0">
+                <a:solidFill>
+                  <a:srgbClr val="E97132"/>
+                </a:solidFill>
+              </a:rPr>
+              <a:t>class</a:t>
+            </a:r>
+            <a:r>
+              <a:rPr lang="en-IN" sz="1400" dirty="0">
+                <a:solidFill>
+                  <a:schemeClr val="bg1"/>
+                </a:solidFill>
+              </a:rPr>
+              <a:t> </a:t>
+            </a:r>
+            <a:r>
+              <a:rPr lang="en-IN" sz="1400" dirty="0">
+                <a:solidFill>
+                  <a:srgbClr val="FFFF00"/>
+                </a:solidFill>
+              </a:rPr>
+              <a:t>Main</a:t>
+            </a:r>
+            <a:r>
+              <a:rPr lang="en-IN" sz="1400" dirty="0">
+                <a:solidFill>
+                  <a:schemeClr val="bg1"/>
+                </a:solidFill>
+              </a:rPr>
+              <a:t> {</a:t>
+            </a:r>
+          </a:p>
+          <a:p>
+            <a:r>
+              <a:rPr lang="en-IN" sz="1400" dirty="0">
+                <a:solidFill>
+                  <a:schemeClr val="bg1"/>
+                </a:solidFill>
+              </a:rPr>
+              <a:t>	</a:t>
+            </a:r>
+            <a:r>
+              <a:rPr lang="en-IN" sz="1400" dirty="0">
+                <a:solidFill>
+                  <a:srgbClr val="E97132"/>
+                </a:solidFill>
+              </a:rPr>
+              <a:t>public</a:t>
+            </a:r>
+            <a:r>
+              <a:rPr lang="en-IN" sz="1400" dirty="0">
+                <a:solidFill>
+                  <a:schemeClr val="bg1"/>
+                </a:solidFill>
+              </a:rPr>
+              <a:t> </a:t>
+            </a:r>
+            <a:r>
+              <a:rPr lang="en-IN" sz="1400" dirty="0">
+                <a:solidFill>
+                  <a:srgbClr val="E97132"/>
+                </a:solidFill>
+              </a:rPr>
+              <a:t>static</a:t>
+            </a:r>
+            <a:r>
+              <a:rPr lang="en-IN" sz="1400" dirty="0">
+                <a:solidFill>
+                  <a:schemeClr val="bg1"/>
+                </a:solidFill>
+              </a:rPr>
+              <a:t> void </a:t>
+            </a:r>
+            <a:r>
+              <a:rPr lang="en-IN" sz="1400" dirty="0">
+                <a:solidFill>
+                  <a:schemeClr val="accent4">
+                    <a:lumMod val="60000"/>
+                    <a:lumOff val="40000"/>
+                  </a:schemeClr>
+                </a:solidFill>
+              </a:rPr>
+              <a:t>main</a:t>
+            </a:r>
+            <a:r>
+              <a:rPr lang="en-IN" sz="1400" dirty="0">
+                <a:solidFill>
+                  <a:schemeClr val="bg1"/>
+                </a:solidFill>
+              </a:rPr>
+              <a:t>(String[ ] </a:t>
+            </a:r>
+            <a:r>
+              <a:rPr lang="en-IN" sz="1400" dirty="0" err="1">
+                <a:solidFill>
+                  <a:schemeClr val="accent4">
+                    <a:lumMod val="60000"/>
+                    <a:lumOff val="40000"/>
+                  </a:schemeClr>
+                </a:solidFill>
+              </a:rPr>
+              <a:t>args</a:t>
+            </a:r>
+            <a:r>
+              <a:rPr lang="en-IN" sz="1400" dirty="0">
+                <a:solidFill>
+                  <a:schemeClr val="bg1"/>
+                </a:solidFill>
+              </a:rPr>
+              <a:t>) {</a:t>
+            </a:r>
+          </a:p>
+          <a:p>
+            <a:r>
+              <a:rPr lang="en-IN" sz="1400" dirty="0">
+                <a:solidFill>
+                  <a:schemeClr val="bg1"/>
+                </a:solidFill>
+              </a:rPr>
+              <a:t>		</a:t>
+            </a:r>
+            <a:r>
+              <a:rPr lang="en-IN" sz="1400" dirty="0">
+                <a:solidFill>
+                  <a:schemeClr val="accent4">
+                    <a:lumMod val="60000"/>
+                    <a:lumOff val="40000"/>
+                  </a:schemeClr>
+                </a:solidFill>
+              </a:rPr>
+              <a:t>Calculator</a:t>
+            </a:r>
+            <a:r>
+              <a:rPr lang="en-IN" sz="1400" dirty="0">
+                <a:solidFill>
+                  <a:schemeClr val="bg1"/>
+                </a:solidFill>
+              </a:rPr>
+              <a:t> </a:t>
+            </a:r>
+            <a:r>
+              <a:rPr lang="en-IN" sz="1400" dirty="0">
+                <a:solidFill>
+                  <a:schemeClr val="accent4">
+                    <a:lumMod val="60000"/>
+                    <a:lumOff val="40000"/>
+                  </a:schemeClr>
+                </a:solidFill>
+              </a:rPr>
+              <a:t>calc</a:t>
+            </a:r>
+            <a:r>
+              <a:rPr lang="en-IN" sz="1400" dirty="0">
+                <a:solidFill>
+                  <a:schemeClr val="bg1"/>
+                </a:solidFill>
+              </a:rPr>
+              <a:t> = </a:t>
+            </a:r>
+            <a:r>
+              <a:rPr lang="en-IN" sz="1400" dirty="0">
+                <a:solidFill>
+                  <a:srgbClr val="E97132"/>
+                </a:solidFill>
+              </a:rPr>
+              <a:t>new</a:t>
+            </a:r>
+            <a:r>
+              <a:rPr lang="en-IN" sz="1400" dirty="0">
+                <a:solidFill>
+                  <a:schemeClr val="bg1"/>
+                </a:solidFill>
+              </a:rPr>
+              <a:t> </a:t>
+            </a:r>
+            <a:r>
+              <a:rPr lang="en-IN" sz="1400" dirty="0">
+                <a:solidFill>
+                  <a:schemeClr val="accent4">
+                    <a:lumMod val="60000"/>
+                    <a:lumOff val="40000"/>
+                  </a:schemeClr>
+                </a:solidFill>
+              </a:rPr>
+              <a:t>Calculator</a:t>
+            </a:r>
+            <a:r>
+              <a:rPr lang="en-IN" sz="1400" dirty="0">
+                <a:solidFill>
+                  <a:schemeClr val="bg1"/>
+                </a:solidFill>
+              </a:rPr>
+              <a:t>( ) ;</a:t>
+            </a:r>
+          </a:p>
+          <a:p>
+            <a:r>
+              <a:rPr lang="en-IN" sz="1400" dirty="0">
+                <a:solidFill>
+                  <a:schemeClr val="bg1"/>
+                </a:solidFill>
+              </a:rPr>
+              <a:t>		</a:t>
+            </a:r>
+            <a:r>
+              <a:rPr lang="en-IN" sz="1400" dirty="0">
+                <a:solidFill>
+                  <a:schemeClr val="accent4">
+                    <a:lumMod val="60000"/>
+                    <a:lumOff val="40000"/>
+                  </a:schemeClr>
+                </a:solidFill>
+              </a:rPr>
+              <a:t>System</a:t>
+            </a:r>
+            <a:r>
+              <a:rPr lang="en-IN" sz="1400" dirty="0">
+                <a:solidFill>
+                  <a:schemeClr val="bg1"/>
+                </a:solidFill>
+              </a:rPr>
+              <a:t>.</a:t>
+            </a:r>
+            <a:r>
+              <a:rPr lang="en-IN" sz="1400" dirty="0">
+                <a:solidFill>
+                  <a:schemeClr val="accent4">
+                    <a:lumMod val="60000"/>
+                    <a:lumOff val="40000"/>
+                  </a:schemeClr>
+                </a:solidFill>
+              </a:rPr>
+              <a:t>out</a:t>
+            </a:r>
+            <a:r>
+              <a:rPr lang="en-IN" sz="1400" dirty="0">
+                <a:solidFill>
+                  <a:schemeClr val="bg1"/>
+                </a:solidFill>
+              </a:rPr>
+              <a:t>.</a:t>
+            </a:r>
+            <a:r>
+              <a:rPr lang="en-IN" sz="1400" dirty="0">
+                <a:solidFill>
+                  <a:schemeClr val="accent4">
+                    <a:lumMod val="60000"/>
+                    <a:lumOff val="40000"/>
+                  </a:schemeClr>
+                </a:solidFill>
+              </a:rPr>
+              <a:t>println</a:t>
+            </a:r>
+            <a:r>
+              <a:rPr lang="en-IN" sz="1400" dirty="0">
+                <a:solidFill>
+                  <a:schemeClr val="bg1"/>
+                </a:solidFill>
+              </a:rPr>
+              <a:t>(</a:t>
+            </a:r>
+            <a:r>
+              <a:rPr lang="en-IN" sz="1400" dirty="0" err="1">
+                <a:solidFill>
+                  <a:srgbClr val="FFFF00"/>
+                </a:solidFill>
+              </a:rPr>
+              <a:t>Calc.add</a:t>
+            </a:r>
+            <a:r>
+              <a:rPr lang="en-IN" sz="1400" dirty="0">
+                <a:solidFill>
+                  <a:schemeClr val="bg1"/>
+                </a:solidFill>
+              </a:rPr>
+              <a:t>(</a:t>
+            </a:r>
+            <a:r>
+              <a:rPr lang="en-IN" sz="1400" dirty="0">
+                <a:solidFill>
+                  <a:schemeClr val="tx1">
+                    <a:lumMod val="50000"/>
+                    <a:lumOff val="50000"/>
+                  </a:schemeClr>
+                </a:solidFill>
+              </a:rPr>
+              <a:t>2, 3</a:t>
+            </a:r>
+            <a:r>
+              <a:rPr lang="en-IN" sz="1400" dirty="0">
+                <a:solidFill>
+                  <a:schemeClr val="bg1"/>
+                </a:solidFill>
+              </a:rPr>
+              <a:t>)) ;		</a:t>
+            </a:r>
+            <a:r>
+              <a:rPr lang="en-IN" sz="1400" dirty="0">
+                <a:solidFill>
+                  <a:schemeClr val="tx1">
+                    <a:lumMod val="50000"/>
+                    <a:lumOff val="50000"/>
+                  </a:schemeClr>
+                </a:solidFill>
+              </a:rPr>
+              <a:t>//Output : 5</a:t>
+            </a:r>
+          </a:p>
+          <a:p>
+            <a:endParaRPr lang="en-IN" sz="1400" dirty="0">
+              <a:solidFill>
+                <a:schemeClr val="bg1"/>
+              </a:solidFill>
+            </a:endParaRPr>
+          </a:p>
+          <a:p>
+            <a:r>
+              <a:rPr lang="en-IN" sz="1400" dirty="0">
+                <a:solidFill>
+                  <a:schemeClr val="accent4">
+                    <a:lumMod val="60000"/>
+                    <a:lumOff val="40000"/>
+                  </a:schemeClr>
+                </a:solidFill>
+              </a:rPr>
+              <a:t>		System</a:t>
+            </a:r>
+            <a:r>
+              <a:rPr lang="en-IN" sz="1400" dirty="0">
+                <a:solidFill>
+                  <a:schemeClr val="bg1"/>
+                </a:solidFill>
+              </a:rPr>
+              <a:t>.</a:t>
+            </a:r>
+            <a:r>
+              <a:rPr lang="en-IN" sz="1400" dirty="0">
+                <a:solidFill>
+                  <a:schemeClr val="accent4">
+                    <a:lumMod val="60000"/>
+                    <a:lumOff val="40000"/>
+                  </a:schemeClr>
+                </a:solidFill>
+              </a:rPr>
+              <a:t>out</a:t>
+            </a:r>
+            <a:r>
+              <a:rPr lang="en-IN" sz="1400" dirty="0">
+                <a:solidFill>
+                  <a:schemeClr val="bg1"/>
+                </a:solidFill>
+              </a:rPr>
+              <a:t>.</a:t>
+            </a:r>
+            <a:r>
+              <a:rPr lang="en-IN" sz="1400" dirty="0">
+                <a:solidFill>
+                  <a:schemeClr val="accent4">
+                    <a:lumMod val="60000"/>
+                    <a:lumOff val="40000"/>
+                  </a:schemeClr>
+                </a:solidFill>
+              </a:rPr>
+              <a:t>println</a:t>
+            </a:r>
+            <a:r>
+              <a:rPr lang="en-IN" sz="1400" dirty="0">
+                <a:solidFill>
+                  <a:schemeClr val="bg1"/>
+                </a:solidFill>
+              </a:rPr>
+              <a:t>(</a:t>
+            </a:r>
+            <a:r>
+              <a:rPr lang="en-IN" sz="1400" dirty="0" err="1">
+                <a:solidFill>
+                  <a:srgbClr val="FFFF00"/>
+                </a:solidFill>
+              </a:rPr>
+              <a:t>Calc.add</a:t>
+            </a:r>
+            <a:r>
+              <a:rPr lang="en-IN" sz="1400" dirty="0">
+                <a:solidFill>
+                  <a:srgbClr val="FFFF00"/>
+                </a:solidFill>
+              </a:rPr>
+              <a:t>(</a:t>
+            </a:r>
+            <a:r>
+              <a:rPr lang="en-IN" sz="1400" dirty="0">
+                <a:solidFill>
+                  <a:schemeClr val="tx1">
+                    <a:lumMod val="50000"/>
+                    <a:lumOff val="50000"/>
+                  </a:schemeClr>
+                </a:solidFill>
+              </a:rPr>
+              <a:t>1, 2, 3</a:t>
+            </a:r>
+            <a:r>
+              <a:rPr lang="en-IN" sz="1400" dirty="0">
+                <a:solidFill>
+                  <a:srgbClr val="FFFF00"/>
+                </a:solidFill>
+              </a:rPr>
+              <a:t>)</a:t>
+            </a:r>
+            <a:r>
+              <a:rPr lang="en-IN" sz="1400" dirty="0">
+                <a:solidFill>
+                  <a:schemeClr val="bg1"/>
+                </a:solidFill>
+              </a:rPr>
+              <a:t>) ;	</a:t>
+            </a:r>
+            <a:r>
+              <a:rPr lang="en-IN" sz="1400" dirty="0">
+                <a:solidFill>
+                  <a:schemeClr val="tx1">
+                    <a:lumMod val="50000"/>
+                    <a:lumOff val="50000"/>
+                  </a:schemeClr>
+                </a:solidFill>
+              </a:rPr>
+              <a:t>//Output : 6</a:t>
+            </a:r>
+          </a:p>
+          <a:p>
+            <a:endParaRPr lang="en-IN" sz="1400" dirty="0">
+              <a:solidFill>
+                <a:schemeClr val="bg1"/>
+              </a:solidFill>
+            </a:endParaRPr>
+          </a:p>
+          <a:p>
+            <a:r>
+              <a:rPr lang="en-IN" sz="1400" dirty="0">
+                <a:solidFill>
+                  <a:schemeClr val="bg1"/>
+                </a:solidFill>
+              </a:rPr>
+              <a:t>	}</a:t>
+            </a:r>
+          </a:p>
+          <a:p>
+            <a:r>
+              <a:rPr lang="en-IN" sz="1400" dirty="0">
+                <a:solidFill>
+                  <a:schemeClr val="bg1"/>
+                </a:solidFill>
+              </a:rPr>
+              <a:t>}</a:t>
+            </a:r>
+          </a:p>
+        </p:txBody>
+      </p:sp>
+    </p:spTree>
+    <p:extLst>
+      <p:ext uri="{BB962C8B-B14F-4D97-AF65-F5344CB8AC3E}">
+        <p14:creationId xmlns:p14="http://schemas.microsoft.com/office/powerpoint/2010/main" val="677384741"/>
+      </p:ext>
+    </p:extLst>
+  </p:cSld>
+  <p:clrMapOvr>
+    <a:masterClrMapping/>
+  </p:clrMapOvr>
+  <mc:AlternateContent xmlns:mc="http://schemas.openxmlformats.org/markup-compatibility/2006">
+    <mc:Choice xmlns:p14="http://schemas.microsoft.com/office/powerpoint/2010/main" Requires="p14">
+      <p:transition spd="slow" p14:dur="800">
+        <p14:flythrough/>
+      </p:transition>
+    </mc:Choice>
+    <mc:Fallback>
+      <p:transition spd="slow">
+        <p:fade/>
+      </p:transition>
+    </mc:Fallback>
+  </mc:AlternateContent>
+</p:sld>
+</file>
+
+<file path=ppt/slides/slide47.xml><?xml version="1.0" encoding="utf-8"?>
+<p:sld xmlns:a="http://schemas.openxmlformats.org/drawingml/2006/main" xmlns:r="http://schemas.openxmlformats.org/officeDocument/2006/relationships" xmlns:p="http://schemas.openxmlformats.org/presentationml/2006/main">
+  <p:cSld>
+    <p:spTree>
+      <p:nvGrpSpPr>
+        <p:cNvPr id="1" name="">
+          <a:extLst>
+            <a:ext uri="{FF2B5EF4-FFF2-40B4-BE49-F238E27FC236}">
+              <a16:creationId xmlns:a16="http://schemas.microsoft.com/office/drawing/2014/main" id="{DB92BDAC-7CCB-85AD-EA68-01529357ACD1}"/>
+            </a:ext>
+          </a:extLst>
+        </p:cNvPr>
+        <p:cNvGrpSpPr/>
+        <p:nvPr/>
+      </p:nvGrpSpPr>
+      <p:grpSpPr>
+        <a:xfrm>
+          <a:off x="0" y="0"/>
+          <a:ext cx="0" cy="0"/>
+          <a:chOff x="0" y="0"/>
+          <a:chExt cx="0" cy="0"/>
+        </a:xfrm>
+      </p:grpSpPr>
+      <p:sp>
+        <p:nvSpPr>
+          <p:cNvPr id="3" name="TextBox 2">
+            <a:extLst>
+              <a:ext uri="{FF2B5EF4-FFF2-40B4-BE49-F238E27FC236}">
+                <a16:creationId xmlns:a16="http://schemas.microsoft.com/office/drawing/2014/main" id="{1F642792-2F96-1DDB-0B57-481B3AE87E1D}"/>
+              </a:ext>
+            </a:extLst>
+          </p:cNvPr>
+          <p:cNvSpPr txBox="1"/>
+          <p:nvPr/>
+        </p:nvSpPr>
+        <p:spPr>
+          <a:xfrm>
+            <a:off x="2381770" y="259435"/>
+            <a:ext cx="7428460" cy="646331"/>
+          </a:xfrm>
+          <a:prstGeom prst="rect">
+            <a:avLst/>
+          </a:prstGeom>
+          <a:noFill/>
+        </p:spPr>
+        <p:txBody>
+          <a:bodyPr wrap="square" rtlCol="0">
+            <a:spAutoFit/>
+          </a:bodyPr>
+          <a:lstStyle/>
+          <a:p>
+            <a:pPr algn="ctr"/>
+            <a:r>
+              <a:rPr lang="en-US" sz="3600" b="1" dirty="0">
+                <a:solidFill>
+                  <a:schemeClr val="bg1"/>
+                </a:solidFill>
+              </a:rPr>
+              <a:t>Different Types of Parameters</a:t>
+            </a:r>
+            <a:endParaRPr lang="en-IN" sz="3600" b="1" dirty="0">
+              <a:solidFill>
+                <a:schemeClr val="bg1"/>
+              </a:solidFill>
+            </a:endParaRPr>
+          </a:p>
+        </p:txBody>
+      </p:sp>
+      <p:sp>
+        <p:nvSpPr>
+          <p:cNvPr id="4" name="Rectangle: Rounded Corners 3">
+            <a:extLst>
+              <a:ext uri="{FF2B5EF4-FFF2-40B4-BE49-F238E27FC236}">
+                <a16:creationId xmlns:a16="http://schemas.microsoft.com/office/drawing/2014/main" id="{B6829872-D874-3333-2BB6-80AA778DE942}"/>
+              </a:ext>
+            </a:extLst>
+          </p:cNvPr>
+          <p:cNvSpPr/>
+          <p:nvPr/>
+        </p:nvSpPr>
+        <p:spPr>
+          <a:xfrm>
+            <a:off x="2514600" y="1143001"/>
+            <a:ext cx="7162800" cy="5455564"/>
+          </a:xfrm>
+          <a:prstGeom prst="roundRect">
+            <a:avLst>
+              <a:gd name="adj" fmla="val 1747"/>
+            </a:avLst>
+          </a:prstGeom>
+          <a:solidFill>
+            <a:schemeClr val="tx1">
+              <a:lumMod val="75000"/>
+              <a:lumOff val="25000"/>
+            </a:schemeClr>
+          </a:solidFill>
+        </p:spPr>
+        <p:style>
+          <a:lnRef idx="2">
+            <a:schemeClr val="accent1">
+              <a:shade val="15000"/>
+            </a:schemeClr>
+          </a:lnRef>
+          <a:fillRef idx="1">
+            <a:schemeClr val="accent1"/>
+          </a:fillRef>
+          <a:effectRef idx="0">
+            <a:schemeClr val="accent1"/>
+          </a:effectRef>
+          <a:fontRef idx="minor">
+            <a:schemeClr val="lt1"/>
+          </a:fontRef>
+        </p:style>
+        <p:txBody>
+          <a:bodyPr rtlCol="0" anchor="ctr"/>
+          <a:lstStyle/>
+          <a:p>
+            <a:pPr algn="ctr"/>
+            <a:endParaRPr lang="en-IN" dirty="0"/>
+          </a:p>
+        </p:txBody>
+      </p:sp>
+      <p:grpSp>
+        <p:nvGrpSpPr>
+          <p:cNvPr id="5" name="Group 4">
+            <a:extLst>
+              <a:ext uri="{FF2B5EF4-FFF2-40B4-BE49-F238E27FC236}">
+                <a16:creationId xmlns:a16="http://schemas.microsoft.com/office/drawing/2014/main" id="{DE7953E7-8C6E-34E7-4116-3FB40B34A7F7}"/>
+              </a:ext>
+            </a:extLst>
+          </p:cNvPr>
+          <p:cNvGrpSpPr/>
+          <p:nvPr/>
+        </p:nvGrpSpPr>
+        <p:grpSpPr>
+          <a:xfrm>
+            <a:off x="2761209" y="1315549"/>
+            <a:ext cx="677316" cy="173888"/>
+            <a:chOff x="2494800" y="1449970"/>
+            <a:chExt cx="788035" cy="203835"/>
+          </a:xfrm>
+        </p:grpSpPr>
+        <p:sp>
+          <p:nvSpPr>
+            <p:cNvPr id="6" name="Oval 5">
+              <a:extLst>
+                <a:ext uri="{FF2B5EF4-FFF2-40B4-BE49-F238E27FC236}">
+                  <a16:creationId xmlns:a16="http://schemas.microsoft.com/office/drawing/2014/main" id="{B301969F-429C-81DA-48B8-DCD11BBBE3F9}"/>
+                </a:ext>
+              </a:extLst>
+            </p:cNvPr>
+            <p:cNvSpPr/>
+            <p:nvPr/>
+          </p:nvSpPr>
+          <p:spPr>
+            <a:xfrm>
+              <a:off x="2494800" y="1449970"/>
+              <a:ext cx="203835" cy="203835"/>
+            </a:xfrm>
+            <a:prstGeom prst="ellipse">
+              <a:avLst/>
+            </a:prstGeom>
+            <a:solidFill>
+              <a:schemeClr val="accent2"/>
+            </a:solidFill>
+          </p:spPr>
+          <p:style>
+            <a:lnRef idx="2">
+              <a:schemeClr val="accent1">
+                <a:shade val="15000"/>
+              </a:schemeClr>
+            </a:lnRef>
+            <a:fillRef idx="1">
+              <a:schemeClr val="accent1"/>
+            </a:fillRef>
+            <a:effectRef idx="0">
+              <a:schemeClr val="accent1"/>
+            </a:effectRef>
+            <a:fontRef idx="minor">
+              <a:schemeClr val="lt1"/>
+            </a:fontRef>
+          </p:style>
+          <p:txBody>
+            <a:bodyPr rtlCol="0" anchor="ctr"/>
+            <a:lstStyle/>
+            <a:p>
+              <a:pPr algn="ctr"/>
+              <a:endParaRPr lang="en-IN" dirty="0"/>
+            </a:p>
+          </p:txBody>
+        </p:sp>
+        <p:sp>
+          <p:nvSpPr>
+            <p:cNvPr id="7" name="Oval 6">
+              <a:extLst>
+                <a:ext uri="{FF2B5EF4-FFF2-40B4-BE49-F238E27FC236}">
+                  <a16:creationId xmlns:a16="http://schemas.microsoft.com/office/drawing/2014/main" id="{28A74CFB-9BC9-C89D-06D1-6611212D41E4}"/>
+                </a:ext>
+              </a:extLst>
+            </p:cNvPr>
+            <p:cNvSpPr/>
+            <p:nvPr/>
+          </p:nvSpPr>
+          <p:spPr>
+            <a:xfrm>
+              <a:off x="2786900" y="1449970"/>
+              <a:ext cx="203835" cy="203835"/>
+            </a:xfrm>
+            <a:prstGeom prst="ellipse">
+              <a:avLst/>
+            </a:prstGeom>
+            <a:solidFill>
+              <a:srgbClr val="FFC000"/>
+            </a:solidFill>
+          </p:spPr>
+          <p:style>
+            <a:lnRef idx="2">
+              <a:schemeClr val="accent1">
+                <a:shade val="15000"/>
+              </a:schemeClr>
+            </a:lnRef>
+            <a:fillRef idx="1">
+              <a:schemeClr val="accent1"/>
+            </a:fillRef>
+            <a:effectRef idx="0">
+              <a:schemeClr val="accent1"/>
+            </a:effectRef>
+            <a:fontRef idx="minor">
+              <a:schemeClr val="lt1"/>
+            </a:fontRef>
+          </p:style>
+          <p:txBody>
+            <a:bodyPr rtlCol="0" anchor="ctr"/>
+            <a:lstStyle/>
+            <a:p>
+              <a:pPr algn="ctr"/>
+              <a:endParaRPr lang="en-IN" dirty="0"/>
+            </a:p>
+          </p:txBody>
+        </p:sp>
+        <p:sp>
+          <p:nvSpPr>
+            <p:cNvPr id="8" name="Oval 7">
+              <a:extLst>
+                <a:ext uri="{FF2B5EF4-FFF2-40B4-BE49-F238E27FC236}">
+                  <a16:creationId xmlns:a16="http://schemas.microsoft.com/office/drawing/2014/main" id="{33C6D7D3-BB94-0FB8-E4C4-D28DDA438E1F}"/>
+                </a:ext>
+              </a:extLst>
+            </p:cNvPr>
+            <p:cNvSpPr/>
+            <p:nvPr/>
+          </p:nvSpPr>
+          <p:spPr>
+            <a:xfrm>
+              <a:off x="3079000" y="1449970"/>
+              <a:ext cx="203835" cy="203835"/>
+            </a:xfrm>
+            <a:prstGeom prst="ellipse">
+              <a:avLst/>
+            </a:prstGeom>
+            <a:solidFill>
+              <a:schemeClr val="accent6"/>
+            </a:solidFill>
+          </p:spPr>
+          <p:style>
+            <a:lnRef idx="2">
+              <a:schemeClr val="accent1">
+                <a:shade val="15000"/>
+              </a:schemeClr>
+            </a:lnRef>
+            <a:fillRef idx="1">
+              <a:schemeClr val="accent1"/>
+            </a:fillRef>
+            <a:effectRef idx="0">
+              <a:schemeClr val="accent1"/>
+            </a:effectRef>
+            <a:fontRef idx="minor">
+              <a:schemeClr val="lt1"/>
+            </a:fontRef>
+          </p:style>
+          <p:txBody>
+            <a:bodyPr rtlCol="0" anchor="ctr"/>
+            <a:lstStyle/>
+            <a:p>
+              <a:pPr algn="ctr"/>
+              <a:endParaRPr lang="en-IN" dirty="0"/>
+            </a:p>
+          </p:txBody>
+        </p:sp>
+      </p:grpSp>
+      <p:sp>
+        <p:nvSpPr>
+          <p:cNvPr id="9" name="TextBox 8">
+            <a:extLst>
+              <a:ext uri="{FF2B5EF4-FFF2-40B4-BE49-F238E27FC236}">
+                <a16:creationId xmlns:a16="http://schemas.microsoft.com/office/drawing/2014/main" id="{0C685076-BEEA-88B5-1D01-2161E67E3F6F}"/>
+              </a:ext>
+            </a:extLst>
+          </p:cNvPr>
+          <p:cNvSpPr txBox="1"/>
+          <p:nvPr/>
+        </p:nvSpPr>
+        <p:spPr>
+          <a:xfrm>
+            <a:off x="2757367" y="1631505"/>
+            <a:ext cx="6680547" cy="4832092"/>
+          </a:xfrm>
+          <a:prstGeom prst="rect">
+            <a:avLst/>
+          </a:prstGeom>
+          <a:noFill/>
+        </p:spPr>
+        <p:txBody>
+          <a:bodyPr wrap="square" rtlCol="0">
+            <a:spAutoFit/>
+          </a:bodyPr>
+          <a:lstStyle/>
+          <a:p>
+            <a:r>
+              <a:rPr lang="en-IN" sz="1400" dirty="0">
+                <a:solidFill>
+                  <a:schemeClr val="accent2">
+                    <a:lumMod val="75000"/>
+                  </a:schemeClr>
+                </a:solidFill>
+              </a:rPr>
+              <a:t>Class</a:t>
+            </a:r>
+            <a:r>
+              <a:rPr lang="en-IN" sz="1400" dirty="0">
+                <a:solidFill>
+                  <a:schemeClr val="bg1"/>
+                </a:solidFill>
+              </a:rPr>
+              <a:t> </a:t>
+            </a:r>
+            <a:r>
+              <a:rPr lang="en-IN" sz="1400" dirty="0">
+                <a:solidFill>
+                  <a:srgbClr val="FFFF00"/>
+                </a:solidFill>
+              </a:rPr>
+              <a:t>Printer</a:t>
+            </a:r>
+            <a:r>
+              <a:rPr lang="en-IN" sz="1400" dirty="0">
+                <a:solidFill>
+                  <a:schemeClr val="bg1"/>
+                </a:solidFill>
+              </a:rPr>
+              <a:t>  {</a:t>
+            </a:r>
+          </a:p>
+          <a:p>
+            <a:r>
+              <a:rPr lang="en-IN" sz="1400" dirty="0">
+                <a:solidFill>
+                  <a:schemeClr val="bg1"/>
+                </a:solidFill>
+              </a:rPr>
+              <a:t>	void  </a:t>
+            </a:r>
+            <a:r>
+              <a:rPr lang="en-IN" sz="1400" dirty="0">
+                <a:solidFill>
+                  <a:schemeClr val="accent4">
+                    <a:lumMod val="60000"/>
+                    <a:lumOff val="40000"/>
+                  </a:schemeClr>
+                </a:solidFill>
+              </a:rPr>
+              <a:t>print</a:t>
+            </a:r>
+            <a:r>
+              <a:rPr lang="en-IN" sz="1400" dirty="0">
+                <a:solidFill>
+                  <a:schemeClr val="bg1"/>
+                </a:solidFill>
+              </a:rPr>
+              <a:t>(String</a:t>
+            </a:r>
+            <a:r>
+              <a:rPr lang="en-IN" sz="1400" dirty="0">
+                <a:solidFill>
+                  <a:schemeClr val="accent4">
+                    <a:lumMod val="60000"/>
+                    <a:lumOff val="40000"/>
+                  </a:schemeClr>
+                </a:solidFill>
+              </a:rPr>
+              <a:t> s</a:t>
+            </a:r>
+            <a:r>
+              <a:rPr lang="en-IN" sz="1400" dirty="0">
+                <a:solidFill>
+                  <a:schemeClr val="bg1"/>
+                </a:solidFill>
+              </a:rPr>
+              <a:t>)  {</a:t>
+            </a:r>
+          </a:p>
+          <a:p>
+            <a:r>
+              <a:rPr lang="en-IN" sz="1400" dirty="0">
+                <a:solidFill>
+                  <a:schemeClr val="accent4">
+                    <a:lumMod val="60000"/>
+                    <a:lumOff val="40000"/>
+                  </a:schemeClr>
+                </a:solidFill>
+              </a:rPr>
+              <a:t>		System</a:t>
+            </a:r>
+            <a:r>
+              <a:rPr lang="en-IN" sz="1400" dirty="0">
+                <a:solidFill>
+                  <a:schemeClr val="bg1"/>
+                </a:solidFill>
+              </a:rPr>
+              <a:t>.</a:t>
+            </a:r>
+            <a:r>
+              <a:rPr lang="en-IN" sz="1400" dirty="0">
+                <a:solidFill>
+                  <a:schemeClr val="accent4">
+                    <a:lumMod val="60000"/>
+                    <a:lumOff val="40000"/>
+                  </a:schemeClr>
+                </a:solidFill>
+              </a:rPr>
+              <a:t>out</a:t>
+            </a:r>
+            <a:r>
+              <a:rPr lang="en-IN" sz="1400" dirty="0">
+                <a:solidFill>
+                  <a:schemeClr val="bg1"/>
+                </a:solidFill>
+              </a:rPr>
+              <a:t>.</a:t>
+            </a:r>
+            <a:r>
+              <a:rPr lang="en-IN" sz="1400" dirty="0">
+                <a:solidFill>
+                  <a:schemeClr val="accent4">
+                    <a:lumMod val="60000"/>
+                    <a:lumOff val="40000"/>
+                  </a:schemeClr>
+                </a:solidFill>
+              </a:rPr>
+              <a:t>println</a:t>
+            </a:r>
+            <a:r>
+              <a:rPr lang="en-IN" sz="1400" dirty="0">
+                <a:solidFill>
+                  <a:schemeClr val="bg1"/>
+                </a:solidFill>
+              </a:rPr>
+              <a:t>(</a:t>
+            </a:r>
+            <a:r>
+              <a:rPr lang="en-IN" sz="1400" dirty="0">
+                <a:solidFill>
+                  <a:srgbClr val="FFFF00"/>
+                </a:solidFill>
+              </a:rPr>
+              <a:t>“String : </a:t>
+            </a:r>
+            <a:r>
+              <a:rPr lang="en-IN" sz="1400" dirty="0">
+                <a:solidFill>
+                  <a:schemeClr val="bg1"/>
+                </a:solidFill>
+              </a:rPr>
+              <a:t>“+ </a:t>
+            </a:r>
+            <a:r>
+              <a:rPr lang="en-IN" sz="1400" dirty="0">
+                <a:solidFill>
+                  <a:srgbClr val="58A4C2"/>
+                </a:solidFill>
+              </a:rPr>
+              <a:t>s</a:t>
+            </a:r>
+            <a:r>
+              <a:rPr lang="en-IN" sz="1400" dirty="0">
+                <a:solidFill>
+                  <a:schemeClr val="bg1"/>
+                </a:solidFill>
+              </a:rPr>
+              <a:t>) ;</a:t>
+            </a:r>
+            <a:endParaRPr lang="en-IN" sz="1400" dirty="0">
+              <a:solidFill>
+                <a:schemeClr val="accent4">
+                  <a:lumMod val="60000"/>
+                  <a:lumOff val="40000"/>
+                </a:schemeClr>
+              </a:solidFill>
+            </a:endParaRPr>
+          </a:p>
+          <a:p>
+            <a:r>
+              <a:rPr lang="en-IN" sz="1400" dirty="0">
+                <a:solidFill>
+                  <a:schemeClr val="accent4">
+                    <a:lumMod val="60000"/>
+                    <a:lumOff val="40000"/>
+                  </a:schemeClr>
+                </a:solidFill>
+              </a:rPr>
+              <a:t>	</a:t>
+            </a:r>
+            <a:r>
+              <a:rPr lang="en-IN" sz="1400" dirty="0">
+                <a:solidFill>
+                  <a:schemeClr val="bg1"/>
+                </a:solidFill>
+              </a:rPr>
+              <a:t>}</a:t>
+            </a:r>
+          </a:p>
+          <a:p>
+            <a:r>
+              <a:rPr lang="en-IN" sz="1400" dirty="0">
+                <a:solidFill>
+                  <a:schemeClr val="tx1">
+                    <a:lumMod val="50000"/>
+                    <a:lumOff val="50000"/>
+                  </a:schemeClr>
+                </a:solidFill>
+              </a:rPr>
+              <a:t>	</a:t>
+            </a:r>
+            <a:r>
+              <a:rPr lang="en-IN" sz="1400" dirty="0">
+                <a:solidFill>
+                  <a:schemeClr val="bg1"/>
+                </a:solidFill>
+              </a:rPr>
+              <a:t>void  </a:t>
+            </a:r>
+            <a:r>
+              <a:rPr lang="en-IN" sz="1400" dirty="0">
+                <a:solidFill>
+                  <a:schemeClr val="accent4">
+                    <a:lumMod val="60000"/>
+                    <a:lumOff val="40000"/>
+                  </a:schemeClr>
+                </a:solidFill>
+              </a:rPr>
+              <a:t>print</a:t>
+            </a:r>
+            <a:r>
+              <a:rPr lang="en-IN" sz="1400" dirty="0">
+                <a:solidFill>
+                  <a:schemeClr val="bg1"/>
+                </a:solidFill>
+              </a:rPr>
+              <a:t>( </a:t>
+            </a:r>
+            <a:r>
+              <a:rPr lang="en-IN" sz="1400" dirty="0">
+                <a:solidFill>
+                  <a:schemeClr val="accent4">
+                    <a:lumMod val="60000"/>
+                    <a:lumOff val="40000"/>
+                  </a:schemeClr>
+                </a:solidFill>
+              </a:rPr>
+              <a:t>int </a:t>
+            </a:r>
+            <a:r>
+              <a:rPr lang="en-IN" sz="1400" dirty="0" err="1">
+                <a:solidFill>
+                  <a:schemeClr val="accent4">
+                    <a:lumMod val="60000"/>
+                    <a:lumOff val="40000"/>
+                  </a:schemeClr>
+                </a:solidFill>
+              </a:rPr>
+              <a:t>num</a:t>
+            </a:r>
+            <a:r>
+              <a:rPr lang="en-IN" sz="1400" dirty="0">
+                <a:solidFill>
+                  <a:schemeClr val="bg1"/>
+                </a:solidFill>
+              </a:rPr>
+              <a:t>)  {</a:t>
+            </a:r>
+          </a:p>
+          <a:p>
+            <a:r>
+              <a:rPr lang="en-IN" sz="1400" dirty="0">
+                <a:solidFill>
+                  <a:schemeClr val="accent4">
+                    <a:lumMod val="60000"/>
+                    <a:lumOff val="40000"/>
+                  </a:schemeClr>
+                </a:solidFill>
+              </a:rPr>
+              <a:t>		System</a:t>
+            </a:r>
+            <a:r>
+              <a:rPr lang="en-IN" sz="1400" dirty="0">
+                <a:solidFill>
+                  <a:schemeClr val="bg1"/>
+                </a:solidFill>
+              </a:rPr>
+              <a:t>.</a:t>
+            </a:r>
+            <a:r>
+              <a:rPr lang="en-IN" sz="1400" dirty="0">
+                <a:solidFill>
+                  <a:schemeClr val="accent4">
+                    <a:lumMod val="60000"/>
+                    <a:lumOff val="40000"/>
+                  </a:schemeClr>
+                </a:solidFill>
+              </a:rPr>
+              <a:t>out</a:t>
+            </a:r>
+            <a:r>
+              <a:rPr lang="en-IN" sz="1400" dirty="0">
+                <a:solidFill>
+                  <a:schemeClr val="bg1"/>
+                </a:solidFill>
+              </a:rPr>
+              <a:t>.</a:t>
+            </a:r>
+            <a:r>
+              <a:rPr lang="en-IN" sz="1400" dirty="0">
+                <a:solidFill>
+                  <a:schemeClr val="accent4">
+                    <a:lumMod val="60000"/>
+                    <a:lumOff val="40000"/>
+                  </a:schemeClr>
+                </a:solidFill>
+              </a:rPr>
+              <a:t>println</a:t>
+            </a:r>
+            <a:r>
+              <a:rPr lang="en-IN" sz="1400" dirty="0">
+                <a:solidFill>
+                  <a:schemeClr val="bg1"/>
+                </a:solidFill>
+              </a:rPr>
+              <a:t>(</a:t>
+            </a:r>
+            <a:r>
+              <a:rPr lang="en-IN" sz="1400" dirty="0">
+                <a:solidFill>
+                  <a:srgbClr val="FFFF00"/>
+                </a:solidFill>
+              </a:rPr>
+              <a:t>“Integer : </a:t>
+            </a:r>
+            <a:r>
+              <a:rPr lang="en-IN" sz="1400" dirty="0">
+                <a:solidFill>
+                  <a:schemeClr val="bg1"/>
+                </a:solidFill>
+              </a:rPr>
+              <a:t>“+ </a:t>
+            </a:r>
+            <a:r>
+              <a:rPr lang="en-IN" sz="1400" dirty="0" err="1">
+                <a:solidFill>
+                  <a:srgbClr val="58A4C2"/>
+                </a:solidFill>
+              </a:rPr>
+              <a:t>num</a:t>
+            </a:r>
+            <a:r>
+              <a:rPr lang="en-IN" sz="1400" dirty="0">
+                <a:solidFill>
+                  <a:schemeClr val="bg1"/>
+                </a:solidFill>
+              </a:rPr>
+              <a:t>) ;</a:t>
+            </a:r>
+          </a:p>
+          <a:p>
+            <a:r>
+              <a:rPr lang="en-IN" sz="1400" dirty="0">
+                <a:solidFill>
+                  <a:schemeClr val="bg1"/>
+                </a:solidFill>
+              </a:rPr>
+              <a:t>	}</a:t>
+            </a:r>
+          </a:p>
+          <a:p>
+            <a:r>
+              <a:rPr lang="en-IN" sz="1400" dirty="0">
+                <a:solidFill>
+                  <a:schemeClr val="bg1"/>
+                </a:solidFill>
+              </a:rPr>
+              <a:t>	void  </a:t>
+            </a:r>
+            <a:r>
+              <a:rPr lang="en-IN" sz="1400" dirty="0">
+                <a:solidFill>
+                  <a:schemeClr val="accent4">
+                    <a:lumMod val="60000"/>
+                    <a:lumOff val="40000"/>
+                  </a:schemeClr>
+                </a:solidFill>
+              </a:rPr>
+              <a:t>print</a:t>
+            </a:r>
+            <a:r>
+              <a:rPr lang="en-IN" sz="1400" dirty="0">
+                <a:solidFill>
+                  <a:schemeClr val="bg1"/>
+                </a:solidFill>
+              </a:rPr>
+              <a:t>(double</a:t>
+            </a:r>
+            <a:r>
+              <a:rPr lang="en-IN" sz="1400" dirty="0">
+                <a:solidFill>
+                  <a:schemeClr val="accent4">
+                    <a:lumMod val="60000"/>
+                    <a:lumOff val="40000"/>
+                  </a:schemeClr>
+                </a:solidFill>
+              </a:rPr>
+              <a:t> d</a:t>
+            </a:r>
+            <a:r>
+              <a:rPr lang="en-IN" sz="1400" dirty="0">
+                <a:solidFill>
+                  <a:schemeClr val="bg1"/>
+                </a:solidFill>
+              </a:rPr>
+              <a:t>)  {</a:t>
+            </a:r>
+          </a:p>
+          <a:p>
+            <a:r>
+              <a:rPr lang="en-IN" sz="1400" dirty="0">
+                <a:solidFill>
+                  <a:schemeClr val="accent4">
+                    <a:lumMod val="60000"/>
+                    <a:lumOff val="40000"/>
+                  </a:schemeClr>
+                </a:solidFill>
+              </a:rPr>
+              <a:t>		System</a:t>
+            </a:r>
+            <a:r>
+              <a:rPr lang="en-IN" sz="1400" dirty="0">
+                <a:solidFill>
+                  <a:schemeClr val="bg1"/>
+                </a:solidFill>
+              </a:rPr>
+              <a:t>.</a:t>
+            </a:r>
+            <a:r>
+              <a:rPr lang="en-IN" sz="1400" dirty="0">
+                <a:solidFill>
+                  <a:schemeClr val="accent4">
+                    <a:lumMod val="60000"/>
+                    <a:lumOff val="40000"/>
+                  </a:schemeClr>
+                </a:solidFill>
+              </a:rPr>
+              <a:t>out</a:t>
+            </a:r>
+            <a:r>
+              <a:rPr lang="en-IN" sz="1400" dirty="0">
+                <a:solidFill>
+                  <a:schemeClr val="bg1"/>
+                </a:solidFill>
+              </a:rPr>
+              <a:t>.</a:t>
+            </a:r>
+            <a:r>
+              <a:rPr lang="en-IN" sz="1400" dirty="0">
+                <a:solidFill>
+                  <a:schemeClr val="accent4">
+                    <a:lumMod val="60000"/>
+                    <a:lumOff val="40000"/>
+                  </a:schemeClr>
+                </a:solidFill>
+              </a:rPr>
+              <a:t>println</a:t>
+            </a:r>
+            <a:r>
+              <a:rPr lang="en-IN" sz="1400" dirty="0">
+                <a:solidFill>
+                  <a:schemeClr val="bg1"/>
+                </a:solidFill>
+              </a:rPr>
+              <a:t>(</a:t>
+            </a:r>
+            <a:r>
+              <a:rPr lang="en-IN" sz="1400" dirty="0">
+                <a:solidFill>
+                  <a:srgbClr val="FFFF00"/>
+                </a:solidFill>
+              </a:rPr>
+              <a:t>“Double :  </a:t>
+            </a:r>
+            <a:r>
+              <a:rPr lang="en-IN" sz="1400" dirty="0">
+                <a:solidFill>
+                  <a:schemeClr val="bg1"/>
+                </a:solidFill>
+              </a:rPr>
+              <a:t>“+ </a:t>
+            </a:r>
+            <a:r>
+              <a:rPr lang="en-IN" sz="1400" dirty="0">
+                <a:solidFill>
+                  <a:srgbClr val="58A4C2"/>
+                </a:solidFill>
+              </a:rPr>
+              <a:t>d</a:t>
+            </a:r>
+            <a:r>
+              <a:rPr lang="en-IN" sz="1400" dirty="0">
+                <a:solidFill>
+                  <a:schemeClr val="bg1"/>
+                </a:solidFill>
+              </a:rPr>
+              <a:t>) ;</a:t>
+            </a:r>
+            <a:endParaRPr lang="en-IN" sz="1400" dirty="0">
+              <a:solidFill>
+                <a:schemeClr val="accent4">
+                  <a:lumMod val="60000"/>
+                  <a:lumOff val="40000"/>
+                </a:schemeClr>
+              </a:solidFill>
+            </a:endParaRPr>
+          </a:p>
+          <a:p>
+            <a:endParaRPr lang="en-IN" sz="1400" dirty="0">
+              <a:solidFill>
+                <a:schemeClr val="tx1">
+                  <a:lumMod val="50000"/>
+                  <a:lumOff val="50000"/>
+                </a:schemeClr>
+              </a:solidFill>
+            </a:endParaRPr>
+          </a:p>
+          <a:p>
+            <a:r>
+              <a:rPr lang="en-IN" sz="1400" dirty="0">
+                <a:solidFill>
+                  <a:schemeClr val="bg1"/>
+                </a:solidFill>
+              </a:rPr>
+              <a:t>	}</a:t>
+            </a:r>
+          </a:p>
+          <a:p>
+            <a:endParaRPr lang="en-IN" sz="1400" dirty="0">
+              <a:solidFill>
+                <a:schemeClr val="bg1"/>
+              </a:solidFill>
+            </a:endParaRPr>
+          </a:p>
+          <a:p>
+            <a:r>
+              <a:rPr lang="en-IN" sz="1400" dirty="0">
+                <a:solidFill>
+                  <a:schemeClr val="bg1"/>
+                </a:solidFill>
+              </a:rPr>
+              <a:t>}</a:t>
+            </a:r>
+          </a:p>
+          <a:p>
+            <a:endParaRPr lang="en-IN" sz="1400" dirty="0">
+              <a:solidFill>
+                <a:schemeClr val="bg1"/>
+              </a:solidFill>
+            </a:endParaRPr>
+          </a:p>
+          <a:p>
+            <a:r>
+              <a:rPr lang="en-IN" sz="1400" dirty="0">
+                <a:solidFill>
+                  <a:srgbClr val="E97132"/>
+                </a:solidFill>
+              </a:rPr>
+              <a:t>public</a:t>
+            </a:r>
+            <a:r>
+              <a:rPr lang="en-IN" sz="1400" dirty="0">
+                <a:solidFill>
+                  <a:schemeClr val="bg1"/>
+                </a:solidFill>
+              </a:rPr>
+              <a:t> </a:t>
+            </a:r>
+            <a:r>
+              <a:rPr lang="en-IN" sz="1400" dirty="0">
+                <a:solidFill>
+                  <a:srgbClr val="E97132"/>
+                </a:solidFill>
+              </a:rPr>
+              <a:t>class</a:t>
+            </a:r>
+            <a:r>
+              <a:rPr lang="en-IN" sz="1400" dirty="0">
+                <a:solidFill>
+                  <a:schemeClr val="bg1"/>
+                </a:solidFill>
+              </a:rPr>
+              <a:t> </a:t>
+            </a:r>
+            <a:r>
+              <a:rPr lang="en-IN" sz="1400" dirty="0">
+                <a:solidFill>
+                  <a:srgbClr val="FFFF00"/>
+                </a:solidFill>
+              </a:rPr>
+              <a:t>Main</a:t>
+            </a:r>
+            <a:r>
+              <a:rPr lang="en-IN" sz="1400" dirty="0">
+                <a:solidFill>
+                  <a:schemeClr val="bg1"/>
+                </a:solidFill>
+              </a:rPr>
+              <a:t> {</a:t>
+            </a:r>
+          </a:p>
+          <a:p>
+            <a:r>
+              <a:rPr lang="en-IN" sz="1400" dirty="0">
+                <a:solidFill>
+                  <a:schemeClr val="bg1"/>
+                </a:solidFill>
+              </a:rPr>
+              <a:t>	</a:t>
+            </a:r>
+            <a:r>
+              <a:rPr lang="en-IN" sz="1400" dirty="0">
+                <a:solidFill>
+                  <a:srgbClr val="E97132"/>
+                </a:solidFill>
+              </a:rPr>
+              <a:t>public</a:t>
+            </a:r>
+            <a:r>
+              <a:rPr lang="en-IN" sz="1400" dirty="0">
+                <a:solidFill>
+                  <a:schemeClr val="bg1"/>
+                </a:solidFill>
+              </a:rPr>
+              <a:t> </a:t>
+            </a:r>
+            <a:r>
+              <a:rPr lang="en-IN" sz="1400" dirty="0">
+                <a:solidFill>
+                  <a:srgbClr val="E97132"/>
+                </a:solidFill>
+              </a:rPr>
+              <a:t>static</a:t>
+            </a:r>
+            <a:r>
+              <a:rPr lang="en-IN" sz="1400" dirty="0">
+                <a:solidFill>
+                  <a:schemeClr val="bg1"/>
+                </a:solidFill>
+              </a:rPr>
+              <a:t> void </a:t>
+            </a:r>
+            <a:r>
+              <a:rPr lang="en-IN" sz="1400" dirty="0">
+                <a:solidFill>
+                  <a:schemeClr val="accent4">
+                    <a:lumMod val="60000"/>
+                    <a:lumOff val="40000"/>
+                  </a:schemeClr>
+                </a:solidFill>
+              </a:rPr>
+              <a:t>main</a:t>
+            </a:r>
+            <a:r>
+              <a:rPr lang="en-IN" sz="1400" dirty="0">
+                <a:solidFill>
+                  <a:schemeClr val="bg1"/>
+                </a:solidFill>
+              </a:rPr>
+              <a:t>(String[ ] </a:t>
+            </a:r>
+            <a:r>
+              <a:rPr lang="en-IN" sz="1400" dirty="0" err="1">
+                <a:solidFill>
+                  <a:schemeClr val="accent4">
+                    <a:lumMod val="60000"/>
+                    <a:lumOff val="40000"/>
+                  </a:schemeClr>
+                </a:solidFill>
+              </a:rPr>
+              <a:t>args</a:t>
+            </a:r>
+            <a:r>
+              <a:rPr lang="en-IN" sz="1400" dirty="0">
+                <a:solidFill>
+                  <a:schemeClr val="bg1"/>
+                </a:solidFill>
+              </a:rPr>
+              <a:t>) {</a:t>
+            </a:r>
+          </a:p>
+          <a:p>
+            <a:r>
+              <a:rPr lang="en-IN" sz="1400" dirty="0">
+                <a:solidFill>
+                  <a:schemeClr val="bg1"/>
+                </a:solidFill>
+              </a:rPr>
+              <a:t>		</a:t>
+            </a:r>
+            <a:r>
+              <a:rPr lang="en-IN" sz="1400" dirty="0">
+                <a:solidFill>
+                  <a:schemeClr val="accent4">
+                    <a:lumMod val="60000"/>
+                    <a:lumOff val="40000"/>
+                  </a:schemeClr>
+                </a:solidFill>
+              </a:rPr>
+              <a:t>Printer </a:t>
+            </a:r>
+            <a:r>
+              <a:rPr lang="en-IN" sz="1400" dirty="0" err="1">
+                <a:solidFill>
+                  <a:schemeClr val="accent4">
+                    <a:lumMod val="60000"/>
+                    <a:lumOff val="40000"/>
+                  </a:schemeClr>
+                </a:solidFill>
+              </a:rPr>
+              <a:t>printer</a:t>
+            </a:r>
+            <a:r>
+              <a:rPr lang="en-IN" sz="1400" dirty="0">
+                <a:solidFill>
+                  <a:schemeClr val="bg1"/>
+                </a:solidFill>
+              </a:rPr>
+              <a:t>  = </a:t>
+            </a:r>
+            <a:r>
+              <a:rPr lang="en-IN" sz="1400" dirty="0">
+                <a:solidFill>
+                  <a:srgbClr val="E97132"/>
+                </a:solidFill>
+              </a:rPr>
+              <a:t>new</a:t>
+            </a:r>
+            <a:r>
+              <a:rPr lang="en-IN" sz="1400" dirty="0">
+                <a:solidFill>
+                  <a:schemeClr val="bg1"/>
+                </a:solidFill>
+              </a:rPr>
+              <a:t> </a:t>
+            </a:r>
+            <a:r>
+              <a:rPr lang="en-IN" sz="1400" dirty="0">
+                <a:solidFill>
+                  <a:schemeClr val="accent4">
+                    <a:lumMod val="60000"/>
+                    <a:lumOff val="40000"/>
+                  </a:schemeClr>
+                </a:solidFill>
+              </a:rPr>
+              <a:t>Printer</a:t>
+            </a:r>
+            <a:r>
+              <a:rPr lang="en-IN" sz="1400" dirty="0">
+                <a:solidFill>
+                  <a:schemeClr val="bg1"/>
+                </a:solidFill>
+              </a:rPr>
+              <a:t>( ) ;</a:t>
+            </a:r>
+          </a:p>
+          <a:p>
+            <a:r>
+              <a:rPr lang="en-IN" sz="1400" dirty="0">
+                <a:solidFill>
+                  <a:schemeClr val="bg1"/>
+                </a:solidFill>
+              </a:rPr>
+              <a:t>		</a:t>
+            </a:r>
+            <a:r>
+              <a:rPr lang="en-IN" sz="1400" dirty="0" err="1">
+                <a:solidFill>
+                  <a:schemeClr val="accent4">
+                    <a:lumMod val="60000"/>
+                    <a:lumOff val="40000"/>
+                  </a:schemeClr>
+                </a:solidFill>
+              </a:rPr>
+              <a:t>printer</a:t>
+            </a:r>
+            <a:r>
+              <a:rPr lang="en-IN" sz="1400" dirty="0" err="1">
+                <a:solidFill>
+                  <a:schemeClr val="bg1"/>
+                </a:solidFill>
+              </a:rPr>
+              <a:t>.</a:t>
+            </a:r>
+            <a:r>
+              <a:rPr lang="en-IN" sz="1400" dirty="0" err="1">
+                <a:solidFill>
+                  <a:schemeClr val="accent4">
+                    <a:lumMod val="60000"/>
+                    <a:lumOff val="40000"/>
+                  </a:schemeClr>
+                </a:solidFill>
+              </a:rPr>
+              <a:t>print</a:t>
+            </a:r>
+            <a:r>
+              <a:rPr lang="en-IN" sz="1400" dirty="0">
+                <a:solidFill>
+                  <a:schemeClr val="bg1"/>
+                </a:solidFill>
+              </a:rPr>
+              <a:t>(</a:t>
+            </a:r>
+            <a:r>
+              <a:rPr lang="en-IN" sz="1400" dirty="0">
+                <a:solidFill>
+                  <a:srgbClr val="FFFF00"/>
+                </a:solidFill>
+              </a:rPr>
+              <a:t>“Hello World !”</a:t>
+            </a:r>
+            <a:r>
+              <a:rPr lang="en-IN" sz="1400" dirty="0">
+                <a:solidFill>
+                  <a:schemeClr val="bg1"/>
+                </a:solidFill>
+              </a:rPr>
+              <a:t>) ;		       </a:t>
+            </a:r>
+            <a:r>
+              <a:rPr lang="en-IN" sz="1400" dirty="0">
+                <a:solidFill>
+                  <a:schemeClr val="tx1">
+                    <a:lumMod val="50000"/>
+                    <a:lumOff val="50000"/>
+                  </a:schemeClr>
+                </a:solidFill>
+              </a:rPr>
+              <a:t>// Output : String : Hello, World !</a:t>
+            </a:r>
+            <a:r>
+              <a:rPr lang="en-IN" sz="1400" dirty="0">
+                <a:solidFill>
+                  <a:schemeClr val="bg1"/>
+                </a:solidFill>
+              </a:rPr>
+              <a:t>	</a:t>
+            </a:r>
+          </a:p>
+          <a:p>
+            <a:r>
+              <a:rPr lang="en-IN" sz="1400" dirty="0">
+                <a:solidFill>
+                  <a:schemeClr val="accent4">
+                    <a:lumMod val="60000"/>
+                    <a:lumOff val="40000"/>
+                  </a:schemeClr>
+                </a:solidFill>
+              </a:rPr>
+              <a:t>		</a:t>
+            </a:r>
+            <a:r>
+              <a:rPr lang="en-IN" sz="1400" dirty="0" err="1">
+                <a:solidFill>
+                  <a:schemeClr val="accent4">
+                    <a:lumMod val="60000"/>
+                    <a:lumOff val="40000"/>
+                  </a:schemeClr>
+                </a:solidFill>
+              </a:rPr>
+              <a:t>printer.print</a:t>
+            </a:r>
+            <a:r>
+              <a:rPr lang="en-IN" sz="1400" dirty="0">
+                <a:solidFill>
+                  <a:schemeClr val="bg1"/>
+                </a:solidFill>
+              </a:rPr>
+              <a:t>(</a:t>
+            </a:r>
+            <a:r>
+              <a:rPr lang="en-IN" sz="1400" dirty="0">
+                <a:solidFill>
+                  <a:schemeClr val="tx1">
+                    <a:lumMod val="50000"/>
+                    <a:lumOff val="50000"/>
+                  </a:schemeClr>
+                </a:solidFill>
+              </a:rPr>
+              <a:t>100</a:t>
+            </a:r>
+            <a:r>
+              <a:rPr lang="en-IN" sz="1400" dirty="0">
+                <a:solidFill>
+                  <a:schemeClr val="bg1"/>
+                </a:solidFill>
+              </a:rPr>
+              <a:t>) ;                                           </a:t>
+            </a:r>
+            <a:r>
+              <a:rPr lang="en-IN" sz="1400" dirty="0">
+                <a:solidFill>
+                  <a:schemeClr val="tx1">
+                    <a:lumMod val="50000"/>
+                    <a:lumOff val="50000"/>
+                  </a:schemeClr>
+                </a:solidFill>
+              </a:rPr>
+              <a:t>// Output :  Integer : 100 </a:t>
+            </a:r>
+          </a:p>
+          <a:p>
+            <a:r>
+              <a:rPr lang="en-IN" sz="1400" dirty="0">
+                <a:solidFill>
+                  <a:schemeClr val="accent4">
+                    <a:lumMod val="60000"/>
+                    <a:lumOff val="40000"/>
+                  </a:schemeClr>
+                </a:solidFill>
+              </a:rPr>
+              <a:t>		</a:t>
+            </a:r>
+            <a:r>
+              <a:rPr lang="en-IN" sz="1400" dirty="0" err="1">
+                <a:solidFill>
+                  <a:schemeClr val="accent4">
+                    <a:lumMod val="60000"/>
+                    <a:lumOff val="40000"/>
+                  </a:schemeClr>
+                </a:solidFill>
+              </a:rPr>
+              <a:t>printer.print</a:t>
+            </a:r>
+            <a:r>
+              <a:rPr lang="en-IN" sz="1400" dirty="0">
+                <a:solidFill>
+                  <a:schemeClr val="bg1"/>
+                </a:solidFill>
+              </a:rPr>
+              <a:t>(</a:t>
+            </a:r>
+            <a:r>
+              <a:rPr lang="en-IN" sz="1400" dirty="0">
+                <a:solidFill>
+                  <a:schemeClr val="tx1">
+                    <a:lumMod val="50000"/>
+                    <a:lumOff val="50000"/>
+                  </a:schemeClr>
+                </a:solidFill>
+              </a:rPr>
+              <a:t>3.14</a:t>
+            </a:r>
+            <a:r>
+              <a:rPr lang="en-IN" sz="1400" dirty="0">
+                <a:solidFill>
+                  <a:schemeClr val="bg1"/>
+                </a:solidFill>
+              </a:rPr>
+              <a:t>) ;                                          </a:t>
+            </a:r>
+            <a:r>
+              <a:rPr lang="en-IN" sz="1400" dirty="0">
+                <a:solidFill>
+                  <a:schemeClr val="tx1">
+                    <a:lumMod val="50000"/>
+                    <a:lumOff val="50000"/>
+                  </a:schemeClr>
+                </a:solidFill>
+              </a:rPr>
+              <a:t>// Output :  Integer : 3.14</a:t>
+            </a:r>
+            <a:endParaRPr lang="en-IN" sz="1400" dirty="0">
+              <a:solidFill>
+                <a:schemeClr val="bg1"/>
+              </a:solidFill>
+            </a:endParaRPr>
+          </a:p>
+          <a:p>
+            <a:r>
+              <a:rPr lang="en-IN" sz="1400" dirty="0">
+                <a:solidFill>
+                  <a:schemeClr val="bg1"/>
+                </a:solidFill>
+              </a:rPr>
+              <a:t>	}</a:t>
+            </a:r>
+          </a:p>
+          <a:p>
+            <a:r>
+              <a:rPr lang="en-IN" sz="1400" dirty="0">
+                <a:solidFill>
+                  <a:schemeClr val="bg1"/>
+                </a:solidFill>
+              </a:rPr>
+              <a:t>}</a:t>
+            </a:r>
+          </a:p>
+        </p:txBody>
+      </p:sp>
+    </p:spTree>
+    <p:extLst>
+      <p:ext uri="{BB962C8B-B14F-4D97-AF65-F5344CB8AC3E}">
+        <p14:creationId xmlns:p14="http://schemas.microsoft.com/office/powerpoint/2010/main" val="1705578162"/>
+      </p:ext>
+    </p:extLst>
+  </p:cSld>
+  <p:clrMapOvr>
+    <a:masterClrMapping/>
+  </p:clrMapOvr>
+  <mc:AlternateContent xmlns:mc="http://schemas.openxmlformats.org/markup-compatibility/2006">
+    <mc:Choice xmlns:p14="http://schemas.microsoft.com/office/powerpoint/2010/main" Requires="p14">
+      <p:transition spd="slow" p14:dur="800">
+        <p14:flythrough/>
+      </p:transition>
+    </mc:Choice>
+    <mc:Fallback>
+      <p:transition spd="slow">
+        <p:fade/>
+      </p:transition>
+    </mc:Fallback>
+  </mc:AlternateContent>
+</p:sld>
+</file>
+
+<file path=ppt/slides/slide48.xml><?xml version="1.0" encoding="utf-8"?>
+<p:sld xmlns:a="http://schemas.openxmlformats.org/drawingml/2006/main" xmlns:r="http://schemas.openxmlformats.org/officeDocument/2006/relationships" xmlns:p="http://schemas.openxmlformats.org/presentationml/2006/main">
+  <p:cSld>
+    <p:spTree>
+      <p:nvGrpSpPr>
+        <p:cNvPr id="1" name="">
+          <a:extLst>
+            <a:ext uri="{FF2B5EF4-FFF2-40B4-BE49-F238E27FC236}">
+              <a16:creationId xmlns:a16="http://schemas.microsoft.com/office/drawing/2014/main" id="{39CCEBBA-E3FC-2819-3AA0-05B693EAABA3}"/>
+            </a:ext>
+          </a:extLst>
+        </p:cNvPr>
+        <p:cNvGrpSpPr/>
+        <p:nvPr/>
+      </p:nvGrpSpPr>
+      <p:grpSpPr>
+        <a:xfrm>
+          <a:off x="0" y="0"/>
+          <a:ext cx="0" cy="0"/>
+          <a:chOff x="0" y="0"/>
+          <a:chExt cx="0" cy="0"/>
+        </a:xfrm>
+      </p:grpSpPr>
+      <p:sp>
+        <p:nvSpPr>
+          <p:cNvPr id="3" name="TextBox 2">
+            <a:extLst>
+              <a:ext uri="{FF2B5EF4-FFF2-40B4-BE49-F238E27FC236}">
+                <a16:creationId xmlns:a16="http://schemas.microsoft.com/office/drawing/2014/main" id="{0C27A774-B374-E895-9EE6-B04A6E526E40}"/>
+              </a:ext>
+            </a:extLst>
+          </p:cNvPr>
+          <p:cNvSpPr txBox="1"/>
+          <p:nvPr/>
+        </p:nvSpPr>
+        <p:spPr>
+          <a:xfrm>
+            <a:off x="2381770" y="259435"/>
+            <a:ext cx="7428460" cy="646331"/>
+          </a:xfrm>
+          <a:prstGeom prst="rect">
+            <a:avLst/>
+          </a:prstGeom>
+          <a:noFill/>
+        </p:spPr>
+        <p:txBody>
+          <a:bodyPr wrap="square" rtlCol="0">
+            <a:spAutoFit/>
+          </a:bodyPr>
+          <a:lstStyle/>
+          <a:p>
+            <a:pPr algn="ctr"/>
+            <a:r>
+              <a:rPr lang="en-US" sz="3600" b="1" dirty="0">
+                <a:solidFill>
+                  <a:schemeClr val="bg1"/>
+                </a:solidFill>
+              </a:rPr>
+              <a:t>Different Order of Parameters</a:t>
+            </a:r>
+            <a:endParaRPr lang="en-IN" sz="3600" b="1" dirty="0">
+              <a:solidFill>
+                <a:schemeClr val="bg1"/>
+              </a:solidFill>
+            </a:endParaRPr>
+          </a:p>
+        </p:txBody>
+      </p:sp>
+      <p:sp>
+        <p:nvSpPr>
+          <p:cNvPr id="4" name="Rectangle: Rounded Corners 3">
+            <a:extLst>
+              <a:ext uri="{FF2B5EF4-FFF2-40B4-BE49-F238E27FC236}">
+                <a16:creationId xmlns:a16="http://schemas.microsoft.com/office/drawing/2014/main" id="{365A0F05-9B36-E0B6-BC3F-F0BB5146AF9B}"/>
+              </a:ext>
+            </a:extLst>
+          </p:cNvPr>
+          <p:cNvSpPr/>
+          <p:nvPr/>
+        </p:nvSpPr>
+        <p:spPr>
+          <a:xfrm>
+            <a:off x="2461260" y="1143001"/>
+            <a:ext cx="7269480" cy="4288970"/>
+          </a:xfrm>
+          <a:prstGeom prst="roundRect">
+            <a:avLst>
+              <a:gd name="adj" fmla="val 1747"/>
+            </a:avLst>
+          </a:prstGeom>
+          <a:solidFill>
+            <a:schemeClr val="tx1">
+              <a:lumMod val="75000"/>
+              <a:lumOff val="25000"/>
+            </a:schemeClr>
+          </a:solidFill>
+        </p:spPr>
+        <p:style>
+          <a:lnRef idx="2">
+            <a:schemeClr val="accent1">
+              <a:shade val="15000"/>
+            </a:schemeClr>
+          </a:lnRef>
+          <a:fillRef idx="1">
+            <a:schemeClr val="accent1"/>
+          </a:fillRef>
+          <a:effectRef idx="0">
+            <a:schemeClr val="accent1"/>
+          </a:effectRef>
+          <a:fontRef idx="minor">
+            <a:schemeClr val="lt1"/>
+          </a:fontRef>
+        </p:style>
+        <p:txBody>
+          <a:bodyPr rtlCol="0" anchor="ctr"/>
+          <a:lstStyle/>
+          <a:p>
+            <a:pPr algn="ctr"/>
+            <a:endParaRPr lang="en-IN" dirty="0"/>
+          </a:p>
+        </p:txBody>
+      </p:sp>
+      <p:grpSp>
+        <p:nvGrpSpPr>
+          <p:cNvPr id="5" name="Group 4">
+            <a:extLst>
+              <a:ext uri="{FF2B5EF4-FFF2-40B4-BE49-F238E27FC236}">
+                <a16:creationId xmlns:a16="http://schemas.microsoft.com/office/drawing/2014/main" id="{2F01A3E5-AE2F-BD58-2B06-1C18FF115CE9}"/>
+              </a:ext>
+            </a:extLst>
+          </p:cNvPr>
+          <p:cNvGrpSpPr/>
+          <p:nvPr/>
+        </p:nvGrpSpPr>
+        <p:grpSpPr>
+          <a:xfrm>
+            <a:off x="2742127" y="1300309"/>
+            <a:ext cx="677316" cy="173888"/>
+            <a:chOff x="2494800" y="1449970"/>
+            <a:chExt cx="788035" cy="203835"/>
+          </a:xfrm>
+        </p:grpSpPr>
+        <p:sp>
+          <p:nvSpPr>
+            <p:cNvPr id="6" name="Oval 5">
+              <a:extLst>
+                <a:ext uri="{FF2B5EF4-FFF2-40B4-BE49-F238E27FC236}">
+                  <a16:creationId xmlns:a16="http://schemas.microsoft.com/office/drawing/2014/main" id="{D50BFA22-324E-DCB3-06AB-01A3C6872952}"/>
+                </a:ext>
+              </a:extLst>
+            </p:cNvPr>
+            <p:cNvSpPr/>
+            <p:nvPr/>
+          </p:nvSpPr>
+          <p:spPr>
+            <a:xfrm>
+              <a:off x="2494800" y="1449970"/>
+              <a:ext cx="203835" cy="203835"/>
+            </a:xfrm>
+            <a:prstGeom prst="ellipse">
+              <a:avLst/>
+            </a:prstGeom>
+            <a:solidFill>
+              <a:schemeClr val="accent2"/>
+            </a:solidFill>
+          </p:spPr>
+          <p:style>
+            <a:lnRef idx="2">
+              <a:schemeClr val="accent1">
+                <a:shade val="15000"/>
+              </a:schemeClr>
+            </a:lnRef>
+            <a:fillRef idx="1">
+              <a:schemeClr val="accent1"/>
+            </a:fillRef>
+            <a:effectRef idx="0">
+              <a:schemeClr val="accent1"/>
+            </a:effectRef>
+            <a:fontRef idx="minor">
+              <a:schemeClr val="lt1"/>
+            </a:fontRef>
+          </p:style>
+          <p:txBody>
+            <a:bodyPr rtlCol="0" anchor="ctr"/>
+            <a:lstStyle/>
+            <a:p>
+              <a:pPr algn="ctr"/>
+              <a:endParaRPr lang="en-IN" dirty="0"/>
+            </a:p>
+          </p:txBody>
+        </p:sp>
+        <p:sp>
+          <p:nvSpPr>
+            <p:cNvPr id="7" name="Oval 6">
+              <a:extLst>
+                <a:ext uri="{FF2B5EF4-FFF2-40B4-BE49-F238E27FC236}">
+                  <a16:creationId xmlns:a16="http://schemas.microsoft.com/office/drawing/2014/main" id="{90DF9E6E-6066-BA9C-6C13-6A35BBF98D3A}"/>
+                </a:ext>
+              </a:extLst>
+            </p:cNvPr>
+            <p:cNvSpPr/>
+            <p:nvPr/>
+          </p:nvSpPr>
+          <p:spPr>
+            <a:xfrm>
+              <a:off x="2786900" y="1449970"/>
+              <a:ext cx="203835" cy="203835"/>
+            </a:xfrm>
+            <a:prstGeom prst="ellipse">
+              <a:avLst/>
+            </a:prstGeom>
+            <a:solidFill>
+              <a:srgbClr val="FFC000"/>
+            </a:solidFill>
+          </p:spPr>
+          <p:style>
+            <a:lnRef idx="2">
+              <a:schemeClr val="accent1">
+                <a:shade val="15000"/>
+              </a:schemeClr>
+            </a:lnRef>
+            <a:fillRef idx="1">
+              <a:schemeClr val="accent1"/>
+            </a:fillRef>
+            <a:effectRef idx="0">
+              <a:schemeClr val="accent1"/>
+            </a:effectRef>
+            <a:fontRef idx="minor">
+              <a:schemeClr val="lt1"/>
+            </a:fontRef>
+          </p:style>
+          <p:txBody>
+            <a:bodyPr rtlCol="0" anchor="ctr"/>
+            <a:lstStyle/>
+            <a:p>
+              <a:pPr algn="ctr"/>
+              <a:endParaRPr lang="en-IN" dirty="0"/>
+            </a:p>
+          </p:txBody>
+        </p:sp>
+        <p:sp>
+          <p:nvSpPr>
+            <p:cNvPr id="8" name="Oval 7">
+              <a:extLst>
+                <a:ext uri="{FF2B5EF4-FFF2-40B4-BE49-F238E27FC236}">
+                  <a16:creationId xmlns:a16="http://schemas.microsoft.com/office/drawing/2014/main" id="{2EBA9930-9584-C661-F31F-EDA4C90A7168}"/>
+                </a:ext>
+              </a:extLst>
+            </p:cNvPr>
+            <p:cNvSpPr/>
+            <p:nvPr/>
+          </p:nvSpPr>
+          <p:spPr>
+            <a:xfrm>
+              <a:off x="3079000" y="1449970"/>
+              <a:ext cx="203835" cy="203835"/>
+            </a:xfrm>
+            <a:prstGeom prst="ellipse">
+              <a:avLst/>
+            </a:prstGeom>
+            <a:solidFill>
+              <a:schemeClr val="accent6"/>
+            </a:solidFill>
+          </p:spPr>
+          <p:style>
+            <a:lnRef idx="2">
+              <a:schemeClr val="accent1">
+                <a:shade val="15000"/>
+              </a:schemeClr>
+            </a:lnRef>
+            <a:fillRef idx="1">
+              <a:schemeClr val="accent1"/>
+            </a:fillRef>
+            <a:effectRef idx="0">
+              <a:schemeClr val="accent1"/>
+            </a:effectRef>
+            <a:fontRef idx="minor">
+              <a:schemeClr val="lt1"/>
+            </a:fontRef>
+          </p:style>
+          <p:txBody>
+            <a:bodyPr rtlCol="0" anchor="ctr"/>
+            <a:lstStyle/>
+            <a:p>
+              <a:pPr algn="ctr"/>
+              <a:endParaRPr lang="en-IN" dirty="0"/>
+            </a:p>
+          </p:txBody>
+        </p:sp>
+      </p:grpSp>
+      <p:sp>
+        <p:nvSpPr>
+          <p:cNvPr id="9" name="TextBox 8">
+            <a:extLst>
+              <a:ext uri="{FF2B5EF4-FFF2-40B4-BE49-F238E27FC236}">
+                <a16:creationId xmlns:a16="http://schemas.microsoft.com/office/drawing/2014/main" id="{13C9AB72-3C89-B531-A533-B7CC5598A670}"/>
+              </a:ext>
+            </a:extLst>
+          </p:cNvPr>
+          <p:cNvSpPr txBox="1"/>
+          <p:nvPr/>
+        </p:nvSpPr>
+        <p:spPr>
+          <a:xfrm>
+            <a:off x="2742127" y="1631505"/>
+            <a:ext cx="6680547" cy="3539430"/>
+          </a:xfrm>
+          <a:prstGeom prst="rect">
+            <a:avLst/>
+          </a:prstGeom>
+          <a:noFill/>
+        </p:spPr>
+        <p:txBody>
+          <a:bodyPr wrap="square" rtlCol="0">
+            <a:spAutoFit/>
+          </a:bodyPr>
+          <a:lstStyle/>
+          <a:p>
+            <a:r>
+              <a:rPr lang="en-IN" sz="1400" dirty="0">
+                <a:solidFill>
+                  <a:schemeClr val="accent2">
+                    <a:lumMod val="75000"/>
+                  </a:schemeClr>
+                </a:solidFill>
+              </a:rPr>
+              <a:t>Class</a:t>
+            </a:r>
+            <a:r>
+              <a:rPr lang="en-IN" sz="1400" dirty="0">
+                <a:solidFill>
+                  <a:schemeClr val="bg1"/>
+                </a:solidFill>
+              </a:rPr>
+              <a:t> </a:t>
+            </a:r>
+            <a:r>
+              <a:rPr lang="en-IN" sz="1400" dirty="0">
+                <a:solidFill>
+                  <a:srgbClr val="FFFF00"/>
+                </a:solidFill>
+              </a:rPr>
+              <a:t>Display</a:t>
+            </a:r>
+            <a:r>
+              <a:rPr lang="en-IN" sz="1400" dirty="0">
+                <a:solidFill>
+                  <a:schemeClr val="bg1"/>
+                </a:solidFill>
+              </a:rPr>
+              <a:t>  {</a:t>
+            </a:r>
+          </a:p>
+          <a:p>
+            <a:r>
+              <a:rPr lang="en-IN" sz="1400" dirty="0">
+                <a:solidFill>
+                  <a:schemeClr val="bg1"/>
+                </a:solidFill>
+              </a:rPr>
+              <a:t>	void  </a:t>
+            </a:r>
+            <a:r>
+              <a:rPr lang="en-IN" sz="1400" dirty="0">
+                <a:solidFill>
+                  <a:schemeClr val="accent4">
+                    <a:lumMod val="60000"/>
+                    <a:lumOff val="40000"/>
+                  </a:schemeClr>
+                </a:solidFill>
+              </a:rPr>
+              <a:t>show</a:t>
+            </a:r>
+            <a:r>
+              <a:rPr lang="en-IN" sz="1400" dirty="0">
+                <a:solidFill>
+                  <a:schemeClr val="bg1"/>
+                </a:solidFill>
+              </a:rPr>
+              <a:t>(String</a:t>
+            </a:r>
+            <a:r>
+              <a:rPr lang="en-IN" sz="1400" dirty="0">
+                <a:solidFill>
+                  <a:schemeClr val="accent4">
+                    <a:lumMod val="60000"/>
+                    <a:lumOff val="40000"/>
+                  </a:schemeClr>
+                </a:solidFill>
+              </a:rPr>
+              <a:t> s, int </a:t>
+            </a:r>
+            <a:r>
+              <a:rPr lang="en-IN" sz="1400" dirty="0" err="1">
+                <a:solidFill>
+                  <a:schemeClr val="accent4">
+                    <a:lumMod val="60000"/>
+                    <a:lumOff val="40000"/>
+                  </a:schemeClr>
+                </a:solidFill>
+              </a:rPr>
+              <a:t>num</a:t>
+            </a:r>
+            <a:r>
+              <a:rPr lang="en-IN" sz="1400" dirty="0">
+                <a:solidFill>
+                  <a:schemeClr val="bg1"/>
+                </a:solidFill>
+              </a:rPr>
+              <a:t>)  {</a:t>
+            </a:r>
+          </a:p>
+          <a:p>
+            <a:r>
+              <a:rPr lang="en-IN" sz="1400" dirty="0">
+                <a:solidFill>
+                  <a:schemeClr val="accent4">
+                    <a:lumMod val="60000"/>
+                    <a:lumOff val="40000"/>
+                  </a:schemeClr>
+                </a:solidFill>
+              </a:rPr>
+              <a:t>		System</a:t>
+            </a:r>
+            <a:r>
+              <a:rPr lang="en-IN" sz="1400" dirty="0">
+                <a:solidFill>
+                  <a:schemeClr val="bg1"/>
+                </a:solidFill>
+              </a:rPr>
+              <a:t>.</a:t>
+            </a:r>
+            <a:r>
+              <a:rPr lang="en-IN" sz="1400" dirty="0">
+                <a:solidFill>
+                  <a:schemeClr val="accent4">
+                    <a:lumMod val="60000"/>
+                    <a:lumOff val="40000"/>
+                  </a:schemeClr>
+                </a:solidFill>
+              </a:rPr>
+              <a:t>out</a:t>
+            </a:r>
+            <a:r>
+              <a:rPr lang="en-IN" sz="1400" dirty="0">
+                <a:solidFill>
+                  <a:schemeClr val="bg1"/>
+                </a:solidFill>
+              </a:rPr>
+              <a:t>.</a:t>
+            </a:r>
+            <a:r>
+              <a:rPr lang="en-IN" sz="1400" dirty="0">
+                <a:solidFill>
+                  <a:schemeClr val="accent4">
+                    <a:lumMod val="60000"/>
+                    <a:lumOff val="40000"/>
+                  </a:schemeClr>
+                </a:solidFill>
+              </a:rPr>
+              <a:t>println</a:t>
+            </a:r>
+            <a:r>
+              <a:rPr lang="en-IN" sz="1400" dirty="0">
+                <a:solidFill>
+                  <a:schemeClr val="bg1"/>
+                </a:solidFill>
+              </a:rPr>
+              <a:t>(</a:t>
+            </a:r>
+            <a:r>
+              <a:rPr lang="en-IN" sz="1400" dirty="0">
+                <a:solidFill>
+                  <a:srgbClr val="FFFF00"/>
+                </a:solidFill>
+              </a:rPr>
+              <a:t>“String : “</a:t>
+            </a:r>
+            <a:r>
+              <a:rPr lang="en-IN" sz="1400" dirty="0">
+                <a:solidFill>
+                  <a:schemeClr val="bg1"/>
+                </a:solidFill>
+              </a:rPr>
+              <a:t> + </a:t>
+            </a:r>
+            <a:r>
+              <a:rPr lang="en-IN" sz="1400" dirty="0">
+                <a:solidFill>
+                  <a:srgbClr val="58A4C2"/>
+                </a:solidFill>
+              </a:rPr>
+              <a:t>s </a:t>
+            </a:r>
+            <a:r>
+              <a:rPr lang="en-IN" sz="1400" dirty="0">
+                <a:solidFill>
+                  <a:schemeClr val="bg1"/>
+                </a:solidFill>
+              </a:rPr>
+              <a:t>+</a:t>
+            </a:r>
+            <a:r>
+              <a:rPr lang="en-IN" sz="1400" dirty="0">
+                <a:solidFill>
+                  <a:srgbClr val="58A4C2"/>
+                </a:solidFill>
+              </a:rPr>
+              <a:t> “, Number : “ </a:t>
+            </a:r>
+            <a:r>
+              <a:rPr lang="en-IN" sz="1400" dirty="0">
+                <a:solidFill>
+                  <a:schemeClr val="bg1"/>
+                </a:solidFill>
+              </a:rPr>
+              <a:t>+</a:t>
+            </a:r>
+            <a:r>
+              <a:rPr lang="en-IN" sz="1400" dirty="0">
+                <a:solidFill>
+                  <a:srgbClr val="58A4C2"/>
+                </a:solidFill>
+              </a:rPr>
+              <a:t> </a:t>
+            </a:r>
+            <a:r>
+              <a:rPr lang="en-IN" sz="1400" dirty="0" err="1">
+                <a:solidFill>
+                  <a:srgbClr val="58A4C2"/>
+                </a:solidFill>
+              </a:rPr>
+              <a:t>num</a:t>
+            </a:r>
+            <a:r>
+              <a:rPr lang="en-IN" sz="1400" dirty="0">
+                <a:solidFill>
+                  <a:schemeClr val="bg1"/>
+                </a:solidFill>
+              </a:rPr>
+              <a:t>) ;</a:t>
+            </a:r>
+            <a:endParaRPr lang="en-IN" sz="1400" dirty="0">
+              <a:solidFill>
+                <a:schemeClr val="accent4">
+                  <a:lumMod val="60000"/>
+                  <a:lumOff val="40000"/>
+                </a:schemeClr>
+              </a:solidFill>
+            </a:endParaRPr>
+          </a:p>
+          <a:p>
+            <a:r>
+              <a:rPr lang="en-IN" sz="1400" dirty="0">
+                <a:solidFill>
+                  <a:schemeClr val="accent4">
+                    <a:lumMod val="60000"/>
+                    <a:lumOff val="40000"/>
+                  </a:schemeClr>
+                </a:solidFill>
+              </a:rPr>
+              <a:t>	</a:t>
+            </a:r>
+            <a:r>
+              <a:rPr lang="en-IN" sz="1400" dirty="0">
+                <a:solidFill>
+                  <a:schemeClr val="bg1"/>
+                </a:solidFill>
+              </a:rPr>
+              <a:t>}</a:t>
+            </a:r>
+          </a:p>
+          <a:p>
+            <a:r>
+              <a:rPr lang="en-IN" sz="1400" dirty="0">
+                <a:solidFill>
+                  <a:schemeClr val="tx1">
+                    <a:lumMod val="50000"/>
+                    <a:lumOff val="50000"/>
+                  </a:schemeClr>
+                </a:solidFill>
+              </a:rPr>
+              <a:t>	</a:t>
+            </a:r>
+            <a:r>
+              <a:rPr lang="en-IN" sz="1400" dirty="0">
+                <a:solidFill>
+                  <a:schemeClr val="bg1"/>
+                </a:solidFill>
+              </a:rPr>
+              <a:t>void  </a:t>
+            </a:r>
+            <a:r>
+              <a:rPr lang="en-IN" sz="1400" dirty="0">
+                <a:solidFill>
+                  <a:schemeClr val="accent4">
+                    <a:lumMod val="60000"/>
+                    <a:lumOff val="40000"/>
+                  </a:schemeClr>
+                </a:solidFill>
+              </a:rPr>
+              <a:t>show</a:t>
+            </a:r>
+            <a:r>
+              <a:rPr lang="en-IN" sz="1400" dirty="0">
+                <a:solidFill>
+                  <a:schemeClr val="bg1"/>
+                </a:solidFill>
+              </a:rPr>
+              <a:t>( </a:t>
+            </a:r>
+            <a:r>
+              <a:rPr lang="en-IN" sz="1400" dirty="0">
+                <a:solidFill>
+                  <a:schemeClr val="accent4">
+                    <a:lumMod val="60000"/>
+                    <a:lumOff val="40000"/>
+                  </a:schemeClr>
+                </a:solidFill>
+              </a:rPr>
+              <a:t>int </a:t>
+            </a:r>
+            <a:r>
+              <a:rPr lang="en-IN" sz="1400" dirty="0" err="1">
+                <a:solidFill>
+                  <a:schemeClr val="accent4">
+                    <a:lumMod val="60000"/>
+                    <a:lumOff val="40000"/>
+                  </a:schemeClr>
+                </a:solidFill>
+              </a:rPr>
+              <a:t>num</a:t>
+            </a:r>
+            <a:r>
+              <a:rPr lang="en-IN" sz="1400" dirty="0">
+                <a:solidFill>
+                  <a:schemeClr val="accent4">
+                    <a:lumMod val="60000"/>
+                    <a:lumOff val="40000"/>
+                  </a:schemeClr>
+                </a:solidFill>
+              </a:rPr>
+              <a:t>, </a:t>
+            </a:r>
+            <a:r>
+              <a:rPr lang="en-IN" sz="1400" dirty="0">
+                <a:solidFill>
+                  <a:schemeClr val="bg1"/>
+                </a:solidFill>
+              </a:rPr>
+              <a:t>String</a:t>
+            </a:r>
+            <a:r>
+              <a:rPr lang="en-IN" sz="1400" dirty="0">
+                <a:solidFill>
+                  <a:schemeClr val="accent4">
+                    <a:lumMod val="60000"/>
+                    <a:lumOff val="40000"/>
+                  </a:schemeClr>
+                </a:solidFill>
+              </a:rPr>
+              <a:t> s</a:t>
+            </a:r>
+            <a:r>
+              <a:rPr lang="en-IN" sz="1400" dirty="0">
+                <a:solidFill>
+                  <a:schemeClr val="bg1"/>
+                </a:solidFill>
+              </a:rPr>
+              <a:t>)  {</a:t>
+            </a:r>
+          </a:p>
+          <a:p>
+            <a:r>
+              <a:rPr lang="en-IN" sz="1400" dirty="0">
+                <a:solidFill>
+                  <a:schemeClr val="accent4">
+                    <a:lumMod val="60000"/>
+                    <a:lumOff val="40000"/>
+                  </a:schemeClr>
+                </a:solidFill>
+              </a:rPr>
+              <a:t>		System</a:t>
+            </a:r>
+            <a:r>
+              <a:rPr lang="en-IN" sz="1400" dirty="0">
+                <a:solidFill>
+                  <a:schemeClr val="bg1"/>
+                </a:solidFill>
+              </a:rPr>
+              <a:t>.</a:t>
+            </a:r>
+            <a:r>
+              <a:rPr lang="en-IN" sz="1400" dirty="0">
+                <a:solidFill>
+                  <a:schemeClr val="accent4">
+                    <a:lumMod val="60000"/>
+                    <a:lumOff val="40000"/>
+                  </a:schemeClr>
+                </a:solidFill>
+              </a:rPr>
+              <a:t>out</a:t>
+            </a:r>
+            <a:r>
+              <a:rPr lang="en-IN" sz="1400" dirty="0">
+                <a:solidFill>
+                  <a:schemeClr val="bg1"/>
+                </a:solidFill>
+              </a:rPr>
+              <a:t>.</a:t>
+            </a:r>
+            <a:r>
+              <a:rPr lang="en-IN" sz="1400" dirty="0">
+                <a:solidFill>
+                  <a:schemeClr val="accent4">
+                    <a:lumMod val="60000"/>
+                    <a:lumOff val="40000"/>
+                  </a:schemeClr>
+                </a:solidFill>
+              </a:rPr>
+              <a:t>println</a:t>
+            </a:r>
+            <a:r>
+              <a:rPr lang="en-IN" sz="1400" dirty="0">
+                <a:solidFill>
+                  <a:schemeClr val="bg1"/>
+                </a:solidFill>
+              </a:rPr>
+              <a:t>(</a:t>
+            </a:r>
+            <a:r>
+              <a:rPr lang="en-IN" sz="1400" dirty="0">
+                <a:solidFill>
+                  <a:srgbClr val="FFFF00"/>
+                </a:solidFill>
+              </a:rPr>
+              <a:t>“Number : “</a:t>
+            </a:r>
+            <a:r>
+              <a:rPr lang="en-IN" sz="1400" dirty="0">
+                <a:solidFill>
+                  <a:schemeClr val="bg1"/>
+                </a:solidFill>
+              </a:rPr>
+              <a:t> + </a:t>
+            </a:r>
+            <a:r>
+              <a:rPr lang="en-IN" sz="1400" dirty="0" err="1">
+                <a:solidFill>
+                  <a:srgbClr val="58A4C2"/>
+                </a:solidFill>
+              </a:rPr>
+              <a:t>num</a:t>
+            </a:r>
+            <a:r>
+              <a:rPr lang="en-IN" sz="1400" dirty="0">
+                <a:solidFill>
+                  <a:srgbClr val="58A4C2"/>
+                </a:solidFill>
+              </a:rPr>
+              <a:t> </a:t>
+            </a:r>
+            <a:r>
+              <a:rPr lang="en-IN" sz="1400" dirty="0">
+                <a:solidFill>
+                  <a:schemeClr val="bg1"/>
+                </a:solidFill>
+              </a:rPr>
+              <a:t>+</a:t>
+            </a:r>
+            <a:r>
+              <a:rPr lang="en-IN" sz="1400" dirty="0">
+                <a:solidFill>
+                  <a:srgbClr val="FFFF00"/>
+                </a:solidFill>
+              </a:rPr>
+              <a:t>”, String : “</a:t>
+            </a:r>
+            <a:r>
+              <a:rPr lang="en-IN" sz="1400" dirty="0">
+                <a:solidFill>
+                  <a:srgbClr val="58A4C2"/>
+                </a:solidFill>
+              </a:rPr>
+              <a:t> </a:t>
+            </a:r>
+            <a:r>
+              <a:rPr lang="en-IN" sz="1400" dirty="0">
+                <a:solidFill>
+                  <a:schemeClr val="bg1"/>
+                </a:solidFill>
+              </a:rPr>
+              <a:t>+</a:t>
+            </a:r>
+            <a:r>
+              <a:rPr lang="en-IN" sz="1400" dirty="0">
+                <a:solidFill>
+                  <a:srgbClr val="58A4C2"/>
+                </a:solidFill>
+              </a:rPr>
+              <a:t> s</a:t>
+            </a:r>
+            <a:r>
+              <a:rPr lang="en-IN" sz="1400" dirty="0">
+                <a:solidFill>
+                  <a:schemeClr val="bg1"/>
+                </a:solidFill>
+              </a:rPr>
+              <a:t>) ;</a:t>
+            </a:r>
+            <a:endParaRPr lang="en-IN" sz="1400" dirty="0">
+              <a:solidFill>
+                <a:schemeClr val="tx1">
+                  <a:lumMod val="50000"/>
+                  <a:lumOff val="50000"/>
+                </a:schemeClr>
+              </a:solidFill>
+            </a:endParaRPr>
+          </a:p>
+          <a:p>
+            <a:r>
+              <a:rPr lang="en-IN" sz="1400" dirty="0">
+                <a:solidFill>
+                  <a:schemeClr val="bg1"/>
+                </a:solidFill>
+              </a:rPr>
+              <a:t>	}</a:t>
+            </a:r>
+          </a:p>
+          <a:p>
+            <a:r>
+              <a:rPr lang="en-IN" sz="1400" dirty="0">
+                <a:solidFill>
+                  <a:schemeClr val="bg1"/>
+                </a:solidFill>
+              </a:rPr>
+              <a:t>}</a:t>
+            </a:r>
+          </a:p>
+          <a:p>
+            <a:endParaRPr lang="en-IN" sz="1400" dirty="0">
+              <a:solidFill>
+                <a:schemeClr val="bg1"/>
+              </a:solidFill>
+            </a:endParaRPr>
+          </a:p>
+          <a:p>
+            <a:r>
+              <a:rPr lang="en-IN" sz="1400" dirty="0">
+                <a:solidFill>
+                  <a:srgbClr val="E97132"/>
+                </a:solidFill>
+              </a:rPr>
+              <a:t>public</a:t>
+            </a:r>
+            <a:r>
+              <a:rPr lang="en-IN" sz="1400" dirty="0">
+                <a:solidFill>
+                  <a:schemeClr val="bg1"/>
+                </a:solidFill>
+              </a:rPr>
+              <a:t> </a:t>
+            </a:r>
+            <a:r>
+              <a:rPr lang="en-IN" sz="1400" dirty="0">
+                <a:solidFill>
+                  <a:srgbClr val="E97132"/>
+                </a:solidFill>
+              </a:rPr>
+              <a:t>class</a:t>
+            </a:r>
+            <a:r>
+              <a:rPr lang="en-IN" sz="1400" dirty="0">
+                <a:solidFill>
+                  <a:schemeClr val="bg1"/>
+                </a:solidFill>
+              </a:rPr>
+              <a:t> </a:t>
+            </a:r>
+            <a:r>
+              <a:rPr lang="en-IN" sz="1400" dirty="0">
+                <a:solidFill>
+                  <a:srgbClr val="FFFF00"/>
+                </a:solidFill>
+              </a:rPr>
+              <a:t>Main</a:t>
+            </a:r>
+            <a:r>
+              <a:rPr lang="en-IN" sz="1400" dirty="0">
+                <a:solidFill>
+                  <a:schemeClr val="bg1"/>
+                </a:solidFill>
+              </a:rPr>
+              <a:t> {</a:t>
+            </a:r>
+          </a:p>
+          <a:p>
+            <a:r>
+              <a:rPr lang="en-IN" sz="1400" dirty="0">
+                <a:solidFill>
+                  <a:schemeClr val="bg1"/>
+                </a:solidFill>
+              </a:rPr>
+              <a:t>	</a:t>
+            </a:r>
+            <a:r>
+              <a:rPr lang="en-IN" sz="1400" dirty="0">
+                <a:solidFill>
+                  <a:srgbClr val="E97132"/>
+                </a:solidFill>
+              </a:rPr>
+              <a:t>public</a:t>
+            </a:r>
+            <a:r>
+              <a:rPr lang="en-IN" sz="1400" dirty="0">
+                <a:solidFill>
+                  <a:schemeClr val="bg1"/>
+                </a:solidFill>
+              </a:rPr>
+              <a:t> </a:t>
+            </a:r>
+            <a:r>
+              <a:rPr lang="en-IN" sz="1400" dirty="0">
+                <a:solidFill>
+                  <a:srgbClr val="E97132"/>
+                </a:solidFill>
+              </a:rPr>
+              <a:t>static</a:t>
+            </a:r>
+            <a:r>
+              <a:rPr lang="en-IN" sz="1400" dirty="0">
+                <a:solidFill>
+                  <a:schemeClr val="bg1"/>
+                </a:solidFill>
+              </a:rPr>
+              <a:t> void </a:t>
+            </a:r>
+            <a:r>
+              <a:rPr lang="en-IN" sz="1400" dirty="0">
+                <a:solidFill>
+                  <a:schemeClr val="accent4">
+                    <a:lumMod val="60000"/>
+                    <a:lumOff val="40000"/>
+                  </a:schemeClr>
+                </a:solidFill>
+              </a:rPr>
+              <a:t>main</a:t>
+            </a:r>
+            <a:r>
+              <a:rPr lang="en-IN" sz="1400" dirty="0">
+                <a:solidFill>
+                  <a:schemeClr val="bg1"/>
+                </a:solidFill>
+              </a:rPr>
+              <a:t>(String[ ] </a:t>
+            </a:r>
+            <a:r>
+              <a:rPr lang="en-IN" sz="1400" dirty="0" err="1">
+                <a:solidFill>
+                  <a:schemeClr val="accent4">
+                    <a:lumMod val="60000"/>
+                    <a:lumOff val="40000"/>
+                  </a:schemeClr>
+                </a:solidFill>
+              </a:rPr>
+              <a:t>args</a:t>
+            </a:r>
+            <a:r>
+              <a:rPr lang="en-IN" sz="1400" dirty="0">
+                <a:solidFill>
+                  <a:schemeClr val="bg1"/>
+                </a:solidFill>
+              </a:rPr>
+              <a:t>) {</a:t>
+            </a:r>
+          </a:p>
+          <a:p>
+            <a:r>
+              <a:rPr lang="en-IN" sz="1400" dirty="0">
+                <a:solidFill>
+                  <a:schemeClr val="bg1"/>
+                </a:solidFill>
+              </a:rPr>
+              <a:t>		</a:t>
+            </a:r>
+            <a:r>
+              <a:rPr lang="en-IN" sz="1400" dirty="0">
+                <a:solidFill>
+                  <a:schemeClr val="accent4">
+                    <a:lumMod val="60000"/>
+                    <a:lumOff val="40000"/>
+                  </a:schemeClr>
+                </a:solidFill>
+              </a:rPr>
+              <a:t>Display </a:t>
+            </a:r>
+            <a:r>
+              <a:rPr lang="en-IN" sz="1400" dirty="0" err="1">
+                <a:solidFill>
+                  <a:schemeClr val="accent4">
+                    <a:lumMod val="60000"/>
+                    <a:lumOff val="40000"/>
+                  </a:schemeClr>
+                </a:solidFill>
+              </a:rPr>
+              <a:t>display</a:t>
+            </a:r>
+            <a:r>
+              <a:rPr lang="en-IN" sz="1400" dirty="0">
+                <a:solidFill>
+                  <a:schemeClr val="bg1"/>
+                </a:solidFill>
+              </a:rPr>
+              <a:t> = </a:t>
+            </a:r>
+            <a:r>
+              <a:rPr lang="en-IN" sz="1400" dirty="0">
+                <a:solidFill>
+                  <a:srgbClr val="E97132"/>
+                </a:solidFill>
+              </a:rPr>
+              <a:t>new</a:t>
+            </a:r>
+            <a:r>
+              <a:rPr lang="en-IN" sz="1400" dirty="0">
+                <a:solidFill>
+                  <a:schemeClr val="bg1"/>
+                </a:solidFill>
+              </a:rPr>
+              <a:t> </a:t>
+            </a:r>
+            <a:r>
+              <a:rPr lang="en-IN" sz="1400" dirty="0">
+                <a:solidFill>
+                  <a:schemeClr val="accent4">
+                    <a:lumMod val="60000"/>
+                    <a:lumOff val="40000"/>
+                  </a:schemeClr>
+                </a:solidFill>
+              </a:rPr>
+              <a:t>Display</a:t>
+            </a:r>
+            <a:r>
+              <a:rPr lang="en-IN" sz="1400" dirty="0">
+                <a:solidFill>
+                  <a:schemeClr val="bg1"/>
+                </a:solidFill>
+              </a:rPr>
+              <a:t>( ) ;</a:t>
+            </a:r>
+          </a:p>
+          <a:p>
+            <a:r>
+              <a:rPr lang="en-IN" sz="1400" dirty="0">
+                <a:solidFill>
+                  <a:schemeClr val="bg1"/>
+                </a:solidFill>
+              </a:rPr>
+              <a:t>		</a:t>
+            </a:r>
+            <a:r>
+              <a:rPr lang="en-IN" sz="1400" dirty="0" err="1">
+                <a:solidFill>
+                  <a:schemeClr val="accent4">
+                    <a:lumMod val="60000"/>
+                    <a:lumOff val="40000"/>
+                  </a:schemeClr>
+                </a:solidFill>
+              </a:rPr>
+              <a:t>display</a:t>
+            </a:r>
+            <a:r>
+              <a:rPr lang="en-IN" sz="1400" dirty="0" err="1">
+                <a:solidFill>
+                  <a:schemeClr val="bg1"/>
+                </a:solidFill>
+              </a:rPr>
+              <a:t>.</a:t>
+            </a:r>
+            <a:r>
+              <a:rPr lang="en-IN" sz="1400" dirty="0" err="1">
+                <a:solidFill>
+                  <a:schemeClr val="accent4">
+                    <a:lumMod val="60000"/>
+                    <a:lumOff val="40000"/>
+                  </a:schemeClr>
+                </a:solidFill>
+              </a:rPr>
+              <a:t>show</a:t>
+            </a:r>
+            <a:r>
+              <a:rPr lang="en-IN" sz="1400" dirty="0">
+                <a:solidFill>
+                  <a:schemeClr val="bg1"/>
+                </a:solidFill>
+              </a:rPr>
+              <a:t>(</a:t>
+            </a:r>
+            <a:r>
+              <a:rPr lang="en-IN" sz="1400" dirty="0">
+                <a:solidFill>
+                  <a:srgbClr val="FFFF00"/>
+                </a:solidFill>
+              </a:rPr>
+              <a:t>“Java”</a:t>
+            </a:r>
+            <a:r>
+              <a:rPr lang="en-IN" sz="1400" dirty="0">
+                <a:solidFill>
+                  <a:schemeClr val="bg1"/>
+                </a:solidFill>
+              </a:rPr>
+              <a:t>, </a:t>
+            </a:r>
+            <a:r>
+              <a:rPr lang="en-IN" sz="1400" dirty="0">
+                <a:solidFill>
+                  <a:schemeClr val="tx1">
+                    <a:lumMod val="50000"/>
+                    <a:lumOff val="50000"/>
+                  </a:schemeClr>
+                </a:solidFill>
+              </a:rPr>
+              <a:t>101</a:t>
+            </a:r>
+            <a:r>
+              <a:rPr lang="en-IN" sz="1400" dirty="0">
+                <a:solidFill>
+                  <a:schemeClr val="bg1"/>
+                </a:solidFill>
+              </a:rPr>
+              <a:t>) ;              </a:t>
+            </a:r>
+            <a:r>
+              <a:rPr lang="en-IN" sz="1400" dirty="0">
+                <a:solidFill>
+                  <a:schemeClr val="tx1">
+                    <a:lumMod val="50000"/>
+                    <a:lumOff val="50000"/>
+                  </a:schemeClr>
+                </a:solidFill>
+              </a:rPr>
+              <a:t>// Output : String : Java, Number : 101</a:t>
+            </a:r>
+            <a:r>
+              <a:rPr lang="en-IN" sz="1400" dirty="0">
+                <a:solidFill>
+                  <a:schemeClr val="bg1"/>
+                </a:solidFill>
+              </a:rPr>
+              <a:t>	</a:t>
+            </a:r>
+          </a:p>
+          <a:p>
+            <a:r>
+              <a:rPr lang="en-IN" sz="1400" dirty="0">
+                <a:solidFill>
+                  <a:schemeClr val="accent4">
+                    <a:lumMod val="60000"/>
+                    <a:lumOff val="40000"/>
+                  </a:schemeClr>
+                </a:solidFill>
+              </a:rPr>
+              <a:t>		</a:t>
+            </a:r>
+            <a:r>
+              <a:rPr lang="en-IN" sz="1400" dirty="0" err="1">
+                <a:solidFill>
+                  <a:schemeClr val="accent4">
+                    <a:lumMod val="60000"/>
+                    <a:lumOff val="40000"/>
+                  </a:schemeClr>
+                </a:solidFill>
+              </a:rPr>
+              <a:t>printer.print</a:t>
+            </a:r>
+            <a:r>
+              <a:rPr lang="en-IN" sz="1400" dirty="0">
+                <a:solidFill>
+                  <a:schemeClr val="bg1"/>
+                </a:solidFill>
+              </a:rPr>
+              <a:t>(</a:t>
+            </a:r>
+            <a:r>
+              <a:rPr lang="en-IN" sz="1400" dirty="0">
+                <a:solidFill>
+                  <a:schemeClr val="tx1">
+                    <a:lumMod val="50000"/>
+                    <a:lumOff val="50000"/>
+                  </a:schemeClr>
+                </a:solidFill>
+              </a:rPr>
+              <a:t>202</a:t>
+            </a:r>
+            <a:r>
+              <a:rPr lang="en-IN" sz="1400" dirty="0">
+                <a:solidFill>
+                  <a:schemeClr val="bg1"/>
+                </a:solidFill>
+              </a:rPr>
+              <a:t>,</a:t>
+            </a:r>
+            <a:r>
+              <a:rPr lang="en-IN" sz="1400" dirty="0">
+                <a:solidFill>
+                  <a:schemeClr val="tx1">
+                    <a:lumMod val="50000"/>
+                    <a:lumOff val="50000"/>
+                  </a:schemeClr>
+                </a:solidFill>
+              </a:rPr>
+              <a:t> </a:t>
+            </a:r>
+            <a:r>
+              <a:rPr lang="en-IN" sz="1400" dirty="0">
+                <a:solidFill>
+                  <a:srgbClr val="FFFF00"/>
+                </a:solidFill>
+              </a:rPr>
+              <a:t>“OOPS”</a:t>
+            </a:r>
+            <a:r>
+              <a:rPr lang="en-IN" sz="1400" dirty="0">
+                <a:solidFill>
+                  <a:schemeClr val="bg1"/>
+                </a:solidFill>
+              </a:rPr>
+              <a:t>) ;           </a:t>
+            </a:r>
+            <a:r>
+              <a:rPr lang="en-IN" sz="1400" dirty="0">
+                <a:solidFill>
+                  <a:schemeClr val="tx1">
+                    <a:lumMod val="50000"/>
+                    <a:lumOff val="50000"/>
+                  </a:schemeClr>
+                </a:solidFill>
+              </a:rPr>
+              <a:t>// Output :  Number : 202, String : OOPS</a:t>
+            </a:r>
+          </a:p>
+          <a:p>
+            <a:r>
+              <a:rPr lang="en-IN" sz="1400" dirty="0">
+                <a:solidFill>
+                  <a:schemeClr val="bg1"/>
+                </a:solidFill>
+              </a:rPr>
+              <a:t>	}</a:t>
+            </a:r>
+          </a:p>
+          <a:p>
+            <a:r>
+              <a:rPr lang="en-IN" sz="1400" dirty="0">
+                <a:solidFill>
+                  <a:schemeClr val="bg1"/>
+                </a:solidFill>
+              </a:rPr>
+              <a:t>}</a:t>
+            </a:r>
+          </a:p>
+        </p:txBody>
+      </p:sp>
+    </p:spTree>
+    <p:extLst>
+      <p:ext uri="{BB962C8B-B14F-4D97-AF65-F5344CB8AC3E}">
+        <p14:creationId xmlns:p14="http://schemas.microsoft.com/office/powerpoint/2010/main" val="2544663198"/>
+      </p:ext>
+    </p:extLst>
+  </p:cSld>
+  <p:clrMapOvr>
+    <a:masterClrMapping/>
+  </p:clrMapOvr>
+  <mc:AlternateContent xmlns:mc="http://schemas.openxmlformats.org/markup-compatibility/2006">
+    <mc:Choice xmlns:p14="http://schemas.microsoft.com/office/powerpoint/2010/main" Requires="p14">
+      <p:transition spd="slow" p14:dur="800">
+        <p14:flythrough/>
+      </p:transition>
+    </mc:Choice>
+    <mc:Fallback>
+      <p:transition spd="slow">
+        <p:fade/>
+      </p:transition>
+    </mc:Fallback>
+  </mc:AlternateContent>
+</p:sld>
+</file>
+
+<file path=ppt/slides/slide49.xml><?xml version="1.0" encoding="utf-8"?>
+<p:sld xmlns:a="http://schemas.openxmlformats.org/drawingml/2006/main" xmlns:r="http://schemas.openxmlformats.org/officeDocument/2006/relationships" xmlns:p="http://schemas.openxmlformats.org/presentationml/2006/main">
+  <p:cSld>
+    <p:spTree>
+      <p:nvGrpSpPr>
+        <p:cNvPr id="1" name="">
+          <a:extLst>
+            <a:ext uri="{FF2B5EF4-FFF2-40B4-BE49-F238E27FC236}">
+              <a16:creationId xmlns:a16="http://schemas.microsoft.com/office/drawing/2014/main" id="{9D0D3EC4-CDAF-640F-B465-43D8D968B506}"/>
+            </a:ext>
+          </a:extLst>
+        </p:cNvPr>
+        <p:cNvGrpSpPr/>
+        <p:nvPr/>
+      </p:nvGrpSpPr>
+      <p:grpSpPr>
+        <a:xfrm>
+          <a:off x="0" y="0"/>
+          <a:ext cx="0" cy="0"/>
+          <a:chOff x="0" y="0"/>
+          <a:chExt cx="0" cy="0"/>
+        </a:xfrm>
+      </p:grpSpPr>
+      <p:sp>
+        <p:nvSpPr>
+          <p:cNvPr id="3" name="TextBox 2">
+            <a:extLst>
+              <a:ext uri="{FF2B5EF4-FFF2-40B4-BE49-F238E27FC236}">
+                <a16:creationId xmlns:a16="http://schemas.microsoft.com/office/drawing/2014/main" id="{66C14733-1697-1F40-8C72-E87735885E6A}"/>
+              </a:ext>
+            </a:extLst>
+          </p:cNvPr>
+          <p:cNvSpPr txBox="1"/>
+          <p:nvPr/>
+        </p:nvSpPr>
+        <p:spPr>
+          <a:xfrm>
+            <a:off x="1728355" y="107035"/>
+            <a:ext cx="8750530" cy="830997"/>
+          </a:xfrm>
+          <a:prstGeom prst="rect">
+            <a:avLst/>
+          </a:prstGeom>
+          <a:noFill/>
+        </p:spPr>
+        <p:txBody>
+          <a:bodyPr wrap="square" rtlCol="0">
+            <a:spAutoFit/>
+          </a:bodyPr>
+          <a:lstStyle/>
+          <a:p>
+            <a:pPr algn="ctr"/>
+            <a:r>
+              <a:rPr lang="en-IN" sz="4800" b="1" dirty="0">
+                <a:solidFill>
+                  <a:schemeClr val="bg1"/>
+                </a:solidFill>
+              </a:rPr>
+              <a:t>Run-Time Polymorphism</a:t>
+            </a:r>
+          </a:p>
+        </p:txBody>
+      </p:sp>
+      <p:sp>
+        <p:nvSpPr>
+          <p:cNvPr id="2" name="TextBox 1">
+            <a:extLst>
+              <a:ext uri="{FF2B5EF4-FFF2-40B4-BE49-F238E27FC236}">
+                <a16:creationId xmlns:a16="http://schemas.microsoft.com/office/drawing/2014/main" id="{19217831-B737-2331-3E5E-6385199D1B6B}"/>
+              </a:ext>
+            </a:extLst>
+          </p:cNvPr>
+          <p:cNvSpPr txBox="1"/>
+          <p:nvPr/>
+        </p:nvSpPr>
+        <p:spPr>
+          <a:xfrm>
+            <a:off x="1074421" y="2180719"/>
+            <a:ext cx="10043159" cy="3416320"/>
+          </a:xfrm>
+          <a:prstGeom prst="rect">
+            <a:avLst/>
+          </a:prstGeom>
+          <a:noFill/>
+        </p:spPr>
+        <p:txBody>
+          <a:bodyPr wrap="square" rtlCol="0">
+            <a:spAutoFit/>
+          </a:bodyPr>
+          <a:lstStyle/>
+          <a:p>
+            <a:pPr algn="ctr"/>
+            <a:r>
+              <a:rPr lang="en-IN" sz="3600" dirty="0">
+                <a:solidFill>
+                  <a:schemeClr val="bg1"/>
+                </a:solidFill>
+              </a:rPr>
+              <a:t>Run-time polymorphism is achieved through method overriding, where a subclass provides a specific implementation of a method already defined in its parent class. The method to be called is determined at  runtime based on the object.</a:t>
+            </a:r>
+          </a:p>
+        </p:txBody>
+      </p:sp>
+      <p:sp>
+        <p:nvSpPr>
+          <p:cNvPr id="4" name="TextBox 3">
+            <a:extLst>
+              <a:ext uri="{FF2B5EF4-FFF2-40B4-BE49-F238E27FC236}">
+                <a16:creationId xmlns:a16="http://schemas.microsoft.com/office/drawing/2014/main" id="{08E02514-AB1B-9992-F86D-7991CD4187DF}"/>
+              </a:ext>
+            </a:extLst>
+          </p:cNvPr>
+          <p:cNvSpPr txBox="1"/>
+          <p:nvPr/>
+        </p:nvSpPr>
+        <p:spPr>
+          <a:xfrm>
+            <a:off x="1728355" y="747115"/>
+            <a:ext cx="8750530" cy="646331"/>
+          </a:xfrm>
+          <a:prstGeom prst="rect">
+            <a:avLst/>
+          </a:prstGeom>
+          <a:noFill/>
+        </p:spPr>
+        <p:txBody>
+          <a:bodyPr wrap="square" rtlCol="0">
+            <a:spAutoFit/>
+          </a:bodyPr>
+          <a:lstStyle/>
+          <a:p>
+            <a:pPr algn="ctr"/>
+            <a:r>
+              <a:rPr lang="en-IN" sz="3600" dirty="0">
+                <a:solidFill>
+                  <a:schemeClr val="bg1"/>
+                </a:solidFill>
+              </a:rPr>
+              <a:t>(Dynamic Polymorphism)</a:t>
+            </a:r>
+          </a:p>
+        </p:txBody>
+      </p:sp>
+    </p:spTree>
+    <p:extLst>
+      <p:ext uri="{BB962C8B-B14F-4D97-AF65-F5344CB8AC3E}">
+        <p14:creationId xmlns:p14="http://schemas.microsoft.com/office/powerpoint/2010/main" val="201768803"/>
+      </p:ext>
+    </p:extLst>
+  </p:cSld>
+  <p:clrMapOvr>
+    <a:masterClrMapping/>
+  </p:clrMapOvr>
+  <mc:AlternateContent xmlns:mc="http://schemas.openxmlformats.org/markup-compatibility/2006">
+    <mc:Choice xmlns:p14="http://schemas.microsoft.com/office/powerpoint/2010/main" Requires="p14">
+      <p:transition spd="slow" p14:dur="4000">
+        <p14:vortex dir="r"/>
+      </p:transition>
+    </mc:Choice>
+    <mc:Fallback>
+      <p:transition spd="slow">
+        <p:fade/>
+      </p:transition>
+    </mc:Fallback>
+  </mc:AlternateContent>
+</p:sld>
+</file>
+
 <file path=ppt/slides/slide5.xml><?xml version="1.0" encoding="utf-8"?>
 <p:sld xmlns:a="http://schemas.openxmlformats.org/drawingml/2006/main" xmlns:r="http://schemas.openxmlformats.org/officeDocument/2006/relationships" xmlns:p="http://schemas.openxmlformats.org/presentationml/2006/main">
   <p:cSld>

--- a/JAVA.pptx
+++ b/JAVA.pptx
@@ -5,7 +5,7 @@
     <p:sldMasterId id="2147483672" r:id="rId1"/>
   </p:sldMasterIdLst>
   <p:notesMasterIdLst>
-    <p:notesMasterId r:id="rId51"/>
+    <p:notesMasterId r:id="rId53"/>
   </p:notesMasterIdLst>
   <p:sldIdLst>
     <p:sldId id="257" r:id="rId2"/>
@@ -57,6 +57,8 @@
     <p:sldId id="302" r:id="rId48"/>
     <p:sldId id="303" r:id="rId49"/>
     <p:sldId id="304" r:id="rId50"/>
+    <p:sldId id="305" r:id="rId51"/>
+    <p:sldId id="306" r:id="rId52"/>
   </p:sldIdLst>
   <p:sldSz cx="12192000" cy="6858000"/>
   <p:notesSz cx="6858000" cy="9144000"/>
@@ -274,7 +276,7 @@
           <a:p>
             <a:fld id="{793E1085-CD5A-4344-9015-5F31F108D9F6}" type="datetimeFigureOut">
               <a:rPr lang="en-IN" smtClean="0"/>
-              <a:t>09-03-2025</a:t>
+              <a:t>18-03-2025</a:t>
             </a:fld>
             <a:endParaRPr lang="en-IN" dirty="0"/>
           </a:p>
@@ -914,6 +916,118 @@
 </p:notes>
 </file>
 
+<file path=ppt/notesSlides/notesSlide5.xml><?xml version="1.0" encoding="utf-8"?>
+<p:notes xmlns:a="http://schemas.openxmlformats.org/drawingml/2006/main" xmlns:r="http://schemas.openxmlformats.org/officeDocument/2006/relationships" xmlns:p="http://schemas.openxmlformats.org/presentationml/2006/main">
+  <p:cSld>
+    <p:spTree>
+      <p:nvGrpSpPr>
+        <p:cNvPr id="1" name="">
+          <a:extLst>
+            <a:ext uri="{FF2B5EF4-FFF2-40B4-BE49-F238E27FC236}">
+              <a16:creationId xmlns:a16="http://schemas.microsoft.com/office/drawing/2014/main" id="{69F6538D-029C-DBC4-F935-E99DD817CFB3}"/>
+            </a:ext>
+          </a:extLst>
+        </p:cNvPr>
+        <p:cNvGrpSpPr/>
+        <p:nvPr/>
+      </p:nvGrpSpPr>
+      <p:grpSpPr>
+        <a:xfrm>
+          <a:off x="0" y="0"/>
+          <a:ext cx="0" cy="0"/>
+          <a:chOff x="0" y="0"/>
+          <a:chExt cx="0" cy="0"/>
+        </a:xfrm>
+      </p:grpSpPr>
+      <p:sp>
+        <p:nvSpPr>
+          <p:cNvPr id="2" name="Slide Image Placeholder 1">
+            <a:extLst>
+              <a:ext uri="{FF2B5EF4-FFF2-40B4-BE49-F238E27FC236}">
+                <a16:creationId xmlns:a16="http://schemas.microsoft.com/office/drawing/2014/main" id="{B22C431C-216F-4C8B-2343-040122C65ACA}"/>
+              </a:ext>
+            </a:extLst>
+          </p:cNvPr>
+          <p:cNvSpPr>
+            <a:spLocks noGrp="1" noRot="1" noChangeAspect="1"/>
+          </p:cNvSpPr>
+          <p:nvPr>
+            <p:ph type="sldImg"/>
+          </p:nvPr>
+        </p:nvSpPr>
+        <p:spPr/>
+      </p:sp>
+      <p:sp>
+        <p:nvSpPr>
+          <p:cNvPr id="3" name="Notes Placeholder 2">
+            <a:extLst>
+              <a:ext uri="{FF2B5EF4-FFF2-40B4-BE49-F238E27FC236}">
+                <a16:creationId xmlns:a16="http://schemas.microsoft.com/office/drawing/2014/main" id="{41D23C6B-1886-FE35-A059-3EF17215D137}"/>
+              </a:ext>
+            </a:extLst>
+          </p:cNvPr>
+          <p:cNvSpPr>
+            <a:spLocks noGrp="1"/>
+          </p:cNvSpPr>
+          <p:nvPr>
+            <p:ph type="body" idx="1"/>
+          </p:nvPr>
+        </p:nvSpPr>
+        <p:spPr/>
+        <p:txBody>
+          <a:bodyPr/>
+          <a:lstStyle/>
+          <a:p>
+            <a:r>
+              <a:rPr lang="en-US" dirty="0"/>
+              <a:t>Example 2</a:t>
+            </a:r>
+            <a:endParaRPr lang="en-IN" dirty="0"/>
+          </a:p>
+        </p:txBody>
+      </p:sp>
+      <p:sp>
+        <p:nvSpPr>
+          <p:cNvPr id="4" name="Slide Number Placeholder 3">
+            <a:extLst>
+              <a:ext uri="{FF2B5EF4-FFF2-40B4-BE49-F238E27FC236}">
+                <a16:creationId xmlns:a16="http://schemas.microsoft.com/office/drawing/2014/main" id="{8C60A456-583F-7B4B-C6F7-51F5462C143A}"/>
+              </a:ext>
+            </a:extLst>
+          </p:cNvPr>
+          <p:cNvSpPr>
+            <a:spLocks noGrp="1"/>
+          </p:cNvSpPr>
+          <p:nvPr>
+            <p:ph type="sldNum" sz="quarter" idx="5"/>
+          </p:nvPr>
+        </p:nvSpPr>
+        <p:spPr/>
+        <p:txBody>
+          <a:bodyPr/>
+          <a:lstStyle/>
+          <a:p>
+            <a:fld id="{B61AA0BC-727E-4541-82B4-04DDFBE71AF1}" type="slidenum">
+              <a:rPr lang="en-IN" smtClean="0"/>
+              <a:t>50</a:t>
+            </a:fld>
+            <a:endParaRPr lang="en-IN" dirty="0"/>
+          </a:p>
+        </p:txBody>
+      </p:sp>
+    </p:spTree>
+    <p:extLst>
+      <p:ext uri="{BB962C8B-B14F-4D97-AF65-F5344CB8AC3E}">
+        <p14:creationId xmlns:p14="http://schemas.microsoft.com/office/powerpoint/2010/main" val="2762652062"/>
+      </p:ext>
+    </p:extLst>
+  </p:cSld>
+  <p:clrMapOvr>
+    <a:masterClrMapping/>
+  </p:clrMapOvr>
+</p:notes>
+</file>
+
 <file path=ppt/slideLayouts/slideLayout1.xml><?xml version="1.0" encoding="utf-8"?>
 <p:sldLayout xmlns:a="http://schemas.openxmlformats.org/drawingml/2006/main" xmlns:r="http://schemas.openxmlformats.org/officeDocument/2006/relationships" xmlns:p="http://schemas.openxmlformats.org/presentationml/2006/main" type="title" preserve="1">
   <p:cSld name="Title Slide">
@@ -1045,7 +1159,7 @@
           <a:p>
             <a:fld id="{5BA949CA-9D7A-4F72-9D19-23CC5A2468BD}" type="datetimeFigureOut">
               <a:rPr lang="en-IN" smtClean="0"/>
-              <a:t>09-03-2025</a:t>
+              <a:t>18-03-2025</a:t>
             </a:fld>
             <a:endParaRPr lang="en-IN" dirty="0"/>
           </a:p>
@@ -1215,7 +1329,7 @@
           <a:p>
             <a:fld id="{5BA949CA-9D7A-4F72-9D19-23CC5A2468BD}" type="datetimeFigureOut">
               <a:rPr lang="en-IN" smtClean="0"/>
-              <a:t>09-03-2025</a:t>
+              <a:t>18-03-2025</a:t>
             </a:fld>
             <a:endParaRPr lang="en-IN" dirty="0"/>
           </a:p>
@@ -1395,7 +1509,7 @@
           <a:p>
             <a:fld id="{5BA949CA-9D7A-4F72-9D19-23CC5A2468BD}" type="datetimeFigureOut">
               <a:rPr lang="en-IN" smtClean="0"/>
-              <a:t>09-03-2025</a:t>
+              <a:t>18-03-2025</a:t>
             </a:fld>
             <a:endParaRPr lang="en-IN" dirty="0"/>
           </a:p>
@@ -1565,7 +1679,7 @@
           <a:p>
             <a:fld id="{5BA949CA-9D7A-4F72-9D19-23CC5A2468BD}" type="datetimeFigureOut">
               <a:rPr lang="en-IN" smtClean="0"/>
-              <a:t>09-03-2025</a:t>
+              <a:t>18-03-2025</a:t>
             </a:fld>
             <a:endParaRPr lang="en-IN" dirty="0"/>
           </a:p>
@@ -1811,7 +1925,7 @@
           <a:p>
             <a:fld id="{5BA949CA-9D7A-4F72-9D19-23CC5A2468BD}" type="datetimeFigureOut">
               <a:rPr lang="en-IN" smtClean="0"/>
-              <a:t>09-03-2025</a:t>
+              <a:t>18-03-2025</a:t>
             </a:fld>
             <a:endParaRPr lang="en-IN" dirty="0"/>
           </a:p>
@@ -2043,7 +2157,7 @@
           <a:p>
             <a:fld id="{5BA949CA-9D7A-4F72-9D19-23CC5A2468BD}" type="datetimeFigureOut">
               <a:rPr lang="en-IN" smtClean="0"/>
-              <a:t>09-03-2025</a:t>
+              <a:t>18-03-2025</a:t>
             </a:fld>
             <a:endParaRPr lang="en-IN" dirty="0"/>
           </a:p>
@@ -2410,7 +2524,7 @@
           <a:p>
             <a:fld id="{5BA949CA-9D7A-4F72-9D19-23CC5A2468BD}" type="datetimeFigureOut">
               <a:rPr lang="en-IN" smtClean="0"/>
-              <a:t>09-03-2025</a:t>
+              <a:t>18-03-2025</a:t>
             </a:fld>
             <a:endParaRPr lang="en-IN" dirty="0"/>
           </a:p>
@@ -2528,7 +2642,7 @@
           <a:p>
             <a:fld id="{5BA949CA-9D7A-4F72-9D19-23CC5A2468BD}" type="datetimeFigureOut">
               <a:rPr lang="en-IN" smtClean="0"/>
-              <a:t>09-03-2025</a:t>
+              <a:t>18-03-2025</a:t>
             </a:fld>
             <a:endParaRPr lang="en-IN" dirty="0"/>
           </a:p>
@@ -2623,7 +2737,7 @@
           <a:p>
             <a:fld id="{5BA949CA-9D7A-4F72-9D19-23CC5A2468BD}" type="datetimeFigureOut">
               <a:rPr lang="en-IN" smtClean="0"/>
-              <a:t>09-03-2025</a:t>
+              <a:t>18-03-2025</a:t>
             </a:fld>
             <a:endParaRPr lang="en-IN" dirty="0"/>
           </a:p>
@@ -2900,7 +3014,7 @@
           <a:p>
             <a:fld id="{5BA949CA-9D7A-4F72-9D19-23CC5A2468BD}" type="datetimeFigureOut">
               <a:rPr lang="en-IN" smtClean="0"/>
-              <a:t>09-03-2025</a:t>
+              <a:t>18-03-2025</a:t>
             </a:fld>
             <a:endParaRPr lang="en-IN" dirty="0"/>
           </a:p>
@@ -3156,7 +3270,7 @@
           <a:p>
             <a:fld id="{5BA949CA-9D7A-4F72-9D19-23CC5A2468BD}" type="datetimeFigureOut">
               <a:rPr lang="en-IN" smtClean="0"/>
-              <a:t>09-03-2025</a:t>
+              <a:t>18-03-2025</a:t>
             </a:fld>
             <a:endParaRPr lang="en-IN" dirty="0"/>
           </a:p>
@@ -3375,7 +3489,7 @@
           <a:p>
             <a:fld id="{5BA949CA-9D7A-4F72-9D19-23CC5A2468BD}" type="datetimeFigureOut">
               <a:rPr lang="en-IN" smtClean="0"/>
-              <a:t>09-03-2025</a:t>
+              <a:t>18-03-2025</a:t>
             </a:fld>
             <a:endParaRPr lang="en-IN" dirty="0"/>
           </a:p>
@@ -14525,13 +14639,13 @@
   <p:clrMapOvr>
     <a:masterClrMapping/>
   </p:clrMapOvr>
-  <mc:AlternateContent xmlns:mc="http://schemas.openxmlformats.org/markup-compatibility/2006">
-    <mc:Choice xmlns:p15="http://schemas.microsoft.com/office/powerpoint/2012/main" Requires="p15">
+  <mc:AlternateContent xmlns:mc="http://schemas.openxmlformats.org/markup-compatibility/2006" xmlns:p15="http://schemas.microsoft.com/office/powerpoint/2012/main">
+    <mc:Choice Requires="p15">
       <p:transition xmlns:p14="http://schemas.microsoft.com/office/powerpoint/2010/main" spd="slow" p14:dur="2000">
         <p15:prstTrans prst="fallOver"/>
       </p:transition>
     </mc:Choice>
-    <mc:Fallback>
+    <mc:Fallback xmlns="">
       <p:transition spd="slow">
         <p:fade/>
       </p:transition>
@@ -17451,13 +17565,13 @@
   <p:clrMapOvr>
     <a:masterClrMapping/>
   </p:clrMapOvr>
-  <mc:AlternateContent xmlns:mc="http://schemas.openxmlformats.org/markup-compatibility/2006">
-    <mc:Choice xmlns:p14="http://schemas.microsoft.com/office/powerpoint/2010/main" Requires="p14">
+  <mc:AlternateContent xmlns:mc="http://schemas.openxmlformats.org/markup-compatibility/2006" xmlns:p14="http://schemas.microsoft.com/office/powerpoint/2010/main">
+    <mc:Choice Requires="p14">
       <p:transition spd="slow" p14:dur="800">
         <p14:flythrough/>
       </p:transition>
     </mc:Choice>
-    <mc:Fallback>
+    <mc:Fallback xmlns="">
       <p:transition spd="slow">
         <p:fade/>
       </p:transition>
@@ -20953,13 +21067,13 @@
   <p:clrMapOvr>
     <a:masterClrMapping/>
   </p:clrMapOvr>
-  <mc:AlternateContent xmlns:mc="http://schemas.openxmlformats.org/markup-compatibility/2006">
-    <mc:Choice xmlns:p14="http://schemas.microsoft.com/office/powerpoint/2010/main" Requires="p14">
+  <mc:AlternateContent xmlns:mc="http://schemas.openxmlformats.org/markup-compatibility/2006" xmlns:p14="http://schemas.microsoft.com/office/powerpoint/2010/main">
+    <mc:Choice Requires="p14">
       <p:transition spd="slow" p14:dur="800">
         <p14:flythrough/>
       </p:transition>
     </mc:Choice>
-    <mc:Fallback>
+    <mc:Fallback xmlns="">
       <p:transition spd="slow">
         <p:fade/>
       </p:transition>
@@ -21286,13 +21400,13 @@
   <p:clrMapOvr>
     <a:masterClrMapping/>
   </p:clrMapOvr>
-  <mc:AlternateContent xmlns:mc="http://schemas.openxmlformats.org/markup-compatibility/2006">
-    <mc:Choice xmlns:p14="http://schemas.microsoft.com/office/powerpoint/2010/main" Requires="p14">
+  <mc:AlternateContent xmlns:mc="http://schemas.openxmlformats.org/markup-compatibility/2006" xmlns:p14="http://schemas.microsoft.com/office/powerpoint/2010/main">
+    <mc:Choice Requires="p14">
       <p:transition spd="slow" p14:dur="800">
         <p14:flythrough/>
       </p:transition>
     </mc:Choice>
-    <mc:Fallback>
+    <mc:Fallback xmlns="">
       <p:transition spd="slow">
         <p:fade/>
       </p:transition>
@@ -21449,13 +21563,13 @@
   <p:clrMapOvr>
     <a:masterClrMapping/>
   </p:clrMapOvr>
-  <mc:AlternateContent xmlns:mc="http://schemas.openxmlformats.org/markup-compatibility/2006">
-    <mc:Choice xmlns:p15="http://schemas.microsoft.com/office/powerpoint/2012/main" Requires="p15">
+  <mc:AlternateContent xmlns:mc="http://schemas.openxmlformats.org/markup-compatibility/2006" xmlns:p15="http://schemas.microsoft.com/office/powerpoint/2012/main">
+    <mc:Choice Requires="p15">
       <p:transition xmlns:p14="http://schemas.microsoft.com/office/powerpoint/2010/main" spd="slow" p14:dur="1250">
         <p15:prstTrans prst="pageCurlDouble"/>
       </p:transition>
     </mc:Choice>
-    <mc:Fallback>
+    <mc:Fallback xmlns="">
       <p:transition spd="slow">
         <p:fade/>
       </p:transition>
@@ -21531,13 +21645,13 @@
   <p:clrMapOvr>
     <a:masterClrMapping/>
   </p:clrMapOvr>
-  <mc:AlternateContent xmlns:mc="http://schemas.openxmlformats.org/markup-compatibility/2006">
-    <mc:Choice xmlns:p14="http://schemas.microsoft.com/office/powerpoint/2010/main" Requires="p14">
+  <mc:AlternateContent xmlns:mc="http://schemas.openxmlformats.org/markup-compatibility/2006" xmlns:p14="http://schemas.microsoft.com/office/powerpoint/2010/main">
+    <mc:Choice Requires="p14">
       <p:transition spd="slow" p14:dur="800">
         <p14:flythrough/>
       </p:transition>
     </mc:Choice>
-    <mc:Fallback>
+    <mc:Fallback xmlns="">
       <p:transition spd="slow">
         <p:fade/>
       </p:transition>
@@ -21726,13 +21840,13 @@
   <p:clrMapOvr>
     <a:masterClrMapping/>
   </p:clrMapOvr>
-  <mc:AlternateContent xmlns:mc="http://schemas.openxmlformats.org/markup-compatibility/2006">
-    <mc:Choice xmlns:p14="http://schemas.microsoft.com/office/powerpoint/2010/main" Requires="p14">
+  <mc:AlternateContent xmlns:mc="http://schemas.openxmlformats.org/markup-compatibility/2006" xmlns:p14="http://schemas.microsoft.com/office/powerpoint/2010/main">
+    <mc:Choice Requires="p14">
       <p:transition spd="slow" p14:dur="800">
         <p14:flythrough/>
       </p:transition>
     </mc:Choice>
-    <mc:Fallback>
+    <mc:Fallback xmlns="">
       <p:transition spd="slow">
         <p:fade/>
       </p:transition>
@@ -21854,13 +21968,13 @@
   <p:clrMapOvr>
     <a:masterClrMapping/>
   </p:clrMapOvr>
-  <mc:AlternateContent xmlns:mc="http://schemas.openxmlformats.org/markup-compatibility/2006">
-    <mc:Choice xmlns:p14="http://schemas.microsoft.com/office/powerpoint/2010/main" Requires="p14">
+  <mc:AlternateContent xmlns:mc="http://schemas.openxmlformats.org/markup-compatibility/2006" xmlns:p14="http://schemas.microsoft.com/office/powerpoint/2010/main">
+    <mc:Choice Requires="p14">
       <p:transition spd="slow" p14:dur="800">
         <p14:flythrough/>
       </p:transition>
     </mc:Choice>
-    <mc:Fallback>
+    <mc:Fallback xmlns="">
       <p:transition spd="slow">
         <p:fade/>
       </p:transition>
@@ -22407,13 +22521,13 @@
   <p:clrMapOvr>
     <a:masterClrMapping/>
   </p:clrMapOvr>
-  <mc:AlternateContent xmlns:mc="http://schemas.openxmlformats.org/markup-compatibility/2006">
-    <mc:Choice xmlns:p14="http://schemas.microsoft.com/office/powerpoint/2010/main" Requires="p14">
+  <mc:AlternateContent xmlns:mc="http://schemas.openxmlformats.org/markup-compatibility/2006" xmlns:p14="http://schemas.microsoft.com/office/powerpoint/2010/main">
+    <mc:Choice Requires="p14">
       <p:transition spd="slow" p14:dur="800">
         <p14:flythrough/>
       </p:transition>
     </mc:Choice>
-    <mc:Fallback>
+    <mc:Fallback xmlns="">
       <p:transition spd="slow">
         <p:fade/>
       </p:transition>
@@ -22535,13 +22649,13 @@
   <p:clrMapOvr>
     <a:masterClrMapping/>
   </p:clrMapOvr>
-  <mc:AlternateContent xmlns:mc="http://schemas.openxmlformats.org/markup-compatibility/2006">
-    <mc:Choice xmlns:p14="http://schemas.microsoft.com/office/powerpoint/2010/main" Requires="p14">
+  <mc:AlternateContent xmlns:mc="http://schemas.openxmlformats.org/markup-compatibility/2006" xmlns:p14="http://schemas.microsoft.com/office/powerpoint/2010/main">
+    <mc:Choice Requires="p14">
       <p:transition spd="slow" p14:dur="800">
         <p14:flythrough/>
       </p:transition>
     </mc:Choice>
-    <mc:Fallback>
+    <mc:Fallback xmlns="">
       <p:transition spd="slow">
         <p:fade/>
       </p:transition>
@@ -23025,13 +23139,13 @@
   <p:clrMapOvr>
     <a:masterClrMapping/>
   </p:clrMapOvr>
-  <mc:AlternateContent xmlns:mc="http://schemas.openxmlformats.org/markup-compatibility/2006">
-    <mc:Choice xmlns:p14="http://schemas.microsoft.com/office/powerpoint/2010/main" Requires="p14">
+  <mc:AlternateContent xmlns:mc="http://schemas.openxmlformats.org/markup-compatibility/2006" xmlns:p14="http://schemas.microsoft.com/office/powerpoint/2010/main">
+    <mc:Choice Requires="p14">
       <p:transition spd="slow" p14:dur="800">
         <p14:flythrough/>
       </p:transition>
     </mc:Choice>
-    <mc:Fallback>
+    <mc:Fallback xmlns="">
       <p:transition spd="slow">
         <p:fade/>
       </p:transition>
@@ -23154,13 +23268,13 @@
   <p:clrMapOvr>
     <a:masterClrMapping/>
   </p:clrMapOvr>
-  <mc:AlternateContent xmlns:mc="http://schemas.openxmlformats.org/markup-compatibility/2006">
-    <mc:Choice xmlns:p15="http://schemas.microsoft.com/office/powerpoint/2012/main" Requires="p15">
+  <mc:AlternateContent xmlns:mc="http://schemas.openxmlformats.org/markup-compatibility/2006" xmlns:p15="http://schemas.microsoft.com/office/powerpoint/2012/main">
+    <mc:Choice Requires="p15">
       <p:transition xmlns:p14="http://schemas.microsoft.com/office/powerpoint/2010/main" spd="slow" p14:dur="1250">
         <p15:prstTrans prst="peelOff"/>
       </p:transition>
     </mc:Choice>
-    <mc:Fallback>
+    <mc:Fallback xmlns="">
       <p:transition spd="slow">
         <p:fade/>
       </p:transition>
@@ -24161,13 +24275,13 @@
   <p:clrMapOvr>
     <a:masterClrMapping/>
   </p:clrMapOvr>
-  <mc:AlternateContent xmlns:mc="http://schemas.openxmlformats.org/markup-compatibility/2006">
-    <mc:Choice xmlns:p14="http://schemas.microsoft.com/office/powerpoint/2010/main" Requires="p14">
+  <mc:AlternateContent xmlns:mc="http://schemas.openxmlformats.org/markup-compatibility/2006" xmlns:p14="http://schemas.microsoft.com/office/powerpoint/2010/main">
+    <mc:Choice Requires="p14">
       <p:transition spd="slow" p14:dur="800">
         <p14:flythrough/>
       </p:transition>
     </mc:Choice>
-    <mc:Fallback>
+    <mc:Fallback xmlns="">
       <p:transition spd="slow">
         <p:fade/>
       </p:transition>
@@ -24889,13 +25003,13 @@
   <p:clrMapOvr>
     <a:masterClrMapping/>
   </p:clrMapOvr>
-  <mc:AlternateContent xmlns:mc="http://schemas.openxmlformats.org/markup-compatibility/2006">
-    <mc:Choice xmlns:p14="http://schemas.microsoft.com/office/powerpoint/2010/main" Requires="p14">
+  <mc:AlternateContent xmlns:mc="http://schemas.openxmlformats.org/markup-compatibility/2006" xmlns:p14="http://schemas.microsoft.com/office/powerpoint/2010/main">
+    <mc:Choice Requires="p14">
       <p:transition spd="slow" p14:dur="800">
         <p14:flythrough/>
       </p:transition>
     </mc:Choice>
-    <mc:Fallback>
+    <mc:Fallback xmlns="">
       <p:transition spd="slow">
         <p:fade/>
       </p:transition>
@@ -25057,13 +25171,13 @@
   <p:clrMapOvr>
     <a:masterClrMapping/>
   </p:clrMapOvr>
-  <mc:AlternateContent xmlns:mc="http://schemas.openxmlformats.org/markup-compatibility/2006">
-    <mc:Choice xmlns:p14="http://schemas.microsoft.com/office/powerpoint/2010/main" Requires="p14">
+  <mc:AlternateContent xmlns:mc="http://schemas.openxmlformats.org/markup-compatibility/2006" xmlns:p14="http://schemas.microsoft.com/office/powerpoint/2010/main">
+    <mc:Choice Requires="p14">
       <p:transition spd="slow" p14:dur="800">
         <p14:flythrough/>
       </p:transition>
     </mc:Choice>
-    <mc:Fallback>
+    <mc:Fallback xmlns="">
       <p:transition spd="slow">
         <p:fade/>
       </p:transition>
@@ -25161,13 +25275,13 @@
   <p:clrMapOvr>
     <a:masterClrMapping/>
   </p:clrMapOvr>
-  <mc:AlternateContent xmlns:mc="http://schemas.openxmlformats.org/markup-compatibility/2006">
-    <mc:Choice xmlns:p14="http://schemas.microsoft.com/office/powerpoint/2010/main" Requires="p14">
+  <mc:AlternateContent xmlns:mc="http://schemas.openxmlformats.org/markup-compatibility/2006" xmlns:p14="http://schemas.microsoft.com/office/powerpoint/2010/main">
+    <mc:Choice Requires="p14">
       <p:transition spd="slow" p14:dur="800">
         <p14:flythrough/>
       </p:transition>
     </mc:Choice>
-    <mc:Fallback>
+    <mc:Fallback xmlns="">
       <p:transition spd="slow">
         <p:fade/>
       </p:transition>
@@ -25349,13 +25463,13 @@
   <p:clrMapOvr>
     <a:masterClrMapping/>
   </p:clrMapOvr>
-  <mc:AlternateContent xmlns:mc="http://schemas.openxmlformats.org/markup-compatibility/2006">
-    <mc:Choice xmlns:p14="http://schemas.microsoft.com/office/powerpoint/2010/main" Requires="p14">
+  <mc:AlternateContent xmlns:mc="http://schemas.openxmlformats.org/markup-compatibility/2006" xmlns:p14="http://schemas.microsoft.com/office/powerpoint/2010/main">
+    <mc:Choice Requires="p14">
       <p:transition spd="slow" p14:dur="4000">
         <p14:vortex dir="r"/>
       </p:transition>
     </mc:Choice>
-    <mc:Fallback>
+    <mc:Fallback xmlns="">
       <p:transition spd="slow">
         <p:fade/>
       </p:transition>
@@ -25532,13 +25646,13 @@
   <p:clrMapOvr>
     <a:masterClrMapping/>
   </p:clrMapOvr>
-  <mc:AlternateContent xmlns:mc="http://schemas.openxmlformats.org/markup-compatibility/2006">
-    <mc:Choice xmlns:p14="http://schemas.microsoft.com/office/powerpoint/2010/main" Requires="p14">
+  <mc:AlternateContent xmlns:mc="http://schemas.openxmlformats.org/markup-compatibility/2006" xmlns:p14="http://schemas.microsoft.com/office/powerpoint/2010/main">
+    <mc:Choice Requires="p14">
       <p:transition spd="slow" p14:dur="800">
         <p14:flythrough/>
       </p:transition>
     </mc:Choice>
-    <mc:Fallback>
+    <mc:Fallback xmlns="">
       <p:transition spd="slow">
         <p:fade/>
       </p:transition>
@@ -26756,13 +26870,13 @@
   <p:clrMapOvr>
     <a:masterClrMapping/>
   </p:clrMapOvr>
-  <mc:AlternateContent xmlns:mc="http://schemas.openxmlformats.org/markup-compatibility/2006">
-    <mc:Choice xmlns:p14="http://schemas.microsoft.com/office/powerpoint/2010/main" Requires="p14">
+  <mc:AlternateContent xmlns:mc="http://schemas.openxmlformats.org/markup-compatibility/2006" xmlns:p14="http://schemas.microsoft.com/office/powerpoint/2010/main">
+    <mc:Choice Requires="p14">
       <p:transition spd="slow" p14:dur="800">
         <p14:flythrough/>
       </p:transition>
     </mc:Choice>
-    <mc:Fallback>
+    <mc:Fallback xmlns="">
       <p:transition spd="slow">
         <p:fade/>
       </p:transition>
@@ -28103,13 +28217,13 @@
   <p:clrMapOvr>
     <a:masterClrMapping/>
   </p:clrMapOvr>
-  <mc:AlternateContent xmlns:mc="http://schemas.openxmlformats.org/markup-compatibility/2006">
-    <mc:Choice xmlns:p14="http://schemas.microsoft.com/office/powerpoint/2010/main" Requires="p14">
+  <mc:AlternateContent xmlns:mc="http://schemas.openxmlformats.org/markup-compatibility/2006" xmlns:p14="http://schemas.microsoft.com/office/powerpoint/2010/main">
+    <mc:Choice Requires="p14">
       <p:transition spd="slow" p14:dur="800">
         <p14:flythrough/>
       </p:transition>
     </mc:Choice>
-    <mc:Fallback>
+    <mc:Fallback xmlns="">
       <p:transition spd="slow">
         <p:fade/>
       </p:transition>
@@ -29392,13 +29506,13 @@
   <p:clrMapOvr>
     <a:masterClrMapping/>
   </p:clrMapOvr>
-  <mc:AlternateContent xmlns:mc="http://schemas.openxmlformats.org/markup-compatibility/2006">
-    <mc:Choice xmlns:p14="http://schemas.microsoft.com/office/powerpoint/2010/main" Requires="p14">
+  <mc:AlternateContent xmlns:mc="http://schemas.openxmlformats.org/markup-compatibility/2006" xmlns:p14="http://schemas.microsoft.com/office/powerpoint/2010/main">
+    <mc:Choice Requires="p14">
       <p:transition spd="slow" p14:dur="800">
         <p14:flythrough/>
       </p:transition>
     </mc:Choice>
-    <mc:Fallback>
+    <mc:Fallback xmlns="">
       <p:transition spd="slow">
         <p:fade/>
       </p:transition>
@@ -29560,13 +29674,13 @@
   <p:clrMapOvr>
     <a:masterClrMapping/>
   </p:clrMapOvr>
-  <mc:AlternateContent xmlns:mc="http://schemas.openxmlformats.org/markup-compatibility/2006">
-    <mc:Choice xmlns:p14="http://schemas.microsoft.com/office/powerpoint/2010/main" Requires="p14">
+  <mc:AlternateContent xmlns:mc="http://schemas.openxmlformats.org/markup-compatibility/2006" xmlns:p14="http://schemas.microsoft.com/office/powerpoint/2010/main">
+    <mc:Choice Requires="p14">
       <p:transition spd="slow" p14:dur="4000">
         <p14:vortex dir="r"/>
       </p:transition>
     </mc:Choice>
-    <mc:Fallback>
+    <mc:Fallback xmlns="">
       <p:transition spd="slow">
         <p:fade/>
       </p:transition>
@@ -29734,6 +29848,1425 @@
       </p:transition>
     </mc:Choice>
     <mc:Fallback xmlns="">
+      <p:transition spd="slow">
+        <p:fade/>
+      </p:transition>
+    </mc:Fallback>
+  </mc:AlternateContent>
+</p:sld>
+</file>
+
+<file path=ppt/slides/slide50.xml><?xml version="1.0" encoding="utf-8"?>
+<p:sld xmlns:a="http://schemas.openxmlformats.org/drawingml/2006/main" xmlns:r="http://schemas.openxmlformats.org/officeDocument/2006/relationships" xmlns:p="http://schemas.openxmlformats.org/presentationml/2006/main">
+  <p:cSld>
+    <p:spTree>
+      <p:nvGrpSpPr>
+        <p:cNvPr id="1" name="">
+          <a:extLst>
+            <a:ext uri="{FF2B5EF4-FFF2-40B4-BE49-F238E27FC236}">
+              <a16:creationId xmlns:a16="http://schemas.microsoft.com/office/drawing/2014/main" id="{96B36971-6590-26F7-9E56-3D73DA4FEF8C}"/>
+            </a:ext>
+          </a:extLst>
+        </p:cNvPr>
+        <p:cNvGrpSpPr/>
+        <p:nvPr/>
+      </p:nvGrpSpPr>
+      <p:grpSpPr>
+        <a:xfrm>
+          <a:off x="0" y="0"/>
+          <a:ext cx="0" cy="0"/>
+          <a:chOff x="0" y="0"/>
+          <a:chExt cx="0" cy="0"/>
+        </a:xfrm>
+      </p:grpSpPr>
+      <p:sp>
+        <p:nvSpPr>
+          <p:cNvPr id="3" name="TextBox 2">
+            <a:extLst>
+              <a:ext uri="{FF2B5EF4-FFF2-40B4-BE49-F238E27FC236}">
+                <a16:creationId xmlns:a16="http://schemas.microsoft.com/office/drawing/2014/main" id="{0C51566A-ABF8-E3FA-11F1-8A6EDBF8C740}"/>
+              </a:ext>
+            </a:extLst>
+          </p:cNvPr>
+          <p:cNvSpPr txBox="1"/>
+          <p:nvPr/>
+        </p:nvSpPr>
+        <p:spPr>
+          <a:xfrm>
+            <a:off x="2381770" y="259435"/>
+            <a:ext cx="7428460" cy="646331"/>
+          </a:xfrm>
+          <a:prstGeom prst="rect">
+            <a:avLst/>
+          </a:prstGeom>
+          <a:noFill/>
+        </p:spPr>
+        <p:txBody>
+          <a:bodyPr wrap="square" rtlCol="0">
+            <a:spAutoFit/>
+          </a:bodyPr>
+          <a:lstStyle/>
+          <a:p>
+            <a:pPr algn="ctr"/>
+            <a:r>
+              <a:rPr lang="en-US" sz="3600" b="1" dirty="0">
+                <a:solidFill>
+                  <a:schemeClr val="bg1"/>
+                </a:solidFill>
+              </a:rPr>
+              <a:t>Runtime Polymorphism</a:t>
+            </a:r>
+            <a:endParaRPr lang="en-IN" sz="3600" b="1" dirty="0">
+              <a:solidFill>
+                <a:schemeClr val="bg1"/>
+              </a:solidFill>
+            </a:endParaRPr>
+          </a:p>
+        </p:txBody>
+      </p:sp>
+      <p:sp>
+        <p:nvSpPr>
+          <p:cNvPr id="4" name="Rectangle: Rounded Corners 3">
+            <a:extLst>
+              <a:ext uri="{FF2B5EF4-FFF2-40B4-BE49-F238E27FC236}">
+                <a16:creationId xmlns:a16="http://schemas.microsoft.com/office/drawing/2014/main" id="{18AF9FCD-43C4-5EBA-B03D-044DE3143F25}"/>
+              </a:ext>
+            </a:extLst>
+          </p:cNvPr>
+          <p:cNvSpPr/>
+          <p:nvPr/>
+        </p:nvSpPr>
+        <p:spPr>
+          <a:xfrm>
+            <a:off x="2514600" y="1143001"/>
+            <a:ext cx="7162800" cy="5455564"/>
+          </a:xfrm>
+          <a:prstGeom prst="roundRect">
+            <a:avLst>
+              <a:gd name="adj" fmla="val 1747"/>
+            </a:avLst>
+          </a:prstGeom>
+          <a:solidFill>
+            <a:schemeClr val="tx1">
+              <a:lumMod val="75000"/>
+              <a:lumOff val="25000"/>
+            </a:schemeClr>
+          </a:solidFill>
+        </p:spPr>
+        <p:style>
+          <a:lnRef idx="2">
+            <a:schemeClr val="accent1">
+              <a:shade val="15000"/>
+            </a:schemeClr>
+          </a:lnRef>
+          <a:fillRef idx="1">
+            <a:schemeClr val="accent1"/>
+          </a:fillRef>
+          <a:effectRef idx="0">
+            <a:schemeClr val="accent1"/>
+          </a:effectRef>
+          <a:fontRef idx="minor">
+            <a:schemeClr val="lt1"/>
+          </a:fontRef>
+        </p:style>
+        <p:txBody>
+          <a:bodyPr rtlCol="0" anchor="ctr"/>
+          <a:lstStyle/>
+          <a:p>
+            <a:pPr algn="ctr"/>
+            <a:endParaRPr lang="en-IN" dirty="0"/>
+          </a:p>
+        </p:txBody>
+      </p:sp>
+      <p:grpSp>
+        <p:nvGrpSpPr>
+          <p:cNvPr id="5" name="Group 4">
+            <a:extLst>
+              <a:ext uri="{FF2B5EF4-FFF2-40B4-BE49-F238E27FC236}">
+                <a16:creationId xmlns:a16="http://schemas.microsoft.com/office/drawing/2014/main" id="{4F8A7F34-E4C4-BE90-7219-AECE0606C790}"/>
+              </a:ext>
+            </a:extLst>
+          </p:cNvPr>
+          <p:cNvGrpSpPr/>
+          <p:nvPr/>
+        </p:nvGrpSpPr>
+        <p:grpSpPr>
+          <a:xfrm>
+            <a:off x="2761209" y="1315549"/>
+            <a:ext cx="677316" cy="173888"/>
+            <a:chOff x="2494800" y="1449970"/>
+            <a:chExt cx="788035" cy="203835"/>
+          </a:xfrm>
+        </p:grpSpPr>
+        <p:sp>
+          <p:nvSpPr>
+            <p:cNvPr id="6" name="Oval 5">
+              <a:extLst>
+                <a:ext uri="{FF2B5EF4-FFF2-40B4-BE49-F238E27FC236}">
+                  <a16:creationId xmlns:a16="http://schemas.microsoft.com/office/drawing/2014/main" id="{7D39A11A-176F-452D-A887-31AF70E3D6D0}"/>
+                </a:ext>
+              </a:extLst>
+            </p:cNvPr>
+            <p:cNvSpPr/>
+            <p:nvPr/>
+          </p:nvSpPr>
+          <p:spPr>
+            <a:xfrm>
+              <a:off x="2494800" y="1449970"/>
+              <a:ext cx="203835" cy="203835"/>
+            </a:xfrm>
+            <a:prstGeom prst="ellipse">
+              <a:avLst/>
+            </a:prstGeom>
+            <a:solidFill>
+              <a:schemeClr val="accent2"/>
+            </a:solidFill>
+          </p:spPr>
+          <p:style>
+            <a:lnRef idx="2">
+              <a:schemeClr val="accent1">
+                <a:shade val="15000"/>
+              </a:schemeClr>
+            </a:lnRef>
+            <a:fillRef idx="1">
+              <a:schemeClr val="accent1"/>
+            </a:fillRef>
+            <a:effectRef idx="0">
+              <a:schemeClr val="accent1"/>
+            </a:effectRef>
+            <a:fontRef idx="minor">
+              <a:schemeClr val="lt1"/>
+            </a:fontRef>
+          </p:style>
+          <p:txBody>
+            <a:bodyPr rtlCol="0" anchor="ctr"/>
+            <a:lstStyle/>
+            <a:p>
+              <a:pPr algn="ctr"/>
+              <a:endParaRPr lang="en-IN" dirty="0"/>
+            </a:p>
+          </p:txBody>
+        </p:sp>
+        <p:sp>
+          <p:nvSpPr>
+            <p:cNvPr id="7" name="Oval 6">
+              <a:extLst>
+                <a:ext uri="{FF2B5EF4-FFF2-40B4-BE49-F238E27FC236}">
+                  <a16:creationId xmlns:a16="http://schemas.microsoft.com/office/drawing/2014/main" id="{A1CABC31-C722-8D57-A48B-D648AE4E06FC}"/>
+                </a:ext>
+              </a:extLst>
+            </p:cNvPr>
+            <p:cNvSpPr/>
+            <p:nvPr/>
+          </p:nvSpPr>
+          <p:spPr>
+            <a:xfrm>
+              <a:off x="2786900" y="1449970"/>
+              <a:ext cx="203835" cy="203835"/>
+            </a:xfrm>
+            <a:prstGeom prst="ellipse">
+              <a:avLst/>
+            </a:prstGeom>
+            <a:solidFill>
+              <a:srgbClr val="FFC000"/>
+            </a:solidFill>
+          </p:spPr>
+          <p:style>
+            <a:lnRef idx="2">
+              <a:schemeClr val="accent1">
+                <a:shade val="15000"/>
+              </a:schemeClr>
+            </a:lnRef>
+            <a:fillRef idx="1">
+              <a:schemeClr val="accent1"/>
+            </a:fillRef>
+            <a:effectRef idx="0">
+              <a:schemeClr val="accent1"/>
+            </a:effectRef>
+            <a:fontRef idx="minor">
+              <a:schemeClr val="lt1"/>
+            </a:fontRef>
+          </p:style>
+          <p:txBody>
+            <a:bodyPr rtlCol="0" anchor="ctr"/>
+            <a:lstStyle/>
+            <a:p>
+              <a:pPr algn="ctr"/>
+              <a:endParaRPr lang="en-IN" dirty="0"/>
+            </a:p>
+          </p:txBody>
+        </p:sp>
+        <p:sp>
+          <p:nvSpPr>
+            <p:cNvPr id="8" name="Oval 7">
+              <a:extLst>
+                <a:ext uri="{FF2B5EF4-FFF2-40B4-BE49-F238E27FC236}">
+                  <a16:creationId xmlns:a16="http://schemas.microsoft.com/office/drawing/2014/main" id="{DB28746C-1395-A063-4DBC-A495A2B853CA}"/>
+                </a:ext>
+              </a:extLst>
+            </p:cNvPr>
+            <p:cNvSpPr/>
+            <p:nvPr/>
+          </p:nvSpPr>
+          <p:spPr>
+            <a:xfrm>
+              <a:off x="3079000" y="1449970"/>
+              <a:ext cx="203835" cy="203835"/>
+            </a:xfrm>
+            <a:prstGeom prst="ellipse">
+              <a:avLst/>
+            </a:prstGeom>
+            <a:solidFill>
+              <a:schemeClr val="accent6"/>
+            </a:solidFill>
+          </p:spPr>
+          <p:style>
+            <a:lnRef idx="2">
+              <a:schemeClr val="accent1">
+                <a:shade val="15000"/>
+              </a:schemeClr>
+            </a:lnRef>
+            <a:fillRef idx="1">
+              <a:schemeClr val="accent1"/>
+            </a:fillRef>
+            <a:effectRef idx="0">
+              <a:schemeClr val="accent1"/>
+            </a:effectRef>
+            <a:fontRef idx="minor">
+              <a:schemeClr val="lt1"/>
+            </a:fontRef>
+          </p:style>
+          <p:txBody>
+            <a:bodyPr rtlCol="0" anchor="ctr"/>
+            <a:lstStyle/>
+            <a:p>
+              <a:pPr algn="ctr"/>
+              <a:endParaRPr lang="en-IN" dirty="0"/>
+            </a:p>
+          </p:txBody>
+        </p:sp>
+      </p:grpSp>
+      <p:sp>
+        <p:nvSpPr>
+          <p:cNvPr id="9" name="TextBox 8">
+            <a:extLst>
+              <a:ext uri="{FF2B5EF4-FFF2-40B4-BE49-F238E27FC236}">
+                <a16:creationId xmlns:a16="http://schemas.microsoft.com/office/drawing/2014/main" id="{F35A8DFE-B039-1106-B725-1CD44EC26BA6}"/>
+              </a:ext>
+            </a:extLst>
+          </p:cNvPr>
+          <p:cNvSpPr txBox="1"/>
+          <p:nvPr/>
+        </p:nvSpPr>
+        <p:spPr>
+          <a:xfrm>
+            <a:off x="2755726" y="1520252"/>
+            <a:ext cx="6680547" cy="5078313"/>
+          </a:xfrm>
+          <a:prstGeom prst="rect">
+            <a:avLst/>
+          </a:prstGeom>
+          <a:noFill/>
+        </p:spPr>
+        <p:txBody>
+          <a:bodyPr wrap="square" rtlCol="0">
+            <a:spAutoFit/>
+          </a:bodyPr>
+          <a:lstStyle/>
+          <a:p>
+            <a:r>
+              <a:rPr lang="en-IN" sz="1200" dirty="0">
+                <a:solidFill>
+                  <a:schemeClr val="accent2"/>
+                </a:solidFill>
+              </a:rPr>
+              <a:t>class</a:t>
+            </a:r>
+            <a:r>
+              <a:rPr lang="en-IN" sz="1200" dirty="0">
+                <a:solidFill>
+                  <a:schemeClr val="bg1"/>
+                </a:solidFill>
+              </a:rPr>
+              <a:t> </a:t>
+            </a:r>
+            <a:r>
+              <a:rPr lang="en-IN" sz="1200" dirty="0">
+                <a:solidFill>
+                  <a:srgbClr val="FFFF00"/>
+                </a:solidFill>
+              </a:rPr>
+              <a:t>Animal</a:t>
+            </a:r>
+            <a:r>
+              <a:rPr lang="en-IN" sz="1200" dirty="0">
+                <a:solidFill>
+                  <a:schemeClr val="bg1"/>
+                </a:solidFill>
+              </a:rPr>
+              <a:t> {</a:t>
+            </a:r>
+          </a:p>
+          <a:p>
+            <a:r>
+              <a:rPr lang="en-IN" sz="1200" dirty="0">
+                <a:solidFill>
+                  <a:schemeClr val="bg1"/>
+                </a:solidFill>
+              </a:rPr>
+              <a:t>    void </a:t>
+            </a:r>
+            <a:r>
+              <a:rPr lang="en-IN" sz="1200" dirty="0">
+                <a:solidFill>
+                  <a:srgbClr val="61CBF4"/>
+                </a:solidFill>
+              </a:rPr>
+              <a:t>sound</a:t>
+            </a:r>
+            <a:r>
+              <a:rPr lang="en-IN" sz="1200" dirty="0">
+                <a:solidFill>
+                  <a:schemeClr val="bg1"/>
+                </a:solidFill>
+              </a:rPr>
+              <a:t>() {</a:t>
+            </a:r>
+          </a:p>
+          <a:p>
+            <a:r>
+              <a:rPr lang="en-IN" sz="1200" dirty="0">
+                <a:solidFill>
+                  <a:schemeClr val="bg1"/>
+                </a:solidFill>
+              </a:rPr>
+              <a:t> 	</a:t>
+            </a:r>
+            <a:r>
+              <a:rPr lang="en-IN" sz="1200" dirty="0" err="1">
+                <a:solidFill>
+                  <a:srgbClr val="61CBF4"/>
+                </a:solidFill>
+              </a:rPr>
+              <a:t>System</a:t>
+            </a:r>
+            <a:r>
+              <a:rPr lang="en-IN" sz="1200" dirty="0" err="1">
+                <a:solidFill>
+                  <a:schemeClr val="bg1"/>
+                </a:solidFill>
+              </a:rPr>
+              <a:t>.</a:t>
+            </a:r>
+            <a:r>
+              <a:rPr lang="en-IN" sz="1200" dirty="0" err="1">
+                <a:solidFill>
+                  <a:srgbClr val="61CBF4"/>
+                </a:solidFill>
+              </a:rPr>
+              <a:t>out</a:t>
+            </a:r>
+            <a:r>
+              <a:rPr lang="en-IN" sz="1200" dirty="0" err="1">
+                <a:solidFill>
+                  <a:schemeClr val="bg1"/>
+                </a:solidFill>
+              </a:rPr>
+              <a:t>.</a:t>
+            </a:r>
+            <a:r>
+              <a:rPr lang="en-IN" sz="1200" dirty="0" err="1">
+                <a:solidFill>
+                  <a:srgbClr val="61CBF4"/>
+                </a:solidFill>
+              </a:rPr>
+              <a:t>println</a:t>
+            </a:r>
+            <a:r>
+              <a:rPr lang="en-IN" sz="1200" dirty="0">
+                <a:solidFill>
+                  <a:schemeClr val="bg1"/>
+                </a:solidFill>
+              </a:rPr>
+              <a:t>(</a:t>
+            </a:r>
+            <a:r>
+              <a:rPr lang="en-IN" sz="1200" dirty="0">
+                <a:solidFill>
+                  <a:srgbClr val="FFFF00"/>
+                </a:solidFill>
+              </a:rPr>
+              <a:t>"Animal makes a sound"</a:t>
+            </a:r>
+            <a:r>
+              <a:rPr lang="en-IN" sz="1200" dirty="0">
+                <a:solidFill>
+                  <a:schemeClr val="bg1"/>
+                </a:solidFill>
+              </a:rPr>
+              <a:t>);</a:t>
+            </a:r>
+          </a:p>
+          <a:p>
+            <a:r>
+              <a:rPr lang="en-IN" sz="1200" dirty="0">
+                <a:solidFill>
+                  <a:schemeClr val="bg1"/>
+                </a:solidFill>
+              </a:rPr>
+              <a:t>    }</a:t>
+            </a:r>
+          </a:p>
+          <a:p>
+            <a:r>
+              <a:rPr lang="en-IN" sz="1200" dirty="0">
+                <a:solidFill>
+                  <a:schemeClr val="bg1"/>
+                </a:solidFill>
+              </a:rPr>
+              <a:t>}</a:t>
+            </a:r>
+          </a:p>
+          <a:p>
+            <a:endParaRPr lang="en-IN" sz="1200" dirty="0">
+              <a:solidFill>
+                <a:schemeClr val="bg1"/>
+              </a:solidFill>
+            </a:endParaRPr>
+          </a:p>
+          <a:p>
+            <a:r>
+              <a:rPr lang="en-IN" sz="1200" dirty="0">
+                <a:solidFill>
+                  <a:schemeClr val="accent2"/>
+                </a:solidFill>
+              </a:rPr>
+              <a:t>class</a:t>
+            </a:r>
+            <a:r>
+              <a:rPr lang="en-IN" sz="1200" dirty="0">
+                <a:solidFill>
+                  <a:schemeClr val="bg1"/>
+                </a:solidFill>
+              </a:rPr>
+              <a:t> </a:t>
+            </a:r>
+            <a:r>
+              <a:rPr lang="en-IN" sz="1200" dirty="0">
+                <a:solidFill>
+                  <a:srgbClr val="FFFF00"/>
+                </a:solidFill>
+              </a:rPr>
+              <a:t>Dog</a:t>
+            </a:r>
+            <a:r>
+              <a:rPr lang="en-IN" sz="1200" dirty="0">
+                <a:solidFill>
+                  <a:schemeClr val="bg1"/>
+                </a:solidFill>
+              </a:rPr>
+              <a:t> </a:t>
+            </a:r>
+            <a:r>
+              <a:rPr lang="en-IN" sz="1200" dirty="0">
+                <a:solidFill>
+                  <a:schemeClr val="accent2"/>
+                </a:solidFill>
+              </a:rPr>
+              <a:t>extends</a:t>
+            </a:r>
+            <a:r>
+              <a:rPr lang="en-IN" sz="1200" dirty="0">
+                <a:solidFill>
+                  <a:schemeClr val="bg1"/>
+                </a:solidFill>
+              </a:rPr>
+              <a:t> </a:t>
+            </a:r>
+            <a:r>
+              <a:rPr lang="en-IN" sz="1200" dirty="0">
+                <a:solidFill>
+                  <a:srgbClr val="61CBF4"/>
+                </a:solidFill>
+              </a:rPr>
+              <a:t>Animal</a:t>
+            </a:r>
+            <a:r>
+              <a:rPr lang="en-IN" sz="1200" dirty="0">
+                <a:solidFill>
+                  <a:schemeClr val="bg1"/>
+                </a:solidFill>
+              </a:rPr>
+              <a:t> {</a:t>
+            </a:r>
+          </a:p>
+          <a:p>
+            <a:r>
+              <a:rPr lang="en-IN" sz="1200" dirty="0">
+                <a:solidFill>
+                  <a:schemeClr val="bg1"/>
+                </a:solidFill>
+              </a:rPr>
+              <a:t>    void </a:t>
+            </a:r>
+            <a:r>
+              <a:rPr lang="en-IN" sz="1200" dirty="0">
+                <a:solidFill>
+                  <a:srgbClr val="61CBF4"/>
+                </a:solidFill>
+              </a:rPr>
+              <a:t>sound</a:t>
+            </a:r>
+            <a:r>
+              <a:rPr lang="en-IN" sz="1200" dirty="0">
+                <a:solidFill>
+                  <a:schemeClr val="bg1"/>
+                </a:solidFill>
+              </a:rPr>
+              <a:t>() {</a:t>
+            </a:r>
+          </a:p>
+          <a:p>
+            <a:r>
+              <a:rPr lang="en-IN" sz="1200" dirty="0">
+                <a:solidFill>
+                  <a:schemeClr val="bg1"/>
+                </a:solidFill>
+              </a:rPr>
+              <a:t>        </a:t>
+            </a:r>
+            <a:r>
+              <a:rPr lang="en-IN" sz="1200" dirty="0" err="1">
+                <a:solidFill>
+                  <a:srgbClr val="61CBF4"/>
+                </a:solidFill>
+              </a:rPr>
+              <a:t>System</a:t>
+            </a:r>
+            <a:r>
+              <a:rPr lang="en-IN" sz="1200" dirty="0" err="1">
+                <a:solidFill>
+                  <a:schemeClr val="bg1"/>
+                </a:solidFill>
+              </a:rPr>
+              <a:t>.</a:t>
+            </a:r>
+            <a:r>
+              <a:rPr lang="en-IN" sz="1200" dirty="0" err="1">
+                <a:solidFill>
+                  <a:srgbClr val="61CBF4"/>
+                </a:solidFill>
+              </a:rPr>
+              <a:t>out</a:t>
+            </a:r>
+            <a:r>
+              <a:rPr lang="en-IN" sz="1200" dirty="0" err="1">
+                <a:solidFill>
+                  <a:schemeClr val="bg1"/>
+                </a:solidFill>
+              </a:rPr>
+              <a:t>.</a:t>
+            </a:r>
+            <a:r>
+              <a:rPr lang="en-IN" sz="1200" dirty="0" err="1">
+                <a:solidFill>
+                  <a:srgbClr val="61CBF4"/>
+                </a:solidFill>
+              </a:rPr>
+              <a:t>println</a:t>
+            </a:r>
+            <a:r>
+              <a:rPr lang="en-IN" sz="1200" dirty="0">
+                <a:solidFill>
+                  <a:schemeClr val="bg1"/>
+                </a:solidFill>
+              </a:rPr>
+              <a:t>(</a:t>
+            </a:r>
+            <a:r>
+              <a:rPr lang="en-IN" sz="1200" dirty="0">
+                <a:solidFill>
+                  <a:srgbClr val="FFFF00"/>
+                </a:solidFill>
+              </a:rPr>
+              <a:t>"Dog barks"</a:t>
+            </a:r>
+            <a:r>
+              <a:rPr lang="en-IN" sz="1200" dirty="0">
+                <a:solidFill>
+                  <a:schemeClr val="bg1"/>
+                </a:solidFill>
+              </a:rPr>
+              <a:t>);</a:t>
+            </a:r>
+          </a:p>
+          <a:p>
+            <a:r>
+              <a:rPr lang="en-IN" sz="1200" dirty="0">
+                <a:solidFill>
+                  <a:schemeClr val="bg1"/>
+                </a:solidFill>
+              </a:rPr>
+              <a:t>    }</a:t>
+            </a:r>
+          </a:p>
+          <a:p>
+            <a:r>
+              <a:rPr lang="en-IN" sz="1200" dirty="0">
+                <a:solidFill>
+                  <a:schemeClr val="bg1"/>
+                </a:solidFill>
+              </a:rPr>
+              <a:t>}</a:t>
+            </a:r>
+          </a:p>
+          <a:p>
+            <a:endParaRPr lang="en-IN" sz="1200" dirty="0">
+              <a:solidFill>
+                <a:schemeClr val="bg1"/>
+              </a:solidFill>
+            </a:endParaRPr>
+          </a:p>
+          <a:p>
+            <a:r>
+              <a:rPr lang="en-IN" sz="1200" dirty="0">
+                <a:solidFill>
+                  <a:schemeClr val="accent2"/>
+                </a:solidFill>
+              </a:rPr>
+              <a:t>class</a:t>
+            </a:r>
+            <a:r>
+              <a:rPr lang="en-IN" sz="1200" dirty="0">
+                <a:solidFill>
+                  <a:schemeClr val="bg1"/>
+                </a:solidFill>
+              </a:rPr>
+              <a:t> </a:t>
+            </a:r>
+            <a:r>
+              <a:rPr lang="en-IN" sz="1200" dirty="0">
+                <a:solidFill>
+                  <a:srgbClr val="FFFF00"/>
+                </a:solidFill>
+              </a:rPr>
+              <a:t>Cat</a:t>
+            </a:r>
+            <a:r>
+              <a:rPr lang="en-IN" sz="1200" dirty="0">
+                <a:solidFill>
+                  <a:schemeClr val="bg1"/>
+                </a:solidFill>
+              </a:rPr>
+              <a:t> </a:t>
+            </a:r>
+            <a:r>
+              <a:rPr lang="en-IN" sz="1200" dirty="0">
+                <a:solidFill>
+                  <a:schemeClr val="accent2"/>
+                </a:solidFill>
+              </a:rPr>
+              <a:t>extends</a:t>
+            </a:r>
+            <a:r>
+              <a:rPr lang="en-IN" sz="1200" dirty="0">
+                <a:solidFill>
+                  <a:schemeClr val="bg1"/>
+                </a:solidFill>
+              </a:rPr>
+              <a:t> </a:t>
+            </a:r>
+            <a:r>
+              <a:rPr lang="en-IN" sz="1200" dirty="0">
+                <a:solidFill>
+                  <a:srgbClr val="61CBF4"/>
+                </a:solidFill>
+              </a:rPr>
+              <a:t>Animal</a:t>
+            </a:r>
+            <a:r>
+              <a:rPr lang="en-IN" sz="1200" dirty="0">
+                <a:solidFill>
+                  <a:schemeClr val="bg1"/>
+                </a:solidFill>
+              </a:rPr>
+              <a:t> {</a:t>
+            </a:r>
+          </a:p>
+          <a:p>
+            <a:r>
+              <a:rPr lang="en-IN" sz="1200" dirty="0">
+                <a:solidFill>
+                  <a:schemeClr val="bg1"/>
+                </a:solidFill>
+              </a:rPr>
+              <a:t>    void </a:t>
+            </a:r>
+            <a:r>
+              <a:rPr lang="en-IN" sz="1200" dirty="0">
+                <a:solidFill>
+                  <a:srgbClr val="61CBF4"/>
+                </a:solidFill>
+              </a:rPr>
+              <a:t>sound</a:t>
+            </a:r>
+            <a:r>
+              <a:rPr lang="en-IN" sz="1200" dirty="0">
+                <a:solidFill>
+                  <a:schemeClr val="bg1"/>
+                </a:solidFill>
+              </a:rPr>
+              <a:t>() {</a:t>
+            </a:r>
+          </a:p>
+          <a:p>
+            <a:r>
+              <a:rPr lang="en-IN" sz="1200" dirty="0">
+                <a:solidFill>
+                  <a:schemeClr val="bg1"/>
+                </a:solidFill>
+              </a:rPr>
+              <a:t>        </a:t>
+            </a:r>
+            <a:r>
+              <a:rPr lang="en-IN" sz="1200" dirty="0" err="1">
+                <a:solidFill>
+                  <a:srgbClr val="61CBF4"/>
+                </a:solidFill>
+              </a:rPr>
+              <a:t>System</a:t>
+            </a:r>
+            <a:r>
+              <a:rPr lang="en-IN" sz="1200" dirty="0" err="1">
+                <a:solidFill>
+                  <a:schemeClr val="bg1"/>
+                </a:solidFill>
+              </a:rPr>
+              <a:t>.</a:t>
+            </a:r>
+            <a:r>
+              <a:rPr lang="en-IN" sz="1200" dirty="0" err="1">
+                <a:solidFill>
+                  <a:srgbClr val="61CBF4"/>
+                </a:solidFill>
+              </a:rPr>
+              <a:t>out</a:t>
+            </a:r>
+            <a:r>
+              <a:rPr lang="en-IN" sz="1200" dirty="0" err="1">
+                <a:solidFill>
+                  <a:schemeClr val="bg1"/>
+                </a:solidFill>
+              </a:rPr>
+              <a:t>.</a:t>
+            </a:r>
+            <a:r>
+              <a:rPr lang="en-IN" sz="1200" dirty="0" err="1">
+                <a:solidFill>
+                  <a:srgbClr val="61CBF4"/>
+                </a:solidFill>
+              </a:rPr>
+              <a:t>println</a:t>
+            </a:r>
+            <a:r>
+              <a:rPr lang="en-IN" sz="1200" dirty="0">
+                <a:solidFill>
+                  <a:schemeClr val="bg1"/>
+                </a:solidFill>
+              </a:rPr>
+              <a:t>("</a:t>
+            </a:r>
+            <a:r>
+              <a:rPr lang="en-IN" sz="1200" dirty="0">
+                <a:solidFill>
+                  <a:srgbClr val="FFFF00"/>
+                </a:solidFill>
+              </a:rPr>
+              <a:t>Cat meows</a:t>
+            </a:r>
+            <a:r>
+              <a:rPr lang="en-IN" sz="1200" dirty="0">
+                <a:solidFill>
+                  <a:schemeClr val="bg1"/>
+                </a:solidFill>
+              </a:rPr>
+              <a:t>");</a:t>
+            </a:r>
+          </a:p>
+          <a:p>
+            <a:r>
+              <a:rPr lang="en-IN" sz="1200" dirty="0">
+                <a:solidFill>
+                  <a:schemeClr val="bg1"/>
+                </a:solidFill>
+              </a:rPr>
+              <a:t>    }</a:t>
+            </a:r>
+          </a:p>
+          <a:p>
+            <a:r>
+              <a:rPr lang="en-IN" sz="1200" dirty="0">
+                <a:solidFill>
+                  <a:schemeClr val="bg1"/>
+                </a:solidFill>
+              </a:rPr>
+              <a:t>}</a:t>
+            </a:r>
+          </a:p>
+          <a:p>
+            <a:endParaRPr lang="en-IN" sz="1200" dirty="0">
+              <a:solidFill>
+                <a:schemeClr val="bg1"/>
+              </a:solidFill>
+            </a:endParaRPr>
+          </a:p>
+          <a:p>
+            <a:r>
+              <a:rPr lang="en-IN" sz="1200" dirty="0">
+                <a:solidFill>
+                  <a:schemeClr val="accent2"/>
+                </a:solidFill>
+              </a:rPr>
+              <a:t>public</a:t>
+            </a:r>
+            <a:r>
+              <a:rPr lang="en-IN" sz="1200" dirty="0">
+                <a:solidFill>
+                  <a:schemeClr val="bg1"/>
+                </a:solidFill>
+              </a:rPr>
+              <a:t> </a:t>
+            </a:r>
+            <a:r>
+              <a:rPr lang="en-IN" sz="1200" dirty="0">
+                <a:solidFill>
+                  <a:schemeClr val="accent2"/>
+                </a:solidFill>
+              </a:rPr>
+              <a:t>class</a:t>
+            </a:r>
+            <a:r>
+              <a:rPr lang="en-IN" sz="1200" dirty="0">
+                <a:solidFill>
+                  <a:schemeClr val="bg1"/>
+                </a:solidFill>
+              </a:rPr>
+              <a:t> </a:t>
+            </a:r>
+            <a:r>
+              <a:rPr lang="en-IN" sz="1200" dirty="0">
+                <a:solidFill>
+                  <a:srgbClr val="FFFF00"/>
+                </a:solidFill>
+              </a:rPr>
+              <a:t>Main</a:t>
+            </a:r>
+            <a:r>
+              <a:rPr lang="en-IN" sz="1200" dirty="0">
+                <a:solidFill>
+                  <a:schemeClr val="bg1"/>
+                </a:solidFill>
+              </a:rPr>
+              <a:t> {</a:t>
+            </a:r>
+          </a:p>
+          <a:p>
+            <a:r>
+              <a:rPr lang="en-IN" sz="1200" dirty="0">
+                <a:solidFill>
+                  <a:schemeClr val="bg1"/>
+                </a:solidFill>
+              </a:rPr>
+              <a:t>    </a:t>
+            </a:r>
+            <a:r>
+              <a:rPr lang="en-IN" sz="1200" dirty="0">
+                <a:solidFill>
+                  <a:schemeClr val="accent2"/>
+                </a:solidFill>
+              </a:rPr>
+              <a:t>public</a:t>
+            </a:r>
+            <a:r>
+              <a:rPr lang="en-IN" sz="1200" dirty="0">
+                <a:solidFill>
+                  <a:schemeClr val="bg1"/>
+                </a:solidFill>
+              </a:rPr>
+              <a:t> </a:t>
+            </a:r>
+            <a:r>
+              <a:rPr lang="en-IN" sz="1200" dirty="0">
+                <a:solidFill>
+                  <a:schemeClr val="accent2"/>
+                </a:solidFill>
+              </a:rPr>
+              <a:t>static</a:t>
+            </a:r>
+            <a:r>
+              <a:rPr lang="en-IN" sz="1200" dirty="0">
+                <a:solidFill>
+                  <a:schemeClr val="bg1"/>
+                </a:solidFill>
+              </a:rPr>
+              <a:t> void </a:t>
+            </a:r>
+            <a:r>
+              <a:rPr lang="en-IN" sz="1200" dirty="0">
+                <a:solidFill>
+                  <a:srgbClr val="61CBF4"/>
+                </a:solidFill>
+              </a:rPr>
+              <a:t>main</a:t>
+            </a:r>
+            <a:r>
+              <a:rPr lang="en-IN" sz="1200" dirty="0">
+                <a:solidFill>
+                  <a:schemeClr val="bg1"/>
+                </a:solidFill>
+              </a:rPr>
+              <a:t>(String[] </a:t>
+            </a:r>
+            <a:r>
+              <a:rPr lang="en-IN" sz="1200" dirty="0" err="1">
+                <a:solidFill>
+                  <a:srgbClr val="61CBF4"/>
+                </a:solidFill>
+              </a:rPr>
+              <a:t>args</a:t>
+            </a:r>
+            <a:r>
+              <a:rPr lang="en-IN" sz="1200" dirty="0">
+                <a:solidFill>
+                  <a:schemeClr val="bg1"/>
+                </a:solidFill>
+              </a:rPr>
+              <a:t>) {</a:t>
+            </a:r>
+          </a:p>
+          <a:p>
+            <a:r>
+              <a:rPr lang="en-IN" sz="1200" dirty="0">
+                <a:solidFill>
+                  <a:schemeClr val="bg1"/>
+                </a:solidFill>
+              </a:rPr>
+              <a:t>        </a:t>
+            </a:r>
+            <a:r>
+              <a:rPr lang="en-IN" sz="1200" dirty="0">
+                <a:solidFill>
+                  <a:srgbClr val="61CBF4"/>
+                </a:solidFill>
+              </a:rPr>
+              <a:t>Animal animal1</a:t>
+            </a:r>
+            <a:r>
+              <a:rPr lang="en-IN" sz="1200" dirty="0">
+                <a:solidFill>
+                  <a:schemeClr val="bg1"/>
+                </a:solidFill>
+              </a:rPr>
+              <a:t> = </a:t>
+            </a:r>
+            <a:r>
+              <a:rPr lang="en-IN" sz="1200" dirty="0">
+                <a:solidFill>
+                  <a:schemeClr val="accent2"/>
+                </a:solidFill>
+              </a:rPr>
+              <a:t>new</a:t>
+            </a:r>
+            <a:r>
+              <a:rPr lang="en-IN" sz="1200" dirty="0">
+                <a:solidFill>
+                  <a:schemeClr val="bg1"/>
+                </a:solidFill>
+              </a:rPr>
+              <a:t> </a:t>
+            </a:r>
+            <a:r>
+              <a:rPr lang="en-IN" sz="1200" dirty="0">
+                <a:solidFill>
+                  <a:srgbClr val="61CBF4"/>
+                </a:solidFill>
+              </a:rPr>
+              <a:t>Dog</a:t>
+            </a:r>
+            <a:r>
+              <a:rPr lang="en-IN" sz="1200" dirty="0">
+                <a:solidFill>
+                  <a:schemeClr val="bg1"/>
+                </a:solidFill>
+              </a:rPr>
+              <a:t>(); 		</a:t>
+            </a:r>
+            <a:r>
+              <a:rPr lang="en-IN" sz="1200" dirty="0">
+                <a:solidFill>
+                  <a:schemeClr val="tx1">
+                    <a:lumMod val="50000"/>
+                    <a:lumOff val="50000"/>
+                  </a:schemeClr>
+                </a:solidFill>
+              </a:rPr>
+              <a:t>// Upcasting</a:t>
+            </a:r>
+          </a:p>
+          <a:p>
+            <a:r>
+              <a:rPr lang="en-IN" sz="1200" dirty="0">
+                <a:solidFill>
+                  <a:schemeClr val="bg1"/>
+                </a:solidFill>
+              </a:rPr>
+              <a:t>        </a:t>
+            </a:r>
+            <a:r>
+              <a:rPr lang="en-IN" sz="1200" dirty="0">
+                <a:solidFill>
+                  <a:srgbClr val="61CBF4"/>
+                </a:solidFill>
+              </a:rPr>
+              <a:t>Animal animal2</a:t>
+            </a:r>
+            <a:r>
+              <a:rPr lang="en-IN" sz="1200" dirty="0">
+                <a:solidFill>
+                  <a:schemeClr val="bg1"/>
+                </a:solidFill>
+              </a:rPr>
+              <a:t> = </a:t>
+            </a:r>
+            <a:r>
+              <a:rPr lang="en-IN" sz="1200" dirty="0">
+                <a:solidFill>
+                  <a:schemeClr val="accent2"/>
+                </a:solidFill>
+              </a:rPr>
+              <a:t>new</a:t>
+            </a:r>
+            <a:r>
+              <a:rPr lang="en-IN" sz="1200" dirty="0">
+                <a:solidFill>
+                  <a:schemeClr val="bg1"/>
+                </a:solidFill>
+              </a:rPr>
+              <a:t> </a:t>
+            </a:r>
+            <a:r>
+              <a:rPr lang="en-IN" sz="1200" dirty="0">
+                <a:solidFill>
+                  <a:srgbClr val="61CBF4"/>
+                </a:solidFill>
+              </a:rPr>
+              <a:t>Cat</a:t>
+            </a:r>
+            <a:r>
+              <a:rPr lang="en-IN" sz="1200" dirty="0">
+                <a:solidFill>
+                  <a:schemeClr val="bg1"/>
+                </a:solidFill>
+              </a:rPr>
+              <a:t>(); 		</a:t>
+            </a:r>
+            <a:r>
+              <a:rPr lang="en-IN" sz="1200" dirty="0">
+                <a:solidFill>
+                  <a:schemeClr val="tx1">
+                    <a:lumMod val="50000"/>
+                    <a:lumOff val="50000"/>
+                  </a:schemeClr>
+                </a:solidFill>
+              </a:rPr>
+              <a:t>// Upcasting</a:t>
+            </a:r>
+          </a:p>
+          <a:p>
+            <a:endParaRPr lang="en-IN" sz="1200" dirty="0">
+              <a:solidFill>
+                <a:schemeClr val="bg1"/>
+              </a:solidFill>
+            </a:endParaRPr>
+          </a:p>
+          <a:p>
+            <a:r>
+              <a:rPr lang="en-IN" sz="1200" dirty="0">
+                <a:solidFill>
+                  <a:schemeClr val="bg1"/>
+                </a:solidFill>
+              </a:rPr>
+              <a:t>        </a:t>
+            </a:r>
+            <a:r>
+              <a:rPr lang="en-IN" sz="1200" dirty="0">
+                <a:solidFill>
+                  <a:srgbClr val="61CBF4"/>
+                </a:solidFill>
+              </a:rPr>
+              <a:t>animal1</a:t>
+            </a:r>
+            <a:r>
+              <a:rPr lang="en-IN" sz="1200" dirty="0">
+                <a:solidFill>
+                  <a:schemeClr val="bg1"/>
+                </a:solidFill>
+              </a:rPr>
+              <a:t>.</a:t>
+            </a:r>
+            <a:r>
+              <a:rPr lang="en-IN" sz="1200" dirty="0">
+                <a:solidFill>
+                  <a:srgbClr val="61CBF4"/>
+                </a:solidFill>
+              </a:rPr>
+              <a:t>sound</a:t>
+            </a:r>
+            <a:r>
+              <a:rPr lang="en-IN" sz="1200" dirty="0">
+                <a:solidFill>
+                  <a:schemeClr val="bg1"/>
+                </a:solidFill>
+              </a:rPr>
+              <a:t>(); 	</a:t>
+            </a:r>
+            <a:r>
+              <a:rPr lang="en-IN" sz="1200" dirty="0">
+                <a:solidFill>
+                  <a:schemeClr val="tx1">
+                    <a:lumMod val="50000"/>
+                    <a:lumOff val="50000"/>
+                  </a:schemeClr>
+                </a:solidFill>
+              </a:rPr>
+              <a:t>// Calls Dog's overridden method: "Dog barks"</a:t>
+            </a:r>
+          </a:p>
+          <a:p>
+            <a:r>
+              <a:rPr lang="en-IN" sz="1200" dirty="0">
+                <a:solidFill>
+                  <a:schemeClr val="bg1"/>
+                </a:solidFill>
+              </a:rPr>
+              <a:t>        </a:t>
+            </a:r>
+            <a:r>
+              <a:rPr lang="en-IN" sz="1200" dirty="0">
+                <a:solidFill>
+                  <a:srgbClr val="61CBF4"/>
+                </a:solidFill>
+              </a:rPr>
+              <a:t>animal2</a:t>
+            </a:r>
+            <a:r>
+              <a:rPr lang="en-IN" sz="1200" dirty="0">
+                <a:solidFill>
+                  <a:schemeClr val="bg1"/>
+                </a:solidFill>
+              </a:rPr>
+              <a:t>.</a:t>
+            </a:r>
+            <a:r>
+              <a:rPr lang="en-IN" sz="1200" dirty="0">
+                <a:solidFill>
+                  <a:srgbClr val="61CBF4"/>
+                </a:solidFill>
+              </a:rPr>
+              <a:t>sound</a:t>
+            </a:r>
+            <a:r>
+              <a:rPr lang="en-IN" sz="1200" dirty="0">
+                <a:solidFill>
+                  <a:schemeClr val="bg1"/>
+                </a:solidFill>
+              </a:rPr>
+              <a:t>(); 	</a:t>
+            </a:r>
+            <a:r>
+              <a:rPr lang="en-IN" sz="1200" dirty="0">
+                <a:solidFill>
+                  <a:schemeClr val="tx1">
+                    <a:lumMod val="50000"/>
+                    <a:lumOff val="50000"/>
+                  </a:schemeClr>
+                </a:solidFill>
+              </a:rPr>
+              <a:t>// Calls Cat's overridden method: "Cat meows"</a:t>
+            </a:r>
+          </a:p>
+          <a:p>
+            <a:r>
+              <a:rPr lang="en-IN" sz="1200" dirty="0">
+                <a:solidFill>
+                  <a:schemeClr val="bg1"/>
+                </a:solidFill>
+              </a:rPr>
+              <a:t>    }</a:t>
+            </a:r>
+          </a:p>
+          <a:p>
+            <a:r>
+              <a:rPr lang="en-IN" sz="1200" dirty="0">
+                <a:solidFill>
+                  <a:schemeClr val="bg1"/>
+                </a:solidFill>
+              </a:rPr>
+              <a:t>}</a:t>
+            </a:r>
+          </a:p>
+        </p:txBody>
+      </p:sp>
+    </p:spTree>
+    <p:extLst>
+      <p:ext uri="{BB962C8B-B14F-4D97-AF65-F5344CB8AC3E}">
+        <p14:creationId xmlns:p14="http://schemas.microsoft.com/office/powerpoint/2010/main" val="611962475"/>
+      </p:ext>
+    </p:extLst>
+  </p:cSld>
+  <p:clrMapOvr>
+    <a:masterClrMapping/>
+  </p:clrMapOvr>
+  <mc:AlternateContent xmlns:mc="http://schemas.openxmlformats.org/markup-compatibility/2006">
+    <mc:Choice xmlns:p14="http://schemas.microsoft.com/office/powerpoint/2010/main" Requires="p14">
+      <p:transition spd="slow" p14:dur="800">
+        <p14:flythrough/>
+      </p:transition>
+    </mc:Choice>
+    <mc:Fallback>
+      <p:transition spd="slow">
+        <p:fade/>
+      </p:transition>
+    </mc:Fallback>
+  </mc:AlternateContent>
+</p:sld>
+</file>
+
+<file path=ppt/slides/slide51.xml><?xml version="1.0" encoding="utf-8"?>
+<p:sld xmlns:a="http://schemas.openxmlformats.org/drawingml/2006/main" xmlns:r="http://schemas.openxmlformats.org/officeDocument/2006/relationships" xmlns:p="http://schemas.openxmlformats.org/presentationml/2006/main">
+  <p:cSld>
+    <p:spTree>
+      <p:nvGrpSpPr>
+        <p:cNvPr id="1" name="">
+          <a:extLst>
+            <a:ext uri="{FF2B5EF4-FFF2-40B4-BE49-F238E27FC236}">
+              <a16:creationId xmlns:a16="http://schemas.microsoft.com/office/drawing/2014/main" id="{D91DA7F6-20B4-CA79-FAC3-3040A02EC4E5}"/>
+            </a:ext>
+          </a:extLst>
+        </p:cNvPr>
+        <p:cNvGrpSpPr/>
+        <p:nvPr/>
+      </p:nvGrpSpPr>
+      <p:grpSpPr>
+        <a:xfrm>
+          <a:off x="0" y="0"/>
+          <a:ext cx="0" cy="0"/>
+          <a:chOff x="0" y="0"/>
+          <a:chExt cx="0" cy="0"/>
+        </a:xfrm>
+      </p:grpSpPr>
+      <p:sp>
+        <p:nvSpPr>
+          <p:cNvPr id="3" name="TextBox 2">
+            <a:extLst>
+              <a:ext uri="{FF2B5EF4-FFF2-40B4-BE49-F238E27FC236}">
+                <a16:creationId xmlns:a16="http://schemas.microsoft.com/office/drawing/2014/main" id="{472FA3DF-C769-01AC-E441-CCD1FFF5261C}"/>
+              </a:ext>
+            </a:extLst>
+          </p:cNvPr>
+          <p:cNvSpPr txBox="1"/>
+          <p:nvPr/>
+        </p:nvSpPr>
+        <p:spPr>
+          <a:xfrm>
+            <a:off x="1720735" y="107035"/>
+            <a:ext cx="8750530" cy="1569660"/>
+          </a:xfrm>
+          <a:prstGeom prst="rect">
+            <a:avLst/>
+          </a:prstGeom>
+          <a:noFill/>
+        </p:spPr>
+        <p:txBody>
+          <a:bodyPr wrap="square" rtlCol="0">
+            <a:spAutoFit/>
+          </a:bodyPr>
+          <a:lstStyle/>
+          <a:p>
+            <a:pPr algn="ctr"/>
+            <a:r>
+              <a:rPr lang="en-US" sz="9600" b="1" dirty="0">
+                <a:solidFill>
+                  <a:schemeClr val="bg1"/>
+                </a:solidFill>
+              </a:rPr>
+              <a:t>Abstraction</a:t>
+            </a:r>
+            <a:endParaRPr lang="en-IN" sz="9600" b="1" dirty="0">
+              <a:solidFill>
+                <a:schemeClr val="bg1"/>
+              </a:solidFill>
+            </a:endParaRPr>
+          </a:p>
+        </p:txBody>
+      </p:sp>
+      <p:sp>
+        <p:nvSpPr>
+          <p:cNvPr id="2" name="TextBox 1">
+            <a:extLst>
+              <a:ext uri="{FF2B5EF4-FFF2-40B4-BE49-F238E27FC236}">
+                <a16:creationId xmlns:a16="http://schemas.microsoft.com/office/drawing/2014/main" id="{D5E52534-5A96-A828-BA86-FE17BF85E887}"/>
+              </a:ext>
+            </a:extLst>
+          </p:cNvPr>
+          <p:cNvSpPr txBox="1"/>
+          <p:nvPr/>
+        </p:nvSpPr>
+        <p:spPr>
+          <a:xfrm>
+            <a:off x="356236" y="2180719"/>
+            <a:ext cx="11479529" cy="2554545"/>
+          </a:xfrm>
+          <a:prstGeom prst="rect">
+            <a:avLst/>
+          </a:prstGeom>
+          <a:noFill/>
+        </p:spPr>
+        <p:txBody>
+          <a:bodyPr wrap="square" rtlCol="0">
+            <a:spAutoFit/>
+          </a:bodyPr>
+          <a:lstStyle/>
+          <a:p>
+            <a:pPr algn="ctr"/>
+            <a:r>
+              <a:rPr lang="en-IN" sz="4000" b="1" dirty="0">
+                <a:solidFill>
+                  <a:schemeClr val="bg1"/>
+                </a:solidFill>
+              </a:rPr>
+              <a:t>Abstraction focuses on showing only essential details while hiding the implementation. It is achieved through abstraction classes and interfaces.</a:t>
+            </a:r>
+          </a:p>
+        </p:txBody>
+      </p:sp>
+    </p:spTree>
+    <p:extLst>
+      <p:ext uri="{BB962C8B-B14F-4D97-AF65-F5344CB8AC3E}">
+        <p14:creationId xmlns:p14="http://schemas.microsoft.com/office/powerpoint/2010/main" val="981759606"/>
+      </p:ext>
+    </p:extLst>
+  </p:cSld>
+  <p:clrMapOvr>
+    <a:masterClrMapping/>
+  </p:clrMapOvr>
+  <mc:AlternateContent xmlns:mc="http://schemas.openxmlformats.org/markup-compatibility/2006">
+    <mc:Choice xmlns:p14="http://schemas.microsoft.com/office/powerpoint/2010/main" Requires="p14">
+      <p:transition spd="slow" p14:dur="4000">
+        <p14:vortex dir="r"/>
+      </p:transition>
+    </mc:Choice>
+    <mc:Fallback>
       <p:transition spd="slow">
         <p:fade/>
       </p:transition>
